--- a/Scatch.pptx
+++ b/Scatch.pptx
@@ -6547,7 +6547,7 @@
           <p:nvPr>
             <p:extLst>
               <p:ext uri="{D42A27DB-BD31-4B8C-83A1-F6EECF244321}">
-                <p14:modId xmlns:p14="http://schemas.microsoft.com/office/powerpoint/2010/main" val="3960533748"/>
+                <p14:modId xmlns:p14="http://schemas.microsoft.com/office/powerpoint/2010/main" val="3492372177"/>
               </p:ext>
             </p:extLst>
           </p:nvPr>
@@ -6566,21 +6566,21 @@
                 <a:gridCol w="3836954">
                   <a:extLst>
                     <a:ext uri="{9D8B030D-6E8A-4147-A177-3AD203B41FA5}">
-                      <a16:colId xmlns:a16="http://schemas.microsoft.com/office/drawing/2014/main" val="20000"/>
+                      <a16:colId xmlns:a16="http://schemas.microsoft.com/office/drawing/2014/main" xmlns="" val="20000"/>
                     </a:ext>
                   </a:extLst>
                 </a:gridCol>
                 <a:gridCol w="1632857">
                   <a:extLst>
                     <a:ext uri="{9D8B030D-6E8A-4147-A177-3AD203B41FA5}">
-                      <a16:colId xmlns:a16="http://schemas.microsoft.com/office/drawing/2014/main" val="20001"/>
+                      <a16:colId xmlns:a16="http://schemas.microsoft.com/office/drawing/2014/main" xmlns="" val="20001"/>
                     </a:ext>
                   </a:extLst>
                 </a:gridCol>
                 <a:gridCol w="6055568">
                   <a:extLst>
                     <a:ext uri="{9D8B030D-6E8A-4147-A177-3AD203B41FA5}">
-                      <a16:colId xmlns:a16="http://schemas.microsoft.com/office/drawing/2014/main" val="20002"/>
+                      <a16:colId xmlns:a16="http://schemas.microsoft.com/office/drawing/2014/main" xmlns="" val="20002"/>
                     </a:ext>
                   </a:extLst>
                 </a:gridCol>
@@ -6645,7 +6645,7 @@
                 </a:tc>
                 <a:extLst>
                   <a:ext uri="{0D108BD9-81ED-4DB2-BD59-A6C34878D82A}">
-                    <a16:rowId xmlns:a16="http://schemas.microsoft.com/office/drawing/2014/main" val="10000"/>
+                    <a16:rowId xmlns:a16="http://schemas.microsoft.com/office/drawing/2014/main" xmlns="" val="10000"/>
                   </a:ext>
                 </a:extLst>
               </a:tr>
@@ -6721,7 +6721,7 @@
                 </a:tc>
                 <a:extLst>
                   <a:ext uri="{0D108BD9-81ED-4DB2-BD59-A6C34878D82A}">
-                    <a16:rowId xmlns:a16="http://schemas.microsoft.com/office/drawing/2014/main" val="10001"/>
+                    <a16:rowId xmlns:a16="http://schemas.microsoft.com/office/drawing/2014/main" xmlns="" val="10001"/>
                   </a:ext>
                 </a:extLst>
               </a:tr>
@@ -6793,7 +6793,83 @@
                 </a:tc>
                 <a:extLst>
                   <a:ext uri="{0D108BD9-81ED-4DB2-BD59-A6C34878D82A}">
-                    <a16:rowId xmlns:a16="http://schemas.microsoft.com/office/drawing/2014/main" val="10002"/>
+                    <a16:rowId xmlns:a16="http://schemas.microsoft.com/office/drawing/2014/main" xmlns="" val="10002"/>
+                  </a:ext>
+                </a:extLst>
+              </a:tr>
+              <a:tr h="370840">
+                <a:tc>
+                  <a:txBody>
+                    <a:bodyPr/>
+                    <a:lstStyle/>
+                    <a:p>
+                      <a:pPr algn="ctr" latinLnBrk="1"/>
+                      <a:r>
+                        <a:rPr lang="en-US" altLang="ko-KR" dirty="0" smtClean="0"/>
+                        <a:t>DB</a:t>
+                      </a:r>
+                      <a:r>
+                        <a:rPr lang="en-US" altLang="ko-KR" baseline="0" dirty="0" smtClean="0"/>
+                        <a:t> </a:t>
+                      </a:r>
+                      <a:r>
+                        <a:rPr lang="ko-KR" altLang="en-US" baseline="0" dirty="0" smtClean="0"/>
+                        <a:t>서버 구축</a:t>
+                      </a:r>
+                      <a:endParaRPr lang="ko-KR" altLang="en-US" dirty="0"/>
+                    </a:p>
+                  </a:txBody>
+                  <a:tcPr/>
+                </a:tc>
+                <a:tc>
+                  <a:txBody>
+                    <a:bodyPr/>
+                    <a:lstStyle/>
+                    <a:p>
+                      <a:pPr algn="ctr" latinLnBrk="1"/>
+                      <a:r>
+                        <a:rPr lang="en-US" altLang="ko-KR" dirty="0" smtClean="0"/>
+                        <a:t>1</a:t>
+                      </a:r>
+                      <a:r>
+                        <a:rPr lang="ko-KR" altLang="en-US" dirty="0" smtClean="0"/>
+                        <a:t>일</a:t>
+                      </a:r>
+                      <a:endParaRPr lang="ko-KR" altLang="en-US" dirty="0"/>
+                    </a:p>
+                  </a:txBody>
+                  <a:tcPr/>
+                </a:tc>
+                <a:tc>
+                  <a:txBody>
+                    <a:bodyPr/>
+                    <a:lstStyle/>
+                    <a:p>
+                      <a:pPr algn="ctr" latinLnBrk="1"/>
+                      <a:r>
+                        <a:rPr lang="ko-KR" altLang="en-US" dirty="0" smtClean="0"/>
+                        <a:t>서버 </a:t>
+                      </a:r>
+                      <a:r>
+                        <a:rPr lang="ko-KR" altLang="en-US" dirty="0" err="1" smtClean="0"/>
+                        <a:t>세팅</a:t>
+                      </a:r>
+                      <a:r>
+                        <a:rPr lang="en-US" altLang="ko-KR" dirty="0" smtClean="0"/>
+                        <a:t>, </a:t>
+                      </a:r>
+                      <a:r>
+                        <a:rPr lang="ko-KR" altLang="en-US" dirty="0" smtClean="0"/>
+                        <a:t>테이블 구성 및 스키마 디자인</a:t>
+                      </a:r>
+                      <a:endParaRPr lang="ko-KR" altLang="en-US" dirty="0"/>
+                    </a:p>
+                  </a:txBody>
+                  <a:tcPr/>
+                </a:tc>
+                <a:extLst>
+                  <a:ext uri="{0D108BD9-81ED-4DB2-BD59-A6C34878D82A}">
+                    <a16:rowId xmlns:a16="http://schemas.microsoft.com/office/drawing/2014/main" xmlns="" val="10003"/>
                   </a:ext>
                 </a:extLst>
               </a:tr>
@@ -6833,7 +6909,87 @@
                 </a:tc>
                 <a:extLst>
                   <a:ext uri="{0D108BD9-81ED-4DB2-BD59-A6C34878D82A}">
-                    <a16:rowId xmlns:a16="http://schemas.microsoft.com/office/drawing/2014/main" val="10003"/>
+                    <a16:rowId xmlns:a16="http://schemas.microsoft.com/office/drawing/2014/main" xmlns="" val="10004"/>
+                  </a:ext>
+                </a:extLst>
+              </a:tr>
+              <a:tr h="370840">
+                <a:tc>
+                  <a:txBody>
+                    <a:bodyPr/>
+                    <a:lstStyle/>
+                    <a:p>
+                      <a:pPr algn="ctr" latinLnBrk="1"/>
+                      <a:endParaRPr lang="ko-KR" altLang="en-US"/>
+                    </a:p>
+                  </a:txBody>
+                  <a:tcPr/>
+                </a:tc>
+                <a:tc>
+                  <a:txBody>
+                    <a:bodyPr/>
+                    <a:lstStyle/>
+                    <a:p>
+                      <a:pPr algn="ctr" latinLnBrk="1"/>
+                      <a:endParaRPr lang="ko-KR" altLang="en-US"/>
+                    </a:p>
+                  </a:txBody>
+                  <a:tcPr/>
+                </a:tc>
+                <a:tc>
+                  <a:txBody>
+                    <a:bodyPr/>
+                    <a:lstStyle/>
+                    <a:p>
+                      <a:pPr algn="ctr" latinLnBrk="1"/>
+                      <a:endParaRPr lang="ko-KR" altLang="en-US" dirty="0"/>
+                    </a:p>
+                  </a:txBody>
+                  <a:tcPr/>
+                </a:tc>
+                <a:extLst>
+                  <a:ext uri="{0D108BD9-81ED-4DB2-BD59-A6C34878D82A}">
+                    <a16:rowId xmlns:a16="http://schemas.microsoft.com/office/drawing/2014/main" xmlns="" val="10005"/>
+                  </a:ext>
+                </a:extLst>
+              </a:tr>
+              <a:tr h="370840">
+                <a:tc>
+                  <a:txBody>
+                    <a:bodyPr/>
+                    <a:lstStyle/>
+                    <a:p>
+                      <a:pPr algn="ctr" latinLnBrk="1"/>
+                      <a:endParaRPr lang="ko-KR" altLang="en-US"/>
+                    </a:p>
+                  </a:txBody>
+                  <a:tcPr/>
+                </a:tc>
+                <a:tc>
+                  <a:txBody>
+                    <a:bodyPr/>
+                    <a:lstStyle/>
+                    <a:p>
+                      <a:pPr algn="ctr" latinLnBrk="1"/>
+                      <a:endParaRPr lang="ko-KR" altLang="en-US"/>
+                    </a:p>
+                  </a:txBody>
+                  <a:tcPr/>
+                </a:tc>
+                <a:tc>
+                  <a:txBody>
+                    <a:bodyPr/>
+                    <a:lstStyle/>
+                    <a:p>
+                      <a:pPr algn="ctr" latinLnBrk="1"/>
+                      <a:endParaRPr lang="ko-KR" altLang="en-US" dirty="0"/>
+                    </a:p>
+                  </a:txBody>
+                  <a:tcPr/>
+                </a:tc>
+                <a:extLst>
+                  <a:ext uri="{0D108BD9-81ED-4DB2-BD59-A6C34878D82A}">
+                    <a16:rowId xmlns:a16="http://schemas.microsoft.com/office/drawing/2014/main" xmlns="" val="10006"/>
                   </a:ext>
                 </a:extLst>
               </a:tr>
@@ -6873,127 +7029,7 @@
                 </a:tc>
                 <a:extLst>
                   <a:ext uri="{0D108BD9-81ED-4DB2-BD59-A6C34878D82A}">
-                    <a16:rowId xmlns:a16="http://schemas.microsoft.com/office/drawing/2014/main" val="10004"/>
-                  </a:ext>
-                </a:extLst>
-              </a:tr>
-              <a:tr h="370840">
-                <a:tc>
-                  <a:txBody>
-                    <a:bodyPr/>
-                    <a:lstStyle/>
-                    <a:p>
-                      <a:pPr algn="ctr" latinLnBrk="1"/>
-                      <a:endParaRPr lang="ko-KR" altLang="en-US"/>
-                    </a:p>
-                  </a:txBody>
-                  <a:tcPr/>
-                </a:tc>
-                <a:tc>
-                  <a:txBody>
-                    <a:bodyPr/>
-                    <a:lstStyle/>
-                    <a:p>
-                      <a:pPr algn="ctr" latinLnBrk="1"/>
-                      <a:endParaRPr lang="ko-KR" altLang="en-US"/>
-                    </a:p>
-                  </a:txBody>
-                  <a:tcPr/>
-                </a:tc>
-                <a:tc>
-                  <a:txBody>
-                    <a:bodyPr/>
-                    <a:lstStyle/>
-                    <a:p>
-                      <a:pPr algn="ctr" latinLnBrk="1"/>
-                      <a:endParaRPr lang="ko-KR" altLang="en-US" dirty="0"/>
-                    </a:p>
-                  </a:txBody>
-                  <a:tcPr/>
-                </a:tc>
-                <a:extLst>
-                  <a:ext uri="{0D108BD9-81ED-4DB2-BD59-A6C34878D82A}">
-                    <a16:rowId xmlns:a16="http://schemas.microsoft.com/office/drawing/2014/main" val="10005"/>
-                  </a:ext>
-                </a:extLst>
-              </a:tr>
-              <a:tr h="370840">
-                <a:tc>
-                  <a:txBody>
-                    <a:bodyPr/>
-                    <a:lstStyle/>
-                    <a:p>
-                      <a:pPr algn="ctr" latinLnBrk="1"/>
-                      <a:endParaRPr lang="ko-KR" altLang="en-US"/>
-                    </a:p>
-                  </a:txBody>
-                  <a:tcPr/>
-                </a:tc>
-                <a:tc>
-                  <a:txBody>
-                    <a:bodyPr/>
-                    <a:lstStyle/>
-                    <a:p>
-                      <a:pPr algn="ctr" latinLnBrk="1"/>
-                      <a:endParaRPr lang="ko-KR" altLang="en-US"/>
-                    </a:p>
-                  </a:txBody>
-                  <a:tcPr/>
-                </a:tc>
-                <a:tc>
-                  <a:txBody>
-                    <a:bodyPr/>
-                    <a:lstStyle/>
-                    <a:p>
-                      <a:pPr algn="ctr" latinLnBrk="1"/>
-                      <a:endParaRPr lang="ko-KR" altLang="en-US" dirty="0"/>
-                    </a:p>
-                  </a:txBody>
-                  <a:tcPr/>
-                </a:tc>
-                <a:extLst>
-                  <a:ext uri="{0D108BD9-81ED-4DB2-BD59-A6C34878D82A}">
-                    <a16:rowId xmlns:a16="http://schemas.microsoft.com/office/drawing/2014/main" val="10006"/>
-                  </a:ext>
-                </a:extLst>
-              </a:tr>
-              <a:tr h="370840">
-                <a:tc>
-                  <a:txBody>
-                    <a:bodyPr/>
-                    <a:lstStyle/>
-                    <a:p>
-                      <a:pPr algn="ctr" latinLnBrk="1"/>
-                      <a:endParaRPr lang="ko-KR" altLang="en-US"/>
-                    </a:p>
-                  </a:txBody>
-                  <a:tcPr/>
-                </a:tc>
-                <a:tc>
-                  <a:txBody>
-                    <a:bodyPr/>
-                    <a:lstStyle/>
-                    <a:p>
-                      <a:pPr algn="ctr" latinLnBrk="1"/>
-                      <a:endParaRPr lang="ko-KR" altLang="en-US" dirty="0"/>
-                    </a:p>
-                  </a:txBody>
-                  <a:tcPr/>
-                </a:tc>
-                <a:tc>
-                  <a:txBody>
-                    <a:bodyPr/>
-                    <a:lstStyle/>
-                    <a:p>
-                      <a:pPr algn="ctr" latinLnBrk="1"/>
-                      <a:endParaRPr lang="ko-KR" altLang="en-US" dirty="0"/>
-                    </a:p>
-                  </a:txBody>
-                  <a:tcPr/>
-                </a:tc>
-                <a:extLst>
-                  <a:ext uri="{0D108BD9-81ED-4DB2-BD59-A6C34878D82A}">
-                    <a16:rowId xmlns:a16="http://schemas.microsoft.com/office/drawing/2014/main" val="10007"/>
+                    <a16:rowId xmlns:a16="http://schemas.microsoft.com/office/drawing/2014/main" xmlns="" val="10007"/>
                   </a:ext>
                 </a:extLst>
               </a:tr>
@@ -12189,31 +12225,7 @@
               <a:rPr lang="ko-KR" altLang="en-US" sz="1400" smtClean="0">
                 <a:latin typeface="HY울릉도M"/>
               </a:rPr>
-              <a:t>면접</a:t>
-            </a:r>
-            <a:r>
-              <a:rPr lang="ko-KR" altLang="en-US" sz="1400" smtClean="0">
-                <a:latin typeface="HY울릉도M"/>
-              </a:rPr>
-              <a:t> </a:t>
-            </a:r>
-            <a:r>
-              <a:rPr lang="ko-KR" altLang="en-US" sz="1400" smtClean="0">
-                <a:latin typeface="HY울릉도M"/>
-              </a:rPr>
-              <a:t>문제</a:t>
-            </a:r>
-            <a:r>
-              <a:rPr lang="ko-KR" altLang="en-US" sz="1400" smtClean="0">
-                <a:latin typeface="HY울릉도M"/>
-              </a:rPr>
-              <a:t> </a:t>
-            </a:r>
-            <a:r>
-              <a:rPr lang="ko-KR" altLang="en-US" sz="1400" smtClean="0">
-                <a:latin typeface="HY울릉도M"/>
-              </a:rPr>
-              <a:t>확인</a:t>
+              <a:t>면접 문제 확인</a:t>
             </a:r>
             <a:endParaRPr lang="ko-KR" altLang="en-US" sz="1400">
               <a:latin typeface="HY울릉도M"/>
@@ -12269,31 +12281,7 @@
               <a:rPr lang="ko-KR" altLang="en-US" sz="1400" smtClean="0">
                 <a:latin typeface="HY울릉도M"/>
               </a:rPr>
-              <a:t>면접</a:t>
-            </a:r>
-            <a:r>
-              <a:rPr lang="ko-KR" altLang="en-US" sz="1400" smtClean="0">
-                <a:latin typeface="HY울릉도M"/>
-              </a:rPr>
-              <a:t> </a:t>
-            </a:r>
-            <a:r>
-              <a:rPr lang="ko-KR" altLang="en-US" sz="1400" smtClean="0">
-                <a:latin typeface="HY울릉도M"/>
-              </a:rPr>
-              <a:t>결과</a:t>
-            </a:r>
-            <a:r>
-              <a:rPr lang="ko-KR" altLang="en-US" sz="1400" smtClean="0">
-                <a:latin typeface="HY울릉도M"/>
-              </a:rPr>
-              <a:t> </a:t>
-            </a:r>
-            <a:r>
-              <a:rPr lang="ko-KR" altLang="en-US" sz="1400" smtClean="0">
-                <a:latin typeface="HY울릉도M"/>
-              </a:rPr>
-              <a:t>확인</a:t>
+              <a:t>면접 결과 확인</a:t>
             </a:r>
             <a:endParaRPr lang="ko-KR" altLang="en-US" sz="1400">
               <a:latin typeface="HY울릉도M"/>

--- a/Scatch.pptx
+++ b/Scatch.pptx
@@ -14,6 +14,7 @@
     <p:sldId id="260" r:id="rId8"/>
     <p:sldId id="264" r:id="rId9"/>
     <p:sldId id="262" r:id="rId10"/>
+    <p:sldId id="265" r:id="rId11"/>
   </p:sldIdLst>
   <p:sldSz cx="12192000" cy="6858000"/>
   <p:notesSz cx="6858000" cy="9144000"/>
@@ -251,7 +252,7 @@
           <a:p>
             <a:fld id="{06EFB4C7-7BEF-490C-A547-EABAD4F9635D}" type="datetimeFigureOut">
               <a:rPr lang="ko-KR" altLang="en-US" smtClean="0"/>
-              <a:t>2017-12-14</a:t>
+              <a:t>2017-12-15</a:t>
             </a:fld>
             <a:endParaRPr lang="ko-KR" altLang="en-US"/>
           </a:p>
@@ -421,7 +422,7 @@
           <a:p>
             <a:fld id="{06EFB4C7-7BEF-490C-A547-EABAD4F9635D}" type="datetimeFigureOut">
               <a:rPr lang="ko-KR" altLang="en-US" smtClean="0"/>
-              <a:t>2017-12-14</a:t>
+              <a:t>2017-12-15</a:t>
             </a:fld>
             <a:endParaRPr lang="ko-KR" altLang="en-US"/>
           </a:p>
@@ -601,7 +602,7 @@
           <a:p>
             <a:fld id="{06EFB4C7-7BEF-490C-A547-EABAD4F9635D}" type="datetimeFigureOut">
               <a:rPr lang="ko-KR" altLang="en-US" smtClean="0"/>
-              <a:t>2017-12-14</a:t>
+              <a:t>2017-12-15</a:t>
             </a:fld>
             <a:endParaRPr lang="ko-KR" altLang="en-US"/>
           </a:p>
@@ -771,7 +772,7 @@
           <a:p>
             <a:fld id="{06EFB4C7-7BEF-490C-A547-EABAD4F9635D}" type="datetimeFigureOut">
               <a:rPr lang="ko-KR" altLang="en-US" smtClean="0"/>
-              <a:t>2017-12-14</a:t>
+              <a:t>2017-12-15</a:t>
             </a:fld>
             <a:endParaRPr lang="ko-KR" altLang="en-US"/>
           </a:p>
@@ -1017,7 +1018,7 @@
           <a:p>
             <a:fld id="{06EFB4C7-7BEF-490C-A547-EABAD4F9635D}" type="datetimeFigureOut">
               <a:rPr lang="ko-KR" altLang="en-US" smtClean="0"/>
-              <a:t>2017-12-14</a:t>
+              <a:t>2017-12-15</a:t>
             </a:fld>
             <a:endParaRPr lang="ko-KR" altLang="en-US"/>
           </a:p>
@@ -1249,7 +1250,7 @@
           <a:p>
             <a:fld id="{06EFB4C7-7BEF-490C-A547-EABAD4F9635D}" type="datetimeFigureOut">
               <a:rPr lang="ko-KR" altLang="en-US" smtClean="0"/>
-              <a:t>2017-12-14</a:t>
+              <a:t>2017-12-15</a:t>
             </a:fld>
             <a:endParaRPr lang="ko-KR" altLang="en-US"/>
           </a:p>
@@ -1616,7 +1617,7 @@
           <a:p>
             <a:fld id="{06EFB4C7-7BEF-490C-A547-EABAD4F9635D}" type="datetimeFigureOut">
               <a:rPr lang="ko-KR" altLang="en-US" smtClean="0"/>
-              <a:t>2017-12-14</a:t>
+              <a:t>2017-12-15</a:t>
             </a:fld>
             <a:endParaRPr lang="ko-KR" altLang="en-US"/>
           </a:p>
@@ -1734,7 +1735,7 @@
           <a:p>
             <a:fld id="{06EFB4C7-7BEF-490C-A547-EABAD4F9635D}" type="datetimeFigureOut">
               <a:rPr lang="ko-KR" altLang="en-US" smtClean="0"/>
-              <a:t>2017-12-14</a:t>
+              <a:t>2017-12-15</a:t>
             </a:fld>
             <a:endParaRPr lang="ko-KR" altLang="en-US"/>
           </a:p>
@@ -1829,7 +1830,7 @@
           <a:p>
             <a:fld id="{06EFB4C7-7BEF-490C-A547-EABAD4F9635D}" type="datetimeFigureOut">
               <a:rPr lang="ko-KR" altLang="en-US" smtClean="0"/>
-              <a:t>2017-12-14</a:t>
+              <a:t>2017-12-15</a:t>
             </a:fld>
             <a:endParaRPr lang="ko-KR" altLang="en-US"/>
           </a:p>
@@ -2106,7 +2107,7 @@
           <a:p>
             <a:fld id="{06EFB4C7-7BEF-490C-A547-EABAD4F9635D}" type="datetimeFigureOut">
               <a:rPr lang="ko-KR" altLang="en-US" smtClean="0"/>
-              <a:t>2017-12-14</a:t>
+              <a:t>2017-12-15</a:t>
             </a:fld>
             <a:endParaRPr lang="ko-KR" altLang="en-US"/>
           </a:p>
@@ -2359,7 +2360,7 @@
           <a:p>
             <a:fld id="{06EFB4C7-7BEF-490C-A547-EABAD4F9635D}" type="datetimeFigureOut">
               <a:rPr lang="ko-KR" altLang="en-US" smtClean="0"/>
-              <a:t>2017-12-14</a:t>
+              <a:t>2017-12-15</a:t>
             </a:fld>
             <a:endParaRPr lang="ko-KR" altLang="en-US"/>
           </a:p>
@@ -2572,7 +2573,7 @@
           <a:p>
             <a:fld id="{06EFB4C7-7BEF-490C-A547-EABAD4F9635D}" type="datetimeFigureOut">
               <a:rPr lang="ko-KR" altLang="en-US" smtClean="0"/>
-              <a:t>2017-12-14</a:t>
+              <a:t>2017-12-15</a:t>
             </a:fld>
             <a:endParaRPr lang="ko-KR" altLang="en-US"/>
           </a:p>
@@ -4876,6 +4877,1210 @@
 </p:sld>
 </file>
 
+<file path=ppt/slides/slide10.xml><?xml version="1.0" encoding="utf-8"?>
+<p:sld xmlns:a="http://schemas.openxmlformats.org/drawingml/2006/main" xmlns:r="http://schemas.openxmlformats.org/officeDocument/2006/relationships" xmlns:p="http://schemas.openxmlformats.org/presentationml/2006/main">
+  <p:cSld>
+    <p:spTree>
+      <p:nvGrpSpPr>
+        <p:cNvPr id="1" name=""/>
+        <p:cNvGrpSpPr/>
+        <p:nvPr/>
+      </p:nvGrpSpPr>
+      <p:grpSpPr>
+        <a:xfrm>
+          <a:off x="0" y="0"/>
+          <a:ext cx="0" cy="0"/>
+          <a:chOff x="0" y="0"/>
+          <a:chExt cx="0" cy="0"/>
+        </a:xfrm>
+      </p:grpSpPr>
+      <p:sp>
+        <p:nvSpPr>
+          <p:cNvPr id="2" name="직사각형 1"/>
+          <p:cNvSpPr/>
+          <p:nvPr/>
+        </p:nvSpPr>
+        <p:spPr>
+          <a:xfrm>
+            <a:off x="0" y="0"/>
+            <a:ext cx="2388637" cy="466530"/>
+          </a:xfrm>
+          <a:prstGeom prst="rect">
+            <a:avLst/>
+          </a:prstGeom>
+          <a:solidFill>
+            <a:schemeClr val="tx1"/>
+          </a:solidFill>
+          <a:ln>
+            <a:noFill/>
+          </a:ln>
+        </p:spPr>
+        <p:style>
+          <a:lnRef idx="2">
+            <a:schemeClr val="accent1">
+              <a:shade val="50000"/>
+            </a:schemeClr>
+          </a:lnRef>
+          <a:fillRef idx="1">
+            <a:schemeClr val="accent1"/>
+          </a:fillRef>
+          <a:effectRef idx="0">
+            <a:schemeClr val="accent1"/>
+          </a:effectRef>
+          <a:fontRef idx="minor">
+            <a:schemeClr val="lt1"/>
+          </a:fontRef>
+        </p:style>
+        <p:txBody>
+          <a:bodyPr rtlCol="0" anchor="ctr"/>
+          <a:lstStyle/>
+          <a:p>
+            <a:pPr algn="ctr"/>
+            <a:r>
+              <a:rPr lang="ko-KR" altLang="en-US" smtClean="0">
+                <a:latin typeface="210 맨발의청춘 B" panose="02020603020101020101" pitchFamily="18" charset="-127"/>
+                <a:ea typeface="210 맨발의청춘 B" panose="02020603020101020101" pitchFamily="18" charset="-127"/>
+              </a:rPr>
+              <a:t>백</a:t>
+            </a:r>
+            <a:r>
+              <a:rPr lang="ko-KR" altLang="en-US" smtClean="0">
+                <a:latin typeface="210 맨발의청춘 B" panose="02020603020101020101" pitchFamily="18" charset="-127"/>
+                <a:ea typeface="210 맨발의청춘 B" panose="02020603020101020101" pitchFamily="18" charset="-127"/>
+              </a:rPr>
+              <a:t> </a:t>
+            </a:r>
+            <a:r>
+              <a:rPr lang="ko-KR" altLang="en-US" smtClean="0">
+                <a:latin typeface="210 맨발의청춘 B" panose="02020603020101020101" pitchFamily="18" charset="-127"/>
+                <a:ea typeface="210 맨발의청춘 B" panose="02020603020101020101" pitchFamily="18" charset="-127"/>
+              </a:rPr>
+              <a:t>앤드</a:t>
+            </a:r>
+            <a:r>
+              <a:rPr lang="ko-KR" altLang="en-US" smtClean="0">
+                <a:latin typeface="210 맨발의청춘 B" panose="02020603020101020101" pitchFamily="18" charset="-127"/>
+                <a:ea typeface="210 맨발의청춘 B" panose="02020603020101020101" pitchFamily="18" charset="-127"/>
+              </a:rPr>
+              <a:t> </a:t>
+            </a:r>
+            <a:r>
+              <a:rPr lang="ko-KR" altLang="en-US" smtClean="0">
+                <a:latin typeface="210 맨발의청춘 B" panose="02020603020101020101" pitchFamily="18" charset="-127"/>
+                <a:ea typeface="210 맨발의청춘 B" panose="02020603020101020101" pitchFamily="18" charset="-127"/>
+              </a:rPr>
+              <a:t>설계</a:t>
+            </a:r>
+            <a:endParaRPr lang="ko-KR" altLang="en-US" dirty="0">
+              <a:latin typeface="210 맨발의청춘 B" panose="02020603020101020101" pitchFamily="18" charset="-127"/>
+              <a:ea typeface="210 맨발의청춘 B" panose="02020603020101020101" pitchFamily="18" charset="-127"/>
+            </a:endParaRPr>
+          </a:p>
+        </p:txBody>
+      </p:sp>
+      <p:sp>
+        <p:nvSpPr>
+          <p:cNvPr id="9" name="직사각형 8"/>
+          <p:cNvSpPr/>
+          <p:nvPr/>
+        </p:nvSpPr>
+        <p:spPr>
+          <a:xfrm>
+            <a:off x="2565919" y="0"/>
+            <a:ext cx="2388637" cy="466530"/>
+          </a:xfrm>
+          <a:prstGeom prst="rect">
+            <a:avLst/>
+          </a:prstGeom>
+          <a:solidFill>
+            <a:schemeClr val="tx1">
+              <a:lumMod val="50000"/>
+              <a:lumOff val="50000"/>
+            </a:schemeClr>
+          </a:solidFill>
+          <a:ln>
+            <a:noFill/>
+          </a:ln>
+        </p:spPr>
+        <p:style>
+          <a:lnRef idx="2">
+            <a:schemeClr val="accent1">
+              <a:shade val="50000"/>
+            </a:schemeClr>
+          </a:lnRef>
+          <a:fillRef idx="1">
+            <a:schemeClr val="accent1"/>
+          </a:fillRef>
+          <a:effectRef idx="0">
+            <a:schemeClr val="accent1"/>
+          </a:effectRef>
+          <a:fontRef idx="minor">
+            <a:schemeClr val="lt1"/>
+          </a:fontRef>
+        </p:style>
+        <p:txBody>
+          <a:bodyPr rtlCol="0" anchor="ctr"/>
+          <a:lstStyle/>
+          <a:p>
+            <a:pPr algn="ctr"/>
+            <a:r>
+              <a:rPr lang="ko-KR" altLang="en-US" smtClean="0">
+                <a:latin typeface="210 맨발의청춘 B" panose="02020603020101020101" pitchFamily="18" charset="-127"/>
+                <a:ea typeface="210 맨발의청춘 B" panose="02020603020101020101" pitchFamily="18" charset="-127"/>
+              </a:rPr>
+              <a:t>처리</a:t>
+            </a:r>
+            <a:r>
+              <a:rPr lang="ko-KR" altLang="en-US" smtClean="0">
+                <a:latin typeface="210 맨발의청춘 B" panose="02020603020101020101" pitchFamily="18" charset="-127"/>
+                <a:ea typeface="210 맨발의청춘 B" panose="02020603020101020101" pitchFamily="18" charset="-127"/>
+              </a:rPr>
+              <a:t> </a:t>
+            </a:r>
+            <a:r>
+              <a:rPr lang="ko-KR" altLang="en-US" smtClean="0">
+                <a:latin typeface="210 맨발의청춘 B" panose="02020603020101020101" pitchFamily="18" charset="-127"/>
+                <a:ea typeface="210 맨발의청춘 B" panose="02020603020101020101" pitchFamily="18" charset="-127"/>
+              </a:rPr>
+              <a:t>구조</a:t>
+            </a:r>
+            <a:endParaRPr lang="ko-KR" altLang="en-US" dirty="0">
+              <a:latin typeface="210 맨발의청춘 B" panose="02020603020101020101" pitchFamily="18" charset="-127"/>
+              <a:ea typeface="210 맨발의청춘 B" panose="02020603020101020101" pitchFamily="18" charset="-127"/>
+            </a:endParaRPr>
+          </a:p>
+        </p:txBody>
+      </p:sp>
+      <p:sp>
+        <p:nvSpPr>
+          <p:cNvPr id="11" name="TextBox 10"/>
+          <p:cNvSpPr txBox="1"/>
+          <p:nvPr/>
+        </p:nvSpPr>
+        <p:spPr>
+          <a:xfrm>
+            <a:off x="1417153" y="6609769"/>
+            <a:ext cx="585417" cy="276999"/>
+          </a:xfrm>
+          <a:prstGeom prst="rect">
+            <a:avLst/>
+          </a:prstGeom>
+          <a:noFill/>
+        </p:spPr>
+        <p:txBody>
+          <a:bodyPr wrap="none" rtlCol="0">
+            <a:spAutoFit/>
+          </a:bodyPr>
+          <a:lstStyle/>
+          <a:p>
+            <a:r>
+              <a:rPr lang="en-US" altLang="ko-KR" sz="1200" dirty="0" smtClean="0">
+                <a:latin typeface="210 맨발의청춘 L" panose="02020603020101020101" pitchFamily="18" charset="-127"/>
+                <a:ea typeface="210 맨발의청춘 L" panose="02020603020101020101" pitchFamily="18" charset="-127"/>
+              </a:rPr>
+              <a:t>[</a:t>
+            </a:r>
+            <a:r>
+              <a:rPr lang="ko-KR" altLang="en-US" sz="1200" dirty="0" smtClean="0">
+                <a:latin typeface="210 맨발의청춘 L" panose="02020603020101020101" pitchFamily="18" charset="-127"/>
+                <a:ea typeface="210 맨발의청춘 L" panose="02020603020101020101" pitchFamily="18" charset="-127"/>
+              </a:rPr>
+              <a:t>메인</a:t>
+            </a:r>
+            <a:r>
+              <a:rPr lang="en-US" altLang="ko-KR" sz="1200" dirty="0" smtClean="0">
+                <a:latin typeface="210 맨발의청춘 L" panose="02020603020101020101" pitchFamily="18" charset="-127"/>
+                <a:ea typeface="210 맨발의청춘 L" panose="02020603020101020101" pitchFamily="18" charset="-127"/>
+              </a:rPr>
+              <a:t>]</a:t>
+            </a:r>
+            <a:endParaRPr lang="ko-KR" altLang="en-US" sz="1200" dirty="0">
+              <a:latin typeface="210 맨발의청춘 L" panose="02020603020101020101" pitchFamily="18" charset="-127"/>
+              <a:ea typeface="210 맨발의청춘 L" panose="02020603020101020101" pitchFamily="18" charset="-127"/>
+            </a:endParaRPr>
+          </a:p>
+        </p:txBody>
+      </p:sp>
+      <p:sp>
+        <p:nvSpPr>
+          <p:cNvPr id="25" name="직사각형 24"/>
+          <p:cNvSpPr>
+            <a:spLocks noChangeAspect="1"/>
+          </p:cNvSpPr>
+          <p:nvPr/>
+        </p:nvSpPr>
+        <p:spPr>
+          <a:xfrm>
+            <a:off x="2116744" y="1481537"/>
+            <a:ext cx="1113786" cy="1980065"/>
+          </a:xfrm>
+          <a:prstGeom prst="rect">
+            <a:avLst/>
+          </a:prstGeom>
+          <a:solidFill>
+            <a:schemeClr val="bg1"/>
+          </a:solidFill>
+          <a:ln w="25400">
+            <a:solidFill>
+              <a:schemeClr val="tx1"/>
+            </a:solidFill>
+          </a:ln>
+        </p:spPr>
+        <p:style>
+          <a:lnRef idx="2">
+            <a:schemeClr val="accent1">
+              <a:shade val="50000"/>
+            </a:schemeClr>
+          </a:lnRef>
+          <a:fillRef idx="1">
+            <a:schemeClr val="accent1"/>
+          </a:fillRef>
+          <a:effectRef idx="0">
+            <a:schemeClr val="accent1"/>
+          </a:effectRef>
+          <a:fontRef idx="minor">
+            <a:schemeClr val="lt1"/>
+          </a:fontRef>
+        </p:style>
+        <p:txBody>
+          <a:bodyPr rtlCol="0" anchor="ctr"/>
+          <a:lstStyle/>
+          <a:p>
+            <a:pPr algn="ctr"/>
+            <a:endParaRPr lang="ko-KR" altLang="en-US"/>
+          </a:p>
+        </p:txBody>
+      </p:sp>
+      <p:sp>
+        <p:nvSpPr>
+          <p:cNvPr id="26" name="TextBox 25"/>
+          <p:cNvSpPr txBox="1"/>
+          <p:nvPr/>
+        </p:nvSpPr>
+        <p:spPr>
+          <a:xfrm>
+            <a:off x="2457071" y="2359813"/>
+            <a:ext cx="433132" cy="276999"/>
+          </a:xfrm>
+          <a:prstGeom prst="rect">
+            <a:avLst/>
+          </a:prstGeom>
+          <a:noFill/>
+        </p:spPr>
+        <p:txBody>
+          <a:bodyPr wrap="none" rtlCol="0">
+            <a:spAutoFit/>
+          </a:bodyPr>
+          <a:lstStyle/>
+          <a:p>
+            <a:r>
+              <a:rPr lang="en-US" altLang="ko-KR" sz="1200" smtClean="0">
+                <a:latin typeface="210 맨발의청춘 L" panose="02020603020101020101" pitchFamily="18" charset="-127"/>
+                <a:ea typeface="210 맨발의청춘 L" panose="02020603020101020101" pitchFamily="18" charset="-127"/>
+              </a:rPr>
+              <a:t>[</a:t>
+            </a:r>
+            <a:r>
+              <a:rPr lang="ko-KR" altLang="en-US" sz="1200">
+                <a:latin typeface="210 맨발의청춘 L" panose="02020603020101020101" pitchFamily="18" charset="-127"/>
+                <a:ea typeface="210 맨발의청춘 L" panose="02020603020101020101" pitchFamily="18" charset="-127"/>
+              </a:rPr>
+              <a:t>앱</a:t>
+            </a:r>
+            <a:r>
+              <a:rPr lang="en-US" altLang="ko-KR" sz="1200" smtClean="0">
+                <a:latin typeface="210 맨발의청춘 L" panose="02020603020101020101" pitchFamily="18" charset="-127"/>
+                <a:ea typeface="210 맨발의청춘 L" panose="02020603020101020101" pitchFamily="18" charset="-127"/>
+              </a:rPr>
+              <a:t>]</a:t>
+            </a:r>
+            <a:endParaRPr lang="ko-KR" altLang="en-US" sz="1200" dirty="0">
+              <a:latin typeface="210 맨발의청춘 L" panose="02020603020101020101" pitchFamily="18" charset="-127"/>
+              <a:ea typeface="210 맨발의청춘 L" panose="02020603020101020101" pitchFamily="18" charset="-127"/>
+            </a:endParaRPr>
+          </a:p>
+        </p:txBody>
+      </p:sp>
+      <p:cxnSp>
+        <p:nvCxnSpPr>
+          <p:cNvPr id="27" name="직선 화살표 연결선 26"/>
+          <p:cNvCxnSpPr/>
+          <p:nvPr/>
+        </p:nvCxnSpPr>
+        <p:spPr>
+          <a:xfrm>
+            <a:off x="3342710" y="1898647"/>
+            <a:ext cx="1067252" cy="0"/>
+          </a:xfrm>
+          <a:prstGeom prst="straightConnector1">
+            <a:avLst/>
+          </a:prstGeom>
+          <a:ln>
+            <a:solidFill>
+              <a:schemeClr val="tx1"/>
+            </a:solidFill>
+            <a:tailEnd type="triangle"/>
+          </a:ln>
+        </p:spPr>
+        <p:style>
+          <a:lnRef idx="1">
+            <a:schemeClr val="accent1"/>
+          </a:lnRef>
+          <a:fillRef idx="0">
+            <a:schemeClr val="accent1"/>
+          </a:fillRef>
+          <a:effectRef idx="0">
+            <a:schemeClr val="accent1"/>
+          </a:effectRef>
+          <a:fontRef idx="minor">
+            <a:schemeClr val="tx1"/>
+          </a:fontRef>
+        </p:style>
+      </p:cxnSp>
+      <p:sp>
+        <p:nvSpPr>
+          <p:cNvPr id="28" name="직사각형 27"/>
+          <p:cNvSpPr>
+            <a:spLocks noChangeAspect="1"/>
+          </p:cNvSpPr>
+          <p:nvPr/>
+        </p:nvSpPr>
+        <p:spPr>
+          <a:xfrm>
+            <a:off x="4478139" y="1399862"/>
+            <a:ext cx="1009227" cy="997572"/>
+          </a:xfrm>
+          <a:prstGeom prst="rect">
+            <a:avLst/>
+          </a:prstGeom>
+          <a:solidFill>
+            <a:schemeClr val="bg1"/>
+          </a:solidFill>
+          <a:ln w="25400">
+            <a:solidFill>
+              <a:schemeClr val="tx1"/>
+            </a:solidFill>
+          </a:ln>
+        </p:spPr>
+        <p:style>
+          <a:lnRef idx="2">
+            <a:schemeClr val="accent1">
+              <a:shade val="50000"/>
+            </a:schemeClr>
+          </a:lnRef>
+          <a:fillRef idx="1">
+            <a:schemeClr val="accent1"/>
+          </a:fillRef>
+          <a:effectRef idx="0">
+            <a:schemeClr val="accent1"/>
+          </a:effectRef>
+          <a:fontRef idx="minor">
+            <a:schemeClr val="lt1"/>
+          </a:fontRef>
+        </p:style>
+        <p:txBody>
+          <a:bodyPr rtlCol="0" anchor="ctr"/>
+          <a:lstStyle/>
+          <a:p>
+            <a:pPr algn="ctr"/>
+            <a:endParaRPr lang="ko-KR" altLang="en-US"/>
+          </a:p>
+        </p:txBody>
+      </p:sp>
+      <p:sp>
+        <p:nvSpPr>
+          <p:cNvPr id="29" name="TextBox 28"/>
+          <p:cNvSpPr txBox="1"/>
+          <p:nvPr/>
+        </p:nvSpPr>
+        <p:spPr>
+          <a:xfrm>
+            <a:off x="4685351" y="1760148"/>
+            <a:ext cx="562976" cy="276999"/>
+          </a:xfrm>
+          <a:prstGeom prst="rect">
+            <a:avLst/>
+          </a:prstGeom>
+          <a:noFill/>
+        </p:spPr>
+        <p:txBody>
+          <a:bodyPr wrap="none" rtlCol="0">
+            <a:spAutoFit/>
+          </a:bodyPr>
+          <a:lstStyle/>
+          <a:p>
+            <a:pPr algn="ctr"/>
+            <a:r>
+              <a:rPr lang="en-US" altLang="ko-KR" sz="1200" smtClean="0">
+                <a:latin typeface="210 맨발의청춘 L" panose="02020603020101020101" pitchFamily="18" charset="-127"/>
+                <a:ea typeface="210 맨발의청춘 L" panose="02020603020101020101" pitchFamily="18" charset="-127"/>
+              </a:rPr>
+              <a:t>[</a:t>
+            </a:r>
+            <a:r>
+              <a:rPr lang="ko-KR" altLang="en-US" sz="1200" smtClean="0">
+                <a:latin typeface="210 맨발의청춘 L" panose="02020603020101020101" pitchFamily="18" charset="-127"/>
+                <a:ea typeface="210 맨발의청춘 L" panose="02020603020101020101" pitchFamily="18" charset="-127"/>
+              </a:rPr>
+              <a:t>서버</a:t>
+            </a:r>
+            <a:r>
+              <a:rPr lang="en-US" altLang="ko-KR" sz="1200" smtClean="0">
+                <a:latin typeface="210 맨발의청춘 L" panose="02020603020101020101" pitchFamily="18" charset="-127"/>
+                <a:ea typeface="210 맨발의청춘 L" panose="02020603020101020101" pitchFamily="18" charset="-127"/>
+              </a:rPr>
+              <a:t>]</a:t>
+            </a:r>
+            <a:endParaRPr lang="ko-KR" altLang="en-US" sz="1200" dirty="0">
+              <a:latin typeface="210 맨발의청춘 L" panose="02020603020101020101" pitchFamily="18" charset="-127"/>
+              <a:ea typeface="210 맨발의청춘 L" panose="02020603020101020101" pitchFamily="18" charset="-127"/>
+            </a:endParaRPr>
+          </a:p>
+        </p:txBody>
+      </p:sp>
+      <p:sp>
+        <p:nvSpPr>
+          <p:cNvPr id="31" name="TextBox 30"/>
+          <p:cNvSpPr txBox="1"/>
+          <p:nvPr/>
+        </p:nvSpPr>
+        <p:spPr>
+          <a:xfrm>
+            <a:off x="3505520" y="1606761"/>
+            <a:ext cx="697628" cy="276999"/>
+          </a:xfrm>
+          <a:prstGeom prst="rect">
+            <a:avLst/>
+          </a:prstGeom>
+          <a:noFill/>
+        </p:spPr>
+        <p:txBody>
+          <a:bodyPr wrap="none" rtlCol="0">
+            <a:spAutoFit/>
+          </a:bodyPr>
+          <a:lstStyle/>
+          <a:p>
+            <a:pPr algn="ctr"/>
+            <a:r>
+              <a:rPr lang="en-US" altLang="ko-KR" sz="1200" smtClean="0">
+                <a:latin typeface="210 맨발의청춘 L" panose="02020603020101020101" pitchFamily="18" charset="-127"/>
+                <a:ea typeface="210 맨발의청춘 L" panose="02020603020101020101" pitchFamily="18" charset="-127"/>
+              </a:rPr>
+              <a:t>[</a:t>
+            </a:r>
+            <a:r>
+              <a:rPr lang="ko-KR" altLang="en-US" sz="1200" smtClean="0">
+                <a:latin typeface="210 맨발의청춘 L" panose="02020603020101020101" pitchFamily="18" charset="-127"/>
+                <a:ea typeface="210 맨발의청춘 L" panose="02020603020101020101" pitchFamily="18" charset="-127"/>
+              </a:rPr>
+              <a:t>로그인</a:t>
+            </a:r>
+            <a:r>
+              <a:rPr lang="en-US" altLang="ko-KR" sz="1200" smtClean="0">
+                <a:latin typeface="210 맨발의청춘 L" panose="02020603020101020101" pitchFamily="18" charset="-127"/>
+                <a:ea typeface="210 맨발의청춘 L" panose="02020603020101020101" pitchFamily="18" charset="-127"/>
+              </a:rPr>
+              <a:t>]</a:t>
+            </a:r>
+            <a:endParaRPr lang="ko-KR" altLang="en-US" sz="1200" dirty="0">
+              <a:latin typeface="210 맨발의청춘 L" panose="02020603020101020101" pitchFamily="18" charset="-127"/>
+              <a:ea typeface="210 맨발의청춘 L" panose="02020603020101020101" pitchFamily="18" charset="-127"/>
+            </a:endParaRPr>
+          </a:p>
+        </p:txBody>
+      </p:sp>
+      <p:sp>
+        <p:nvSpPr>
+          <p:cNvPr id="34" name="TextBox 33"/>
+          <p:cNvSpPr txBox="1"/>
+          <p:nvPr/>
+        </p:nvSpPr>
+        <p:spPr>
+          <a:xfrm>
+            <a:off x="5809010" y="1606762"/>
+            <a:ext cx="813043" cy="276999"/>
+          </a:xfrm>
+          <a:prstGeom prst="rect">
+            <a:avLst/>
+          </a:prstGeom>
+          <a:noFill/>
+        </p:spPr>
+        <p:txBody>
+          <a:bodyPr wrap="none" rtlCol="0">
+            <a:spAutoFit/>
+          </a:bodyPr>
+          <a:lstStyle/>
+          <a:p>
+            <a:pPr algn="ctr"/>
+            <a:r>
+              <a:rPr lang="en-US" altLang="ko-KR" sz="1200" smtClean="0">
+                <a:latin typeface="210 맨발의청춘 L" panose="02020603020101020101" pitchFamily="18" charset="-127"/>
+                <a:ea typeface="210 맨발의청춘 L" panose="02020603020101020101" pitchFamily="18" charset="-127"/>
+              </a:rPr>
+              <a:t>[</a:t>
+            </a:r>
+            <a:r>
+              <a:rPr lang="ko-KR" altLang="en-US" sz="1200" smtClean="0">
+                <a:latin typeface="210 맨발의청춘 L" panose="02020603020101020101" pitchFamily="18" charset="-127"/>
+                <a:ea typeface="210 맨발의청춘 L" panose="02020603020101020101" pitchFamily="18" charset="-127"/>
+              </a:rPr>
+              <a:t>스레드</a:t>
+            </a:r>
+            <a:r>
+              <a:rPr lang="ko-KR" altLang="en-US" sz="1200" smtClean="0">
+                <a:latin typeface="210 맨발의청춘 L" panose="02020603020101020101" pitchFamily="18" charset="-127"/>
+                <a:ea typeface="210 맨발의청춘 L" panose="02020603020101020101" pitchFamily="18" charset="-127"/>
+              </a:rPr>
+              <a:t> </a:t>
+            </a:r>
+            <a:r>
+              <a:rPr lang="en-US" altLang="ko-KR" sz="1200" smtClean="0">
+                <a:latin typeface="210 맨발의청춘 L" panose="02020603020101020101" pitchFamily="18" charset="-127"/>
+                <a:ea typeface="210 맨발의청춘 L" panose="02020603020101020101" pitchFamily="18" charset="-127"/>
+              </a:rPr>
+              <a:t>1</a:t>
+            </a:r>
+            <a:r>
+              <a:rPr lang="en-US" altLang="ko-KR" sz="1200" smtClean="0">
+                <a:latin typeface="210 맨발의청춘 L" panose="02020603020101020101" pitchFamily="18" charset="-127"/>
+                <a:ea typeface="210 맨발의청춘 L" panose="02020603020101020101" pitchFamily="18" charset="-127"/>
+              </a:rPr>
+              <a:t>]</a:t>
+            </a:r>
+            <a:endParaRPr lang="ko-KR" altLang="en-US" sz="1200" dirty="0">
+              <a:latin typeface="210 맨발의청춘 L" panose="02020603020101020101" pitchFamily="18" charset="-127"/>
+              <a:ea typeface="210 맨발의청춘 L" panose="02020603020101020101" pitchFamily="18" charset="-127"/>
+            </a:endParaRPr>
+          </a:p>
+        </p:txBody>
+      </p:sp>
+      <p:sp>
+        <p:nvSpPr>
+          <p:cNvPr id="35" name="직사각형 34"/>
+          <p:cNvSpPr>
+            <a:spLocks noChangeAspect="1"/>
+          </p:cNvSpPr>
+          <p:nvPr/>
+        </p:nvSpPr>
+        <p:spPr>
+          <a:xfrm>
+            <a:off x="6878455" y="1392344"/>
+            <a:ext cx="1113786" cy="1022850"/>
+          </a:xfrm>
+          <a:prstGeom prst="rect">
+            <a:avLst/>
+          </a:prstGeom>
+          <a:solidFill>
+            <a:schemeClr val="bg1"/>
+          </a:solidFill>
+          <a:ln w="25400">
+            <a:solidFill>
+              <a:schemeClr val="tx1"/>
+            </a:solidFill>
+          </a:ln>
+        </p:spPr>
+        <p:style>
+          <a:lnRef idx="2">
+            <a:schemeClr val="accent1">
+              <a:shade val="50000"/>
+            </a:schemeClr>
+          </a:lnRef>
+          <a:fillRef idx="1">
+            <a:schemeClr val="accent1"/>
+          </a:fillRef>
+          <a:effectRef idx="0">
+            <a:schemeClr val="accent1"/>
+          </a:effectRef>
+          <a:fontRef idx="minor">
+            <a:schemeClr val="lt1"/>
+          </a:fontRef>
+        </p:style>
+        <p:txBody>
+          <a:bodyPr rtlCol="0" anchor="ctr"/>
+          <a:lstStyle/>
+          <a:p>
+            <a:pPr algn="ctr"/>
+            <a:endParaRPr lang="ko-KR" altLang="en-US"/>
+          </a:p>
+        </p:txBody>
+      </p:sp>
+      <p:sp>
+        <p:nvSpPr>
+          <p:cNvPr id="36" name="직사각형 35"/>
+          <p:cNvSpPr>
+            <a:spLocks noChangeAspect="1"/>
+          </p:cNvSpPr>
+          <p:nvPr/>
+        </p:nvSpPr>
+        <p:spPr>
+          <a:xfrm>
+            <a:off x="4466944" y="2714877"/>
+            <a:ext cx="1020422" cy="923377"/>
+          </a:xfrm>
+          <a:prstGeom prst="rect">
+            <a:avLst/>
+          </a:prstGeom>
+          <a:solidFill>
+            <a:schemeClr val="bg1"/>
+          </a:solidFill>
+          <a:ln w="25400">
+            <a:solidFill>
+              <a:schemeClr val="tx1"/>
+            </a:solidFill>
+          </a:ln>
+        </p:spPr>
+        <p:style>
+          <a:lnRef idx="2">
+            <a:schemeClr val="accent1">
+              <a:shade val="50000"/>
+            </a:schemeClr>
+          </a:lnRef>
+          <a:fillRef idx="1">
+            <a:schemeClr val="accent1"/>
+          </a:fillRef>
+          <a:effectRef idx="0">
+            <a:schemeClr val="accent1"/>
+          </a:effectRef>
+          <a:fontRef idx="minor">
+            <a:schemeClr val="lt1"/>
+          </a:fontRef>
+        </p:style>
+        <p:txBody>
+          <a:bodyPr rtlCol="0" anchor="ctr"/>
+          <a:lstStyle/>
+          <a:p>
+            <a:pPr algn="ctr"/>
+            <a:endParaRPr lang="ko-KR" altLang="en-US"/>
+          </a:p>
+        </p:txBody>
+      </p:sp>
+      <p:sp>
+        <p:nvSpPr>
+          <p:cNvPr id="38" name="TextBox 37"/>
+          <p:cNvSpPr txBox="1"/>
+          <p:nvPr/>
+        </p:nvSpPr>
+        <p:spPr>
+          <a:xfrm>
+            <a:off x="7081725" y="1791807"/>
+            <a:ext cx="707245" cy="276999"/>
+          </a:xfrm>
+          <a:prstGeom prst="rect">
+            <a:avLst/>
+          </a:prstGeom>
+          <a:noFill/>
+        </p:spPr>
+        <p:txBody>
+          <a:bodyPr wrap="none" rtlCol="0">
+            <a:spAutoFit/>
+          </a:bodyPr>
+          <a:lstStyle/>
+          <a:p>
+            <a:pPr algn="ctr"/>
+            <a:r>
+              <a:rPr lang="en-US" altLang="ko-KR" sz="1200" smtClean="0">
+                <a:latin typeface="210 맨발의청춘 L" panose="02020603020101020101" pitchFamily="18" charset="-127"/>
+                <a:ea typeface="210 맨발의청춘 L" panose="02020603020101020101" pitchFamily="18" charset="-127"/>
+              </a:rPr>
+              <a:t>[</a:t>
+            </a:r>
+            <a:r>
+              <a:rPr lang="ko-KR" altLang="en-US" sz="1200" smtClean="0">
+                <a:latin typeface="210 맨발의청춘 L" panose="02020603020101020101" pitchFamily="18" charset="-127"/>
+                <a:ea typeface="210 맨발의청춘 L" panose="02020603020101020101" pitchFamily="18" charset="-127"/>
+              </a:rPr>
+              <a:t>커맨드</a:t>
+            </a:r>
+            <a:r>
+              <a:rPr lang="en-US" altLang="ko-KR" sz="1200" smtClean="0">
+                <a:latin typeface="210 맨발의청춘 L" panose="02020603020101020101" pitchFamily="18" charset="-127"/>
+                <a:ea typeface="210 맨발의청춘 L" panose="02020603020101020101" pitchFamily="18" charset="-127"/>
+              </a:rPr>
+              <a:t>]</a:t>
+            </a:r>
+            <a:endParaRPr lang="ko-KR" altLang="en-US" sz="1200" dirty="0">
+              <a:latin typeface="210 맨발의청춘 L" panose="02020603020101020101" pitchFamily="18" charset="-127"/>
+              <a:ea typeface="210 맨발의청춘 L" panose="02020603020101020101" pitchFamily="18" charset="-127"/>
+            </a:endParaRPr>
+          </a:p>
+        </p:txBody>
+      </p:sp>
+      <p:sp>
+        <p:nvSpPr>
+          <p:cNvPr id="40" name="TextBox 39"/>
+          <p:cNvSpPr txBox="1"/>
+          <p:nvPr/>
+        </p:nvSpPr>
+        <p:spPr>
+          <a:xfrm>
+            <a:off x="4565022" y="3038065"/>
+            <a:ext cx="824265" cy="276999"/>
+          </a:xfrm>
+          <a:prstGeom prst="rect">
+            <a:avLst/>
+          </a:prstGeom>
+          <a:noFill/>
+        </p:spPr>
+        <p:txBody>
+          <a:bodyPr wrap="none" rtlCol="0">
+            <a:spAutoFit/>
+          </a:bodyPr>
+          <a:lstStyle/>
+          <a:p>
+            <a:pPr algn="ctr"/>
+            <a:r>
+              <a:rPr lang="en-US" altLang="ko-KR" sz="1200" smtClean="0">
+                <a:latin typeface="210 맨발의청춘 L" panose="02020603020101020101" pitchFamily="18" charset="-127"/>
+                <a:ea typeface="210 맨발의청춘 L" panose="02020603020101020101" pitchFamily="18" charset="-127"/>
+              </a:rPr>
+              <a:t>[</a:t>
+            </a:r>
+            <a:r>
+              <a:rPr lang="ko-KR" altLang="en-US" sz="1200" smtClean="0">
+                <a:latin typeface="210 맨발의청춘 L" panose="02020603020101020101" pitchFamily="18" charset="-127"/>
+                <a:ea typeface="210 맨발의청춘 L" panose="02020603020101020101" pitchFamily="18" charset="-127"/>
+              </a:rPr>
+              <a:t>푸시서버</a:t>
+            </a:r>
+            <a:r>
+              <a:rPr lang="en-US" altLang="ko-KR" sz="1200" smtClean="0">
+                <a:latin typeface="210 맨발의청춘 L" panose="02020603020101020101" pitchFamily="18" charset="-127"/>
+                <a:ea typeface="210 맨발의청춘 L" panose="02020603020101020101" pitchFamily="18" charset="-127"/>
+              </a:rPr>
+              <a:t>]</a:t>
+            </a:r>
+            <a:endParaRPr lang="ko-KR" altLang="en-US" sz="1200" dirty="0">
+              <a:latin typeface="210 맨발의청춘 L" panose="02020603020101020101" pitchFamily="18" charset="-127"/>
+              <a:ea typeface="210 맨발의청춘 L" panose="02020603020101020101" pitchFamily="18" charset="-127"/>
+            </a:endParaRPr>
+          </a:p>
+        </p:txBody>
+      </p:sp>
+      <p:sp>
+        <p:nvSpPr>
+          <p:cNvPr id="42" name="직사각형 41"/>
+          <p:cNvSpPr>
+            <a:spLocks noChangeAspect="1"/>
+          </p:cNvSpPr>
+          <p:nvPr/>
+        </p:nvSpPr>
+        <p:spPr>
+          <a:xfrm>
+            <a:off x="9455401" y="1392344"/>
+            <a:ext cx="1113786" cy="1022850"/>
+          </a:xfrm>
+          <a:prstGeom prst="rect">
+            <a:avLst/>
+          </a:prstGeom>
+          <a:solidFill>
+            <a:schemeClr val="bg1"/>
+          </a:solidFill>
+          <a:ln w="25400">
+            <a:solidFill>
+              <a:schemeClr val="tx1"/>
+            </a:solidFill>
+          </a:ln>
+        </p:spPr>
+        <p:style>
+          <a:lnRef idx="2">
+            <a:schemeClr val="accent1">
+              <a:shade val="50000"/>
+            </a:schemeClr>
+          </a:lnRef>
+          <a:fillRef idx="1">
+            <a:schemeClr val="accent1"/>
+          </a:fillRef>
+          <a:effectRef idx="0">
+            <a:schemeClr val="accent1"/>
+          </a:effectRef>
+          <a:fontRef idx="minor">
+            <a:schemeClr val="lt1"/>
+          </a:fontRef>
+        </p:style>
+        <p:txBody>
+          <a:bodyPr rtlCol="0" anchor="ctr"/>
+          <a:lstStyle/>
+          <a:p>
+            <a:pPr algn="ctr"/>
+            <a:endParaRPr lang="ko-KR" altLang="en-US"/>
+          </a:p>
+        </p:txBody>
+      </p:sp>
+      <p:sp>
+        <p:nvSpPr>
+          <p:cNvPr id="45" name="TextBox 44"/>
+          <p:cNvSpPr txBox="1"/>
+          <p:nvPr/>
+        </p:nvSpPr>
+        <p:spPr>
+          <a:xfrm>
+            <a:off x="9517607" y="1711302"/>
+            <a:ext cx="989374" cy="461665"/>
+          </a:xfrm>
+          <a:prstGeom prst="rect">
+            <a:avLst/>
+          </a:prstGeom>
+          <a:noFill/>
+        </p:spPr>
+        <p:txBody>
+          <a:bodyPr wrap="none" rtlCol="0">
+            <a:spAutoFit/>
+          </a:bodyPr>
+          <a:lstStyle/>
+          <a:p>
+            <a:pPr algn="ctr"/>
+            <a:r>
+              <a:rPr lang="en-US" altLang="ko-KR" sz="1200" smtClean="0">
+                <a:latin typeface="210 맨발의청춘 L" panose="02020603020101020101" pitchFamily="18" charset="-127"/>
+                <a:ea typeface="210 맨발의청춘 L" panose="02020603020101020101" pitchFamily="18" charset="-127"/>
+              </a:rPr>
+              <a:t>[</a:t>
+            </a:r>
+            <a:r>
+              <a:rPr lang="ko-KR" altLang="en-US" sz="1200" smtClean="0">
+                <a:latin typeface="210 맨발의청춘 L" panose="02020603020101020101" pitchFamily="18" charset="-127"/>
+                <a:ea typeface="210 맨발의청춘 L" panose="02020603020101020101" pitchFamily="18" charset="-127"/>
+              </a:rPr>
+              <a:t>백그라운드</a:t>
+            </a:r>
+            <a:r>
+              <a:rPr lang="en-US" altLang="ko-KR" sz="1200">
+                <a:latin typeface="210 맨발의청춘 L" panose="02020603020101020101" pitchFamily="18" charset="-127"/>
+                <a:ea typeface="210 맨발의청춘 L" panose="02020603020101020101" pitchFamily="18" charset="-127"/>
+              </a:rPr>
+              <a:t>]</a:t>
+            </a:r>
+            <a:endParaRPr lang="en-US" altLang="ko-KR" sz="1200" smtClean="0">
+              <a:latin typeface="210 맨발의청춘 L" panose="02020603020101020101" pitchFamily="18" charset="-127"/>
+              <a:ea typeface="210 맨발의청춘 L" panose="02020603020101020101" pitchFamily="18" charset="-127"/>
+            </a:endParaRPr>
+          </a:p>
+          <a:p>
+            <a:pPr algn="ctr"/>
+            <a:r>
+              <a:rPr lang="ko-KR" altLang="en-US" sz="1200" smtClean="0">
+                <a:latin typeface="210 맨발의청춘 L" panose="02020603020101020101" pitchFamily="18" charset="-127"/>
+                <a:ea typeface="210 맨발의청춘 L" panose="02020603020101020101" pitchFamily="18" charset="-127"/>
+              </a:rPr>
+              <a:t>엔진</a:t>
+            </a:r>
+            <a:endParaRPr lang="ko-KR" altLang="en-US" sz="1200" dirty="0">
+              <a:latin typeface="210 맨발의청춘 L" panose="02020603020101020101" pitchFamily="18" charset="-127"/>
+              <a:ea typeface="210 맨발의청춘 L" panose="02020603020101020101" pitchFamily="18" charset="-127"/>
+            </a:endParaRPr>
+          </a:p>
+        </p:txBody>
+      </p:sp>
+      <p:cxnSp>
+        <p:nvCxnSpPr>
+          <p:cNvPr id="5" name="직선 화살표 연결선 4"/>
+          <p:cNvCxnSpPr/>
+          <p:nvPr/>
+        </p:nvCxnSpPr>
+        <p:spPr>
+          <a:xfrm>
+            <a:off x="5690637" y="1930306"/>
+            <a:ext cx="1038533" cy="0"/>
+          </a:xfrm>
+          <a:prstGeom prst="straightConnector1">
+            <a:avLst/>
+          </a:prstGeom>
+          <a:ln>
+            <a:solidFill>
+              <a:schemeClr val="tx1"/>
+            </a:solidFill>
+            <a:headEnd type="triangle"/>
+            <a:tailEnd type="triangle"/>
+          </a:ln>
+        </p:spPr>
+        <p:style>
+          <a:lnRef idx="1">
+            <a:schemeClr val="accent1"/>
+          </a:lnRef>
+          <a:fillRef idx="0">
+            <a:schemeClr val="accent1"/>
+          </a:fillRef>
+          <a:effectRef idx="0">
+            <a:schemeClr val="accent1"/>
+          </a:effectRef>
+          <a:fontRef idx="minor">
+            <a:schemeClr val="tx1"/>
+          </a:fontRef>
+        </p:style>
+      </p:cxnSp>
+      <p:cxnSp>
+        <p:nvCxnSpPr>
+          <p:cNvPr id="15" name="직선 화살표 연결선 14"/>
+          <p:cNvCxnSpPr/>
+          <p:nvPr/>
+        </p:nvCxnSpPr>
+        <p:spPr>
+          <a:xfrm>
+            <a:off x="8095748" y="1926553"/>
+            <a:ext cx="1173018" cy="0"/>
+          </a:xfrm>
+          <a:prstGeom prst="straightConnector1">
+            <a:avLst/>
+          </a:prstGeom>
+          <a:ln>
+            <a:solidFill>
+              <a:schemeClr val="tx1"/>
+            </a:solidFill>
+            <a:tailEnd type="triangle"/>
+          </a:ln>
+        </p:spPr>
+        <p:style>
+          <a:lnRef idx="1">
+            <a:schemeClr val="accent1"/>
+          </a:lnRef>
+          <a:fillRef idx="0">
+            <a:schemeClr val="accent1"/>
+          </a:fillRef>
+          <a:effectRef idx="0">
+            <a:schemeClr val="accent1"/>
+          </a:effectRef>
+          <a:fontRef idx="minor">
+            <a:schemeClr val="tx1"/>
+          </a:fontRef>
+        </p:style>
+      </p:cxnSp>
+      <p:sp>
+        <p:nvSpPr>
+          <p:cNvPr id="56" name="TextBox 55"/>
+          <p:cNvSpPr txBox="1"/>
+          <p:nvPr/>
+        </p:nvSpPr>
+        <p:spPr>
+          <a:xfrm>
+            <a:off x="8311803" y="1535054"/>
+            <a:ext cx="740908" cy="276999"/>
+          </a:xfrm>
+          <a:prstGeom prst="rect">
+            <a:avLst/>
+          </a:prstGeom>
+          <a:noFill/>
+        </p:spPr>
+        <p:txBody>
+          <a:bodyPr wrap="none" rtlCol="0">
+            <a:spAutoFit/>
+          </a:bodyPr>
+          <a:lstStyle/>
+          <a:p>
+            <a:pPr algn="ctr"/>
+            <a:r>
+              <a:rPr lang="en-US" altLang="ko-KR" sz="1200" smtClean="0">
+                <a:latin typeface="210 맨발의청춘 L" panose="02020603020101020101" pitchFamily="18" charset="-127"/>
+                <a:ea typeface="210 맨발의청춘 L" panose="02020603020101020101" pitchFamily="18" charset="-127"/>
+              </a:rPr>
+              <a:t>[</a:t>
+            </a:r>
+            <a:r>
+              <a:rPr lang="ko-KR" altLang="en-US" sz="1200" smtClean="0">
+                <a:latin typeface="210 맨발의청춘 L" panose="02020603020101020101" pitchFamily="18" charset="-127"/>
+                <a:ea typeface="210 맨발의청춘 L" panose="02020603020101020101" pitchFamily="18" charset="-127"/>
+              </a:rPr>
+              <a:t>대기</a:t>
+            </a:r>
+            <a:r>
+              <a:rPr lang="ko-KR" altLang="en-US" sz="1200" smtClean="0">
+                <a:latin typeface="210 맨발의청춘 L" panose="02020603020101020101" pitchFamily="18" charset="-127"/>
+                <a:ea typeface="210 맨발의청춘 L" panose="02020603020101020101" pitchFamily="18" charset="-127"/>
+              </a:rPr>
+              <a:t> </a:t>
+            </a:r>
+            <a:r>
+              <a:rPr lang="ko-KR" altLang="en-US" sz="1200" smtClean="0">
+                <a:latin typeface="210 맨발의청춘 L" panose="02020603020101020101" pitchFamily="18" charset="-127"/>
+                <a:ea typeface="210 맨발의청춘 L" panose="02020603020101020101" pitchFamily="18" charset="-127"/>
+              </a:rPr>
+              <a:t>큐</a:t>
+            </a:r>
+            <a:r>
+              <a:rPr lang="en-US" altLang="ko-KR" sz="1200" smtClean="0">
+                <a:latin typeface="210 맨발의청춘 L" panose="02020603020101020101" pitchFamily="18" charset="-127"/>
+                <a:ea typeface="210 맨발의청춘 L" panose="02020603020101020101" pitchFamily="18" charset="-127"/>
+              </a:rPr>
+              <a:t>]</a:t>
+            </a:r>
+            <a:endParaRPr lang="ko-KR" altLang="en-US" sz="1200" dirty="0">
+              <a:latin typeface="210 맨발의청춘 L" panose="02020603020101020101" pitchFamily="18" charset="-127"/>
+              <a:ea typeface="210 맨발의청춘 L" panose="02020603020101020101" pitchFamily="18" charset="-127"/>
+            </a:endParaRPr>
+          </a:p>
+        </p:txBody>
+      </p:sp>
+      <p:cxnSp>
+        <p:nvCxnSpPr>
+          <p:cNvPr id="59" name="직선 화살표 연결선 58"/>
+          <p:cNvCxnSpPr/>
+          <p:nvPr/>
+        </p:nvCxnSpPr>
+        <p:spPr>
+          <a:xfrm flipH="1">
+            <a:off x="3322319" y="3145007"/>
+            <a:ext cx="1064029" cy="0"/>
+          </a:xfrm>
+          <a:prstGeom prst="straightConnector1">
+            <a:avLst/>
+          </a:prstGeom>
+          <a:ln>
+            <a:solidFill>
+              <a:schemeClr val="tx1"/>
+            </a:solidFill>
+            <a:tailEnd type="triangle"/>
+          </a:ln>
+        </p:spPr>
+        <p:style>
+          <a:lnRef idx="1">
+            <a:schemeClr val="accent1"/>
+          </a:lnRef>
+          <a:fillRef idx="0">
+            <a:schemeClr val="accent1"/>
+          </a:fillRef>
+          <a:effectRef idx="0">
+            <a:schemeClr val="accent1"/>
+          </a:effectRef>
+          <a:fontRef idx="minor">
+            <a:schemeClr val="tx1"/>
+          </a:fontRef>
+        </p:style>
+      </p:cxnSp>
+      <p:cxnSp>
+        <p:nvCxnSpPr>
+          <p:cNvPr id="21" name="직선 화살표 연결선 20"/>
+          <p:cNvCxnSpPr/>
+          <p:nvPr/>
+        </p:nvCxnSpPr>
+        <p:spPr>
+          <a:xfrm flipH="1">
+            <a:off x="5628141" y="3176564"/>
+            <a:ext cx="4321657" cy="0"/>
+          </a:xfrm>
+          <a:prstGeom prst="straightConnector1">
+            <a:avLst/>
+          </a:prstGeom>
+          <a:ln>
+            <a:solidFill>
+              <a:schemeClr val="tx1"/>
+            </a:solidFill>
+            <a:tailEnd type="triangle"/>
+          </a:ln>
+        </p:spPr>
+        <p:style>
+          <a:lnRef idx="1">
+            <a:schemeClr val="accent1"/>
+          </a:lnRef>
+          <a:fillRef idx="0">
+            <a:schemeClr val="accent1"/>
+          </a:fillRef>
+          <a:effectRef idx="0">
+            <a:schemeClr val="accent1"/>
+          </a:effectRef>
+          <a:fontRef idx="minor">
+            <a:schemeClr val="tx1"/>
+          </a:fontRef>
+        </p:style>
+      </p:cxnSp>
+      <p:cxnSp>
+        <p:nvCxnSpPr>
+          <p:cNvPr id="23" name="직선 화살표 연결선 22"/>
+          <p:cNvCxnSpPr/>
+          <p:nvPr/>
+        </p:nvCxnSpPr>
+        <p:spPr>
+          <a:xfrm>
+            <a:off x="9947564" y="2498312"/>
+            <a:ext cx="0" cy="678252"/>
+          </a:xfrm>
+          <a:prstGeom prst="straightConnector1">
+            <a:avLst/>
+          </a:prstGeom>
+          <a:ln>
+            <a:solidFill>
+              <a:schemeClr val="tx1"/>
+            </a:solidFill>
+            <a:tailEnd type="triangle"/>
+          </a:ln>
+        </p:spPr>
+        <p:style>
+          <a:lnRef idx="1">
+            <a:schemeClr val="accent1"/>
+          </a:lnRef>
+          <a:fillRef idx="0">
+            <a:schemeClr val="accent1"/>
+          </a:fillRef>
+          <a:effectRef idx="0">
+            <a:schemeClr val="accent1"/>
+          </a:effectRef>
+          <a:fontRef idx="minor">
+            <a:schemeClr val="tx1"/>
+          </a:fontRef>
+        </p:style>
+      </p:cxnSp>
+      <p:sp>
+        <p:nvSpPr>
+          <p:cNvPr id="66" name="TextBox 65"/>
+          <p:cNvSpPr txBox="1"/>
+          <p:nvPr/>
+        </p:nvSpPr>
+        <p:spPr>
+          <a:xfrm>
+            <a:off x="7435347" y="2895812"/>
+            <a:ext cx="788999" cy="276999"/>
+          </a:xfrm>
+          <a:prstGeom prst="rect">
+            <a:avLst/>
+          </a:prstGeom>
+          <a:noFill/>
+        </p:spPr>
+        <p:txBody>
+          <a:bodyPr wrap="none" rtlCol="0">
+            <a:spAutoFit/>
+          </a:bodyPr>
+          <a:lstStyle/>
+          <a:p>
+            <a:pPr algn="ctr"/>
+            <a:r>
+              <a:rPr lang="ko-KR" altLang="en-US" sz="1200" smtClean="0">
+                <a:latin typeface="210 맨발의청춘 L" panose="02020603020101020101" pitchFamily="18" charset="-127"/>
+                <a:ea typeface="210 맨발의청춘 L" panose="02020603020101020101" pitchFamily="18" charset="-127"/>
+              </a:rPr>
+              <a:t>작업</a:t>
+            </a:r>
+            <a:r>
+              <a:rPr lang="ko-KR" altLang="en-US" sz="1200" smtClean="0">
+                <a:latin typeface="210 맨발의청춘 L" panose="02020603020101020101" pitchFamily="18" charset="-127"/>
+                <a:ea typeface="210 맨발의청춘 L" panose="02020603020101020101" pitchFamily="18" charset="-127"/>
+              </a:rPr>
+              <a:t> </a:t>
+            </a:r>
+            <a:r>
+              <a:rPr lang="ko-KR" altLang="en-US" sz="1200" smtClean="0">
+                <a:latin typeface="210 맨발의청춘 L" panose="02020603020101020101" pitchFamily="18" charset="-127"/>
+                <a:ea typeface="210 맨발의청춘 L" panose="02020603020101020101" pitchFamily="18" charset="-127"/>
+              </a:rPr>
+              <a:t>완료</a:t>
+            </a:r>
+            <a:endParaRPr lang="ko-KR" altLang="en-US" sz="1200" dirty="0">
+              <a:latin typeface="210 맨발의청춘 L" panose="02020603020101020101" pitchFamily="18" charset="-127"/>
+              <a:ea typeface="210 맨발의청춘 L" panose="02020603020101020101" pitchFamily="18" charset="-127"/>
+            </a:endParaRPr>
+          </a:p>
+        </p:txBody>
+      </p:sp>
+    </p:spTree>
+    <p:extLst>
+      <p:ext uri="{BB962C8B-B14F-4D97-AF65-F5344CB8AC3E}">
+        <p14:creationId xmlns:p14="http://schemas.microsoft.com/office/powerpoint/2010/main" val="4062507757"/>
+      </p:ext>
+    </p:extLst>
+  </p:cSld>
+  <p:clrMapOvr>
+    <a:masterClrMapping/>
+  </p:clrMapOvr>
+</p:sld>
+</file>
+
 <file path=ppt/slides/slide2.xml><?xml version="1.0" encoding="utf-8"?>
 <p:sld xmlns:a="http://schemas.openxmlformats.org/drawingml/2006/main" xmlns:r="http://schemas.openxmlformats.org/officeDocument/2006/relationships" xmlns:p="http://schemas.openxmlformats.org/presentationml/2006/main">
   <p:cSld>
@@ -6547,7 +7752,7 @@
           <p:nvPr>
             <p:extLst>
               <p:ext uri="{D42A27DB-BD31-4B8C-83A1-F6EECF244321}">
-                <p14:modId xmlns:p14="http://schemas.microsoft.com/office/powerpoint/2010/main" val="3492372177"/>
+                <p14:modId xmlns:p14="http://schemas.microsoft.com/office/powerpoint/2010/main" val="3727533756"/>
               </p:ext>
             </p:extLst>
           </p:nvPr>
@@ -6566,21 +7771,21 @@
                 <a:gridCol w="3836954">
                   <a:extLst>
                     <a:ext uri="{9D8B030D-6E8A-4147-A177-3AD203B41FA5}">
-                      <a16:colId xmlns:a16="http://schemas.microsoft.com/office/drawing/2014/main" xmlns="" val="20000"/>
+                      <a16:colId xmlns:a16="http://schemas.microsoft.com/office/drawing/2014/main" val="20000"/>
                     </a:ext>
                   </a:extLst>
                 </a:gridCol>
                 <a:gridCol w="1632857">
                   <a:extLst>
                     <a:ext uri="{9D8B030D-6E8A-4147-A177-3AD203B41FA5}">
-                      <a16:colId xmlns:a16="http://schemas.microsoft.com/office/drawing/2014/main" xmlns="" val="20001"/>
+                      <a16:colId xmlns:a16="http://schemas.microsoft.com/office/drawing/2014/main" val="20001"/>
                     </a:ext>
                   </a:extLst>
                 </a:gridCol>
                 <a:gridCol w="6055568">
                   <a:extLst>
                     <a:ext uri="{9D8B030D-6E8A-4147-A177-3AD203B41FA5}">
-                      <a16:colId xmlns:a16="http://schemas.microsoft.com/office/drawing/2014/main" xmlns="" val="20002"/>
+                      <a16:colId xmlns:a16="http://schemas.microsoft.com/office/drawing/2014/main" val="20002"/>
                     </a:ext>
                   </a:extLst>
                 </a:gridCol>
@@ -6645,7 +7850,7 @@
                 </a:tc>
                 <a:extLst>
                   <a:ext uri="{0D108BD9-81ED-4DB2-BD59-A6C34878D82A}">
-                    <a16:rowId xmlns:a16="http://schemas.microsoft.com/office/drawing/2014/main" xmlns="" val="10000"/>
+                    <a16:rowId xmlns:a16="http://schemas.microsoft.com/office/drawing/2014/main" val="10000"/>
                   </a:ext>
                 </a:extLst>
               </a:tr>
@@ -6721,7 +7926,7 @@
                 </a:tc>
                 <a:extLst>
                   <a:ext uri="{0D108BD9-81ED-4DB2-BD59-A6C34878D82A}">
-                    <a16:rowId xmlns:a16="http://schemas.microsoft.com/office/drawing/2014/main" xmlns="" val="10001"/>
+                    <a16:rowId xmlns:a16="http://schemas.microsoft.com/office/drawing/2014/main" val="10001"/>
                   </a:ext>
                 </a:extLst>
               </a:tr>
@@ -6793,7 +7998,7 @@
                 </a:tc>
                 <a:extLst>
                   <a:ext uri="{0D108BD9-81ED-4DB2-BD59-A6C34878D82A}">
-                    <a16:rowId xmlns:a16="http://schemas.microsoft.com/office/drawing/2014/main" xmlns="" val="10002"/>
+                    <a16:rowId xmlns:a16="http://schemas.microsoft.com/office/drawing/2014/main" val="10002"/>
                   </a:ext>
                 </a:extLst>
               </a:tr>
@@ -6869,7 +8074,179 @@
                 </a:tc>
                 <a:extLst>
                   <a:ext uri="{0D108BD9-81ED-4DB2-BD59-A6C34878D82A}">
-                    <a16:rowId xmlns:a16="http://schemas.microsoft.com/office/drawing/2014/main" xmlns="" val="10003"/>
+                    <a16:rowId xmlns:a16="http://schemas.microsoft.com/office/drawing/2014/main" val="10003"/>
+                  </a:ext>
+                </a:extLst>
+              </a:tr>
+              <a:tr h="370840">
+                <a:tc>
+                  <a:txBody>
+                    <a:bodyPr/>
+                    <a:lstStyle/>
+                    <a:p>
+                      <a:pPr algn="ctr" latinLnBrk="1"/>
+                      <a:r>
+                        <a:rPr lang="en-US" altLang="ko-KR" smtClean="0"/>
+                        <a:t>Video Processor </a:t>
+                      </a:r>
+                      <a:r>
+                        <a:rPr lang="ko-KR" altLang="en-US" smtClean="0"/>
+                        <a:t>처리</a:t>
+                      </a:r>
+                      <a:endParaRPr lang="ko-KR" altLang="en-US"/>
+                    </a:p>
+                  </a:txBody>
+                  <a:tcPr/>
+                </a:tc>
+                <a:tc>
+                  <a:txBody>
+                    <a:bodyPr/>
+                    <a:lstStyle/>
+                    <a:p>
+                      <a:pPr algn="ctr" latinLnBrk="1"/>
+                      <a:r>
+                        <a:rPr lang="en-US" altLang="ko-KR" smtClean="0"/>
+                        <a:t>1</a:t>
+                      </a:r>
+                      <a:r>
+                        <a:rPr lang="ko-KR" altLang="en-US" smtClean="0"/>
+                        <a:t>일</a:t>
+                      </a:r>
+                      <a:endParaRPr lang="ko-KR" altLang="en-US" dirty="0"/>
+                    </a:p>
+                  </a:txBody>
+                  <a:tcPr/>
+                </a:tc>
+                <a:tc>
+                  <a:txBody>
+                    <a:bodyPr/>
+                    <a:lstStyle/>
+                    <a:p>
+                      <a:pPr algn="ctr" latinLnBrk="1"/>
+                      <a:r>
+                        <a:rPr lang="ko-KR" altLang="en-US" smtClean="0"/>
+                        <a:t>서버</a:t>
+                      </a:r>
+                      <a:r>
+                        <a:rPr lang="ko-KR" altLang="en-US" smtClean="0"/>
+                        <a:t> </a:t>
+                      </a:r>
+                      <a:r>
+                        <a:rPr lang="ko-KR" altLang="en-US" smtClean="0"/>
+                        <a:t>백</a:t>
+                      </a:r>
+                      <a:r>
+                        <a:rPr lang="ko-KR" altLang="en-US" smtClean="0"/>
+                        <a:t> </a:t>
+                      </a:r>
+                      <a:r>
+                        <a:rPr lang="ko-KR" altLang="en-US" smtClean="0"/>
+                        <a:t>앤드</a:t>
+                      </a:r>
+                      <a:r>
+                        <a:rPr lang="ko-KR" altLang="en-US" smtClean="0"/>
+                        <a:t> </a:t>
+                      </a:r>
+                      <a:r>
+                        <a:rPr lang="ko-KR" altLang="en-US" smtClean="0"/>
+                        <a:t>처리</a:t>
+                      </a:r>
+                      <a:r>
+                        <a:rPr lang="ko-KR" altLang="en-US" smtClean="0"/>
+                        <a:t> </a:t>
+                      </a:r>
+                      <a:r>
+                        <a:rPr lang="ko-KR" altLang="en-US" smtClean="0"/>
+                        <a:t>작업</a:t>
+                      </a:r>
+                      <a:endParaRPr lang="ko-KR" altLang="en-US" dirty="0"/>
+                    </a:p>
+                  </a:txBody>
+                  <a:tcPr/>
+                </a:tc>
+                <a:extLst>
+                  <a:ext uri="{0D108BD9-81ED-4DB2-BD59-A6C34878D82A}">
+                    <a16:rowId xmlns:a16="http://schemas.microsoft.com/office/drawing/2014/main" val="10004"/>
+                  </a:ext>
+                </a:extLst>
+              </a:tr>
+              <a:tr h="370840">
+                <a:tc>
+                  <a:txBody>
+                    <a:bodyPr/>
+                    <a:lstStyle/>
+                    <a:p>
+                      <a:pPr algn="ctr" latinLnBrk="1"/>
+                      <a:endParaRPr lang="ko-KR" altLang="en-US"/>
+                    </a:p>
+                  </a:txBody>
+                  <a:tcPr/>
+                </a:tc>
+                <a:tc>
+                  <a:txBody>
+                    <a:bodyPr/>
+                    <a:lstStyle/>
+                    <a:p>
+                      <a:pPr algn="ctr" latinLnBrk="1"/>
+                      <a:endParaRPr lang="ko-KR" altLang="en-US"/>
+                    </a:p>
+                  </a:txBody>
+                  <a:tcPr/>
+                </a:tc>
+                <a:tc>
+                  <a:txBody>
+                    <a:bodyPr/>
+                    <a:lstStyle/>
+                    <a:p>
+                      <a:pPr algn="ctr" latinLnBrk="1"/>
+                      <a:endParaRPr lang="ko-KR" altLang="en-US" dirty="0"/>
+                    </a:p>
+                  </a:txBody>
+                  <a:tcPr/>
+                </a:tc>
+                <a:extLst>
+                  <a:ext uri="{0D108BD9-81ED-4DB2-BD59-A6C34878D82A}">
+                    <a16:rowId xmlns:a16="http://schemas.microsoft.com/office/drawing/2014/main" val="10005"/>
+                  </a:ext>
+                </a:extLst>
+              </a:tr>
+              <a:tr h="370840">
+                <a:tc>
+                  <a:txBody>
+                    <a:bodyPr/>
+                    <a:lstStyle/>
+                    <a:p>
+                      <a:pPr algn="ctr" latinLnBrk="1"/>
+                      <a:endParaRPr lang="ko-KR" altLang="en-US"/>
+                    </a:p>
+                  </a:txBody>
+                  <a:tcPr/>
+                </a:tc>
+                <a:tc>
+                  <a:txBody>
+                    <a:bodyPr/>
+                    <a:lstStyle/>
+                    <a:p>
+                      <a:pPr algn="ctr" latinLnBrk="1"/>
+                      <a:endParaRPr lang="ko-KR" altLang="en-US"/>
+                    </a:p>
+                  </a:txBody>
+                  <a:tcPr/>
+                </a:tc>
+                <a:tc>
+                  <a:txBody>
+                    <a:bodyPr/>
+                    <a:lstStyle/>
+                    <a:p>
+                      <a:pPr algn="ctr" latinLnBrk="1"/>
+                      <a:endParaRPr lang="ko-KR" altLang="en-US" dirty="0"/>
+                    </a:p>
+                  </a:txBody>
+                  <a:tcPr/>
+                </a:tc>
+                <a:extLst>
+                  <a:ext uri="{0D108BD9-81ED-4DB2-BD59-A6C34878D82A}">
+                    <a16:rowId xmlns:a16="http://schemas.microsoft.com/office/drawing/2014/main" val="10006"/>
                   </a:ext>
                 </a:extLst>
               </a:tr>
@@ -6909,127 +8286,7 @@
                 </a:tc>
                 <a:extLst>
                   <a:ext uri="{0D108BD9-81ED-4DB2-BD59-A6C34878D82A}">
-                    <a16:rowId xmlns:a16="http://schemas.microsoft.com/office/drawing/2014/main" xmlns="" val="10004"/>
-                  </a:ext>
-                </a:extLst>
-              </a:tr>
-              <a:tr h="370840">
-                <a:tc>
-                  <a:txBody>
-                    <a:bodyPr/>
-                    <a:lstStyle/>
-                    <a:p>
-                      <a:pPr algn="ctr" latinLnBrk="1"/>
-                      <a:endParaRPr lang="ko-KR" altLang="en-US"/>
-                    </a:p>
-                  </a:txBody>
-                  <a:tcPr/>
-                </a:tc>
-                <a:tc>
-                  <a:txBody>
-                    <a:bodyPr/>
-                    <a:lstStyle/>
-                    <a:p>
-                      <a:pPr algn="ctr" latinLnBrk="1"/>
-                      <a:endParaRPr lang="ko-KR" altLang="en-US"/>
-                    </a:p>
-                  </a:txBody>
-                  <a:tcPr/>
-                </a:tc>
-                <a:tc>
-                  <a:txBody>
-                    <a:bodyPr/>
-                    <a:lstStyle/>
-                    <a:p>
-                      <a:pPr algn="ctr" latinLnBrk="1"/>
-                      <a:endParaRPr lang="ko-KR" altLang="en-US" dirty="0"/>
-                    </a:p>
-                  </a:txBody>
-                  <a:tcPr/>
-                </a:tc>
-                <a:extLst>
-                  <a:ext uri="{0D108BD9-81ED-4DB2-BD59-A6C34878D82A}">
-                    <a16:rowId xmlns:a16="http://schemas.microsoft.com/office/drawing/2014/main" xmlns="" val="10005"/>
-                  </a:ext>
-                </a:extLst>
-              </a:tr>
-              <a:tr h="370840">
-                <a:tc>
-                  <a:txBody>
-                    <a:bodyPr/>
-                    <a:lstStyle/>
-                    <a:p>
-                      <a:pPr algn="ctr" latinLnBrk="1"/>
-                      <a:endParaRPr lang="ko-KR" altLang="en-US"/>
-                    </a:p>
-                  </a:txBody>
-                  <a:tcPr/>
-                </a:tc>
-                <a:tc>
-                  <a:txBody>
-                    <a:bodyPr/>
-                    <a:lstStyle/>
-                    <a:p>
-                      <a:pPr algn="ctr" latinLnBrk="1"/>
-                      <a:endParaRPr lang="ko-KR" altLang="en-US"/>
-                    </a:p>
-                  </a:txBody>
-                  <a:tcPr/>
-                </a:tc>
-                <a:tc>
-                  <a:txBody>
-                    <a:bodyPr/>
-                    <a:lstStyle/>
-                    <a:p>
-                      <a:pPr algn="ctr" latinLnBrk="1"/>
-                      <a:endParaRPr lang="ko-KR" altLang="en-US" dirty="0"/>
-                    </a:p>
-                  </a:txBody>
-                  <a:tcPr/>
-                </a:tc>
-                <a:extLst>
-                  <a:ext uri="{0D108BD9-81ED-4DB2-BD59-A6C34878D82A}">
-                    <a16:rowId xmlns:a16="http://schemas.microsoft.com/office/drawing/2014/main" xmlns="" val="10006"/>
-                  </a:ext>
-                </a:extLst>
-              </a:tr>
-              <a:tr h="370840">
-                <a:tc>
-                  <a:txBody>
-                    <a:bodyPr/>
-                    <a:lstStyle/>
-                    <a:p>
-                      <a:pPr algn="ctr" latinLnBrk="1"/>
-                      <a:endParaRPr lang="ko-KR" altLang="en-US"/>
-                    </a:p>
-                  </a:txBody>
-                  <a:tcPr/>
-                </a:tc>
-                <a:tc>
-                  <a:txBody>
-                    <a:bodyPr/>
-                    <a:lstStyle/>
-                    <a:p>
-                      <a:pPr algn="ctr" latinLnBrk="1"/>
-                      <a:endParaRPr lang="ko-KR" altLang="en-US" dirty="0"/>
-                    </a:p>
-                  </a:txBody>
-                  <a:tcPr/>
-                </a:tc>
-                <a:tc>
-                  <a:txBody>
-                    <a:bodyPr/>
-                    <a:lstStyle/>
-                    <a:p>
-                      <a:pPr algn="ctr" latinLnBrk="1"/>
-                      <a:endParaRPr lang="ko-KR" altLang="en-US" dirty="0"/>
-                    </a:p>
-                  </a:txBody>
-                  <a:tcPr/>
-                </a:tc>
-                <a:extLst>
-                  <a:ext uri="{0D108BD9-81ED-4DB2-BD59-A6C34878D82A}">
-                    <a16:rowId xmlns:a16="http://schemas.microsoft.com/office/drawing/2014/main" xmlns="" val="10007"/>
+                    <a16:rowId xmlns:a16="http://schemas.microsoft.com/office/drawing/2014/main" val="10007"/>
                   </a:ext>
                 </a:extLst>
               </a:tr>

--- a/Scatch.pptx
+++ b/Scatch.pptx
@@ -15,6 +15,8 @@
     <p:sldId id="264" r:id="rId9"/>
     <p:sldId id="262" r:id="rId10"/>
     <p:sldId id="265" r:id="rId11"/>
+    <p:sldId id="266" r:id="rId12"/>
+    <p:sldId id="267" r:id="rId13"/>
   </p:sldIdLst>
   <p:sldSz cx="12192000" cy="6858000"/>
   <p:notesSz cx="6858000" cy="9144000"/>
@@ -252,7 +254,7 @@
           <a:p>
             <a:fld id="{06EFB4C7-7BEF-490C-A547-EABAD4F9635D}" type="datetimeFigureOut">
               <a:rPr lang="ko-KR" altLang="en-US" smtClean="0"/>
-              <a:t>2017-12-15</a:t>
+              <a:t>2017-12-16</a:t>
             </a:fld>
             <a:endParaRPr lang="ko-KR" altLang="en-US"/>
           </a:p>
@@ -422,7 +424,7 @@
           <a:p>
             <a:fld id="{06EFB4C7-7BEF-490C-A547-EABAD4F9635D}" type="datetimeFigureOut">
               <a:rPr lang="ko-KR" altLang="en-US" smtClean="0"/>
-              <a:t>2017-12-15</a:t>
+              <a:t>2017-12-16</a:t>
             </a:fld>
             <a:endParaRPr lang="ko-KR" altLang="en-US"/>
           </a:p>
@@ -602,7 +604,7 @@
           <a:p>
             <a:fld id="{06EFB4C7-7BEF-490C-A547-EABAD4F9635D}" type="datetimeFigureOut">
               <a:rPr lang="ko-KR" altLang="en-US" smtClean="0"/>
-              <a:t>2017-12-15</a:t>
+              <a:t>2017-12-16</a:t>
             </a:fld>
             <a:endParaRPr lang="ko-KR" altLang="en-US"/>
           </a:p>
@@ -772,7 +774,7 @@
           <a:p>
             <a:fld id="{06EFB4C7-7BEF-490C-A547-EABAD4F9635D}" type="datetimeFigureOut">
               <a:rPr lang="ko-KR" altLang="en-US" smtClean="0"/>
-              <a:t>2017-12-15</a:t>
+              <a:t>2017-12-16</a:t>
             </a:fld>
             <a:endParaRPr lang="ko-KR" altLang="en-US"/>
           </a:p>
@@ -1018,7 +1020,7 @@
           <a:p>
             <a:fld id="{06EFB4C7-7BEF-490C-A547-EABAD4F9635D}" type="datetimeFigureOut">
               <a:rPr lang="ko-KR" altLang="en-US" smtClean="0"/>
-              <a:t>2017-12-15</a:t>
+              <a:t>2017-12-16</a:t>
             </a:fld>
             <a:endParaRPr lang="ko-KR" altLang="en-US"/>
           </a:p>
@@ -1250,7 +1252,7 @@
           <a:p>
             <a:fld id="{06EFB4C7-7BEF-490C-A547-EABAD4F9635D}" type="datetimeFigureOut">
               <a:rPr lang="ko-KR" altLang="en-US" smtClean="0"/>
-              <a:t>2017-12-15</a:t>
+              <a:t>2017-12-16</a:t>
             </a:fld>
             <a:endParaRPr lang="ko-KR" altLang="en-US"/>
           </a:p>
@@ -1617,7 +1619,7 @@
           <a:p>
             <a:fld id="{06EFB4C7-7BEF-490C-A547-EABAD4F9635D}" type="datetimeFigureOut">
               <a:rPr lang="ko-KR" altLang="en-US" smtClean="0"/>
-              <a:t>2017-12-15</a:t>
+              <a:t>2017-12-16</a:t>
             </a:fld>
             <a:endParaRPr lang="ko-KR" altLang="en-US"/>
           </a:p>
@@ -1735,7 +1737,7 @@
           <a:p>
             <a:fld id="{06EFB4C7-7BEF-490C-A547-EABAD4F9635D}" type="datetimeFigureOut">
               <a:rPr lang="ko-KR" altLang="en-US" smtClean="0"/>
-              <a:t>2017-12-15</a:t>
+              <a:t>2017-12-16</a:t>
             </a:fld>
             <a:endParaRPr lang="ko-KR" altLang="en-US"/>
           </a:p>
@@ -1830,7 +1832,7 @@
           <a:p>
             <a:fld id="{06EFB4C7-7BEF-490C-A547-EABAD4F9635D}" type="datetimeFigureOut">
               <a:rPr lang="ko-KR" altLang="en-US" smtClean="0"/>
-              <a:t>2017-12-15</a:t>
+              <a:t>2017-12-16</a:t>
             </a:fld>
             <a:endParaRPr lang="ko-KR" altLang="en-US"/>
           </a:p>
@@ -2107,7 +2109,7 @@
           <a:p>
             <a:fld id="{06EFB4C7-7BEF-490C-A547-EABAD4F9635D}" type="datetimeFigureOut">
               <a:rPr lang="ko-KR" altLang="en-US" smtClean="0"/>
-              <a:t>2017-12-15</a:t>
+              <a:t>2017-12-16</a:t>
             </a:fld>
             <a:endParaRPr lang="ko-KR" altLang="en-US"/>
           </a:p>
@@ -2360,7 +2362,7 @@
           <a:p>
             <a:fld id="{06EFB4C7-7BEF-490C-A547-EABAD4F9635D}" type="datetimeFigureOut">
               <a:rPr lang="ko-KR" altLang="en-US" smtClean="0"/>
-              <a:t>2017-12-15</a:t>
+              <a:t>2017-12-16</a:t>
             </a:fld>
             <a:endParaRPr lang="ko-KR" altLang="en-US"/>
           </a:p>
@@ -2573,7 +2575,7 @@
           <a:p>
             <a:fld id="{06EFB4C7-7BEF-490C-A547-EABAD4F9635D}" type="datetimeFigureOut">
               <a:rPr lang="ko-KR" altLang="en-US" smtClean="0"/>
-              <a:t>2017-12-15</a:t>
+              <a:t>2017-12-16</a:t>
             </a:fld>
             <a:endParaRPr lang="ko-KR" altLang="en-US"/>
           </a:p>
@@ -4941,35 +4943,7 @@
                 <a:latin typeface="210 맨발의청춘 B" panose="02020603020101020101" pitchFamily="18" charset="-127"/>
                 <a:ea typeface="210 맨발의청춘 B" panose="02020603020101020101" pitchFamily="18" charset="-127"/>
               </a:rPr>
-              <a:t>백</a:t>
-            </a:r>
-            <a:r>
-              <a:rPr lang="ko-KR" altLang="en-US" smtClean="0">
-                <a:latin typeface="210 맨발의청춘 B" panose="02020603020101020101" pitchFamily="18" charset="-127"/>
-                <a:ea typeface="210 맨발의청춘 B" panose="02020603020101020101" pitchFamily="18" charset="-127"/>
-              </a:rPr>
-              <a:t> </a:t>
-            </a:r>
-            <a:r>
-              <a:rPr lang="ko-KR" altLang="en-US" smtClean="0">
-                <a:latin typeface="210 맨발의청춘 B" panose="02020603020101020101" pitchFamily="18" charset="-127"/>
-                <a:ea typeface="210 맨발의청춘 B" panose="02020603020101020101" pitchFamily="18" charset="-127"/>
-              </a:rPr>
-              <a:t>앤드</a:t>
-            </a:r>
-            <a:r>
-              <a:rPr lang="ko-KR" altLang="en-US" smtClean="0">
-                <a:latin typeface="210 맨발의청춘 B" panose="02020603020101020101" pitchFamily="18" charset="-127"/>
-                <a:ea typeface="210 맨발의청춘 B" panose="02020603020101020101" pitchFamily="18" charset="-127"/>
-              </a:rPr>
-              <a:t> </a:t>
-            </a:r>
-            <a:r>
-              <a:rPr lang="ko-KR" altLang="en-US" smtClean="0">
-                <a:latin typeface="210 맨발의청춘 B" panose="02020603020101020101" pitchFamily="18" charset="-127"/>
-                <a:ea typeface="210 맨발의청춘 B" panose="02020603020101020101" pitchFamily="18" charset="-127"/>
-              </a:rPr>
-              <a:t>설계</a:t>
+              <a:t>백 앤드 설계</a:t>
             </a:r>
             <a:endParaRPr lang="ko-KR" altLang="en-US" dirty="0">
               <a:latin typeface="210 맨발의청춘 B" panose="02020603020101020101" pitchFamily="18" charset="-127"/>
@@ -5028,21 +5002,7 @@
                 <a:latin typeface="210 맨발의청춘 B" panose="02020603020101020101" pitchFamily="18" charset="-127"/>
                 <a:ea typeface="210 맨발의청춘 B" panose="02020603020101020101" pitchFamily="18" charset="-127"/>
               </a:rPr>
-              <a:t>처리</a:t>
-            </a:r>
-            <a:r>
-              <a:rPr lang="ko-KR" altLang="en-US" smtClean="0">
-                <a:latin typeface="210 맨발의청춘 B" panose="02020603020101020101" pitchFamily="18" charset="-127"/>
-                <a:ea typeface="210 맨발의청춘 B" panose="02020603020101020101" pitchFamily="18" charset="-127"/>
-              </a:rPr>
-              <a:t> </a:t>
-            </a:r>
-            <a:r>
-              <a:rPr lang="ko-KR" altLang="en-US" smtClean="0">
-                <a:latin typeface="210 맨발의청춘 B" panose="02020603020101020101" pitchFamily="18" charset="-127"/>
-                <a:ea typeface="210 맨발의청춘 B" panose="02020603020101020101" pitchFamily="18" charset="-127"/>
-              </a:rPr>
-              <a:t>구조</a:t>
+              <a:t>처리 구조</a:t>
             </a:r>
             <a:endParaRPr lang="ko-KR" altLang="en-US" dirty="0">
               <a:latin typeface="210 맨발의청춘 B" panose="02020603020101020101" pitchFamily="18" charset="-127"/>
@@ -5424,28 +5384,14 @@
                 <a:latin typeface="210 맨발의청춘 L" panose="02020603020101020101" pitchFamily="18" charset="-127"/>
                 <a:ea typeface="210 맨발의청춘 L" panose="02020603020101020101" pitchFamily="18" charset="-127"/>
               </a:rPr>
-              <a:t>스레드</a:t>
-            </a:r>
-            <a:r>
-              <a:rPr lang="ko-KR" altLang="en-US" sz="1200" smtClean="0">
-                <a:latin typeface="210 맨발의청춘 L" panose="02020603020101020101" pitchFamily="18" charset="-127"/>
-                <a:ea typeface="210 맨발의청춘 L" panose="02020603020101020101" pitchFamily="18" charset="-127"/>
-              </a:rPr>
-              <a:t> </a:t>
+              <a:t>스레드 </a:t>
             </a:r>
             <a:r>
               <a:rPr lang="en-US" altLang="ko-KR" sz="1200" smtClean="0">
                 <a:latin typeface="210 맨발의청춘 L" panose="02020603020101020101" pitchFamily="18" charset="-127"/>
                 <a:ea typeface="210 맨발의청춘 L" panose="02020603020101020101" pitchFamily="18" charset="-127"/>
               </a:rPr>
-              <a:t>1</a:t>
-            </a:r>
-            <a:r>
-              <a:rPr lang="en-US" altLang="ko-KR" sz="1200" smtClean="0">
-                <a:latin typeface="210 맨발의청춘 L" panose="02020603020101020101" pitchFamily="18" charset="-127"/>
-                <a:ea typeface="210 맨발의청춘 L" panose="02020603020101020101" pitchFamily="18" charset="-127"/>
-              </a:rPr>
-              <a:t>]</a:t>
+              <a:t>1]</a:t>
             </a:r>
             <a:endParaRPr lang="ko-KR" altLang="en-US" sz="1200" dirty="0">
               <a:latin typeface="210 맨발의청춘 L" panose="02020603020101020101" pitchFamily="18" charset="-127"/>
@@ -5879,21 +5825,7 @@
                 <a:latin typeface="210 맨발의청춘 L" panose="02020603020101020101" pitchFamily="18" charset="-127"/>
                 <a:ea typeface="210 맨발의청춘 L" panose="02020603020101020101" pitchFamily="18" charset="-127"/>
               </a:rPr>
-              <a:t>대기</a:t>
-            </a:r>
-            <a:r>
-              <a:rPr lang="ko-KR" altLang="en-US" sz="1200" smtClean="0">
-                <a:latin typeface="210 맨발의청춘 L" panose="02020603020101020101" pitchFamily="18" charset="-127"/>
-                <a:ea typeface="210 맨발의청춘 L" panose="02020603020101020101" pitchFamily="18" charset="-127"/>
-              </a:rPr>
-              <a:t> </a:t>
-            </a:r>
-            <a:r>
-              <a:rPr lang="ko-KR" altLang="en-US" sz="1200" smtClean="0">
-                <a:latin typeface="210 맨발의청춘 L" panose="02020603020101020101" pitchFamily="18" charset="-127"/>
-                <a:ea typeface="210 맨발의청춘 L" panose="02020603020101020101" pitchFamily="18" charset="-127"/>
-              </a:rPr>
-              <a:t>큐</a:t>
+              <a:t>대기 큐</a:t>
             </a:r>
             <a:r>
               <a:rPr lang="en-US" altLang="ko-KR" sz="1200" smtClean="0">
@@ -6045,21 +5977,7 @@
                 <a:latin typeface="210 맨발의청춘 L" panose="02020603020101020101" pitchFamily="18" charset="-127"/>
                 <a:ea typeface="210 맨발의청춘 L" panose="02020603020101020101" pitchFamily="18" charset="-127"/>
               </a:rPr>
-              <a:t>작업</a:t>
-            </a:r>
-            <a:r>
-              <a:rPr lang="ko-KR" altLang="en-US" sz="1200" smtClean="0">
-                <a:latin typeface="210 맨발의청춘 L" panose="02020603020101020101" pitchFamily="18" charset="-127"/>
-                <a:ea typeface="210 맨발의청춘 L" panose="02020603020101020101" pitchFamily="18" charset="-127"/>
-              </a:rPr>
-              <a:t> </a:t>
-            </a:r>
-            <a:r>
-              <a:rPr lang="ko-KR" altLang="en-US" sz="1200" smtClean="0">
-                <a:latin typeface="210 맨발의청춘 L" panose="02020603020101020101" pitchFamily="18" charset="-127"/>
-                <a:ea typeface="210 맨발의청춘 L" panose="02020603020101020101" pitchFamily="18" charset="-127"/>
-              </a:rPr>
-              <a:t>완료</a:t>
+              <a:t>작업 완료</a:t>
             </a:r>
             <a:endParaRPr lang="ko-KR" altLang="en-US" sz="1200" dirty="0">
               <a:latin typeface="210 맨발의청춘 L" panose="02020603020101020101" pitchFamily="18" charset="-127"/>
@@ -6072,6 +5990,2669 @@
     <p:extLst>
       <p:ext uri="{BB962C8B-B14F-4D97-AF65-F5344CB8AC3E}">
         <p14:creationId xmlns:p14="http://schemas.microsoft.com/office/powerpoint/2010/main" val="4062507757"/>
+      </p:ext>
+    </p:extLst>
+  </p:cSld>
+  <p:clrMapOvr>
+    <a:masterClrMapping/>
+  </p:clrMapOvr>
+</p:sld>
+</file>
+
+<file path=ppt/slides/slide11.xml><?xml version="1.0" encoding="utf-8"?>
+<p:sld xmlns:a="http://schemas.openxmlformats.org/drawingml/2006/main" xmlns:r="http://schemas.openxmlformats.org/officeDocument/2006/relationships" xmlns:p="http://schemas.openxmlformats.org/presentationml/2006/main">
+  <p:cSld>
+    <p:spTree>
+      <p:nvGrpSpPr>
+        <p:cNvPr id="1" name=""/>
+        <p:cNvGrpSpPr/>
+        <p:nvPr/>
+      </p:nvGrpSpPr>
+      <p:grpSpPr>
+        <a:xfrm>
+          <a:off x="0" y="0"/>
+          <a:ext cx="0" cy="0"/>
+          <a:chOff x="0" y="0"/>
+          <a:chExt cx="0" cy="0"/>
+        </a:xfrm>
+      </p:grpSpPr>
+      <p:sp>
+        <p:nvSpPr>
+          <p:cNvPr id="2" name="직사각형 1"/>
+          <p:cNvSpPr/>
+          <p:nvPr/>
+        </p:nvSpPr>
+        <p:spPr>
+          <a:xfrm>
+            <a:off x="0" y="0"/>
+            <a:ext cx="2388637" cy="466530"/>
+          </a:xfrm>
+          <a:prstGeom prst="rect">
+            <a:avLst/>
+          </a:prstGeom>
+          <a:solidFill>
+            <a:schemeClr val="tx1"/>
+          </a:solidFill>
+          <a:ln>
+            <a:noFill/>
+          </a:ln>
+        </p:spPr>
+        <p:style>
+          <a:lnRef idx="2">
+            <a:schemeClr val="accent1">
+              <a:shade val="50000"/>
+            </a:schemeClr>
+          </a:lnRef>
+          <a:fillRef idx="1">
+            <a:schemeClr val="accent1"/>
+          </a:fillRef>
+          <a:effectRef idx="0">
+            <a:schemeClr val="accent1"/>
+          </a:effectRef>
+          <a:fontRef idx="minor">
+            <a:schemeClr val="lt1"/>
+          </a:fontRef>
+        </p:style>
+        <p:txBody>
+          <a:bodyPr rtlCol="0" anchor="ctr"/>
+          <a:lstStyle/>
+          <a:p>
+            <a:pPr algn="ctr"/>
+            <a:r>
+              <a:rPr lang="ko-KR" altLang="en-US" smtClean="0">
+                <a:latin typeface="210 맨발의청춘 B" panose="02020603020101020101" pitchFamily="18" charset="-127"/>
+                <a:ea typeface="210 맨발의청춘 B" panose="02020603020101020101" pitchFamily="18" charset="-127"/>
+              </a:rPr>
+              <a:t>백 앤드 설계</a:t>
+            </a:r>
+            <a:endParaRPr lang="ko-KR" altLang="en-US" dirty="0">
+              <a:latin typeface="210 맨발의청춘 B" panose="02020603020101020101" pitchFamily="18" charset="-127"/>
+              <a:ea typeface="210 맨발의청춘 B" panose="02020603020101020101" pitchFamily="18" charset="-127"/>
+            </a:endParaRPr>
+          </a:p>
+        </p:txBody>
+      </p:sp>
+      <p:sp>
+        <p:nvSpPr>
+          <p:cNvPr id="9" name="직사각형 8"/>
+          <p:cNvSpPr/>
+          <p:nvPr/>
+        </p:nvSpPr>
+        <p:spPr>
+          <a:xfrm>
+            <a:off x="2565919" y="0"/>
+            <a:ext cx="2388637" cy="466530"/>
+          </a:xfrm>
+          <a:prstGeom prst="rect">
+            <a:avLst/>
+          </a:prstGeom>
+          <a:solidFill>
+            <a:schemeClr val="tx1">
+              <a:lumMod val="50000"/>
+              <a:lumOff val="50000"/>
+            </a:schemeClr>
+          </a:solidFill>
+          <a:ln>
+            <a:noFill/>
+          </a:ln>
+        </p:spPr>
+        <p:style>
+          <a:lnRef idx="2">
+            <a:schemeClr val="accent1">
+              <a:shade val="50000"/>
+            </a:schemeClr>
+          </a:lnRef>
+          <a:fillRef idx="1">
+            <a:schemeClr val="accent1"/>
+          </a:fillRef>
+          <a:effectRef idx="0">
+            <a:schemeClr val="accent1"/>
+          </a:effectRef>
+          <a:fontRef idx="minor">
+            <a:schemeClr val="lt1"/>
+          </a:fontRef>
+        </p:style>
+        <p:txBody>
+          <a:bodyPr rtlCol="0" anchor="ctr"/>
+          <a:lstStyle/>
+          <a:p>
+            <a:pPr algn="ctr"/>
+            <a:r>
+              <a:rPr lang="ko-KR" altLang="en-US" dirty="0" smtClean="0">
+                <a:latin typeface="210 맨발의청춘 B" panose="02020603020101020101" pitchFamily="18" charset="-127"/>
+                <a:ea typeface="210 맨발의청춘 B" panose="02020603020101020101" pitchFamily="18" charset="-127"/>
+              </a:rPr>
+              <a:t>데이터 관계도</a:t>
+            </a:r>
+            <a:endParaRPr lang="ko-KR" altLang="en-US" dirty="0">
+              <a:latin typeface="210 맨발의청춘 B" panose="02020603020101020101" pitchFamily="18" charset="-127"/>
+              <a:ea typeface="210 맨발의청춘 B" panose="02020603020101020101" pitchFamily="18" charset="-127"/>
+            </a:endParaRPr>
+          </a:p>
+        </p:txBody>
+      </p:sp>
+      <p:sp>
+        <p:nvSpPr>
+          <p:cNvPr id="11" name="TextBox 10"/>
+          <p:cNvSpPr txBox="1"/>
+          <p:nvPr/>
+        </p:nvSpPr>
+        <p:spPr>
+          <a:xfrm>
+            <a:off x="1417153" y="6609769"/>
+            <a:ext cx="585417" cy="276999"/>
+          </a:xfrm>
+          <a:prstGeom prst="rect">
+            <a:avLst/>
+          </a:prstGeom>
+          <a:noFill/>
+        </p:spPr>
+        <p:txBody>
+          <a:bodyPr wrap="none" rtlCol="0">
+            <a:spAutoFit/>
+          </a:bodyPr>
+          <a:lstStyle/>
+          <a:p>
+            <a:r>
+              <a:rPr lang="en-US" altLang="ko-KR" sz="1200" dirty="0" smtClean="0">
+                <a:latin typeface="210 맨발의청춘 L" panose="02020603020101020101" pitchFamily="18" charset="-127"/>
+                <a:ea typeface="210 맨발의청춘 L" panose="02020603020101020101" pitchFamily="18" charset="-127"/>
+              </a:rPr>
+              <a:t>[</a:t>
+            </a:r>
+            <a:r>
+              <a:rPr lang="ko-KR" altLang="en-US" sz="1200" dirty="0" smtClean="0">
+                <a:latin typeface="210 맨발의청춘 L" panose="02020603020101020101" pitchFamily="18" charset="-127"/>
+                <a:ea typeface="210 맨발의청춘 L" panose="02020603020101020101" pitchFamily="18" charset="-127"/>
+              </a:rPr>
+              <a:t>메인</a:t>
+            </a:r>
+            <a:r>
+              <a:rPr lang="en-US" altLang="ko-KR" sz="1200" dirty="0" smtClean="0">
+                <a:latin typeface="210 맨발의청춘 L" panose="02020603020101020101" pitchFamily="18" charset="-127"/>
+                <a:ea typeface="210 맨발의청춘 L" panose="02020603020101020101" pitchFamily="18" charset="-127"/>
+              </a:rPr>
+              <a:t>]</a:t>
+            </a:r>
+            <a:endParaRPr lang="ko-KR" altLang="en-US" sz="1200" dirty="0">
+              <a:latin typeface="210 맨발의청춘 L" panose="02020603020101020101" pitchFamily="18" charset="-127"/>
+              <a:ea typeface="210 맨발의청춘 L" panose="02020603020101020101" pitchFamily="18" charset="-127"/>
+            </a:endParaRPr>
+          </a:p>
+        </p:txBody>
+      </p:sp>
+      <p:sp>
+        <p:nvSpPr>
+          <p:cNvPr id="25" name="직사각형 24"/>
+          <p:cNvSpPr>
+            <a:spLocks noChangeAspect="1"/>
+          </p:cNvSpPr>
+          <p:nvPr/>
+        </p:nvSpPr>
+        <p:spPr>
+          <a:xfrm>
+            <a:off x="969947" y="1459509"/>
+            <a:ext cx="1113786" cy="3429732"/>
+          </a:xfrm>
+          <a:prstGeom prst="rect">
+            <a:avLst/>
+          </a:prstGeom>
+          <a:solidFill>
+            <a:schemeClr val="bg1"/>
+          </a:solidFill>
+          <a:ln w="25400">
+            <a:solidFill>
+              <a:schemeClr val="tx1"/>
+            </a:solidFill>
+          </a:ln>
+        </p:spPr>
+        <p:style>
+          <a:lnRef idx="2">
+            <a:schemeClr val="accent1">
+              <a:shade val="50000"/>
+            </a:schemeClr>
+          </a:lnRef>
+          <a:fillRef idx="1">
+            <a:schemeClr val="accent1"/>
+          </a:fillRef>
+          <a:effectRef idx="0">
+            <a:schemeClr val="accent1"/>
+          </a:effectRef>
+          <a:fontRef idx="minor">
+            <a:schemeClr val="lt1"/>
+          </a:fontRef>
+        </p:style>
+        <p:txBody>
+          <a:bodyPr rtlCol="0" anchor="ctr"/>
+          <a:lstStyle/>
+          <a:p>
+            <a:pPr algn="ctr"/>
+            <a:endParaRPr lang="ko-KR" altLang="en-US"/>
+          </a:p>
+        </p:txBody>
+      </p:sp>
+      <p:sp>
+        <p:nvSpPr>
+          <p:cNvPr id="26" name="TextBox 25"/>
+          <p:cNvSpPr txBox="1"/>
+          <p:nvPr/>
+        </p:nvSpPr>
+        <p:spPr>
+          <a:xfrm>
+            <a:off x="1209284" y="2653707"/>
+            <a:ext cx="635110" cy="276999"/>
+          </a:xfrm>
+          <a:prstGeom prst="rect">
+            <a:avLst/>
+          </a:prstGeom>
+          <a:noFill/>
+        </p:spPr>
+        <p:txBody>
+          <a:bodyPr wrap="none" rtlCol="0">
+            <a:spAutoFit/>
+          </a:bodyPr>
+          <a:lstStyle/>
+          <a:p>
+            <a:pPr algn="ctr"/>
+            <a:r>
+              <a:rPr lang="en-US" altLang="ko-KR" sz="1200" dirty="0" smtClean="0">
+                <a:latin typeface="210 맨발의청춘 L" panose="02020603020101020101" pitchFamily="18" charset="-127"/>
+                <a:ea typeface="210 맨발의청춘 L" panose="02020603020101020101" pitchFamily="18" charset="-127"/>
+              </a:rPr>
+              <a:t>[</a:t>
+            </a:r>
+            <a:r>
+              <a:rPr lang="en-US" altLang="ko-KR" sz="1200" dirty="0" smtClean="0">
+                <a:latin typeface="210 맨발의청춘 L" panose="02020603020101020101" pitchFamily="18" charset="-127"/>
+                <a:ea typeface="210 맨발의청춘 L" panose="02020603020101020101" pitchFamily="18" charset="-127"/>
+              </a:rPr>
+              <a:t>App</a:t>
+            </a:r>
+            <a:r>
+              <a:rPr lang="en-US" altLang="ko-KR" sz="1200" dirty="0" smtClean="0">
+                <a:latin typeface="210 맨발의청춘 L" panose="02020603020101020101" pitchFamily="18" charset="-127"/>
+                <a:ea typeface="210 맨발의청춘 L" panose="02020603020101020101" pitchFamily="18" charset="-127"/>
+              </a:rPr>
+              <a:t>]</a:t>
+            </a:r>
+            <a:endParaRPr lang="ko-KR" altLang="en-US" sz="1200" dirty="0">
+              <a:latin typeface="210 맨발의청춘 L" panose="02020603020101020101" pitchFamily="18" charset="-127"/>
+              <a:ea typeface="210 맨발의청춘 L" panose="02020603020101020101" pitchFamily="18" charset="-127"/>
+            </a:endParaRPr>
+          </a:p>
+        </p:txBody>
+      </p:sp>
+      <p:cxnSp>
+        <p:nvCxnSpPr>
+          <p:cNvPr id="27" name="직선 화살표 연결선 26"/>
+          <p:cNvCxnSpPr/>
+          <p:nvPr/>
+        </p:nvCxnSpPr>
+        <p:spPr>
+          <a:xfrm>
+            <a:off x="2225827" y="1965813"/>
+            <a:ext cx="1067252" cy="0"/>
+          </a:xfrm>
+          <a:prstGeom prst="straightConnector1">
+            <a:avLst/>
+          </a:prstGeom>
+          <a:ln>
+            <a:solidFill>
+              <a:schemeClr val="tx1"/>
+            </a:solidFill>
+            <a:tailEnd type="triangle"/>
+          </a:ln>
+        </p:spPr>
+        <p:style>
+          <a:lnRef idx="1">
+            <a:schemeClr val="accent1"/>
+          </a:lnRef>
+          <a:fillRef idx="0">
+            <a:schemeClr val="accent1"/>
+          </a:fillRef>
+          <a:effectRef idx="0">
+            <a:schemeClr val="accent1"/>
+          </a:effectRef>
+          <a:fontRef idx="minor">
+            <a:schemeClr val="tx1"/>
+          </a:fontRef>
+        </p:style>
+      </p:cxnSp>
+      <p:sp>
+        <p:nvSpPr>
+          <p:cNvPr id="28" name="직사각형 27"/>
+          <p:cNvSpPr>
+            <a:spLocks noChangeAspect="1"/>
+          </p:cNvSpPr>
+          <p:nvPr/>
+        </p:nvSpPr>
+        <p:spPr>
+          <a:xfrm>
+            <a:off x="3361256" y="1467028"/>
+            <a:ext cx="1009227" cy="1098450"/>
+          </a:xfrm>
+          <a:prstGeom prst="rect">
+            <a:avLst/>
+          </a:prstGeom>
+          <a:solidFill>
+            <a:schemeClr val="bg1"/>
+          </a:solidFill>
+          <a:ln w="25400">
+            <a:solidFill>
+              <a:schemeClr val="tx1"/>
+            </a:solidFill>
+          </a:ln>
+        </p:spPr>
+        <p:style>
+          <a:lnRef idx="2">
+            <a:schemeClr val="accent1">
+              <a:shade val="50000"/>
+            </a:schemeClr>
+          </a:lnRef>
+          <a:fillRef idx="1">
+            <a:schemeClr val="accent1"/>
+          </a:fillRef>
+          <a:effectRef idx="0">
+            <a:schemeClr val="accent1"/>
+          </a:effectRef>
+          <a:fontRef idx="minor">
+            <a:schemeClr val="lt1"/>
+          </a:fontRef>
+        </p:style>
+        <p:txBody>
+          <a:bodyPr rtlCol="0" anchor="ctr"/>
+          <a:lstStyle/>
+          <a:p>
+            <a:pPr algn="ctr"/>
+            <a:endParaRPr lang="ko-KR" altLang="en-US"/>
+          </a:p>
+        </p:txBody>
+      </p:sp>
+      <p:sp>
+        <p:nvSpPr>
+          <p:cNvPr id="29" name="TextBox 28"/>
+          <p:cNvSpPr txBox="1"/>
+          <p:nvPr/>
+        </p:nvSpPr>
+        <p:spPr>
+          <a:xfrm>
+            <a:off x="3568468" y="1827314"/>
+            <a:ext cx="562976" cy="276999"/>
+          </a:xfrm>
+          <a:prstGeom prst="rect">
+            <a:avLst/>
+          </a:prstGeom>
+          <a:noFill/>
+        </p:spPr>
+        <p:txBody>
+          <a:bodyPr wrap="none" rtlCol="0">
+            <a:spAutoFit/>
+          </a:bodyPr>
+          <a:lstStyle/>
+          <a:p>
+            <a:pPr algn="ctr"/>
+            <a:r>
+              <a:rPr lang="en-US" altLang="ko-KR" sz="1200" dirty="0" smtClean="0">
+                <a:latin typeface="210 맨발의청춘 L" panose="02020603020101020101" pitchFamily="18" charset="-127"/>
+                <a:ea typeface="210 맨발의청춘 L" panose="02020603020101020101" pitchFamily="18" charset="-127"/>
+              </a:rPr>
+              <a:t>[</a:t>
+            </a:r>
+            <a:r>
+              <a:rPr lang="ko-KR" altLang="en-US" sz="1200" dirty="0" smtClean="0">
+                <a:latin typeface="210 맨발의청춘 L" panose="02020603020101020101" pitchFamily="18" charset="-127"/>
+                <a:ea typeface="210 맨발의청춘 L" panose="02020603020101020101" pitchFamily="18" charset="-127"/>
+              </a:rPr>
+              <a:t>서버</a:t>
+            </a:r>
+            <a:r>
+              <a:rPr lang="en-US" altLang="ko-KR" sz="1200" dirty="0" smtClean="0">
+                <a:latin typeface="210 맨발의청춘 L" panose="02020603020101020101" pitchFamily="18" charset="-127"/>
+                <a:ea typeface="210 맨발의청춘 L" panose="02020603020101020101" pitchFamily="18" charset="-127"/>
+              </a:rPr>
+              <a:t>]</a:t>
+            </a:r>
+            <a:endParaRPr lang="ko-KR" altLang="en-US" sz="1200" dirty="0">
+              <a:latin typeface="210 맨발의청춘 L" panose="02020603020101020101" pitchFamily="18" charset="-127"/>
+              <a:ea typeface="210 맨발의청춘 L" panose="02020603020101020101" pitchFamily="18" charset="-127"/>
+            </a:endParaRPr>
+          </a:p>
+        </p:txBody>
+      </p:sp>
+      <p:sp>
+        <p:nvSpPr>
+          <p:cNvPr id="31" name="TextBox 30"/>
+          <p:cNvSpPr txBox="1"/>
+          <p:nvPr/>
+        </p:nvSpPr>
+        <p:spPr>
+          <a:xfrm>
+            <a:off x="2388637" y="1673927"/>
+            <a:ext cx="697628" cy="276999"/>
+          </a:xfrm>
+          <a:prstGeom prst="rect">
+            <a:avLst/>
+          </a:prstGeom>
+          <a:noFill/>
+        </p:spPr>
+        <p:txBody>
+          <a:bodyPr wrap="none" rtlCol="0">
+            <a:spAutoFit/>
+          </a:bodyPr>
+          <a:lstStyle/>
+          <a:p>
+            <a:pPr algn="ctr"/>
+            <a:r>
+              <a:rPr lang="en-US" altLang="ko-KR" sz="1200" smtClean="0">
+                <a:latin typeface="210 맨발의청춘 L" panose="02020603020101020101" pitchFamily="18" charset="-127"/>
+                <a:ea typeface="210 맨발의청춘 L" panose="02020603020101020101" pitchFamily="18" charset="-127"/>
+              </a:rPr>
+              <a:t>[</a:t>
+            </a:r>
+            <a:r>
+              <a:rPr lang="ko-KR" altLang="en-US" sz="1200" smtClean="0">
+                <a:latin typeface="210 맨발의청춘 L" panose="02020603020101020101" pitchFamily="18" charset="-127"/>
+                <a:ea typeface="210 맨발의청춘 L" panose="02020603020101020101" pitchFamily="18" charset="-127"/>
+              </a:rPr>
+              <a:t>로그인</a:t>
+            </a:r>
+            <a:r>
+              <a:rPr lang="en-US" altLang="ko-KR" sz="1200" smtClean="0">
+                <a:latin typeface="210 맨발의청춘 L" panose="02020603020101020101" pitchFamily="18" charset="-127"/>
+                <a:ea typeface="210 맨발의청춘 L" panose="02020603020101020101" pitchFamily="18" charset="-127"/>
+              </a:rPr>
+              <a:t>]</a:t>
+            </a:r>
+            <a:endParaRPr lang="ko-KR" altLang="en-US" sz="1200" dirty="0">
+              <a:latin typeface="210 맨발의청춘 L" panose="02020603020101020101" pitchFamily="18" charset="-127"/>
+              <a:ea typeface="210 맨발의청춘 L" panose="02020603020101020101" pitchFamily="18" charset="-127"/>
+            </a:endParaRPr>
+          </a:p>
+        </p:txBody>
+      </p:sp>
+      <p:sp>
+        <p:nvSpPr>
+          <p:cNvPr id="34" name="TextBox 33"/>
+          <p:cNvSpPr txBox="1"/>
+          <p:nvPr/>
+        </p:nvSpPr>
+        <p:spPr>
+          <a:xfrm>
+            <a:off x="4692127" y="1673928"/>
+            <a:ext cx="813043" cy="276999"/>
+          </a:xfrm>
+          <a:prstGeom prst="rect">
+            <a:avLst/>
+          </a:prstGeom>
+          <a:noFill/>
+        </p:spPr>
+        <p:txBody>
+          <a:bodyPr wrap="none" rtlCol="0">
+            <a:spAutoFit/>
+          </a:bodyPr>
+          <a:lstStyle/>
+          <a:p>
+            <a:pPr algn="ctr"/>
+            <a:r>
+              <a:rPr lang="en-US" altLang="ko-KR" sz="1200" smtClean="0">
+                <a:latin typeface="210 맨발의청춘 L" panose="02020603020101020101" pitchFamily="18" charset="-127"/>
+                <a:ea typeface="210 맨발의청춘 L" panose="02020603020101020101" pitchFamily="18" charset="-127"/>
+              </a:rPr>
+              <a:t>[</a:t>
+            </a:r>
+            <a:r>
+              <a:rPr lang="ko-KR" altLang="en-US" sz="1200" smtClean="0">
+                <a:latin typeface="210 맨발의청춘 L" panose="02020603020101020101" pitchFamily="18" charset="-127"/>
+                <a:ea typeface="210 맨발의청춘 L" panose="02020603020101020101" pitchFamily="18" charset="-127"/>
+              </a:rPr>
+              <a:t>스레드 </a:t>
+            </a:r>
+            <a:r>
+              <a:rPr lang="en-US" altLang="ko-KR" sz="1200" smtClean="0">
+                <a:latin typeface="210 맨발의청춘 L" panose="02020603020101020101" pitchFamily="18" charset="-127"/>
+                <a:ea typeface="210 맨발의청춘 L" panose="02020603020101020101" pitchFamily="18" charset="-127"/>
+              </a:rPr>
+              <a:t>1]</a:t>
+            </a:r>
+            <a:endParaRPr lang="ko-KR" altLang="en-US" sz="1200" dirty="0">
+              <a:latin typeface="210 맨발의청춘 L" panose="02020603020101020101" pitchFamily="18" charset="-127"/>
+              <a:ea typeface="210 맨발의청춘 L" panose="02020603020101020101" pitchFamily="18" charset="-127"/>
+            </a:endParaRPr>
+          </a:p>
+        </p:txBody>
+      </p:sp>
+      <p:sp>
+        <p:nvSpPr>
+          <p:cNvPr id="35" name="직사각형 34"/>
+          <p:cNvSpPr>
+            <a:spLocks noChangeAspect="1"/>
+          </p:cNvSpPr>
+          <p:nvPr/>
+        </p:nvSpPr>
+        <p:spPr>
+          <a:xfrm>
+            <a:off x="5761572" y="1459509"/>
+            <a:ext cx="1113786" cy="1948015"/>
+          </a:xfrm>
+          <a:prstGeom prst="rect">
+            <a:avLst/>
+          </a:prstGeom>
+          <a:solidFill>
+            <a:schemeClr val="bg1"/>
+          </a:solidFill>
+          <a:ln w="25400">
+            <a:solidFill>
+              <a:schemeClr val="tx1"/>
+            </a:solidFill>
+          </a:ln>
+        </p:spPr>
+        <p:style>
+          <a:lnRef idx="2">
+            <a:schemeClr val="accent1">
+              <a:shade val="50000"/>
+            </a:schemeClr>
+          </a:lnRef>
+          <a:fillRef idx="1">
+            <a:schemeClr val="accent1"/>
+          </a:fillRef>
+          <a:effectRef idx="0">
+            <a:schemeClr val="accent1"/>
+          </a:effectRef>
+          <a:fontRef idx="minor">
+            <a:schemeClr val="lt1"/>
+          </a:fontRef>
+        </p:style>
+        <p:txBody>
+          <a:bodyPr rtlCol="0" anchor="ctr"/>
+          <a:lstStyle/>
+          <a:p>
+            <a:pPr algn="ctr"/>
+            <a:endParaRPr lang="ko-KR" altLang="en-US"/>
+          </a:p>
+        </p:txBody>
+      </p:sp>
+      <p:sp>
+        <p:nvSpPr>
+          <p:cNvPr id="36" name="직사각형 35"/>
+          <p:cNvSpPr>
+            <a:spLocks noChangeAspect="1"/>
+          </p:cNvSpPr>
+          <p:nvPr/>
+        </p:nvSpPr>
+        <p:spPr>
+          <a:xfrm>
+            <a:off x="4338346" y="4151792"/>
+            <a:ext cx="1020422" cy="923377"/>
+          </a:xfrm>
+          <a:prstGeom prst="rect">
+            <a:avLst/>
+          </a:prstGeom>
+          <a:solidFill>
+            <a:schemeClr val="bg1"/>
+          </a:solidFill>
+          <a:ln w="25400">
+            <a:solidFill>
+              <a:schemeClr val="tx1"/>
+            </a:solidFill>
+          </a:ln>
+        </p:spPr>
+        <p:style>
+          <a:lnRef idx="2">
+            <a:schemeClr val="accent1">
+              <a:shade val="50000"/>
+            </a:schemeClr>
+          </a:lnRef>
+          <a:fillRef idx="1">
+            <a:schemeClr val="accent1"/>
+          </a:fillRef>
+          <a:effectRef idx="0">
+            <a:schemeClr val="accent1"/>
+          </a:effectRef>
+          <a:fontRef idx="minor">
+            <a:schemeClr val="lt1"/>
+          </a:fontRef>
+        </p:style>
+        <p:txBody>
+          <a:bodyPr rtlCol="0" anchor="ctr"/>
+          <a:lstStyle/>
+          <a:p>
+            <a:pPr algn="ctr"/>
+            <a:endParaRPr lang="ko-KR" altLang="en-US"/>
+          </a:p>
+        </p:txBody>
+      </p:sp>
+      <p:sp>
+        <p:nvSpPr>
+          <p:cNvPr id="38" name="TextBox 37"/>
+          <p:cNvSpPr txBox="1"/>
+          <p:nvPr/>
+        </p:nvSpPr>
+        <p:spPr>
+          <a:xfrm>
+            <a:off x="5969377" y="2295016"/>
+            <a:ext cx="707245" cy="276999"/>
+          </a:xfrm>
+          <a:prstGeom prst="rect">
+            <a:avLst/>
+          </a:prstGeom>
+          <a:noFill/>
+        </p:spPr>
+        <p:txBody>
+          <a:bodyPr wrap="none" rtlCol="0">
+            <a:spAutoFit/>
+          </a:bodyPr>
+          <a:lstStyle/>
+          <a:p>
+            <a:pPr algn="ctr"/>
+            <a:r>
+              <a:rPr lang="en-US" altLang="ko-KR" sz="1200" dirty="0" smtClean="0">
+                <a:latin typeface="210 맨발의청춘 L" panose="02020603020101020101" pitchFamily="18" charset="-127"/>
+                <a:ea typeface="210 맨발의청춘 L" panose="02020603020101020101" pitchFamily="18" charset="-127"/>
+              </a:rPr>
+              <a:t>[</a:t>
+            </a:r>
+            <a:r>
+              <a:rPr lang="ko-KR" altLang="en-US" sz="1200" dirty="0" smtClean="0">
+                <a:latin typeface="210 맨발의청춘 L" panose="02020603020101020101" pitchFamily="18" charset="-127"/>
+                <a:ea typeface="210 맨발의청춘 L" panose="02020603020101020101" pitchFamily="18" charset="-127"/>
+              </a:rPr>
+              <a:t>커맨드</a:t>
+            </a:r>
+            <a:r>
+              <a:rPr lang="en-US" altLang="ko-KR" sz="1200" dirty="0" smtClean="0">
+                <a:latin typeface="210 맨발의청춘 L" panose="02020603020101020101" pitchFamily="18" charset="-127"/>
+                <a:ea typeface="210 맨발의청춘 L" panose="02020603020101020101" pitchFamily="18" charset="-127"/>
+              </a:rPr>
+              <a:t>]</a:t>
+            </a:r>
+            <a:endParaRPr lang="ko-KR" altLang="en-US" sz="1200" dirty="0">
+              <a:latin typeface="210 맨발의청춘 L" panose="02020603020101020101" pitchFamily="18" charset="-127"/>
+              <a:ea typeface="210 맨발의청춘 L" panose="02020603020101020101" pitchFamily="18" charset="-127"/>
+            </a:endParaRPr>
+          </a:p>
+        </p:txBody>
+      </p:sp>
+      <p:sp>
+        <p:nvSpPr>
+          <p:cNvPr id="40" name="TextBox 39"/>
+          <p:cNvSpPr txBox="1"/>
+          <p:nvPr/>
+        </p:nvSpPr>
+        <p:spPr>
+          <a:xfrm>
+            <a:off x="4436424" y="4474980"/>
+            <a:ext cx="824265" cy="276999"/>
+          </a:xfrm>
+          <a:prstGeom prst="rect">
+            <a:avLst/>
+          </a:prstGeom>
+          <a:noFill/>
+        </p:spPr>
+        <p:txBody>
+          <a:bodyPr wrap="none" rtlCol="0">
+            <a:spAutoFit/>
+          </a:bodyPr>
+          <a:lstStyle/>
+          <a:p>
+            <a:pPr algn="ctr"/>
+            <a:r>
+              <a:rPr lang="en-US" altLang="ko-KR" sz="1200" smtClean="0">
+                <a:latin typeface="210 맨발의청춘 L" panose="02020603020101020101" pitchFamily="18" charset="-127"/>
+                <a:ea typeface="210 맨발의청춘 L" panose="02020603020101020101" pitchFamily="18" charset="-127"/>
+              </a:rPr>
+              <a:t>[</a:t>
+            </a:r>
+            <a:r>
+              <a:rPr lang="ko-KR" altLang="en-US" sz="1200" smtClean="0">
+                <a:latin typeface="210 맨발의청춘 L" panose="02020603020101020101" pitchFamily="18" charset="-127"/>
+                <a:ea typeface="210 맨발의청춘 L" panose="02020603020101020101" pitchFamily="18" charset="-127"/>
+              </a:rPr>
+              <a:t>푸시서버</a:t>
+            </a:r>
+            <a:r>
+              <a:rPr lang="en-US" altLang="ko-KR" sz="1200" smtClean="0">
+                <a:latin typeface="210 맨발의청춘 L" panose="02020603020101020101" pitchFamily="18" charset="-127"/>
+                <a:ea typeface="210 맨발의청춘 L" panose="02020603020101020101" pitchFamily="18" charset="-127"/>
+              </a:rPr>
+              <a:t>]</a:t>
+            </a:r>
+            <a:endParaRPr lang="ko-KR" altLang="en-US" sz="1200" dirty="0">
+              <a:latin typeface="210 맨발의청춘 L" panose="02020603020101020101" pitchFamily="18" charset="-127"/>
+              <a:ea typeface="210 맨발의청춘 L" panose="02020603020101020101" pitchFamily="18" charset="-127"/>
+            </a:endParaRPr>
+          </a:p>
+        </p:txBody>
+      </p:sp>
+      <p:sp>
+        <p:nvSpPr>
+          <p:cNvPr id="42" name="직사각형 41"/>
+          <p:cNvSpPr>
+            <a:spLocks noChangeAspect="1"/>
+          </p:cNvSpPr>
+          <p:nvPr/>
+        </p:nvSpPr>
+        <p:spPr>
+          <a:xfrm>
+            <a:off x="8338518" y="1459510"/>
+            <a:ext cx="1113786" cy="1022850"/>
+          </a:xfrm>
+          <a:prstGeom prst="rect">
+            <a:avLst/>
+          </a:prstGeom>
+          <a:solidFill>
+            <a:schemeClr val="bg1"/>
+          </a:solidFill>
+          <a:ln w="25400">
+            <a:solidFill>
+              <a:schemeClr val="tx1"/>
+            </a:solidFill>
+          </a:ln>
+        </p:spPr>
+        <p:style>
+          <a:lnRef idx="2">
+            <a:schemeClr val="accent1">
+              <a:shade val="50000"/>
+            </a:schemeClr>
+          </a:lnRef>
+          <a:fillRef idx="1">
+            <a:schemeClr val="accent1"/>
+          </a:fillRef>
+          <a:effectRef idx="0">
+            <a:schemeClr val="accent1"/>
+          </a:effectRef>
+          <a:fontRef idx="minor">
+            <a:schemeClr val="lt1"/>
+          </a:fontRef>
+        </p:style>
+        <p:txBody>
+          <a:bodyPr rtlCol="0" anchor="ctr"/>
+          <a:lstStyle/>
+          <a:p>
+            <a:pPr algn="ctr"/>
+            <a:endParaRPr lang="ko-KR" altLang="en-US"/>
+          </a:p>
+        </p:txBody>
+      </p:sp>
+      <p:sp>
+        <p:nvSpPr>
+          <p:cNvPr id="45" name="TextBox 44"/>
+          <p:cNvSpPr txBox="1"/>
+          <p:nvPr/>
+        </p:nvSpPr>
+        <p:spPr>
+          <a:xfrm>
+            <a:off x="8400724" y="1778468"/>
+            <a:ext cx="989374" cy="461665"/>
+          </a:xfrm>
+          <a:prstGeom prst="rect">
+            <a:avLst/>
+          </a:prstGeom>
+          <a:noFill/>
+        </p:spPr>
+        <p:txBody>
+          <a:bodyPr wrap="none" rtlCol="0">
+            <a:spAutoFit/>
+          </a:bodyPr>
+          <a:lstStyle/>
+          <a:p>
+            <a:pPr algn="ctr"/>
+            <a:r>
+              <a:rPr lang="en-US" altLang="ko-KR" sz="1200" dirty="0" smtClean="0">
+                <a:latin typeface="210 맨발의청춘 L" panose="02020603020101020101" pitchFamily="18" charset="-127"/>
+                <a:ea typeface="210 맨발의청춘 L" panose="02020603020101020101" pitchFamily="18" charset="-127"/>
+              </a:rPr>
+              <a:t>[</a:t>
+            </a:r>
+            <a:r>
+              <a:rPr lang="ko-KR" altLang="en-US" sz="1200" dirty="0" smtClean="0">
+                <a:latin typeface="210 맨발의청춘 L" panose="02020603020101020101" pitchFamily="18" charset="-127"/>
+                <a:ea typeface="210 맨발의청춘 L" panose="02020603020101020101" pitchFamily="18" charset="-127"/>
+              </a:rPr>
+              <a:t>백그라운드</a:t>
+            </a:r>
+            <a:r>
+              <a:rPr lang="en-US" altLang="ko-KR" sz="1200" dirty="0">
+                <a:latin typeface="210 맨발의청춘 L" panose="02020603020101020101" pitchFamily="18" charset="-127"/>
+                <a:ea typeface="210 맨발의청춘 L" panose="02020603020101020101" pitchFamily="18" charset="-127"/>
+              </a:rPr>
+              <a:t>]</a:t>
+            </a:r>
+            <a:endParaRPr lang="en-US" altLang="ko-KR" sz="1200" dirty="0" smtClean="0">
+              <a:latin typeface="210 맨발의청춘 L" panose="02020603020101020101" pitchFamily="18" charset="-127"/>
+              <a:ea typeface="210 맨발의청춘 L" panose="02020603020101020101" pitchFamily="18" charset="-127"/>
+            </a:endParaRPr>
+          </a:p>
+          <a:p>
+            <a:pPr algn="ctr"/>
+            <a:r>
+              <a:rPr lang="ko-KR" altLang="en-US" sz="1200" dirty="0" smtClean="0">
+                <a:latin typeface="210 맨발의청춘 L" panose="02020603020101020101" pitchFamily="18" charset="-127"/>
+                <a:ea typeface="210 맨발의청춘 L" panose="02020603020101020101" pitchFamily="18" charset="-127"/>
+              </a:rPr>
+              <a:t>엔진</a:t>
+            </a:r>
+            <a:endParaRPr lang="ko-KR" altLang="en-US" sz="1200" dirty="0">
+              <a:latin typeface="210 맨발의청춘 L" panose="02020603020101020101" pitchFamily="18" charset="-127"/>
+              <a:ea typeface="210 맨발의청춘 L" panose="02020603020101020101" pitchFamily="18" charset="-127"/>
+            </a:endParaRPr>
+          </a:p>
+        </p:txBody>
+      </p:sp>
+      <p:cxnSp>
+        <p:nvCxnSpPr>
+          <p:cNvPr id="5" name="직선 화살표 연결선 4"/>
+          <p:cNvCxnSpPr/>
+          <p:nvPr/>
+        </p:nvCxnSpPr>
+        <p:spPr>
+          <a:xfrm>
+            <a:off x="4573754" y="1997472"/>
+            <a:ext cx="1038533" cy="0"/>
+          </a:xfrm>
+          <a:prstGeom prst="straightConnector1">
+            <a:avLst/>
+          </a:prstGeom>
+          <a:ln>
+            <a:solidFill>
+              <a:schemeClr val="tx1"/>
+            </a:solidFill>
+            <a:headEnd type="triangle"/>
+            <a:tailEnd type="triangle"/>
+          </a:ln>
+        </p:spPr>
+        <p:style>
+          <a:lnRef idx="1">
+            <a:schemeClr val="accent1"/>
+          </a:lnRef>
+          <a:fillRef idx="0">
+            <a:schemeClr val="accent1"/>
+          </a:fillRef>
+          <a:effectRef idx="0">
+            <a:schemeClr val="accent1"/>
+          </a:effectRef>
+          <a:fontRef idx="minor">
+            <a:schemeClr val="tx1"/>
+          </a:fontRef>
+        </p:style>
+      </p:cxnSp>
+      <p:cxnSp>
+        <p:nvCxnSpPr>
+          <p:cNvPr id="15" name="직선 화살표 연결선 14"/>
+          <p:cNvCxnSpPr/>
+          <p:nvPr/>
+        </p:nvCxnSpPr>
+        <p:spPr>
+          <a:xfrm>
+            <a:off x="6978865" y="1993719"/>
+            <a:ext cx="1173018" cy="0"/>
+          </a:xfrm>
+          <a:prstGeom prst="straightConnector1">
+            <a:avLst/>
+          </a:prstGeom>
+          <a:ln>
+            <a:solidFill>
+              <a:schemeClr val="tx1"/>
+            </a:solidFill>
+            <a:tailEnd type="triangle"/>
+          </a:ln>
+        </p:spPr>
+        <p:style>
+          <a:lnRef idx="1">
+            <a:schemeClr val="accent1"/>
+          </a:lnRef>
+          <a:fillRef idx="0">
+            <a:schemeClr val="accent1"/>
+          </a:fillRef>
+          <a:effectRef idx="0">
+            <a:schemeClr val="accent1"/>
+          </a:effectRef>
+          <a:fontRef idx="minor">
+            <a:schemeClr val="tx1"/>
+          </a:fontRef>
+        </p:style>
+      </p:cxnSp>
+      <p:sp>
+        <p:nvSpPr>
+          <p:cNvPr id="56" name="TextBox 55"/>
+          <p:cNvSpPr txBox="1"/>
+          <p:nvPr/>
+        </p:nvSpPr>
+        <p:spPr>
+          <a:xfrm>
+            <a:off x="7193888" y="1720582"/>
+            <a:ext cx="700834" cy="276999"/>
+          </a:xfrm>
+          <a:prstGeom prst="rect">
+            <a:avLst/>
+          </a:prstGeom>
+          <a:noFill/>
+        </p:spPr>
+        <p:txBody>
+          <a:bodyPr wrap="none" rtlCol="0">
+            <a:spAutoFit/>
+          </a:bodyPr>
+          <a:lstStyle/>
+          <a:p>
+            <a:pPr algn="ctr"/>
+            <a:r>
+              <a:rPr lang="en-US" altLang="ko-KR" sz="1200" dirty="0" smtClean="0">
+                <a:latin typeface="210 맨발의청춘 L" panose="02020603020101020101" pitchFamily="18" charset="-127"/>
+                <a:ea typeface="210 맨발의청춘 L" panose="02020603020101020101" pitchFamily="18" charset="-127"/>
+              </a:rPr>
+              <a:t>[send]</a:t>
+            </a:r>
+            <a:endParaRPr lang="ko-KR" altLang="en-US" sz="1200" dirty="0">
+              <a:latin typeface="210 맨발의청춘 L" panose="02020603020101020101" pitchFamily="18" charset="-127"/>
+              <a:ea typeface="210 맨발의청춘 L" panose="02020603020101020101" pitchFamily="18" charset="-127"/>
+            </a:endParaRPr>
+          </a:p>
+        </p:txBody>
+      </p:sp>
+      <p:cxnSp>
+        <p:nvCxnSpPr>
+          <p:cNvPr id="59" name="직선 화살표 연결선 58"/>
+          <p:cNvCxnSpPr/>
+          <p:nvPr/>
+        </p:nvCxnSpPr>
+        <p:spPr>
+          <a:xfrm flipH="1">
+            <a:off x="2225827" y="4581922"/>
+            <a:ext cx="2031924" cy="0"/>
+          </a:xfrm>
+          <a:prstGeom prst="straightConnector1">
+            <a:avLst/>
+          </a:prstGeom>
+          <a:ln>
+            <a:solidFill>
+              <a:schemeClr val="tx1"/>
+            </a:solidFill>
+            <a:tailEnd type="triangle"/>
+          </a:ln>
+        </p:spPr>
+        <p:style>
+          <a:lnRef idx="1">
+            <a:schemeClr val="accent1"/>
+          </a:lnRef>
+          <a:fillRef idx="0">
+            <a:schemeClr val="accent1"/>
+          </a:fillRef>
+          <a:effectRef idx="0">
+            <a:schemeClr val="accent1"/>
+          </a:effectRef>
+          <a:fontRef idx="minor">
+            <a:schemeClr val="tx1"/>
+          </a:fontRef>
+        </p:style>
+      </p:cxnSp>
+      <p:cxnSp>
+        <p:nvCxnSpPr>
+          <p:cNvPr id="21" name="직선 화살표 연결선 20"/>
+          <p:cNvCxnSpPr/>
+          <p:nvPr/>
+        </p:nvCxnSpPr>
+        <p:spPr>
+          <a:xfrm flipH="1">
+            <a:off x="5499544" y="4585891"/>
+            <a:ext cx="4448020" cy="0"/>
+          </a:xfrm>
+          <a:prstGeom prst="straightConnector1">
+            <a:avLst/>
+          </a:prstGeom>
+          <a:ln>
+            <a:solidFill>
+              <a:schemeClr val="tx1"/>
+            </a:solidFill>
+            <a:tailEnd type="triangle"/>
+          </a:ln>
+        </p:spPr>
+        <p:style>
+          <a:lnRef idx="1">
+            <a:schemeClr val="accent1"/>
+          </a:lnRef>
+          <a:fillRef idx="0">
+            <a:schemeClr val="accent1"/>
+          </a:fillRef>
+          <a:effectRef idx="0">
+            <a:schemeClr val="accent1"/>
+          </a:effectRef>
+          <a:fontRef idx="minor">
+            <a:schemeClr val="tx1"/>
+          </a:fontRef>
+        </p:style>
+      </p:cxnSp>
+      <p:cxnSp>
+        <p:nvCxnSpPr>
+          <p:cNvPr id="23" name="직선 화살표 연결선 22"/>
+          <p:cNvCxnSpPr/>
+          <p:nvPr/>
+        </p:nvCxnSpPr>
+        <p:spPr>
+          <a:xfrm>
+            <a:off x="10012880" y="1965813"/>
+            <a:ext cx="0" cy="2616109"/>
+          </a:xfrm>
+          <a:prstGeom prst="straightConnector1">
+            <a:avLst/>
+          </a:prstGeom>
+          <a:ln>
+            <a:solidFill>
+              <a:schemeClr val="tx1"/>
+            </a:solidFill>
+            <a:tailEnd type="triangle"/>
+          </a:ln>
+        </p:spPr>
+        <p:style>
+          <a:lnRef idx="1">
+            <a:schemeClr val="accent1"/>
+          </a:lnRef>
+          <a:fillRef idx="0">
+            <a:schemeClr val="accent1"/>
+          </a:fillRef>
+          <a:effectRef idx="0">
+            <a:schemeClr val="accent1"/>
+          </a:effectRef>
+          <a:fontRef idx="minor">
+            <a:schemeClr val="tx1"/>
+          </a:fontRef>
+        </p:style>
+      </p:cxnSp>
+      <p:sp>
+        <p:nvSpPr>
+          <p:cNvPr id="66" name="TextBox 65"/>
+          <p:cNvSpPr txBox="1"/>
+          <p:nvPr/>
+        </p:nvSpPr>
+        <p:spPr>
+          <a:xfrm>
+            <a:off x="7298967" y="4304922"/>
+            <a:ext cx="788999" cy="276999"/>
+          </a:xfrm>
+          <a:prstGeom prst="rect">
+            <a:avLst/>
+          </a:prstGeom>
+          <a:noFill/>
+        </p:spPr>
+        <p:txBody>
+          <a:bodyPr wrap="none" rtlCol="0">
+            <a:spAutoFit/>
+          </a:bodyPr>
+          <a:lstStyle/>
+          <a:p>
+            <a:pPr algn="ctr"/>
+            <a:r>
+              <a:rPr lang="ko-KR" altLang="en-US" sz="1200" dirty="0" smtClean="0">
+                <a:latin typeface="210 맨발의청춘 L" panose="02020603020101020101" pitchFamily="18" charset="-127"/>
+                <a:ea typeface="210 맨발의청춘 L" panose="02020603020101020101" pitchFamily="18" charset="-127"/>
+              </a:rPr>
+              <a:t>작업 완료</a:t>
+            </a:r>
+            <a:endParaRPr lang="ko-KR" altLang="en-US" sz="1200" dirty="0">
+              <a:latin typeface="210 맨발의청춘 L" panose="02020603020101020101" pitchFamily="18" charset="-127"/>
+              <a:ea typeface="210 맨발의청춘 L" panose="02020603020101020101" pitchFamily="18" charset="-127"/>
+            </a:endParaRPr>
+          </a:p>
+        </p:txBody>
+      </p:sp>
+      <p:cxnSp>
+        <p:nvCxnSpPr>
+          <p:cNvPr id="32" name="직선 화살표 연결선 31"/>
+          <p:cNvCxnSpPr/>
+          <p:nvPr/>
+        </p:nvCxnSpPr>
+        <p:spPr>
+          <a:xfrm>
+            <a:off x="6978864" y="3113393"/>
+            <a:ext cx="1173018" cy="0"/>
+          </a:xfrm>
+          <a:prstGeom prst="straightConnector1">
+            <a:avLst/>
+          </a:prstGeom>
+          <a:ln>
+            <a:solidFill>
+              <a:schemeClr val="tx1"/>
+            </a:solidFill>
+            <a:tailEnd type="triangle"/>
+          </a:ln>
+        </p:spPr>
+        <p:style>
+          <a:lnRef idx="1">
+            <a:schemeClr val="accent1"/>
+          </a:lnRef>
+          <a:fillRef idx="0">
+            <a:schemeClr val="accent1"/>
+          </a:fillRef>
+          <a:effectRef idx="0">
+            <a:schemeClr val="accent1"/>
+          </a:effectRef>
+          <a:fontRef idx="minor">
+            <a:schemeClr val="tx1"/>
+          </a:fontRef>
+        </p:style>
+      </p:cxnSp>
+      <p:sp>
+        <p:nvSpPr>
+          <p:cNvPr id="33" name="TextBox 32"/>
+          <p:cNvSpPr txBox="1"/>
+          <p:nvPr/>
+        </p:nvSpPr>
+        <p:spPr>
+          <a:xfrm>
+            <a:off x="7088893" y="2792207"/>
+            <a:ext cx="941283" cy="276999"/>
+          </a:xfrm>
+          <a:prstGeom prst="rect">
+            <a:avLst/>
+          </a:prstGeom>
+          <a:noFill/>
+        </p:spPr>
+        <p:txBody>
+          <a:bodyPr wrap="none" rtlCol="0">
+            <a:spAutoFit/>
+          </a:bodyPr>
+          <a:lstStyle/>
+          <a:p>
+            <a:pPr algn="ctr"/>
+            <a:r>
+              <a:rPr lang="en-US" altLang="ko-KR" sz="1200" dirty="0" smtClean="0">
+                <a:latin typeface="210 맨발의청춘 L" panose="02020603020101020101" pitchFamily="18" charset="-127"/>
+                <a:ea typeface="210 맨발의청춘 L" panose="02020603020101020101" pitchFamily="18" charset="-127"/>
+              </a:rPr>
+              <a:t>[Receive]</a:t>
+            </a:r>
+            <a:endParaRPr lang="ko-KR" altLang="en-US" sz="1200" dirty="0">
+              <a:latin typeface="210 맨발의청춘 L" panose="02020603020101020101" pitchFamily="18" charset="-127"/>
+              <a:ea typeface="210 맨발의청춘 L" panose="02020603020101020101" pitchFamily="18" charset="-127"/>
+            </a:endParaRPr>
+          </a:p>
+        </p:txBody>
+      </p:sp>
+      <p:sp>
+        <p:nvSpPr>
+          <p:cNvPr id="37" name="직사각형 36"/>
+          <p:cNvSpPr>
+            <a:spLocks noChangeAspect="1"/>
+          </p:cNvSpPr>
+          <p:nvPr/>
+        </p:nvSpPr>
+        <p:spPr>
+          <a:xfrm>
+            <a:off x="8338518" y="2579054"/>
+            <a:ext cx="1113786" cy="1022850"/>
+          </a:xfrm>
+          <a:prstGeom prst="rect">
+            <a:avLst/>
+          </a:prstGeom>
+          <a:solidFill>
+            <a:schemeClr val="bg1"/>
+          </a:solidFill>
+          <a:ln w="25400">
+            <a:solidFill>
+              <a:schemeClr val="tx1"/>
+            </a:solidFill>
+          </a:ln>
+        </p:spPr>
+        <p:style>
+          <a:lnRef idx="2">
+            <a:schemeClr val="accent1">
+              <a:shade val="50000"/>
+            </a:schemeClr>
+          </a:lnRef>
+          <a:fillRef idx="1">
+            <a:schemeClr val="accent1"/>
+          </a:fillRef>
+          <a:effectRef idx="0">
+            <a:schemeClr val="accent1"/>
+          </a:effectRef>
+          <a:fontRef idx="minor">
+            <a:schemeClr val="lt1"/>
+          </a:fontRef>
+        </p:style>
+        <p:txBody>
+          <a:bodyPr rtlCol="0" anchor="ctr"/>
+          <a:lstStyle/>
+          <a:p>
+            <a:pPr algn="ctr"/>
+            <a:endParaRPr lang="ko-KR" altLang="en-US"/>
+          </a:p>
+        </p:txBody>
+      </p:sp>
+      <p:sp>
+        <p:nvSpPr>
+          <p:cNvPr id="39" name="TextBox 38"/>
+          <p:cNvSpPr txBox="1"/>
+          <p:nvPr/>
+        </p:nvSpPr>
+        <p:spPr>
+          <a:xfrm>
+            <a:off x="8400724" y="2882560"/>
+            <a:ext cx="989374" cy="461665"/>
+          </a:xfrm>
+          <a:prstGeom prst="rect">
+            <a:avLst/>
+          </a:prstGeom>
+          <a:noFill/>
+        </p:spPr>
+        <p:txBody>
+          <a:bodyPr wrap="none" rtlCol="0">
+            <a:spAutoFit/>
+          </a:bodyPr>
+          <a:lstStyle/>
+          <a:p>
+            <a:pPr algn="ctr"/>
+            <a:r>
+              <a:rPr lang="en-US" altLang="ko-KR" sz="1200" dirty="0" smtClean="0">
+                <a:latin typeface="210 맨발의청춘 L" panose="02020603020101020101" pitchFamily="18" charset="-127"/>
+                <a:ea typeface="210 맨발의청춘 L" panose="02020603020101020101" pitchFamily="18" charset="-127"/>
+              </a:rPr>
+              <a:t>[</a:t>
+            </a:r>
+            <a:r>
+              <a:rPr lang="ko-KR" altLang="en-US" sz="1200" dirty="0" smtClean="0">
+                <a:latin typeface="210 맨발의청춘 L" panose="02020603020101020101" pitchFamily="18" charset="-127"/>
+                <a:ea typeface="210 맨발의청춘 L" panose="02020603020101020101" pitchFamily="18" charset="-127"/>
+              </a:rPr>
+              <a:t>백그라운드</a:t>
+            </a:r>
+            <a:r>
+              <a:rPr lang="en-US" altLang="ko-KR" sz="1200" dirty="0">
+                <a:latin typeface="210 맨발의청춘 L" panose="02020603020101020101" pitchFamily="18" charset="-127"/>
+                <a:ea typeface="210 맨발의청춘 L" panose="02020603020101020101" pitchFamily="18" charset="-127"/>
+              </a:rPr>
+              <a:t>]</a:t>
+            </a:r>
+            <a:endParaRPr lang="en-US" altLang="ko-KR" sz="1200" dirty="0" smtClean="0">
+              <a:latin typeface="210 맨발의청춘 L" panose="02020603020101020101" pitchFamily="18" charset="-127"/>
+              <a:ea typeface="210 맨발의청춘 L" panose="02020603020101020101" pitchFamily="18" charset="-127"/>
+            </a:endParaRPr>
+          </a:p>
+          <a:p>
+            <a:pPr algn="ctr"/>
+            <a:r>
+              <a:rPr lang="ko-KR" altLang="en-US" sz="1200" dirty="0" smtClean="0">
+                <a:latin typeface="210 맨발의청춘 L" panose="02020603020101020101" pitchFamily="18" charset="-127"/>
+                <a:ea typeface="210 맨발의청춘 L" panose="02020603020101020101" pitchFamily="18" charset="-127"/>
+              </a:rPr>
+              <a:t>엔진</a:t>
+            </a:r>
+            <a:endParaRPr lang="ko-KR" altLang="en-US" sz="1200" dirty="0">
+              <a:latin typeface="210 맨발의청춘 L" panose="02020603020101020101" pitchFamily="18" charset="-127"/>
+              <a:ea typeface="210 맨발의청춘 L" panose="02020603020101020101" pitchFamily="18" charset="-127"/>
+            </a:endParaRPr>
+          </a:p>
+        </p:txBody>
+      </p:sp>
+      <p:cxnSp>
+        <p:nvCxnSpPr>
+          <p:cNvPr id="41" name="직선 화살표 연결선 40"/>
+          <p:cNvCxnSpPr/>
+          <p:nvPr/>
+        </p:nvCxnSpPr>
+        <p:spPr>
+          <a:xfrm flipH="1">
+            <a:off x="2225827" y="3540117"/>
+            <a:ext cx="6044716" cy="0"/>
+          </a:xfrm>
+          <a:prstGeom prst="straightConnector1">
+            <a:avLst/>
+          </a:prstGeom>
+          <a:ln>
+            <a:solidFill>
+              <a:schemeClr val="tx1"/>
+            </a:solidFill>
+            <a:tailEnd type="triangle"/>
+          </a:ln>
+        </p:spPr>
+        <p:style>
+          <a:lnRef idx="1">
+            <a:schemeClr val="accent1"/>
+          </a:lnRef>
+          <a:fillRef idx="0">
+            <a:schemeClr val="accent1"/>
+          </a:fillRef>
+          <a:effectRef idx="0">
+            <a:schemeClr val="accent1"/>
+          </a:effectRef>
+          <a:fontRef idx="minor">
+            <a:schemeClr val="tx1"/>
+          </a:fontRef>
+        </p:style>
+      </p:cxnSp>
+      <p:sp>
+        <p:nvSpPr>
+          <p:cNvPr id="43" name="TextBox 42"/>
+          <p:cNvSpPr txBox="1"/>
+          <p:nvPr/>
+        </p:nvSpPr>
+        <p:spPr>
+          <a:xfrm>
+            <a:off x="7086487" y="2037907"/>
+            <a:ext cx="915636" cy="276999"/>
+          </a:xfrm>
+          <a:prstGeom prst="rect">
+            <a:avLst/>
+          </a:prstGeom>
+          <a:noFill/>
+        </p:spPr>
+        <p:txBody>
+          <a:bodyPr wrap="none" rtlCol="0">
+            <a:spAutoFit/>
+          </a:bodyPr>
+          <a:lstStyle/>
+          <a:p>
+            <a:pPr algn="ctr"/>
+            <a:r>
+              <a:rPr lang="ko-KR" altLang="en-US" sz="1200" dirty="0" smtClean="0">
+                <a:latin typeface="210 맨발의청춘 L" panose="02020603020101020101" pitchFamily="18" charset="-127"/>
+                <a:ea typeface="210 맨발의청춘 L" panose="02020603020101020101" pitchFamily="18" charset="-127"/>
+              </a:rPr>
+              <a:t>파일 업로드</a:t>
+            </a:r>
+            <a:endParaRPr lang="ko-KR" altLang="en-US" sz="1200" dirty="0">
+              <a:latin typeface="210 맨발의청춘 L" panose="02020603020101020101" pitchFamily="18" charset="-127"/>
+              <a:ea typeface="210 맨발의청춘 L" panose="02020603020101020101" pitchFamily="18" charset="-127"/>
+            </a:endParaRPr>
+          </a:p>
+        </p:txBody>
+      </p:sp>
+      <p:cxnSp>
+        <p:nvCxnSpPr>
+          <p:cNvPr id="8" name="직선 화살표 연결선 7"/>
+          <p:cNvCxnSpPr/>
+          <p:nvPr/>
+        </p:nvCxnSpPr>
+        <p:spPr>
+          <a:xfrm>
+            <a:off x="9563878" y="1965813"/>
+            <a:ext cx="383686" cy="0"/>
+          </a:xfrm>
+          <a:prstGeom prst="straightConnector1">
+            <a:avLst/>
+          </a:prstGeom>
+          <a:ln>
+            <a:solidFill>
+              <a:schemeClr val="tx1"/>
+            </a:solidFill>
+            <a:tailEnd type="triangle"/>
+          </a:ln>
+        </p:spPr>
+        <p:style>
+          <a:lnRef idx="1">
+            <a:schemeClr val="accent1"/>
+          </a:lnRef>
+          <a:fillRef idx="0">
+            <a:schemeClr val="accent1"/>
+          </a:fillRef>
+          <a:effectRef idx="0">
+            <a:schemeClr val="accent1"/>
+          </a:effectRef>
+          <a:fontRef idx="minor">
+            <a:schemeClr val="tx1"/>
+          </a:fontRef>
+        </p:style>
+      </p:cxnSp>
+      <p:sp>
+        <p:nvSpPr>
+          <p:cNvPr id="44" name="TextBox 43"/>
+          <p:cNvSpPr txBox="1"/>
+          <p:nvPr/>
+        </p:nvSpPr>
+        <p:spPr>
+          <a:xfrm>
+            <a:off x="3392138" y="3262688"/>
+            <a:ext cx="915636" cy="276999"/>
+          </a:xfrm>
+          <a:prstGeom prst="rect">
+            <a:avLst/>
+          </a:prstGeom>
+          <a:noFill/>
+        </p:spPr>
+        <p:txBody>
+          <a:bodyPr wrap="none" rtlCol="0">
+            <a:spAutoFit/>
+          </a:bodyPr>
+          <a:lstStyle/>
+          <a:p>
+            <a:pPr algn="ctr"/>
+            <a:r>
+              <a:rPr lang="ko-KR" altLang="en-US" sz="1200" dirty="0" smtClean="0">
+                <a:latin typeface="210 맨발의청춘 L" panose="02020603020101020101" pitchFamily="18" charset="-127"/>
+                <a:ea typeface="210 맨발의청춘 L" panose="02020603020101020101" pitchFamily="18" charset="-127"/>
+              </a:rPr>
+              <a:t>결과 데이터</a:t>
+            </a:r>
+            <a:endParaRPr lang="ko-KR" altLang="en-US" sz="1200" dirty="0">
+              <a:latin typeface="210 맨발의청춘 L" panose="02020603020101020101" pitchFamily="18" charset="-127"/>
+              <a:ea typeface="210 맨발의청춘 L" panose="02020603020101020101" pitchFamily="18" charset="-127"/>
+            </a:endParaRPr>
+          </a:p>
+        </p:txBody>
+      </p:sp>
+      <p:sp>
+        <p:nvSpPr>
+          <p:cNvPr id="46" name="TextBox 45"/>
+          <p:cNvSpPr txBox="1"/>
+          <p:nvPr/>
+        </p:nvSpPr>
+        <p:spPr>
+          <a:xfrm>
+            <a:off x="2694203" y="4304923"/>
+            <a:ext cx="1095172" cy="276999"/>
+          </a:xfrm>
+          <a:prstGeom prst="rect">
+            <a:avLst/>
+          </a:prstGeom>
+          <a:noFill/>
+        </p:spPr>
+        <p:txBody>
+          <a:bodyPr wrap="none" rtlCol="0">
+            <a:spAutoFit/>
+          </a:bodyPr>
+          <a:lstStyle/>
+          <a:p>
+            <a:pPr algn="ctr"/>
+            <a:r>
+              <a:rPr lang="ko-KR" altLang="en-US" sz="1200" dirty="0" smtClean="0">
+                <a:latin typeface="210 맨발의청춘 L" panose="02020603020101020101" pitchFamily="18" charset="-127"/>
+                <a:ea typeface="210 맨발의청춘 L" panose="02020603020101020101" pitchFamily="18" charset="-127"/>
+              </a:rPr>
+              <a:t>결과 생성 알림</a:t>
+            </a:r>
+            <a:endParaRPr lang="ko-KR" altLang="en-US" sz="1200" dirty="0">
+              <a:latin typeface="210 맨발의청춘 L" panose="02020603020101020101" pitchFamily="18" charset="-127"/>
+              <a:ea typeface="210 맨발의청춘 L" panose="02020603020101020101" pitchFamily="18" charset="-127"/>
+            </a:endParaRPr>
+          </a:p>
+        </p:txBody>
+      </p:sp>
+    </p:spTree>
+    <p:extLst>
+      <p:ext uri="{BB962C8B-B14F-4D97-AF65-F5344CB8AC3E}">
+        <p14:creationId xmlns:p14="http://schemas.microsoft.com/office/powerpoint/2010/main" val="1722466731"/>
+      </p:ext>
+    </p:extLst>
+  </p:cSld>
+  <p:clrMapOvr>
+    <a:masterClrMapping/>
+  </p:clrMapOvr>
+</p:sld>
+</file>
+
+<file path=ppt/slides/slide12.xml><?xml version="1.0" encoding="utf-8"?>
+<p:sld xmlns:a="http://schemas.openxmlformats.org/drawingml/2006/main" xmlns:r="http://schemas.openxmlformats.org/officeDocument/2006/relationships" xmlns:p="http://schemas.openxmlformats.org/presentationml/2006/main">
+  <p:cSld>
+    <p:spTree>
+      <p:nvGrpSpPr>
+        <p:cNvPr id="1" name=""/>
+        <p:cNvGrpSpPr/>
+        <p:nvPr/>
+      </p:nvGrpSpPr>
+      <p:grpSpPr>
+        <a:xfrm>
+          <a:off x="0" y="0"/>
+          <a:ext cx="0" cy="0"/>
+          <a:chOff x="0" y="0"/>
+          <a:chExt cx="0" cy="0"/>
+        </a:xfrm>
+      </p:grpSpPr>
+      <p:sp>
+        <p:nvSpPr>
+          <p:cNvPr id="47" name="직사각형 46"/>
+          <p:cNvSpPr>
+            <a:spLocks noChangeAspect="1"/>
+          </p:cNvSpPr>
+          <p:nvPr/>
+        </p:nvSpPr>
+        <p:spPr>
+          <a:xfrm>
+            <a:off x="6439721" y="1291345"/>
+            <a:ext cx="1113786" cy="2569724"/>
+          </a:xfrm>
+          <a:prstGeom prst="rect">
+            <a:avLst/>
+          </a:prstGeom>
+          <a:solidFill>
+            <a:schemeClr val="bg1"/>
+          </a:solidFill>
+          <a:ln w="25400">
+            <a:solidFill>
+              <a:schemeClr val="tx1"/>
+            </a:solidFill>
+          </a:ln>
+        </p:spPr>
+        <p:style>
+          <a:lnRef idx="2">
+            <a:schemeClr val="accent1">
+              <a:shade val="50000"/>
+            </a:schemeClr>
+          </a:lnRef>
+          <a:fillRef idx="1">
+            <a:schemeClr val="accent1"/>
+          </a:fillRef>
+          <a:effectRef idx="0">
+            <a:schemeClr val="accent1"/>
+          </a:effectRef>
+          <a:fontRef idx="minor">
+            <a:schemeClr val="lt1"/>
+          </a:fontRef>
+        </p:style>
+        <p:txBody>
+          <a:bodyPr rtlCol="0" anchor="ctr"/>
+          <a:lstStyle/>
+          <a:p>
+            <a:pPr algn="ctr"/>
+            <a:endParaRPr lang="ko-KR" altLang="en-US"/>
+          </a:p>
+        </p:txBody>
+      </p:sp>
+      <p:sp>
+        <p:nvSpPr>
+          <p:cNvPr id="2" name="직사각형 1"/>
+          <p:cNvSpPr/>
+          <p:nvPr/>
+        </p:nvSpPr>
+        <p:spPr>
+          <a:xfrm>
+            <a:off x="0" y="0"/>
+            <a:ext cx="2388637" cy="466530"/>
+          </a:xfrm>
+          <a:prstGeom prst="rect">
+            <a:avLst/>
+          </a:prstGeom>
+          <a:solidFill>
+            <a:schemeClr val="tx1"/>
+          </a:solidFill>
+          <a:ln>
+            <a:noFill/>
+          </a:ln>
+        </p:spPr>
+        <p:style>
+          <a:lnRef idx="2">
+            <a:schemeClr val="accent1">
+              <a:shade val="50000"/>
+            </a:schemeClr>
+          </a:lnRef>
+          <a:fillRef idx="1">
+            <a:schemeClr val="accent1"/>
+          </a:fillRef>
+          <a:effectRef idx="0">
+            <a:schemeClr val="accent1"/>
+          </a:effectRef>
+          <a:fontRef idx="minor">
+            <a:schemeClr val="lt1"/>
+          </a:fontRef>
+        </p:style>
+        <p:txBody>
+          <a:bodyPr rtlCol="0" anchor="ctr"/>
+          <a:lstStyle/>
+          <a:p>
+            <a:pPr algn="ctr"/>
+            <a:r>
+              <a:rPr lang="ko-KR" altLang="en-US" smtClean="0">
+                <a:latin typeface="210 맨발의청춘 B" panose="02020603020101020101" pitchFamily="18" charset="-127"/>
+                <a:ea typeface="210 맨발의청춘 B" panose="02020603020101020101" pitchFamily="18" charset="-127"/>
+              </a:rPr>
+              <a:t>백 앤드 설계</a:t>
+            </a:r>
+            <a:endParaRPr lang="ko-KR" altLang="en-US" dirty="0">
+              <a:latin typeface="210 맨발의청춘 B" panose="02020603020101020101" pitchFamily="18" charset="-127"/>
+              <a:ea typeface="210 맨발의청춘 B" panose="02020603020101020101" pitchFamily="18" charset="-127"/>
+            </a:endParaRPr>
+          </a:p>
+        </p:txBody>
+      </p:sp>
+      <p:sp>
+        <p:nvSpPr>
+          <p:cNvPr id="9" name="직사각형 8"/>
+          <p:cNvSpPr/>
+          <p:nvPr/>
+        </p:nvSpPr>
+        <p:spPr>
+          <a:xfrm>
+            <a:off x="2565919" y="0"/>
+            <a:ext cx="2388637" cy="466530"/>
+          </a:xfrm>
+          <a:prstGeom prst="rect">
+            <a:avLst/>
+          </a:prstGeom>
+          <a:solidFill>
+            <a:schemeClr val="tx1">
+              <a:lumMod val="50000"/>
+              <a:lumOff val="50000"/>
+            </a:schemeClr>
+          </a:solidFill>
+          <a:ln>
+            <a:noFill/>
+          </a:ln>
+        </p:spPr>
+        <p:style>
+          <a:lnRef idx="2">
+            <a:schemeClr val="accent1">
+              <a:shade val="50000"/>
+            </a:schemeClr>
+          </a:lnRef>
+          <a:fillRef idx="1">
+            <a:schemeClr val="accent1"/>
+          </a:fillRef>
+          <a:effectRef idx="0">
+            <a:schemeClr val="accent1"/>
+          </a:effectRef>
+          <a:fontRef idx="minor">
+            <a:schemeClr val="lt1"/>
+          </a:fontRef>
+        </p:style>
+        <p:txBody>
+          <a:bodyPr rtlCol="0" anchor="ctr"/>
+          <a:lstStyle/>
+          <a:p>
+            <a:pPr algn="ctr"/>
+            <a:r>
+              <a:rPr lang="en-US" altLang="ko-KR" dirty="0" smtClean="0">
+                <a:latin typeface="210 맨발의청춘 B" panose="02020603020101020101" pitchFamily="18" charset="-127"/>
+                <a:ea typeface="210 맨발의청춘 B" panose="02020603020101020101" pitchFamily="18" charset="-127"/>
+              </a:rPr>
+              <a:t>Background</a:t>
+            </a:r>
+            <a:endParaRPr lang="ko-KR" altLang="en-US" dirty="0">
+              <a:latin typeface="210 맨발의청춘 B" panose="02020603020101020101" pitchFamily="18" charset="-127"/>
+              <a:ea typeface="210 맨발의청춘 B" panose="02020603020101020101" pitchFamily="18" charset="-127"/>
+            </a:endParaRPr>
+          </a:p>
+        </p:txBody>
+      </p:sp>
+      <p:sp>
+        <p:nvSpPr>
+          <p:cNvPr id="11" name="TextBox 10"/>
+          <p:cNvSpPr txBox="1"/>
+          <p:nvPr/>
+        </p:nvSpPr>
+        <p:spPr>
+          <a:xfrm>
+            <a:off x="1328768" y="2356314"/>
+            <a:ext cx="644728" cy="276999"/>
+          </a:xfrm>
+          <a:prstGeom prst="rect">
+            <a:avLst/>
+          </a:prstGeom>
+          <a:noFill/>
+        </p:spPr>
+        <p:txBody>
+          <a:bodyPr wrap="none" rtlCol="0">
+            <a:spAutoFit/>
+          </a:bodyPr>
+          <a:lstStyle/>
+          <a:p>
+            <a:r>
+              <a:rPr lang="en-US" altLang="ko-KR" sz="1200" dirty="0" smtClean="0">
+                <a:latin typeface="210 맨발의청춘 L" panose="02020603020101020101" pitchFamily="18" charset="-127"/>
+                <a:ea typeface="210 맨발의청춘 L" panose="02020603020101020101" pitchFamily="18" charset="-127"/>
+              </a:rPr>
+              <a:t>Cloud</a:t>
+            </a:r>
+            <a:endParaRPr lang="ko-KR" altLang="en-US" sz="1200" dirty="0">
+              <a:latin typeface="210 맨발의청춘 L" panose="02020603020101020101" pitchFamily="18" charset="-127"/>
+              <a:ea typeface="210 맨발의청춘 L" panose="02020603020101020101" pitchFamily="18" charset="-127"/>
+            </a:endParaRPr>
+          </a:p>
+        </p:txBody>
+      </p:sp>
+      <p:sp>
+        <p:nvSpPr>
+          <p:cNvPr id="25" name="직사각형 24"/>
+          <p:cNvSpPr>
+            <a:spLocks noChangeAspect="1"/>
+          </p:cNvSpPr>
+          <p:nvPr/>
+        </p:nvSpPr>
+        <p:spPr>
+          <a:xfrm>
+            <a:off x="3610702" y="2019464"/>
+            <a:ext cx="1113786" cy="1119545"/>
+          </a:xfrm>
+          <a:prstGeom prst="rect">
+            <a:avLst/>
+          </a:prstGeom>
+          <a:solidFill>
+            <a:schemeClr val="bg1"/>
+          </a:solidFill>
+          <a:ln w="25400">
+            <a:solidFill>
+              <a:schemeClr val="tx1"/>
+            </a:solidFill>
+          </a:ln>
+        </p:spPr>
+        <p:style>
+          <a:lnRef idx="2">
+            <a:schemeClr val="accent1">
+              <a:shade val="50000"/>
+            </a:schemeClr>
+          </a:lnRef>
+          <a:fillRef idx="1">
+            <a:schemeClr val="accent1"/>
+          </a:fillRef>
+          <a:effectRef idx="0">
+            <a:schemeClr val="accent1"/>
+          </a:effectRef>
+          <a:fontRef idx="minor">
+            <a:schemeClr val="lt1"/>
+          </a:fontRef>
+        </p:style>
+        <p:txBody>
+          <a:bodyPr rtlCol="0" anchor="ctr"/>
+          <a:lstStyle/>
+          <a:p>
+            <a:pPr algn="ctr"/>
+            <a:endParaRPr lang="ko-KR" altLang="en-US"/>
+          </a:p>
+        </p:txBody>
+      </p:sp>
+      <p:sp>
+        <p:nvSpPr>
+          <p:cNvPr id="26" name="TextBox 25"/>
+          <p:cNvSpPr txBox="1"/>
+          <p:nvPr/>
+        </p:nvSpPr>
+        <p:spPr>
+          <a:xfrm>
+            <a:off x="3847635" y="2459362"/>
+            <a:ext cx="639919" cy="461665"/>
+          </a:xfrm>
+          <a:prstGeom prst="rect">
+            <a:avLst/>
+          </a:prstGeom>
+          <a:noFill/>
+        </p:spPr>
+        <p:txBody>
+          <a:bodyPr wrap="none" rtlCol="0">
+            <a:spAutoFit/>
+          </a:bodyPr>
+          <a:lstStyle/>
+          <a:p>
+            <a:pPr algn="ctr"/>
+            <a:r>
+              <a:rPr lang="ko-KR" altLang="en-US" sz="1200" dirty="0" smtClean="0">
+                <a:latin typeface="210 맨발의청춘 L" panose="02020603020101020101" pitchFamily="18" charset="-127"/>
+                <a:ea typeface="210 맨발의청춘 L" panose="02020603020101020101" pitchFamily="18" charset="-127"/>
+              </a:rPr>
+              <a:t>작업 큐</a:t>
+            </a:r>
+            <a:endParaRPr lang="en-US" altLang="ko-KR" sz="1200" dirty="0" smtClean="0">
+              <a:latin typeface="210 맨발의청춘 L" panose="02020603020101020101" pitchFamily="18" charset="-127"/>
+              <a:ea typeface="210 맨발의청춘 L" panose="02020603020101020101" pitchFamily="18" charset="-127"/>
+            </a:endParaRPr>
+          </a:p>
+          <a:p>
+            <a:pPr algn="ctr"/>
+            <a:r>
+              <a:rPr lang="ko-KR" altLang="en-US" sz="1200" dirty="0" smtClean="0">
+                <a:latin typeface="210 맨발의청춘 L" panose="02020603020101020101" pitchFamily="18" charset="-127"/>
+                <a:ea typeface="210 맨발의청춘 L" panose="02020603020101020101" pitchFamily="18" charset="-127"/>
+              </a:rPr>
+              <a:t>엔진</a:t>
+            </a:r>
+            <a:endParaRPr lang="ko-KR" altLang="en-US" sz="1200" dirty="0">
+              <a:latin typeface="210 맨발의청춘 L" panose="02020603020101020101" pitchFamily="18" charset="-127"/>
+              <a:ea typeface="210 맨발의청춘 L" panose="02020603020101020101" pitchFamily="18" charset="-127"/>
+            </a:endParaRPr>
+          </a:p>
+        </p:txBody>
+      </p:sp>
+      <p:sp>
+        <p:nvSpPr>
+          <p:cNvPr id="29" name="TextBox 28"/>
+          <p:cNvSpPr txBox="1"/>
+          <p:nvPr/>
+        </p:nvSpPr>
+        <p:spPr>
+          <a:xfrm>
+            <a:off x="6600512" y="2486734"/>
+            <a:ext cx="792205" cy="276999"/>
+          </a:xfrm>
+          <a:prstGeom prst="rect">
+            <a:avLst/>
+          </a:prstGeom>
+          <a:noFill/>
+        </p:spPr>
+        <p:txBody>
+          <a:bodyPr wrap="none" rtlCol="0">
+            <a:spAutoFit/>
+          </a:bodyPr>
+          <a:lstStyle/>
+          <a:p>
+            <a:pPr algn="ctr"/>
+            <a:r>
+              <a:rPr lang="en-US" altLang="ko-KR" sz="1200" dirty="0" smtClean="0">
+                <a:latin typeface="210 맨발의청춘 L" panose="02020603020101020101" pitchFamily="18" charset="-127"/>
+                <a:ea typeface="210 맨발의청춘 L" panose="02020603020101020101" pitchFamily="18" charset="-127"/>
+              </a:rPr>
+              <a:t>[</a:t>
+            </a:r>
+            <a:r>
+              <a:rPr lang="en-US" altLang="ko-KR" sz="1200" dirty="0" err="1" smtClean="0">
+                <a:latin typeface="210 맨발의청춘 L" panose="02020603020101020101" pitchFamily="18" charset="-127"/>
+                <a:ea typeface="210 맨발의청춘 L" panose="02020603020101020101" pitchFamily="18" charset="-127"/>
+              </a:rPr>
+              <a:t>Mysql</a:t>
+            </a:r>
+            <a:r>
+              <a:rPr lang="en-US" altLang="ko-KR" sz="1200" dirty="0" smtClean="0">
+                <a:latin typeface="210 맨발의청춘 L" panose="02020603020101020101" pitchFamily="18" charset="-127"/>
+                <a:ea typeface="210 맨발의청춘 L" panose="02020603020101020101" pitchFamily="18" charset="-127"/>
+              </a:rPr>
+              <a:t>]</a:t>
+            </a:r>
+            <a:endParaRPr lang="ko-KR" altLang="en-US" sz="1200" dirty="0">
+              <a:latin typeface="210 맨발의청춘 L" panose="02020603020101020101" pitchFamily="18" charset="-127"/>
+              <a:ea typeface="210 맨발의청춘 L" panose="02020603020101020101" pitchFamily="18" charset="-127"/>
+            </a:endParaRPr>
+          </a:p>
+        </p:txBody>
+      </p:sp>
+      <p:sp>
+        <p:nvSpPr>
+          <p:cNvPr id="31" name="TextBox 30"/>
+          <p:cNvSpPr txBox="1"/>
+          <p:nvPr/>
+        </p:nvSpPr>
+        <p:spPr>
+          <a:xfrm>
+            <a:off x="5163995" y="1946069"/>
+            <a:ext cx="777778" cy="276999"/>
+          </a:xfrm>
+          <a:prstGeom prst="rect">
+            <a:avLst/>
+          </a:prstGeom>
+          <a:noFill/>
+        </p:spPr>
+        <p:txBody>
+          <a:bodyPr wrap="none" rtlCol="0">
+            <a:spAutoFit/>
+          </a:bodyPr>
+          <a:lstStyle/>
+          <a:p>
+            <a:pPr algn="ctr"/>
+            <a:r>
+              <a:rPr lang="ko-KR" altLang="en-US" sz="1200" dirty="0" smtClean="0">
+                <a:latin typeface="210 맨발의청춘 L" panose="02020603020101020101" pitchFamily="18" charset="-127"/>
+                <a:ea typeface="210 맨발의청춘 L" panose="02020603020101020101" pitchFamily="18" charset="-127"/>
+              </a:rPr>
+              <a:t>작업 검색</a:t>
+            </a:r>
+            <a:endParaRPr lang="ko-KR" altLang="en-US" sz="1200" dirty="0">
+              <a:latin typeface="210 맨발의청춘 L" panose="02020603020101020101" pitchFamily="18" charset="-127"/>
+              <a:ea typeface="210 맨발의청춘 L" panose="02020603020101020101" pitchFamily="18" charset="-127"/>
+            </a:endParaRPr>
+          </a:p>
+        </p:txBody>
+      </p:sp>
+      <p:sp>
+        <p:nvSpPr>
+          <p:cNvPr id="36" name="직사각형 35"/>
+          <p:cNvSpPr>
+            <a:spLocks noChangeAspect="1"/>
+          </p:cNvSpPr>
+          <p:nvPr/>
+        </p:nvSpPr>
+        <p:spPr>
+          <a:xfrm>
+            <a:off x="3610702" y="4411278"/>
+            <a:ext cx="1116068" cy="1009926"/>
+          </a:xfrm>
+          <a:prstGeom prst="rect">
+            <a:avLst/>
+          </a:prstGeom>
+          <a:solidFill>
+            <a:schemeClr val="bg1"/>
+          </a:solidFill>
+          <a:ln w="25400">
+            <a:solidFill>
+              <a:schemeClr val="tx1"/>
+            </a:solidFill>
+          </a:ln>
+        </p:spPr>
+        <p:style>
+          <a:lnRef idx="2">
+            <a:schemeClr val="accent1">
+              <a:shade val="50000"/>
+            </a:schemeClr>
+          </a:lnRef>
+          <a:fillRef idx="1">
+            <a:schemeClr val="accent1"/>
+          </a:fillRef>
+          <a:effectRef idx="0">
+            <a:schemeClr val="accent1"/>
+          </a:effectRef>
+          <a:fontRef idx="minor">
+            <a:schemeClr val="lt1"/>
+          </a:fontRef>
+        </p:style>
+        <p:txBody>
+          <a:bodyPr rtlCol="0" anchor="ctr"/>
+          <a:lstStyle/>
+          <a:p>
+            <a:pPr algn="ctr"/>
+            <a:endParaRPr lang="ko-KR" altLang="en-US"/>
+          </a:p>
+        </p:txBody>
+      </p:sp>
+      <p:cxnSp>
+        <p:nvCxnSpPr>
+          <p:cNvPr id="5" name="직선 화살표 연결선 4"/>
+          <p:cNvCxnSpPr/>
+          <p:nvPr/>
+        </p:nvCxnSpPr>
+        <p:spPr>
+          <a:xfrm>
+            <a:off x="4817813" y="2221644"/>
+            <a:ext cx="1505967" cy="0"/>
+          </a:xfrm>
+          <a:prstGeom prst="straightConnector1">
+            <a:avLst/>
+          </a:prstGeom>
+          <a:ln>
+            <a:solidFill>
+              <a:schemeClr val="tx1"/>
+            </a:solidFill>
+            <a:headEnd type="triangle"/>
+            <a:tailEnd type="triangle"/>
+          </a:ln>
+        </p:spPr>
+        <p:style>
+          <a:lnRef idx="1">
+            <a:schemeClr val="accent1"/>
+          </a:lnRef>
+          <a:fillRef idx="0">
+            <a:schemeClr val="accent1"/>
+          </a:fillRef>
+          <a:effectRef idx="0">
+            <a:schemeClr val="accent1"/>
+          </a:effectRef>
+          <a:fontRef idx="minor">
+            <a:schemeClr val="tx1"/>
+          </a:fontRef>
+        </p:style>
+      </p:cxnSp>
+      <p:sp>
+        <p:nvSpPr>
+          <p:cNvPr id="49" name="TextBox 48"/>
+          <p:cNvSpPr txBox="1"/>
+          <p:nvPr/>
+        </p:nvSpPr>
+        <p:spPr>
+          <a:xfrm>
+            <a:off x="3799543" y="4700752"/>
+            <a:ext cx="736100" cy="461665"/>
+          </a:xfrm>
+          <a:prstGeom prst="rect">
+            <a:avLst/>
+          </a:prstGeom>
+          <a:noFill/>
+        </p:spPr>
+        <p:txBody>
+          <a:bodyPr wrap="none" rtlCol="0">
+            <a:spAutoFit/>
+          </a:bodyPr>
+          <a:lstStyle/>
+          <a:p>
+            <a:pPr algn="ctr"/>
+            <a:r>
+              <a:rPr lang="ko-KR" altLang="en-US" sz="1200" dirty="0" smtClean="0">
+                <a:latin typeface="210 맨발의청춘 L" panose="02020603020101020101" pitchFamily="18" charset="-127"/>
+                <a:ea typeface="210 맨발의청춘 L" panose="02020603020101020101" pitchFamily="18" charset="-127"/>
+              </a:rPr>
+              <a:t>데이터</a:t>
+            </a:r>
+            <a:endParaRPr lang="en-US" altLang="ko-KR" sz="1200" dirty="0" smtClean="0">
+              <a:latin typeface="210 맨발의청춘 L" panose="02020603020101020101" pitchFamily="18" charset="-127"/>
+              <a:ea typeface="210 맨발의청춘 L" panose="02020603020101020101" pitchFamily="18" charset="-127"/>
+            </a:endParaRPr>
+          </a:p>
+          <a:p>
+            <a:pPr algn="ctr"/>
+            <a:r>
+              <a:rPr lang="ko-KR" altLang="en-US" sz="1200" dirty="0" err="1" smtClean="0">
+                <a:latin typeface="210 맨발의청춘 L" panose="02020603020101020101" pitchFamily="18" charset="-127"/>
+                <a:ea typeface="210 맨발의청춘 L" panose="02020603020101020101" pitchFamily="18" charset="-127"/>
+              </a:rPr>
+              <a:t>전처리기</a:t>
+            </a:r>
+            <a:endParaRPr lang="en-US" altLang="ko-KR" sz="1200" dirty="0" smtClean="0">
+              <a:latin typeface="210 맨발의청춘 L" panose="02020603020101020101" pitchFamily="18" charset="-127"/>
+              <a:ea typeface="210 맨발의청춘 L" panose="02020603020101020101" pitchFamily="18" charset="-127"/>
+            </a:endParaRPr>
+          </a:p>
+        </p:txBody>
+      </p:sp>
+      <p:cxnSp>
+        <p:nvCxnSpPr>
+          <p:cNvPr id="50" name="직선 화살표 연결선 49"/>
+          <p:cNvCxnSpPr/>
+          <p:nvPr/>
+        </p:nvCxnSpPr>
+        <p:spPr>
+          <a:xfrm>
+            <a:off x="4167593" y="3254146"/>
+            <a:ext cx="0" cy="1028723"/>
+          </a:xfrm>
+          <a:prstGeom prst="straightConnector1">
+            <a:avLst/>
+          </a:prstGeom>
+          <a:ln>
+            <a:solidFill>
+              <a:schemeClr val="tx1"/>
+            </a:solidFill>
+            <a:tailEnd type="triangle"/>
+          </a:ln>
+        </p:spPr>
+        <p:style>
+          <a:lnRef idx="1">
+            <a:schemeClr val="accent1"/>
+          </a:lnRef>
+          <a:fillRef idx="0">
+            <a:schemeClr val="accent1"/>
+          </a:fillRef>
+          <a:effectRef idx="0">
+            <a:schemeClr val="accent1"/>
+          </a:effectRef>
+          <a:fontRef idx="minor">
+            <a:schemeClr val="tx1"/>
+          </a:fontRef>
+        </p:style>
+      </p:cxnSp>
+      <p:sp>
+        <p:nvSpPr>
+          <p:cNvPr id="51" name="TextBox 50"/>
+          <p:cNvSpPr txBox="1"/>
+          <p:nvPr/>
+        </p:nvSpPr>
+        <p:spPr>
+          <a:xfrm>
+            <a:off x="4190555" y="3537674"/>
+            <a:ext cx="915635" cy="461665"/>
+          </a:xfrm>
+          <a:prstGeom prst="rect">
+            <a:avLst/>
+          </a:prstGeom>
+          <a:noFill/>
+        </p:spPr>
+        <p:txBody>
+          <a:bodyPr wrap="none" rtlCol="0">
+            <a:spAutoFit/>
+          </a:bodyPr>
+          <a:lstStyle/>
+          <a:p>
+            <a:pPr algn="ctr"/>
+            <a:r>
+              <a:rPr lang="ko-KR" altLang="en-US" sz="1200" dirty="0" smtClean="0">
+                <a:latin typeface="210 맨발의청춘 L" panose="02020603020101020101" pitchFamily="18" charset="-127"/>
+                <a:ea typeface="210 맨발의청춘 L" panose="02020603020101020101" pitchFamily="18" charset="-127"/>
+              </a:rPr>
+              <a:t>프레임 분할</a:t>
+            </a:r>
+            <a:endParaRPr lang="en-US" altLang="ko-KR" sz="1200" dirty="0" smtClean="0">
+              <a:latin typeface="210 맨발의청춘 L" panose="02020603020101020101" pitchFamily="18" charset="-127"/>
+              <a:ea typeface="210 맨발의청춘 L" panose="02020603020101020101" pitchFamily="18" charset="-127"/>
+            </a:endParaRPr>
+          </a:p>
+          <a:p>
+            <a:pPr algn="ctr"/>
+            <a:r>
+              <a:rPr lang="ko-KR" altLang="en-US" sz="1200" dirty="0" smtClean="0">
+                <a:latin typeface="210 맨발의청춘 L" panose="02020603020101020101" pitchFamily="18" charset="-127"/>
+                <a:ea typeface="210 맨발의청춘 L" panose="02020603020101020101" pitchFamily="18" charset="-127"/>
+              </a:rPr>
+              <a:t>오디오 추출</a:t>
+            </a:r>
+            <a:endParaRPr lang="ko-KR" altLang="en-US" sz="1200" dirty="0">
+              <a:latin typeface="210 맨발의청춘 L" panose="02020603020101020101" pitchFamily="18" charset="-127"/>
+              <a:ea typeface="210 맨발의청춘 L" panose="02020603020101020101" pitchFamily="18" charset="-127"/>
+            </a:endParaRPr>
+          </a:p>
+        </p:txBody>
+      </p:sp>
+      <p:sp>
+        <p:nvSpPr>
+          <p:cNvPr id="53" name="직사각형 52"/>
+          <p:cNvSpPr>
+            <a:spLocks noChangeAspect="1"/>
+          </p:cNvSpPr>
+          <p:nvPr/>
+        </p:nvSpPr>
+        <p:spPr>
+          <a:xfrm>
+            <a:off x="1063444" y="4411278"/>
+            <a:ext cx="1116068" cy="1009926"/>
+          </a:xfrm>
+          <a:prstGeom prst="rect">
+            <a:avLst/>
+          </a:prstGeom>
+          <a:solidFill>
+            <a:schemeClr val="bg1"/>
+          </a:solidFill>
+          <a:ln w="25400">
+            <a:solidFill>
+              <a:schemeClr val="tx1"/>
+            </a:solidFill>
+          </a:ln>
+        </p:spPr>
+        <p:style>
+          <a:lnRef idx="2">
+            <a:schemeClr val="accent1">
+              <a:shade val="50000"/>
+            </a:schemeClr>
+          </a:lnRef>
+          <a:fillRef idx="1">
+            <a:schemeClr val="accent1"/>
+          </a:fillRef>
+          <a:effectRef idx="0">
+            <a:schemeClr val="accent1"/>
+          </a:effectRef>
+          <a:fontRef idx="minor">
+            <a:schemeClr val="lt1"/>
+          </a:fontRef>
+        </p:style>
+        <p:txBody>
+          <a:bodyPr rtlCol="0" anchor="ctr"/>
+          <a:lstStyle/>
+          <a:p>
+            <a:pPr algn="ctr"/>
+            <a:endParaRPr lang="ko-KR" altLang="en-US"/>
+          </a:p>
+        </p:txBody>
+      </p:sp>
+      <p:cxnSp>
+        <p:nvCxnSpPr>
+          <p:cNvPr id="7" name="직선 화살표 연결선 6"/>
+          <p:cNvCxnSpPr/>
+          <p:nvPr/>
+        </p:nvCxnSpPr>
+        <p:spPr>
+          <a:xfrm flipH="1">
+            <a:off x="2316236" y="4916241"/>
+            <a:ext cx="1128358" cy="0"/>
+          </a:xfrm>
+          <a:prstGeom prst="straightConnector1">
+            <a:avLst/>
+          </a:prstGeom>
+          <a:ln>
+            <a:solidFill>
+              <a:schemeClr val="tx1"/>
+            </a:solidFill>
+            <a:tailEnd type="triangle"/>
+          </a:ln>
+        </p:spPr>
+        <p:style>
+          <a:lnRef idx="1">
+            <a:schemeClr val="accent1"/>
+          </a:lnRef>
+          <a:fillRef idx="0">
+            <a:schemeClr val="accent1"/>
+          </a:fillRef>
+          <a:effectRef idx="0">
+            <a:schemeClr val="accent1"/>
+          </a:effectRef>
+          <a:fontRef idx="minor">
+            <a:schemeClr val="tx1"/>
+          </a:fontRef>
+        </p:style>
+      </p:cxnSp>
+      <p:sp>
+        <p:nvSpPr>
+          <p:cNvPr id="54" name="TextBox 53"/>
+          <p:cNvSpPr txBox="1"/>
+          <p:nvPr/>
+        </p:nvSpPr>
+        <p:spPr>
+          <a:xfrm>
+            <a:off x="1322358" y="4700752"/>
+            <a:ext cx="598241" cy="461665"/>
+          </a:xfrm>
+          <a:prstGeom prst="rect">
+            <a:avLst/>
+          </a:prstGeom>
+          <a:noFill/>
+        </p:spPr>
+        <p:txBody>
+          <a:bodyPr wrap="none" rtlCol="0">
+            <a:spAutoFit/>
+          </a:bodyPr>
+          <a:lstStyle/>
+          <a:p>
+            <a:pPr algn="ctr"/>
+            <a:r>
+              <a:rPr lang="ko-KR" altLang="en-US" sz="1200" dirty="0" smtClean="0">
+                <a:latin typeface="210 맨발의청춘 L" panose="02020603020101020101" pitchFamily="18" charset="-127"/>
+                <a:ea typeface="210 맨발의청춘 L" panose="02020603020101020101" pitchFamily="18" charset="-127"/>
+              </a:rPr>
+              <a:t>데이터</a:t>
+            </a:r>
+            <a:endParaRPr lang="en-US" altLang="ko-KR" sz="1200" dirty="0" smtClean="0">
+              <a:latin typeface="210 맨발의청춘 L" panose="02020603020101020101" pitchFamily="18" charset="-127"/>
+              <a:ea typeface="210 맨발의청춘 L" panose="02020603020101020101" pitchFamily="18" charset="-127"/>
+            </a:endParaRPr>
+          </a:p>
+          <a:p>
+            <a:pPr algn="ctr"/>
+            <a:r>
+              <a:rPr lang="ko-KR" altLang="en-US" sz="1200" dirty="0" smtClean="0">
+                <a:latin typeface="210 맨발의청춘 L" panose="02020603020101020101" pitchFamily="18" charset="-127"/>
+                <a:ea typeface="210 맨발의청춘 L" panose="02020603020101020101" pitchFamily="18" charset="-127"/>
+              </a:rPr>
+              <a:t>처리</a:t>
+            </a:r>
+            <a:endParaRPr lang="en-US" altLang="ko-KR" sz="1200" dirty="0" smtClean="0">
+              <a:latin typeface="210 맨발의청춘 L" panose="02020603020101020101" pitchFamily="18" charset="-127"/>
+              <a:ea typeface="210 맨발의청춘 L" panose="02020603020101020101" pitchFamily="18" charset="-127"/>
+            </a:endParaRPr>
+          </a:p>
+        </p:txBody>
+      </p:sp>
+      <p:cxnSp>
+        <p:nvCxnSpPr>
+          <p:cNvPr id="55" name="직선 화살표 연결선 54"/>
+          <p:cNvCxnSpPr/>
+          <p:nvPr/>
+        </p:nvCxnSpPr>
+        <p:spPr>
+          <a:xfrm flipV="1">
+            <a:off x="1621478" y="3254146"/>
+            <a:ext cx="0" cy="1028724"/>
+          </a:xfrm>
+          <a:prstGeom prst="straightConnector1">
+            <a:avLst/>
+          </a:prstGeom>
+          <a:ln>
+            <a:solidFill>
+              <a:schemeClr val="tx1"/>
+            </a:solidFill>
+            <a:tailEnd type="triangle"/>
+          </a:ln>
+        </p:spPr>
+        <p:style>
+          <a:lnRef idx="1">
+            <a:schemeClr val="accent1"/>
+          </a:lnRef>
+          <a:fillRef idx="0">
+            <a:schemeClr val="accent1"/>
+          </a:fillRef>
+          <a:effectRef idx="0">
+            <a:schemeClr val="accent1"/>
+          </a:effectRef>
+          <a:fontRef idx="minor">
+            <a:schemeClr val="tx1"/>
+          </a:fontRef>
+        </p:style>
+      </p:cxnSp>
+      <p:sp>
+        <p:nvSpPr>
+          <p:cNvPr id="13" name="구름 12"/>
+          <p:cNvSpPr/>
+          <p:nvPr/>
+        </p:nvSpPr>
+        <p:spPr>
+          <a:xfrm>
+            <a:off x="1146127" y="2019464"/>
+            <a:ext cx="950701" cy="950701"/>
+          </a:xfrm>
+          <a:prstGeom prst="cloud">
+            <a:avLst/>
+          </a:prstGeom>
+          <a:noFill/>
+          <a:ln>
+            <a:solidFill>
+              <a:schemeClr val="tx1"/>
+            </a:solidFill>
+          </a:ln>
+        </p:spPr>
+        <p:style>
+          <a:lnRef idx="2">
+            <a:schemeClr val="accent1">
+              <a:shade val="50000"/>
+            </a:schemeClr>
+          </a:lnRef>
+          <a:fillRef idx="1">
+            <a:schemeClr val="accent1"/>
+          </a:fillRef>
+          <a:effectRef idx="0">
+            <a:schemeClr val="accent1"/>
+          </a:effectRef>
+          <a:fontRef idx="minor">
+            <a:schemeClr val="lt1"/>
+          </a:fontRef>
+        </p:style>
+        <p:txBody>
+          <a:bodyPr rtlCol="0" anchor="ctr"/>
+          <a:lstStyle/>
+          <a:p>
+            <a:pPr algn="ctr"/>
+            <a:endParaRPr lang="ko-KR" altLang="en-US"/>
+          </a:p>
+        </p:txBody>
+      </p:sp>
+      <p:cxnSp>
+        <p:nvCxnSpPr>
+          <p:cNvPr id="18" name="직선 화살표 연결선 17"/>
+          <p:cNvCxnSpPr/>
+          <p:nvPr/>
+        </p:nvCxnSpPr>
+        <p:spPr>
+          <a:xfrm>
+            <a:off x="4817813" y="2970165"/>
+            <a:ext cx="1505967" cy="0"/>
+          </a:xfrm>
+          <a:prstGeom prst="straightConnector1">
+            <a:avLst/>
+          </a:prstGeom>
+          <a:ln>
+            <a:solidFill>
+              <a:schemeClr val="tx1"/>
+            </a:solidFill>
+            <a:tailEnd type="triangle"/>
+          </a:ln>
+        </p:spPr>
+        <p:style>
+          <a:lnRef idx="1">
+            <a:schemeClr val="accent1"/>
+          </a:lnRef>
+          <a:fillRef idx="0">
+            <a:schemeClr val="accent1"/>
+          </a:fillRef>
+          <a:effectRef idx="0">
+            <a:schemeClr val="accent1"/>
+          </a:effectRef>
+          <a:fontRef idx="minor">
+            <a:schemeClr val="tx1"/>
+          </a:fontRef>
+        </p:style>
+      </p:cxnSp>
+      <p:cxnSp>
+        <p:nvCxnSpPr>
+          <p:cNvPr id="57" name="직선 화살표 연결선 56"/>
+          <p:cNvCxnSpPr/>
+          <p:nvPr/>
+        </p:nvCxnSpPr>
+        <p:spPr>
+          <a:xfrm>
+            <a:off x="2293576" y="2454833"/>
+            <a:ext cx="1151018" cy="0"/>
+          </a:xfrm>
+          <a:prstGeom prst="straightConnector1">
+            <a:avLst/>
+          </a:prstGeom>
+          <a:ln>
+            <a:solidFill>
+              <a:schemeClr val="tx1"/>
+            </a:solidFill>
+            <a:tailEnd type="triangle"/>
+          </a:ln>
+        </p:spPr>
+        <p:style>
+          <a:lnRef idx="1">
+            <a:schemeClr val="accent1"/>
+          </a:lnRef>
+          <a:fillRef idx="0">
+            <a:schemeClr val="accent1"/>
+          </a:fillRef>
+          <a:effectRef idx="0">
+            <a:schemeClr val="accent1"/>
+          </a:effectRef>
+          <a:fontRef idx="minor">
+            <a:schemeClr val="tx1"/>
+          </a:fontRef>
+        </p:style>
+      </p:cxnSp>
+      <p:sp>
+        <p:nvSpPr>
+          <p:cNvPr id="58" name="TextBox 57"/>
+          <p:cNvSpPr txBox="1"/>
+          <p:nvPr/>
+        </p:nvSpPr>
+        <p:spPr>
+          <a:xfrm>
+            <a:off x="2450918" y="2164404"/>
+            <a:ext cx="777778" cy="276999"/>
+          </a:xfrm>
+          <a:prstGeom prst="rect">
+            <a:avLst/>
+          </a:prstGeom>
+          <a:noFill/>
+        </p:spPr>
+        <p:txBody>
+          <a:bodyPr wrap="none" rtlCol="0">
+            <a:spAutoFit/>
+          </a:bodyPr>
+          <a:lstStyle/>
+          <a:p>
+            <a:pPr algn="ctr"/>
+            <a:r>
+              <a:rPr lang="ko-KR" altLang="en-US" sz="1200" dirty="0" smtClean="0">
+                <a:latin typeface="210 맨발의청춘 L" panose="02020603020101020101" pitchFamily="18" charset="-127"/>
+                <a:ea typeface="210 맨발의청춘 L" panose="02020603020101020101" pitchFamily="18" charset="-127"/>
+              </a:rPr>
+              <a:t>처리 완료</a:t>
+            </a:r>
+            <a:endParaRPr lang="ko-KR" altLang="en-US" sz="1200" dirty="0">
+              <a:latin typeface="210 맨발의청춘 L" panose="02020603020101020101" pitchFamily="18" charset="-127"/>
+              <a:ea typeface="210 맨발의청춘 L" panose="02020603020101020101" pitchFamily="18" charset="-127"/>
+            </a:endParaRPr>
+          </a:p>
+        </p:txBody>
+      </p:sp>
+      <p:sp>
+        <p:nvSpPr>
+          <p:cNvPr id="60" name="TextBox 59"/>
+          <p:cNvSpPr txBox="1"/>
+          <p:nvPr/>
+        </p:nvSpPr>
+        <p:spPr>
+          <a:xfrm>
+            <a:off x="5181907" y="2693166"/>
+            <a:ext cx="777778" cy="276999"/>
+          </a:xfrm>
+          <a:prstGeom prst="rect">
+            <a:avLst/>
+          </a:prstGeom>
+          <a:noFill/>
+        </p:spPr>
+        <p:txBody>
+          <a:bodyPr wrap="none" rtlCol="0">
+            <a:spAutoFit/>
+          </a:bodyPr>
+          <a:lstStyle/>
+          <a:p>
+            <a:pPr algn="ctr"/>
+            <a:r>
+              <a:rPr lang="ko-KR" altLang="en-US" sz="1200" dirty="0" smtClean="0">
+                <a:latin typeface="210 맨발의청춘 L" panose="02020603020101020101" pitchFamily="18" charset="-127"/>
+                <a:ea typeface="210 맨발의청춘 L" panose="02020603020101020101" pitchFamily="18" charset="-127"/>
+              </a:rPr>
+              <a:t>처리 완료</a:t>
+            </a:r>
+            <a:endParaRPr lang="ko-KR" altLang="en-US" sz="1200" dirty="0">
+              <a:latin typeface="210 맨발의청춘 L" panose="02020603020101020101" pitchFamily="18" charset="-127"/>
+              <a:ea typeface="210 맨발의청춘 L" panose="02020603020101020101" pitchFamily="18" charset="-127"/>
+            </a:endParaRPr>
+          </a:p>
+        </p:txBody>
+      </p:sp>
+      <p:sp>
+        <p:nvSpPr>
+          <p:cNvPr id="61" name="직사각형 60"/>
+          <p:cNvSpPr>
+            <a:spLocks noChangeAspect="1"/>
+          </p:cNvSpPr>
+          <p:nvPr/>
+        </p:nvSpPr>
+        <p:spPr>
+          <a:xfrm>
+            <a:off x="8985837" y="2065460"/>
+            <a:ext cx="1113786" cy="1119545"/>
+          </a:xfrm>
+          <a:prstGeom prst="rect">
+            <a:avLst/>
+          </a:prstGeom>
+          <a:solidFill>
+            <a:schemeClr val="bg1"/>
+          </a:solidFill>
+          <a:ln w="25400">
+            <a:solidFill>
+              <a:schemeClr val="tx1"/>
+            </a:solidFill>
+          </a:ln>
+        </p:spPr>
+        <p:style>
+          <a:lnRef idx="2">
+            <a:schemeClr val="accent1">
+              <a:shade val="50000"/>
+            </a:schemeClr>
+          </a:lnRef>
+          <a:fillRef idx="1">
+            <a:schemeClr val="accent1"/>
+          </a:fillRef>
+          <a:effectRef idx="0">
+            <a:schemeClr val="accent1"/>
+          </a:effectRef>
+          <a:fontRef idx="minor">
+            <a:schemeClr val="lt1"/>
+          </a:fontRef>
+        </p:style>
+        <p:txBody>
+          <a:bodyPr rtlCol="0" anchor="ctr"/>
+          <a:lstStyle/>
+          <a:p>
+            <a:pPr algn="ctr"/>
+            <a:endParaRPr lang="ko-KR" altLang="en-US"/>
+          </a:p>
+        </p:txBody>
+      </p:sp>
+      <p:cxnSp>
+        <p:nvCxnSpPr>
+          <p:cNvPr id="62" name="직선 화살표 연결선 61"/>
+          <p:cNvCxnSpPr/>
+          <p:nvPr/>
+        </p:nvCxnSpPr>
+        <p:spPr>
+          <a:xfrm>
+            <a:off x="7653611" y="2576207"/>
+            <a:ext cx="1224172" cy="0"/>
+          </a:xfrm>
+          <a:prstGeom prst="straightConnector1">
+            <a:avLst/>
+          </a:prstGeom>
+          <a:ln>
+            <a:solidFill>
+              <a:schemeClr val="tx1"/>
+            </a:solidFill>
+            <a:headEnd type="triangle"/>
+            <a:tailEnd type="triangle"/>
+          </a:ln>
+        </p:spPr>
+        <p:style>
+          <a:lnRef idx="1">
+            <a:schemeClr val="accent1"/>
+          </a:lnRef>
+          <a:fillRef idx="0">
+            <a:schemeClr val="accent1"/>
+          </a:fillRef>
+          <a:effectRef idx="0">
+            <a:schemeClr val="accent1"/>
+          </a:effectRef>
+          <a:fontRef idx="minor">
+            <a:schemeClr val="tx1"/>
+          </a:fontRef>
+        </p:style>
+      </p:cxnSp>
+      <p:sp>
+        <p:nvSpPr>
+          <p:cNvPr id="63" name="TextBox 62"/>
+          <p:cNvSpPr txBox="1"/>
+          <p:nvPr/>
+        </p:nvSpPr>
+        <p:spPr>
+          <a:xfrm>
+            <a:off x="7791016" y="2289155"/>
+            <a:ext cx="957314" cy="276999"/>
+          </a:xfrm>
+          <a:prstGeom prst="rect">
+            <a:avLst/>
+          </a:prstGeom>
+          <a:noFill/>
+        </p:spPr>
+        <p:txBody>
+          <a:bodyPr wrap="none" rtlCol="0">
+            <a:spAutoFit/>
+          </a:bodyPr>
+          <a:lstStyle/>
+          <a:p>
+            <a:pPr algn="ctr"/>
+            <a:r>
+              <a:rPr lang="ko-KR" altLang="en-US" sz="1200" dirty="0" smtClean="0">
+                <a:latin typeface="210 맨발의청춘 L" panose="02020603020101020101" pitchFamily="18" charset="-127"/>
+                <a:ea typeface="210 맨발의청춘 L" panose="02020603020101020101" pitchFamily="18" charset="-127"/>
+              </a:rPr>
+              <a:t>새 완료 검색</a:t>
+            </a:r>
+            <a:endParaRPr lang="ko-KR" altLang="en-US" sz="1200" dirty="0">
+              <a:latin typeface="210 맨발의청춘 L" panose="02020603020101020101" pitchFamily="18" charset="-127"/>
+              <a:ea typeface="210 맨발의청춘 L" panose="02020603020101020101" pitchFamily="18" charset="-127"/>
+            </a:endParaRPr>
+          </a:p>
+        </p:txBody>
+      </p:sp>
+      <p:sp>
+        <p:nvSpPr>
+          <p:cNvPr id="64" name="TextBox 63"/>
+          <p:cNvSpPr txBox="1"/>
+          <p:nvPr/>
+        </p:nvSpPr>
+        <p:spPr>
+          <a:xfrm>
+            <a:off x="9091531" y="2494813"/>
+            <a:ext cx="900760" cy="276999"/>
+          </a:xfrm>
+          <a:prstGeom prst="rect">
+            <a:avLst/>
+          </a:prstGeom>
+          <a:noFill/>
+        </p:spPr>
+        <p:txBody>
+          <a:bodyPr wrap="none" rtlCol="0">
+            <a:spAutoFit/>
+          </a:bodyPr>
+          <a:lstStyle/>
+          <a:p>
+            <a:pPr algn="ctr"/>
+            <a:r>
+              <a:rPr lang="en-US" altLang="ko-KR" sz="1200" dirty="0" smtClean="0">
+                <a:latin typeface="210 맨발의청춘 L" panose="02020603020101020101" pitchFamily="18" charset="-127"/>
+                <a:ea typeface="210 맨발의청춘 L" panose="02020603020101020101" pitchFamily="18" charset="-127"/>
+              </a:rPr>
+              <a:t>Push</a:t>
+            </a:r>
+            <a:r>
+              <a:rPr lang="ko-KR" altLang="en-US" sz="1200" dirty="0">
+                <a:latin typeface="210 맨발의청춘 L" panose="02020603020101020101" pitchFamily="18" charset="-127"/>
+                <a:ea typeface="210 맨발의청춘 L" panose="02020603020101020101" pitchFamily="18" charset="-127"/>
+              </a:rPr>
+              <a:t> </a:t>
+            </a:r>
+            <a:r>
+              <a:rPr lang="ko-KR" altLang="en-US" sz="1200" dirty="0" smtClean="0">
+                <a:latin typeface="210 맨발의청춘 L" panose="02020603020101020101" pitchFamily="18" charset="-127"/>
+                <a:ea typeface="210 맨발의청춘 L" panose="02020603020101020101" pitchFamily="18" charset="-127"/>
+              </a:rPr>
+              <a:t>엔진</a:t>
+            </a:r>
+            <a:endParaRPr lang="en-US" altLang="ko-KR" sz="1200" dirty="0" smtClean="0">
+              <a:latin typeface="210 맨발의청춘 L" panose="02020603020101020101" pitchFamily="18" charset="-127"/>
+              <a:ea typeface="210 맨발의청춘 L" panose="02020603020101020101" pitchFamily="18" charset="-127"/>
+            </a:endParaRPr>
+          </a:p>
+        </p:txBody>
+      </p:sp>
+    </p:spTree>
+    <p:extLst>
+      <p:ext uri="{BB962C8B-B14F-4D97-AF65-F5344CB8AC3E}">
+        <p14:creationId xmlns:p14="http://schemas.microsoft.com/office/powerpoint/2010/main" val="1613077219"/>
       </p:ext>
     </p:extLst>
   </p:cSld>
@@ -7771,21 +10352,21 @@
                 <a:gridCol w="3836954">
                   <a:extLst>
                     <a:ext uri="{9D8B030D-6E8A-4147-A177-3AD203B41FA5}">
-                      <a16:colId xmlns:a16="http://schemas.microsoft.com/office/drawing/2014/main" val="20000"/>
+                      <a16:colId xmlns="" xmlns:a16="http://schemas.microsoft.com/office/drawing/2014/main" val="20000"/>
                     </a:ext>
                   </a:extLst>
                 </a:gridCol>
                 <a:gridCol w="1632857">
                   <a:extLst>
                     <a:ext uri="{9D8B030D-6E8A-4147-A177-3AD203B41FA5}">
-                      <a16:colId xmlns:a16="http://schemas.microsoft.com/office/drawing/2014/main" val="20001"/>
+                      <a16:colId xmlns="" xmlns:a16="http://schemas.microsoft.com/office/drawing/2014/main" val="20001"/>
                     </a:ext>
                   </a:extLst>
                 </a:gridCol>
                 <a:gridCol w="6055568">
                   <a:extLst>
                     <a:ext uri="{9D8B030D-6E8A-4147-A177-3AD203B41FA5}">
-                      <a16:colId xmlns:a16="http://schemas.microsoft.com/office/drawing/2014/main" val="20002"/>
+                      <a16:colId xmlns="" xmlns:a16="http://schemas.microsoft.com/office/drawing/2014/main" val="20002"/>
                     </a:ext>
                   </a:extLst>
                 </a:gridCol>
@@ -7850,7 +10431,7 @@
                 </a:tc>
                 <a:extLst>
                   <a:ext uri="{0D108BD9-81ED-4DB2-BD59-A6C34878D82A}">
-                    <a16:rowId xmlns:a16="http://schemas.microsoft.com/office/drawing/2014/main" val="10000"/>
+                    <a16:rowId xmlns="" xmlns:a16="http://schemas.microsoft.com/office/drawing/2014/main" val="10000"/>
                   </a:ext>
                 </a:extLst>
               </a:tr>
@@ -7926,7 +10507,7 @@
                 </a:tc>
                 <a:extLst>
                   <a:ext uri="{0D108BD9-81ED-4DB2-BD59-A6C34878D82A}">
-                    <a16:rowId xmlns:a16="http://schemas.microsoft.com/office/drawing/2014/main" val="10001"/>
+                    <a16:rowId xmlns="" xmlns:a16="http://schemas.microsoft.com/office/drawing/2014/main" val="10001"/>
                   </a:ext>
                 </a:extLst>
               </a:tr>
@@ -7998,7 +10579,7 @@
                 </a:tc>
                 <a:extLst>
                   <a:ext uri="{0D108BD9-81ED-4DB2-BD59-A6C34878D82A}">
-                    <a16:rowId xmlns:a16="http://schemas.microsoft.com/office/drawing/2014/main" val="10002"/>
+                    <a16:rowId xmlns="" xmlns:a16="http://schemas.microsoft.com/office/drawing/2014/main" val="10002"/>
                   </a:ext>
                 </a:extLst>
               </a:tr>
@@ -8074,7 +10655,7 @@
                 </a:tc>
                 <a:extLst>
                   <a:ext uri="{0D108BD9-81ED-4DB2-BD59-A6C34878D82A}">
-                    <a16:rowId xmlns:a16="http://schemas.microsoft.com/office/drawing/2014/main" val="10003"/>
+                    <a16:rowId xmlns="" xmlns:a16="http://schemas.microsoft.com/office/drawing/2014/main" val="10003"/>
                   </a:ext>
                 </a:extLst>
               </a:tr>
@@ -8125,39 +10706,7 @@
                       <a:pPr algn="ctr" latinLnBrk="1"/>
                       <a:r>
                         <a:rPr lang="ko-KR" altLang="en-US" smtClean="0"/>
-                        <a:t>서버</a:t>
-                      </a:r>
-                      <a:r>
-                        <a:rPr lang="ko-KR" altLang="en-US" smtClean="0"/>
-                        <a:t> </a:t>
-                      </a:r>
-                      <a:r>
-                        <a:rPr lang="ko-KR" altLang="en-US" smtClean="0"/>
-                        <a:t>백</a:t>
-                      </a:r>
-                      <a:r>
-                        <a:rPr lang="ko-KR" altLang="en-US" smtClean="0"/>
-                        <a:t> </a:t>
-                      </a:r>
-                      <a:r>
-                        <a:rPr lang="ko-KR" altLang="en-US" smtClean="0"/>
-                        <a:t>앤드</a:t>
-                      </a:r>
-                      <a:r>
-                        <a:rPr lang="ko-KR" altLang="en-US" smtClean="0"/>
-                        <a:t> </a:t>
-                      </a:r>
-                      <a:r>
-                        <a:rPr lang="ko-KR" altLang="en-US" smtClean="0"/>
-                        <a:t>처리</a:t>
-                      </a:r>
-                      <a:r>
-                        <a:rPr lang="ko-KR" altLang="en-US" smtClean="0"/>
-                        <a:t> </a:t>
-                      </a:r>
-                      <a:r>
-                        <a:rPr lang="ko-KR" altLang="en-US" smtClean="0"/>
-                        <a:t>작업</a:t>
+                        <a:t>서버 백 앤드 처리 작업</a:t>
                       </a:r>
                       <a:endParaRPr lang="ko-KR" altLang="en-US" dirty="0"/>
                     </a:p>
@@ -8166,7 +10715,7 @@
                 </a:tc>
                 <a:extLst>
                   <a:ext uri="{0D108BD9-81ED-4DB2-BD59-A6C34878D82A}">
-                    <a16:rowId xmlns:a16="http://schemas.microsoft.com/office/drawing/2014/main" val="10004"/>
+                    <a16:rowId xmlns="" xmlns:a16="http://schemas.microsoft.com/office/drawing/2014/main" val="10004"/>
                   </a:ext>
                 </a:extLst>
               </a:tr>
@@ -8206,7 +10755,7 @@
                 </a:tc>
                 <a:extLst>
                   <a:ext uri="{0D108BD9-81ED-4DB2-BD59-A6C34878D82A}">
-                    <a16:rowId xmlns:a16="http://schemas.microsoft.com/office/drawing/2014/main" val="10005"/>
+                    <a16:rowId xmlns="" xmlns:a16="http://schemas.microsoft.com/office/drawing/2014/main" val="10005"/>
                   </a:ext>
                 </a:extLst>
               </a:tr>
@@ -8246,7 +10795,7 @@
                 </a:tc>
                 <a:extLst>
                   <a:ext uri="{0D108BD9-81ED-4DB2-BD59-A6C34878D82A}">
-                    <a16:rowId xmlns:a16="http://schemas.microsoft.com/office/drawing/2014/main" val="10006"/>
+                    <a16:rowId xmlns="" xmlns:a16="http://schemas.microsoft.com/office/drawing/2014/main" val="10006"/>
                   </a:ext>
                 </a:extLst>
               </a:tr>
@@ -8286,7 +10835,7 @@
                 </a:tc>
                 <a:extLst>
                   <a:ext uri="{0D108BD9-81ED-4DB2-BD59-A6C34878D82A}">
-                    <a16:rowId xmlns:a16="http://schemas.microsoft.com/office/drawing/2014/main" val="10007"/>
+                    <a16:rowId xmlns="" xmlns:a16="http://schemas.microsoft.com/office/drawing/2014/main" val="10007"/>
                   </a:ext>
                 </a:extLst>
               </a:tr>

--- a/Scatch.pptx
+++ b/Scatch.pptx
@@ -254,7 +254,7 @@
           <a:p>
             <a:fld id="{06EFB4C7-7BEF-490C-A547-EABAD4F9635D}" type="datetimeFigureOut">
               <a:rPr lang="ko-KR" altLang="en-US" smtClean="0"/>
-              <a:t>2017-12-16</a:t>
+              <a:t>2017-12-19</a:t>
             </a:fld>
             <a:endParaRPr lang="ko-KR" altLang="en-US"/>
           </a:p>
@@ -424,7 +424,7 @@
           <a:p>
             <a:fld id="{06EFB4C7-7BEF-490C-A547-EABAD4F9635D}" type="datetimeFigureOut">
               <a:rPr lang="ko-KR" altLang="en-US" smtClean="0"/>
-              <a:t>2017-12-16</a:t>
+              <a:t>2017-12-19</a:t>
             </a:fld>
             <a:endParaRPr lang="ko-KR" altLang="en-US"/>
           </a:p>
@@ -604,7 +604,7 @@
           <a:p>
             <a:fld id="{06EFB4C7-7BEF-490C-A547-EABAD4F9635D}" type="datetimeFigureOut">
               <a:rPr lang="ko-KR" altLang="en-US" smtClean="0"/>
-              <a:t>2017-12-16</a:t>
+              <a:t>2017-12-19</a:t>
             </a:fld>
             <a:endParaRPr lang="ko-KR" altLang="en-US"/>
           </a:p>
@@ -774,7 +774,7 @@
           <a:p>
             <a:fld id="{06EFB4C7-7BEF-490C-A547-EABAD4F9635D}" type="datetimeFigureOut">
               <a:rPr lang="ko-KR" altLang="en-US" smtClean="0"/>
-              <a:t>2017-12-16</a:t>
+              <a:t>2017-12-19</a:t>
             </a:fld>
             <a:endParaRPr lang="ko-KR" altLang="en-US"/>
           </a:p>
@@ -1020,7 +1020,7 @@
           <a:p>
             <a:fld id="{06EFB4C7-7BEF-490C-A547-EABAD4F9635D}" type="datetimeFigureOut">
               <a:rPr lang="ko-KR" altLang="en-US" smtClean="0"/>
-              <a:t>2017-12-16</a:t>
+              <a:t>2017-12-19</a:t>
             </a:fld>
             <a:endParaRPr lang="ko-KR" altLang="en-US"/>
           </a:p>
@@ -1252,7 +1252,7 @@
           <a:p>
             <a:fld id="{06EFB4C7-7BEF-490C-A547-EABAD4F9635D}" type="datetimeFigureOut">
               <a:rPr lang="ko-KR" altLang="en-US" smtClean="0"/>
-              <a:t>2017-12-16</a:t>
+              <a:t>2017-12-19</a:t>
             </a:fld>
             <a:endParaRPr lang="ko-KR" altLang="en-US"/>
           </a:p>
@@ -1619,7 +1619,7 @@
           <a:p>
             <a:fld id="{06EFB4C7-7BEF-490C-A547-EABAD4F9635D}" type="datetimeFigureOut">
               <a:rPr lang="ko-KR" altLang="en-US" smtClean="0"/>
-              <a:t>2017-12-16</a:t>
+              <a:t>2017-12-19</a:t>
             </a:fld>
             <a:endParaRPr lang="ko-KR" altLang="en-US"/>
           </a:p>
@@ -1737,7 +1737,7 @@
           <a:p>
             <a:fld id="{06EFB4C7-7BEF-490C-A547-EABAD4F9635D}" type="datetimeFigureOut">
               <a:rPr lang="ko-KR" altLang="en-US" smtClean="0"/>
-              <a:t>2017-12-16</a:t>
+              <a:t>2017-12-19</a:t>
             </a:fld>
             <a:endParaRPr lang="ko-KR" altLang="en-US"/>
           </a:p>
@@ -1832,7 +1832,7 @@
           <a:p>
             <a:fld id="{06EFB4C7-7BEF-490C-A547-EABAD4F9635D}" type="datetimeFigureOut">
               <a:rPr lang="ko-KR" altLang="en-US" smtClean="0"/>
-              <a:t>2017-12-16</a:t>
+              <a:t>2017-12-19</a:t>
             </a:fld>
             <a:endParaRPr lang="ko-KR" altLang="en-US"/>
           </a:p>
@@ -2109,7 +2109,7 @@
           <a:p>
             <a:fld id="{06EFB4C7-7BEF-490C-A547-EABAD4F9635D}" type="datetimeFigureOut">
               <a:rPr lang="ko-KR" altLang="en-US" smtClean="0"/>
-              <a:t>2017-12-16</a:t>
+              <a:t>2017-12-19</a:t>
             </a:fld>
             <a:endParaRPr lang="ko-KR" altLang="en-US"/>
           </a:p>
@@ -2362,7 +2362,7 @@
           <a:p>
             <a:fld id="{06EFB4C7-7BEF-490C-A547-EABAD4F9635D}" type="datetimeFigureOut">
               <a:rPr lang="ko-KR" altLang="en-US" smtClean="0"/>
-              <a:t>2017-12-16</a:t>
+              <a:t>2017-12-19</a:t>
             </a:fld>
             <a:endParaRPr lang="ko-KR" altLang="en-US"/>
           </a:p>
@@ -2575,7 +2575,7 @@
           <a:p>
             <a:fld id="{06EFB4C7-7BEF-490C-A547-EABAD4F9635D}" type="datetimeFigureOut">
               <a:rPr lang="ko-KR" altLang="en-US" smtClean="0"/>
-              <a:t>2017-12-16</a:t>
+              <a:t>2017-12-19</a:t>
             </a:fld>
             <a:endParaRPr lang="ko-KR" altLang="en-US"/>
           </a:p>
@@ -6259,21 +6259,7 @@
                 <a:latin typeface="210 맨발의청춘 L" panose="02020603020101020101" pitchFamily="18" charset="-127"/>
                 <a:ea typeface="210 맨발의청춘 L" panose="02020603020101020101" pitchFamily="18" charset="-127"/>
               </a:rPr>
-              <a:t>[</a:t>
-            </a:r>
-            <a:r>
-              <a:rPr lang="en-US" altLang="ko-KR" sz="1200" dirty="0" smtClean="0">
-                <a:latin typeface="210 맨발의청춘 L" panose="02020603020101020101" pitchFamily="18" charset="-127"/>
-                <a:ea typeface="210 맨발의청춘 L" panose="02020603020101020101" pitchFamily="18" charset="-127"/>
-              </a:rPr>
-              <a:t>App</a:t>
-            </a:r>
-            <a:r>
-              <a:rPr lang="en-US" altLang="ko-KR" sz="1200" dirty="0" smtClean="0">
-                <a:latin typeface="210 맨발의청춘 L" panose="02020603020101020101" pitchFamily="18" charset="-127"/>
-                <a:ea typeface="210 맨발의청춘 L" panose="02020603020101020101" pitchFamily="18" charset="-127"/>
-              </a:rPr>
-              <a:t>]</a:t>
+              <a:t>[App]</a:t>
             </a:r>
             <a:endParaRPr lang="ko-KR" altLang="en-US" sz="1200" dirty="0">
               <a:latin typeface="210 맨발의청춘 L" panose="02020603020101020101" pitchFamily="18" charset="-127"/>
@@ -7496,56 +7482,6 @@
       </p:grpSpPr>
       <p:sp>
         <p:nvSpPr>
-          <p:cNvPr id="47" name="직사각형 46"/>
-          <p:cNvSpPr>
-            <a:spLocks noChangeAspect="1"/>
-          </p:cNvSpPr>
-          <p:nvPr/>
-        </p:nvSpPr>
-        <p:spPr>
-          <a:xfrm>
-            <a:off x="6439721" y="1291345"/>
-            <a:ext cx="1113786" cy="2569724"/>
-          </a:xfrm>
-          <a:prstGeom prst="rect">
-            <a:avLst/>
-          </a:prstGeom>
-          <a:solidFill>
-            <a:schemeClr val="bg1"/>
-          </a:solidFill>
-          <a:ln w="25400">
-            <a:solidFill>
-              <a:schemeClr val="tx1"/>
-            </a:solidFill>
-          </a:ln>
-        </p:spPr>
-        <p:style>
-          <a:lnRef idx="2">
-            <a:schemeClr val="accent1">
-              <a:shade val="50000"/>
-            </a:schemeClr>
-          </a:lnRef>
-          <a:fillRef idx="1">
-            <a:schemeClr val="accent1"/>
-          </a:fillRef>
-          <a:effectRef idx="0">
-            <a:schemeClr val="accent1"/>
-          </a:effectRef>
-          <a:fontRef idx="minor">
-            <a:schemeClr val="lt1"/>
-          </a:fontRef>
-        </p:style>
-        <p:txBody>
-          <a:bodyPr rtlCol="0" anchor="ctr"/>
-          <a:lstStyle/>
-          <a:p>
-            <a:pPr algn="ctr"/>
-            <a:endParaRPr lang="ko-KR" altLang="en-US"/>
-          </a:p>
-        </p:txBody>
-      </p:sp>
-      <p:sp>
-        <p:nvSpPr>
           <p:cNvPr id="2" name="직사각형 1"/>
           <p:cNvSpPr/>
           <p:nvPr/>
@@ -7788,57 +7724,6 @@
                 <a:ea typeface="210 맨발의청춘 L" panose="02020603020101020101" pitchFamily="18" charset="-127"/>
               </a:rPr>
               <a:t>엔진</a:t>
-            </a:r>
-            <a:endParaRPr lang="ko-KR" altLang="en-US" sz="1200" dirty="0">
-              <a:latin typeface="210 맨발의청춘 L" panose="02020603020101020101" pitchFamily="18" charset="-127"/>
-              <a:ea typeface="210 맨발의청춘 L" panose="02020603020101020101" pitchFamily="18" charset="-127"/>
-            </a:endParaRPr>
-          </a:p>
-        </p:txBody>
-      </p:sp>
-      <p:sp>
-        <p:nvSpPr>
-          <p:cNvPr id="29" name="TextBox 28"/>
-          <p:cNvSpPr txBox="1"/>
-          <p:nvPr/>
-        </p:nvSpPr>
-        <p:spPr>
-          <a:xfrm>
-            <a:off x="6600512" y="2486734"/>
-            <a:ext cx="792205" cy="276999"/>
-          </a:xfrm>
-          <a:prstGeom prst="rect">
-            <a:avLst/>
-          </a:prstGeom>
-          <a:noFill/>
-        </p:spPr>
-        <p:txBody>
-          <a:bodyPr wrap="none" rtlCol="0">
-            <a:spAutoFit/>
-          </a:bodyPr>
-          <a:lstStyle/>
-          <a:p>
-            <a:pPr algn="ctr"/>
-            <a:r>
-              <a:rPr lang="en-US" altLang="ko-KR" sz="1200" dirty="0" smtClean="0">
-                <a:latin typeface="210 맨발의청춘 L" panose="02020603020101020101" pitchFamily="18" charset="-127"/>
-                <a:ea typeface="210 맨발의청춘 L" panose="02020603020101020101" pitchFamily="18" charset="-127"/>
-              </a:rPr>
-              <a:t>[</a:t>
-            </a:r>
-            <a:r>
-              <a:rPr lang="en-US" altLang="ko-KR" sz="1200" dirty="0" err="1" smtClean="0">
-                <a:latin typeface="210 맨발의청춘 L" panose="02020603020101020101" pitchFamily="18" charset="-127"/>
-                <a:ea typeface="210 맨발의청춘 L" panose="02020603020101020101" pitchFamily="18" charset="-127"/>
-              </a:rPr>
-              <a:t>Mysql</a:t>
-            </a:r>
-            <a:r>
-              <a:rPr lang="en-US" altLang="ko-KR" sz="1200" dirty="0" smtClean="0">
-                <a:latin typeface="210 맨발의청춘 L" panose="02020603020101020101" pitchFamily="18" charset="-127"/>
-                <a:ea typeface="210 맨발의청춘 L" panose="02020603020101020101" pitchFamily="18" charset="-127"/>
-              </a:rPr>
-              <a:t>]</a:t>
             </a:r>
             <a:endParaRPr lang="ko-KR" altLang="en-US" sz="1200" dirty="0">
               <a:latin typeface="210 맨발의청춘 L" panose="02020603020101020101" pitchFamily="18" charset="-127"/>
@@ -8643,6 +8528,296 @@
               <a:t>엔진</a:t>
             </a:r>
             <a:endParaRPr lang="en-US" altLang="ko-KR" sz="1200" dirty="0" smtClean="0">
+              <a:latin typeface="210 맨발의청춘 L" panose="02020603020101020101" pitchFamily="18" charset="-127"/>
+              <a:ea typeface="210 맨발의청춘 L" panose="02020603020101020101" pitchFamily="18" charset="-127"/>
+            </a:endParaRPr>
+          </a:p>
+        </p:txBody>
+      </p:sp>
+      <p:sp>
+        <p:nvSpPr>
+          <p:cNvPr id="33" name="순서도: 자기 디스크 32"/>
+          <p:cNvSpPr/>
+          <p:nvPr/>
+        </p:nvSpPr>
+        <p:spPr>
+          <a:xfrm>
+            <a:off x="6583299" y="2079859"/>
+            <a:ext cx="889462" cy="972589"/>
+          </a:xfrm>
+          <a:prstGeom prst="flowChartMagneticDisk">
+            <a:avLst/>
+          </a:prstGeom>
+          <a:noFill/>
+          <a:ln w="25400">
+            <a:solidFill>
+              <a:schemeClr val="tx1"/>
+            </a:solidFill>
+          </a:ln>
+        </p:spPr>
+        <p:style>
+          <a:lnRef idx="2">
+            <a:schemeClr val="accent1">
+              <a:shade val="50000"/>
+            </a:schemeClr>
+          </a:lnRef>
+          <a:fillRef idx="1">
+            <a:schemeClr val="accent1"/>
+          </a:fillRef>
+          <a:effectRef idx="0">
+            <a:schemeClr val="accent1"/>
+          </a:effectRef>
+          <a:fontRef idx="minor">
+            <a:schemeClr val="lt1"/>
+          </a:fontRef>
+        </p:style>
+        <p:txBody>
+          <a:bodyPr rot="0" spcFirstLastPara="0" vert="horz" wrap="square" lIns="91440" tIns="45720" rIns="91440" bIns="45720" numCol="1" spcCol="0" rtlCol="0" fromWordArt="0" anchor="ctr" anchorCtr="0" forceAA="0" compatLnSpc="1">
+            <a:prstTxWarp prst="textNoShape">
+              <a:avLst/>
+            </a:prstTxWarp>
+            <a:noAutofit/>
+          </a:bodyPr>
+          <a:lstStyle>
+            <a:defPPr>
+              <a:defRPr lang="ko-KR"/>
+            </a:defPPr>
+            <a:lvl1pPr marL="0" algn="l" defTabSz="914400" rtl="0" eaLnBrk="1" latinLnBrk="1" hangingPunct="1">
+              <a:defRPr sz="1800" kern="1200">
+                <a:solidFill>
+                  <a:schemeClr val="lt1"/>
+                </a:solidFill>
+                <a:latin typeface="+mn-lt"/>
+                <a:ea typeface="+mn-ea"/>
+                <a:cs typeface="+mn-cs"/>
+              </a:defRPr>
+            </a:lvl1pPr>
+            <a:lvl2pPr marL="457200" algn="l" defTabSz="914400" rtl="0" eaLnBrk="1" latinLnBrk="1" hangingPunct="1">
+              <a:defRPr sz="1800" kern="1200">
+                <a:solidFill>
+                  <a:schemeClr val="lt1"/>
+                </a:solidFill>
+                <a:latin typeface="+mn-lt"/>
+                <a:ea typeface="+mn-ea"/>
+                <a:cs typeface="+mn-cs"/>
+              </a:defRPr>
+            </a:lvl2pPr>
+            <a:lvl3pPr marL="914400" algn="l" defTabSz="914400" rtl="0" eaLnBrk="1" latinLnBrk="1" hangingPunct="1">
+              <a:defRPr sz="1800" kern="1200">
+                <a:solidFill>
+                  <a:schemeClr val="lt1"/>
+                </a:solidFill>
+                <a:latin typeface="+mn-lt"/>
+                <a:ea typeface="+mn-ea"/>
+                <a:cs typeface="+mn-cs"/>
+              </a:defRPr>
+            </a:lvl3pPr>
+            <a:lvl4pPr marL="1371600" algn="l" defTabSz="914400" rtl="0" eaLnBrk="1" latinLnBrk="1" hangingPunct="1">
+              <a:defRPr sz="1800" kern="1200">
+                <a:solidFill>
+                  <a:schemeClr val="lt1"/>
+                </a:solidFill>
+                <a:latin typeface="+mn-lt"/>
+                <a:ea typeface="+mn-ea"/>
+                <a:cs typeface="+mn-cs"/>
+              </a:defRPr>
+            </a:lvl4pPr>
+            <a:lvl5pPr marL="1828800" algn="l" defTabSz="914400" rtl="0" eaLnBrk="1" latinLnBrk="1" hangingPunct="1">
+              <a:defRPr sz="1800" kern="1200">
+                <a:solidFill>
+                  <a:schemeClr val="lt1"/>
+                </a:solidFill>
+                <a:latin typeface="+mn-lt"/>
+                <a:ea typeface="+mn-ea"/>
+                <a:cs typeface="+mn-cs"/>
+              </a:defRPr>
+            </a:lvl5pPr>
+            <a:lvl6pPr marL="2286000" algn="l" defTabSz="914400" rtl="0" eaLnBrk="1" latinLnBrk="1" hangingPunct="1">
+              <a:defRPr sz="1800" kern="1200">
+                <a:solidFill>
+                  <a:schemeClr val="lt1"/>
+                </a:solidFill>
+                <a:latin typeface="+mn-lt"/>
+                <a:ea typeface="+mn-ea"/>
+                <a:cs typeface="+mn-cs"/>
+              </a:defRPr>
+            </a:lvl6pPr>
+            <a:lvl7pPr marL="2743200" algn="l" defTabSz="914400" rtl="0" eaLnBrk="1" latinLnBrk="1" hangingPunct="1">
+              <a:defRPr sz="1800" kern="1200">
+                <a:solidFill>
+                  <a:schemeClr val="lt1"/>
+                </a:solidFill>
+                <a:latin typeface="+mn-lt"/>
+                <a:ea typeface="+mn-ea"/>
+                <a:cs typeface="+mn-cs"/>
+              </a:defRPr>
+            </a:lvl7pPr>
+            <a:lvl8pPr marL="3200400" algn="l" defTabSz="914400" rtl="0" eaLnBrk="1" latinLnBrk="1" hangingPunct="1">
+              <a:defRPr sz="1800" kern="1200">
+                <a:solidFill>
+                  <a:schemeClr val="lt1"/>
+                </a:solidFill>
+                <a:latin typeface="+mn-lt"/>
+                <a:ea typeface="+mn-ea"/>
+                <a:cs typeface="+mn-cs"/>
+              </a:defRPr>
+            </a:lvl8pPr>
+            <a:lvl9pPr marL="3657600" algn="l" defTabSz="914400" rtl="0" eaLnBrk="1" latinLnBrk="1" hangingPunct="1">
+              <a:defRPr sz="1800" kern="1200">
+                <a:solidFill>
+                  <a:schemeClr val="lt1"/>
+                </a:solidFill>
+                <a:latin typeface="+mn-lt"/>
+                <a:ea typeface="+mn-ea"/>
+                <a:cs typeface="+mn-cs"/>
+              </a:defRPr>
+            </a:lvl9pPr>
+          </a:lstStyle>
+          <a:p>
+            <a:pPr algn="ctr"/>
+            <a:endParaRPr lang="ko-KR" altLang="en-US"/>
+          </a:p>
+        </p:txBody>
+      </p:sp>
+      <p:sp>
+        <p:nvSpPr>
+          <p:cNvPr id="34" name="TextBox 29"/>
+          <p:cNvSpPr txBox="1"/>
+          <p:nvPr/>
+        </p:nvSpPr>
+        <p:spPr>
+          <a:xfrm>
+            <a:off x="6621508" y="2533222"/>
+            <a:ext cx="813044" cy="276999"/>
+          </a:xfrm>
+          <a:prstGeom prst="rect">
+            <a:avLst/>
+          </a:prstGeom>
+          <a:noFill/>
+        </p:spPr>
+        <p:txBody>
+          <a:bodyPr wrap="none" rtlCol="0">
+            <a:spAutoFit/>
+          </a:bodyPr>
+          <a:lstStyle>
+            <a:defPPr>
+              <a:defRPr lang="ko-KR"/>
+            </a:defPPr>
+            <a:lvl1pPr marL="0" algn="l" defTabSz="914400" rtl="0" eaLnBrk="1" latinLnBrk="1" hangingPunct="1">
+              <a:defRPr sz="1800" kern="1200">
+                <a:solidFill>
+                  <a:schemeClr val="tx1"/>
+                </a:solidFill>
+                <a:latin typeface="+mn-lt"/>
+                <a:ea typeface="+mn-ea"/>
+                <a:cs typeface="+mn-cs"/>
+              </a:defRPr>
+            </a:lvl1pPr>
+            <a:lvl2pPr marL="457200" algn="l" defTabSz="914400" rtl="0" eaLnBrk="1" latinLnBrk="1" hangingPunct="1">
+              <a:defRPr sz="1800" kern="1200">
+                <a:solidFill>
+                  <a:schemeClr val="tx1"/>
+                </a:solidFill>
+                <a:latin typeface="+mn-lt"/>
+                <a:ea typeface="+mn-ea"/>
+                <a:cs typeface="+mn-cs"/>
+              </a:defRPr>
+            </a:lvl2pPr>
+            <a:lvl3pPr marL="914400" algn="l" defTabSz="914400" rtl="0" eaLnBrk="1" latinLnBrk="1" hangingPunct="1">
+              <a:defRPr sz="1800" kern="1200">
+                <a:solidFill>
+                  <a:schemeClr val="tx1"/>
+                </a:solidFill>
+                <a:latin typeface="+mn-lt"/>
+                <a:ea typeface="+mn-ea"/>
+                <a:cs typeface="+mn-cs"/>
+              </a:defRPr>
+            </a:lvl3pPr>
+            <a:lvl4pPr marL="1371600" algn="l" defTabSz="914400" rtl="0" eaLnBrk="1" latinLnBrk="1" hangingPunct="1">
+              <a:defRPr sz="1800" kern="1200">
+                <a:solidFill>
+                  <a:schemeClr val="tx1"/>
+                </a:solidFill>
+                <a:latin typeface="+mn-lt"/>
+                <a:ea typeface="+mn-ea"/>
+                <a:cs typeface="+mn-cs"/>
+              </a:defRPr>
+            </a:lvl4pPr>
+            <a:lvl5pPr marL="1828800" algn="l" defTabSz="914400" rtl="0" eaLnBrk="1" latinLnBrk="1" hangingPunct="1">
+              <a:defRPr sz="1800" kern="1200">
+                <a:solidFill>
+                  <a:schemeClr val="tx1"/>
+                </a:solidFill>
+                <a:latin typeface="+mn-lt"/>
+                <a:ea typeface="+mn-ea"/>
+                <a:cs typeface="+mn-cs"/>
+              </a:defRPr>
+            </a:lvl5pPr>
+            <a:lvl6pPr marL="2286000" algn="l" defTabSz="914400" rtl="0" eaLnBrk="1" latinLnBrk="1" hangingPunct="1">
+              <a:defRPr sz="1800" kern="1200">
+                <a:solidFill>
+                  <a:schemeClr val="tx1"/>
+                </a:solidFill>
+                <a:latin typeface="+mn-lt"/>
+                <a:ea typeface="+mn-ea"/>
+                <a:cs typeface="+mn-cs"/>
+              </a:defRPr>
+            </a:lvl6pPr>
+            <a:lvl7pPr marL="2743200" algn="l" defTabSz="914400" rtl="0" eaLnBrk="1" latinLnBrk="1" hangingPunct="1">
+              <a:defRPr sz="1800" kern="1200">
+                <a:solidFill>
+                  <a:schemeClr val="tx1"/>
+                </a:solidFill>
+                <a:latin typeface="+mn-lt"/>
+                <a:ea typeface="+mn-ea"/>
+                <a:cs typeface="+mn-cs"/>
+              </a:defRPr>
+            </a:lvl7pPr>
+            <a:lvl8pPr marL="3200400" algn="l" defTabSz="914400" rtl="0" eaLnBrk="1" latinLnBrk="1" hangingPunct="1">
+              <a:defRPr sz="1800" kern="1200">
+                <a:solidFill>
+                  <a:schemeClr val="tx1"/>
+                </a:solidFill>
+                <a:latin typeface="+mn-lt"/>
+                <a:ea typeface="+mn-ea"/>
+                <a:cs typeface="+mn-cs"/>
+              </a:defRPr>
+            </a:lvl8pPr>
+            <a:lvl9pPr marL="3657600" algn="l" defTabSz="914400" rtl="0" eaLnBrk="1" latinLnBrk="1" hangingPunct="1">
+              <a:defRPr sz="1800" kern="1200">
+                <a:solidFill>
+                  <a:schemeClr val="tx1"/>
+                </a:solidFill>
+                <a:latin typeface="+mn-lt"/>
+                <a:ea typeface="+mn-ea"/>
+                <a:cs typeface="+mn-cs"/>
+              </a:defRPr>
+            </a:lvl9pPr>
+          </a:lstStyle>
+          <a:p>
+            <a:pPr algn="ctr"/>
+            <a:r>
+              <a:rPr lang="en-US" altLang="ko-KR" sz="1200" smtClean="0">
+                <a:latin typeface="210 맨발의청춘 L" panose="02020603020101020101" pitchFamily="18" charset="-127"/>
+                <a:ea typeface="210 맨발의청춘 L" panose="02020603020101020101" pitchFamily="18" charset="-127"/>
+              </a:rPr>
+              <a:t>SQL</a:t>
+            </a:r>
+            <a:r>
+              <a:rPr lang="ko-KR" altLang="en-US" sz="1200" smtClean="0">
+                <a:latin typeface="210 맨발의청춘 L" panose="02020603020101020101" pitchFamily="18" charset="-127"/>
+                <a:ea typeface="210 맨발의청춘 L" panose="02020603020101020101" pitchFamily="18" charset="-127"/>
+              </a:rPr>
+              <a:t> </a:t>
+            </a:r>
+            <a:r>
+              <a:rPr lang="en-US" altLang="ko-KR" sz="1200" smtClean="0">
+                <a:latin typeface="210 맨발의청춘 L" panose="02020603020101020101" pitchFamily="18" charset="-127"/>
+                <a:ea typeface="210 맨발의청춘 L" panose="02020603020101020101" pitchFamily="18" charset="-127"/>
+              </a:rPr>
+              <a:t>Push</a:t>
+            </a:r>
+            <a:endParaRPr lang="ko-KR" altLang="en-US" sz="1200" dirty="0">
               <a:latin typeface="210 맨발의청춘 L" panose="02020603020101020101" pitchFamily="18" charset="-127"/>
               <a:ea typeface="210 맨발의청춘 L" panose="02020603020101020101" pitchFamily="18" charset="-127"/>
             </a:endParaRPr>
@@ -10352,21 +10527,21 @@
                 <a:gridCol w="3836954">
                   <a:extLst>
                     <a:ext uri="{9D8B030D-6E8A-4147-A177-3AD203B41FA5}">
-                      <a16:colId xmlns="" xmlns:a16="http://schemas.microsoft.com/office/drawing/2014/main" val="20000"/>
+                      <a16:colId xmlns:a16="http://schemas.microsoft.com/office/drawing/2014/main" val="20000"/>
                     </a:ext>
                   </a:extLst>
                 </a:gridCol>
                 <a:gridCol w="1632857">
                   <a:extLst>
                     <a:ext uri="{9D8B030D-6E8A-4147-A177-3AD203B41FA5}">
-                      <a16:colId xmlns="" xmlns:a16="http://schemas.microsoft.com/office/drawing/2014/main" val="20001"/>
+                      <a16:colId xmlns:a16="http://schemas.microsoft.com/office/drawing/2014/main" val="20001"/>
                     </a:ext>
                   </a:extLst>
                 </a:gridCol>
                 <a:gridCol w="6055568">
                   <a:extLst>
                     <a:ext uri="{9D8B030D-6E8A-4147-A177-3AD203B41FA5}">
-                      <a16:colId xmlns="" xmlns:a16="http://schemas.microsoft.com/office/drawing/2014/main" val="20002"/>
+                      <a16:colId xmlns:a16="http://schemas.microsoft.com/office/drawing/2014/main" val="20002"/>
                     </a:ext>
                   </a:extLst>
                 </a:gridCol>
@@ -10431,7 +10606,7 @@
                 </a:tc>
                 <a:extLst>
                   <a:ext uri="{0D108BD9-81ED-4DB2-BD59-A6C34878D82A}">
-                    <a16:rowId xmlns="" xmlns:a16="http://schemas.microsoft.com/office/drawing/2014/main" val="10000"/>
+                    <a16:rowId xmlns:a16="http://schemas.microsoft.com/office/drawing/2014/main" val="10000"/>
                   </a:ext>
                 </a:extLst>
               </a:tr>
@@ -10507,7 +10682,7 @@
                 </a:tc>
                 <a:extLst>
                   <a:ext uri="{0D108BD9-81ED-4DB2-BD59-A6C34878D82A}">
-                    <a16:rowId xmlns="" xmlns:a16="http://schemas.microsoft.com/office/drawing/2014/main" val="10001"/>
+                    <a16:rowId xmlns:a16="http://schemas.microsoft.com/office/drawing/2014/main" val="10001"/>
                   </a:ext>
                 </a:extLst>
               </a:tr>
@@ -10579,7 +10754,7 @@
                 </a:tc>
                 <a:extLst>
                   <a:ext uri="{0D108BD9-81ED-4DB2-BD59-A6C34878D82A}">
-                    <a16:rowId xmlns="" xmlns:a16="http://schemas.microsoft.com/office/drawing/2014/main" val="10002"/>
+                    <a16:rowId xmlns:a16="http://schemas.microsoft.com/office/drawing/2014/main" val="10002"/>
                   </a:ext>
                 </a:extLst>
               </a:tr>
@@ -10655,7 +10830,7 @@
                 </a:tc>
                 <a:extLst>
                   <a:ext uri="{0D108BD9-81ED-4DB2-BD59-A6C34878D82A}">
-                    <a16:rowId xmlns="" xmlns:a16="http://schemas.microsoft.com/office/drawing/2014/main" val="10003"/>
+                    <a16:rowId xmlns:a16="http://schemas.microsoft.com/office/drawing/2014/main" val="10003"/>
                   </a:ext>
                 </a:extLst>
               </a:tr>
@@ -10715,7 +10890,7 @@
                 </a:tc>
                 <a:extLst>
                   <a:ext uri="{0D108BD9-81ED-4DB2-BD59-A6C34878D82A}">
-                    <a16:rowId xmlns="" xmlns:a16="http://schemas.microsoft.com/office/drawing/2014/main" val="10004"/>
+                    <a16:rowId xmlns:a16="http://schemas.microsoft.com/office/drawing/2014/main" val="10004"/>
                   </a:ext>
                 </a:extLst>
               </a:tr>
@@ -10755,7 +10930,7 @@
                 </a:tc>
                 <a:extLst>
                   <a:ext uri="{0D108BD9-81ED-4DB2-BD59-A6C34878D82A}">
-                    <a16:rowId xmlns="" xmlns:a16="http://schemas.microsoft.com/office/drawing/2014/main" val="10005"/>
+                    <a16:rowId xmlns:a16="http://schemas.microsoft.com/office/drawing/2014/main" val="10005"/>
                   </a:ext>
                 </a:extLst>
               </a:tr>
@@ -10795,7 +10970,7 @@
                 </a:tc>
                 <a:extLst>
                   <a:ext uri="{0D108BD9-81ED-4DB2-BD59-A6C34878D82A}">
-                    <a16:rowId xmlns="" xmlns:a16="http://schemas.microsoft.com/office/drawing/2014/main" val="10006"/>
+                    <a16:rowId xmlns:a16="http://schemas.microsoft.com/office/drawing/2014/main" val="10006"/>
                   </a:ext>
                 </a:extLst>
               </a:tr>
@@ -10835,7 +11010,7 @@
                 </a:tc>
                 <a:extLst>
                   <a:ext uri="{0D108BD9-81ED-4DB2-BD59-A6C34878D82A}">
-                    <a16:rowId xmlns="" xmlns:a16="http://schemas.microsoft.com/office/drawing/2014/main" val="10007"/>
+                    <a16:rowId xmlns:a16="http://schemas.microsoft.com/office/drawing/2014/main" val="10007"/>
                   </a:ext>
                 </a:extLst>
               </a:tr>

--- a/Scatch.pptx
+++ b/Scatch.pptx
@@ -11,12 +11,13 @@
     <p:sldId id="258" r:id="rId5"/>
     <p:sldId id="259" r:id="rId6"/>
     <p:sldId id="261" r:id="rId7"/>
-    <p:sldId id="260" r:id="rId8"/>
-    <p:sldId id="264" r:id="rId9"/>
-    <p:sldId id="262" r:id="rId10"/>
-    <p:sldId id="265" r:id="rId11"/>
-    <p:sldId id="266" r:id="rId12"/>
-    <p:sldId id="267" r:id="rId13"/>
+    <p:sldId id="268" r:id="rId8"/>
+    <p:sldId id="260" r:id="rId9"/>
+    <p:sldId id="264" r:id="rId10"/>
+    <p:sldId id="262" r:id="rId11"/>
+    <p:sldId id="265" r:id="rId12"/>
+    <p:sldId id="266" r:id="rId13"/>
+    <p:sldId id="267" r:id="rId14"/>
   </p:sldIdLst>
   <p:sldSz cx="12192000" cy="6858000"/>
   <p:notesSz cx="6858000" cy="9144000"/>
@@ -254,7 +255,7 @@
           <a:p>
             <a:fld id="{06EFB4C7-7BEF-490C-A547-EABAD4F9635D}" type="datetimeFigureOut">
               <a:rPr lang="ko-KR" altLang="en-US" smtClean="0"/>
-              <a:t>2017-12-19</a:t>
+              <a:t>2017-12-24</a:t>
             </a:fld>
             <a:endParaRPr lang="ko-KR" altLang="en-US"/>
           </a:p>
@@ -424,7 +425,7 @@
           <a:p>
             <a:fld id="{06EFB4C7-7BEF-490C-A547-EABAD4F9635D}" type="datetimeFigureOut">
               <a:rPr lang="ko-KR" altLang="en-US" smtClean="0"/>
-              <a:t>2017-12-19</a:t>
+              <a:t>2017-12-24</a:t>
             </a:fld>
             <a:endParaRPr lang="ko-KR" altLang="en-US"/>
           </a:p>
@@ -604,7 +605,7 @@
           <a:p>
             <a:fld id="{06EFB4C7-7BEF-490C-A547-EABAD4F9635D}" type="datetimeFigureOut">
               <a:rPr lang="ko-KR" altLang="en-US" smtClean="0"/>
-              <a:t>2017-12-19</a:t>
+              <a:t>2017-12-24</a:t>
             </a:fld>
             <a:endParaRPr lang="ko-KR" altLang="en-US"/>
           </a:p>
@@ -774,7 +775,7 @@
           <a:p>
             <a:fld id="{06EFB4C7-7BEF-490C-A547-EABAD4F9635D}" type="datetimeFigureOut">
               <a:rPr lang="ko-KR" altLang="en-US" smtClean="0"/>
-              <a:t>2017-12-19</a:t>
+              <a:t>2017-12-24</a:t>
             </a:fld>
             <a:endParaRPr lang="ko-KR" altLang="en-US"/>
           </a:p>
@@ -1020,7 +1021,7 @@
           <a:p>
             <a:fld id="{06EFB4C7-7BEF-490C-A547-EABAD4F9635D}" type="datetimeFigureOut">
               <a:rPr lang="ko-KR" altLang="en-US" smtClean="0"/>
-              <a:t>2017-12-19</a:t>
+              <a:t>2017-12-24</a:t>
             </a:fld>
             <a:endParaRPr lang="ko-KR" altLang="en-US"/>
           </a:p>
@@ -1252,7 +1253,7 @@
           <a:p>
             <a:fld id="{06EFB4C7-7BEF-490C-A547-EABAD4F9635D}" type="datetimeFigureOut">
               <a:rPr lang="ko-KR" altLang="en-US" smtClean="0"/>
-              <a:t>2017-12-19</a:t>
+              <a:t>2017-12-24</a:t>
             </a:fld>
             <a:endParaRPr lang="ko-KR" altLang="en-US"/>
           </a:p>
@@ -1619,7 +1620,7 @@
           <a:p>
             <a:fld id="{06EFB4C7-7BEF-490C-A547-EABAD4F9635D}" type="datetimeFigureOut">
               <a:rPr lang="ko-KR" altLang="en-US" smtClean="0"/>
-              <a:t>2017-12-19</a:t>
+              <a:t>2017-12-24</a:t>
             </a:fld>
             <a:endParaRPr lang="ko-KR" altLang="en-US"/>
           </a:p>
@@ -1737,7 +1738,7 @@
           <a:p>
             <a:fld id="{06EFB4C7-7BEF-490C-A547-EABAD4F9635D}" type="datetimeFigureOut">
               <a:rPr lang="ko-KR" altLang="en-US" smtClean="0"/>
-              <a:t>2017-12-19</a:t>
+              <a:t>2017-12-24</a:t>
             </a:fld>
             <a:endParaRPr lang="ko-KR" altLang="en-US"/>
           </a:p>
@@ -1832,7 +1833,7 @@
           <a:p>
             <a:fld id="{06EFB4C7-7BEF-490C-A547-EABAD4F9635D}" type="datetimeFigureOut">
               <a:rPr lang="ko-KR" altLang="en-US" smtClean="0"/>
-              <a:t>2017-12-19</a:t>
+              <a:t>2017-12-24</a:t>
             </a:fld>
             <a:endParaRPr lang="ko-KR" altLang="en-US"/>
           </a:p>
@@ -2109,7 +2110,7 @@
           <a:p>
             <a:fld id="{06EFB4C7-7BEF-490C-A547-EABAD4F9635D}" type="datetimeFigureOut">
               <a:rPr lang="ko-KR" altLang="en-US" smtClean="0"/>
-              <a:t>2017-12-19</a:t>
+              <a:t>2017-12-24</a:t>
             </a:fld>
             <a:endParaRPr lang="ko-KR" altLang="en-US"/>
           </a:p>
@@ -2362,7 +2363,7 @@
           <a:p>
             <a:fld id="{06EFB4C7-7BEF-490C-A547-EABAD4F9635D}" type="datetimeFigureOut">
               <a:rPr lang="ko-KR" altLang="en-US" smtClean="0"/>
-              <a:t>2017-12-19</a:t>
+              <a:t>2017-12-24</a:t>
             </a:fld>
             <a:endParaRPr lang="ko-KR" altLang="en-US"/>
           </a:p>
@@ -2575,7 +2576,7 @@
           <a:p>
             <a:fld id="{06EFB4C7-7BEF-490C-A547-EABAD4F9635D}" type="datetimeFigureOut">
               <a:rPr lang="ko-KR" altLang="en-US" smtClean="0"/>
-              <a:t>2017-12-19</a:t>
+              <a:t>2017-12-24</a:t>
             </a:fld>
             <a:endParaRPr lang="ko-KR" altLang="en-US"/>
           </a:p>
@@ -4939,11 +4940,25 @@
           <a:p>
             <a:pPr algn="ctr"/>
             <a:r>
-              <a:rPr lang="ko-KR" altLang="en-US" smtClean="0">
+              <a:rPr lang="ko-KR" altLang="en-US" dirty="0" smtClean="0">
                 <a:latin typeface="210 맨발의청춘 B" panose="02020603020101020101" pitchFamily="18" charset="-127"/>
                 <a:ea typeface="210 맨발의청춘 B" panose="02020603020101020101" pitchFamily="18" charset="-127"/>
               </a:rPr>
-              <a:t>백 앤드 설계</a:t>
+              <a:t>초기 </a:t>
+            </a:r>
+            <a:r>
+              <a:rPr lang="ko-KR" altLang="en-US" dirty="0" err="1" smtClean="0">
+                <a:latin typeface="210 맨발의청춘 B" panose="02020603020101020101" pitchFamily="18" charset="-127"/>
+                <a:ea typeface="210 맨발의청춘 B" panose="02020603020101020101" pitchFamily="18" charset="-127"/>
+              </a:rPr>
+              <a:t>세팅</a:t>
+            </a:r>
+            <a:r>
+              <a:rPr lang="ko-KR" altLang="en-US" dirty="0" smtClean="0">
+                <a:latin typeface="210 맨발의청춘 B" panose="02020603020101020101" pitchFamily="18" charset="-127"/>
+                <a:ea typeface="210 맨발의청춘 B" panose="02020603020101020101" pitchFamily="18" charset="-127"/>
+              </a:rPr>
+              <a:t> 작업</a:t>
             </a:r>
             <a:endParaRPr lang="ko-KR" altLang="en-US" dirty="0">
               <a:latin typeface="210 맨발의청춘 B" panose="02020603020101020101" pitchFamily="18" charset="-127"/>
@@ -4998,11 +5013,11 @@
           <a:p>
             <a:pPr algn="ctr"/>
             <a:r>
-              <a:rPr lang="ko-KR" altLang="en-US" smtClean="0">
+              <a:rPr lang="en-US" altLang="ko-KR" dirty="0" smtClean="0">
                 <a:latin typeface="210 맨발의청춘 B" panose="02020603020101020101" pitchFamily="18" charset="-127"/>
                 <a:ea typeface="210 맨발의청춘 B" panose="02020603020101020101" pitchFamily="18" charset="-127"/>
               </a:rPr>
-              <a:t>처리 구조</a:t>
+              <a:t>Scene Flow</a:t>
             </a:r>
             <a:endParaRPr lang="ko-KR" altLang="en-US" dirty="0">
               <a:latin typeface="210 맨발의청춘 B" panose="02020603020101020101" pitchFamily="18" charset="-127"/>
@@ -5013,57 +5028,7 @@
       </p:sp>
       <p:sp>
         <p:nvSpPr>
-          <p:cNvPr id="11" name="TextBox 10"/>
-          <p:cNvSpPr txBox="1"/>
-          <p:nvPr/>
-        </p:nvSpPr>
-        <p:spPr>
-          <a:xfrm>
-            <a:off x="1417153" y="6609769"/>
-            <a:ext cx="585417" cy="276999"/>
-          </a:xfrm>
-          <a:prstGeom prst="rect">
-            <a:avLst/>
-          </a:prstGeom>
-          <a:noFill/>
-        </p:spPr>
-        <p:txBody>
-          <a:bodyPr wrap="none" rtlCol="0">
-            <a:spAutoFit/>
-          </a:bodyPr>
-          <a:lstStyle/>
-          <a:p>
-            <a:r>
-              <a:rPr lang="en-US" altLang="ko-KR" sz="1200" dirty="0" smtClean="0">
-                <a:latin typeface="210 맨발의청춘 L" panose="02020603020101020101" pitchFamily="18" charset="-127"/>
-                <a:ea typeface="210 맨발의청춘 L" panose="02020603020101020101" pitchFamily="18" charset="-127"/>
-              </a:rPr>
-              <a:t>[</a:t>
-            </a:r>
-            <a:r>
-              <a:rPr lang="ko-KR" altLang="en-US" sz="1200" dirty="0" smtClean="0">
-                <a:latin typeface="210 맨발의청춘 L" panose="02020603020101020101" pitchFamily="18" charset="-127"/>
-                <a:ea typeface="210 맨발의청춘 L" panose="02020603020101020101" pitchFamily="18" charset="-127"/>
-              </a:rPr>
-              <a:t>메인</a:t>
-            </a:r>
-            <a:r>
-              <a:rPr lang="en-US" altLang="ko-KR" sz="1200" dirty="0" smtClean="0">
-                <a:latin typeface="210 맨발의청춘 L" panose="02020603020101020101" pitchFamily="18" charset="-127"/>
-                <a:ea typeface="210 맨발의청춘 L" panose="02020603020101020101" pitchFamily="18" charset="-127"/>
-              </a:rPr>
-              <a:t>]</a:t>
-            </a:r>
-            <a:endParaRPr lang="ko-KR" altLang="en-US" sz="1200" dirty="0">
-              <a:latin typeface="210 맨발의청춘 L" panose="02020603020101020101" pitchFamily="18" charset="-127"/>
-              <a:ea typeface="210 맨발의청춘 L" panose="02020603020101020101" pitchFamily="18" charset="-127"/>
-            </a:endParaRPr>
-          </a:p>
-        </p:txBody>
-      </p:sp>
-      <p:sp>
-        <p:nvSpPr>
-          <p:cNvPr id="25" name="직사각형 24"/>
+          <p:cNvPr id="10" name="직사각형 9"/>
           <p:cNvSpPr>
             <a:spLocks noChangeAspect="1"/>
           </p:cNvSpPr>
@@ -5071,19 +5036,19 @@
         </p:nvSpPr>
         <p:spPr>
           <a:xfrm>
-            <a:off x="2116744" y="1481537"/>
-            <a:ext cx="1113786" cy="1980065"/>
+            <a:off x="201831" y="849769"/>
+            <a:ext cx="3239998" cy="5760000"/>
           </a:xfrm>
           <a:prstGeom prst="rect">
             <a:avLst/>
           </a:prstGeom>
           <a:solidFill>
-            <a:schemeClr val="bg1"/>
+            <a:schemeClr val="bg1">
+              <a:lumMod val="95000"/>
+            </a:schemeClr>
           </a:solidFill>
-          <a:ln w="25400">
-            <a:solidFill>
-              <a:schemeClr val="tx1"/>
-            </a:solidFill>
+          <a:ln>
+            <a:noFill/>
           </a:ln>
         </p:spPr>
         <p:style>
@@ -5113,14 +5078,14 @@
       </p:sp>
       <p:sp>
         <p:nvSpPr>
-          <p:cNvPr id="26" name="TextBox 25"/>
+          <p:cNvPr id="11" name="TextBox 10"/>
           <p:cNvSpPr txBox="1"/>
           <p:nvPr/>
         </p:nvSpPr>
         <p:spPr>
           <a:xfrm>
-            <a:off x="2457071" y="2359813"/>
-            <a:ext cx="433132" cy="276999"/>
+            <a:off x="1417153" y="6609769"/>
+            <a:ext cx="585417" cy="276999"/>
           </a:xfrm>
           <a:prstGeom prst="rect">
             <a:avLst/>
@@ -5134,21 +5099,21 @@
           <a:lstStyle/>
           <a:p>
             <a:r>
-              <a:rPr lang="en-US" altLang="ko-KR" sz="1200" smtClean="0">
+              <a:rPr lang="en-US" altLang="ko-KR" sz="1200" dirty="0" smtClean="0">
                 <a:latin typeface="210 맨발의청춘 L" panose="02020603020101020101" pitchFamily="18" charset="-127"/>
                 <a:ea typeface="210 맨발의청춘 L" panose="02020603020101020101" pitchFamily="18" charset="-127"/>
               </a:rPr>
               <a:t>[</a:t>
             </a:r>
             <a:r>
-              <a:rPr lang="ko-KR" altLang="en-US" sz="1200">
+              <a:rPr lang="ko-KR" altLang="en-US" sz="1200" dirty="0" smtClean="0">
                 <a:latin typeface="210 맨발의청춘 L" panose="02020603020101020101" pitchFamily="18" charset="-127"/>
                 <a:ea typeface="210 맨발의청춘 L" panose="02020603020101020101" pitchFamily="18" charset="-127"/>
               </a:rPr>
-              <a:t>앱</a:t>
-            </a:r>
-            <a:r>
-              <a:rPr lang="en-US" altLang="ko-KR" sz="1200" smtClean="0">
+              <a:t>메인</a:t>
+            </a:r>
+            <a:r>
+              <a:rPr lang="en-US" altLang="ko-KR" sz="1200" dirty="0" smtClean="0">
                 <a:latin typeface="210 맨발의청춘 L" panose="02020603020101020101" pitchFamily="18" charset="-127"/>
                 <a:ea typeface="210 맨발의청춘 L" panose="02020603020101020101" pitchFamily="18" charset="-127"/>
               </a:rPr>
@@ -5161,66 +5126,20 @@
           </a:p>
         </p:txBody>
       </p:sp>
-      <p:cxnSp>
-        <p:nvCxnSpPr>
-          <p:cNvPr id="27" name="직선 화살표 연결선 26"/>
-          <p:cNvCxnSpPr/>
-          <p:nvPr/>
-        </p:nvCxnSpPr>
-        <p:spPr>
-          <a:xfrm>
-            <a:off x="3342710" y="1898647"/>
-            <a:ext cx="1067252" cy="0"/>
-          </a:xfrm>
-          <a:prstGeom prst="straightConnector1">
-            <a:avLst/>
-          </a:prstGeom>
-          <a:ln>
-            <a:solidFill>
-              <a:schemeClr val="tx1"/>
-            </a:solidFill>
-            <a:tailEnd type="triangle"/>
-          </a:ln>
-        </p:spPr>
-        <p:style>
-          <a:lnRef idx="1">
-            <a:schemeClr val="accent1"/>
-          </a:lnRef>
-          <a:fillRef idx="0">
-            <a:schemeClr val="accent1"/>
-          </a:fillRef>
-          <a:effectRef idx="0">
-            <a:schemeClr val="accent1"/>
-          </a:effectRef>
-          <a:fontRef idx="minor">
-            <a:schemeClr val="tx1"/>
-          </a:fontRef>
-        </p:style>
-      </p:cxnSp>
-      <p:sp>
-        <p:nvSpPr>
-          <p:cNvPr id="28" name="직사각형 27"/>
-          <p:cNvSpPr>
-            <a:spLocks noChangeAspect="1"/>
-          </p:cNvSpPr>
-          <p:nvPr/>
-        </p:nvSpPr>
-        <p:spPr>
-          <a:xfrm>
-            <a:off x="4478139" y="1399862"/>
-            <a:ext cx="1009227" cy="997572"/>
-          </a:xfrm>
-          <a:prstGeom prst="rect">
-            <a:avLst/>
-          </a:prstGeom>
-          <a:solidFill>
-            <a:schemeClr val="bg1"/>
-          </a:solidFill>
-          <a:ln w="25400">
-            <a:solidFill>
-              <a:schemeClr val="tx1"/>
-            </a:solidFill>
-          </a:ln>
+      <p:sp>
+        <p:nvSpPr>
+          <p:cNvPr id="39" name="직사각형 38"/>
+          <p:cNvSpPr/>
+          <p:nvPr/>
+        </p:nvSpPr>
+        <p:spPr>
+          <a:xfrm>
+            <a:off x="3974841" y="4435125"/>
+            <a:ext cx="2858511" cy="1238496"/>
+          </a:xfrm>
+          <a:prstGeom prst="rect">
+            <a:avLst/>
+          </a:prstGeom>
         </p:spPr>
         <p:style>
           <a:lnRef idx="2">
@@ -5249,180 +5168,34 @@
       </p:sp>
       <p:sp>
         <p:nvSpPr>
-          <p:cNvPr id="29" name="TextBox 28"/>
-          <p:cNvSpPr txBox="1"/>
-          <p:nvPr/>
-        </p:nvSpPr>
-        <p:spPr>
-          <a:xfrm>
-            <a:off x="4685351" y="1760148"/>
-            <a:ext cx="562976" cy="276999"/>
-          </a:xfrm>
-          <a:prstGeom prst="rect">
-            <a:avLst/>
-          </a:prstGeom>
-          <a:noFill/>
-        </p:spPr>
-        <p:txBody>
-          <a:bodyPr wrap="none" rtlCol="0">
-            <a:spAutoFit/>
-          </a:bodyPr>
-          <a:lstStyle/>
-          <a:p>
-            <a:pPr algn="ctr"/>
-            <a:r>
-              <a:rPr lang="en-US" altLang="ko-KR" sz="1200" smtClean="0">
-                <a:latin typeface="210 맨발의청춘 L" panose="02020603020101020101" pitchFamily="18" charset="-127"/>
-                <a:ea typeface="210 맨발의청춘 L" panose="02020603020101020101" pitchFamily="18" charset="-127"/>
-              </a:rPr>
-              <a:t>[</a:t>
-            </a:r>
-            <a:r>
-              <a:rPr lang="ko-KR" altLang="en-US" sz="1200" smtClean="0">
-                <a:latin typeface="210 맨발의청춘 L" panose="02020603020101020101" pitchFamily="18" charset="-127"/>
-                <a:ea typeface="210 맨발의청춘 L" panose="02020603020101020101" pitchFamily="18" charset="-127"/>
-              </a:rPr>
-              <a:t>서버</a:t>
-            </a:r>
-            <a:r>
-              <a:rPr lang="en-US" altLang="ko-KR" sz="1200" smtClean="0">
-                <a:latin typeface="210 맨발의청춘 L" panose="02020603020101020101" pitchFamily="18" charset="-127"/>
-                <a:ea typeface="210 맨발의청춘 L" panose="02020603020101020101" pitchFamily="18" charset="-127"/>
-              </a:rPr>
-              <a:t>]</a:t>
-            </a:r>
-            <a:endParaRPr lang="ko-KR" altLang="en-US" sz="1200" dirty="0">
-              <a:latin typeface="210 맨발의청춘 L" panose="02020603020101020101" pitchFamily="18" charset="-127"/>
-              <a:ea typeface="210 맨발의청춘 L" panose="02020603020101020101" pitchFamily="18" charset="-127"/>
-            </a:endParaRPr>
-          </a:p>
-        </p:txBody>
-      </p:sp>
-      <p:sp>
-        <p:nvSpPr>
-          <p:cNvPr id="31" name="TextBox 30"/>
-          <p:cNvSpPr txBox="1"/>
-          <p:nvPr/>
-        </p:nvSpPr>
-        <p:spPr>
-          <a:xfrm>
-            <a:off x="3505520" y="1606761"/>
-            <a:ext cx="697628" cy="276999"/>
-          </a:xfrm>
-          <a:prstGeom prst="rect">
-            <a:avLst/>
-          </a:prstGeom>
-          <a:noFill/>
-        </p:spPr>
-        <p:txBody>
-          <a:bodyPr wrap="none" rtlCol="0">
-            <a:spAutoFit/>
-          </a:bodyPr>
-          <a:lstStyle/>
-          <a:p>
-            <a:pPr algn="ctr"/>
-            <a:r>
-              <a:rPr lang="en-US" altLang="ko-KR" sz="1200" smtClean="0">
-                <a:latin typeface="210 맨발의청춘 L" panose="02020603020101020101" pitchFamily="18" charset="-127"/>
-                <a:ea typeface="210 맨발의청춘 L" panose="02020603020101020101" pitchFamily="18" charset="-127"/>
-              </a:rPr>
-              <a:t>[</a:t>
-            </a:r>
-            <a:r>
-              <a:rPr lang="ko-KR" altLang="en-US" sz="1200" smtClean="0">
-                <a:latin typeface="210 맨발의청춘 L" panose="02020603020101020101" pitchFamily="18" charset="-127"/>
-                <a:ea typeface="210 맨발의청춘 L" panose="02020603020101020101" pitchFamily="18" charset="-127"/>
-              </a:rPr>
-              <a:t>로그인</a:t>
-            </a:r>
-            <a:r>
-              <a:rPr lang="en-US" altLang="ko-KR" sz="1200" smtClean="0">
-                <a:latin typeface="210 맨발의청춘 L" panose="02020603020101020101" pitchFamily="18" charset="-127"/>
-                <a:ea typeface="210 맨발의청춘 L" panose="02020603020101020101" pitchFamily="18" charset="-127"/>
-              </a:rPr>
-              <a:t>]</a:t>
-            </a:r>
-            <a:endParaRPr lang="ko-KR" altLang="en-US" sz="1200" dirty="0">
-              <a:latin typeface="210 맨발의청춘 L" panose="02020603020101020101" pitchFamily="18" charset="-127"/>
-              <a:ea typeface="210 맨발의청춘 L" panose="02020603020101020101" pitchFamily="18" charset="-127"/>
-            </a:endParaRPr>
-          </a:p>
-        </p:txBody>
-      </p:sp>
-      <p:sp>
-        <p:nvSpPr>
-          <p:cNvPr id="34" name="TextBox 33"/>
-          <p:cNvSpPr txBox="1"/>
-          <p:nvPr/>
-        </p:nvSpPr>
-        <p:spPr>
-          <a:xfrm>
-            <a:off x="5809010" y="1606762"/>
-            <a:ext cx="813043" cy="276999"/>
-          </a:xfrm>
-          <a:prstGeom prst="rect">
-            <a:avLst/>
-          </a:prstGeom>
-          <a:noFill/>
-        </p:spPr>
-        <p:txBody>
-          <a:bodyPr wrap="none" rtlCol="0">
-            <a:spAutoFit/>
-          </a:bodyPr>
-          <a:lstStyle/>
-          <a:p>
-            <a:pPr algn="ctr"/>
-            <a:r>
-              <a:rPr lang="en-US" altLang="ko-KR" sz="1200" smtClean="0">
-                <a:latin typeface="210 맨발의청춘 L" panose="02020603020101020101" pitchFamily="18" charset="-127"/>
-                <a:ea typeface="210 맨발의청춘 L" panose="02020603020101020101" pitchFamily="18" charset="-127"/>
-              </a:rPr>
-              <a:t>[</a:t>
-            </a:r>
-            <a:r>
-              <a:rPr lang="ko-KR" altLang="en-US" sz="1200" smtClean="0">
-                <a:latin typeface="210 맨발의청춘 L" panose="02020603020101020101" pitchFamily="18" charset="-127"/>
-                <a:ea typeface="210 맨발의청춘 L" panose="02020603020101020101" pitchFamily="18" charset="-127"/>
-              </a:rPr>
-              <a:t>스레드 </a:t>
-            </a:r>
-            <a:r>
-              <a:rPr lang="en-US" altLang="ko-KR" sz="1200" smtClean="0">
-                <a:latin typeface="210 맨발의청춘 L" panose="02020603020101020101" pitchFamily="18" charset="-127"/>
-                <a:ea typeface="210 맨발의청춘 L" panose="02020603020101020101" pitchFamily="18" charset="-127"/>
-              </a:rPr>
-              <a:t>1]</a:t>
-            </a:r>
-            <a:endParaRPr lang="ko-KR" altLang="en-US" sz="1200" dirty="0">
-              <a:latin typeface="210 맨발의청춘 L" panose="02020603020101020101" pitchFamily="18" charset="-127"/>
-              <a:ea typeface="210 맨발의청춘 L" panose="02020603020101020101" pitchFamily="18" charset="-127"/>
-            </a:endParaRPr>
-          </a:p>
-        </p:txBody>
-      </p:sp>
-      <p:sp>
-        <p:nvSpPr>
-          <p:cNvPr id="35" name="직사각형 34"/>
-          <p:cNvSpPr>
-            <a:spLocks noChangeAspect="1"/>
-          </p:cNvSpPr>
-          <p:nvPr/>
-        </p:nvSpPr>
-        <p:spPr>
-          <a:xfrm>
-            <a:off x="6878455" y="1392344"/>
-            <a:ext cx="1113786" cy="1022850"/>
-          </a:xfrm>
-          <a:prstGeom prst="rect">
-            <a:avLst/>
-          </a:prstGeom>
-          <a:solidFill>
-            <a:schemeClr val="bg1"/>
-          </a:solidFill>
-          <a:ln w="25400">
-            <a:solidFill>
-              <a:schemeClr val="tx1"/>
-            </a:solidFill>
+          <p:cNvPr id="43" name="직사각형 42"/>
+          <p:cNvSpPr/>
+          <p:nvPr/>
+        </p:nvSpPr>
+        <p:spPr>
+          <a:xfrm>
+            <a:off x="201831" y="849769"/>
+            <a:ext cx="3239998" cy="1440000"/>
+          </a:xfrm>
+          <a:prstGeom prst="rect">
+            <a:avLst/>
+          </a:prstGeom>
+          <a:gradFill flip="none" rotWithShape="1">
+            <a:gsLst>
+              <a:gs pos="0">
+                <a:srgbClr val="21B0E2">
+                  <a:alpha val="85000"/>
+                </a:srgbClr>
+              </a:gs>
+              <a:gs pos="40000">
+                <a:srgbClr val="0BA7DA"/>
+              </a:gs>
+            </a:gsLst>
+            <a:lin ang="10800000" scaled="1"/>
+            <a:tileRect/>
+          </a:gradFill>
+          <a:ln>
+            <a:noFill/>
           </a:ln>
         </p:spPr>
         <p:style>
@@ -5452,27 +5225,34 @@
       </p:sp>
       <p:sp>
         <p:nvSpPr>
-          <p:cNvPr id="36" name="직사각형 35"/>
-          <p:cNvSpPr>
-            <a:spLocks noChangeAspect="1"/>
-          </p:cNvSpPr>
-          <p:nvPr/>
-        </p:nvSpPr>
-        <p:spPr>
-          <a:xfrm>
-            <a:off x="4466944" y="2714877"/>
-            <a:ext cx="1020422" cy="923377"/>
-          </a:xfrm>
-          <a:prstGeom prst="rect">
-            <a:avLst/>
-          </a:prstGeom>
-          <a:solidFill>
-            <a:schemeClr val="bg1"/>
-          </a:solidFill>
-          <a:ln w="25400">
-            <a:solidFill>
-              <a:schemeClr val="tx1"/>
-            </a:solidFill>
+          <p:cNvPr id="44" name="직사각형 43"/>
+          <p:cNvSpPr/>
+          <p:nvPr/>
+        </p:nvSpPr>
+        <p:spPr>
+          <a:xfrm>
+            <a:off x="201831" y="2289769"/>
+            <a:ext cx="3239998" cy="1425356"/>
+          </a:xfrm>
+          <a:prstGeom prst="rect">
+            <a:avLst/>
+          </a:prstGeom>
+          <a:gradFill flip="none" rotWithShape="1">
+            <a:gsLst>
+              <a:gs pos="0">
+                <a:srgbClr val="5557AA">
+                  <a:alpha val="85000"/>
+                </a:srgbClr>
+              </a:gs>
+              <a:gs pos="40000">
+                <a:srgbClr val="5153AA"/>
+              </a:gs>
+            </a:gsLst>
+            <a:lin ang="10800000" scaled="1"/>
+            <a:tileRect/>
+          </a:gradFill>
+          <a:ln>
+            <a:noFill/>
           </a:ln>
         </p:spPr>
         <p:style>
@@ -5502,129 +5282,34 @@
       </p:sp>
       <p:sp>
         <p:nvSpPr>
-          <p:cNvPr id="38" name="TextBox 37"/>
-          <p:cNvSpPr txBox="1"/>
-          <p:nvPr/>
-        </p:nvSpPr>
-        <p:spPr>
-          <a:xfrm>
-            <a:off x="7081725" y="1791807"/>
-            <a:ext cx="707245" cy="276999"/>
-          </a:xfrm>
-          <a:prstGeom prst="rect">
-            <a:avLst/>
-          </a:prstGeom>
-          <a:noFill/>
-        </p:spPr>
-        <p:txBody>
-          <a:bodyPr wrap="none" rtlCol="0">
-            <a:spAutoFit/>
-          </a:bodyPr>
-          <a:lstStyle/>
-          <a:p>
-            <a:pPr algn="ctr"/>
-            <a:r>
-              <a:rPr lang="en-US" altLang="ko-KR" sz="1200" smtClean="0">
-                <a:latin typeface="210 맨발의청춘 L" panose="02020603020101020101" pitchFamily="18" charset="-127"/>
-                <a:ea typeface="210 맨발의청춘 L" panose="02020603020101020101" pitchFamily="18" charset="-127"/>
-              </a:rPr>
-              <a:t>[</a:t>
-            </a:r>
-            <a:r>
-              <a:rPr lang="ko-KR" altLang="en-US" sz="1200" smtClean="0">
-                <a:latin typeface="210 맨발의청춘 L" panose="02020603020101020101" pitchFamily="18" charset="-127"/>
-                <a:ea typeface="210 맨발의청춘 L" panose="02020603020101020101" pitchFamily="18" charset="-127"/>
-              </a:rPr>
-              <a:t>커맨드</a:t>
-            </a:r>
-            <a:r>
-              <a:rPr lang="en-US" altLang="ko-KR" sz="1200" smtClean="0">
-                <a:latin typeface="210 맨발의청춘 L" panose="02020603020101020101" pitchFamily="18" charset="-127"/>
-                <a:ea typeface="210 맨발의청춘 L" panose="02020603020101020101" pitchFamily="18" charset="-127"/>
-              </a:rPr>
-              <a:t>]</a:t>
-            </a:r>
-            <a:endParaRPr lang="ko-KR" altLang="en-US" sz="1200" dirty="0">
-              <a:latin typeface="210 맨발의청춘 L" panose="02020603020101020101" pitchFamily="18" charset="-127"/>
-              <a:ea typeface="210 맨발의청춘 L" panose="02020603020101020101" pitchFamily="18" charset="-127"/>
-            </a:endParaRPr>
-          </a:p>
-        </p:txBody>
-      </p:sp>
-      <p:sp>
-        <p:nvSpPr>
-          <p:cNvPr id="40" name="TextBox 39"/>
-          <p:cNvSpPr txBox="1"/>
-          <p:nvPr/>
-        </p:nvSpPr>
-        <p:spPr>
-          <a:xfrm>
-            <a:off x="4565022" y="3038065"/>
-            <a:ext cx="824265" cy="276999"/>
-          </a:xfrm>
-          <a:prstGeom prst="rect">
-            <a:avLst/>
-          </a:prstGeom>
-          <a:noFill/>
-        </p:spPr>
-        <p:txBody>
-          <a:bodyPr wrap="none" rtlCol="0">
-            <a:spAutoFit/>
-          </a:bodyPr>
-          <a:lstStyle/>
-          <a:p>
-            <a:pPr algn="ctr"/>
-            <a:r>
-              <a:rPr lang="en-US" altLang="ko-KR" sz="1200" smtClean="0">
-                <a:latin typeface="210 맨발의청춘 L" panose="02020603020101020101" pitchFamily="18" charset="-127"/>
-                <a:ea typeface="210 맨발의청춘 L" panose="02020603020101020101" pitchFamily="18" charset="-127"/>
-              </a:rPr>
-              <a:t>[</a:t>
-            </a:r>
-            <a:r>
-              <a:rPr lang="ko-KR" altLang="en-US" sz="1200" smtClean="0">
-                <a:latin typeface="210 맨발의청춘 L" panose="02020603020101020101" pitchFamily="18" charset="-127"/>
-                <a:ea typeface="210 맨발의청춘 L" panose="02020603020101020101" pitchFamily="18" charset="-127"/>
-              </a:rPr>
-              <a:t>푸시서버</a:t>
-            </a:r>
-            <a:r>
-              <a:rPr lang="en-US" altLang="ko-KR" sz="1200" smtClean="0">
-                <a:latin typeface="210 맨발의청춘 L" panose="02020603020101020101" pitchFamily="18" charset="-127"/>
-                <a:ea typeface="210 맨발의청춘 L" panose="02020603020101020101" pitchFamily="18" charset="-127"/>
-              </a:rPr>
-              <a:t>]</a:t>
-            </a:r>
-            <a:endParaRPr lang="ko-KR" altLang="en-US" sz="1200" dirty="0">
-              <a:latin typeface="210 맨발의청춘 L" panose="02020603020101020101" pitchFamily="18" charset="-127"/>
-              <a:ea typeface="210 맨발의청춘 L" panose="02020603020101020101" pitchFamily="18" charset="-127"/>
-            </a:endParaRPr>
-          </a:p>
-        </p:txBody>
-      </p:sp>
-      <p:sp>
-        <p:nvSpPr>
-          <p:cNvPr id="42" name="직사각형 41"/>
-          <p:cNvSpPr>
-            <a:spLocks noChangeAspect="1"/>
-          </p:cNvSpPr>
-          <p:nvPr/>
-        </p:nvSpPr>
-        <p:spPr>
-          <a:xfrm>
-            <a:off x="9455401" y="1392344"/>
-            <a:ext cx="1113786" cy="1022850"/>
-          </a:xfrm>
-          <a:prstGeom prst="rect">
-            <a:avLst/>
-          </a:prstGeom>
-          <a:solidFill>
-            <a:schemeClr val="bg1"/>
-          </a:solidFill>
-          <a:ln w="25400">
-            <a:solidFill>
-              <a:schemeClr val="tx1"/>
-            </a:solidFill>
+          <p:cNvPr id="46" name="직사각형 45"/>
+          <p:cNvSpPr/>
+          <p:nvPr/>
+        </p:nvSpPr>
+        <p:spPr>
+          <a:xfrm>
+            <a:off x="201831" y="3715125"/>
+            <a:ext cx="3239998" cy="1440000"/>
+          </a:xfrm>
+          <a:prstGeom prst="rect">
+            <a:avLst/>
+          </a:prstGeom>
+          <a:gradFill flip="none" rotWithShape="1">
+            <a:gsLst>
+              <a:gs pos="0">
+                <a:srgbClr val="E979BF">
+                  <a:alpha val="85000"/>
+                </a:srgbClr>
+              </a:gs>
+              <a:gs pos="40000">
+                <a:srgbClr val="E878C0"/>
+              </a:gs>
+            </a:gsLst>
+            <a:lin ang="10800000" scaled="1"/>
+            <a:tileRect/>
+          </a:gradFill>
+          <a:ln>
+            <a:noFill/>
           </a:ln>
         </p:spPr>
         <p:style>
@@ -5654,14 +5339,71 @@
       </p:sp>
       <p:sp>
         <p:nvSpPr>
-          <p:cNvPr id="45" name="TextBox 44"/>
+          <p:cNvPr id="49" name="직사각형 48"/>
+          <p:cNvSpPr/>
+          <p:nvPr/>
+        </p:nvSpPr>
+        <p:spPr>
+          <a:xfrm>
+            <a:off x="201831" y="5155125"/>
+            <a:ext cx="3239998" cy="1410712"/>
+          </a:xfrm>
+          <a:prstGeom prst="rect">
+            <a:avLst/>
+          </a:prstGeom>
+          <a:gradFill flip="none" rotWithShape="1">
+            <a:gsLst>
+              <a:gs pos="0">
+                <a:srgbClr val="F2684C">
+                  <a:alpha val="85000"/>
+                </a:srgbClr>
+              </a:gs>
+              <a:gs pos="40000">
+                <a:srgbClr val="F46A4E"/>
+              </a:gs>
+            </a:gsLst>
+            <a:lin ang="10800000" scaled="1"/>
+            <a:tileRect/>
+          </a:gradFill>
+          <a:ln>
+            <a:noFill/>
+          </a:ln>
+        </p:spPr>
+        <p:style>
+          <a:lnRef idx="2">
+            <a:schemeClr val="accent1">
+              <a:shade val="50000"/>
+            </a:schemeClr>
+          </a:lnRef>
+          <a:fillRef idx="1">
+            <a:schemeClr val="accent1"/>
+          </a:fillRef>
+          <a:effectRef idx="0">
+            <a:schemeClr val="accent1"/>
+          </a:effectRef>
+          <a:fontRef idx="minor">
+            <a:schemeClr val="lt1"/>
+          </a:fontRef>
+        </p:style>
+        <p:txBody>
+          <a:bodyPr rtlCol="0" anchor="ctr"/>
+          <a:lstStyle/>
+          <a:p>
+            <a:pPr algn="ctr"/>
+            <a:endParaRPr lang="ko-KR" altLang="en-US"/>
+          </a:p>
+        </p:txBody>
+      </p:sp>
+      <p:sp>
+        <p:nvSpPr>
+          <p:cNvPr id="51" name="TextBox 50"/>
           <p:cNvSpPr txBox="1"/>
           <p:nvPr/>
         </p:nvSpPr>
         <p:spPr>
           <a:xfrm>
-            <a:off x="9517607" y="1711302"/>
-            <a:ext cx="989374" cy="461665"/>
+            <a:off x="353246" y="954777"/>
+            <a:ext cx="1741182" cy="523220"/>
           </a:xfrm>
           <a:prstGeom prst="rect">
             <a:avLst/>
@@ -5674,132 +5416,36 @@
           </a:bodyPr>
           <a:lstStyle/>
           <a:p>
-            <a:pPr algn="ctr"/>
-            <a:r>
-              <a:rPr lang="en-US" altLang="ko-KR" sz="1200" smtClean="0">
-                <a:latin typeface="210 맨발의청춘 L" panose="02020603020101020101" pitchFamily="18" charset="-127"/>
-                <a:ea typeface="210 맨발의청춘 L" panose="02020603020101020101" pitchFamily="18" charset="-127"/>
-              </a:rPr>
-              <a:t>[</a:t>
-            </a:r>
-            <a:r>
-              <a:rPr lang="ko-KR" altLang="en-US" sz="1200" smtClean="0">
-                <a:latin typeface="210 맨발의청춘 L" panose="02020603020101020101" pitchFamily="18" charset="-127"/>
-                <a:ea typeface="210 맨발의청춘 L" panose="02020603020101020101" pitchFamily="18" charset="-127"/>
-              </a:rPr>
-              <a:t>백그라운드</a:t>
-            </a:r>
-            <a:r>
-              <a:rPr lang="en-US" altLang="ko-KR" sz="1200">
-                <a:latin typeface="210 맨발의청춘 L" panose="02020603020101020101" pitchFamily="18" charset="-127"/>
-                <a:ea typeface="210 맨발의청춘 L" panose="02020603020101020101" pitchFamily="18" charset="-127"/>
-              </a:rPr>
-              <a:t>]</a:t>
-            </a:r>
-            <a:endParaRPr lang="en-US" altLang="ko-KR" sz="1200" smtClean="0">
-              <a:latin typeface="210 맨발의청춘 L" panose="02020603020101020101" pitchFamily="18" charset="-127"/>
-              <a:ea typeface="210 맨발의청춘 L" panose="02020603020101020101" pitchFamily="18" charset="-127"/>
+            <a:r>
+              <a:rPr lang="ko-KR" altLang="en-US" sz="2800" dirty="0" smtClean="0">
+                <a:solidFill>
+                  <a:schemeClr val="bg1"/>
+                </a:solidFill>
+                <a:latin typeface="HY울릉도M" panose="02030600000101010101" pitchFamily="18" charset="-127"/>
+                <a:ea typeface="HY울릉도M" panose="02030600000101010101" pitchFamily="18" charset="-127"/>
+              </a:rPr>
+              <a:t>가상 면접</a:t>
+            </a:r>
+            <a:endParaRPr lang="ko-KR" altLang="en-US" sz="2800" dirty="0">
+              <a:solidFill>
+                <a:schemeClr val="bg1"/>
+              </a:solidFill>
+              <a:latin typeface="HY울릉도M" panose="02030600000101010101" pitchFamily="18" charset="-127"/>
+              <a:ea typeface="HY울릉도M" panose="02030600000101010101" pitchFamily="18" charset="-127"/>
             </a:endParaRPr>
           </a:p>
-          <a:p>
-            <a:pPr algn="ctr"/>
-            <a:r>
-              <a:rPr lang="ko-KR" altLang="en-US" sz="1200" smtClean="0">
-                <a:latin typeface="210 맨발의청춘 L" panose="02020603020101020101" pitchFamily="18" charset="-127"/>
-                <a:ea typeface="210 맨발의청춘 L" panose="02020603020101020101" pitchFamily="18" charset="-127"/>
-              </a:rPr>
-              <a:t>엔진</a:t>
-            </a:r>
-            <a:endParaRPr lang="ko-KR" altLang="en-US" sz="1200" dirty="0">
-              <a:latin typeface="210 맨발의청춘 L" panose="02020603020101020101" pitchFamily="18" charset="-127"/>
-              <a:ea typeface="210 맨발의청춘 L" panose="02020603020101020101" pitchFamily="18" charset="-127"/>
-            </a:endParaRPr>
-          </a:p>
-        </p:txBody>
-      </p:sp>
-      <p:cxnSp>
-        <p:nvCxnSpPr>
-          <p:cNvPr id="5" name="직선 화살표 연결선 4"/>
-          <p:cNvCxnSpPr/>
-          <p:nvPr/>
-        </p:nvCxnSpPr>
-        <p:spPr>
-          <a:xfrm>
-            <a:off x="5690637" y="1930306"/>
-            <a:ext cx="1038533" cy="0"/>
-          </a:xfrm>
-          <a:prstGeom prst="straightConnector1">
-            <a:avLst/>
-          </a:prstGeom>
-          <a:ln>
-            <a:solidFill>
-              <a:schemeClr val="tx1"/>
-            </a:solidFill>
-            <a:headEnd type="triangle"/>
-            <a:tailEnd type="triangle"/>
-          </a:ln>
-        </p:spPr>
-        <p:style>
-          <a:lnRef idx="1">
-            <a:schemeClr val="accent1"/>
-          </a:lnRef>
-          <a:fillRef idx="0">
-            <a:schemeClr val="accent1"/>
-          </a:fillRef>
-          <a:effectRef idx="0">
-            <a:schemeClr val="accent1"/>
-          </a:effectRef>
-          <a:fontRef idx="minor">
-            <a:schemeClr val="tx1"/>
-          </a:fontRef>
-        </p:style>
-      </p:cxnSp>
-      <p:cxnSp>
-        <p:nvCxnSpPr>
-          <p:cNvPr id="15" name="직선 화살표 연결선 14"/>
-          <p:cNvCxnSpPr/>
-          <p:nvPr/>
-        </p:nvCxnSpPr>
-        <p:spPr>
-          <a:xfrm>
-            <a:off x="8095748" y="1926553"/>
-            <a:ext cx="1173018" cy="0"/>
-          </a:xfrm>
-          <a:prstGeom prst="straightConnector1">
-            <a:avLst/>
-          </a:prstGeom>
-          <a:ln>
-            <a:solidFill>
-              <a:schemeClr val="tx1"/>
-            </a:solidFill>
-            <a:tailEnd type="triangle"/>
-          </a:ln>
-        </p:spPr>
-        <p:style>
-          <a:lnRef idx="1">
-            <a:schemeClr val="accent1"/>
-          </a:lnRef>
-          <a:fillRef idx="0">
-            <a:schemeClr val="accent1"/>
-          </a:fillRef>
-          <a:effectRef idx="0">
-            <a:schemeClr val="accent1"/>
-          </a:effectRef>
-          <a:fontRef idx="minor">
-            <a:schemeClr val="tx1"/>
-          </a:fontRef>
-        </p:style>
-      </p:cxnSp>
-      <p:sp>
-        <p:nvSpPr>
-          <p:cNvPr id="56" name="TextBox 55"/>
+        </p:txBody>
+      </p:sp>
+      <p:sp>
+        <p:nvSpPr>
+          <p:cNvPr id="52" name="TextBox 51"/>
           <p:cNvSpPr txBox="1"/>
           <p:nvPr/>
         </p:nvSpPr>
         <p:spPr>
           <a:xfrm>
-            <a:off x="8311803" y="1535054"/>
-            <a:ext cx="740908" cy="276999"/>
+            <a:off x="253635" y="1476459"/>
+            <a:ext cx="2130711" cy="645818"/>
           </a:xfrm>
           <a:prstGeom prst="rect">
             <a:avLst/>
@@ -5812,153 +5458,115 @@
           </a:bodyPr>
           <a:lstStyle/>
           <a:p>
-            <a:pPr algn="ctr"/>
-            <a:r>
-              <a:rPr lang="en-US" altLang="ko-KR" sz="1200" smtClean="0">
-                <a:latin typeface="210 맨발의청춘 L" panose="02020603020101020101" pitchFamily="18" charset="-127"/>
-                <a:ea typeface="210 맨발의청춘 L" panose="02020603020101020101" pitchFamily="18" charset="-127"/>
-              </a:rPr>
-              <a:t>[</a:t>
-            </a:r>
-            <a:r>
-              <a:rPr lang="ko-KR" altLang="en-US" sz="1200" smtClean="0">
-                <a:latin typeface="210 맨발의청춘 L" panose="02020603020101020101" pitchFamily="18" charset="-127"/>
-                <a:ea typeface="210 맨발의청춘 L" panose="02020603020101020101" pitchFamily="18" charset="-127"/>
-              </a:rPr>
-              <a:t>대기 큐</a:t>
-            </a:r>
-            <a:r>
-              <a:rPr lang="en-US" altLang="ko-KR" sz="1200" smtClean="0">
-                <a:latin typeface="210 맨발의청춘 L" panose="02020603020101020101" pitchFamily="18" charset="-127"/>
-                <a:ea typeface="210 맨발의청춘 L" panose="02020603020101020101" pitchFamily="18" charset="-127"/>
-              </a:rPr>
-              <a:t>]</a:t>
-            </a:r>
-            <a:endParaRPr lang="ko-KR" altLang="en-US" sz="1200" dirty="0">
-              <a:latin typeface="210 맨발의청춘 L" panose="02020603020101020101" pitchFamily="18" charset="-127"/>
-              <a:ea typeface="210 맨발의청춘 L" panose="02020603020101020101" pitchFamily="18" charset="-127"/>
+            <a:pPr algn="r">
+              <a:lnSpc>
+                <a:spcPct val="150000"/>
+              </a:lnSpc>
+            </a:pPr>
+            <a:r>
+              <a:rPr lang="en-US" altLang="ko-KR" sz="1300" dirty="0" smtClean="0">
+                <a:solidFill>
+                  <a:schemeClr val="bg1"/>
+                </a:solidFill>
+                <a:latin typeface="HY울릉도M" panose="02030600000101010101" pitchFamily="18" charset="-127"/>
+                <a:ea typeface="HY울릉도M" panose="02030600000101010101" pitchFamily="18" charset="-127"/>
+              </a:rPr>
+              <a:t>AI </a:t>
+            </a:r>
+            <a:r>
+              <a:rPr lang="ko-KR" altLang="en-US" sz="1300" dirty="0" err="1" smtClean="0">
+                <a:solidFill>
+                  <a:schemeClr val="bg1"/>
+                </a:solidFill>
+                <a:latin typeface="HY울릉도M" panose="02030600000101010101" pitchFamily="18" charset="-127"/>
+                <a:ea typeface="HY울릉도M" panose="02030600000101010101" pitchFamily="18" charset="-127"/>
+              </a:rPr>
+              <a:t>면접관과</a:t>
+            </a:r>
+            <a:r>
+              <a:rPr lang="ko-KR" altLang="en-US" sz="1300" dirty="0" smtClean="0">
+                <a:solidFill>
+                  <a:schemeClr val="bg1"/>
+                </a:solidFill>
+                <a:latin typeface="HY울릉도M" panose="02030600000101010101" pitchFamily="18" charset="-127"/>
+                <a:ea typeface="HY울릉도M" panose="02030600000101010101" pitchFamily="18" charset="-127"/>
+              </a:rPr>
+              <a:t> 함께</a:t>
+            </a:r>
+            <a:endParaRPr lang="en-US" altLang="ko-KR" sz="1300" dirty="0" smtClean="0">
+              <a:solidFill>
+                <a:schemeClr val="bg1"/>
+              </a:solidFill>
+              <a:latin typeface="HY울릉도M" panose="02030600000101010101" pitchFamily="18" charset="-127"/>
+              <a:ea typeface="HY울릉도M" panose="02030600000101010101" pitchFamily="18" charset="-127"/>
             </a:endParaRPr>
           </a:p>
-        </p:txBody>
-      </p:sp>
-      <p:cxnSp>
-        <p:nvCxnSpPr>
-          <p:cNvPr id="59" name="직선 화살표 연결선 58"/>
-          <p:cNvCxnSpPr/>
-          <p:nvPr/>
-        </p:nvCxnSpPr>
-        <p:spPr>
-          <a:xfrm flipH="1">
-            <a:off x="3322319" y="3145007"/>
-            <a:ext cx="1064029" cy="0"/>
-          </a:xfrm>
-          <a:prstGeom prst="straightConnector1">
-            <a:avLst/>
-          </a:prstGeom>
-          <a:ln>
-            <a:solidFill>
-              <a:schemeClr val="tx1"/>
-            </a:solidFill>
-            <a:tailEnd type="triangle"/>
-          </a:ln>
-        </p:spPr>
-        <p:style>
-          <a:lnRef idx="1">
-            <a:schemeClr val="accent1"/>
-          </a:lnRef>
-          <a:fillRef idx="0">
-            <a:schemeClr val="accent1"/>
-          </a:fillRef>
-          <a:effectRef idx="0">
-            <a:schemeClr val="accent1"/>
-          </a:effectRef>
-          <a:fontRef idx="minor">
-            <a:schemeClr val="tx1"/>
-          </a:fontRef>
-        </p:style>
-      </p:cxnSp>
-      <p:cxnSp>
-        <p:nvCxnSpPr>
-          <p:cNvPr id="21" name="직선 화살표 연결선 20"/>
-          <p:cNvCxnSpPr/>
-          <p:nvPr/>
-        </p:nvCxnSpPr>
-        <p:spPr>
-          <a:xfrm flipH="1">
-            <a:off x="5628141" y="3176564"/>
-            <a:ext cx="4321657" cy="0"/>
-          </a:xfrm>
-          <a:prstGeom prst="straightConnector1">
-            <a:avLst/>
-          </a:prstGeom>
-          <a:ln>
-            <a:solidFill>
-              <a:schemeClr val="tx1"/>
-            </a:solidFill>
-            <a:tailEnd type="triangle"/>
-          </a:ln>
-        </p:spPr>
-        <p:style>
-          <a:lnRef idx="1">
-            <a:schemeClr val="accent1"/>
-          </a:lnRef>
-          <a:fillRef idx="0">
-            <a:schemeClr val="accent1"/>
-          </a:fillRef>
-          <a:effectRef idx="0">
-            <a:schemeClr val="accent1"/>
-          </a:effectRef>
-          <a:fontRef idx="minor">
-            <a:schemeClr val="tx1"/>
-          </a:fontRef>
-        </p:style>
-      </p:cxnSp>
-      <p:cxnSp>
-        <p:nvCxnSpPr>
-          <p:cNvPr id="23" name="직선 화살표 연결선 22"/>
-          <p:cNvCxnSpPr/>
-          <p:nvPr/>
-        </p:nvCxnSpPr>
-        <p:spPr>
-          <a:xfrm>
-            <a:off x="9947564" y="2498312"/>
-            <a:ext cx="0" cy="678252"/>
-          </a:xfrm>
-          <a:prstGeom prst="straightConnector1">
-            <a:avLst/>
-          </a:prstGeom>
-          <a:ln>
-            <a:solidFill>
-              <a:schemeClr val="tx1"/>
-            </a:solidFill>
-            <a:tailEnd type="triangle"/>
-          </a:ln>
-        </p:spPr>
-        <p:style>
-          <a:lnRef idx="1">
-            <a:schemeClr val="accent1"/>
-          </a:lnRef>
-          <a:fillRef idx="0">
-            <a:schemeClr val="accent1"/>
-          </a:fillRef>
-          <a:effectRef idx="0">
-            <a:schemeClr val="accent1"/>
-          </a:effectRef>
-          <a:fontRef idx="minor">
-            <a:schemeClr val="tx1"/>
-          </a:fontRef>
-        </p:style>
-      </p:cxnSp>
-      <p:sp>
-        <p:nvSpPr>
-          <p:cNvPr id="66" name="TextBox 65"/>
+          <a:p>
+            <a:pPr algn="r">
+              <a:lnSpc>
+                <a:spcPct val="150000"/>
+              </a:lnSpc>
+            </a:pPr>
+            <a:r>
+              <a:rPr lang="ko-KR" altLang="en-US" sz="1300" dirty="0" smtClean="0">
+                <a:solidFill>
+                  <a:schemeClr val="bg1"/>
+                </a:solidFill>
+                <a:latin typeface="HY울릉도M" panose="02030600000101010101" pitchFamily="18" charset="-127"/>
+                <a:ea typeface="HY울릉도M" panose="02030600000101010101" pitchFamily="18" charset="-127"/>
+              </a:rPr>
+              <a:t>가상 면접을 시작해보세요</a:t>
+            </a:r>
+            <a:endParaRPr lang="en-US" altLang="ko-KR" sz="1300" dirty="0" smtClean="0">
+              <a:solidFill>
+                <a:schemeClr val="bg1"/>
+              </a:solidFill>
+              <a:latin typeface="HY울릉도M" panose="02030600000101010101" pitchFamily="18" charset="-127"/>
+              <a:ea typeface="HY울릉도M" panose="02030600000101010101" pitchFamily="18" charset="-127"/>
+            </a:endParaRPr>
+          </a:p>
+        </p:txBody>
+      </p:sp>
+      <p:pic>
+        <p:nvPicPr>
+          <p:cNvPr id="53" name="그림 52"/>
+          <p:cNvPicPr>
+            <a:picLocks noChangeAspect="1"/>
+          </p:cNvPicPr>
+          <p:nvPr/>
+        </p:nvPicPr>
+        <p:blipFill>
+          <a:blip r:embed="rId2" cstate="print">
+            <a:extLst>
+              <a:ext uri="{28A0092B-C50C-407E-A947-70E740481C1C}">
+                <a14:useLocalDpi xmlns:a14="http://schemas.microsoft.com/office/drawing/2010/main" val="0"/>
+              </a:ext>
+            </a:extLst>
+          </a:blip>
+          <a:stretch>
+            <a:fillRect/>
+          </a:stretch>
+        </p:blipFill>
+        <p:spPr>
+          <a:xfrm>
+            <a:off x="2423776" y="1188394"/>
+            <a:ext cx="797268" cy="797268"/>
+          </a:xfrm>
+          <a:prstGeom prst="rect">
+            <a:avLst/>
+          </a:prstGeom>
+        </p:spPr>
+      </p:pic>
+      <p:sp>
+        <p:nvSpPr>
+          <p:cNvPr id="54" name="TextBox 53"/>
           <p:cNvSpPr txBox="1"/>
           <p:nvPr/>
         </p:nvSpPr>
         <p:spPr>
           <a:xfrm>
-            <a:off x="7435347" y="2895812"/>
-            <a:ext cx="788999" cy="276999"/>
+            <a:off x="353246" y="2397583"/>
+            <a:ext cx="1741182" cy="523220"/>
           </a:xfrm>
           <a:prstGeom prst="rect">
             <a:avLst/>
@@ -5971,25 +5579,461 @@
           </a:bodyPr>
           <a:lstStyle/>
           <a:p>
-            <a:pPr algn="ctr"/>
-            <a:r>
-              <a:rPr lang="ko-KR" altLang="en-US" sz="1200" smtClean="0">
-                <a:latin typeface="210 맨발의청춘 L" panose="02020603020101020101" pitchFamily="18" charset="-127"/>
-                <a:ea typeface="210 맨발의청춘 L" panose="02020603020101020101" pitchFamily="18" charset="-127"/>
-              </a:rPr>
-              <a:t>작업 완료</a:t>
-            </a:r>
-            <a:endParaRPr lang="ko-KR" altLang="en-US" sz="1200" dirty="0">
-              <a:latin typeface="210 맨발의청춘 L" panose="02020603020101020101" pitchFamily="18" charset="-127"/>
-              <a:ea typeface="210 맨발의청춘 L" panose="02020603020101020101" pitchFamily="18" charset="-127"/>
+            <a:r>
+              <a:rPr lang="ko-KR" altLang="en-US" sz="2800" dirty="0" smtClean="0">
+                <a:solidFill>
+                  <a:schemeClr val="bg1"/>
+                </a:solidFill>
+                <a:latin typeface="HY울릉도M" panose="02030600000101010101" pitchFamily="18" charset="-127"/>
+                <a:ea typeface="HY울릉도M" panose="02030600000101010101" pitchFamily="18" charset="-127"/>
+              </a:rPr>
+              <a:t>면접 결과</a:t>
+            </a:r>
+            <a:endParaRPr lang="ko-KR" altLang="en-US" sz="2800" dirty="0">
+              <a:solidFill>
+                <a:schemeClr val="bg1"/>
+              </a:solidFill>
+              <a:latin typeface="HY울릉도M" panose="02030600000101010101" pitchFamily="18" charset="-127"/>
+              <a:ea typeface="HY울릉도M" panose="02030600000101010101" pitchFamily="18" charset="-127"/>
             </a:endParaRPr>
           </a:p>
         </p:txBody>
       </p:sp>
+      <p:sp>
+        <p:nvSpPr>
+          <p:cNvPr id="55" name="TextBox 54"/>
+          <p:cNvSpPr txBox="1"/>
+          <p:nvPr/>
+        </p:nvSpPr>
+        <p:spPr>
+          <a:xfrm>
+            <a:off x="493617" y="2919265"/>
+            <a:ext cx="1853392" cy="692497"/>
+          </a:xfrm>
+          <a:prstGeom prst="rect">
+            <a:avLst/>
+          </a:prstGeom>
+          <a:noFill/>
+        </p:spPr>
+        <p:txBody>
+          <a:bodyPr wrap="none" rtlCol="0">
+            <a:spAutoFit/>
+          </a:bodyPr>
+          <a:lstStyle/>
+          <a:p>
+            <a:pPr algn="r">
+              <a:lnSpc>
+                <a:spcPct val="150000"/>
+              </a:lnSpc>
+            </a:pPr>
+            <a:r>
+              <a:rPr lang="ko-KR" altLang="en-US" sz="1300" dirty="0" smtClean="0">
+                <a:solidFill>
+                  <a:schemeClr val="bg1"/>
+                </a:solidFill>
+                <a:latin typeface="HY울릉도M" panose="02030600000101010101" pitchFamily="18" charset="-127"/>
+                <a:ea typeface="HY울릉도M" panose="02030600000101010101" pitchFamily="18" charset="-127"/>
+              </a:rPr>
+              <a:t>가상 면접 결과를</a:t>
+            </a:r>
+            <a:endParaRPr lang="en-US" altLang="ko-KR" sz="1300" dirty="0" smtClean="0">
+              <a:solidFill>
+                <a:schemeClr val="bg1"/>
+              </a:solidFill>
+              <a:latin typeface="HY울릉도M" panose="02030600000101010101" pitchFamily="18" charset="-127"/>
+              <a:ea typeface="HY울릉도M" panose="02030600000101010101" pitchFamily="18" charset="-127"/>
+            </a:endParaRPr>
+          </a:p>
+          <a:p>
+            <a:pPr algn="r">
+              <a:lnSpc>
+                <a:spcPct val="150000"/>
+              </a:lnSpc>
+            </a:pPr>
+            <a:r>
+              <a:rPr lang="ko-KR" altLang="en-US" sz="1300" dirty="0" smtClean="0">
+                <a:solidFill>
+                  <a:schemeClr val="bg1"/>
+                </a:solidFill>
+                <a:latin typeface="HY울릉도M" panose="02030600000101010101" pitchFamily="18" charset="-127"/>
+                <a:ea typeface="HY울릉도M" panose="02030600000101010101" pitchFamily="18" charset="-127"/>
+              </a:rPr>
+              <a:t>다시 확인할 수 있어요</a:t>
+            </a:r>
+            <a:endParaRPr lang="ko-KR" altLang="en-US" sz="1300" dirty="0">
+              <a:solidFill>
+                <a:schemeClr val="bg1"/>
+              </a:solidFill>
+              <a:latin typeface="HY울릉도M" panose="02030600000101010101" pitchFamily="18" charset="-127"/>
+              <a:ea typeface="HY울릉도M" panose="02030600000101010101" pitchFamily="18" charset="-127"/>
+            </a:endParaRPr>
+          </a:p>
+        </p:txBody>
+      </p:sp>
+      <p:sp>
+        <p:nvSpPr>
+          <p:cNvPr id="57" name="TextBox 56"/>
+          <p:cNvSpPr txBox="1"/>
+          <p:nvPr/>
+        </p:nvSpPr>
+        <p:spPr>
+          <a:xfrm>
+            <a:off x="353246" y="3832340"/>
+            <a:ext cx="1741182" cy="523220"/>
+          </a:xfrm>
+          <a:prstGeom prst="rect">
+            <a:avLst/>
+          </a:prstGeom>
+          <a:noFill/>
+        </p:spPr>
+        <p:txBody>
+          <a:bodyPr wrap="none" rtlCol="0">
+            <a:spAutoFit/>
+          </a:bodyPr>
+          <a:lstStyle/>
+          <a:p>
+            <a:r>
+              <a:rPr lang="ko-KR" altLang="en-US" sz="2800" dirty="0" smtClean="0">
+                <a:solidFill>
+                  <a:schemeClr val="bg1"/>
+                </a:solidFill>
+                <a:latin typeface="HY울릉도M" panose="02030600000101010101" pitchFamily="18" charset="-127"/>
+                <a:ea typeface="HY울릉도M" panose="02030600000101010101" pitchFamily="18" charset="-127"/>
+              </a:rPr>
+              <a:t>면접 문제</a:t>
+            </a:r>
+            <a:endParaRPr lang="ko-KR" altLang="en-US" sz="2800" dirty="0">
+              <a:solidFill>
+                <a:schemeClr val="bg1"/>
+              </a:solidFill>
+              <a:latin typeface="HY울릉도M" panose="02030600000101010101" pitchFamily="18" charset="-127"/>
+              <a:ea typeface="HY울릉도M" panose="02030600000101010101" pitchFamily="18" charset="-127"/>
+            </a:endParaRPr>
+          </a:p>
+        </p:txBody>
+      </p:sp>
+      <p:sp>
+        <p:nvSpPr>
+          <p:cNvPr id="58" name="TextBox 57"/>
+          <p:cNvSpPr txBox="1"/>
+          <p:nvPr/>
+        </p:nvSpPr>
+        <p:spPr>
+          <a:xfrm>
+            <a:off x="422175" y="4354022"/>
+            <a:ext cx="1850186" cy="692497"/>
+          </a:xfrm>
+          <a:prstGeom prst="rect">
+            <a:avLst/>
+          </a:prstGeom>
+          <a:noFill/>
+        </p:spPr>
+        <p:txBody>
+          <a:bodyPr wrap="none" rtlCol="0">
+            <a:spAutoFit/>
+          </a:bodyPr>
+          <a:lstStyle/>
+          <a:p>
+            <a:pPr algn="r">
+              <a:lnSpc>
+                <a:spcPct val="150000"/>
+              </a:lnSpc>
+            </a:pPr>
+            <a:r>
+              <a:rPr lang="ko-KR" altLang="en-US" sz="1300" dirty="0" smtClean="0">
+                <a:solidFill>
+                  <a:schemeClr val="bg1"/>
+                </a:solidFill>
+                <a:latin typeface="HY울릉도M" panose="02030600000101010101" pitchFamily="18" charset="-127"/>
+                <a:ea typeface="HY울릉도M" panose="02030600000101010101" pitchFamily="18" charset="-127"/>
+              </a:rPr>
+              <a:t>가상 면접을 위한</a:t>
+            </a:r>
+            <a:endParaRPr lang="en-US" altLang="ko-KR" sz="1300" dirty="0" smtClean="0">
+              <a:solidFill>
+                <a:schemeClr val="bg1"/>
+              </a:solidFill>
+              <a:latin typeface="HY울릉도M" panose="02030600000101010101" pitchFamily="18" charset="-127"/>
+              <a:ea typeface="HY울릉도M" panose="02030600000101010101" pitchFamily="18" charset="-127"/>
+            </a:endParaRPr>
+          </a:p>
+          <a:p>
+            <a:pPr algn="r">
+              <a:lnSpc>
+                <a:spcPct val="150000"/>
+              </a:lnSpc>
+            </a:pPr>
+            <a:r>
+              <a:rPr lang="ko-KR" altLang="en-US" sz="1300" dirty="0" smtClean="0">
+                <a:solidFill>
+                  <a:schemeClr val="bg1"/>
+                </a:solidFill>
+                <a:latin typeface="HY울릉도M" panose="02030600000101010101" pitchFamily="18" charset="-127"/>
+                <a:ea typeface="HY울릉도M" panose="02030600000101010101" pitchFamily="18" charset="-127"/>
+              </a:rPr>
+              <a:t>문제 </a:t>
+            </a:r>
+            <a:r>
+              <a:rPr lang="en-US" altLang="ko-KR" sz="1300" dirty="0" smtClean="0">
+                <a:solidFill>
+                  <a:schemeClr val="bg1"/>
+                </a:solidFill>
+                <a:latin typeface="HY울릉도M" panose="02030600000101010101" pitchFamily="18" charset="-127"/>
+                <a:ea typeface="HY울릉도M" panose="02030600000101010101" pitchFamily="18" charset="-127"/>
+              </a:rPr>
+              <a:t>DB</a:t>
+            </a:r>
+            <a:r>
+              <a:rPr lang="ko-KR" altLang="en-US" sz="1300" dirty="0" smtClean="0">
+                <a:solidFill>
+                  <a:schemeClr val="bg1"/>
+                </a:solidFill>
+                <a:latin typeface="HY울릉도M" panose="02030600000101010101" pitchFamily="18" charset="-127"/>
+                <a:ea typeface="HY울릉도M" panose="02030600000101010101" pitchFamily="18" charset="-127"/>
+              </a:rPr>
+              <a:t>를 확인하세요</a:t>
+            </a:r>
+            <a:endParaRPr lang="ko-KR" altLang="en-US" sz="1300" dirty="0">
+              <a:solidFill>
+                <a:schemeClr val="bg1"/>
+              </a:solidFill>
+              <a:latin typeface="HY울릉도M" panose="02030600000101010101" pitchFamily="18" charset="-127"/>
+              <a:ea typeface="HY울릉도M" panose="02030600000101010101" pitchFamily="18" charset="-127"/>
+            </a:endParaRPr>
+          </a:p>
+        </p:txBody>
+      </p:sp>
+      <p:sp>
+        <p:nvSpPr>
+          <p:cNvPr id="60" name="TextBox 59"/>
+          <p:cNvSpPr txBox="1"/>
+          <p:nvPr/>
+        </p:nvSpPr>
+        <p:spPr>
+          <a:xfrm>
+            <a:off x="353246" y="5268505"/>
+            <a:ext cx="1741182" cy="523220"/>
+          </a:xfrm>
+          <a:prstGeom prst="rect">
+            <a:avLst/>
+          </a:prstGeom>
+          <a:noFill/>
+        </p:spPr>
+        <p:txBody>
+          <a:bodyPr wrap="none" rtlCol="0">
+            <a:spAutoFit/>
+          </a:bodyPr>
+          <a:lstStyle/>
+          <a:p>
+            <a:r>
+              <a:rPr lang="ko-KR" altLang="en-US" sz="2800" dirty="0" smtClean="0">
+                <a:solidFill>
+                  <a:schemeClr val="bg1"/>
+                </a:solidFill>
+                <a:latin typeface="HY울릉도M" panose="02030600000101010101" pitchFamily="18" charset="-127"/>
+                <a:ea typeface="HY울릉도M" panose="02030600000101010101" pitchFamily="18" charset="-127"/>
+              </a:rPr>
+              <a:t>환경 설정</a:t>
+            </a:r>
+            <a:endParaRPr lang="ko-KR" altLang="en-US" sz="2800" dirty="0">
+              <a:solidFill>
+                <a:schemeClr val="bg1"/>
+              </a:solidFill>
+              <a:latin typeface="HY울릉도M" panose="02030600000101010101" pitchFamily="18" charset="-127"/>
+              <a:ea typeface="HY울릉도M" panose="02030600000101010101" pitchFamily="18" charset="-127"/>
+            </a:endParaRPr>
+          </a:p>
+        </p:txBody>
+      </p:sp>
+      <p:sp>
+        <p:nvSpPr>
+          <p:cNvPr id="61" name="TextBox 60"/>
+          <p:cNvSpPr txBox="1"/>
+          <p:nvPr/>
+        </p:nvSpPr>
+        <p:spPr>
+          <a:xfrm>
+            <a:off x="412556" y="5790187"/>
+            <a:ext cx="1859805" cy="415498"/>
+          </a:xfrm>
+          <a:prstGeom prst="rect">
+            <a:avLst/>
+          </a:prstGeom>
+          <a:noFill/>
+        </p:spPr>
+        <p:txBody>
+          <a:bodyPr wrap="none" rtlCol="0">
+            <a:spAutoFit/>
+          </a:bodyPr>
+          <a:lstStyle/>
+          <a:p>
+            <a:pPr algn="r">
+              <a:lnSpc>
+                <a:spcPct val="150000"/>
+              </a:lnSpc>
+            </a:pPr>
+            <a:r>
+              <a:rPr lang="ko-KR" altLang="en-US" sz="1400" dirty="0" smtClean="0">
+                <a:solidFill>
+                  <a:schemeClr val="bg1"/>
+                </a:solidFill>
+                <a:latin typeface="HY울릉도M" panose="02030600000101010101" pitchFamily="18" charset="-127"/>
+                <a:ea typeface="HY울릉도M" panose="02030600000101010101" pitchFamily="18" charset="-127"/>
+              </a:rPr>
+              <a:t>기기를 최적화합니다</a:t>
+            </a:r>
+            <a:endParaRPr lang="ko-KR" altLang="en-US" sz="1400" dirty="0">
+              <a:solidFill>
+                <a:schemeClr val="bg1"/>
+              </a:solidFill>
+              <a:latin typeface="HY울릉도M" panose="02030600000101010101" pitchFamily="18" charset="-127"/>
+              <a:ea typeface="HY울릉도M" panose="02030600000101010101" pitchFamily="18" charset="-127"/>
+            </a:endParaRPr>
+          </a:p>
+        </p:txBody>
+      </p:sp>
+      <p:pic>
+        <p:nvPicPr>
+          <p:cNvPr id="63" name="그림 62"/>
+          <p:cNvPicPr>
+            <a:picLocks noChangeAspect="1"/>
+          </p:cNvPicPr>
+          <p:nvPr/>
+        </p:nvPicPr>
+        <p:blipFill>
+          <a:blip r:embed="rId3" cstate="print">
+            <a:extLst>
+              <a:ext uri="{28A0092B-C50C-407E-A947-70E740481C1C}">
+                <a14:useLocalDpi xmlns:a14="http://schemas.microsoft.com/office/drawing/2010/main" val="0"/>
+              </a:ext>
+            </a:extLst>
+          </a:blip>
+          <a:stretch>
+            <a:fillRect/>
+          </a:stretch>
+        </p:blipFill>
+        <p:spPr>
+          <a:xfrm>
+            <a:off x="2418084" y="2582267"/>
+            <a:ext cx="802960" cy="802960"/>
+          </a:xfrm>
+          <a:prstGeom prst="rect">
+            <a:avLst/>
+          </a:prstGeom>
+        </p:spPr>
+      </p:pic>
+      <p:pic>
+        <p:nvPicPr>
+          <p:cNvPr id="64" name="그림 63"/>
+          <p:cNvPicPr>
+            <a:picLocks noChangeAspect="1"/>
+          </p:cNvPicPr>
+          <p:nvPr/>
+        </p:nvPicPr>
+        <p:blipFill>
+          <a:blip r:embed="rId4" cstate="print">
+            <a:extLst>
+              <a:ext uri="{28A0092B-C50C-407E-A947-70E740481C1C}">
+                <a14:useLocalDpi xmlns:a14="http://schemas.microsoft.com/office/drawing/2010/main" val="0"/>
+              </a:ext>
+            </a:extLst>
+          </a:blip>
+          <a:stretch>
+            <a:fillRect/>
+          </a:stretch>
+        </p:blipFill>
+        <p:spPr>
+          <a:xfrm>
+            <a:off x="2472286" y="4063025"/>
+            <a:ext cx="772431" cy="772431"/>
+          </a:xfrm>
+          <a:prstGeom prst="rect">
+            <a:avLst/>
+          </a:prstGeom>
+        </p:spPr>
+      </p:pic>
+      <p:pic>
+        <p:nvPicPr>
+          <p:cNvPr id="65" name="그림 64"/>
+          <p:cNvPicPr>
+            <a:picLocks noChangeAspect="1"/>
+          </p:cNvPicPr>
+          <p:nvPr/>
+        </p:nvPicPr>
+        <p:blipFill>
+          <a:blip r:embed="rId5" cstate="print">
+            <a:extLst>
+              <a:ext uri="{28A0092B-C50C-407E-A947-70E740481C1C}">
+                <a14:useLocalDpi xmlns:a14="http://schemas.microsoft.com/office/drawing/2010/main" val="0"/>
+              </a:ext>
+            </a:extLst>
+          </a:blip>
+          <a:stretch>
+            <a:fillRect/>
+          </a:stretch>
+        </p:blipFill>
+        <p:spPr>
+          <a:xfrm>
+            <a:off x="2464641" y="5495840"/>
+            <a:ext cx="709845" cy="709845"/>
+          </a:xfrm>
+          <a:prstGeom prst="rect">
+            <a:avLst/>
+          </a:prstGeom>
+        </p:spPr>
+      </p:pic>
+      <p:pic>
+        <p:nvPicPr>
+          <p:cNvPr id="67" name="그림 66"/>
+          <p:cNvPicPr>
+            <a:picLocks noChangeAspect="1"/>
+          </p:cNvPicPr>
+          <p:nvPr/>
+        </p:nvPicPr>
+        <p:blipFill>
+          <a:blip r:embed="rId6"/>
+          <a:stretch>
+            <a:fillRect/>
+          </a:stretch>
+        </p:blipFill>
+        <p:spPr>
+          <a:xfrm>
+            <a:off x="3718832" y="849768"/>
+            <a:ext cx="3592389" cy="5760000"/>
+          </a:xfrm>
+          <a:prstGeom prst="rect">
+            <a:avLst/>
+          </a:prstGeom>
+        </p:spPr>
+      </p:pic>
+      <p:pic>
+        <p:nvPicPr>
+          <p:cNvPr id="68" name="그림 67"/>
+          <p:cNvPicPr>
+            <a:picLocks noChangeAspect="1"/>
+          </p:cNvPicPr>
+          <p:nvPr/>
+        </p:nvPicPr>
+        <p:blipFill>
+          <a:blip r:embed="rId7"/>
+          <a:stretch>
+            <a:fillRect/>
+          </a:stretch>
+        </p:blipFill>
+        <p:spPr>
+          <a:xfrm>
+            <a:off x="7431152" y="849768"/>
+            <a:ext cx="3114675" cy="4972050"/>
+          </a:xfrm>
+          <a:prstGeom prst="rect">
+            <a:avLst/>
+          </a:prstGeom>
+        </p:spPr>
+      </p:pic>
     </p:spTree>
     <p:extLst>
       <p:ext uri="{BB962C8B-B14F-4D97-AF65-F5344CB8AC3E}">
-        <p14:creationId xmlns:p14="http://schemas.microsoft.com/office/powerpoint/2010/main" val="4062507757"/>
+        <p14:creationId xmlns:p14="http://schemas.microsoft.com/office/powerpoint/2010/main" val="4162403027"/>
       </p:ext>
     </p:extLst>
   </p:cSld>
@@ -6118,6 +6162,1126 @@
           <a:p>
             <a:pPr algn="ctr"/>
             <a:r>
+              <a:rPr lang="ko-KR" altLang="en-US" smtClean="0">
+                <a:latin typeface="210 맨발의청춘 B" panose="02020603020101020101" pitchFamily="18" charset="-127"/>
+                <a:ea typeface="210 맨발의청춘 B" panose="02020603020101020101" pitchFamily="18" charset="-127"/>
+              </a:rPr>
+              <a:t>처리 구조</a:t>
+            </a:r>
+            <a:endParaRPr lang="ko-KR" altLang="en-US" dirty="0">
+              <a:latin typeface="210 맨발의청춘 B" panose="02020603020101020101" pitchFamily="18" charset="-127"/>
+              <a:ea typeface="210 맨발의청춘 B" panose="02020603020101020101" pitchFamily="18" charset="-127"/>
+            </a:endParaRPr>
+          </a:p>
+        </p:txBody>
+      </p:sp>
+      <p:sp>
+        <p:nvSpPr>
+          <p:cNvPr id="11" name="TextBox 10"/>
+          <p:cNvSpPr txBox="1"/>
+          <p:nvPr/>
+        </p:nvSpPr>
+        <p:spPr>
+          <a:xfrm>
+            <a:off x="1417153" y="6609769"/>
+            <a:ext cx="585417" cy="276999"/>
+          </a:xfrm>
+          <a:prstGeom prst="rect">
+            <a:avLst/>
+          </a:prstGeom>
+          <a:noFill/>
+        </p:spPr>
+        <p:txBody>
+          <a:bodyPr wrap="none" rtlCol="0">
+            <a:spAutoFit/>
+          </a:bodyPr>
+          <a:lstStyle/>
+          <a:p>
+            <a:r>
+              <a:rPr lang="en-US" altLang="ko-KR" sz="1200" dirty="0" smtClean="0">
+                <a:latin typeface="210 맨발의청춘 L" panose="02020603020101020101" pitchFamily="18" charset="-127"/>
+                <a:ea typeface="210 맨발의청춘 L" panose="02020603020101020101" pitchFamily="18" charset="-127"/>
+              </a:rPr>
+              <a:t>[</a:t>
+            </a:r>
+            <a:r>
+              <a:rPr lang="ko-KR" altLang="en-US" sz="1200" dirty="0" smtClean="0">
+                <a:latin typeface="210 맨발의청춘 L" panose="02020603020101020101" pitchFamily="18" charset="-127"/>
+                <a:ea typeface="210 맨발의청춘 L" panose="02020603020101020101" pitchFamily="18" charset="-127"/>
+              </a:rPr>
+              <a:t>메인</a:t>
+            </a:r>
+            <a:r>
+              <a:rPr lang="en-US" altLang="ko-KR" sz="1200" dirty="0" smtClean="0">
+                <a:latin typeface="210 맨발의청춘 L" panose="02020603020101020101" pitchFamily="18" charset="-127"/>
+                <a:ea typeface="210 맨발의청춘 L" panose="02020603020101020101" pitchFamily="18" charset="-127"/>
+              </a:rPr>
+              <a:t>]</a:t>
+            </a:r>
+            <a:endParaRPr lang="ko-KR" altLang="en-US" sz="1200" dirty="0">
+              <a:latin typeface="210 맨발의청춘 L" panose="02020603020101020101" pitchFamily="18" charset="-127"/>
+              <a:ea typeface="210 맨발의청춘 L" panose="02020603020101020101" pitchFamily="18" charset="-127"/>
+            </a:endParaRPr>
+          </a:p>
+        </p:txBody>
+      </p:sp>
+      <p:sp>
+        <p:nvSpPr>
+          <p:cNvPr id="25" name="직사각형 24"/>
+          <p:cNvSpPr>
+            <a:spLocks noChangeAspect="1"/>
+          </p:cNvSpPr>
+          <p:nvPr/>
+        </p:nvSpPr>
+        <p:spPr>
+          <a:xfrm>
+            <a:off x="2116744" y="1481537"/>
+            <a:ext cx="1113786" cy="1980065"/>
+          </a:xfrm>
+          <a:prstGeom prst="rect">
+            <a:avLst/>
+          </a:prstGeom>
+          <a:solidFill>
+            <a:schemeClr val="bg1"/>
+          </a:solidFill>
+          <a:ln w="25400">
+            <a:solidFill>
+              <a:schemeClr val="tx1"/>
+            </a:solidFill>
+          </a:ln>
+        </p:spPr>
+        <p:style>
+          <a:lnRef idx="2">
+            <a:schemeClr val="accent1">
+              <a:shade val="50000"/>
+            </a:schemeClr>
+          </a:lnRef>
+          <a:fillRef idx="1">
+            <a:schemeClr val="accent1"/>
+          </a:fillRef>
+          <a:effectRef idx="0">
+            <a:schemeClr val="accent1"/>
+          </a:effectRef>
+          <a:fontRef idx="minor">
+            <a:schemeClr val="lt1"/>
+          </a:fontRef>
+        </p:style>
+        <p:txBody>
+          <a:bodyPr rtlCol="0" anchor="ctr"/>
+          <a:lstStyle/>
+          <a:p>
+            <a:pPr algn="ctr"/>
+            <a:endParaRPr lang="ko-KR" altLang="en-US"/>
+          </a:p>
+        </p:txBody>
+      </p:sp>
+      <p:sp>
+        <p:nvSpPr>
+          <p:cNvPr id="26" name="TextBox 25"/>
+          <p:cNvSpPr txBox="1"/>
+          <p:nvPr/>
+        </p:nvSpPr>
+        <p:spPr>
+          <a:xfrm>
+            <a:off x="2457071" y="2359813"/>
+            <a:ext cx="433132" cy="276999"/>
+          </a:xfrm>
+          <a:prstGeom prst="rect">
+            <a:avLst/>
+          </a:prstGeom>
+          <a:noFill/>
+        </p:spPr>
+        <p:txBody>
+          <a:bodyPr wrap="none" rtlCol="0">
+            <a:spAutoFit/>
+          </a:bodyPr>
+          <a:lstStyle/>
+          <a:p>
+            <a:r>
+              <a:rPr lang="en-US" altLang="ko-KR" sz="1200" smtClean="0">
+                <a:latin typeface="210 맨발의청춘 L" panose="02020603020101020101" pitchFamily="18" charset="-127"/>
+                <a:ea typeface="210 맨발의청춘 L" panose="02020603020101020101" pitchFamily="18" charset="-127"/>
+              </a:rPr>
+              <a:t>[</a:t>
+            </a:r>
+            <a:r>
+              <a:rPr lang="ko-KR" altLang="en-US" sz="1200">
+                <a:latin typeface="210 맨발의청춘 L" panose="02020603020101020101" pitchFamily="18" charset="-127"/>
+                <a:ea typeface="210 맨발의청춘 L" panose="02020603020101020101" pitchFamily="18" charset="-127"/>
+              </a:rPr>
+              <a:t>앱</a:t>
+            </a:r>
+            <a:r>
+              <a:rPr lang="en-US" altLang="ko-KR" sz="1200" smtClean="0">
+                <a:latin typeface="210 맨발의청춘 L" panose="02020603020101020101" pitchFamily="18" charset="-127"/>
+                <a:ea typeface="210 맨발의청춘 L" panose="02020603020101020101" pitchFamily="18" charset="-127"/>
+              </a:rPr>
+              <a:t>]</a:t>
+            </a:r>
+            <a:endParaRPr lang="ko-KR" altLang="en-US" sz="1200" dirty="0">
+              <a:latin typeface="210 맨발의청춘 L" panose="02020603020101020101" pitchFamily="18" charset="-127"/>
+              <a:ea typeface="210 맨발의청춘 L" panose="02020603020101020101" pitchFamily="18" charset="-127"/>
+            </a:endParaRPr>
+          </a:p>
+        </p:txBody>
+      </p:sp>
+      <p:cxnSp>
+        <p:nvCxnSpPr>
+          <p:cNvPr id="27" name="직선 화살표 연결선 26"/>
+          <p:cNvCxnSpPr/>
+          <p:nvPr/>
+        </p:nvCxnSpPr>
+        <p:spPr>
+          <a:xfrm>
+            <a:off x="3342710" y="1898647"/>
+            <a:ext cx="1067252" cy="0"/>
+          </a:xfrm>
+          <a:prstGeom prst="straightConnector1">
+            <a:avLst/>
+          </a:prstGeom>
+          <a:ln>
+            <a:solidFill>
+              <a:schemeClr val="tx1"/>
+            </a:solidFill>
+            <a:tailEnd type="triangle"/>
+          </a:ln>
+        </p:spPr>
+        <p:style>
+          <a:lnRef idx="1">
+            <a:schemeClr val="accent1"/>
+          </a:lnRef>
+          <a:fillRef idx="0">
+            <a:schemeClr val="accent1"/>
+          </a:fillRef>
+          <a:effectRef idx="0">
+            <a:schemeClr val="accent1"/>
+          </a:effectRef>
+          <a:fontRef idx="minor">
+            <a:schemeClr val="tx1"/>
+          </a:fontRef>
+        </p:style>
+      </p:cxnSp>
+      <p:sp>
+        <p:nvSpPr>
+          <p:cNvPr id="28" name="직사각형 27"/>
+          <p:cNvSpPr>
+            <a:spLocks noChangeAspect="1"/>
+          </p:cNvSpPr>
+          <p:nvPr/>
+        </p:nvSpPr>
+        <p:spPr>
+          <a:xfrm>
+            <a:off x="4478139" y="1399862"/>
+            <a:ext cx="1009227" cy="997572"/>
+          </a:xfrm>
+          <a:prstGeom prst="rect">
+            <a:avLst/>
+          </a:prstGeom>
+          <a:solidFill>
+            <a:schemeClr val="bg1"/>
+          </a:solidFill>
+          <a:ln w="25400">
+            <a:solidFill>
+              <a:schemeClr val="tx1"/>
+            </a:solidFill>
+          </a:ln>
+        </p:spPr>
+        <p:style>
+          <a:lnRef idx="2">
+            <a:schemeClr val="accent1">
+              <a:shade val="50000"/>
+            </a:schemeClr>
+          </a:lnRef>
+          <a:fillRef idx="1">
+            <a:schemeClr val="accent1"/>
+          </a:fillRef>
+          <a:effectRef idx="0">
+            <a:schemeClr val="accent1"/>
+          </a:effectRef>
+          <a:fontRef idx="minor">
+            <a:schemeClr val="lt1"/>
+          </a:fontRef>
+        </p:style>
+        <p:txBody>
+          <a:bodyPr rtlCol="0" anchor="ctr"/>
+          <a:lstStyle/>
+          <a:p>
+            <a:pPr algn="ctr"/>
+            <a:endParaRPr lang="ko-KR" altLang="en-US"/>
+          </a:p>
+        </p:txBody>
+      </p:sp>
+      <p:sp>
+        <p:nvSpPr>
+          <p:cNvPr id="29" name="TextBox 28"/>
+          <p:cNvSpPr txBox="1"/>
+          <p:nvPr/>
+        </p:nvSpPr>
+        <p:spPr>
+          <a:xfrm>
+            <a:off x="4685351" y="1760148"/>
+            <a:ext cx="562976" cy="276999"/>
+          </a:xfrm>
+          <a:prstGeom prst="rect">
+            <a:avLst/>
+          </a:prstGeom>
+          <a:noFill/>
+        </p:spPr>
+        <p:txBody>
+          <a:bodyPr wrap="none" rtlCol="0">
+            <a:spAutoFit/>
+          </a:bodyPr>
+          <a:lstStyle/>
+          <a:p>
+            <a:pPr algn="ctr"/>
+            <a:r>
+              <a:rPr lang="en-US" altLang="ko-KR" sz="1200" smtClean="0">
+                <a:latin typeface="210 맨발의청춘 L" panose="02020603020101020101" pitchFamily="18" charset="-127"/>
+                <a:ea typeface="210 맨발의청춘 L" panose="02020603020101020101" pitchFamily="18" charset="-127"/>
+              </a:rPr>
+              <a:t>[</a:t>
+            </a:r>
+            <a:r>
+              <a:rPr lang="ko-KR" altLang="en-US" sz="1200" smtClean="0">
+                <a:latin typeface="210 맨발의청춘 L" panose="02020603020101020101" pitchFamily="18" charset="-127"/>
+                <a:ea typeface="210 맨발의청춘 L" panose="02020603020101020101" pitchFamily="18" charset="-127"/>
+              </a:rPr>
+              <a:t>서버</a:t>
+            </a:r>
+            <a:r>
+              <a:rPr lang="en-US" altLang="ko-KR" sz="1200" smtClean="0">
+                <a:latin typeface="210 맨발의청춘 L" panose="02020603020101020101" pitchFamily="18" charset="-127"/>
+                <a:ea typeface="210 맨발의청춘 L" panose="02020603020101020101" pitchFamily="18" charset="-127"/>
+              </a:rPr>
+              <a:t>]</a:t>
+            </a:r>
+            <a:endParaRPr lang="ko-KR" altLang="en-US" sz="1200" dirty="0">
+              <a:latin typeface="210 맨발의청춘 L" panose="02020603020101020101" pitchFamily="18" charset="-127"/>
+              <a:ea typeface="210 맨발의청춘 L" panose="02020603020101020101" pitchFamily="18" charset="-127"/>
+            </a:endParaRPr>
+          </a:p>
+        </p:txBody>
+      </p:sp>
+      <p:sp>
+        <p:nvSpPr>
+          <p:cNvPr id="31" name="TextBox 30"/>
+          <p:cNvSpPr txBox="1"/>
+          <p:nvPr/>
+        </p:nvSpPr>
+        <p:spPr>
+          <a:xfrm>
+            <a:off x="3505520" y="1606761"/>
+            <a:ext cx="697628" cy="276999"/>
+          </a:xfrm>
+          <a:prstGeom prst="rect">
+            <a:avLst/>
+          </a:prstGeom>
+          <a:noFill/>
+        </p:spPr>
+        <p:txBody>
+          <a:bodyPr wrap="none" rtlCol="0">
+            <a:spAutoFit/>
+          </a:bodyPr>
+          <a:lstStyle/>
+          <a:p>
+            <a:pPr algn="ctr"/>
+            <a:r>
+              <a:rPr lang="en-US" altLang="ko-KR" sz="1200" smtClean="0">
+                <a:latin typeface="210 맨발의청춘 L" panose="02020603020101020101" pitchFamily="18" charset="-127"/>
+                <a:ea typeface="210 맨발의청춘 L" panose="02020603020101020101" pitchFamily="18" charset="-127"/>
+              </a:rPr>
+              <a:t>[</a:t>
+            </a:r>
+            <a:r>
+              <a:rPr lang="ko-KR" altLang="en-US" sz="1200" smtClean="0">
+                <a:latin typeface="210 맨발의청춘 L" panose="02020603020101020101" pitchFamily="18" charset="-127"/>
+                <a:ea typeface="210 맨발의청춘 L" panose="02020603020101020101" pitchFamily="18" charset="-127"/>
+              </a:rPr>
+              <a:t>로그인</a:t>
+            </a:r>
+            <a:r>
+              <a:rPr lang="en-US" altLang="ko-KR" sz="1200" smtClean="0">
+                <a:latin typeface="210 맨발의청춘 L" panose="02020603020101020101" pitchFamily="18" charset="-127"/>
+                <a:ea typeface="210 맨발의청춘 L" panose="02020603020101020101" pitchFamily="18" charset="-127"/>
+              </a:rPr>
+              <a:t>]</a:t>
+            </a:r>
+            <a:endParaRPr lang="ko-KR" altLang="en-US" sz="1200" dirty="0">
+              <a:latin typeface="210 맨발의청춘 L" panose="02020603020101020101" pitchFamily="18" charset="-127"/>
+              <a:ea typeface="210 맨발의청춘 L" panose="02020603020101020101" pitchFamily="18" charset="-127"/>
+            </a:endParaRPr>
+          </a:p>
+        </p:txBody>
+      </p:sp>
+      <p:sp>
+        <p:nvSpPr>
+          <p:cNvPr id="34" name="TextBox 33"/>
+          <p:cNvSpPr txBox="1"/>
+          <p:nvPr/>
+        </p:nvSpPr>
+        <p:spPr>
+          <a:xfrm>
+            <a:off x="5809010" y="1606762"/>
+            <a:ext cx="813043" cy="276999"/>
+          </a:xfrm>
+          <a:prstGeom prst="rect">
+            <a:avLst/>
+          </a:prstGeom>
+          <a:noFill/>
+        </p:spPr>
+        <p:txBody>
+          <a:bodyPr wrap="none" rtlCol="0">
+            <a:spAutoFit/>
+          </a:bodyPr>
+          <a:lstStyle/>
+          <a:p>
+            <a:pPr algn="ctr"/>
+            <a:r>
+              <a:rPr lang="en-US" altLang="ko-KR" sz="1200" smtClean="0">
+                <a:latin typeface="210 맨발의청춘 L" panose="02020603020101020101" pitchFamily="18" charset="-127"/>
+                <a:ea typeface="210 맨발의청춘 L" panose="02020603020101020101" pitchFamily="18" charset="-127"/>
+              </a:rPr>
+              <a:t>[</a:t>
+            </a:r>
+            <a:r>
+              <a:rPr lang="ko-KR" altLang="en-US" sz="1200" smtClean="0">
+                <a:latin typeface="210 맨발의청춘 L" panose="02020603020101020101" pitchFamily="18" charset="-127"/>
+                <a:ea typeface="210 맨발의청춘 L" panose="02020603020101020101" pitchFamily="18" charset="-127"/>
+              </a:rPr>
+              <a:t>스레드 </a:t>
+            </a:r>
+            <a:r>
+              <a:rPr lang="en-US" altLang="ko-KR" sz="1200" smtClean="0">
+                <a:latin typeface="210 맨발의청춘 L" panose="02020603020101020101" pitchFamily="18" charset="-127"/>
+                <a:ea typeface="210 맨발의청춘 L" panose="02020603020101020101" pitchFamily="18" charset="-127"/>
+              </a:rPr>
+              <a:t>1]</a:t>
+            </a:r>
+            <a:endParaRPr lang="ko-KR" altLang="en-US" sz="1200" dirty="0">
+              <a:latin typeface="210 맨발의청춘 L" panose="02020603020101020101" pitchFamily="18" charset="-127"/>
+              <a:ea typeface="210 맨발의청춘 L" panose="02020603020101020101" pitchFamily="18" charset="-127"/>
+            </a:endParaRPr>
+          </a:p>
+        </p:txBody>
+      </p:sp>
+      <p:sp>
+        <p:nvSpPr>
+          <p:cNvPr id="35" name="직사각형 34"/>
+          <p:cNvSpPr>
+            <a:spLocks noChangeAspect="1"/>
+          </p:cNvSpPr>
+          <p:nvPr/>
+        </p:nvSpPr>
+        <p:spPr>
+          <a:xfrm>
+            <a:off x="6878455" y="1392344"/>
+            <a:ext cx="1113786" cy="1022850"/>
+          </a:xfrm>
+          <a:prstGeom prst="rect">
+            <a:avLst/>
+          </a:prstGeom>
+          <a:solidFill>
+            <a:schemeClr val="bg1"/>
+          </a:solidFill>
+          <a:ln w="25400">
+            <a:solidFill>
+              <a:schemeClr val="tx1"/>
+            </a:solidFill>
+          </a:ln>
+        </p:spPr>
+        <p:style>
+          <a:lnRef idx="2">
+            <a:schemeClr val="accent1">
+              <a:shade val="50000"/>
+            </a:schemeClr>
+          </a:lnRef>
+          <a:fillRef idx="1">
+            <a:schemeClr val="accent1"/>
+          </a:fillRef>
+          <a:effectRef idx="0">
+            <a:schemeClr val="accent1"/>
+          </a:effectRef>
+          <a:fontRef idx="minor">
+            <a:schemeClr val="lt1"/>
+          </a:fontRef>
+        </p:style>
+        <p:txBody>
+          <a:bodyPr rtlCol="0" anchor="ctr"/>
+          <a:lstStyle/>
+          <a:p>
+            <a:pPr algn="ctr"/>
+            <a:endParaRPr lang="ko-KR" altLang="en-US"/>
+          </a:p>
+        </p:txBody>
+      </p:sp>
+      <p:sp>
+        <p:nvSpPr>
+          <p:cNvPr id="36" name="직사각형 35"/>
+          <p:cNvSpPr>
+            <a:spLocks noChangeAspect="1"/>
+          </p:cNvSpPr>
+          <p:nvPr/>
+        </p:nvSpPr>
+        <p:spPr>
+          <a:xfrm>
+            <a:off x="4466944" y="2714877"/>
+            <a:ext cx="1020422" cy="923377"/>
+          </a:xfrm>
+          <a:prstGeom prst="rect">
+            <a:avLst/>
+          </a:prstGeom>
+          <a:solidFill>
+            <a:schemeClr val="bg1"/>
+          </a:solidFill>
+          <a:ln w="25400">
+            <a:solidFill>
+              <a:schemeClr val="tx1"/>
+            </a:solidFill>
+          </a:ln>
+        </p:spPr>
+        <p:style>
+          <a:lnRef idx="2">
+            <a:schemeClr val="accent1">
+              <a:shade val="50000"/>
+            </a:schemeClr>
+          </a:lnRef>
+          <a:fillRef idx="1">
+            <a:schemeClr val="accent1"/>
+          </a:fillRef>
+          <a:effectRef idx="0">
+            <a:schemeClr val="accent1"/>
+          </a:effectRef>
+          <a:fontRef idx="minor">
+            <a:schemeClr val="lt1"/>
+          </a:fontRef>
+        </p:style>
+        <p:txBody>
+          <a:bodyPr rtlCol="0" anchor="ctr"/>
+          <a:lstStyle/>
+          <a:p>
+            <a:pPr algn="ctr"/>
+            <a:endParaRPr lang="ko-KR" altLang="en-US"/>
+          </a:p>
+        </p:txBody>
+      </p:sp>
+      <p:sp>
+        <p:nvSpPr>
+          <p:cNvPr id="38" name="TextBox 37"/>
+          <p:cNvSpPr txBox="1"/>
+          <p:nvPr/>
+        </p:nvSpPr>
+        <p:spPr>
+          <a:xfrm>
+            <a:off x="7081725" y="1791807"/>
+            <a:ext cx="707245" cy="276999"/>
+          </a:xfrm>
+          <a:prstGeom prst="rect">
+            <a:avLst/>
+          </a:prstGeom>
+          <a:noFill/>
+        </p:spPr>
+        <p:txBody>
+          <a:bodyPr wrap="none" rtlCol="0">
+            <a:spAutoFit/>
+          </a:bodyPr>
+          <a:lstStyle/>
+          <a:p>
+            <a:pPr algn="ctr"/>
+            <a:r>
+              <a:rPr lang="en-US" altLang="ko-KR" sz="1200" smtClean="0">
+                <a:latin typeface="210 맨발의청춘 L" panose="02020603020101020101" pitchFamily="18" charset="-127"/>
+                <a:ea typeface="210 맨발의청춘 L" panose="02020603020101020101" pitchFamily="18" charset="-127"/>
+              </a:rPr>
+              <a:t>[</a:t>
+            </a:r>
+            <a:r>
+              <a:rPr lang="ko-KR" altLang="en-US" sz="1200" smtClean="0">
+                <a:latin typeface="210 맨발의청춘 L" panose="02020603020101020101" pitchFamily="18" charset="-127"/>
+                <a:ea typeface="210 맨발의청춘 L" panose="02020603020101020101" pitchFamily="18" charset="-127"/>
+              </a:rPr>
+              <a:t>커맨드</a:t>
+            </a:r>
+            <a:r>
+              <a:rPr lang="en-US" altLang="ko-KR" sz="1200" smtClean="0">
+                <a:latin typeface="210 맨발의청춘 L" panose="02020603020101020101" pitchFamily="18" charset="-127"/>
+                <a:ea typeface="210 맨발의청춘 L" panose="02020603020101020101" pitchFamily="18" charset="-127"/>
+              </a:rPr>
+              <a:t>]</a:t>
+            </a:r>
+            <a:endParaRPr lang="ko-KR" altLang="en-US" sz="1200" dirty="0">
+              <a:latin typeface="210 맨발의청춘 L" panose="02020603020101020101" pitchFamily="18" charset="-127"/>
+              <a:ea typeface="210 맨발의청춘 L" panose="02020603020101020101" pitchFamily="18" charset="-127"/>
+            </a:endParaRPr>
+          </a:p>
+        </p:txBody>
+      </p:sp>
+      <p:sp>
+        <p:nvSpPr>
+          <p:cNvPr id="40" name="TextBox 39"/>
+          <p:cNvSpPr txBox="1"/>
+          <p:nvPr/>
+        </p:nvSpPr>
+        <p:spPr>
+          <a:xfrm>
+            <a:off x="4565022" y="3038065"/>
+            <a:ext cx="824265" cy="276999"/>
+          </a:xfrm>
+          <a:prstGeom prst="rect">
+            <a:avLst/>
+          </a:prstGeom>
+          <a:noFill/>
+        </p:spPr>
+        <p:txBody>
+          <a:bodyPr wrap="none" rtlCol="0">
+            <a:spAutoFit/>
+          </a:bodyPr>
+          <a:lstStyle/>
+          <a:p>
+            <a:pPr algn="ctr"/>
+            <a:r>
+              <a:rPr lang="en-US" altLang="ko-KR" sz="1200" smtClean="0">
+                <a:latin typeface="210 맨발의청춘 L" panose="02020603020101020101" pitchFamily="18" charset="-127"/>
+                <a:ea typeface="210 맨발의청춘 L" panose="02020603020101020101" pitchFamily="18" charset="-127"/>
+              </a:rPr>
+              <a:t>[</a:t>
+            </a:r>
+            <a:r>
+              <a:rPr lang="ko-KR" altLang="en-US" sz="1200" smtClean="0">
+                <a:latin typeface="210 맨발의청춘 L" panose="02020603020101020101" pitchFamily="18" charset="-127"/>
+                <a:ea typeface="210 맨발의청춘 L" panose="02020603020101020101" pitchFamily="18" charset="-127"/>
+              </a:rPr>
+              <a:t>푸시서버</a:t>
+            </a:r>
+            <a:r>
+              <a:rPr lang="en-US" altLang="ko-KR" sz="1200" smtClean="0">
+                <a:latin typeface="210 맨발의청춘 L" panose="02020603020101020101" pitchFamily="18" charset="-127"/>
+                <a:ea typeface="210 맨발의청춘 L" panose="02020603020101020101" pitchFamily="18" charset="-127"/>
+              </a:rPr>
+              <a:t>]</a:t>
+            </a:r>
+            <a:endParaRPr lang="ko-KR" altLang="en-US" sz="1200" dirty="0">
+              <a:latin typeface="210 맨발의청춘 L" panose="02020603020101020101" pitchFamily="18" charset="-127"/>
+              <a:ea typeface="210 맨발의청춘 L" panose="02020603020101020101" pitchFamily="18" charset="-127"/>
+            </a:endParaRPr>
+          </a:p>
+        </p:txBody>
+      </p:sp>
+      <p:sp>
+        <p:nvSpPr>
+          <p:cNvPr id="42" name="직사각형 41"/>
+          <p:cNvSpPr>
+            <a:spLocks noChangeAspect="1"/>
+          </p:cNvSpPr>
+          <p:nvPr/>
+        </p:nvSpPr>
+        <p:spPr>
+          <a:xfrm>
+            <a:off x="9455401" y="1392344"/>
+            <a:ext cx="1113786" cy="1022850"/>
+          </a:xfrm>
+          <a:prstGeom prst="rect">
+            <a:avLst/>
+          </a:prstGeom>
+          <a:solidFill>
+            <a:schemeClr val="bg1"/>
+          </a:solidFill>
+          <a:ln w="25400">
+            <a:solidFill>
+              <a:schemeClr val="tx1"/>
+            </a:solidFill>
+          </a:ln>
+        </p:spPr>
+        <p:style>
+          <a:lnRef idx="2">
+            <a:schemeClr val="accent1">
+              <a:shade val="50000"/>
+            </a:schemeClr>
+          </a:lnRef>
+          <a:fillRef idx="1">
+            <a:schemeClr val="accent1"/>
+          </a:fillRef>
+          <a:effectRef idx="0">
+            <a:schemeClr val="accent1"/>
+          </a:effectRef>
+          <a:fontRef idx="minor">
+            <a:schemeClr val="lt1"/>
+          </a:fontRef>
+        </p:style>
+        <p:txBody>
+          <a:bodyPr rtlCol="0" anchor="ctr"/>
+          <a:lstStyle/>
+          <a:p>
+            <a:pPr algn="ctr"/>
+            <a:endParaRPr lang="ko-KR" altLang="en-US"/>
+          </a:p>
+        </p:txBody>
+      </p:sp>
+      <p:sp>
+        <p:nvSpPr>
+          <p:cNvPr id="45" name="TextBox 44"/>
+          <p:cNvSpPr txBox="1"/>
+          <p:nvPr/>
+        </p:nvSpPr>
+        <p:spPr>
+          <a:xfrm>
+            <a:off x="9517607" y="1711302"/>
+            <a:ext cx="989374" cy="461665"/>
+          </a:xfrm>
+          <a:prstGeom prst="rect">
+            <a:avLst/>
+          </a:prstGeom>
+          <a:noFill/>
+        </p:spPr>
+        <p:txBody>
+          <a:bodyPr wrap="none" rtlCol="0">
+            <a:spAutoFit/>
+          </a:bodyPr>
+          <a:lstStyle/>
+          <a:p>
+            <a:pPr algn="ctr"/>
+            <a:r>
+              <a:rPr lang="en-US" altLang="ko-KR" sz="1200" smtClean="0">
+                <a:latin typeface="210 맨발의청춘 L" panose="02020603020101020101" pitchFamily="18" charset="-127"/>
+                <a:ea typeface="210 맨발의청춘 L" panose="02020603020101020101" pitchFamily="18" charset="-127"/>
+              </a:rPr>
+              <a:t>[</a:t>
+            </a:r>
+            <a:r>
+              <a:rPr lang="ko-KR" altLang="en-US" sz="1200" smtClean="0">
+                <a:latin typeface="210 맨발의청춘 L" panose="02020603020101020101" pitchFamily="18" charset="-127"/>
+                <a:ea typeface="210 맨발의청춘 L" panose="02020603020101020101" pitchFamily="18" charset="-127"/>
+              </a:rPr>
+              <a:t>백그라운드</a:t>
+            </a:r>
+            <a:r>
+              <a:rPr lang="en-US" altLang="ko-KR" sz="1200">
+                <a:latin typeface="210 맨발의청춘 L" panose="02020603020101020101" pitchFamily="18" charset="-127"/>
+                <a:ea typeface="210 맨발의청춘 L" panose="02020603020101020101" pitchFamily="18" charset="-127"/>
+              </a:rPr>
+              <a:t>]</a:t>
+            </a:r>
+            <a:endParaRPr lang="en-US" altLang="ko-KR" sz="1200" smtClean="0">
+              <a:latin typeface="210 맨발의청춘 L" panose="02020603020101020101" pitchFamily="18" charset="-127"/>
+              <a:ea typeface="210 맨발의청춘 L" panose="02020603020101020101" pitchFamily="18" charset="-127"/>
+            </a:endParaRPr>
+          </a:p>
+          <a:p>
+            <a:pPr algn="ctr"/>
+            <a:r>
+              <a:rPr lang="ko-KR" altLang="en-US" sz="1200" smtClean="0">
+                <a:latin typeface="210 맨발의청춘 L" panose="02020603020101020101" pitchFamily="18" charset="-127"/>
+                <a:ea typeface="210 맨발의청춘 L" panose="02020603020101020101" pitchFamily="18" charset="-127"/>
+              </a:rPr>
+              <a:t>엔진</a:t>
+            </a:r>
+            <a:endParaRPr lang="ko-KR" altLang="en-US" sz="1200" dirty="0">
+              <a:latin typeface="210 맨발의청춘 L" panose="02020603020101020101" pitchFamily="18" charset="-127"/>
+              <a:ea typeface="210 맨발의청춘 L" panose="02020603020101020101" pitchFamily="18" charset="-127"/>
+            </a:endParaRPr>
+          </a:p>
+        </p:txBody>
+      </p:sp>
+      <p:cxnSp>
+        <p:nvCxnSpPr>
+          <p:cNvPr id="5" name="직선 화살표 연결선 4"/>
+          <p:cNvCxnSpPr/>
+          <p:nvPr/>
+        </p:nvCxnSpPr>
+        <p:spPr>
+          <a:xfrm>
+            <a:off x="5690637" y="1930306"/>
+            <a:ext cx="1038533" cy="0"/>
+          </a:xfrm>
+          <a:prstGeom prst="straightConnector1">
+            <a:avLst/>
+          </a:prstGeom>
+          <a:ln>
+            <a:solidFill>
+              <a:schemeClr val="tx1"/>
+            </a:solidFill>
+            <a:headEnd type="triangle"/>
+            <a:tailEnd type="triangle"/>
+          </a:ln>
+        </p:spPr>
+        <p:style>
+          <a:lnRef idx="1">
+            <a:schemeClr val="accent1"/>
+          </a:lnRef>
+          <a:fillRef idx="0">
+            <a:schemeClr val="accent1"/>
+          </a:fillRef>
+          <a:effectRef idx="0">
+            <a:schemeClr val="accent1"/>
+          </a:effectRef>
+          <a:fontRef idx="minor">
+            <a:schemeClr val="tx1"/>
+          </a:fontRef>
+        </p:style>
+      </p:cxnSp>
+      <p:cxnSp>
+        <p:nvCxnSpPr>
+          <p:cNvPr id="15" name="직선 화살표 연결선 14"/>
+          <p:cNvCxnSpPr/>
+          <p:nvPr/>
+        </p:nvCxnSpPr>
+        <p:spPr>
+          <a:xfrm>
+            <a:off x="8095748" y="1926553"/>
+            <a:ext cx="1173018" cy="0"/>
+          </a:xfrm>
+          <a:prstGeom prst="straightConnector1">
+            <a:avLst/>
+          </a:prstGeom>
+          <a:ln>
+            <a:solidFill>
+              <a:schemeClr val="tx1"/>
+            </a:solidFill>
+            <a:tailEnd type="triangle"/>
+          </a:ln>
+        </p:spPr>
+        <p:style>
+          <a:lnRef idx="1">
+            <a:schemeClr val="accent1"/>
+          </a:lnRef>
+          <a:fillRef idx="0">
+            <a:schemeClr val="accent1"/>
+          </a:fillRef>
+          <a:effectRef idx="0">
+            <a:schemeClr val="accent1"/>
+          </a:effectRef>
+          <a:fontRef idx="minor">
+            <a:schemeClr val="tx1"/>
+          </a:fontRef>
+        </p:style>
+      </p:cxnSp>
+      <p:sp>
+        <p:nvSpPr>
+          <p:cNvPr id="56" name="TextBox 55"/>
+          <p:cNvSpPr txBox="1"/>
+          <p:nvPr/>
+        </p:nvSpPr>
+        <p:spPr>
+          <a:xfrm>
+            <a:off x="8311803" y="1535054"/>
+            <a:ext cx="740908" cy="276999"/>
+          </a:xfrm>
+          <a:prstGeom prst="rect">
+            <a:avLst/>
+          </a:prstGeom>
+          <a:noFill/>
+        </p:spPr>
+        <p:txBody>
+          <a:bodyPr wrap="none" rtlCol="0">
+            <a:spAutoFit/>
+          </a:bodyPr>
+          <a:lstStyle/>
+          <a:p>
+            <a:pPr algn="ctr"/>
+            <a:r>
+              <a:rPr lang="en-US" altLang="ko-KR" sz="1200" smtClean="0">
+                <a:latin typeface="210 맨발의청춘 L" panose="02020603020101020101" pitchFamily="18" charset="-127"/>
+                <a:ea typeface="210 맨발의청춘 L" panose="02020603020101020101" pitchFamily="18" charset="-127"/>
+              </a:rPr>
+              <a:t>[</a:t>
+            </a:r>
+            <a:r>
+              <a:rPr lang="ko-KR" altLang="en-US" sz="1200" smtClean="0">
+                <a:latin typeface="210 맨발의청춘 L" panose="02020603020101020101" pitchFamily="18" charset="-127"/>
+                <a:ea typeface="210 맨발의청춘 L" panose="02020603020101020101" pitchFamily="18" charset="-127"/>
+              </a:rPr>
+              <a:t>대기 큐</a:t>
+            </a:r>
+            <a:r>
+              <a:rPr lang="en-US" altLang="ko-KR" sz="1200" smtClean="0">
+                <a:latin typeface="210 맨발의청춘 L" panose="02020603020101020101" pitchFamily="18" charset="-127"/>
+                <a:ea typeface="210 맨발의청춘 L" panose="02020603020101020101" pitchFamily="18" charset="-127"/>
+              </a:rPr>
+              <a:t>]</a:t>
+            </a:r>
+            <a:endParaRPr lang="ko-KR" altLang="en-US" sz="1200" dirty="0">
+              <a:latin typeface="210 맨발의청춘 L" panose="02020603020101020101" pitchFamily="18" charset="-127"/>
+              <a:ea typeface="210 맨발의청춘 L" panose="02020603020101020101" pitchFamily="18" charset="-127"/>
+            </a:endParaRPr>
+          </a:p>
+        </p:txBody>
+      </p:sp>
+      <p:cxnSp>
+        <p:nvCxnSpPr>
+          <p:cNvPr id="59" name="직선 화살표 연결선 58"/>
+          <p:cNvCxnSpPr/>
+          <p:nvPr/>
+        </p:nvCxnSpPr>
+        <p:spPr>
+          <a:xfrm flipH="1">
+            <a:off x="3322319" y="3145007"/>
+            <a:ext cx="1064029" cy="0"/>
+          </a:xfrm>
+          <a:prstGeom prst="straightConnector1">
+            <a:avLst/>
+          </a:prstGeom>
+          <a:ln>
+            <a:solidFill>
+              <a:schemeClr val="tx1"/>
+            </a:solidFill>
+            <a:tailEnd type="triangle"/>
+          </a:ln>
+        </p:spPr>
+        <p:style>
+          <a:lnRef idx="1">
+            <a:schemeClr val="accent1"/>
+          </a:lnRef>
+          <a:fillRef idx="0">
+            <a:schemeClr val="accent1"/>
+          </a:fillRef>
+          <a:effectRef idx="0">
+            <a:schemeClr val="accent1"/>
+          </a:effectRef>
+          <a:fontRef idx="minor">
+            <a:schemeClr val="tx1"/>
+          </a:fontRef>
+        </p:style>
+      </p:cxnSp>
+      <p:cxnSp>
+        <p:nvCxnSpPr>
+          <p:cNvPr id="21" name="직선 화살표 연결선 20"/>
+          <p:cNvCxnSpPr/>
+          <p:nvPr/>
+        </p:nvCxnSpPr>
+        <p:spPr>
+          <a:xfrm flipH="1">
+            <a:off x="5628141" y="3176564"/>
+            <a:ext cx="4321657" cy="0"/>
+          </a:xfrm>
+          <a:prstGeom prst="straightConnector1">
+            <a:avLst/>
+          </a:prstGeom>
+          <a:ln>
+            <a:solidFill>
+              <a:schemeClr val="tx1"/>
+            </a:solidFill>
+            <a:tailEnd type="triangle"/>
+          </a:ln>
+        </p:spPr>
+        <p:style>
+          <a:lnRef idx="1">
+            <a:schemeClr val="accent1"/>
+          </a:lnRef>
+          <a:fillRef idx="0">
+            <a:schemeClr val="accent1"/>
+          </a:fillRef>
+          <a:effectRef idx="0">
+            <a:schemeClr val="accent1"/>
+          </a:effectRef>
+          <a:fontRef idx="minor">
+            <a:schemeClr val="tx1"/>
+          </a:fontRef>
+        </p:style>
+      </p:cxnSp>
+      <p:cxnSp>
+        <p:nvCxnSpPr>
+          <p:cNvPr id="23" name="직선 화살표 연결선 22"/>
+          <p:cNvCxnSpPr/>
+          <p:nvPr/>
+        </p:nvCxnSpPr>
+        <p:spPr>
+          <a:xfrm>
+            <a:off x="9947564" y="2498312"/>
+            <a:ext cx="0" cy="678252"/>
+          </a:xfrm>
+          <a:prstGeom prst="straightConnector1">
+            <a:avLst/>
+          </a:prstGeom>
+          <a:ln>
+            <a:solidFill>
+              <a:schemeClr val="tx1"/>
+            </a:solidFill>
+            <a:tailEnd type="triangle"/>
+          </a:ln>
+        </p:spPr>
+        <p:style>
+          <a:lnRef idx="1">
+            <a:schemeClr val="accent1"/>
+          </a:lnRef>
+          <a:fillRef idx="0">
+            <a:schemeClr val="accent1"/>
+          </a:fillRef>
+          <a:effectRef idx="0">
+            <a:schemeClr val="accent1"/>
+          </a:effectRef>
+          <a:fontRef idx="minor">
+            <a:schemeClr val="tx1"/>
+          </a:fontRef>
+        </p:style>
+      </p:cxnSp>
+      <p:sp>
+        <p:nvSpPr>
+          <p:cNvPr id="66" name="TextBox 65"/>
+          <p:cNvSpPr txBox="1"/>
+          <p:nvPr/>
+        </p:nvSpPr>
+        <p:spPr>
+          <a:xfrm>
+            <a:off x="7435347" y="2895812"/>
+            <a:ext cx="788999" cy="276999"/>
+          </a:xfrm>
+          <a:prstGeom prst="rect">
+            <a:avLst/>
+          </a:prstGeom>
+          <a:noFill/>
+        </p:spPr>
+        <p:txBody>
+          <a:bodyPr wrap="none" rtlCol="0">
+            <a:spAutoFit/>
+          </a:bodyPr>
+          <a:lstStyle/>
+          <a:p>
+            <a:pPr algn="ctr"/>
+            <a:r>
+              <a:rPr lang="ko-KR" altLang="en-US" sz="1200" smtClean="0">
+                <a:latin typeface="210 맨발의청춘 L" panose="02020603020101020101" pitchFamily="18" charset="-127"/>
+                <a:ea typeface="210 맨발의청춘 L" panose="02020603020101020101" pitchFamily="18" charset="-127"/>
+              </a:rPr>
+              <a:t>작업 완료</a:t>
+            </a:r>
+            <a:endParaRPr lang="ko-KR" altLang="en-US" sz="1200" dirty="0">
+              <a:latin typeface="210 맨발의청춘 L" panose="02020603020101020101" pitchFamily="18" charset="-127"/>
+              <a:ea typeface="210 맨발의청춘 L" panose="02020603020101020101" pitchFamily="18" charset="-127"/>
+            </a:endParaRPr>
+          </a:p>
+        </p:txBody>
+      </p:sp>
+    </p:spTree>
+    <p:extLst>
+      <p:ext uri="{BB962C8B-B14F-4D97-AF65-F5344CB8AC3E}">
+        <p14:creationId xmlns:p14="http://schemas.microsoft.com/office/powerpoint/2010/main" val="4062507757"/>
+      </p:ext>
+    </p:extLst>
+  </p:cSld>
+  <p:clrMapOvr>
+    <a:masterClrMapping/>
+  </p:clrMapOvr>
+</p:sld>
+</file>
+
+<file path=ppt/slides/slide12.xml><?xml version="1.0" encoding="utf-8"?>
+<p:sld xmlns:a="http://schemas.openxmlformats.org/drawingml/2006/main" xmlns:r="http://schemas.openxmlformats.org/officeDocument/2006/relationships" xmlns:p="http://schemas.openxmlformats.org/presentationml/2006/main">
+  <p:cSld>
+    <p:spTree>
+      <p:nvGrpSpPr>
+        <p:cNvPr id="1" name=""/>
+        <p:cNvGrpSpPr/>
+        <p:nvPr/>
+      </p:nvGrpSpPr>
+      <p:grpSpPr>
+        <a:xfrm>
+          <a:off x="0" y="0"/>
+          <a:ext cx="0" cy="0"/>
+          <a:chOff x="0" y="0"/>
+          <a:chExt cx="0" cy="0"/>
+        </a:xfrm>
+      </p:grpSpPr>
+      <p:sp>
+        <p:nvSpPr>
+          <p:cNvPr id="2" name="직사각형 1"/>
+          <p:cNvSpPr/>
+          <p:nvPr/>
+        </p:nvSpPr>
+        <p:spPr>
+          <a:xfrm>
+            <a:off x="0" y="0"/>
+            <a:ext cx="2388637" cy="466530"/>
+          </a:xfrm>
+          <a:prstGeom prst="rect">
+            <a:avLst/>
+          </a:prstGeom>
+          <a:solidFill>
+            <a:schemeClr val="tx1"/>
+          </a:solidFill>
+          <a:ln>
+            <a:noFill/>
+          </a:ln>
+        </p:spPr>
+        <p:style>
+          <a:lnRef idx="2">
+            <a:schemeClr val="accent1">
+              <a:shade val="50000"/>
+            </a:schemeClr>
+          </a:lnRef>
+          <a:fillRef idx="1">
+            <a:schemeClr val="accent1"/>
+          </a:fillRef>
+          <a:effectRef idx="0">
+            <a:schemeClr val="accent1"/>
+          </a:effectRef>
+          <a:fontRef idx="minor">
+            <a:schemeClr val="lt1"/>
+          </a:fontRef>
+        </p:style>
+        <p:txBody>
+          <a:bodyPr rtlCol="0" anchor="ctr"/>
+          <a:lstStyle/>
+          <a:p>
+            <a:pPr algn="ctr"/>
+            <a:r>
+              <a:rPr lang="ko-KR" altLang="en-US" smtClean="0">
+                <a:latin typeface="210 맨발의청춘 B" panose="02020603020101020101" pitchFamily="18" charset="-127"/>
+                <a:ea typeface="210 맨발의청춘 B" panose="02020603020101020101" pitchFamily="18" charset="-127"/>
+              </a:rPr>
+              <a:t>백 앤드 설계</a:t>
+            </a:r>
+            <a:endParaRPr lang="ko-KR" altLang="en-US" dirty="0">
+              <a:latin typeface="210 맨발의청춘 B" panose="02020603020101020101" pitchFamily="18" charset="-127"/>
+              <a:ea typeface="210 맨발의청춘 B" panose="02020603020101020101" pitchFamily="18" charset="-127"/>
+            </a:endParaRPr>
+          </a:p>
+        </p:txBody>
+      </p:sp>
+      <p:sp>
+        <p:nvSpPr>
+          <p:cNvPr id="9" name="직사각형 8"/>
+          <p:cNvSpPr/>
+          <p:nvPr/>
+        </p:nvSpPr>
+        <p:spPr>
+          <a:xfrm>
+            <a:off x="2565919" y="0"/>
+            <a:ext cx="2388637" cy="466530"/>
+          </a:xfrm>
+          <a:prstGeom prst="rect">
+            <a:avLst/>
+          </a:prstGeom>
+          <a:solidFill>
+            <a:schemeClr val="tx1">
+              <a:lumMod val="50000"/>
+              <a:lumOff val="50000"/>
+            </a:schemeClr>
+          </a:solidFill>
+          <a:ln>
+            <a:noFill/>
+          </a:ln>
+        </p:spPr>
+        <p:style>
+          <a:lnRef idx="2">
+            <a:schemeClr val="accent1">
+              <a:shade val="50000"/>
+            </a:schemeClr>
+          </a:lnRef>
+          <a:fillRef idx="1">
+            <a:schemeClr val="accent1"/>
+          </a:fillRef>
+          <a:effectRef idx="0">
+            <a:schemeClr val="accent1"/>
+          </a:effectRef>
+          <a:fontRef idx="minor">
+            <a:schemeClr val="lt1"/>
+          </a:fontRef>
+        </p:style>
+        <p:txBody>
+          <a:bodyPr rtlCol="0" anchor="ctr"/>
+          <a:lstStyle/>
+          <a:p>
+            <a:pPr algn="ctr"/>
+            <a:r>
               <a:rPr lang="ko-KR" altLang="en-US" dirty="0" smtClean="0">
                 <a:latin typeface="210 맨발의청춘 B" panose="02020603020101020101" pitchFamily="18" charset="-127"/>
                 <a:ea typeface="210 맨발의청춘 B" panose="02020603020101020101" pitchFamily="18" charset="-127"/>
@@ -7463,7 +8627,7 @@
 </p:sld>
 </file>
 
-<file path=ppt/slides/slide12.xml><?xml version="1.0" encoding="utf-8"?>
+<file path=ppt/slides/slide13.xml><?xml version="1.0" encoding="utf-8"?>
 <p:sld xmlns:a="http://schemas.openxmlformats.org/drawingml/2006/main" xmlns:r="http://schemas.openxmlformats.org/officeDocument/2006/relationships" xmlns:p="http://schemas.openxmlformats.org/presentationml/2006/main">
   <p:cSld>
     <p:spTree>
@@ -10527,21 +11691,21 @@
                 <a:gridCol w="3836954">
                   <a:extLst>
                     <a:ext uri="{9D8B030D-6E8A-4147-A177-3AD203B41FA5}">
-                      <a16:colId xmlns:a16="http://schemas.microsoft.com/office/drawing/2014/main" val="20000"/>
+                      <a16:colId xmlns:a16="http://schemas.microsoft.com/office/drawing/2014/main" xmlns="" val="20000"/>
                     </a:ext>
                   </a:extLst>
                 </a:gridCol>
                 <a:gridCol w="1632857">
                   <a:extLst>
                     <a:ext uri="{9D8B030D-6E8A-4147-A177-3AD203B41FA5}">
-                      <a16:colId xmlns:a16="http://schemas.microsoft.com/office/drawing/2014/main" val="20001"/>
+                      <a16:colId xmlns:a16="http://schemas.microsoft.com/office/drawing/2014/main" xmlns="" val="20001"/>
                     </a:ext>
                   </a:extLst>
                 </a:gridCol>
                 <a:gridCol w="6055568">
                   <a:extLst>
                     <a:ext uri="{9D8B030D-6E8A-4147-A177-3AD203B41FA5}">
-                      <a16:colId xmlns:a16="http://schemas.microsoft.com/office/drawing/2014/main" val="20002"/>
+                      <a16:colId xmlns:a16="http://schemas.microsoft.com/office/drawing/2014/main" xmlns="" val="20002"/>
                     </a:ext>
                   </a:extLst>
                 </a:gridCol>
@@ -10606,7 +11770,7 @@
                 </a:tc>
                 <a:extLst>
                   <a:ext uri="{0D108BD9-81ED-4DB2-BD59-A6C34878D82A}">
-                    <a16:rowId xmlns:a16="http://schemas.microsoft.com/office/drawing/2014/main" val="10000"/>
+                    <a16:rowId xmlns:a16="http://schemas.microsoft.com/office/drawing/2014/main" xmlns="" val="10000"/>
                   </a:ext>
                 </a:extLst>
               </a:tr>
@@ -10682,7 +11846,7 @@
                 </a:tc>
                 <a:extLst>
                   <a:ext uri="{0D108BD9-81ED-4DB2-BD59-A6C34878D82A}">
-                    <a16:rowId xmlns:a16="http://schemas.microsoft.com/office/drawing/2014/main" val="10001"/>
+                    <a16:rowId xmlns:a16="http://schemas.microsoft.com/office/drawing/2014/main" xmlns="" val="10001"/>
                   </a:ext>
                 </a:extLst>
               </a:tr>
@@ -10754,7 +11918,7 @@
                 </a:tc>
                 <a:extLst>
                   <a:ext uri="{0D108BD9-81ED-4DB2-BD59-A6C34878D82A}">
-                    <a16:rowId xmlns:a16="http://schemas.microsoft.com/office/drawing/2014/main" val="10002"/>
+                    <a16:rowId xmlns:a16="http://schemas.microsoft.com/office/drawing/2014/main" xmlns="" val="10002"/>
                   </a:ext>
                 </a:extLst>
               </a:tr>
@@ -10830,7 +11994,7 @@
                 </a:tc>
                 <a:extLst>
                   <a:ext uri="{0D108BD9-81ED-4DB2-BD59-A6C34878D82A}">
-                    <a16:rowId xmlns:a16="http://schemas.microsoft.com/office/drawing/2014/main" val="10003"/>
+                    <a16:rowId xmlns:a16="http://schemas.microsoft.com/office/drawing/2014/main" xmlns="" val="10003"/>
                   </a:ext>
                 </a:extLst>
               </a:tr>
@@ -10890,7 +12054,7 @@
                 </a:tc>
                 <a:extLst>
                   <a:ext uri="{0D108BD9-81ED-4DB2-BD59-A6C34878D82A}">
-                    <a16:rowId xmlns:a16="http://schemas.microsoft.com/office/drawing/2014/main" val="10004"/>
+                    <a16:rowId xmlns:a16="http://schemas.microsoft.com/office/drawing/2014/main" xmlns="" val="10004"/>
                   </a:ext>
                 </a:extLst>
               </a:tr>
@@ -10930,7 +12094,7 @@
                 </a:tc>
                 <a:extLst>
                   <a:ext uri="{0D108BD9-81ED-4DB2-BD59-A6C34878D82A}">
-                    <a16:rowId xmlns:a16="http://schemas.microsoft.com/office/drawing/2014/main" val="10005"/>
+                    <a16:rowId xmlns:a16="http://schemas.microsoft.com/office/drawing/2014/main" xmlns="" val="10005"/>
                   </a:ext>
                 </a:extLst>
               </a:tr>
@@ -10970,7 +12134,7 @@
                 </a:tc>
                 <a:extLst>
                   <a:ext uri="{0D108BD9-81ED-4DB2-BD59-A6C34878D82A}">
-                    <a16:rowId xmlns:a16="http://schemas.microsoft.com/office/drawing/2014/main" val="10006"/>
+                    <a16:rowId xmlns:a16="http://schemas.microsoft.com/office/drawing/2014/main" xmlns="" val="10006"/>
                   </a:ext>
                 </a:extLst>
               </a:tr>
@@ -11010,7 +12174,7 @@
                 </a:tc>
                 <a:extLst>
                   <a:ext uri="{0D108BD9-81ED-4DB2-BD59-A6C34878D82A}">
-                    <a16:rowId xmlns:a16="http://schemas.microsoft.com/office/drawing/2014/main" val="10007"/>
+                    <a16:rowId xmlns:a16="http://schemas.microsoft.com/office/drawing/2014/main" xmlns="" val="10007"/>
                   </a:ext>
                 </a:extLst>
               </a:tr>
@@ -15331,54 +16495,10 @@
             <a:avLst/>
           </a:prstGeom>
           <a:solidFill>
-            <a:schemeClr val="bg1"/>
+            <a:schemeClr val="bg1">
+              <a:lumMod val="95000"/>
+            </a:schemeClr>
           </a:solidFill>
-        </p:spPr>
-        <p:style>
-          <a:lnRef idx="2">
-            <a:schemeClr val="accent1">
-              <a:shade val="50000"/>
-            </a:schemeClr>
-          </a:lnRef>
-          <a:fillRef idx="1">
-            <a:schemeClr val="accent1"/>
-          </a:fillRef>
-          <a:effectRef idx="0">
-            <a:schemeClr val="accent1"/>
-          </a:effectRef>
-          <a:fontRef idx="minor">
-            <a:schemeClr val="lt1"/>
-          </a:fontRef>
-        </p:style>
-        <p:txBody>
-          <a:bodyPr rtlCol="0" anchor="ctr"/>
-          <a:lstStyle/>
-          <a:p>
-            <a:pPr algn="ctr"/>
-            <a:endParaRPr lang="ko-KR" altLang="en-US"/>
-          </a:p>
-        </p:txBody>
-      </p:sp>
-      <p:sp>
-        <p:nvSpPr>
-          <p:cNvPr id="87" name="직사각형 86"/>
-          <p:cNvSpPr/>
-          <p:nvPr/>
-        </p:nvSpPr>
-        <p:spPr>
-          <a:xfrm>
-            <a:off x="4385388" y="1436914"/>
-            <a:ext cx="1156996" cy="1156996"/>
-          </a:xfrm>
-          <a:prstGeom prst="rect">
-            <a:avLst/>
-          </a:prstGeom>
-          <a:solidFill>
-            <a:srgbClr val="0070C0"/>
-          </a:solidFill>
-          <a:ln>
-            <a:noFill/>
-          </a:ln>
         </p:spPr>
         <p:style>
           <a:lnRef idx="2">
@@ -15575,10 +16695,452 @@
           </a:p>
         </p:txBody>
       </p:sp>
+      <p:pic>
+        <p:nvPicPr>
+          <p:cNvPr id="3" name="그림 2"/>
+          <p:cNvPicPr>
+            <a:picLocks noChangeAspect="1"/>
+          </p:cNvPicPr>
+          <p:nvPr/>
+        </p:nvPicPr>
+        <p:blipFill>
+          <a:blip r:embed="rId3"/>
+          <a:stretch>
+            <a:fillRect/>
+          </a:stretch>
+        </p:blipFill>
+        <p:spPr>
+          <a:xfrm>
+            <a:off x="7125868" y="896866"/>
+            <a:ext cx="2581275" cy="5267325"/>
+          </a:xfrm>
+          <a:prstGeom prst="rect">
+            <a:avLst/>
+          </a:prstGeom>
+        </p:spPr>
+      </p:pic>
+      <p:sp>
+        <p:nvSpPr>
+          <p:cNvPr id="12" name="직사각형 11"/>
+          <p:cNvSpPr/>
+          <p:nvPr/>
+        </p:nvSpPr>
+        <p:spPr>
+          <a:xfrm>
+            <a:off x="360777" y="1320457"/>
+            <a:ext cx="2844554" cy="1503747"/>
+          </a:xfrm>
+          <a:prstGeom prst="rect">
+            <a:avLst/>
+          </a:prstGeom>
+          <a:gradFill flip="none" rotWithShape="1">
+            <a:gsLst>
+              <a:gs pos="75000">
+                <a:srgbClr val="5D9BFF"/>
+              </a:gs>
+              <a:gs pos="100000">
+                <a:srgbClr val="5D9BFF"/>
+              </a:gs>
+              <a:gs pos="0">
+                <a:srgbClr val="448AFF"/>
+              </a:gs>
+            </a:gsLst>
+            <a:lin ang="13500000" scaled="1"/>
+            <a:tileRect/>
+          </a:gradFill>
+          <a:ln>
+            <a:noFill/>
+          </a:ln>
+        </p:spPr>
+        <p:style>
+          <a:lnRef idx="2">
+            <a:schemeClr val="accent1">
+              <a:shade val="50000"/>
+            </a:schemeClr>
+          </a:lnRef>
+          <a:fillRef idx="1">
+            <a:schemeClr val="accent1"/>
+          </a:fillRef>
+          <a:effectRef idx="0">
+            <a:schemeClr val="accent1"/>
+          </a:effectRef>
+          <a:fontRef idx="minor">
+            <a:schemeClr val="lt1"/>
+          </a:fontRef>
+        </p:style>
+        <p:txBody>
+          <a:bodyPr rtlCol="0" anchor="ctr"/>
+          <a:lstStyle/>
+          <a:p>
+            <a:pPr algn="ctr"/>
+            <a:endParaRPr lang="ko-KR" altLang="en-US"/>
+          </a:p>
+        </p:txBody>
+      </p:sp>
+      <p:sp>
+        <p:nvSpPr>
+          <p:cNvPr id="4" name="TextBox 3"/>
+          <p:cNvSpPr txBox="1"/>
+          <p:nvPr/>
+        </p:nvSpPr>
+        <p:spPr>
+          <a:xfrm>
+            <a:off x="360778" y="1447192"/>
+            <a:ext cx="2844554" cy="292388"/>
+          </a:xfrm>
+          <a:prstGeom prst="rect">
+            <a:avLst/>
+          </a:prstGeom>
+          <a:noFill/>
+        </p:spPr>
+        <p:txBody>
+          <a:bodyPr wrap="square" rtlCol="0">
+            <a:spAutoFit/>
+          </a:bodyPr>
+          <a:lstStyle/>
+          <a:p>
+            <a:r>
+              <a:rPr lang="ko-KR" altLang="en-US" sz="1300" dirty="0" smtClean="0">
+                <a:solidFill>
+                  <a:schemeClr val="bg1"/>
+                </a:solidFill>
+                <a:latin typeface="나눔고딕" panose="020D0604000000000000" pitchFamily="50" charset="-127"/>
+                <a:ea typeface="나눔고딕" panose="020D0604000000000000" pitchFamily="50" charset="-127"/>
+                <a:cs typeface="한컴바탕" panose="02030600000101010101" pitchFamily="18" charset="2"/>
+              </a:rPr>
+              <a:t> 자신에 대해 소개해주세요</a:t>
+            </a:r>
+            <a:endParaRPr lang="ko-KR" altLang="en-US" sz="1300" dirty="0">
+              <a:solidFill>
+                <a:schemeClr val="bg1"/>
+              </a:solidFill>
+              <a:latin typeface="나눔고딕" panose="020D0604000000000000" pitchFamily="50" charset="-127"/>
+              <a:ea typeface="나눔고딕" panose="020D0604000000000000" pitchFamily="50" charset="-127"/>
+              <a:cs typeface="한컴바탕" panose="02030600000101010101" pitchFamily="18" charset="2"/>
+            </a:endParaRPr>
+          </a:p>
+        </p:txBody>
+      </p:sp>
+      <p:sp>
+        <p:nvSpPr>
+          <p:cNvPr id="17" name="TextBox 16"/>
+          <p:cNvSpPr txBox="1"/>
+          <p:nvPr/>
+        </p:nvSpPr>
+        <p:spPr>
+          <a:xfrm>
+            <a:off x="360777" y="1727724"/>
+            <a:ext cx="2844554" cy="292388"/>
+          </a:xfrm>
+          <a:prstGeom prst="rect">
+            <a:avLst/>
+          </a:prstGeom>
+          <a:noFill/>
+        </p:spPr>
+        <p:txBody>
+          <a:bodyPr wrap="square" rtlCol="0">
+            <a:spAutoFit/>
+          </a:bodyPr>
+          <a:lstStyle/>
+          <a:p>
+            <a:r>
+              <a:rPr lang="ko-KR" altLang="en-US" sz="1300" dirty="0" smtClean="0">
+                <a:solidFill>
+                  <a:schemeClr val="bg1"/>
+                </a:solidFill>
+                <a:latin typeface="나눔고딕" panose="020D0604000000000000" pitchFamily="50" charset="-127"/>
+                <a:ea typeface="나눔고딕" panose="020D0604000000000000" pitchFamily="50" charset="-127"/>
+                <a:cs typeface="한컴바탕" panose="02030600000101010101" pitchFamily="18" charset="2"/>
+              </a:rPr>
+              <a:t> 어떤 답변이든지 좋습니다</a:t>
+            </a:r>
+            <a:r>
+              <a:rPr lang="en-US" altLang="ko-KR" sz="1300" dirty="0" smtClean="0">
+                <a:solidFill>
+                  <a:schemeClr val="bg1"/>
+                </a:solidFill>
+                <a:latin typeface="나눔고딕" panose="020D0604000000000000" pitchFamily="50" charset="-127"/>
+                <a:ea typeface="나눔고딕" panose="020D0604000000000000" pitchFamily="50" charset="-127"/>
+                <a:cs typeface="한컴바탕" panose="02030600000101010101" pitchFamily="18" charset="2"/>
+              </a:rPr>
+              <a:t>.</a:t>
+            </a:r>
+            <a:endParaRPr lang="ko-KR" altLang="en-US" sz="1300" dirty="0">
+              <a:solidFill>
+                <a:schemeClr val="bg1"/>
+              </a:solidFill>
+              <a:latin typeface="나눔고딕" panose="020D0604000000000000" pitchFamily="50" charset="-127"/>
+              <a:ea typeface="나눔고딕" panose="020D0604000000000000" pitchFamily="50" charset="-127"/>
+              <a:cs typeface="한컴바탕" panose="02030600000101010101" pitchFamily="18" charset="2"/>
+            </a:endParaRPr>
+          </a:p>
+        </p:txBody>
+      </p:sp>
+      <p:sp>
+        <p:nvSpPr>
+          <p:cNvPr id="18" name="TextBox 17"/>
+          <p:cNvSpPr txBox="1"/>
+          <p:nvPr/>
+        </p:nvSpPr>
+        <p:spPr>
+          <a:xfrm>
+            <a:off x="360777" y="2104341"/>
+            <a:ext cx="2844554" cy="646331"/>
+          </a:xfrm>
+          <a:prstGeom prst="rect">
+            <a:avLst/>
+          </a:prstGeom>
+          <a:noFill/>
+        </p:spPr>
+        <p:txBody>
+          <a:bodyPr wrap="square" rtlCol="0">
+            <a:spAutoFit/>
+          </a:bodyPr>
+          <a:lstStyle/>
+          <a:p>
+            <a:pPr>
+              <a:lnSpc>
+                <a:spcPct val="150000"/>
+              </a:lnSpc>
+            </a:pPr>
+            <a:r>
+              <a:rPr lang="ko-KR" altLang="en-US" sz="800" dirty="0" smtClean="0">
+                <a:solidFill>
+                  <a:schemeClr val="bg1"/>
+                </a:solidFill>
+                <a:latin typeface="나눔고딕" panose="020D0604000000000000" pitchFamily="50" charset="-127"/>
+                <a:ea typeface="나눔고딕" panose="020D0604000000000000" pitchFamily="50" charset="-127"/>
+                <a:cs typeface="한컴바탕" panose="02030600000101010101" pitchFamily="18" charset="2"/>
+              </a:rPr>
+              <a:t>  한국어 </a:t>
+            </a:r>
+            <a:r>
+              <a:rPr lang="en-US" altLang="ko-KR" sz="800" dirty="0" smtClean="0">
+                <a:solidFill>
+                  <a:schemeClr val="bg1"/>
+                </a:solidFill>
+                <a:latin typeface="나눔고딕" panose="020D0604000000000000" pitchFamily="50" charset="-127"/>
+                <a:ea typeface="나눔고딕" panose="020D0604000000000000" pitchFamily="50" charset="-127"/>
+                <a:cs typeface="한컴바탕" panose="02030600000101010101" pitchFamily="18" charset="2"/>
+              </a:rPr>
+              <a:t>-&gt; </a:t>
+            </a:r>
+            <a:r>
+              <a:rPr lang="ko-KR" altLang="en-US" sz="800" dirty="0" smtClean="0">
+                <a:solidFill>
+                  <a:schemeClr val="bg1"/>
+                </a:solidFill>
+                <a:latin typeface="나눔고딕" panose="020D0604000000000000" pitchFamily="50" charset="-127"/>
+                <a:ea typeface="나눔고딕" panose="020D0604000000000000" pitchFamily="50" charset="-127"/>
+                <a:cs typeface="한컴바탕" panose="02030600000101010101" pitchFamily="18" charset="2"/>
+              </a:rPr>
+              <a:t>한국어</a:t>
+            </a:r>
+            <a:endParaRPr lang="en-US" altLang="ko-KR" sz="800" dirty="0" smtClean="0">
+              <a:solidFill>
+                <a:schemeClr val="bg1"/>
+              </a:solidFill>
+              <a:latin typeface="나눔고딕" panose="020D0604000000000000" pitchFamily="50" charset="-127"/>
+              <a:ea typeface="나눔고딕" panose="020D0604000000000000" pitchFamily="50" charset="-127"/>
+              <a:cs typeface="한컴바탕" panose="02030600000101010101" pitchFamily="18" charset="2"/>
+            </a:endParaRPr>
+          </a:p>
+          <a:p>
+            <a:pPr>
+              <a:lnSpc>
+                <a:spcPct val="150000"/>
+              </a:lnSpc>
+            </a:pPr>
+            <a:r>
+              <a:rPr lang="en-US" altLang="ko-KR" sz="800" dirty="0">
+                <a:solidFill>
+                  <a:schemeClr val="bg1"/>
+                </a:solidFill>
+                <a:latin typeface="나눔고딕" panose="020D0604000000000000" pitchFamily="50" charset="-127"/>
+                <a:ea typeface="나눔고딕" panose="020D0604000000000000" pitchFamily="50" charset="-127"/>
+                <a:cs typeface="한컴바탕" panose="02030600000101010101" pitchFamily="18" charset="2"/>
+              </a:rPr>
+              <a:t> </a:t>
+            </a:r>
+            <a:r>
+              <a:rPr lang="en-US" altLang="ko-KR" sz="800" dirty="0" smtClean="0">
+                <a:solidFill>
+                  <a:schemeClr val="bg1"/>
+                </a:solidFill>
+                <a:latin typeface="나눔고딕" panose="020D0604000000000000" pitchFamily="50" charset="-127"/>
+                <a:ea typeface="나눔고딕" panose="020D0604000000000000" pitchFamily="50" charset="-127"/>
+                <a:cs typeface="한컴바탕" panose="02030600000101010101" pitchFamily="18" charset="2"/>
+              </a:rPr>
+              <a:t> </a:t>
+            </a:r>
+            <a:r>
+              <a:rPr lang="ko-KR" altLang="en-US" sz="800" dirty="0" smtClean="0">
+                <a:solidFill>
+                  <a:schemeClr val="bg1"/>
+                </a:solidFill>
+                <a:latin typeface="나눔고딕" panose="020D0604000000000000" pitchFamily="50" charset="-127"/>
+                <a:ea typeface="나눔고딕" panose="020D0604000000000000" pitchFamily="50" charset="-127"/>
+                <a:cs typeface="한컴바탕" panose="02030600000101010101" pitchFamily="18" charset="2"/>
+              </a:rPr>
+              <a:t>발표 시간 </a:t>
+            </a:r>
+            <a:r>
+              <a:rPr lang="en-US" altLang="ko-KR" sz="800" dirty="0" smtClean="0">
+                <a:solidFill>
+                  <a:schemeClr val="bg1"/>
+                </a:solidFill>
+                <a:latin typeface="나눔고딕" panose="020D0604000000000000" pitchFamily="50" charset="-127"/>
+                <a:ea typeface="나눔고딕" panose="020D0604000000000000" pitchFamily="50" charset="-127"/>
+                <a:cs typeface="한컴바탕" panose="02030600000101010101" pitchFamily="18" charset="2"/>
+              </a:rPr>
+              <a:t>(1</a:t>
+            </a:r>
+            <a:r>
+              <a:rPr lang="ko-KR" altLang="en-US" sz="800" dirty="0" smtClean="0">
+                <a:solidFill>
+                  <a:schemeClr val="bg1"/>
+                </a:solidFill>
+                <a:latin typeface="나눔고딕" panose="020D0604000000000000" pitchFamily="50" charset="-127"/>
+                <a:ea typeface="나눔고딕" panose="020D0604000000000000" pitchFamily="50" charset="-127"/>
+                <a:cs typeface="한컴바탕" panose="02030600000101010101" pitchFamily="18" charset="2"/>
+              </a:rPr>
+              <a:t>분</a:t>
+            </a:r>
+            <a:r>
+              <a:rPr lang="en-US" altLang="ko-KR" sz="800" dirty="0" smtClean="0">
+                <a:solidFill>
+                  <a:schemeClr val="bg1"/>
+                </a:solidFill>
+                <a:latin typeface="나눔고딕" panose="020D0604000000000000" pitchFamily="50" charset="-127"/>
+                <a:ea typeface="나눔고딕" panose="020D0604000000000000" pitchFamily="50" charset="-127"/>
+                <a:cs typeface="한컴바탕" panose="02030600000101010101" pitchFamily="18" charset="2"/>
+              </a:rPr>
+              <a:t>)</a:t>
+            </a:r>
+          </a:p>
+          <a:p>
+            <a:pPr>
+              <a:lnSpc>
+                <a:spcPct val="150000"/>
+              </a:lnSpc>
+            </a:pPr>
+            <a:r>
+              <a:rPr lang="en-US" altLang="ko-KR" sz="800" dirty="0">
+                <a:solidFill>
+                  <a:schemeClr val="bg1"/>
+                </a:solidFill>
+                <a:latin typeface="나눔고딕" panose="020D0604000000000000" pitchFamily="50" charset="-127"/>
+                <a:ea typeface="나눔고딕" panose="020D0604000000000000" pitchFamily="50" charset="-127"/>
+                <a:cs typeface="한컴바탕" panose="02030600000101010101" pitchFamily="18" charset="2"/>
+              </a:rPr>
+              <a:t> </a:t>
+            </a:r>
+            <a:r>
+              <a:rPr lang="en-US" altLang="ko-KR" sz="800" dirty="0" smtClean="0">
+                <a:solidFill>
+                  <a:schemeClr val="bg1"/>
+                </a:solidFill>
+                <a:latin typeface="나눔고딕" panose="020D0604000000000000" pitchFamily="50" charset="-127"/>
+                <a:ea typeface="나눔고딕" panose="020D0604000000000000" pitchFamily="50" charset="-127"/>
+                <a:cs typeface="한컴바탕" panose="02030600000101010101" pitchFamily="18" charset="2"/>
+              </a:rPr>
+              <a:t> 2017 </a:t>
+            </a:r>
+            <a:r>
+              <a:rPr lang="ko-KR" altLang="en-US" sz="800" dirty="0">
+                <a:solidFill>
+                  <a:schemeClr val="bg1"/>
+                </a:solidFill>
+                <a:latin typeface="나눔고딕" panose="020D0604000000000000" pitchFamily="50" charset="-127"/>
+                <a:ea typeface="나눔고딕" panose="020D0604000000000000" pitchFamily="50" charset="-127"/>
+                <a:cs typeface="한컴바탕" panose="02030600000101010101" pitchFamily="18" charset="2"/>
+              </a:rPr>
+              <a:t>삼성 전자 공채 </a:t>
+            </a:r>
+            <a:r>
+              <a:rPr lang="ko-KR" altLang="en-US" sz="800" dirty="0" smtClean="0">
+                <a:solidFill>
+                  <a:schemeClr val="bg1"/>
+                </a:solidFill>
+                <a:latin typeface="나눔고딕" panose="020D0604000000000000" pitchFamily="50" charset="-127"/>
+                <a:ea typeface="나눔고딕" panose="020D0604000000000000" pitchFamily="50" charset="-127"/>
+                <a:cs typeface="한컴바탕" panose="02030600000101010101" pitchFamily="18" charset="2"/>
+              </a:rPr>
+              <a:t>시험</a:t>
+            </a:r>
+            <a:endParaRPr lang="en-US" altLang="ko-KR" sz="800" dirty="0" smtClean="0">
+              <a:solidFill>
+                <a:schemeClr val="bg1"/>
+              </a:solidFill>
+              <a:latin typeface="나눔고딕" panose="020D0604000000000000" pitchFamily="50" charset="-127"/>
+              <a:ea typeface="나눔고딕" panose="020D0604000000000000" pitchFamily="50" charset="-127"/>
+              <a:cs typeface="한컴바탕" panose="02030600000101010101" pitchFamily="18" charset="2"/>
+            </a:endParaRPr>
+          </a:p>
+        </p:txBody>
+      </p:sp>
+      <p:sp>
+        <p:nvSpPr>
+          <p:cNvPr id="20" name="직사각형 19"/>
+          <p:cNvSpPr/>
+          <p:nvPr/>
+        </p:nvSpPr>
+        <p:spPr>
+          <a:xfrm>
+            <a:off x="3995214" y="2339506"/>
+            <a:ext cx="2844554" cy="1404875"/>
+          </a:xfrm>
+          <a:prstGeom prst="rect">
+            <a:avLst/>
+          </a:prstGeom>
+          <a:gradFill flip="none" rotWithShape="1">
+            <a:gsLst>
+              <a:gs pos="75000">
+                <a:srgbClr val="5D9BFF"/>
+              </a:gs>
+              <a:gs pos="100000">
+                <a:srgbClr val="5D9BFF"/>
+              </a:gs>
+              <a:gs pos="0">
+                <a:srgbClr val="448AFF"/>
+              </a:gs>
+            </a:gsLst>
+            <a:lin ang="13500000" scaled="1"/>
+            <a:tileRect/>
+          </a:gradFill>
+          <a:ln>
+            <a:noFill/>
+          </a:ln>
+        </p:spPr>
+        <p:style>
+          <a:lnRef idx="2">
+            <a:schemeClr val="accent1">
+              <a:shade val="50000"/>
+            </a:schemeClr>
+          </a:lnRef>
+          <a:fillRef idx="1">
+            <a:schemeClr val="accent1"/>
+          </a:fillRef>
+          <a:effectRef idx="0">
+            <a:schemeClr val="accent1"/>
+          </a:effectRef>
+          <a:fontRef idx="minor">
+            <a:schemeClr val="lt1"/>
+          </a:fontRef>
+        </p:style>
+        <p:txBody>
+          <a:bodyPr rtlCol="0" anchor="ctr"/>
+          <a:lstStyle/>
+          <a:p>
+            <a:pPr algn="ctr"/>
+            <a:endParaRPr lang="ko-KR" altLang="en-US"/>
+          </a:p>
+        </p:txBody>
+      </p:sp>
     </p:spTree>
     <p:extLst>
       <p:ext uri="{BB962C8B-B14F-4D97-AF65-F5344CB8AC3E}">
-        <p14:creationId xmlns:p14="http://schemas.microsoft.com/office/powerpoint/2010/main" val="21006866"/>
+        <p14:creationId xmlns:p14="http://schemas.microsoft.com/office/powerpoint/2010/main" val="2329308064"/>
       </p:ext>
     </p:extLst>
   </p:cSld>
@@ -15652,21 +17214,7 @@
                 <a:latin typeface="210 맨발의청춘 B" panose="02020603020101020101" pitchFamily="18" charset="-127"/>
                 <a:ea typeface="210 맨발의청춘 B" panose="02020603020101020101" pitchFamily="18" charset="-127"/>
               </a:rPr>
-              <a:t>초기 </a:t>
-            </a:r>
-            <a:r>
-              <a:rPr lang="ko-KR" altLang="en-US" dirty="0" err="1" smtClean="0">
-                <a:latin typeface="210 맨발의청춘 B" panose="02020603020101020101" pitchFamily="18" charset="-127"/>
-                <a:ea typeface="210 맨발의청춘 B" panose="02020603020101020101" pitchFamily="18" charset="-127"/>
-              </a:rPr>
-              <a:t>세팅</a:t>
-            </a:r>
-            <a:r>
-              <a:rPr lang="ko-KR" altLang="en-US" dirty="0" smtClean="0">
-                <a:latin typeface="210 맨발의청춘 B" panose="02020603020101020101" pitchFamily="18" charset="-127"/>
-                <a:ea typeface="210 맨발의청춘 B" panose="02020603020101020101" pitchFamily="18" charset="-127"/>
-              </a:rPr>
-              <a:t> 작업</a:t>
+              <a:t>레이아웃</a:t>
             </a:r>
             <a:endParaRPr lang="ko-KR" altLang="en-US" dirty="0">
               <a:latin typeface="210 맨발의청춘 B" panose="02020603020101020101" pitchFamily="18" charset="-127"/>
@@ -15721,11 +17269,11 @@
           <a:p>
             <a:pPr algn="ctr"/>
             <a:r>
-              <a:rPr lang="en-US" altLang="ko-KR" dirty="0" smtClean="0">
+              <a:rPr lang="ko-KR" altLang="en-US" dirty="0" smtClean="0">
                 <a:latin typeface="210 맨발의청춘 B" panose="02020603020101020101" pitchFamily="18" charset="-127"/>
                 <a:ea typeface="210 맨발의청춘 B" panose="02020603020101020101" pitchFamily="18" charset="-127"/>
               </a:rPr>
-              <a:t>Scene Flow</a:t>
+              <a:t>내 면접 결과</a:t>
             </a:r>
             <a:endParaRPr lang="ko-KR" altLang="en-US" dirty="0">
               <a:latin typeface="210 맨발의청춘 B" panose="02020603020101020101" pitchFamily="18" charset="-127"/>
@@ -15736,41 +17284,71 @@
       </p:sp>
       <p:sp>
         <p:nvSpPr>
-          <p:cNvPr id="10" name="직사각형 9"/>
-          <p:cNvSpPr>
-            <a:spLocks noChangeAspect="1"/>
-          </p:cNvSpPr>
-          <p:nvPr/>
-        </p:nvSpPr>
-        <p:spPr>
-          <a:xfrm>
-            <a:off x="201831" y="849769"/>
-            <a:ext cx="3239998" cy="5760000"/>
-          </a:xfrm>
-          <a:prstGeom prst="rect">
-            <a:avLst/>
-          </a:prstGeom>
-          <a:gradFill flip="none" rotWithShape="1">
-            <a:gsLst>
-              <a:gs pos="0">
-                <a:srgbClr val="22AFE0"/>
-              </a:gs>
-              <a:gs pos="33000">
-                <a:srgbClr val="5558AC"/>
-              </a:gs>
-              <a:gs pos="66000">
-                <a:srgbClr val="E878C0"/>
-              </a:gs>
-              <a:gs pos="100000">
-                <a:srgbClr val="EF735E"/>
-              </a:gs>
-            </a:gsLst>
-            <a:lin ang="5400000" scaled="1"/>
-            <a:tileRect/>
-          </a:gradFill>
-          <a:ln>
-            <a:noFill/>
-          </a:ln>
+          <p:cNvPr id="11" name="TextBox 10"/>
+          <p:cNvSpPr txBox="1"/>
+          <p:nvPr/>
+        </p:nvSpPr>
+        <p:spPr>
+          <a:xfrm>
+            <a:off x="1417153" y="6609769"/>
+            <a:ext cx="585417" cy="276999"/>
+          </a:xfrm>
+          <a:prstGeom prst="rect">
+            <a:avLst/>
+          </a:prstGeom>
+          <a:noFill/>
+        </p:spPr>
+        <p:txBody>
+          <a:bodyPr wrap="none" rtlCol="0">
+            <a:spAutoFit/>
+          </a:bodyPr>
+          <a:lstStyle/>
+          <a:p>
+            <a:r>
+              <a:rPr lang="en-US" altLang="ko-KR" sz="1200" dirty="0" smtClean="0">
+                <a:latin typeface="210 맨발의청춘 L" panose="02020603020101020101" pitchFamily="18" charset="-127"/>
+                <a:ea typeface="210 맨발의청춘 L" panose="02020603020101020101" pitchFamily="18" charset="-127"/>
+              </a:rPr>
+              <a:t>[</a:t>
+            </a:r>
+            <a:r>
+              <a:rPr lang="ko-KR" altLang="en-US" sz="1200" dirty="0" smtClean="0">
+                <a:latin typeface="210 맨발의청춘 L" panose="02020603020101020101" pitchFamily="18" charset="-127"/>
+                <a:ea typeface="210 맨발의청춘 L" panose="02020603020101020101" pitchFamily="18" charset="-127"/>
+              </a:rPr>
+              <a:t>메인</a:t>
+            </a:r>
+            <a:r>
+              <a:rPr lang="en-US" altLang="ko-KR" sz="1200" dirty="0" smtClean="0">
+                <a:latin typeface="210 맨발의청춘 L" panose="02020603020101020101" pitchFamily="18" charset="-127"/>
+                <a:ea typeface="210 맨발의청춘 L" panose="02020603020101020101" pitchFamily="18" charset="-127"/>
+              </a:rPr>
+              <a:t>]</a:t>
+            </a:r>
+            <a:endParaRPr lang="ko-KR" altLang="en-US" sz="1200" dirty="0">
+              <a:latin typeface="210 맨발의청춘 L" panose="02020603020101020101" pitchFamily="18" charset="-127"/>
+              <a:ea typeface="210 맨발의청춘 L" panose="02020603020101020101" pitchFamily="18" charset="-127"/>
+            </a:endParaRPr>
+          </a:p>
+        </p:txBody>
+      </p:sp>
+      <p:sp>
+        <p:nvSpPr>
+          <p:cNvPr id="70" name="직사각형 69"/>
+          <p:cNvSpPr/>
+          <p:nvPr/>
+        </p:nvSpPr>
+        <p:spPr>
+          <a:xfrm>
+            <a:off x="232442" y="1052124"/>
+            <a:ext cx="3114675" cy="4972050"/>
+          </a:xfrm>
+          <a:prstGeom prst="rect">
+            <a:avLst/>
+          </a:prstGeom>
+          <a:solidFill>
+            <a:schemeClr val="bg1"/>
+          </a:solidFill>
         </p:spPr>
         <p:style>
           <a:lnRef idx="2">
@@ -15799,82 +17377,21 @@
       </p:sp>
       <p:sp>
         <p:nvSpPr>
-          <p:cNvPr id="11" name="TextBox 10"/>
-          <p:cNvSpPr txBox="1"/>
-          <p:nvPr/>
-        </p:nvSpPr>
-        <p:spPr>
-          <a:xfrm>
-            <a:off x="1417153" y="6609769"/>
-            <a:ext cx="585417" cy="276999"/>
-          </a:xfrm>
-          <a:prstGeom prst="rect">
-            <a:avLst/>
-          </a:prstGeom>
-          <a:noFill/>
-        </p:spPr>
-        <p:txBody>
-          <a:bodyPr wrap="none" rtlCol="0">
-            <a:spAutoFit/>
-          </a:bodyPr>
-          <a:lstStyle/>
-          <a:p>
-            <a:r>
-              <a:rPr lang="en-US" altLang="ko-KR" sz="1200" dirty="0" smtClean="0">
-                <a:latin typeface="210 맨발의청춘 L" panose="02020603020101020101" pitchFamily="18" charset="-127"/>
-                <a:ea typeface="210 맨발의청춘 L" panose="02020603020101020101" pitchFamily="18" charset="-127"/>
-              </a:rPr>
-              <a:t>[</a:t>
-            </a:r>
-            <a:r>
-              <a:rPr lang="ko-KR" altLang="en-US" sz="1200" dirty="0" smtClean="0">
-                <a:latin typeface="210 맨발의청춘 L" panose="02020603020101020101" pitchFamily="18" charset="-127"/>
-                <a:ea typeface="210 맨발의청춘 L" panose="02020603020101020101" pitchFamily="18" charset="-127"/>
-              </a:rPr>
-              <a:t>메인</a:t>
-            </a:r>
-            <a:r>
-              <a:rPr lang="en-US" altLang="ko-KR" sz="1200" dirty="0" smtClean="0">
-                <a:latin typeface="210 맨발의청춘 L" panose="02020603020101020101" pitchFamily="18" charset="-127"/>
-                <a:ea typeface="210 맨발의청춘 L" panose="02020603020101020101" pitchFamily="18" charset="-127"/>
-              </a:rPr>
-              <a:t>]</a:t>
-            </a:r>
-            <a:endParaRPr lang="ko-KR" altLang="en-US" sz="1200" dirty="0">
-              <a:latin typeface="210 맨발의청춘 L" panose="02020603020101020101" pitchFamily="18" charset="-127"/>
-              <a:ea typeface="210 맨발의청춘 L" panose="02020603020101020101" pitchFamily="18" charset="-127"/>
-            </a:endParaRPr>
-          </a:p>
-        </p:txBody>
-      </p:sp>
-      <p:sp>
-        <p:nvSpPr>
-          <p:cNvPr id="43" name="직사각형 42"/>
+          <p:cNvPr id="87" name="직사각형 86"/>
           <p:cNvSpPr/>
           <p:nvPr/>
         </p:nvSpPr>
         <p:spPr>
           <a:xfrm>
-            <a:off x="-67110" y="849769"/>
-            <a:ext cx="3239998" cy="1440000"/>
-          </a:xfrm>
-          <a:prstGeom prst="rect">
-            <a:avLst/>
-          </a:prstGeom>
-          <a:gradFill flip="none" rotWithShape="1">
-            <a:gsLst>
-              <a:gs pos="0">
-                <a:srgbClr val="21B0E2">
-                  <a:alpha val="85000"/>
-                </a:srgbClr>
-              </a:gs>
-              <a:gs pos="40000">
-                <a:srgbClr val="0BA7DA"/>
-              </a:gs>
-            </a:gsLst>
-            <a:lin ang="10800000" scaled="1"/>
-            <a:tileRect/>
-          </a:gradFill>
+            <a:off x="4385388" y="1436914"/>
+            <a:ext cx="1156996" cy="1156996"/>
+          </a:xfrm>
+          <a:prstGeom prst="rect">
+            <a:avLst/>
+          </a:prstGeom>
+          <a:solidFill>
+            <a:srgbClr val="0070C0"/>
+          </a:solidFill>
           <a:ln>
             <a:noFill/>
           </a:ln>
@@ -15904,438 +17421,16 @@
           </a:p>
         </p:txBody>
       </p:sp>
-      <p:sp>
-        <p:nvSpPr>
-          <p:cNvPr id="44" name="직사각형 43"/>
-          <p:cNvSpPr/>
-          <p:nvPr/>
-        </p:nvSpPr>
-        <p:spPr>
-          <a:xfrm>
-            <a:off x="-67110" y="2289769"/>
-            <a:ext cx="3239998" cy="1425356"/>
-          </a:xfrm>
-          <a:prstGeom prst="rect">
-            <a:avLst/>
-          </a:prstGeom>
-          <a:gradFill flip="none" rotWithShape="1">
-            <a:gsLst>
-              <a:gs pos="0">
-                <a:srgbClr val="5557AA">
-                  <a:alpha val="85000"/>
-                </a:srgbClr>
-              </a:gs>
-              <a:gs pos="40000">
-                <a:srgbClr val="5153AA"/>
-              </a:gs>
-            </a:gsLst>
-            <a:lin ang="10800000" scaled="1"/>
-            <a:tileRect/>
-          </a:gradFill>
-          <a:ln>
-            <a:noFill/>
-          </a:ln>
-        </p:spPr>
-        <p:style>
-          <a:lnRef idx="2">
-            <a:schemeClr val="accent1">
-              <a:shade val="50000"/>
-            </a:schemeClr>
-          </a:lnRef>
-          <a:fillRef idx="1">
-            <a:schemeClr val="accent1"/>
-          </a:fillRef>
-          <a:effectRef idx="0">
-            <a:schemeClr val="accent1"/>
-          </a:effectRef>
-          <a:fontRef idx="minor">
-            <a:schemeClr val="lt1"/>
-          </a:fontRef>
-        </p:style>
-        <p:txBody>
-          <a:bodyPr rtlCol="0" anchor="ctr"/>
-          <a:lstStyle/>
-          <a:p>
-            <a:pPr algn="ctr"/>
-            <a:endParaRPr lang="ko-KR" altLang="en-US"/>
-          </a:p>
-        </p:txBody>
-      </p:sp>
-      <p:sp>
-        <p:nvSpPr>
-          <p:cNvPr id="46" name="직사각형 45"/>
-          <p:cNvSpPr/>
-          <p:nvPr/>
-        </p:nvSpPr>
-        <p:spPr>
-          <a:xfrm>
-            <a:off x="-67110" y="3715125"/>
-            <a:ext cx="3239998" cy="1440000"/>
-          </a:xfrm>
-          <a:prstGeom prst="rect">
-            <a:avLst/>
-          </a:prstGeom>
-          <a:gradFill flip="none" rotWithShape="1">
-            <a:gsLst>
-              <a:gs pos="0">
-                <a:srgbClr val="E979BF">
-                  <a:alpha val="85000"/>
-                </a:srgbClr>
-              </a:gs>
-              <a:gs pos="40000">
-                <a:srgbClr val="E878C0"/>
-              </a:gs>
-            </a:gsLst>
-            <a:lin ang="10800000" scaled="1"/>
-            <a:tileRect/>
-          </a:gradFill>
-          <a:ln>
-            <a:noFill/>
-          </a:ln>
-        </p:spPr>
-        <p:style>
-          <a:lnRef idx="2">
-            <a:schemeClr val="accent1">
-              <a:shade val="50000"/>
-            </a:schemeClr>
-          </a:lnRef>
-          <a:fillRef idx="1">
-            <a:schemeClr val="accent1"/>
-          </a:fillRef>
-          <a:effectRef idx="0">
-            <a:schemeClr val="accent1"/>
-          </a:effectRef>
-          <a:fontRef idx="minor">
-            <a:schemeClr val="lt1"/>
-          </a:fontRef>
-        </p:style>
-        <p:txBody>
-          <a:bodyPr rtlCol="0" anchor="ctr"/>
-          <a:lstStyle/>
-          <a:p>
-            <a:pPr algn="ctr"/>
-            <a:endParaRPr lang="ko-KR" altLang="en-US"/>
-          </a:p>
-        </p:txBody>
-      </p:sp>
-      <p:sp>
-        <p:nvSpPr>
-          <p:cNvPr id="49" name="직사각형 48"/>
-          <p:cNvSpPr/>
-          <p:nvPr/>
-        </p:nvSpPr>
-        <p:spPr>
-          <a:xfrm>
-            <a:off x="-67110" y="5155125"/>
-            <a:ext cx="3239998" cy="1410712"/>
-          </a:xfrm>
-          <a:prstGeom prst="rect">
-            <a:avLst/>
-          </a:prstGeom>
-          <a:gradFill flip="none" rotWithShape="1">
-            <a:gsLst>
-              <a:gs pos="0">
-                <a:srgbClr val="F2684C">
-                  <a:alpha val="85000"/>
-                </a:srgbClr>
-              </a:gs>
-              <a:gs pos="40000">
-                <a:srgbClr val="F46A4E"/>
-              </a:gs>
-            </a:gsLst>
-            <a:lin ang="10800000" scaled="1"/>
-            <a:tileRect/>
-          </a:gradFill>
-          <a:ln>
-            <a:noFill/>
-          </a:ln>
-        </p:spPr>
-        <p:style>
-          <a:lnRef idx="2">
-            <a:schemeClr val="accent1">
-              <a:shade val="50000"/>
-            </a:schemeClr>
-          </a:lnRef>
-          <a:fillRef idx="1">
-            <a:schemeClr val="accent1"/>
-          </a:fillRef>
-          <a:effectRef idx="0">
-            <a:schemeClr val="accent1"/>
-          </a:effectRef>
-          <a:fontRef idx="minor">
-            <a:schemeClr val="lt1"/>
-          </a:fontRef>
-        </p:style>
-        <p:txBody>
-          <a:bodyPr rtlCol="0" anchor="ctr"/>
-          <a:lstStyle/>
-          <a:p>
-            <a:pPr algn="ctr"/>
-            <a:endParaRPr lang="ko-KR" altLang="en-US"/>
-          </a:p>
-        </p:txBody>
-      </p:sp>
       <p:pic>
         <p:nvPicPr>
-          <p:cNvPr id="68" name="그림 67"/>
+          <p:cNvPr id="88" name="그림 87"/>
           <p:cNvPicPr>
             <a:picLocks noChangeAspect="1"/>
           </p:cNvPicPr>
           <p:nvPr/>
         </p:nvPicPr>
         <p:blipFill>
-          <a:blip r:embed="rId2"/>
-          <a:stretch>
-            <a:fillRect/>
-          </a:stretch>
-        </p:blipFill>
-        <p:spPr>
-          <a:xfrm>
-            <a:off x="7431152" y="849768"/>
-            <a:ext cx="3114675" cy="4972050"/>
-          </a:xfrm>
-          <a:prstGeom prst="rect">
-            <a:avLst/>
-          </a:prstGeom>
-        </p:spPr>
-      </p:pic>
-      <p:sp>
-        <p:nvSpPr>
-          <p:cNvPr id="25" name="직사각형 24"/>
-          <p:cNvSpPr>
-            <a:spLocks noChangeAspect="1"/>
-          </p:cNvSpPr>
-          <p:nvPr/>
-        </p:nvSpPr>
-        <p:spPr>
-          <a:xfrm>
-            <a:off x="3746015" y="849769"/>
-            <a:ext cx="3239998" cy="5760000"/>
-          </a:xfrm>
-          <a:prstGeom prst="rect">
-            <a:avLst/>
-          </a:prstGeom>
-          <a:gradFill flip="none" rotWithShape="1">
-            <a:gsLst>
-              <a:gs pos="9000">
-                <a:srgbClr val="66E6F4"/>
-              </a:gs>
-              <a:gs pos="81000">
-                <a:srgbClr val="1FA8DD"/>
-              </a:gs>
-            </a:gsLst>
-            <a:path path="circle">
-              <a:fillToRect r="100000" b="100000"/>
-            </a:path>
-            <a:tileRect l="-100000" t="-100000"/>
-          </a:gradFill>
-          <a:ln>
-            <a:noFill/>
-          </a:ln>
-        </p:spPr>
-        <p:style>
-          <a:lnRef idx="2">
-            <a:schemeClr val="accent1">
-              <a:shade val="50000"/>
-            </a:schemeClr>
-          </a:lnRef>
-          <a:fillRef idx="1">
-            <a:schemeClr val="accent1"/>
-          </a:fillRef>
-          <a:effectRef idx="0">
-            <a:schemeClr val="accent1"/>
-          </a:effectRef>
-          <a:fontRef idx="minor">
-            <a:schemeClr val="lt1"/>
-          </a:fontRef>
-        </p:style>
-        <p:txBody>
-          <a:bodyPr rtlCol="0" anchor="ctr"/>
-          <a:lstStyle/>
-          <a:p>
-            <a:pPr algn="ctr"/>
-            <a:endParaRPr lang="ko-KR" altLang="en-US"/>
-          </a:p>
-        </p:txBody>
-      </p:sp>
-      <p:sp>
-        <p:nvSpPr>
-          <p:cNvPr id="29" name="순서도: 대체 처리 28"/>
-          <p:cNvSpPr/>
-          <p:nvPr/>
-        </p:nvSpPr>
-        <p:spPr>
-          <a:xfrm>
-            <a:off x="4059436" y="5380142"/>
-            <a:ext cx="2641600" cy="391885"/>
-          </a:xfrm>
-          <a:prstGeom prst="flowChartAlternateProcess">
-            <a:avLst/>
-          </a:prstGeom>
-          <a:noFill/>
-          <a:ln w="12700">
-            <a:solidFill>
-              <a:schemeClr val="bg1">
-                <a:alpha val="75000"/>
-              </a:schemeClr>
-            </a:solidFill>
-          </a:ln>
-        </p:spPr>
-        <p:style>
-          <a:lnRef idx="2">
-            <a:schemeClr val="accent1">
-              <a:shade val="50000"/>
-            </a:schemeClr>
-          </a:lnRef>
-          <a:fillRef idx="1">
-            <a:schemeClr val="accent1"/>
-          </a:fillRef>
-          <a:effectRef idx="0">
-            <a:schemeClr val="accent1"/>
-          </a:effectRef>
-          <a:fontRef idx="minor">
-            <a:schemeClr val="lt1"/>
-          </a:fontRef>
-        </p:style>
-        <p:txBody>
-          <a:bodyPr rtlCol="0" anchor="ctr"/>
-          <a:lstStyle/>
-          <a:p>
-            <a:pPr algn="ctr"/>
-            <a:r>
-              <a:rPr lang="ko-KR" altLang="en-US" sz="1400" smtClean="0">
-                <a:latin typeface="HY울릉도M"/>
-              </a:rPr>
-              <a:t>면접 문제 확인</a:t>
-            </a:r>
-            <a:endParaRPr lang="ko-KR" altLang="en-US" sz="1400">
-              <a:latin typeface="HY울릉도M"/>
-            </a:endParaRPr>
-          </a:p>
-        </p:txBody>
-      </p:sp>
-      <p:sp>
-        <p:nvSpPr>
-          <p:cNvPr id="30" name="순서도: 대체 처리 29"/>
-          <p:cNvSpPr/>
-          <p:nvPr/>
-        </p:nvSpPr>
-        <p:spPr>
-          <a:xfrm>
-            <a:off x="4059436" y="4927087"/>
-            <a:ext cx="2641600" cy="391885"/>
-          </a:xfrm>
-          <a:prstGeom prst="flowChartAlternateProcess">
-            <a:avLst/>
-          </a:prstGeom>
-          <a:noFill/>
-          <a:ln w="12700">
-            <a:solidFill>
-              <a:schemeClr val="bg1">
-                <a:alpha val="75000"/>
-              </a:schemeClr>
-            </a:solidFill>
-          </a:ln>
-        </p:spPr>
-        <p:style>
-          <a:lnRef idx="2">
-            <a:schemeClr val="accent1">
-              <a:shade val="50000"/>
-            </a:schemeClr>
-          </a:lnRef>
-          <a:fillRef idx="1">
-            <a:schemeClr val="accent1"/>
-          </a:fillRef>
-          <a:effectRef idx="0">
-            <a:schemeClr val="accent1"/>
-          </a:effectRef>
-          <a:fontRef idx="minor">
-            <a:schemeClr val="lt1"/>
-          </a:fontRef>
-        </p:style>
-        <p:txBody>
-          <a:bodyPr rtlCol="0" anchor="ctr"/>
-          <a:lstStyle/>
-          <a:p>
-            <a:pPr algn="ctr"/>
-            <a:r>
-              <a:rPr lang="ko-KR" altLang="en-US" sz="1400" smtClean="0">
-                <a:latin typeface="HY울릉도M"/>
-              </a:rPr>
-              <a:t>면접 결과 확인</a:t>
-            </a:r>
-            <a:endParaRPr lang="ko-KR" altLang="en-US" sz="1400">
-              <a:latin typeface="HY울릉도M"/>
-            </a:endParaRPr>
-          </a:p>
-        </p:txBody>
-      </p:sp>
-      <p:sp>
-        <p:nvSpPr>
-          <p:cNvPr id="31" name="순서도: 대체 처리 30"/>
-          <p:cNvSpPr/>
-          <p:nvPr/>
-        </p:nvSpPr>
-        <p:spPr>
-          <a:xfrm>
-            <a:off x="4059436" y="4475614"/>
-            <a:ext cx="2641600" cy="391885"/>
-          </a:xfrm>
-          <a:prstGeom prst="flowChartAlternateProcess">
-            <a:avLst/>
-          </a:prstGeom>
-          <a:noFill/>
-          <a:ln w="12700">
-            <a:solidFill>
-              <a:schemeClr val="bg1">
-                <a:alpha val="75000"/>
-              </a:schemeClr>
-            </a:solidFill>
-          </a:ln>
-        </p:spPr>
-        <p:style>
-          <a:lnRef idx="2">
-            <a:schemeClr val="accent1">
-              <a:shade val="50000"/>
-            </a:schemeClr>
-          </a:lnRef>
-          <a:fillRef idx="1">
-            <a:schemeClr val="accent1"/>
-          </a:fillRef>
-          <a:effectRef idx="0">
-            <a:schemeClr val="accent1"/>
-          </a:effectRef>
-          <a:fontRef idx="minor">
-            <a:schemeClr val="lt1"/>
-          </a:fontRef>
-        </p:style>
-        <p:txBody>
-          <a:bodyPr rtlCol="0" anchor="ctr"/>
-          <a:lstStyle/>
-          <a:p>
-            <a:pPr algn="ctr"/>
-            <a:r>
-              <a:rPr lang="ko-KR" altLang="en-US" sz="1400" smtClean="0">
-                <a:latin typeface="HY울릉도M"/>
-              </a:rPr>
-              <a:t>가상 면접 시작</a:t>
-            </a:r>
-            <a:endParaRPr lang="ko-KR" altLang="en-US" sz="1400">
-              <a:latin typeface="HY울릉도M"/>
-            </a:endParaRPr>
-          </a:p>
-        </p:txBody>
-      </p:sp>
-      <p:pic>
-        <p:nvPicPr>
-          <p:cNvPr id="32" name="그림 31"/>
-          <p:cNvPicPr>
-            <a:picLocks noChangeAspect="1"/>
-          </p:cNvPicPr>
-          <p:nvPr/>
-        </p:nvPicPr>
-        <p:blipFill>
-          <a:blip r:embed="rId3" cstate="print">
+          <a:blip r:embed="rId2" cstate="print">
             <a:extLst>
               <a:ext uri="{28A0092B-C50C-407E-A947-70E740481C1C}">
                 <a14:useLocalDpi xmlns:a14="http://schemas.microsoft.com/office/drawing/2010/main" val="0"/>
@@ -16348,138 +17443,215 @@
         </p:blipFill>
         <p:spPr>
           <a:xfrm>
-            <a:off x="4403348" y="1684096"/>
-            <a:ext cx="1953776" cy="1953776"/>
+            <a:off x="4750523" y="1662557"/>
+            <a:ext cx="426726" cy="426726"/>
           </a:xfrm>
           <a:prstGeom prst="rect">
             <a:avLst/>
           </a:prstGeom>
         </p:spPr>
       </p:pic>
-      <p:pic>
-        <p:nvPicPr>
-          <p:cNvPr id="33" name="그림 32"/>
-          <p:cNvPicPr>
-            <a:picLocks noChangeAspect="1"/>
-          </p:cNvPicPr>
-          <p:nvPr/>
-        </p:nvPicPr>
-        <p:blipFill>
-          <a:blip r:embed="rId4" cstate="print">
-            <a:extLst>
-              <a:ext uri="{28A0092B-C50C-407E-A947-70E740481C1C}">
-                <a14:useLocalDpi xmlns:a14="http://schemas.microsoft.com/office/drawing/2010/main" val="0"/>
-              </a:ext>
-            </a:extLst>
-          </a:blip>
-          <a:stretch>
-            <a:fillRect/>
-          </a:stretch>
-        </p:blipFill>
-        <p:spPr>
-          <a:xfrm>
-            <a:off x="4291925" y="4535229"/>
-            <a:ext cx="272653" cy="272653"/>
-          </a:xfrm>
-          <a:prstGeom prst="rect">
-            <a:avLst/>
-          </a:prstGeom>
-        </p:spPr>
-      </p:pic>
-      <p:pic>
-        <p:nvPicPr>
-          <p:cNvPr id="34" name="그림 33"/>
-          <p:cNvPicPr>
-            <a:picLocks noChangeAspect="1"/>
-          </p:cNvPicPr>
-          <p:nvPr/>
-        </p:nvPicPr>
-        <p:blipFill>
-          <a:blip r:embed="rId5" cstate="print">
-            <a:extLst>
-              <a:ext uri="{28A0092B-C50C-407E-A947-70E740481C1C}">
-                <a14:useLocalDpi xmlns:a14="http://schemas.microsoft.com/office/drawing/2010/main" val="0"/>
-              </a:ext>
-            </a:extLst>
-          </a:blip>
-          <a:stretch>
-            <a:fillRect/>
-          </a:stretch>
-        </p:blipFill>
-        <p:spPr>
-          <a:xfrm>
-            <a:off x="4291924" y="4985315"/>
-            <a:ext cx="272653" cy="272653"/>
-          </a:xfrm>
-          <a:prstGeom prst="rect">
-            <a:avLst/>
-          </a:prstGeom>
-        </p:spPr>
-      </p:pic>
-      <p:pic>
-        <p:nvPicPr>
-          <p:cNvPr id="35" name="그림 34"/>
-          <p:cNvPicPr>
-            <a:picLocks noChangeAspect="1"/>
-          </p:cNvPicPr>
-          <p:nvPr/>
-        </p:nvPicPr>
-        <p:blipFill>
-          <a:blip r:embed="rId6" cstate="print">
-            <a:extLst>
-              <a:ext uri="{28A0092B-C50C-407E-A947-70E740481C1C}">
-                <a14:useLocalDpi xmlns:a14="http://schemas.microsoft.com/office/drawing/2010/main" val="0"/>
-              </a:ext>
-            </a:extLst>
-          </a:blip>
-          <a:stretch>
-            <a:fillRect/>
-          </a:stretch>
-        </p:blipFill>
-        <p:spPr>
-          <a:xfrm>
-            <a:off x="4291924" y="5443043"/>
-            <a:ext cx="277594" cy="277594"/>
-          </a:xfrm>
-          <a:prstGeom prst="rect">
-            <a:avLst/>
-          </a:prstGeom>
-        </p:spPr>
-      </p:pic>
-      <p:pic>
-        <p:nvPicPr>
-          <p:cNvPr id="36" name="그림 35"/>
-          <p:cNvPicPr>
-            <a:picLocks noChangeAspect="1"/>
-          </p:cNvPicPr>
-          <p:nvPr/>
-        </p:nvPicPr>
-        <p:blipFill>
-          <a:blip r:embed="rId3" cstate="print">
-            <a:extLst>
-              <a:ext uri="{28A0092B-C50C-407E-A947-70E740481C1C}">
-                <a14:useLocalDpi xmlns:a14="http://schemas.microsoft.com/office/drawing/2010/main" val="0"/>
-              </a:ext>
-            </a:extLst>
-          </a:blip>
-          <a:stretch>
-            <a:fillRect/>
-          </a:stretch>
-        </p:blipFill>
-        <p:spPr>
-          <a:xfrm>
-            <a:off x="2335515" y="5366157"/>
-            <a:ext cx="394985" cy="394985"/>
-          </a:xfrm>
-          <a:prstGeom prst="rect">
-            <a:avLst/>
-          </a:prstGeom>
-        </p:spPr>
-      </p:pic>
+      <p:sp>
+        <p:nvSpPr>
+          <p:cNvPr id="89" name="TextBox 88"/>
+          <p:cNvSpPr txBox="1"/>
+          <p:nvPr/>
+        </p:nvSpPr>
+        <p:spPr>
+          <a:xfrm>
+            <a:off x="4424046" y="2170229"/>
+            <a:ext cx="1074332" cy="338554"/>
+          </a:xfrm>
+          <a:prstGeom prst="rect">
+            <a:avLst/>
+          </a:prstGeom>
+          <a:noFill/>
+        </p:spPr>
+        <p:txBody>
+          <a:bodyPr wrap="none" rtlCol="0">
+            <a:spAutoFit/>
+          </a:bodyPr>
+          <a:lstStyle/>
+          <a:p>
+            <a:pPr algn="ctr"/>
+            <a:r>
+              <a:rPr lang="ko-KR" altLang="en-US" sz="1600" dirty="0" smtClean="0">
+                <a:solidFill>
+                  <a:schemeClr val="bg1"/>
+                </a:solidFill>
+                <a:latin typeface="HY수평선M" panose="02030600000101010101" pitchFamily="18" charset="-127"/>
+                <a:ea typeface="HY수평선M" panose="02030600000101010101" pitchFamily="18" charset="-127"/>
+              </a:rPr>
+              <a:t>샘플 문제</a:t>
+            </a:r>
+            <a:endParaRPr lang="ko-KR" altLang="en-US" sz="1600" dirty="0">
+              <a:solidFill>
+                <a:schemeClr val="bg1"/>
+              </a:solidFill>
+              <a:latin typeface="HY수평선M" panose="02030600000101010101" pitchFamily="18" charset="-127"/>
+              <a:ea typeface="HY수평선M" panose="02030600000101010101" pitchFamily="18" charset="-127"/>
+            </a:endParaRPr>
+          </a:p>
+        </p:txBody>
+      </p:sp>
+      <p:sp>
+        <p:nvSpPr>
+          <p:cNvPr id="90" name="직사각형 89"/>
+          <p:cNvSpPr/>
+          <p:nvPr/>
+        </p:nvSpPr>
+        <p:spPr>
+          <a:xfrm>
+            <a:off x="5737435" y="1436914"/>
+            <a:ext cx="1156996" cy="420500"/>
+          </a:xfrm>
+          <a:prstGeom prst="rect">
+            <a:avLst/>
+          </a:prstGeom>
+          <a:noFill/>
+          <a:ln>
+            <a:solidFill>
+              <a:schemeClr val="accent1">
+                <a:shade val="50000"/>
+              </a:schemeClr>
+            </a:solidFill>
+          </a:ln>
+        </p:spPr>
+        <p:style>
+          <a:lnRef idx="2">
+            <a:schemeClr val="accent1">
+              <a:shade val="50000"/>
+            </a:schemeClr>
+          </a:lnRef>
+          <a:fillRef idx="1">
+            <a:schemeClr val="accent1"/>
+          </a:fillRef>
+          <a:effectRef idx="0">
+            <a:schemeClr val="accent1"/>
+          </a:effectRef>
+          <a:fontRef idx="minor">
+            <a:schemeClr val="lt1"/>
+          </a:fontRef>
+        </p:style>
+        <p:txBody>
+          <a:bodyPr rtlCol="0" anchor="ctr"/>
+          <a:lstStyle/>
+          <a:p>
+            <a:pPr algn="ctr"/>
+            <a:endParaRPr lang="ko-KR" altLang="en-US"/>
+          </a:p>
+        </p:txBody>
+      </p:sp>
+      <p:sp>
+        <p:nvSpPr>
+          <p:cNvPr id="91" name="TextBox 90"/>
+          <p:cNvSpPr txBox="1"/>
+          <p:nvPr/>
+        </p:nvSpPr>
+        <p:spPr>
+          <a:xfrm>
+            <a:off x="6018417" y="1485095"/>
+            <a:ext cx="595036" cy="338554"/>
+          </a:xfrm>
+          <a:prstGeom prst="rect">
+            <a:avLst/>
+          </a:prstGeom>
+          <a:noFill/>
+        </p:spPr>
+        <p:txBody>
+          <a:bodyPr wrap="none" rtlCol="0">
+            <a:spAutoFit/>
+          </a:bodyPr>
+          <a:lstStyle/>
+          <a:p>
+            <a:pPr algn="ctr"/>
+            <a:r>
+              <a:rPr lang="ko-KR" altLang="en-US" sz="1600" dirty="0" smtClean="0">
+                <a:solidFill>
+                  <a:schemeClr val="tx1">
+                    <a:lumMod val="65000"/>
+                    <a:lumOff val="35000"/>
+                  </a:schemeClr>
+                </a:solidFill>
+                <a:latin typeface="HY수평선M" panose="02030600000101010101" pitchFamily="18" charset="-127"/>
+                <a:ea typeface="HY수평선M" panose="02030600000101010101" pitchFamily="18" charset="-127"/>
+              </a:rPr>
+              <a:t>제출</a:t>
+            </a:r>
+            <a:endParaRPr lang="ko-KR" altLang="en-US" sz="1600" dirty="0">
+              <a:solidFill>
+                <a:schemeClr val="tx1">
+                  <a:lumMod val="65000"/>
+                  <a:lumOff val="35000"/>
+                </a:schemeClr>
+              </a:solidFill>
+              <a:latin typeface="HY수평선M" panose="02030600000101010101" pitchFamily="18" charset="-127"/>
+              <a:ea typeface="HY수평선M" panose="02030600000101010101" pitchFamily="18" charset="-127"/>
+            </a:endParaRPr>
+          </a:p>
+        </p:txBody>
+      </p:sp>
+      <p:sp>
+        <p:nvSpPr>
+          <p:cNvPr id="12" name="직사각형 11"/>
+          <p:cNvSpPr/>
+          <p:nvPr/>
+        </p:nvSpPr>
+        <p:spPr>
+          <a:xfrm>
+            <a:off x="367502" y="1459623"/>
+            <a:ext cx="2844554" cy="1134287"/>
+          </a:xfrm>
+          <a:prstGeom prst="rect">
+            <a:avLst/>
+          </a:prstGeom>
+          <a:gradFill flip="none" rotWithShape="1">
+            <a:gsLst>
+              <a:gs pos="0">
+                <a:srgbClr val="21B0E2">
+                  <a:alpha val="85000"/>
+                </a:srgbClr>
+              </a:gs>
+              <a:gs pos="40000">
+                <a:srgbClr val="0A9ECC"/>
+              </a:gs>
+            </a:gsLst>
+            <a:lin ang="10800000" scaled="1"/>
+            <a:tileRect/>
+          </a:gradFill>
+          <a:ln>
+            <a:noFill/>
+          </a:ln>
+        </p:spPr>
+        <p:style>
+          <a:lnRef idx="2">
+            <a:schemeClr val="accent1">
+              <a:shade val="50000"/>
+            </a:schemeClr>
+          </a:lnRef>
+          <a:fillRef idx="1">
+            <a:schemeClr val="accent1"/>
+          </a:fillRef>
+          <a:effectRef idx="0">
+            <a:schemeClr val="accent1"/>
+          </a:effectRef>
+          <a:fontRef idx="minor">
+            <a:schemeClr val="lt1"/>
+          </a:fontRef>
+        </p:style>
+        <p:txBody>
+          <a:bodyPr rtlCol="0" anchor="ctr"/>
+          <a:lstStyle/>
+          <a:p>
+            <a:pPr algn="ctr"/>
+            <a:endParaRPr lang="ko-KR" altLang="en-US"/>
+          </a:p>
+        </p:txBody>
+      </p:sp>
     </p:spTree>
     <p:extLst>
       <p:ext uri="{BB962C8B-B14F-4D97-AF65-F5344CB8AC3E}">
-        <p14:creationId xmlns:p14="http://schemas.microsoft.com/office/powerpoint/2010/main" val="2080943321"/>
+        <p14:creationId xmlns:p14="http://schemas.microsoft.com/office/powerpoint/2010/main" val="21006866"/>
       </p:ext>
     </p:extLst>
   </p:cSld>
@@ -16651,11 +17823,24 @@
           <a:prstGeom prst="rect">
             <a:avLst/>
           </a:prstGeom>
-          <a:solidFill>
-            <a:schemeClr val="bg1">
-              <a:lumMod val="95000"/>
-            </a:schemeClr>
-          </a:solidFill>
+          <a:gradFill flip="none" rotWithShape="1">
+            <a:gsLst>
+              <a:gs pos="0">
+                <a:srgbClr val="22AFE0"/>
+              </a:gs>
+              <a:gs pos="33000">
+                <a:srgbClr val="5558AC"/>
+              </a:gs>
+              <a:gs pos="66000">
+                <a:srgbClr val="E878C0"/>
+              </a:gs>
+              <a:gs pos="100000">
+                <a:srgbClr val="EF735E"/>
+              </a:gs>
+            </a:gsLst>
+            <a:lin ang="5400000" scaled="1"/>
+            <a:tileRect/>
+          </a:gradFill>
           <a:ln>
             <a:noFill/>
           </a:ln>
@@ -16737,53 +17922,13 @@
       </p:sp>
       <p:sp>
         <p:nvSpPr>
-          <p:cNvPr id="39" name="직사각형 38"/>
-          <p:cNvSpPr/>
-          <p:nvPr/>
-        </p:nvSpPr>
-        <p:spPr>
-          <a:xfrm>
-            <a:off x="3974841" y="4435125"/>
-            <a:ext cx="2858511" cy="1238496"/>
-          </a:xfrm>
-          <a:prstGeom prst="rect">
-            <a:avLst/>
-          </a:prstGeom>
-        </p:spPr>
-        <p:style>
-          <a:lnRef idx="2">
-            <a:schemeClr val="accent1">
-              <a:shade val="50000"/>
-            </a:schemeClr>
-          </a:lnRef>
-          <a:fillRef idx="1">
-            <a:schemeClr val="accent1"/>
-          </a:fillRef>
-          <a:effectRef idx="0">
-            <a:schemeClr val="accent1"/>
-          </a:effectRef>
-          <a:fontRef idx="minor">
-            <a:schemeClr val="lt1"/>
-          </a:fontRef>
-        </p:style>
-        <p:txBody>
-          <a:bodyPr rtlCol="0" anchor="ctr"/>
-          <a:lstStyle/>
-          <a:p>
-            <a:pPr algn="ctr"/>
-            <a:endParaRPr lang="ko-KR" altLang="en-US"/>
-          </a:p>
-        </p:txBody>
-      </p:sp>
-      <p:sp>
-        <p:nvSpPr>
           <p:cNvPr id="43" name="직사각형 42"/>
           <p:cNvSpPr/>
           <p:nvPr/>
         </p:nvSpPr>
         <p:spPr>
           <a:xfrm>
-            <a:off x="201831" y="849769"/>
+            <a:off x="-67110" y="849769"/>
             <a:ext cx="3239998" cy="1440000"/>
           </a:xfrm>
           <a:prstGeom prst="rect">
@@ -16840,7 +17985,7 @@
         </p:nvSpPr>
         <p:spPr>
           <a:xfrm>
-            <a:off x="201831" y="2289769"/>
+            <a:off x="-67110" y="2289769"/>
             <a:ext cx="3239998" cy="1425356"/>
           </a:xfrm>
           <a:prstGeom prst="rect">
@@ -16897,7 +18042,7 @@
         </p:nvSpPr>
         <p:spPr>
           <a:xfrm>
-            <a:off x="201831" y="3715125"/>
+            <a:off x="-67110" y="3715125"/>
             <a:ext cx="3239998" cy="1440000"/>
           </a:xfrm>
           <a:prstGeom prst="rect">
@@ -16954,7 +18099,7 @@
         </p:nvSpPr>
         <p:spPr>
           <a:xfrm>
-            <a:off x="201831" y="5155125"/>
+            <a:off x="-67110" y="5155125"/>
             <a:ext cx="3239998" cy="1410712"/>
           </a:xfrm>
           <a:prstGeom prst="rect">
@@ -17003,163 +18148,24 @@
           </a:p>
         </p:txBody>
       </p:sp>
-      <p:sp>
-        <p:nvSpPr>
-          <p:cNvPr id="51" name="TextBox 50"/>
-          <p:cNvSpPr txBox="1"/>
-          <p:nvPr/>
-        </p:nvSpPr>
-        <p:spPr>
-          <a:xfrm>
-            <a:off x="353246" y="954777"/>
-            <a:ext cx="1741182" cy="523220"/>
-          </a:xfrm>
-          <a:prstGeom prst="rect">
-            <a:avLst/>
-          </a:prstGeom>
-          <a:noFill/>
-        </p:spPr>
-        <p:txBody>
-          <a:bodyPr wrap="none" rtlCol="0">
-            <a:spAutoFit/>
-          </a:bodyPr>
-          <a:lstStyle/>
-          <a:p>
-            <a:r>
-              <a:rPr lang="ko-KR" altLang="en-US" sz="2800" dirty="0" smtClean="0">
-                <a:solidFill>
-                  <a:schemeClr val="bg1"/>
-                </a:solidFill>
-                <a:latin typeface="HY울릉도M" panose="02030600000101010101" pitchFamily="18" charset="-127"/>
-                <a:ea typeface="HY울릉도M" panose="02030600000101010101" pitchFamily="18" charset="-127"/>
-              </a:rPr>
-              <a:t>가상 면접</a:t>
-            </a:r>
-            <a:endParaRPr lang="ko-KR" altLang="en-US" sz="2800" dirty="0">
-              <a:solidFill>
-                <a:schemeClr val="bg1"/>
-              </a:solidFill>
-              <a:latin typeface="HY울릉도M" panose="02030600000101010101" pitchFamily="18" charset="-127"/>
-              <a:ea typeface="HY울릉도M" panose="02030600000101010101" pitchFamily="18" charset="-127"/>
-            </a:endParaRPr>
-          </a:p>
-        </p:txBody>
-      </p:sp>
-      <p:sp>
-        <p:nvSpPr>
-          <p:cNvPr id="52" name="TextBox 51"/>
-          <p:cNvSpPr txBox="1"/>
-          <p:nvPr/>
-        </p:nvSpPr>
-        <p:spPr>
-          <a:xfrm>
-            <a:off x="253635" y="1476459"/>
-            <a:ext cx="2130711" cy="645818"/>
-          </a:xfrm>
-          <a:prstGeom prst="rect">
-            <a:avLst/>
-          </a:prstGeom>
-          <a:noFill/>
-        </p:spPr>
-        <p:txBody>
-          <a:bodyPr wrap="none" rtlCol="0">
-            <a:spAutoFit/>
-          </a:bodyPr>
-          <a:lstStyle/>
-          <a:p>
-            <a:pPr algn="r">
-              <a:lnSpc>
-                <a:spcPct val="150000"/>
-              </a:lnSpc>
-            </a:pPr>
-            <a:r>
-              <a:rPr lang="en-US" altLang="ko-KR" sz="1300" dirty="0" smtClean="0">
-                <a:solidFill>
-                  <a:schemeClr val="bg1"/>
-                </a:solidFill>
-                <a:latin typeface="HY울릉도M" panose="02030600000101010101" pitchFamily="18" charset="-127"/>
-                <a:ea typeface="HY울릉도M" panose="02030600000101010101" pitchFamily="18" charset="-127"/>
-              </a:rPr>
-              <a:t>AI </a:t>
-            </a:r>
-            <a:r>
-              <a:rPr lang="ko-KR" altLang="en-US" sz="1300" dirty="0" err="1" smtClean="0">
-                <a:solidFill>
-                  <a:schemeClr val="bg1"/>
-                </a:solidFill>
-                <a:latin typeface="HY울릉도M" panose="02030600000101010101" pitchFamily="18" charset="-127"/>
-                <a:ea typeface="HY울릉도M" panose="02030600000101010101" pitchFamily="18" charset="-127"/>
-              </a:rPr>
-              <a:t>면접관과</a:t>
-            </a:r>
-            <a:r>
-              <a:rPr lang="ko-KR" altLang="en-US" sz="1300" dirty="0" smtClean="0">
-                <a:solidFill>
-                  <a:schemeClr val="bg1"/>
-                </a:solidFill>
-                <a:latin typeface="HY울릉도M" panose="02030600000101010101" pitchFamily="18" charset="-127"/>
-                <a:ea typeface="HY울릉도M" panose="02030600000101010101" pitchFamily="18" charset="-127"/>
-              </a:rPr>
-              <a:t> 함께</a:t>
-            </a:r>
-            <a:endParaRPr lang="en-US" altLang="ko-KR" sz="1300" dirty="0" smtClean="0">
-              <a:solidFill>
-                <a:schemeClr val="bg1"/>
-              </a:solidFill>
-              <a:latin typeface="HY울릉도M" panose="02030600000101010101" pitchFamily="18" charset="-127"/>
-              <a:ea typeface="HY울릉도M" panose="02030600000101010101" pitchFamily="18" charset="-127"/>
-            </a:endParaRPr>
-          </a:p>
-          <a:p>
-            <a:pPr algn="r">
-              <a:lnSpc>
-                <a:spcPct val="150000"/>
-              </a:lnSpc>
-            </a:pPr>
-            <a:r>
-              <a:rPr lang="ko-KR" altLang="en-US" sz="1300" dirty="0" smtClean="0">
-                <a:solidFill>
-                  <a:schemeClr val="bg1"/>
-                </a:solidFill>
-                <a:latin typeface="HY울릉도M" panose="02030600000101010101" pitchFamily="18" charset="-127"/>
-                <a:ea typeface="HY울릉도M" panose="02030600000101010101" pitchFamily="18" charset="-127"/>
-              </a:rPr>
-              <a:t>가상 면접을 시작해보세요</a:t>
-            </a:r>
-            <a:endParaRPr lang="en-US" altLang="ko-KR" sz="1300" dirty="0" smtClean="0">
-              <a:solidFill>
-                <a:schemeClr val="bg1"/>
-              </a:solidFill>
-              <a:latin typeface="HY울릉도M" panose="02030600000101010101" pitchFamily="18" charset="-127"/>
-              <a:ea typeface="HY울릉도M" panose="02030600000101010101" pitchFamily="18" charset="-127"/>
-            </a:endParaRPr>
-          </a:p>
-        </p:txBody>
-      </p:sp>
       <p:pic>
         <p:nvPicPr>
-          <p:cNvPr id="53" name="그림 52"/>
+          <p:cNvPr id="68" name="그림 67"/>
           <p:cNvPicPr>
             <a:picLocks noChangeAspect="1"/>
           </p:cNvPicPr>
           <p:nvPr/>
         </p:nvPicPr>
         <p:blipFill>
-          <a:blip r:embed="rId2" cstate="print">
-            <a:extLst>
-              <a:ext uri="{28A0092B-C50C-407E-A947-70E740481C1C}">
-                <a14:useLocalDpi xmlns:a14="http://schemas.microsoft.com/office/drawing/2010/main" val="0"/>
-              </a:ext>
-            </a:extLst>
-          </a:blip>
+          <a:blip r:embed="rId2"/>
           <a:stretch>
             <a:fillRect/>
           </a:stretch>
         </p:blipFill>
         <p:spPr>
           <a:xfrm>
-            <a:off x="2423776" y="1188394"/>
-            <a:ext cx="797268" cy="797268"/>
+            <a:off x="7431152" y="849768"/>
+            <a:ext cx="3114675" cy="4972050"/>
           </a:xfrm>
           <a:prstGeom prst="rect">
             <a:avLst/>
@@ -17168,342 +18174,234 @@
       </p:pic>
       <p:sp>
         <p:nvSpPr>
-          <p:cNvPr id="54" name="TextBox 53"/>
-          <p:cNvSpPr txBox="1"/>
-          <p:nvPr/>
-        </p:nvSpPr>
-        <p:spPr>
-          <a:xfrm>
-            <a:off x="353246" y="2397583"/>
-            <a:ext cx="1741182" cy="523220"/>
-          </a:xfrm>
-          <a:prstGeom prst="rect">
+          <p:cNvPr id="25" name="직사각형 24"/>
+          <p:cNvSpPr>
+            <a:spLocks noChangeAspect="1"/>
+          </p:cNvSpPr>
+          <p:nvPr/>
+        </p:nvSpPr>
+        <p:spPr>
+          <a:xfrm>
+            <a:off x="3746015" y="849769"/>
+            <a:ext cx="3239998" cy="5760000"/>
+          </a:xfrm>
+          <a:prstGeom prst="rect">
+            <a:avLst/>
+          </a:prstGeom>
+          <a:gradFill flip="none" rotWithShape="1">
+            <a:gsLst>
+              <a:gs pos="9000">
+                <a:srgbClr val="66E6F4"/>
+              </a:gs>
+              <a:gs pos="81000">
+                <a:srgbClr val="1FA8DD"/>
+              </a:gs>
+            </a:gsLst>
+            <a:path path="circle">
+              <a:fillToRect r="100000" b="100000"/>
+            </a:path>
+            <a:tileRect l="-100000" t="-100000"/>
+          </a:gradFill>
+          <a:ln>
+            <a:noFill/>
+          </a:ln>
+        </p:spPr>
+        <p:style>
+          <a:lnRef idx="2">
+            <a:schemeClr val="accent1">
+              <a:shade val="50000"/>
+            </a:schemeClr>
+          </a:lnRef>
+          <a:fillRef idx="1">
+            <a:schemeClr val="accent1"/>
+          </a:fillRef>
+          <a:effectRef idx="0">
+            <a:schemeClr val="accent1"/>
+          </a:effectRef>
+          <a:fontRef idx="minor">
+            <a:schemeClr val="lt1"/>
+          </a:fontRef>
+        </p:style>
+        <p:txBody>
+          <a:bodyPr rtlCol="0" anchor="ctr"/>
+          <a:lstStyle/>
+          <a:p>
+            <a:pPr algn="ctr"/>
+            <a:endParaRPr lang="ko-KR" altLang="en-US"/>
+          </a:p>
+        </p:txBody>
+      </p:sp>
+      <p:sp>
+        <p:nvSpPr>
+          <p:cNvPr id="29" name="순서도: 대체 처리 28"/>
+          <p:cNvSpPr/>
+          <p:nvPr/>
+        </p:nvSpPr>
+        <p:spPr>
+          <a:xfrm>
+            <a:off x="4059436" y="5380142"/>
+            <a:ext cx="2641600" cy="391885"/>
+          </a:xfrm>
+          <a:prstGeom prst="flowChartAlternateProcess">
             <a:avLst/>
           </a:prstGeom>
           <a:noFill/>
-        </p:spPr>
-        <p:txBody>
-          <a:bodyPr wrap="none" rtlCol="0">
-            <a:spAutoFit/>
-          </a:bodyPr>
-          <a:lstStyle/>
-          <a:p>
-            <a:r>
-              <a:rPr lang="ko-KR" altLang="en-US" sz="2800" dirty="0" smtClean="0">
-                <a:solidFill>
-                  <a:schemeClr val="bg1"/>
-                </a:solidFill>
-                <a:latin typeface="HY울릉도M" panose="02030600000101010101" pitchFamily="18" charset="-127"/>
-                <a:ea typeface="HY울릉도M" panose="02030600000101010101" pitchFamily="18" charset="-127"/>
-              </a:rPr>
-              <a:t>면접 결과</a:t>
-            </a:r>
-            <a:endParaRPr lang="ko-KR" altLang="en-US" sz="2800" dirty="0">
-              <a:solidFill>
-                <a:schemeClr val="bg1"/>
-              </a:solidFill>
-              <a:latin typeface="HY울릉도M" panose="02030600000101010101" pitchFamily="18" charset="-127"/>
-              <a:ea typeface="HY울릉도M" panose="02030600000101010101" pitchFamily="18" charset="-127"/>
+          <a:ln w="12700">
+            <a:solidFill>
+              <a:schemeClr val="bg1">
+                <a:alpha val="75000"/>
+              </a:schemeClr>
+            </a:solidFill>
+          </a:ln>
+        </p:spPr>
+        <p:style>
+          <a:lnRef idx="2">
+            <a:schemeClr val="accent1">
+              <a:shade val="50000"/>
+            </a:schemeClr>
+          </a:lnRef>
+          <a:fillRef idx="1">
+            <a:schemeClr val="accent1"/>
+          </a:fillRef>
+          <a:effectRef idx="0">
+            <a:schemeClr val="accent1"/>
+          </a:effectRef>
+          <a:fontRef idx="minor">
+            <a:schemeClr val="lt1"/>
+          </a:fontRef>
+        </p:style>
+        <p:txBody>
+          <a:bodyPr rtlCol="0" anchor="ctr"/>
+          <a:lstStyle/>
+          <a:p>
+            <a:pPr algn="ctr"/>
+            <a:r>
+              <a:rPr lang="ko-KR" altLang="en-US" sz="1400" smtClean="0">
+                <a:latin typeface="HY울릉도M"/>
+              </a:rPr>
+              <a:t>면접 문제 확인</a:t>
+            </a:r>
+            <a:endParaRPr lang="ko-KR" altLang="en-US" sz="1400">
+              <a:latin typeface="HY울릉도M"/>
             </a:endParaRPr>
           </a:p>
         </p:txBody>
       </p:sp>
       <p:sp>
         <p:nvSpPr>
-          <p:cNvPr id="55" name="TextBox 54"/>
-          <p:cNvSpPr txBox="1"/>
-          <p:nvPr/>
-        </p:nvSpPr>
-        <p:spPr>
-          <a:xfrm>
-            <a:off x="493617" y="2919265"/>
-            <a:ext cx="1853392" cy="692497"/>
-          </a:xfrm>
-          <a:prstGeom prst="rect">
+          <p:cNvPr id="30" name="순서도: 대체 처리 29"/>
+          <p:cNvSpPr/>
+          <p:nvPr/>
+        </p:nvSpPr>
+        <p:spPr>
+          <a:xfrm>
+            <a:off x="4059436" y="4927087"/>
+            <a:ext cx="2641600" cy="391885"/>
+          </a:xfrm>
+          <a:prstGeom prst="flowChartAlternateProcess">
             <a:avLst/>
           </a:prstGeom>
           <a:noFill/>
-        </p:spPr>
-        <p:txBody>
-          <a:bodyPr wrap="none" rtlCol="0">
-            <a:spAutoFit/>
-          </a:bodyPr>
-          <a:lstStyle/>
-          <a:p>
-            <a:pPr algn="r">
-              <a:lnSpc>
-                <a:spcPct val="150000"/>
-              </a:lnSpc>
-            </a:pPr>
-            <a:r>
-              <a:rPr lang="ko-KR" altLang="en-US" sz="1300" dirty="0" smtClean="0">
-                <a:solidFill>
-                  <a:schemeClr val="bg1"/>
-                </a:solidFill>
-                <a:latin typeface="HY울릉도M" panose="02030600000101010101" pitchFamily="18" charset="-127"/>
-                <a:ea typeface="HY울릉도M" panose="02030600000101010101" pitchFamily="18" charset="-127"/>
-              </a:rPr>
-              <a:t>가상 면접 결과를</a:t>
-            </a:r>
-            <a:endParaRPr lang="en-US" altLang="ko-KR" sz="1300" dirty="0" smtClean="0">
-              <a:solidFill>
-                <a:schemeClr val="bg1"/>
-              </a:solidFill>
-              <a:latin typeface="HY울릉도M" panose="02030600000101010101" pitchFamily="18" charset="-127"/>
-              <a:ea typeface="HY울릉도M" panose="02030600000101010101" pitchFamily="18" charset="-127"/>
+          <a:ln w="12700">
+            <a:solidFill>
+              <a:schemeClr val="bg1">
+                <a:alpha val="75000"/>
+              </a:schemeClr>
+            </a:solidFill>
+          </a:ln>
+        </p:spPr>
+        <p:style>
+          <a:lnRef idx="2">
+            <a:schemeClr val="accent1">
+              <a:shade val="50000"/>
+            </a:schemeClr>
+          </a:lnRef>
+          <a:fillRef idx="1">
+            <a:schemeClr val="accent1"/>
+          </a:fillRef>
+          <a:effectRef idx="0">
+            <a:schemeClr val="accent1"/>
+          </a:effectRef>
+          <a:fontRef idx="minor">
+            <a:schemeClr val="lt1"/>
+          </a:fontRef>
+        </p:style>
+        <p:txBody>
+          <a:bodyPr rtlCol="0" anchor="ctr"/>
+          <a:lstStyle/>
+          <a:p>
+            <a:pPr algn="ctr"/>
+            <a:r>
+              <a:rPr lang="ko-KR" altLang="en-US" sz="1400" smtClean="0">
+                <a:latin typeface="HY울릉도M"/>
+              </a:rPr>
+              <a:t>면접 결과 확인</a:t>
+            </a:r>
+            <a:endParaRPr lang="ko-KR" altLang="en-US" sz="1400">
+              <a:latin typeface="HY울릉도M"/>
             </a:endParaRPr>
           </a:p>
-          <a:p>
-            <a:pPr algn="r">
-              <a:lnSpc>
-                <a:spcPct val="150000"/>
-              </a:lnSpc>
-            </a:pPr>
-            <a:r>
-              <a:rPr lang="ko-KR" altLang="en-US" sz="1300" dirty="0" smtClean="0">
-                <a:solidFill>
-                  <a:schemeClr val="bg1"/>
-                </a:solidFill>
-                <a:latin typeface="HY울릉도M" panose="02030600000101010101" pitchFamily="18" charset="-127"/>
-                <a:ea typeface="HY울릉도M" panose="02030600000101010101" pitchFamily="18" charset="-127"/>
-              </a:rPr>
-              <a:t>다시 확인할 수 있어요</a:t>
-            </a:r>
-            <a:endParaRPr lang="ko-KR" altLang="en-US" sz="1300" dirty="0">
-              <a:solidFill>
-                <a:schemeClr val="bg1"/>
-              </a:solidFill>
-              <a:latin typeface="HY울릉도M" panose="02030600000101010101" pitchFamily="18" charset="-127"/>
-              <a:ea typeface="HY울릉도M" panose="02030600000101010101" pitchFamily="18" charset="-127"/>
-            </a:endParaRPr>
-          </a:p>
-        </p:txBody>
-      </p:sp>
-      <p:sp>
-        <p:nvSpPr>
-          <p:cNvPr id="57" name="TextBox 56"/>
-          <p:cNvSpPr txBox="1"/>
-          <p:nvPr/>
-        </p:nvSpPr>
-        <p:spPr>
-          <a:xfrm>
-            <a:off x="353246" y="3832340"/>
-            <a:ext cx="1741182" cy="523220"/>
-          </a:xfrm>
-          <a:prstGeom prst="rect">
+        </p:txBody>
+      </p:sp>
+      <p:sp>
+        <p:nvSpPr>
+          <p:cNvPr id="31" name="순서도: 대체 처리 30"/>
+          <p:cNvSpPr/>
+          <p:nvPr/>
+        </p:nvSpPr>
+        <p:spPr>
+          <a:xfrm>
+            <a:off x="4059436" y="4475614"/>
+            <a:ext cx="2641600" cy="391885"/>
+          </a:xfrm>
+          <a:prstGeom prst="flowChartAlternateProcess">
             <a:avLst/>
           </a:prstGeom>
           <a:noFill/>
-        </p:spPr>
-        <p:txBody>
-          <a:bodyPr wrap="none" rtlCol="0">
-            <a:spAutoFit/>
-          </a:bodyPr>
-          <a:lstStyle/>
-          <a:p>
-            <a:r>
-              <a:rPr lang="ko-KR" altLang="en-US" sz="2800" dirty="0" smtClean="0">
-                <a:solidFill>
-                  <a:schemeClr val="bg1"/>
-                </a:solidFill>
-                <a:latin typeface="HY울릉도M" panose="02030600000101010101" pitchFamily="18" charset="-127"/>
-                <a:ea typeface="HY울릉도M" panose="02030600000101010101" pitchFamily="18" charset="-127"/>
-              </a:rPr>
-              <a:t>면접 문제</a:t>
-            </a:r>
-            <a:endParaRPr lang="ko-KR" altLang="en-US" sz="2800" dirty="0">
-              <a:solidFill>
-                <a:schemeClr val="bg1"/>
-              </a:solidFill>
-              <a:latin typeface="HY울릉도M" panose="02030600000101010101" pitchFamily="18" charset="-127"/>
-              <a:ea typeface="HY울릉도M" panose="02030600000101010101" pitchFamily="18" charset="-127"/>
-            </a:endParaRPr>
-          </a:p>
-        </p:txBody>
-      </p:sp>
-      <p:sp>
-        <p:nvSpPr>
-          <p:cNvPr id="58" name="TextBox 57"/>
-          <p:cNvSpPr txBox="1"/>
-          <p:nvPr/>
-        </p:nvSpPr>
-        <p:spPr>
-          <a:xfrm>
-            <a:off x="422175" y="4354022"/>
-            <a:ext cx="1850186" cy="692497"/>
-          </a:xfrm>
-          <a:prstGeom prst="rect">
-            <a:avLst/>
-          </a:prstGeom>
-          <a:noFill/>
-        </p:spPr>
-        <p:txBody>
-          <a:bodyPr wrap="none" rtlCol="0">
-            <a:spAutoFit/>
-          </a:bodyPr>
-          <a:lstStyle/>
-          <a:p>
-            <a:pPr algn="r">
-              <a:lnSpc>
-                <a:spcPct val="150000"/>
-              </a:lnSpc>
-            </a:pPr>
-            <a:r>
-              <a:rPr lang="ko-KR" altLang="en-US" sz="1300" dirty="0" smtClean="0">
-                <a:solidFill>
-                  <a:schemeClr val="bg1"/>
-                </a:solidFill>
-                <a:latin typeface="HY울릉도M" panose="02030600000101010101" pitchFamily="18" charset="-127"/>
-                <a:ea typeface="HY울릉도M" panose="02030600000101010101" pitchFamily="18" charset="-127"/>
-              </a:rPr>
-              <a:t>가상 면접을 위한</a:t>
-            </a:r>
-            <a:endParaRPr lang="en-US" altLang="ko-KR" sz="1300" dirty="0" smtClean="0">
-              <a:solidFill>
-                <a:schemeClr val="bg1"/>
-              </a:solidFill>
-              <a:latin typeface="HY울릉도M" panose="02030600000101010101" pitchFamily="18" charset="-127"/>
-              <a:ea typeface="HY울릉도M" panose="02030600000101010101" pitchFamily="18" charset="-127"/>
-            </a:endParaRPr>
-          </a:p>
-          <a:p>
-            <a:pPr algn="r">
-              <a:lnSpc>
-                <a:spcPct val="150000"/>
-              </a:lnSpc>
-            </a:pPr>
-            <a:r>
-              <a:rPr lang="ko-KR" altLang="en-US" sz="1300" dirty="0" smtClean="0">
-                <a:solidFill>
-                  <a:schemeClr val="bg1"/>
-                </a:solidFill>
-                <a:latin typeface="HY울릉도M" panose="02030600000101010101" pitchFamily="18" charset="-127"/>
-                <a:ea typeface="HY울릉도M" panose="02030600000101010101" pitchFamily="18" charset="-127"/>
-              </a:rPr>
-              <a:t>문제 </a:t>
-            </a:r>
-            <a:r>
-              <a:rPr lang="en-US" altLang="ko-KR" sz="1300" dirty="0" smtClean="0">
-                <a:solidFill>
-                  <a:schemeClr val="bg1"/>
-                </a:solidFill>
-                <a:latin typeface="HY울릉도M" panose="02030600000101010101" pitchFamily="18" charset="-127"/>
-                <a:ea typeface="HY울릉도M" panose="02030600000101010101" pitchFamily="18" charset="-127"/>
-              </a:rPr>
-              <a:t>DB</a:t>
-            </a:r>
-            <a:r>
-              <a:rPr lang="ko-KR" altLang="en-US" sz="1300" dirty="0" smtClean="0">
-                <a:solidFill>
-                  <a:schemeClr val="bg1"/>
-                </a:solidFill>
-                <a:latin typeface="HY울릉도M" panose="02030600000101010101" pitchFamily="18" charset="-127"/>
-                <a:ea typeface="HY울릉도M" panose="02030600000101010101" pitchFamily="18" charset="-127"/>
-              </a:rPr>
-              <a:t>를 확인하세요</a:t>
-            </a:r>
-            <a:endParaRPr lang="ko-KR" altLang="en-US" sz="1300" dirty="0">
-              <a:solidFill>
-                <a:schemeClr val="bg1"/>
-              </a:solidFill>
-              <a:latin typeface="HY울릉도M" panose="02030600000101010101" pitchFamily="18" charset="-127"/>
-              <a:ea typeface="HY울릉도M" panose="02030600000101010101" pitchFamily="18" charset="-127"/>
-            </a:endParaRPr>
-          </a:p>
-        </p:txBody>
-      </p:sp>
-      <p:sp>
-        <p:nvSpPr>
-          <p:cNvPr id="60" name="TextBox 59"/>
-          <p:cNvSpPr txBox="1"/>
-          <p:nvPr/>
-        </p:nvSpPr>
-        <p:spPr>
-          <a:xfrm>
-            <a:off x="353246" y="5268505"/>
-            <a:ext cx="1741182" cy="523220"/>
-          </a:xfrm>
-          <a:prstGeom prst="rect">
-            <a:avLst/>
-          </a:prstGeom>
-          <a:noFill/>
-        </p:spPr>
-        <p:txBody>
-          <a:bodyPr wrap="none" rtlCol="0">
-            <a:spAutoFit/>
-          </a:bodyPr>
-          <a:lstStyle/>
-          <a:p>
-            <a:r>
-              <a:rPr lang="ko-KR" altLang="en-US" sz="2800" dirty="0" smtClean="0">
-                <a:solidFill>
-                  <a:schemeClr val="bg1"/>
-                </a:solidFill>
-                <a:latin typeface="HY울릉도M" panose="02030600000101010101" pitchFamily="18" charset="-127"/>
-                <a:ea typeface="HY울릉도M" panose="02030600000101010101" pitchFamily="18" charset="-127"/>
-              </a:rPr>
-              <a:t>환경 설정</a:t>
-            </a:r>
-            <a:endParaRPr lang="ko-KR" altLang="en-US" sz="2800" dirty="0">
-              <a:solidFill>
-                <a:schemeClr val="bg1"/>
-              </a:solidFill>
-              <a:latin typeface="HY울릉도M" panose="02030600000101010101" pitchFamily="18" charset="-127"/>
-              <a:ea typeface="HY울릉도M" panose="02030600000101010101" pitchFamily="18" charset="-127"/>
-            </a:endParaRPr>
-          </a:p>
-        </p:txBody>
-      </p:sp>
-      <p:sp>
-        <p:nvSpPr>
-          <p:cNvPr id="61" name="TextBox 60"/>
-          <p:cNvSpPr txBox="1"/>
-          <p:nvPr/>
-        </p:nvSpPr>
-        <p:spPr>
-          <a:xfrm>
-            <a:off x="412556" y="5790187"/>
-            <a:ext cx="1859805" cy="415498"/>
-          </a:xfrm>
-          <a:prstGeom prst="rect">
-            <a:avLst/>
-          </a:prstGeom>
-          <a:noFill/>
-        </p:spPr>
-        <p:txBody>
-          <a:bodyPr wrap="none" rtlCol="0">
-            <a:spAutoFit/>
-          </a:bodyPr>
-          <a:lstStyle/>
-          <a:p>
-            <a:pPr algn="r">
-              <a:lnSpc>
-                <a:spcPct val="150000"/>
-              </a:lnSpc>
-            </a:pPr>
-            <a:r>
-              <a:rPr lang="ko-KR" altLang="en-US" sz="1400" dirty="0" smtClean="0">
-                <a:solidFill>
-                  <a:schemeClr val="bg1"/>
-                </a:solidFill>
-                <a:latin typeface="HY울릉도M" panose="02030600000101010101" pitchFamily="18" charset="-127"/>
-                <a:ea typeface="HY울릉도M" panose="02030600000101010101" pitchFamily="18" charset="-127"/>
-              </a:rPr>
-              <a:t>기기를 최적화합니다</a:t>
-            </a:r>
-            <a:endParaRPr lang="ko-KR" altLang="en-US" sz="1400" dirty="0">
-              <a:solidFill>
-                <a:schemeClr val="bg1"/>
-              </a:solidFill>
-              <a:latin typeface="HY울릉도M" panose="02030600000101010101" pitchFamily="18" charset="-127"/>
-              <a:ea typeface="HY울릉도M" panose="02030600000101010101" pitchFamily="18" charset="-127"/>
+          <a:ln w="12700">
+            <a:solidFill>
+              <a:schemeClr val="bg1">
+                <a:alpha val="75000"/>
+              </a:schemeClr>
+            </a:solidFill>
+          </a:ln>
+        </p:spPr>
+        <p:style>
+          <a:lnRef idx="2">
+            <a:schemeClr val="accent1">
+              <a:shade val="50000"/>
+            </a:schemeClr>
+          </a:lnRef>
+          <a:fillRef idx="1">
+            <a:schemeClr val="accent1"/>
+          </a:fillRef>
+          <a:effectRef idx="0">
+            <a:schemeClr val="accent1"/>
+          </a:effectRef>
+          <a:fontRef idx="minor">
+            <a:schemeClr val="lt1"/>
+          </a:fontRef>
+        </p:style>
+        <p:txBody>
+          <a:bodyPr rtlCol="0" anchor="ctr"/>
+          <a:lstStyle/>
+          <a:p>
+            <a:pPr algn="ctr"/>
+            <a:r>
+              <a:rPr lang="ko-KR" altLang="en-US" sz="1400" smtClean="0">
+                <a:latin typeface="HY울릉도M"/>
+              </a:rPr>
+              <a:t>가상 면접 시작</a:t>
+            </a:r>
+            <a:endParaRPr lang="ko-KR" altLang="en-US" sz="1400">
+              <a:latin typeface="HY울릉도M"/>
             </a:endParaRPr>
           </a:p>
         </p:txBody>
       </p:sp>
       <p:pic>
         <p:nvPicPr>
-          <p:cNvPr id="63" name="그림 62"/>
+          <p:cNvPr id="32" name="그림 31"/>
           <p:cNvPicPr>
             <a:picLocks noChangeAspect="1"/>
           </p:cNvPicPr>
@@ -17523,8 +18421,8 @@
         </p:blipFill>
         <p:spPr>
           <a:xfrm>
-            <a:off x="2418084" y="2582267"/>
-            <a:ext cx="802960" cy="802960"/>
+            <a:off x="4403348" y="1684096"/>
+            <a:ext cx="1953776" cy="1953776"/>
           </a:xfrm>
           <a:prstGeom prst="rect">
             <a:avLst/>
@@ -17533,7 +18431,7 @@
       </p:pic>
       <p:pic>
         <p:nvPicPr>
-          <p:cNvPr id="64" name="그림 63"/>
+          <p:cNvPr id="33" name="그림 32"/>
           <p:cNvPicPr>
             <a:picLocks noChangeAspect="1"/>
           </p:cNvPicPr>
@@ -17553,8 +18451,8 @@
         </p:blipFill>
         <p:spPr>
           <a:xfrm>
-            <a:off x="2472286" y="4063025"/>
-            <a:ext cx="772431" cy="772431"/>
+            <a:off x="4291925" y="4535229"/>
+            <a:ext cx="272653" cy="272653"/>
           </a:xfrm>
           <a:prstGeom prst="rect">
             <a:avLst/>
@@ -17563,7 +18461,7 @@
       </p:pic>
       <p:pic>
         <p:nvPicPr>
-          <p:cNvPr id="65" name="그림 64"/>
+          <p:cNvPr id="34" name="그림 33"/>
           <p:cNvPicPr>
             <a:picLocks noChangeAspect="1"/>
           </p:cNvPicPr>
@@ -17583,8 +18481,8 @@
         </p:blipFill>
         <p:spPr>
           <a:xfrm>
-            <a:off x="2464641" y="5495840"/>
-            <a:ext cx="709845" cy="709845"/>
+            <a:off x="4291924" y="4985315"/>
+            <a:ext cx="272653" cy="272653"/>
           </a:xfrm>
           <a:prstGeom prst="rect">
             <a:avLst/>
@@ -17593,22 +18491,28 @@
       </p:pic>
       <p:pic>
         <p:nvPicPr>
-          <p:cNvPr id="67" name="그림 66"/>
+          <p:cNvPr id="35" name="그림 34"/>
           <p:cNvPicPr>
             <a:picLocks noChangeAspect="1"/>
           </p:cNvPicPr>
           <p:nvPr/>
         </p:nvPicPr>
         <p:blipFill>
-          <a:blip r:embed="rId6"/>
+          <a:blip r:embed="rId6" cstate="print">
+            <a:extLst>
+              <a:ext uri="{28A0092B-C50C-407E-A947-70E740481C1C}">
+                <a14:useLocalDpi xmlns:a14="http://schemas.microsoft.com/office/drawing/2010/main" val="0"/>
+              </a:ext>
+            </a:extLst>
+          </a:blip>
           <a:stretch>
             <a:fillRect/>
           </a:stretch>
         </p:blipFill>
         <p:spPr>
           <a:xfrm>
-            <a:off x="3718832" y="849768"/>
-            <a:ext cx="3592389" cy="5760000"/>
+            <a:off x="4291924" y="5443043"/>
+            <a:ext cx="277594" cy="277594"/>
           </a:xfrm>
           <a:prstGeom prst="rect">
             <a:avLst/>
@@ -17617,22 +18521,28 @@
       </p:pic>
       <p:pic>
         <p:nvPicPr>
-          <p:cNvPr id="68" name="그림 67"/>
+          <p:cNvPr id="36" name="그림 35"/>
           <p:cNvPicPr>
             <a:picLocks noChangeAspect="1"/>
           </p:cNvPicPr>
           <p:nvPr/>
         </p:nvPicPr>
         <p:blipFill>
-          <a:blip r:embed="rId7"/>
+          <a:blip r:embed="rId3" cstate="print">
+            <a:extLst>
+              <a:ext uri="{28A0092B-C50C-407E-A947-70E740481C1C}">
+                <a14:useLocalDpi xmlns:a14="http://schemas.microsoft.com/office/drawing/2010/main" val="0"/>
+              </a:ext>
+            </a:extLst>
+          </a:blip>
           <a:stretch>
             <a:fillRect/>
           </a:stretch>
         </p:blipFill>
         <p:spPr>
           <a:xfrm>
-            <a:off x="7431152" y="849768"/>
-            <a:ext cx="3114675" cy="4972050"/>
+            <a:off x="2335515" y="5366157"/>
+            <a:ext cx="394985" cy="394985"/>
           </a:xfrm>
           <a:prstGeom prst="rect">
             <a:avLst/>
@@ -17642,7 +18552,7 @@
     </p:spTree>
     <p:extLst>
       <p:ext uri="{BB962C8B-B14F-4D97-AF65-F5344CB8AC3E}">
-        <p14:creationId xmlns:p14="http://schemas.microsoft.com/office/powerpoint/2010/main" val="4162403027"/>
+        <p14:creationId xmlns:p14="http://schemas.microsoft.com/office/powerpoint/2010/main" val="2080943321"/>
       </p:ext>
     </p:extLst>
   </p:cSld>

--- a/Scatch.pptx
+++ b/Scatch.pptx
@@ -14,8 +14,8 @@
     <p:sldId id="260" r:id="rId8"/>
     <p:sldId id="264" r:id="rId9"/>
     <p:sldId id="262" r:id="rId10"/>
-    <p:sldId id="265" r:id="rId11"/>
-    <p:sldId id="266" r:id="rId12"/>
+    <p:sldId id="266" r:id="rId11"/>
+    <p:sldId id="268" r:id="rId12"/>
     <p:sldId id="267" r:id="rId13"/>
   </p:sldIdLst>
   <p:sldSz cx="12192000" cy="6858000"/>
@@ -254,7 +254,7 @@
           <a:p>
             <a:fld id="{06EFB4C7-7BEF-490C-A547-EABAD4F9635D}" type="datetimeFigureOut">
               <a:rPr lang="ko-KR" altLang="en-US" smtClean="0"/>
-              <a:t>2017-12-19</a:t>
+              <a:t>2017-12-27</a:t>
             </a:fld>
             <a:endParaRPr lang="ko-KR" altLang="en-US"/>
           </a:p>
@@ -424,7 +424,7 @@
           <a:p>
             <a:fld id="{06EFB4C7-7BEF-490C-A547-EABAD4F9635D}" type="datetimeFigureOut">
               <a:rPr lang="ko-KR" altLang="en-US" smtClean="0"/>
-              <a:t>2017-12-19</a:t>
+              <a:t>2017-12-27</a:t>
             </a:fld>
             <a:endParaRPr lang="ko-KR" altLang="en-US"/>
           </a:p>
@@ -604,7 +604,7 @@
           <a:p>
             <a:fld id="{06EFB4C7-7BEF-490C-A547-EABAD4F9635D}" type="datetimeFigureOut">
               <a:rPr lang="ko-KR" altLang="en-US" smtClean="0"/>
-              <a:t>2017-12-19</a:t>
+              <a:t>2017-12-27</a:t>
             </a:fld>
             <a:endParaRPr lang="ko-KR" altLang="en-US"/>
           </a:p>
@@ -774,7 +774,7 @@
           <a:p>
             <a:fld id="{06EFB4C7-7BEF-490C-A547-EABAD4F9635D}" type="datetimeFigureOut">
               <a:rPr lang="ko-KR" altLang="en-US" smtClean="0"/>
-              <a:t>2017-12-19</a:t>
+              <a:t>2017-12-27</a:t>
             </a:fld>
             <a:endParaRPr lang="ko-KR" altLang="en-US"/>
           </a:p>
@@ -1020,7 +1020,7 @@
           <a:p>
             <a:fld id="{06EFB4C7-7BEF-490C-A547-EABAD4F9635D}" type="datetimeFigureOut">
               <a:rPr lang="ko-KR" altLang="en-US" smtClean="0"/>
-              <a:t>2017-12-19</a:t>
+              <a:t>2017-12-27</a:t>
             </a:fld>
             <a:endParaRPr lang="ko-KR" altLang="en-US"/>
           </a:p>
@@ -1252,7 +1252,7 @@
           <a:p>
             <a:fld id="{06EFB4C7-7BEF-490C-A547-EABAD4F9635D}" type="datetimeFigureOut">
               <a:rPr lang="ko-KR" altLang="en-US" smtClean="0"/>
-              <a:t>2017-12-19</a:t>
+              <a:t>2017-12-27</a:t>
             </a:fld>
             <a:endParaRPr lang="ko-KR" altLang="en-US"/>
           </a:p>
@@ -1619,7 +1619,7 @@
           <a:p>
             <a:fld id="{06EFB4C7-7BEF-490C-A547-EABAD4F9635D}" type="datetimeFigureOut">
               <a:rPr lang="ko-KR" altLang="en-US" smtClean="0"/>
-              <a:t>2017-12-19</a:t>
+              <a:t>2017-12-27</a:t>
             </a:fld>
             <a:endParaRPr lang="ko-KR" altLang="en-US"/>
           </a:p>
@@ -1737,7 +1737,7 @@
           <a:p>
             <a:fld id="{06EFB4C7-7BEF-490C-A547-EABAD4F9635D}" type="datetimeFigureOut">
               <a:rPr lang="ko-KR" altLang="en-US" smtClean="0"/>
-              <a:t>2017-12-19</a:t>
+              <a:t>2017-12-27</a:t>
             </a:fld>
             <a:endParaRPr lang="ko-KR" altLang="en-US"/>
           </a:p>
@@ -1832,7 +1832,7 @@
           <a:p>
             <a:fld id="{06EFB4C7-7BEF-490C-A547-EABAD4F9635D}" type="datetimeFigureOut">
               <a:rPr lang="ko-KR" altLang="en-US" smtClean="0"/>
-              <a:t>2017-12-19</a:t>
+              <a:t>2017-12-27</a:t>
             </a:fld>
             <a:endParaRPr lang="ko-KR" altLang="en-US"/>
           </a:p>
@@ -2109,7 +2109,7 @@
           <a:p>
             <a:fld id="{06EFB4C7-7BEF-490C-A547-EABAD4F9635D}" type="datetimeFigureOut">
               <a:rPr lang="ko-KR" altLang="en-US" smtClean="0"/>
-              <a:t>2017-12-19</a:t>
+              <a:t>2017-12-27</a:t>
             </a:fld>
             <a:endParaRPr lang="ko-KR" altLang="en-US"/>
           </a:p>
@@ -2362,7 +2362,7 @@
           <a:p>
             <a:fld id="{06EFB4C7-7BEF-490C-A547-EABAD4F9635D}" type="datetimeFigureOut">
               <a:rPr lang="ko-KR" altLang="en-US" smtClean="0"/>
-              <a:t>2017-12-19</a:t>
+              <a:t>2017-12-27</a:t>
             </a:fld>
             <a:endParaRPr lang="ko-KR" altLang="en-US"/>
           </a:p>
@@ -2575,7 +2575,7 @@
           <a:p>
             <a:fld id="{06EFB4C7-7BEF-490C-A547-EABAD4F9635D}" type="datetimeFigureOut">
               <a:rPr lang="ko-KR" altLang="en-US" smtClean="0"/>
-              <a:t>2017-12-19</a:t>
+              <a:t>2017-12-27</a:t>
             </a:fld>
             <a:endParaRPr lang="ko-KR" altLang="en-US"/>
           </a:p>
@@ -4898,6 +4898,56 @@
       </p:grpSpPr>
       <p:sp>
         <p:nvSpPr>
+          <p:cNvPr id="48" name="직사각형 47"/>
+          <p:cNvSpPr>
+            <a:spLocks noChangeAspect="1"/>
+          </p:cNvSpPr>
+          <p:nvPr/>
+        </p:nvSpPr>
+        <p:spPr>
+          <a:xfrm>
+            <a:off x="3748402" y="4082403"/>
+            <a:ext cx="1113786" cy="997225"/>
+          </a:xfrm>
+          <a:prstGeom prst="rect">
+            <a:avLst/>
+          </a:prstGeom>
+          <a:solidFill>
+            <a:schemeClr val="bg1"/>
+          </a:solidFill>
+          <a:ln w="25400">
+            <a:solidFill>
+              <a:schemeClr val="tx1"/>
+            </a:solidFill>
+          </a:ln>
+        </p:spPr>
+        <p:style>
+          <a:lnRef idx="2">
+            <a:schemeClr val="accent1">
+              <a:shade val="50000"/>
+            </a:schemeClr>
+          </a:lnRef>
+          <a:fillRef idx="1">
+            <a:schemeClr val="accent1"/>
+          </a:fillRef>
+          <a:effectRef idx="0">
+            <a:schemeClr val="accent1"/>
+          </a:effectRef>
+          <a:fontRef idx="minor">
+            <a:schemeClr val="lt1"/>
+          </a:fontRef>
+        </p:style>
+        <p:txBody>
+          <a:bodyPr rtlCol="0" anchor="ctr"/>
+          <a:lstStyle/>
+          <a:p>
+            <a:pPr algn="ctr"/>
+            <a:endParaRPr lang="ko-KR" altLang="en-US"/>
+          </a:p>
+        </p:txBody>
+      </p:sp>
+      <p:sp>
+        <p:nvSpPr>
           <p:cNvPr id="2" name="직사각형 1"/>
           <p:cNvSpPr/>
           <p:nvPr/>
@@ -5002,7 +5052,7 @@
                 <a:latin typeface="210 맨발의청춘 B" panose="02020603020101020101" pitchFamily="18" charset="-127"/>
                 <a:ea typeface="210 맨발의청춘 B" panose="02020603020101020101" pitchFamily="18" charset="-127"/>
               </a:rPr>
-              <a:t>처리 구조</a:t>
+              <a:t>데이터 처리도</a:t>
             </a:r>
             <a:endParaRPr lang="ko-KR" altLang="en-US" dirty="0">
               <a:latin typeface="210 맨발의청춘 B" panose="02020603020101020101" pitchFamily="18" charset="-127"/>
@@ -5063,7 +5113,182 @@
       </p:sp>
       <p:sp>
         <p:nvSpPr>
-          <p:cNvPr id="25" name="직사각형 24"/>
+          <p:cNvPr id="26" name="TextBox 25"/>
+          <p:cNvSpPr txBox="1"/>
+          <p:nvPr/>
+        </p:nvSpPr>
+        <p:spPr>
+          <a:xfrm>
+            <a:off x="3987740" y="4438070"/>
+            <a:ext cx="635110" cy="276999"/>
+          </a:xfrm>
+          <a:prstGeom prst="rect">
+            <a:avLst/>
+          </a:prstGeom>
+          <a:noFill/>
+        </p:spPr>
+        <p:txBody>
+          <a:bodyPr wrap="none" rtlCol="0">
+            <a:spAutoFit/>
+          </a:bodyPr>
+          <a:lstStyle/>
+          <a:p>
+            <a:pPr algn="ctr"/>
+            <a:r>
+              <a:rPr lang="en-US" altLang="ko-KR" sz="1200" dirty="0" smtClean="0">
+                <a:latin typeface="210 맨발의청춘 L" panose="02020603020101020101" pitchFamily="18" charset="-127"/>
+                <a:ea typeface="210 맨발의청춘 L" panose="02020603020101020101" pitchFamily="18" charset="-127"/>
+              </a:rPr>
+              <a:t>[App]</a:t>
+            </a:r>
+            <a:endParaRPr lang="ko-KR" altLang="en-US" sz="1200" dirty="0">
+              <a:latin typeface="210 맨발의청춘 L" panose="02020603020101020101" pitchFamily="18" charset="-127"/>
+              <a:ea typeface="210 맨발의청춘 L" panose="02020603020101020101" pitchFamily="18" charset="-127"/>
+            </a:endParaRPr>
+          </a:p>
+        </p:txBody>
+      </p:sp>
+      <p:cxnSp>
+        <p:nvCxnSpPr>
+          <p:cNvPr id="27" name="직선 화살표 연결선 26"/>
+          <p:cNvCxnSpPr/>
+          <p:nvPr/>
+        </p:nvCxnSpPr>
+        <p:spPr>
+          <a:xfrm>
+            <a:off x="2361229" y="4391633"/>
+            <a:ext cx="1227792" cy="0"/>
+          </a:xfrm>
+          <a:prstGeom prst="straightConnector1">
+            <a:avLst/>
+          </a:prstGeom>
+          <a:ln>
+            <a:solidFill>
+              <a:schemeClr val="tx1"/>
+            </a:solidFill>
+            <a:tailEnd type="triangle"/>
+          </a:ln>
+        </p:spPr>
+        <p:style>
+          <a:lnRef idx="1">
+            <a:schemeClr val="accent1"/>
+          </a:lnRef>
+          <a:fillRef idx="0">
+            <a:schemeClr val="accent1"/>
+          </a:fillRef>
+          <a:effectRef idx="0">
+            <a:schemeClr val="accent1"/>
+          </a:effectRef>
+          <a:fontRef idx="minor">
+            <a:schemeClr val="tx1"/>
+          </a:fontRef>
+        </p:style>
+      </p:cxnSp>
+      <p:sp>
+        <p:nvSpPr>
+          <p:cNvPr id="29" name="TextBox 28"/>
+          <p:cNvSpPr txBox="1"/>
+          <p:nvPr/>
+        </p:nvSpPr>
+        <p:spPr>
+          <a:xfrm>
+            <a:off x="3912837" y="2462635"/>
+            <a:ext cx="792205" cy="276999"/>
+          </a:xfrm>
+          <a:prstGeom prst="rect">
+            <a:avLst/>
+          </a:prstGeom>
+          <a:noFill/>
+        </p:spPr>
+        <p:txBody>
+          <a:bodyPr wrap="none" rtlCol="0">
+            <a:spAutoFit/>
+          </a:bodyPr>
+          <a:lstStyle/>
+          <a:p>
+            <a:pPr algn="ctr"/>
+            <a:r>
+              <a:rPr lang="en-US" altLang="ko-KR" sz="1200" smtClean="0">
+                <a:latin typeface="210 맨발의청춘 L" panose="02020603020101020101" pitchFamily="18" charset="-127"/>
+                <a:ea typeface="210 맨발의청춘 L" panose="02020603020101020101" pitchFamily="18" charset="-127"/>
+              </a:rPr>
+              <a:t>[DB</a:t>
+            </a:r>
+            <a:r>
+              <a:rPr lang="ko-KR" altLang="en-US" sz="1200" smtClean="0">
+                <a:latin typeface="210 맨발의청춘 L" panose="02020603020101020101" pitchFamily="18" charset="-127"/>
+                <a:ea typeface="210 맨발의청춘 L" panose="02020603020101020101" pitchFamily="18" charset="-127"/>
+              </a:rPr>
+              <a:t> 서버</a:t>
+            </a:r>
+            <a:r>
+              <a:rPr lang="en-US" altLang="ko-KR" sz="1200" smtClean="0">
+                <a:latin typeface="210 맨발의청춘 L" panose="02020603020101020101" pitchFamily="18" charset="-127"/>
+                <a:ea typeface="210 맨발의청춘 L" panose="02020603020101020101" pitchFamily="18" charset="-127"/>
+              </a:rPr>
+              <a:t>]</a:t>
+            </a:r>
+            <a:endParaRPr lang="ko-KR" altLang="en-US" sz="1200" dirty="0">
+              <a:latin typeface="210 맨발의청춘 L" panose="02020603020101020101" pitchFamily="18" charset="-127"/>
+              <a:ea typeface="210 맨발의청춘 L" panose="02020603020101020101" pitchFamily="18" charset="-127"/>
+            </a:endParaRPr>
+          </a:p>
+        </p:txBody>
+      </p:sp>
+      <p:sp>
+        <p:nvSpPr>
+          <p:cNvPr id="31" name="TextBox 30"/>
+          <p:cNvSpPr txBox="1"/>
+          <p:nvPr/>
+        </p:nvSpPr>
+        <p:spPr>
+          <a:xfrm>
+            <a:off x="2341441" y="4092534"/>
+            <a:ext cx="1215397" cy="276999"/>
+          </a:xfrm>
+          <a:prstGeom prst="rect">
+            <a:avLst/>
+          </a:prstGeom>
+          <a:noFill/>
+        </p:spPr>
+        <p:txBody>
+          <a:bodyPr wrap="none" rtlCol="0">
+            <a:spAutoFit/>
+          </a:bodyPr>
+          <a:lstStyle/>
+          <a:p>
+            <a:pPr algn="ctr"/>
+            <a:r>
+              <a:rPr lang="en-US" altLang="ko-KR" sz="1200" smtClean="0">
+                <a:latin typeface="210 맨발의청춘 L" panose="02020603020101020101" pitchFamily="18" charset="-127"/>
+                <a:ea typeface="210 맨발의청춘 L" panose="02020603020101020101" pitchFamily="18" charset="-127"/>
+              </a:rPr>
+              <a:t>[</a:t>
+            </a:r>
+            <a:r>
+              <a:rPr lang="ko-KR" altLang="en-US" sz="1200" smtClean="0">
+                <a:latin typeface="210 맨발의청춘 L" panose="02020603020101020101" pitchFamily="18" charset="-127"/>
+                <a:ea typeface="210 맨발의청춘 L" panose="02020603020101020101" pitchFamily="18" charset="-127"/>
+              </a:rPr>
+              <a:t>분석 완료 알림</a:t>
+            </a:r>
+            <a:r>
+              <a:rPr lang="en-US" altLang="ko-KR" sz="1200" smtClean="0">
+                <a:latin typeface="210 맨발의청춘 L" panose="02020603020101020101" pitchFamily="18" charset="-127"/>
+                <a:ea typeface="210 맨발의청춘 L" panose="02020603020101020101" pitchFamily="18" charset="-127"/>
+              </a:rPr>
+              <a:t>]</a:t>
+            </a:r>
+            <a:endParaRPr lang="ko-KR" altLang="en-US" sz="1200" dirty="0">
+              <a:latin typeface="210 맨발의청춘 L" panose="02020603020101020101" pitchFamily="18" charset="-127"/>
+              <a:ea typeface="210 맨발의청춘 L" panose="02020603020101020101" pitchFamily="18" charset="-127"/>
+            </a:endParaRPr>
+          </a:p>
+        </p:txBody>
+      </p:sp>
+      <p:sp>
+        <p:nvSpPr>
+          <p:cNvPr id="35" name="직사각형 34"/>
           <p:cNvSpPr>
             <a:spLocks noChangeAspect="1"/>
           </p:cNvSpPr>
@@ -5071,8 +5296,8 @@
         </p:nvSpPr>
         <p:spPr>
           <a:xfrm>
-            <a:off x="2116744" y="1481537"/>
-            <a:ext cx="1113786" cy="1980065"/>
+            <a:off x="7269561" y="4092534"/>
+            <a:ext cx="1113786" cy="997225"/>
           </a:xfrm>
           <a:prstGeom prst="rect">
             <a:avLst/>
@@ -5113,14 +5338,14 @@
       </p:sp>
       <p:sp>
         <p:nvSpPr>
-          <p:cNvPr id="26" name="TextBox 25"/>
+          <p:cNvPr id="38" name="TextBox 37"/>
           <p:cNvSpPr txBox="1"/>
           <p:nvPr/>
         </p:nvSpPr>
         <p:spPr>
           <a:xfrm>
-            <a:off x="2457071" y="2359813"/>
-            <a:ext cx="433132" cy="276999"/>
+            <a:off x="7338980" y="4454673"/>
+            <a:ext cx="974947" cy="276999"/>
           </a:xfrm>
           <a:prstGeom prst="rect">
             <a:avLst/>
@@ -5133,6 +5358,7 @@
           </a:bodyPr>
           <a:lstStyle/>
           <a:p>
+            <a:pPr algn="ctr"/>
             <a:r>
               <a:rPr lang="en-US" altLang="ko-KR" sz="1200" smtClean="0">
                 <a:latin typeface="210 맨발의청춘 L" panose="02020603020101020101" pitchFamily="18" charset="-127"/>
@@ -5141,11 +5367,11 @@
               <a:t>[</a:t>
             </a:r>
             <a:r>
-              <a:rPr lang="ko-KR" altLang="en-US" sz="1200">
+              <a:rPr lang="ko-KR" altLang="en-US" sz="1200" smtClean="0">
                 <a:latin typeface="210 맨발의청춘 L" panose="02020603020101020101" pitchFamily="18" charset="-127"/>
                 <a:ea typeface="210 맨발의청춘 L" panose="02020603020101020101" pitchFamily="18" charset="-127"/>
               </a:rPr>
-              <a:t>앱</a:t>
+              <a:t>커맨드서버</a:t>
             </a:r>
             <a:r>
               <a:rPr lang="en-US" altLang="ko-KR" sz="1200" smtClean="0">
@@ -5161,45 +5387,106 @@
           </a:p>
         </p:txBody>
       </p:sp>
-      <p:cxnSp>
-        <p:nvCxnSpPr>
-          <p:cNvPr id="27" name="직선 화살표 연결선 26"/>
-          <p:cNvCxnSpPr/>
-          <p:nvPr/>
-        </p:nvCxnSpPr>
-        <p:spPr>
-          <a:xfrm>
-            <a:off x="3342710" y="1898647"/>
-            <a:ext cx="1067252" cy="0"/>
-          </a:xfrm>
-          <a:prstGeom prst="straightConnector1">
-            <a:avLst/>
-          </a:prstGeom>
-          <a:ln>
+      <p:sp>
+        <p:nvSpPr>
+          <p:cNvPr id="3" name="순서도: 자기 디스크 2"/>
+          <p:cNvSpPr/>
+          <p:nvPr/>
+        </p:nvSpPr>
+        <p:spPr>
+          <a:xfrm>
+            <a:off x="3791403" y="1941504"/>
+            <a:ext cx="1035074" cy="1042262"/>
+          </a:xfrm>
+          <a:prstGeom prst="flowChartMagneticDisk">
+            <a:avLst/>
+          </a:prstGeom>
+          <a:noFill/>
+          <a:ln w="25400">
             <a:solidFill>
               <a:schemeClr val="tx1"/>
             </a:solidFill>
-            <a:tailEnd type="triangle"/>
           </a:ln>
         </p:spPr>
         <p:style>
-          <a:lnRef idx="1">
-            <a:schemeClr val="accent1"/>
+          <a:lnRef idx="2">
+            <a:schemeClr val="accent1">
+              <a:shade val="50000"/>
+            </a:schemeClr>
           </a:lnRef>
-          <a:fillRef idx="0">
+          <a:fillRef idx="1">
             <a:schemeClr val="accent1"/>
           </a:fillRef>
           <a:effectRef idx="0">
             <a:schemeClr val="accent1"/>
           </a:effectRef>
           <a:fontRef idx="minor">
-            <a:schemeClr val="tx1"/>
+            <a:schemeClr val="lt1"/>
           </a:fontRef>
         </p:style>
-      </p:cxnSp>
-      <p:sp>
-        <p:nvSpPr>
-          <p:cNvPr id="28" name="직사각형 27"/>
+        <p:txBody>
+          <a:bodyPr rtlCol="0" anchor="ctr"/>
+          <a:lstStyle/>
+          <a:p>
+            <a:pPr algn="ctr"/>
+            <a:endParaRPr lang="ko-KR" altLang="en-US"/>
+          </a:p>
+        </p:txBody>
+      </p:sp>
+      <p:sp>
+        <p:nvSpPr>
+          <p:cNvPr id="47" name="TextBox 46"/>
+          <p:cNvSpPr txBox="1"/>
+          <p:nvPr/>
+        </p:nvSpPr>
+        <p:spPr>
+          <a:xfrm>
+            <a:off x="1990043" y="2106418"/>
+            <a:ext cx="1343638" cy="276999"/>
+          </a:xfrm>
+          <a:prstGeom prst="rect">
+            <a:avLst/>
+          </a:prstGeom>
+          <a:noFill/>
+        </p:spPr>
+        <p:txBody>
+          <a:bodyPr wrap="none" rtlCol="0">
+            <a:spAutoFit/>
+          </a:bodyPr>
+          <a:lstStyle/>
+          <a:p>
+            <a:pPr algn="ctr"/>
+            <a:r>
+              <a:rPr lang="en-US" altLang="ko-KR" sz="1200" smtClean="0">
+                <a:latin typeface="210 맨발의청춘 L" panose="02020603020101020101" pitchFamily="18" charset="-127"/>
+                <a:ea typeface="210 맨발의청춘 L" panose="02020603020101020101" pitchFamily="18" charset="-127"/>
+              </a:rPr>
+              <a:t>[</a:t>
+            </a:r>
+            <a:r>
+              <a:rPr lang="ko-KR" altLang="en-US" sz="1200" smtClean="0">
+                <a:latin typeface="210 맨발의청춘 L" panose="02020603020101020101" pitchFamily="18" charset="-127"/>
+                <a:ea typeface="210 맨발의청춘 L" panose="02020603020101020101" pitchFamily="18" charset="-127"/>
+              </a:rPr>
+              <a:t>완료 데이터 검색</a:t>
+            </a:r>
+            <a:r>
+              <a:rPr lang="en-US" altLang="ko-KR" sz="1200" smtClean="0">
+                <a:latin typeface="210 맨발의청춘 L" panose="02020603020101020101" pitchFamily="18" charset="-127"/>
+                <a:ea typeface="210 맨발의청춘 L" panose="02020603020101020101" pitchFamily="18" charset="-127"/>
+              </a:rPr>
+              <a:t>]</a:t>
+            </a:r>
+            <a:endParaRPr lang="ko-KR" altLang="en-US" sz="1200" dirty="0">
+              <a:latin typeface="210 맨발의청춘 L" panose="02020603020101020101" pitchFamily="18" charset="-127"/>
+              <a:ea typeface="210 맨발의청춘 L" panose="02020603020101020101" pitchFamily="18" charset="-127"/>
+            </a:endParaRPr>
+          </a:p>
+        </p:txBody>
+      </p:sp>
+      <p:sp>
+        <p:nvSpPr>
+          <p:cNvPr id="49" name="직사각형 48"/>
           <p:cNvSpPr>
             <a:spLocks noChangeAspect="1"/>
           </p:cNvSpPr>
@@ -5207,8 +5494,8 @@
         </p:nvSpPr>
         <p:spPr>
           <a:xfrm>
-            <a:off x="4478139" y="1399862"/>
-            <a:ext cx="1009227" cy="997572"/>
+            <a:off x="1098503" y="4092534"/>
+            <a:ext cx="1113786" cy="997225"/>
           </a:xfrm>
           <a:prstGeom prst="rect">
             <a:avLst/>
@@ -5249,14 +5536,14 @@
       </p:sp>
       <p:sp>
         <p:nvSpPr>
-          <p:cNvPr id="29" name="TextBox 28"/>
+          <p:cNvPr id="50" name="TextBox 49"/>
           <p:cNvSpPr txBox="1"/>
           <p:nvPr/>
         </p:nvSpPr>
         <p:spPr>
           <a:xfrm>
-            <a:off x="4685351" y="1760148"/>
-            <a:ext cx="562976" cy="276999"/>
+            <a:off x="1243264" y="4454673"/>
+            <a:ext cx="824265" cy="276999"/>
           </a:xfrm>
           <a:prstGeom prst="rect">
             <a:avLst/>
@@ -5282,7 +5569,7 @@
                 <a:latin typeface="210 맨발의청춘 L" panose="02020603020101020101" pitchFamily="18" charset="-127"/>
                 <a:ea typeface="210 맨발의청춘 L" panose="02020603020101020101" pitchFamily="18" charset="-127"/>
               </a:rPr>
-              <a:t>서버</a:t>
+              <a:t>푸시서버</a:t>
             </a:r>
             <a:r>
               <a:rPr lang="en-US" altLang="ko-KR" sz="1200" smtClean="0">
@@ -5298,15 +5585,123 @@
           </a:p>
         </p:txBody>
       </p:sp>
-      <p:sp>
-        <p:nvSpPr>
-          <p:cNvPr id="31" name="TextBox 30"/>
+      <p:cxnSp>
+        <p:nvCxnSpPr>
+          <p:cNvPr id="14" name="직선 연결선 13"/>
+          <p:cNvCxnSpPr/>
+          <p:nvPr/>
+        </p:nvCxnSpPr>
+        <p:spPr>
+          <a:xfrm flipV="1">
+            <a:off x="1673841" y="2413919"/>
+            <a:ext cx="0" cy="1602883"/>
+          </a:xfrm>
+          <a:prstGeom prst="line">
+            <a:avLst/>
+          </a:prstGeom>
+          <a:ln>
+            <a:solidFill>
+              <a:schemeClr val="tx1"/>
+            </a:solidFill>
+            <a:tailEnd type="triangle"/>
+          </a:ln>
+        </p:spPr>
+        <p:style>
+          <a:lnRef idx="1">
+            <a:schemeClr val="accent1"/>
+          </a:lnRef>
+          <a:fillRef idx="0">
+            <a:schemeClr val="accent1"/>
+          </a:fillRef>
+          <a:effectRef idx="0">
+            <a:schemeClr val="accent1"/>
+          </a:effectRef>
+          <a:fontRef idx="minor">
+            <a:schemeClr val="tx1"/>
+          </a:fontRef>
+        </p:style>
+      </p:cxnSp>
+      <p:cxnSp>
+        <p:nvCxnSpPr>
+          <p:cNvPr id="17" name="직선 화살표 연결선 16"/>
+          <p:cNvCxnSpPr/>
+          <p:nvPr/>
+        </p:nvCxnSpPr>
+        <p:spPr>
+          <a:xfrm>
+            <a:off x="1720023" y="2392646"/>
+            <a:ext cx="1948721" cy="0"/>
+          </a:xfrm>
+          <a:prstGeom prst="straightConnector1">
+            <a:avLst/>
+          </a:prstGeom>
+          <a:ln>
+            <a:solidFill>
+              <a:schemeClr val="tx1"/>
+            </a:solidFill>
+            <a:tailEnd type="triangle"/>
+          </a:ln>
+        </p:spPr>
+        <p:style>
+          <a:lnRef idx="1">
+            <a:schemeClr val="accent1"/>
+          </a:lnRef>
+          <a:fillRef idx="0">
+            <a:schemeClr val="accent1"/>
+          </a:fillRef>
+          <a:effectRef idx="0">
+            <a:schemeClr val="accent1"/>
+          </a:effectRef>
+          <a:fontRef idx="minor">
+            <a:schemeClr val="tx1"/>
+          </a:fontRef>
+        </p:style>
+      </p:cxnSp>
+      <p:cxnSp>
+        <p:nvCxnSpPr>
+          <p:cNvPr id="19" name="직선 화살표 연결선 18"/>
+          <p:cNvCxnSpPr/>
+          <p:nvPr/>
+        </p:nvCxnSpPr>
+        <p:spPr>
+          <a:xfrm>
+            <a:off x="4945315" y="4369533"/>
+            <a:ext cx="2240571" cy="0"/>
+          </a:xfrm>
+          <a:prstGeom prst="straightConnector1">
+            <a:avLst/>
+          </a:prstGeom>
+          <a:ln>
+            <a:solidFill>
+              <a:schemeClr val="tx1"/>
+            </a:solidFill>
+            <a:tailEnd type="triangle"/>
+          </a:ln>
+        </p:spPr>
+        <p:style>
+          <a:lnRef idx="1">
+            <a:schemeClr val="accent1"/>
+          </a:lnRef>
+          <a:fillRef idx="0">
+            <a:schemeClr val="accent1"/>
+          </a:fillRef>
+          <a:effectRef idx="0">
+            <a:schemeClr val="accent1"/>
+          </a:effectRef>
+          <a:fontRef idx="minor">
+            <a:schemeClr val="tx1"/>
+          </a:fontRef>
+        </p:style>
+      </p:cxnSp>
+      <p:sp>
+        <p:nvSpPr>
+          <p:cNvPr id="51" name="TextBox 50"/>
           <p:cNvSpPr txBox="1"/>
           <p:nvPr/>
         </p:nvSpPr>
         <p:spPr>
           <a:xfrm>
-            <a:off x="3505520" y="1606761"/>
+            <a:off x="5717061" y="4092534"/>
             <a:ext cx="697628" cy="276999"/>
           </a:xfrm>
           <a:prstGeom prst="rect">
@@ -5349,16 +5744,88 @@
           </a:p>
         </p:txBody>
       </p:sp>
-      <p:sp>
-        <p:nvSpPr>
-          <p:cNvPr id="34" name="TextBox 33"/>
+      <p:cxnSp>
+        <p:nvCxnSpPr>
+          <p:cNvPr id="52" name="직선 연결선 51"/>
+          <p:cNvCxnSpPr/>
+          <p:nvPr/>
+        </p:nvCxnSpPr>
+        <p:spPr>
+          <a:xfrm flipV="1">
+            <a:off x="7856226" y="2817091"/>
+            <a:ext cx="0" cy="1206155"/>
+          </a:xfrm>
+          <a:prstGeom prst="line">
+            <a:avLst/>
+          </a:prstGeom>
+          <a:ln>
+            <a:solidFill>
+              <a:schemeClr val="tx1"/>
+            </a:solidFill>
+            <a:tailEnd type="triangle"/>
+          </a:ln>
+        </p:spPr>
+        <p:style>
+          <a:lnRef idx="1">
+            <a:schemeClr val="accent1"/>
+          </a:lnRef>
+          <a:fillRef idx="0">
+            <a:schemeClr val="accent1"/>
+          </a:fillRef>
+          <a:effectRef idx="0">
+            <a:schemeClr val="accent1"/>
+          </a:effectRef>
+          <a:fontRef idx="minor">
+            <a:schemeClr val="tx1"/>
+          </a:fontRef>
+        </p:style>
+      </p:cxnSp>
+      <p:cxnSp>
+        <p:nvCxnSpPr>
+          <p:cNvPr id="22" name="직선 화살표 연결선 21"/>
+          <p:cNvCxnSpPr/>
+          <p:nvPr/>
+        </p:nvCxnSpPr>
+        <p:spPr>
+          <a:xfrm flipH="1">
+            <a:off x="5009969" y="2743669"/>
+            <a:ext cx="2785517" cy="0"/>
+          </a:xfrm>
+          <a:prstGeom prst="straightConnector1">
+            <a:avLst/>
+          </a:prstGeom>
+          <a:ln>
+            <a:solidFill>
+              <a:schemeClr val="tx1"/>
+            </a:solidFill>
+            <a:tailEnd type="triangle"/>
+          </a:ln>
+        </p:spPr>
+        <p:style>
+          <a:lnRef idx="1">
+            <a:schemeClr val="accent1"/>
+          </a:lnRef>
+          <a:fillRef idx="0">
+            <a:schemeClr val="accent1"/>
+          </a:fillRef>
+          <a:effectRef idx="0">
+            <a:schemeClr val="accent1"/>
+          </a:effectRef>
+          <a:fontRef idx="minor">
+            <a:schemeClr val="tx1"/>
+          </a:fontRef>
+        </p:style>
+      </p:cxnSp>
+      <p:sp>
+        <p:nvSpPr>
+          <p:cNvPr id="54" name="TextBox 53"/>
           <p:cNvSpPr txBox="1"/>
           <p:nvPr/>
         </p:nvSpPr>
         <p:spPr>
           <a:xfrm>
-            <a:off x="5809010" y="1606762"/>
-            <a:ext cx="813043" cy="276999"/>
+            <a:off x="5341721" y="2466678"/>
+            <a:ext cx="1999265" cy="276999"/>
           </a:xfrm>
           <a:prstGeom prst="rect">
             <a:avLst/>
@@ -5384,14 +5851,28 @@
                 <a:latin typeface="210 맨발의청춘 L" panose="02020603020101020101" pitchFamily="18" charset="-127"/>
                 <a:ea typeface="210 맨발의청춘 L" panose="02020603020101020101" pitchFamily="18" charset="-127"/>
               </a:rPr>
-              <a:t>스레드 </a:t>
+              <a:t>로그인 검증</a:t>
             </a:r>
             <a:r>
               <a:rPr lang="en-US" altLang="ko-KR" sz="1200" smtClean="0">
                 <a:latin typeface="210 맨발의청춘 L" panose="02020603020101020101" pitchFamily="18" charset="-127"/>
                 <a:ea typeface="210 맨발의청춘 L" panose="02020603020101020101" pitchFamily="18" charset="-127"/>
               </a:rPr>
-              <a:t>1]</a:t>
+              <a:t>,</a:t>
+            </a:r>
+            <a:r>
+              <a:rPr lang="ko-KR" altLang="en-US" sz="1200" smtClean="0">
+                <a:latin typeface="210 맨발의청춘 L" panose="02020603020101020101" pitchFamily="18" charset="-127"/>
+                <a:ea typeface="210 맨발의청춘 L" panose="02020603020101020101" pitchFamily="18" charset="-127"/>
+              </a:rPr>
+              <a:t> 분석 요청 등록</a:t>
+            </a:r>
+            <a:r>
+              <a:rPr lang="en-US" altLang="ko-KR" sz="1200" smtClean="0">
+                <a:latin typeface="210 맨발의청춘 L" panose="02020603020101020101" pitchFamily="18" charset="-127"/>
+                <a:ea typeface="210 맨발의청춘 L" panose="02020603020101020101" pitchFamily="18" charset="-127"/>
+              </a:rPr>
+              <a:t>]</a:t>
             </a:r>
             <a:endParaRPr lang="ko-KR" altLang="en-US" sz="1200" dirty="0">
               <a:latin typeface="210 맨발의청춘 L" panose="02020603020101020101" pitchFamily="18" charset="-127"/>
@@ -5400,9 +5881,97 @@
           </a:p>
         </p:txBody>
       </p:sp>
-      <p:sp>
-        <p:nvSpPr>
-          <p:cNvPr id="35" name="직사각형 34"/>
+      <p:cxnSp>
+        <p:nvCxnSpPr>
+          <p:cNvPr id="55" name="직선 화살표 연결선 54"/>
+          <p:cNvCxnSpPr/>
+          <p:nvPr/>
+        </p:nvCxnSpPr>
+        <p:spPr>
+          <a:xfrm>
+            <a:off x="4938763" y="4805563"/>
+            <a:ext cx="2225964" cy="0"/>
+          </a:xfrm>
+          <a:prstGeom prst="straightConnector1">
+            <a:avLst/>
+          </a:prstGeom>
+          <a:ln>
+            <a:solidFill>
+              <a:schemeClr val="tx1"/>
+            </a:solidFill>
+            <a:headEnd type="triangle"/>
+            <a:tailEnd type="triangle"/>
+          </a:ln>
+        </p:spPr>
+        <p:style>
+          <a:lnRef idx="1">
+            <a:schemeClr val="accent1"/>
+          </a:lnRef>
+          <a:fillRef idx="0">
+            <a:schemeClr val="accent1"/>
+          </a:fillRef>
+          <a:effectRef idx="0">
+            <a:schemeClr val="accent1"/>
+          </a:effectRef>
+          <a:fontRef idx="minor">
+            <a:schemeClr val="tx1"/>
+          </a:fontRef>
+        </p:style>
+      </p:cxnSp>
+      <p:sp>
+        <p:nvSpPr>
+          <p:cNvPr id="60" name="TextBox 59"/>
+          <p:cNvSpPr txBox="1"/>
+          <p:nvPr/>
+        </p:nvSpPr>
+        <p:spPr>
+          <a:xfrm>
+            <a:off x="5484626" y="4535870"/>
+            <a:ext cx="1162499" cy="276999"/>
+          </a:xfrm>
+          <a:prstGeom prst="rect">
+            <a:avLst/>
+          </a:prstGeom>
+          <a:noFill/>
+        </p:spPr>
+        <p:txBody>
+          <a:bodyPr wrap="none" rtlCol="0">
+            <a:spAutoFit/>
+          </a:bodyPr>
+          <a:lstStyle/>
+          <a:p>
+            <a:pPr algn="ctr"/>
+            <a:r>
+              <a:rPr lang="en-US" altLang="ko-KR" sz="1200" smtClean="0">
+                <a:latin typeface="210 맨발의청춘 L" panose="02020603020101020101" pitchFamily="18" charset="-127"/>
+                <a:ea typeface="210 맨발의청춘 L" panose="02020603020101020101" pitchFamily="18" charset="-127"/>
+              </a:rPr>
+              <a:t>[</a:t>
+            </a:r>
+            <a:r>
+              <a:rPr lang="ko-KR" altLang="en-US" sz="1200" smtClean="0">
+                <a:latin typeface="210 맨발의청춘 L" panose="02020603020101020101" pitchFamily="18" charset="-127"/>
+                <a:ea typeface="210 맨발의청춘 L" panose="02020603020101020101" pitchFamily="18" charset="-127"/>
+              </a:rPr>
+              <a:t>데이터 송수신</a:t>
+            </a:r>
+            <a:r>
+              <a:rPr lang="en-US" altLang="ko-KR" sz="1200" smtClean="0">
+                <a:latin typeface="210 맨발의청춘 L" panose="02020603020101020101" pitchFamily="18" charset="-127"/>
+                <a:ea typeface="210 맨발의청춘 L" panose="02020603020101020101" pitchFamily="18" charset="-127"/>
+              </a:rPr>
+              <a:t>]</a:t>
+            </a:r>
+            <a:endParaRPr lang="ko-KR" altLang="en-US" sz="1200" dirty="0">
+              <a:latin typeface="210 맨발의청춘 L" panose="02020603020101020101" pitchFamily="18" charset="-127"/>
+              <a:ea typeface="210 맨발의청춘 L" panose="02020603020101020101" pitchFamily="18" charset="-127"/>
+            </a:endParaRPr>
+          </a:p>
+        </p:txBody>
+      </p:sp>
+      <p:sp>
+        <p:nvSpPr>
+          <p:cNvPr id="61" name="직사각형 60"/>
           <p:cNvSpPr>
             <a:spLocks noChangeAspect="1"/>
           </p:cNvSpPr>
@@ -5410,8 +5979,8 @@
         </p:nvSpPr>
         <p:spPr>
           <a:xfrm>
-            <a:off x="6878455" y="1392344"/>
-            <a:ext cx="1113786" cy="1022850"/>
+            <a:off x="8350225" y="1884943"/>
+            <a:ext cx="1113786" cy="997225"/>
           </a:xfrm>
           <a:prstGeom prst="rect">
             <a:avLst/>
@@ -5450,26 +6019,211 @@
           </a:p>
         </p:txBody>
       </p:sp>
-      <p:sp>
-        <p:nvSpPr>
-          <p:cNvPr id="36" name="직사각형 35"/>
-          <p:cNvSpPr>
-            <a:spLocks noChangeAspect="1"/>
-          </p:cNvSpPr>
-          <p:nvPr/>
-        </p:nvSpPr>
-        <p:spPr>
-          <a:xfrm>
-            <a:off x="4466944" y="2714877"/>
-            <a:ext cx="1020422" cy="923377"/>
-          </a:xfrm>
-          <a:prstGeom prst="rect">
-            <a:avLst/>
-          </a:prstGeom>
-          <a:solidFill>
-            <a:schemeClr val="bg1"/>
-          </a:solidFill>
-          <a:ln w="25400">
+      <p:cxnSp>
+        <p:nvCxnSpPr>
+          <p:cNvPr id="62" name="직선 화살표 연결선 61"/>
+          <p:cNvCxnSpPr/>
+          <p:nvPr/>
+        </p:nvCxnSpPr>
+        <p:spPr>
+          <a:xfrm flipH="1">
+            <a:off x="5009971" y="2383417"/>
+            <a:ext cx="3247334" cy="0"/>
+          </a:xfrm>
+          <a:prstGeom prst="straightConnector1">
+            <a:avLst/>
+          </a:prstGeom>
+          <a:ln>
+            <a:solidFill>
+              <a:schemeClr val="tx1"/>
+            </a:solidFill>
+            <a:tailEnd type="triangle"/>
+          </a:ln>
+        </p:spPr>
+        <p:style>
+          <a:lnRef idx="1">
+            <a:schemeClr val="accent1"/>
+          </a:lnRef>
+          <a:fillRef idx="0">
+            <a:schemeClr val="accent1"/>
+          </a:fillRef>
+          <a:effectRef idx="0">
+            <a:schemeClr val="accent1"/>
+          </a:effectRef>
+          <a:fontRef idx="minor">
+            <a:schemeClr val="tx1"/>
+          </a:fontRef>
+        </p:style>
+      </p:cxnSp>
+      <p:sp>
+        <p:nvSpPr>
+          <p:cNvPr id="65" name="TextBox 64"/>
+          <p:cNvSpPr txBox="1"/>
+          <p:nvPr/>
+        </p:nvSpPr>
+        <p:spPr>
+          <a:xfrm>
+            <a:off x="8464529" y="2249398"/>
+            <a:ext cx="885179" cy="276999"/>
+          </a:xfrm>
+          <a:prstGeom prst="rect">
+            <a:avLst/>
+          </a:prstGeom>
+          <a:noFill/>
+        </p:spPr>
+        <p:txBody>
+          <a:bodyPr wrap="none" rtlCol="0">
+            <a:spAutoFit/>
+          </a:bodyPr>
+          <a:lstStyle/>
+          <a:p>
+            <a:pPr algn="ctr"/>
+            <a:r>
+              <a:rPr lang="en-US" altLang="ko-KR" sz="1200" smtClean="0">
+                <a:latin typeface="210 맨발의청춘 L" panose="02020603020101020101" pitchFamily="18" charset="-127"/>
+                <a:ea typeface="210 맨발의청춘 L" panose="02020603020101020101" pitchFamily="18" charset="-127"/>
+              </a:rPr>
+              <a:t>[</a:t>
+            </a:r>
+            <a:r>
+              <a:rPr lang="ko-KR" altLang="en-US" sz="1200" smtClean="0">
+                <a:latin typeface="210 맨발의청춘 L" panose="02020603020101020101" pitchFamily="18" charset="-127"/>
+                <a:ea typeface="210 맨발의청춘 L" panose="02020603020101020101" pitchFamily="18" charset="-127"/>
+              </a:rPr>
+              <a:t>분석 엔진</a:t>
+            </a:r>
+            <a:r>
+              <a:rPr lang="en-US" altLang="ko-KR" sz="1200" smtClean="0">
+                <a:latin typeface="210 맨발의청춘 L" panose="02020603020101020101" pitchFamily="18" charset="-127"/>
+                <a:ea typeface="210 맨발의청춘 L" panose="02020603020101020101" pitchFamily="18" charset="-127"/>
+              </a:rPr>
+              <a:t>]</a:t>
+            </a:r>
+            <a:endParaRPr lang="ko-KR" altLang="en-US" sz="1200" dirty="0">
+              <a:latin typeface="210 맨발의청춘 L" panose="02020603020101020101" pitchFamily="18" charset="-127"/>
+              <a:ea typeface="210 맨발의청춘 L" panose="02020603020101020101" pitchFamily="18" charset="-127"/>
+            </a:endParaRPr>
+          </a:p>
+        </p:txBody>
+      </p:sp>
+      <p:sp>
+        <p:nvSpPr>
+          <p:cNvPr id="67" name="TextBox 66"/>
+          <p:cNvSpPr txBox="1"/>
+          <p:nvPr/>
+        </p:nvSpPr>
+        <p:spPr>
+          <a:xfrm>
+            <a:off x="5663358" y="2106418"/>
+            <a:ext cx="1853392" cy="276999"/>
+          </a:xfrm>
+          <a:prstGeom prst="rect">
+            <a:avLst/>
+          </a:prstGeom>
+          <a:noFill/>
+        </p:spPr>
+        <p:txBody>
+          <a:bodyPr wrap="none" rtlCol="0">
+            <a:spAutoFit/>
+          </a:bodyPr>
+          <a:lstStyle/>
+          <a:p>
+            <a:pPr algn="ctr"/>
+            <a:r>
+              <a:rPr lang="en-US" altLang="ko-KR" sz="1200" smtClean="0">
+                <a:latin typeface="210 맨발의청춘 L" panose="02020603020101020101" pitchFamily="18" charset="-127"/>
+                <a:ea typeface="210 맨발의청춘 L" panose="02020603020101020101" pitchFamily="18" charset="-127"/>
+              </a:rPr>
+              <a:t>[</a:t>
+            </a:r>
+            <a:r>
+              <a:rPr lang="ko-KR" altLang="en-US" sz="1200" smtClean="0">
+                <a:latin typeface="210 맨발의청춘 L" panose="02020603020101020101" pitchFamily="18" charset="-127"/>
+                <a:ea typeface="210 맨발의청춘 L" panose="02020603020101020101" pitchFamily="18" charset="-127"/>
+              </a:rPr>
+              <a:t>분석 요청 검색</a:t>
+            </a:r>
+            <a:r>
+              <a:rPr lang="en-US" altLang="ko-KR" sz="1200" smtClean="0">
+                <a:latin typeface="210 맨발의청춘 L" panose="02020603020101020101" pitchFamily="18" charset="-127"/>
+                <a:ea typeface="210 맨발의청춘 L" panose="02020603020101020101" pitchFamily="18" charset="-127"/>
+              </a:rPr>
+              <a:t>,</a:t>
+            </a:r>
+            <a:r>
+              <a:rPr lang="ko-KR" altLang="en-US" sz="1200" smtClean="0">
+                <a:latin typeface="210 맨발의청춘 L" panose="02020603020101020101" pitchFamily="18" charset="-127"/>
+                <a:ea typeface="210 맨발의청춘 L" panose="02020603020101020101" pitchFamily="18" charset="-127"/>
+              </a:rPr>
+              <a:t> 결과 저장</a:t>
+            </a:r>
+            <a:r>
+              <a:rPr lang="en-US" altLang="ko-KR" sz="1200" smtClean="0">
+                <a:latin typeface="210 맨발의청춘 L" panose="02020603020101020101" pitchFamily="18" charset="-127"/>
+                <a:ea typeface="210 맨발의청춘 L" panose="02020603020101020101" pitchFamily="18" charset="-127"/>
+              </a:rPr>
+              <a:t>]</a:t>
+            </a:r>
+            <a:endParaRPr lang="ko-KR" altLang="en-US" sz="1200" dirty="0">
+              <a:latin typeface="210 맨발의청춘 L" panose="02020603020101020101" pitchFamily="18" charset="-127"/>
+              <a:ea typeface="210 맨발의청춘 L" panose="02020603020101020101" pitchFamily="18" charset="-127"/>
+            </a:endParaRPr>
+          </a:p>
+        </p:txBody>
+      </p:sp>
+      <p:cxnSp>
+        <p:nvCxnSpPr>
+          <p:cNvPr id="70" name="직선 화살표 연결선 69"/>
+          <p:cNvCxnSpPr/>
+          <p:nvPr/>
+        </p:nvCxnSpPr>
+        <p:spPr>
+          <a:xfrm>
+            <a:off x="9559631" y="2377409"/>
+            <a:ext cx="794328" cy="0"/>
+          </a:xfrm>
+          <a:prstGeom prst="straightConnector1">
+            <a:avLst/>
+          </a:prstGeom>
+          <a:ln>
+            <a:solidFill>
+              <a:schemeClr val="tx1"/>
+            </a:solidFill>
+            <a:headEnd type="triangle"/>
+            <a:tailEnd type="triangle"/>
+          </a:ln>
+        </p:spPr>
+        <p:style>
+          <a:lnRef idx="1">
+            <a:schemeClr val="accent1"/>
+          </a:lnRef>
+          <a:fillRef idx="0">
+            <a:schemeClr val="accent1"/>
+          </a:fillRef>
+          <a:effectRef idx="0">
+            <a:schemeClr val="accent1"/>
+          </a:effectRef>
+          <a:fontRef idx="minor">
+            <a:schemeClr val="tx1"/>
+          </a:fontRef>
+        </p:style>
+      </p:cxnSp>
+      <p:sp>
+        <p:nvSpPr>
+          <p:cNvPr id="72" name="구름 71"/>
+          <p:cNvSpPr/>
+          <p:nvPr/>
+        </p:nvSpPr>
+        <p:spPr>
+          <a:xfrm>
+            <a:off x="10483728" y="2010580"/>
+            <a:ext cx="1113540" cy="729054"/>
+          </a:xfrm>
+          <a:prstGeom prst="cloud">
+            <a:avLst/>
+          </a:prstGeom>
+          <a:noFill/>
+          <a:ln>
             <a:solidFill>
               <a:schemeClr val="tx1"/>
             </a:solidFill>
@@ -5502,14 +6256,14 @@
       </p:sp>
       <p:sp>
         <p:nvSpPr>
-          <p:cNvPr id="38" name="TextBox 37"/>
+          <p:cNvPr id="73" name="TextBox 72"/>
           <p:cNvSpPr txBox="1"/>
           <p:nvPr/>
         </p:nvSpPr>
         <p:spPr>
           <a:xfrm>
-            <a:off x="7081725" y="1791807"/>
-            <a:ext cx="707245" cy="276999"/>
+            <a:off x="10508941" y="2236607"/>
+            <a:ext cx="1063113" cy="276999"/>
           </a:xfrm>
           <a:prstGeom prst="rect">
             <a:avLst/>
@@ -5524,25 +6278,11 @@
           <a:p>
             <a:pPr algn="ctr"/>
             <a:r>
-              <a:rPr lang="en-US" altLang="ko-KR" sz="1200" smtClean="0">
-                <a:latin typeface="210 맨발의청춘 L" panose="02020603020101020101" pitchFamily="18" charset="-127"/>
-                <a:ea typeface="210 맨발의청춘 L" panose="02020603020101020101" pitchFamily="18" charset="-127"/>
-              </a:rPr>
-              <a:t>[</a:t>
-            </a:r>
-            <a:r>
               <a:rPr lang="ko-KR" altLang="en-US" sz="1200" smtClean="0">
                 <a:latin typeface="210 맨발의청춘 L" panose="02020603020101020101" pitchFamily="18" charset="-127"/>
                 <a:ea typeface="210 맨발의청춘 L" panose="02020603020101020101" pitchFamily="18" charset="-127"/>
               </a:rPr>
-              <a:t>커맨드</a:t>
-            </a:r>
-            <a:r>
-              <a:rPr lang="en-US" altLang="ko-KR" sz="1200" smtClean="0">
-                <a:latin typeface="210 맨발의청춘 L" panose="02020603020101020101" pitchFamily="18" charset="-127"/>
-                <a:ea typeface="210 맨발의청춘 L" panose="02020603020101020101" pitchFamily="18" charset="-127"/>
-              </a:rPr>
-              <a:t>]</a:t>
+              <a:t>클라우드 엔진</a:t>
             </a:r>
             <a:endParaRPr lang="ko-KR" altLang="en-US" sz="1200" dirty="0">
               <a:latin typeface="210 맨발의청춘 L" panose="02020603020101020101" pitchFamily="18" charset="-127"/>
@@ -5551,445 +6291,10 @@
           </a:p>
         </p:txBody>
       </p:sp>
-      <p:sp>
-        <p:nvSpPr>
-          <p:cNvPr id="40" name="TextBox 39"/>
-          <p:cNvSpPr txBox="1"/>
-          <p:nvPr/>
-        </p:nvSpPr>
-        <p:spPr>
-          <a:xfrm>
-            <a:off x="4565022" y="3038065"/>
-            <a:ext cx="824265" cy="276999"/>
-          </a:xfrm>
-          <a:prstGeom prst="rect">
-            <a:avLst/>
-          </a:prstGeom>
-          <a:noFill/>
-        </p:spPr>
-        <p:txBody>
-          <a:bodyPr wrap="none" rtlCol="0">
-            <a:spAutoFit/>
-          </a:bodyPr>
-          <a:lstStyle/>
-          <a:p>
-            <a:pPr algn="ctr"/>
-            <a:r>
-              <a:rPr lang="en-US" altLang="ko-KR" sz="1200" smtClean="0">
-                <a:latin typeface="210 맨발의청춘 L" panose="02020603020101020101" pitchFamily="18" charset="-127"/>
-                <a:ea typeface="210 맨발의청춘 L" panose="02020603020101020101" pitchFamily="18" charset="-127"/>
-              </a:rPr>
-              <a:t>[</a:t>
-            </a:r>
-            <a:r>
-              <a:rPr lang="ko-KR" altLang="en-US" sz="1200" smtClean="0">
-                <a:latin typeface="210 맨발의청춘 L" panose="02020603020101020101" pitchFamily="18" charset="-127"/>
-                <a:ea typeface="210 맨발의청춘 L" panose="02020603020101020101" pitchFamily="18" charset="-127"/>
-              </a:rPr>
-              <a:t>푸시서버</a:t>
-            </a:r>
-            <a:r>
-              <a:rPr lang="en-US" altLang="ko-KR" sz="1200" smtClean="0">
-                <a:latin typeface="210 맨발의청춘 L" panose="02020603020101020101" pitchFamily="18" charset="-127"/>
-                <a:ea typeface="210 맨발의청춘 L" panose="02020603020101020101" pitchFamily="18" charset="-127"/>
-              </a:rPr>
-              <a:t>]</a:t>
-            </a:r>
-            <a:endParaRPr lang="ko-KR" altLang="en-US" sz="1200" dirty="0">
-              <a:latin typeface="210 맨발의청춘 L" panose="02020603020101020101" pitchFamily="18" charset="-127"/>
-              <a:ea typeface="210 맨발의청춘 L" panose="02020603020101020101" pitchFamily="18" charset="-127"/>
-            </a:endParaRPr>
-          </a:p>
-        </p:txBody>
-      </p:sp>
-      <p:sp>
-        <p:nvSpPr>
-          <p:cNvPr id="42" name="직사각형 41"/>
-          <p:cNvSpPr>
-            <a:spLocks noChangeAspect="1"/>
-          </p:cNvSpPr>
-          <p:nvPr/>
-        </p:nvSpPr>
-        <p:spPr>
-          <a:xfrm>
-            <a:off x="9455401" y="1392344"/>
-            <a:ext cx="1113786" cy="1022850"/>
-          </a:xfrm>
-          <a:prstGeom prst="rect">
-            <a:avLst/>
-          </a:prstGeom>
-          <a:solidFill>
-            <a:schemeClr val="bg1"/>
-          </a:solidFill>
-          <a:ln w="25400">
-            <a:solidFill>
-              <a:schemeClr val="tx1"/>
-            </a:solidFill>
-          </a:ln>
-        </p:spPr>
-        <p:style>
-          <a:lnRef idx="2">
-            <a:schemeClr val="accent1">
-              <a:shade val="50000"/>
-            </a:schemeClr>
-          </a:lnRef>
-          <a:fillRef idx="1">
-            <a:schemeClr val="accent1"/>
-          </a:fillRef>
-          <a:effectRef idx="0">
-            <a:schemeClr val="accent1"/>
-          </a:effectRef>
-          <a:fontRef idx="minor">
-            <a:schemeClr val="lt1"/>
-          </a:fontRef>
-        </p:style>
-        <p:txBody>
-          <a:bodyPr rtlCol="0" anchor="ctr"/>
-          <a:lstStyle/>
-          <a:p>
-            <a:pPr algn="ctr"/>
-            <a:endParaRPr lang="ko-KR" altLang="en-US"/>
-          </a:p>
-        </p:txBody>
-      </p:sp>
-      <p:sp>
-        <p:nvSpPr>
-          <p:cNvPr id="45" name="TextBox 44"/>
-          <p:cNvSpPr txBox="1"/>
-          <p:nvPr/>
-        </p:nvSpPr>
-        <p:spPr>
-          <a:xfrm>
-            <a:off x="9517607" y="1711302"/>
-            <a:ext cx="989374" cy="461665"/>
-          </a:xfrm>
-          <a:prstGeom prst="rect">
-            <a:avLst/>
-          </a:prstGeom>
-          <a:noFill/>
-        </p:spPr>
-        <p:txBody>
-          <a:bodyPr wrap="none" rtlCol="0">
-            <a:spAutoFit/>
-          </a:bodyPr>
-          <a:lstStyle/>
-          <a:p>
-            <a:pPr algn="ctr"/>
-            <a:r>
-              <a:rPr lang="en-US" altLang="ko-KR" sz="1200" smtClean="0">
-                <a:latin typeface="210 맨발의청춘 L" panose="02020603020101020101" pitchFamily="18" charset="-127"/>
-                <a:ea typeface="210 맨발의청춘 L" panose="02020603020101020101" pitchFamily="18" charset="-127"/>
-              </a:rPr>
-              <a:t>[</a:t>
-            </a:r>
-            <a:r>
-              <a:rPr lang="ko-KR" altLang="en-US" sz="1200" smtClean="0">
-                <a:latin typeface="210 맨발의청춘 L" panose="02020603020101020101" pitchFamily="18" charset="-127"/>
-                <a:ea typeface="210 맨발의청춘 L" panose="02020603020101020101" pitchFamily="18" charset="-127"/>
-              </a:rPr>
-              <a:t>백그라운드</a:t>
-            </a:r>
-            <a:r>
-              <a:rPr lang="en-US" altLang="ko-KR" sz="1200">
-                <a:latin typeface="210 맨발의청춘 L" panose="02020603020101020101" pitchFamily="18" charset="-127"/>
-                <a:ea typeface="210 맨발의청춘 L" panose="02020603020101020101" pitchFamily="18" charset="-127"/>
-              </a:rPr>
-              <a:t>]</a:t>
-            </a:r>
-            <a:endParaRPr lang="en-US" altLang="ko-KR" sz="1200" smtClean="0">
-              <a:latin typeface="210 맨발의청춘 L" panose="02020603020101020101" pitchFamily="18" charset="-127"/>
-              <a:ea typeface="210 맨발의청춘 L" panose="02020603020101020101" pitchFamily="18" charset="-127"/>
-            </a:endParaRPr>
-          </a:p>
-          <a:p>
-            <a:pPr algn="ctr"/>
-            <a:r>
-              <a:rPr lang="ko-KR" altLang="en-US" sz="1200" smtClean="0">
-                <a:latin typeface="210 맨발의청춘 L" panose="02020603020101020101" pitchFamily="18" charset="-127"/>
-                <a:ea typeface="210 맨발의청춘 L" panose="02020603020101020101" pitchFamily="18" charset="-127"/>
-              </a:rPr>
-              <a:t>엔진</a:t>
-            </a:r>
-            <a:endParaRPr lang="ko-KR" altLang="en-US" sz="1200" dirty="0">
-              <a:latin typeface="210 맨발의청춘 L" panose="02020603020101020101" pitchFamily="18" charset="-127"/>
-              <a:ea typeface="210 맨발의청춘 L" panose="02020603020101020101" pitchFamily="18" charset="-127"/>
-            </a:endParaRPr>
-          </a:p>
-        </p:txBody>
-      </p:sp>
-      <p:cxnSp>
-        <p:nvCxnSpPr>
-          <p:cNvPr id="5" name="직선 화살표 연결선 4"/>
-          <p:cNvCxnSpPr/>
-          <p:nvPr/>
-        </p:nvCxnSpPr>
-        <p:spPr>
-          <a:xfrm>
-            <a:off x="5690637" y="1930306"/>
-            <a:ext cx="1038533" cy="0"/>
-          </a:xfrm>
-          <a:prstGeom prst="straightConnector1">
-            <a:avLst/>
-          </a:prstGeom>
-          <a:ln>
-            <a:solidFill>
-              <a:schemeClr val="tx1"/>
-            </a:solidFill>
-            <a:headEnd type="triangle"/>
-            <a:tailEnd type="triangle"/>
-          </a:ln>
-        </p:spPr>
-        <p:style>
-          <a:lnRef idx="1">
-            <a:schemeClr val="accent1"/>
-          </a:lnRef>
-          <a:fillRef idx="0">
-            <a:schemeClr val="accent1"/>
-          </a:fillRef>
-          <a:effectRef idx="0">
-            <a:schemeClr val="accent1"/>
-          </a:effectRef>
-          <a:fontRef idx="minor">
-            <a:schemeClr val="tx1"/>
-          </a:fontRef>
-        </p:style>
-      </p:cxnSp>
-      <p:cxnSp>
-        <p:nvCxnSpPr>
-          <p:cNvPr id="15" name="직선 화살표 연결선 14"/>
-          <p:cNvCxnSpPr/>
-          <p:nvPr/>
-        </p:nvCxnSpPr>
-        <p:spPr>
-          <a:xfrm>
-            <a:off x="8095748" y="1926553"/>
-            <a:ext cx="1173018" cy="0"/>
-          </a:xfrm>
-          <a:prstGeom prst="straightConnector1">
-            <a:avLst/>
-          </a:prstGeom>
-          <a:ln>
-            <a:solidFill>
-              <a:schemeClr val="tx1"/>
-            </a:solidFill>
-            <a:tailEnd type="triangle"/>
-          </a:ln>
-        </p:spPr>
-        <p:style>
-          <a:lnRef idx="1">
-            <a:schemeClr val="accent1"/>
-          </a:lnRef>
-          <a:fillRef idx="0">
-            <a:schemeClr val="accent1"/>
-          </a:fillRef>
-          <a:effectRef idx="0">
-            <a:schemeClr val="accent1"/>
-          </a:effectRef>
-          <a:fontRef idx="minor">
-            <a:schemeClr val="tx1"/>
-          </a:fontRef>
-        </p:style>
-      </p:cxnSp>
-      <p:sp>
-        <p:nvSpPr>
-          <p:cNvPr id="56" name="TextBox 55"/>
-          <p:cNvSpPr txBox="1"/>
-          <p:nvPr/>
-        </p:nvSpPr>
-        <p:spPr>
-          <a:xfrm>
-            <a:off x="8311803" y="1535054"/>
-            <a:ext cx="740908" cy="276999"/>
-          </a:xfrm>
-          <a:prstGeom prst="rect">
-            <a:avLst/>
-          </a:prstGeom>
-          <a:noFill/>
-        </p:spPr>
-        <p:txBody>
-          <a:bodyPr wrap="none" rtlCol="0">
-            <a:spAutoFit/>
-          </a:bodyPr>
-          <a:lstStyle/>
-          <a:p>
-            <a:pPr algn="ctr"/>
-            <a:r>
-              <a:rPr lang="en-US" altLang="ko-KR" sz="1200" smtClean="0">
-                <a:latin typeface="210 맨발의청춘 L" panose="02020603020101020101" pitchFamily="18" charset="-127"/>
-                <a:ea typeface="210 맨발의청춘 L" panose="02020603020101020101" pitchFamily="18" charset="-127"/>
-              </a:rPr>
-              <a:t>[</a:t>
-            </a:r>
-            <a:r>
-              <a:rPr lang="ko-KR" altLang="en-US" sz="1200" smtClean="0">
-                <a:latin typeface="210 맨발의청춘 L" panose="02020603020101020101" pitchFamily="18" charset="-127"/>
-                <a:ea typeface="210 맨발의청춘 L" panose="02020603020101020101" pitchFamily="18" charset="-127"/>
-              </a:rPr>
-              <a:t>대기 큐</a:t>
-            </a:r>
-            <a:r>
-              <a:rPr lang="en-US" altLang="ko-KR" sz="1200" smtClean="0">
-                <a:latin typeface="210 맨발의청춘 L" panose="02020603020101020101" pitchFamily="18" charset="-127"/>
-                <a:ea typeface="210 맨발의청춘 L" panose="02020603020101020101" pitchFamily="18" charset="-127"/>
-              </a:rPr>
-              <a:t>]</a:t>
-            </a:r>
-            <a:endParaRPr lang="ko-KR" altLang="en-US" sz="1200" dirty="0">
-              <a:latin typeface="210 맨발의청춘 L" panose="02020603020101020101" pitchFamily="18" charset="-127"/>
-              <a:ea typeface="210 맨발의청춘 L" panose="02020603020101020101" pitchFamily="18" charset="-127"/>
-            </a:endParaRPr>
-          </a:p>
-        </p:txBody>
-      </p:sp>
-      <p:cxnSp>
-        <p:nvCxnSpPr>
-          <p:cNvPr id="59" name="직선 화살표 연결선 58"/>
-          <p:cNvCxnSpPr/>
-          <p:nvPr/>
-        </p:nvCxnSpPr>
-        <p:spPr>
-          <a:xfrm flipH="1">
-            <a:off x="3322319" y="3145007"/>
-            <a:ext cx="1064029" cy="0"/>
-          </a:xfrm>
-          <a:prstGeom prst="straightConnector1">
-            <a:avLst/>
-          </a:prstGeom>
-          <a:ln>
-            <a:solidFill>
-              <a:schemeClr val="tx1"/>
-            </a:solidFill>
-            <a:tailEnd type="triangle"/>
-          </a:ln>
-        </p:spPr>
-        <p:style>
-          <a:lnRef idx="1">
-            <a:schemeClr val="accent1"/>
-          </a:lnRef>
-          <a:fillRef idx="0">
-            <a:schemeClr val="accent1"/>
-          </a:fillRef>
-          <a:effectRef idx="0">
-            <a:schemeClr val="accent1"/>
-          </a:effectRef>
-          <a:fontRef idx="minor">
-            <a:schemeClr val="tx1"/>
-          </a:fontRef>
-        </p:style>
-      </p:cxnSp>
-      <p:cxnSp>
-        <p:nvCxnSpPr>
-          <p:cNvPr id="21" name="직선 화살표 연결선 20"/>
-          <p:cNvCxnSpPr/>
-          <p:nvPr/>
-        </p:nvCxnSpPr>
-        <p:spPr>
-          <a:xfrm flipH="1">
-            <a:off x="5628141" y="3176564"/>
-            <a:ext cx="4321657" cy="0"/>
-          </a:xfrm>
-          <a:prstGeom prst="straightConnector1">
-            <a:avLst/>
-          </a:prstGeom>
-          <a:ln>
-            <a:solidFill>
-              <a:schemeClr val="tx1"/>
-            </a:solidFill>
-            <a:tailEnd type="triangle"/>
-          </a:ln>
-        </p:spPr>
-        <p:style>
-          <a:lnRef idx="1">
-            <a:schemeClr val="accent1"/>
-          </a:lnRef>
-          <a:fillRef idx="0">
-            <a:schemeClr val="accent1"/>
-          </a:fillRef>
-          <a:effectRef idx="0">
-            <a:schemeClr val="accent1"/>
-          </a:effectRef>
-          <a:fontRef idx="minor">
-            <a:schemeClr val="tx1"/>
-          </a:fontRef>
-        </p:style>
-      </p:cxnSp>
-      <p:cxnSp>
-        <p:nvCxnSpPr>
-          <p:cNvPr id="23" name="직선 화살표 연결선 22"/>
-          <p:cNvCxnSpPr/>
-          <p:nvPr/>
-        </p:nvCxnSpPr>
-        <p:spPr>
-          <a:xfrm>
-            <a:off x="9947564" y="2498312"/>
-            <a:ext cx="0" cy="678252"/>
-          </a:xfrm>
-          <a:prstGeom prst="straightConnector1">
-            <a:avLst/>
-          </a:prstGeom>
-          <a:ln>
-            <a:solidFill>
-              <a:schemeClr val="tx1"/>
-            </a:solidFill>
-            <a:tailEnd type="triangle"/>
-          </a:ln>
-        </p:spPr>
-        <p:style>
-          <a:lnRef idx="1">
-            <a:schemeClr val="accent1"/>
-          </a:lnRef>
-          <a:fillRef idx="0">
-            <a:schemeClr val="accent1"/>
-          </a:fillRef>
-          <a:effectRef idx="0">
-            <a:schemeClr val="accent1"/>
-          </a:effectRef>
-          <a:fontRef idx="minor">
-            <a:schemeClr val="tx1"/>
-          </a:fontRef>
-        </p:style>
-      </p:cxnSp>
-      <p:sp>
-        <p:nvSpPr>
-          <p:cNvPr id="66" name="TextBox 65"/>
-          <p:cNvSpPr txBox="1"/>
-          <p:nvPr/>
-        </p:nvSpPr>
-        <p:spPr>
-          <a:xfrm>
-            <a:off x="7435347" y="2895812"/>
-            <a:ext cx="788999" cy="276999"/>
-          </a:xfrm>
-          <a:prstGeom prst="rect">
-            <a:avLst/>
-          </a:prstGeom>
-          <a:noFill/>
-        </p:spPr>
-        <p:txBody>
-          <a:bodyPr wrap="none" rtlCol="0">
-            <a:spAutoFit/>
-          </a:bodyPr>
-          <a:lstStyle/>
-          <a:p>
-            <a:pPr algn="ctr"/>
-            <a:r>
-              <a:rPr lang="ko-KR" altLang="en-US" sz="1200" smtClean="0">
-                <a:latin typeface="210 맨발의청춘 L" panose="02020603020101020101" pitchFamily="18" charset="-127"/>
-                <a:ea typeface="210 맨발의청춘 L" panose="02020603020101020101" pitchFamily="18" charset="-127"/>
-              </a:rPr>
-              <a:t>작업 완료</a:t>
-            </a:r>
-            <a:endParaRPr lang="ko-KR" altLang="en-US" sz="1200" dirty="0">
-              <a:latin typeface="210 맨발의청춘 L" panose="02020603020101020101" pitchFamily="18" charset="-127"/>
-              <a:ea typeface="210 맨발의청춘 L" panose="02020603020101020101" pitchFamily="18" charset="-127"/>
-            </a:endParaRPr>
-          </a:p>
-        </p:txBody>
-      </p:sp>
     </p:spTree>
     <p:extLst>
       <p:ext uri="{BB962C8B-B14F-4D97-AF65-F5344CB8AC3E}">
-        <p14:creationId xmlns:p14="http://schemas.microsoft.com/office/powerpoint/2010/main" val="4062507757"/>
+        <p14:creationId xmlns:p14="http://schemas.microsoft.com/office/powerpoint/2010/main" val="1722466731"/>
       </p:ext>
     </p:extLst>
   </p:cSld>
@@ -6118,11 +6423,25 @@
           <a:p>
             <a:pPr algn="ctr"/>
             <a:r>
-              <a:rPr lang="ko-KR" altLang="en-US" dirty="0" smtClean="0">
+              <a:rPr lang="ko-KR" altLang="en-US" smtClean="0">
                 <a:latin typeface="210 맨발의청춘 B" panose="02020603020101020101" pitchFamily="18" charset="-127"/>
                 <a:ea typeface="210 맨발의청춘 B" panose="02020603020101020101" pitchFamily="18" charset="-127"/>
               </a:rPr>
-              <a:t>데이터 관계도</a:t>
+              <a:t>로그인</a:t>
+            </a:r>
+            <a:r>
+              <a:rPr lang="ko-KR" altLang="en-US" smtClean="0">
+                <a:latin typeface="210 맨발의청춘 B" panose="02020603020101020101" pitchFamily="18" charset="-127"/>
+                <a:ea typeface="210 맨발의청춘 B" panose="02020603020101020101" pitchFamily="18" charset="-127"/>
+              </a:rPr>
+              <a:t> </a:t>
+            </a:r>
+            <a:r>
+              <a:rPr lang="ko-KR" altLang="en-US" smtClean="0">
+                <a:latin typeface="210 맨발의청춘 B" panose="02020603020101020101" pitchFamily="18" charset="-127"/>
+                <a:ea typeface="210 맨발의청춘 B" panose="02020603020101020101" pitchFamily="18" charset="-127"/>
+              </a:rPr>
+              <a:t>구조도</a:t>
             </a:r>
             <a:endParaRPr lang="ko-KR" altLang="en-US" dirty="0">
               <a:latin typeface="210 맨발의청춘 B" panose="02020603020101020101" pitchFamily="18" charset="-127"/>
@@ -6133,57 +6452,7 @@
       </p:sp>
       <p:sp>
         <p:nvSpPr>
-          <p:cNvPr id="11" name="TextBox 10"/>
-          <p:cNvSpPr txBox="1"/>
-          <p:nvPr/>
-        </p:nvSpPr>
-        <p:spPr>
-          <a:xfrm>
-            <a:off x="1417153" y="6609769"/>
-            <a:ext cx="585417" cy="276999"/>
-          </a:xfrm>
-          <a:prstGeom prst="rect">
-            <a:avLst/>
-          </a:prstGeom>
-          <a:noFill/>
-        </p:spPr>
-        <p:txBody>
-          <a:bodyPr wrap="none" rtlCol="0">
-            <a:spAutoFit/>
-          </a:bodyPr>
-          <a:lstStyle/>
-          <a:p>
-            <a:r>
-              <a:rPr lang="en-US" altLang="ko-KR" sz="1200" dirty="0" smtClean="0">
-                <a:latin typeface="210 맨발의청춘 L" panose="02020603020101020101" pitchFamily="18" charset="-127"/>
-                <a:ea typeface="210 맨발의청춘 L" panose="02020603020101020101" pitchFamily="18" charset="-127"/>
-              </a:rPr>
-              <a:t>[</a:t>
-            </a:r>
-            <a:r>
-              <a:rPr lang="ko-KR" altLang="en-US" sz="1200" dirty="0" smtClean="0">
-                <a:latin typeface="210 맨발의청춘 L" panose="02020603020101020101" pitchFamily="18" charset="-127"/>
-                <a:ea typeface="210 맨발의청춘 L" panose="02020603020101020101" pitchFamily="18" charset="-127"/>
-              </a:rPr>
-              <a:t>메인</a:t>
-            </a:r>
-            <a:r>
-              <a:rPr lang="en-US" altLang="ko-KR" sz="1200" dirty="0" smtClean="0">
-                <a:latin typeface="210 맨발의청춘 L" panose="02020603020101020101" pitchFamily="18" charset="-127"/>
-                <a:ea typeface="210 맨발의청춘 L" panose="02020603020101020101" pitchFamily="18" charset="-127"/>
-              </a:rPr>
-              <a:t>]</a:t>
-            </a:r>
-            <a:endParaRPr lang="ko-KR" altLang="en-US" sz="1200" dirty="0">
-              <a:latin typeface="210 맨발의청춘 L" panose="02020603020101020101" pitchFamily="18" charset="-127"/>
-              <a:ea typeface="210 맨발의청춘 L" panose="02020603020101020101" pitchFamily="18" charset="-127"/>
-            </a:endParaRPr>
-          </a:p>
-        </p:txBody>
-      </p:sp>
-      <p:sp>
-        <p:nvSpPr>
-          <p:cNvPr id="25" name="직사각형 24"/>
+          <p:cNvPr id="18" name="직사각형 17"/>
           <p:cNvSpPr>
             <a:spLocks noChangeAspect="1"/>
           </p:cNvSpPr>
@@ -6191,8 +6460,8 @@
         </p:nvSpPr>
         <p:spPr>
           <a:xfrm>
-            <a:off x="969947" y="1459509"/>
-            <a:ext cx="1113786" cy="3429732"/>
+            <a:off x="6541477" y="1821341"/>
+            <a:ext cx="1113786" cy="997225"/>
           </a:xfrm>
           <a:prstGeom prst="rect">
             <a:avLst/>
@@ -6233,13 +6502,13 @@
       </p:sp>
       <p:sp>
         <p:nvSpPr>
-          <p:cNvPr id="26" name="TextBox 25"/>
+          <p:cNvPr id="20" name="TextBox 19"/>
           <p:cNvSpPr txBox="1"/>
           <p:nvPr/>
         </p:nvSpPr>
         <p:spPr>
           <a:xfrm>
-            <a:off x="1209284" y="2653707"/>
+            <a:off x="6780815" y="2177008"/>
             <a:ext cx="635110" cy="276999"/>
           </a:xfrm>
           <a:prstGeom prst="rect">
@@ -6268,24 +6537,122 @@
           </a:p>
         </p:txBody>
       </p:sp>
-      <p:cxnSp>
-        <p:nvCxnSpPr>
-          <p:cNvPr id="27" name="직선 화살표 연결선 26"/>
-          <p:cNvCxnSpPr/>
-          <p:nvPr/>
-        </p:nvCxnSpPr>
-        <p:spPr>
-          <a:xfrm>
-            <a:off x="2225827" y="1965813"/>
-            <a:ext cx="1067252" cy="0"/>
-          </a:xfrm>
-          <a:prstGeom prst="straightConnector1">
-            <a:avLst/>
-          </a:prstGeom>
+      <p:sp>
+        <p:nvSpPr>
+          <p:cNvPr id="21" name="구름 20"/>
+          <p:cNvSpPr/>
+          <p:nvPr/>
+        </p:nvSpPr>
+        <p:spPr>
+          <a:xfrm>
+            <a:off x="3405910" y="1929786"/>
+            <a:ext cx="1324072" cy="729054"/>
+          </a:xfrm>
+          <a:prstGeom prst="cloud">
+            <a:avLst/>
+          </a:prstGeom>
+          <a:noFill/>
           <a:ln>
             <a:solidFill>
               <a:schemeClr val="tx1"/>
             </a:solidFill>
+          </a:ln>
+        </p:spPr>
+        <p:style>
+          <a:lnRef idx="2">
+            <a:schemeClr val="accent1">
+              <a:shade val="50000"/>
+            </a:schemeClr>
+          </a:lnRef>
+          <a:fillRef idx="1">
+            <a:schemeClr val="accent1"/>
+          </a:fillRef>
+          <a:effectRef idx="0">
+            <a:schemeClr val="accent1"/>
+          </a:effectRef>
+          <a:fontRef idx="minor">
+            <a:schemeClr val="lt1"/>
+          </a:fontRef>
+        </p:style>
+        <p:txBody>
+          <a:bodyPr rtlCol="0" anchor="ctr"/>
+          <a:lstStyle/>
+          <a:p>
+            <a:pPr algn="ctr"/>
+            <a:endParaRPr lang="ko-KR" altLang="en-US"/>
+          </a:p>
+        </p:txBody>
+      </p:sp>
+      <p:sp>
+        <p:nvSpPr>
+          <p:cNvPr id="22" name="TextBox 21"/>
+          <p:cNvSpPr txBox="1"/>
+          <p:nvPr/>
+        </p:nvSpPr>
+        <p:spPr>
+          <a:xfrm>
+            <a:off x="3578479" y="2155813"/>
+            <a:ext cx="912430" cy="276999"/>
+          </a:xfrm>
+          <a:prstGeom prst="rect">
+            <a:avLst/>
+          </a:prstGeom>
+          <a:noFill/>
+        </p:spPr>
+        <p:txBody>
+          <a:bodyPr wrap="none" rtlCol="0">
+            <a:spAutoFit/>
+          </a:bodyPr>
+          <a:lstStyle/>
+          <a:p>
+            <a:pPr algn="ctr"/>
+            <a:r>
+              <a:rPr lang="ko-KR" altLang="en-US" sz="1200" smtClean="0">
+                <a:latin typeface="210 맨발의청춘 L" panose="02020603020101020101" pitchFamily="18" charset="-127"/>
+                <a:ea typeface="210 맨발의청춘 L" panose="02020603020101020101" pitchFamily="18" charset="-127"/>
+              </a:rPr>
+              <a:t>소셜</a:t>
+            </a:r>
+            <a:r>
+              <a:rPr lang="ko-KR" altLang="en-US" sz="1200" smtClean="0">
+                <a:latin typeface="210 맨발의청춘 L" panose="02020603020101020101" pitchFamily="18" charset="-127"/>
+                <a:ea typeface="210 맨발의청춘 L" panose="02020603020101020101" pitchFamily="18" charset="-127"/>
+              </a:rPr>
+              <a:t> </a:t>
+            </a:r>
+            <a:r>
+              <a:rPr lang="ko-KR" altLang="en-US" sz="1200" smtClean="0">
+                <a:latin typeface="210 맨발의청춘 L" panose="02020603020101020101" pitchFamily="18" charset="-127"/>
+                <a:ea typeface="210 맨발의청춘 L" panose="02020603020101020101" pitchFamily="18" charset="-127"/>
+              </a:rPr>
+              <a:t>로그인</a:t>
+            </a:r>
+            <a:endParaRPr lang="ko-KR" altLang="en-US" sz="1200" dirty="0">
+              <a:latin typeface="210 맨발의청춘 L" panose="02020603020101020101" pitchFamily="18" charset="-127"/>
+              <a:ea typeface="210 맨발의청춘 L" panose="02020603020101020101" pitchFamily="18" charset="-127"/>
+            </a:endParaRPr>
+          </a:p>
+        </p:txBody>
+      </p:sp>
+      <p:cxnSp>
+        <p:nvCxnSpPr>
+          <p:cNvPr id="5" name="직선 화살표 연결선 4"/>
+          <p:cNvCxnSpPr/>
+          <p:nvPr/>
+        </p:nvCxnSpPr>
+        <p:spPr>
+          <a:xfrm>
+            <a:off x="5045825" y="2294313"/>
+            <a:ext cx="1122389" cy="0"/>
+          </a:xfrm>
+          <a:prstGeom prst="straightConnector1">
+            <a:avLst/>
+          </a:prstGeom>
+          <a:ln>
+            <a:solidFill>
+              <a:schemeClr val="tx1"/>
+            </a:solidFill>
+            <a:headEnd type="triangle"/>
             <a:tailEnd type="triangle"/>
           </a:ln>
         </p:spPr>
@@ -6306,7 +6673,7 @@
       </p:cxnSp>
       <p:sp>
         <p:nvSpPr>
-          <p:cNvPr id="28" name="직사각형 27"/>
+          <p:cNvPr id="27" name="직사각형 26"/>
           <p:cNvSpPr>
             <a:spLocks noChangeAspect="1"/>
           </p:cNvSpPr>
@@ -6314,8 +6681,8 @@
         </p:nvSpPr>
         <p:spPr>
           <a:xfrm>
-            <a:off x="3361256" y="1467028"/>
-            <a:ext cx="1009227" cy="1098450"/>
+            <a:off x="6541477" y="3805183"/>
+            <a:ext cx="1113786" cy="997225"/>
           </a:xfrm>
           <a:prstGeom prst="rect">
             <a:avLst/>
@@ -6356,14 +6723,14 @@
       </p:sp>
       <p:sp>
         <p:nvSpPr>
-          <p:cNvPr id="29" name="TextBox 28"/>
+          <p:cNvPr id="30" name="TextBox 29"/>
           <p:cNvSpPr txBox="1"/>
           <p:nvPr/>
         </p:nvSpPr>
         <p:spPr>
           <a:xfrm>
-            <a:off x="3568468" y="1827314"/>
-            <a:ext cx="562976" cy="276999"/>
+            <a:off x="6591661" y="4169638"/>
+            <a:ext cx="1013419" cy="276999"/>
           </a:xfrm>
           <a:prstGeom prst="rect">
             <a:avLst/>
@@ -6378,21 +6745,35 @@
           <a:p>
             <a:pPr algn="ctr"/>
             <a:r>
-              <a:rPr lang="en-US" altLang="ko-KR" sz="1200" dirty="0" smtClean="0">
+              <a:rPr lang="en-US" altLang="ko-KR" sz="1200" smtClean="0">
                 <a:latin typeface="210 맨발의청춘 L" panose="02020603020101020101" pitchFamily="18" charset="-127"/>
                 <a:ea typeface="210 맨발의청춘 L" panose="02020603020101020101" pitchFamily="18" charset="-127"/>
               </a:rPr>
               <a:t>[</a:t>
             </a:r>
             <a:r>
-              <a:rPr lang="ko-KR" altLang="en-US" sz="1200" dirty="0" smtClean="0">
+              <a:rPr lang="ko-KR" altLang="en-US" sz="1200" smtClean="0">
                 <a:latin typeface="210 맨발의청춘 L" panose="02020603020101020101" pitchFamily="18" charset="-127"/>
                 <a:ea typeface="210 맨발의청춘 L" panose="02020603020101020101" pitchFamily="18" charset="-127"/>
               </a:rPr>
+              <a:t>로그인</a:t>
+            </a:r>
+            <a:r>
+              <a:rPr lang="ko-KR" altLang="en-US" sz="1200" smtClean="0">
+                <a:latin typeface="210 맨발의청춘 L" panose="02020603020101020101" pitchFamily="18" charset="-127"/>
+                <a:ea typeface="210 맨발의청춘 L" panose="02020603020101020101" pitchFamily="18" charset="-127"/>
+              </a:rPr>
+              <a:t> </a:t>
+            </a:r>
+            <a:r>
+              <a:rPr lang="ko-KR" altLang="en-US" sz="1200" smtClean="0">
+                <a:latin typeface="210 맨발의청춘 L" panose="02020603020101020101" pitchFamily="18" charset="-127"/>
+                <a:ea typeface="210 맨발의청춘 L" panose="02020603020101020101" pitchFamily="18" charset="-127"/>
+              </a:rPr>
               <a:t>서버</a:t>
             </a:r>
             <a:r>
-              <a:rPr lang="en-US" altLang="ko-KR" sz="1200" dirty="0" smtClean="0">
+              <a:rPr lang="en-US" altLang="ko-KR" sz="1200" smtClean="0">
                 <a:latin typeface="210 맨발의청춘 L" panose="02020603020101020101" pitchFamily="18" charset="-127"/>
                 <a:ea typeface="210 맨발의청춘 L" panose="02020603020101020101" pitchFamily="18" charset="-127"/>
               </a:rPr>
@@ -6405,435 +6786,16 @@
           </a:p>
         </p:txBody>
       </p:sp>
-      <p:sp>
-        <p:nvSpPr>
-          <p:cNvPr id="31" name="TextBox 30"/>
-          <p:cNvSpPr txBox="1"/>
-          <p:nvPr/>
-        </p:nvSpPr>
-        <p:spPr>
-          <a:xfrm>
-            <a:off x="2388637" y="1673927"/>
-            <a:ext cx="697628" cy="276999"/>
-          </a:xfrm>
-          <a:prstGeom prst="rect">
-            <a:avLst/>
-          </a:prstGeom>
-          <a:noFill/>
-        </p:spPr>
-        <p:txBody>
-          <a:bodyPr wrap="none" rtlCol="0">
-            <a:spAutoFit/>
-          </a:bodyPr>
-          <a:lstStyle/>
-          <a:p>
-            <a:pPr algn="ctr"/>
-            <a:r>
-              <a:rPr lang="en-US" altLang="ko-KR" sz="1200" smtClean="0">
-                <a:latin typeface="210 맨발의청춘 L" panose="02020603020101020101" pitchFamily="18" charset="-127"/>
-                <a:ea typeface="210 맨발의청춘 L" panose="02020603020101020101" pitchFamily="18" charset="-127"/>
-              </a:rPr>
-              <a:t>[</a:t>
-            </a:r>
-            <a:r>
-              <a:rPr lang="ko-KR" altLang="en-US" sz="1200" smtClean="0">
-                <a:latin typeface="210 맨발의청춘 L" panose="02020603020101020101" pitchFamily="18" charset="-127"/>
-                <a:ea typeface="210 맨발의청춘 L" panose="02020603020101020101" pitchFamily="18" charset="-127"/>
-              </a:rPr>
-              <a:t>로그인</a:t>
-            </a:r>
-            <a:r>
-              <a:rPr lang="en-US" altLang="ko-KR" sz="1200" smtClean="0">
-                <a:latin typeface="210 맨발의청춘 L" panose="02020603020101020101" pitchFamily="18" charset="-127"/>
-                <a:ea typeface="210 맨발의청춘 L" panose="02020603020101020101" pitchFamily="18" charset="-127"/>
-              </a:rPr>
-              <a:t>]</a:t>
-            </a:r>
-            <a:endParaRPr lang="ko-KR" altLang="en-US" sz="1200" dirty="0">
-              <a:latin typeface="210 맨발의청춘 L" panose="02020603020101020101" pitchFamily="18" charset="-127"/>
-              <a:ea typeface="210 맨발의청춘 L" panose="02020603020101020101" pitchFamily="18" charset="-127"/>
-            </a:endParaRPr>
-          </a:p>
-        </p:txBody>
-      </p:sp>
-      <p:sp>
-        <p:nvSpPr>
-          <p:cNvPr id="34" name="TextBox 33"/>
-          <p:cNvSpPr txBox="1"/>
-          <p:nvPr/>
-        </p:nvSpPr>
-        <p:spPr>
-          <a:xfrm>
-            <a:off x="4692127" y="1673928"/>
-            <a:ext cx="813043" cy="276999"/>
-          </a:xfrm>
-          <a:prstGeom prst="rect">
-            <a:avLst/>
-          </a:prstGeom>
-          <a:noFill/>
-        </p:spPr>
-        <p:txBody>
-          <a:bodyPr wrap="none" rtlCol="0">
-            <a:spAutoFit/>
-          </a:bodyPr>
-          <a:lstStyle/>
-          <a:p>
-            <a:pPr algn="ctr"/>
-            <a:r>
-              <a:rPr lang="en-US" altLang="ko-KR" sz="1200" smtClean="0">
-                <a:latin typeface="210 맨발의청춘 L" panose="02020603020101020101" pitchFamily="18" charset="-127"/>
-                <a:ea typeface="210 맨발의청춘 L" panose="02020603020101020101" pitchFamily="18" charset="-127"/>
-              </a:rPr>
-              <a:t>[</a:t>
-            </a:r>
-            <a:r>
-              <a:rPr lang="ko-KR" altLang="en-US" sz="1200" smtClean="0">
-                <a:latin typeface="210 맨발의청춘 L" panose="02020603020101020101" pitchFamily="18" charset="-127"/>
-                <a:ea typeface="210 맨발의청춘 L" panose="02020603020101020101" pitchFamily="18" charset="-127"/>
-              </a:rPr>
-              <a:t>스레드 </a:t>
-            </a:r>
-            <a:r>
-              <a:rPr lang="en-US" altLang="ko-KR" sz="1200" smtClean="0">
-                <a:latin typeface="210 맨발의청춘 L" panose="02020603020101020101" pitchFamily="18" charset="-127"/>
-                <a:ea typeface="210 맨발의청춘 L" panose="02020603020101020101" pitchFamily="18" charset="-127"/>
-              </a:rPr>
-              <a:t>1]</a:t>
-            </a:r>
-            <a:endParaRPr lang="ko-KR" altLang="en-US" sz="1200" dirty="0">
-              <a:latin typeface="210 맨발의청춘 L" panose="02020603020101020101" pitchFamily="18" charset="-127"/>
-              <a:ea typeface="210 맨발의청춘 L" panose="02020603020101020101" pitchFamily="18" charset="-127"/>
-            </a:endParaRPr>
-          </a:p>
-        </p:txBody>
-      </p:sp>
-      <p:sp>
-        <p:nvSpPr>
-          <p:cNvPr id="35" name="직사각형 34"/>
-          <p:cNvSpPr>
-            <a:spLocks noChangeAspect="1"/>
-          </p:cNvSpPr>
-          <p:nvPr/>
-        </p:nvSpPr>
-        <p:spPr>
-          <a:xfrm>
-            <a:off x="5761572" y="1459509"/>
-            <a:ext cx="1113786" cy="1948015"/>
-          </a:xfrm>
-          <a:prstGeom prst="rect">
-            <a:avLst/>
-          </a:prstGeom>
-          <a:solidFill>
-            <a:schemeClr val="bg1"/>
-          </a:solidFill>
-          <a:ln w="25400">
-            <a:solidFill>
-              <a:schemeClr val="tx1"/>
-            </a:solidFill>
-          </a:ln>
-        </p:spPr>
-        <p:style>
-          <a:lnRef idx="2">
-            <a:schemeClr val="accent1">
-              <a:shade val="50000"/>
-            </a:schemeClr>
-          </a:lnRef>
-          <a:fillRef idx="1">
-            <a:schemeClr val="accent1"/>
-          </a:fillRef>
-          <a:effectRef idx="0">
-            <a:schemeClr val="accent1"/>
-          </a:effectRef>
-          <a:fontRef idx="minor">
-            <a:schemeClr val="lt1"/>
-          </a:fontRef>
-        </p:style>
-        <p:txBody>
-          <a:bodyPr rtlCol="0" anchor="ctr"/>
-          <a:lstStyle/>
-          <a:p>
-            <a:pPr algn="ctr"/>
-            <a:endParaRPr lang="ko-KR" altLang="en-US"/>
-          </a:p>
-        </p:txBody>
-      </p:sp>
-      <p:sp>
-        <p:nvSpPr>
-          <p:cNvPr id="36" name="직사각형 35"/>
-          <p:cNvSpPr>
-            <a:spLocks noChangeAspect="1"/>
-          </p:cNvSpPr>
-          <p:nvPr/>
-        </p:nvSpPr>
-        <p:spPr>
-          <a:xfrm>
-            <a:off x="4338346" y="4151792"/>
-            <a:ext cx="1020422" cy="923377"/>
-          </a:xfrm>
-          <a:prstGeom prst="rect">
-            <a:avLst/>
-          </a:prstGeom>
-          <a:solidFill>
-            <a:schemeClr val="bg1"/>
-          </a:solidFill>
-          <a:ln w="25400">
-            <a:solidFill>
-              <a:schemeClr val="tx1"/>
-            </a:solidFill>
-          </a:ln>
-        </p:spPr>
-        <p:style>
-          <a:lnRef idx="2">
-            <a:schemeClr val="accent1">
-              <a:shade val="50000"/>
-            </a:schemeClr>
-          </a:lnRef>
-          <a:fillRef idx="1">
-            <a:schemeClr val="accent1"/>
-          </a:fillRef>
-          <a:effectRef idx="0">
-            <a:schemeClr val="accent1"/>
-          </a:effectRef>
-          <a:fontRef idx="minor">
-            <a:schemeClr val="lt1"/>
-          </a:fontRef>
-        </p:style>
-        <p:txBody>
-          <a:bodyPr rtlCol="0" anchor="ctr"/>
-          <a:lstStyle/>
-          <a:p>
-            <a:pPr algn="ctr"/>
-            <a:endParaRPr lang="ko-KR" altLang="en-US"/>
-          </a:p>
-        </p:txBody>
-      </p:sp>
-      <p:sp>
-        <p:nvSpPr>
-          <p:cNvPr id="38" name="TextBox 37"/>
-          <p:cNvSpPr txBox="1"/>
-          <p:nvPr/>
-        </p:nvSpPr>
-        <p:spPr>
-          <a:xfrm>
-            <a:off x="5969377" y="2295016"/>
-            <a:ext cx="707245" cy="276999"/>
-          </a:xfrm>
-          <a:prstGeom prst="rect">
-            <a:avLst/>
-          </a:prstGeom>
-          <a:noFill/>
-        </p:spPr>
-        <p:txBody>
-          <a:bodyPr wrap="none" rtlCol="0">
-            <a:spAutoFit/>
-          </a:bodyPr>
-          <a:lstStyle/>
-          <a:p>
-            <a:pPr algn="ctr"/>
-            <a:r>
-              <a:rPr lang="en-US" altLang="ko-KR" sz="1200" dirty="0" smtClean="0">
-                <a:latin typeface="210 맨발의청춘 L" panose="02020603020101020101" pitchFamily="18" charset="-127"/>
-                <a:ea typeface="210 맨발의청춘 L" panose="02020603020101020101" pitchFamily="18" charset="-127"/>
-              </a:rPr>
-              <a:t>[</a:t>
-            </a:r>
-            <a:r>
-              <a:rPr lang="ko-KR" altLang="en-US" sz="1200" dirty="0" smtClean="0">
-                <a:latin typeface="210 맨발의청춘 L" panose="02020603020101020101" pitchFamily="18" charset="-127"/>
-                <a:ea typeface="210 맨발의청춘 L" panose="02020603020101020101" pitchFamily="18" charset="-127"/>
-              </a:rPr>
-              <a:t>커맨드</a:t>
-            </a:r>
-            <a:r>
-              <a:rPr lang="en-US" altLang="ko-KR" sz="1200" dirty="0" smtClean="0">
-                <a:latin typeface="210 맨발의청춘 L" panose="02020603020101020101" pitchFamily="18" charset="-127"/>
-                <a:ea typeface="210 맨발의청춘 L" panose="02020603020101020101" pitchFamily="18" charset="-127"/>
-              </a:rPr>
-              <a:t>]</a:t>
-            </a:r>
-            <a:endParaRPr lang="ko-KR" altLang="en-US" sz="1200" dirty="0">
-              <a:latin typeface="210 맨발의청춘 L" panose="02020603020101020101" pitchFamily="18" charset="-127"/>
-              <a:ea typeface="210 맨발의청춘 L" panose="02020603020101020101" pitchFamily="18" charset="-127"/>
-            </a:endParaRPr>
-          </a:p>
-        </p:txBody>
-      </p:sp>
-      <p:sp>
-        <p:nvSpPr>
-          <p:cNvPr id="40" name="TextBox 39"/>
-          <p:cNvSpPr txBox="1"/>
-          <p:nvPr/>
-        </p:nvSpPr>
-        <p:spPr>
-          <a:xfrm>
-            <a:off x="4436424" y="4474980"/>
-            <a:ext cx="824265" cy="276999"/>
-          </a:xfrm>
-          <a:prstGeom prst="rect">
-            <a:avLst/>
-          </a:prstGeom>
-          <a:noFill/>
-        </p:spPr>
-        <p:txBody>
-          <a:bodyPr wrap="none" rtlCol="0">
-            <a:spAutoFit/>
-          </a:bodyPr>
-          <a:lstStyle/>
-          <a:p>
-            <a:pPr algn="ctr"/>
-            <a:r>
-              <a:rPr lang="en-US" altLang="ko-KR" sz="1200" smtClean="0">
-                <a:latin typeface="210 맨발의청춘 L" panose="02020603020101020101" pitchFamily="18" charset="-127"/>
-                <a:ea typeface="210 맨발의청춘 L" panose="02020603020101020101" pitchFamily="18" charset="-127"/>
-              </a:rPr>
-              <a:t>[</a:t>
-            </a:r>
-            <a:r>
-              <a:rPr lang="ko-KR" altLang="en-US" sz="1200" smtClean="0">
-                <a:latin typeface="210 맨발의청춘 L" panose="02020603020101020101" pitchFamily="18" charset="-127"/>
-                <a:ea typeface="210 맨발의청춘 L" panose="02020603020101020101" pitchFamily="18" charset="-127"/>
-              </a:rPr>
-              <a:t>푸시서버</a:t>
-            </a:r>
-            <a:r>
-              <a:rPr lang="en-US" altLang="ko-KR" sz="1200" smtClean="0">
-                <a:latin typeface="210 맨발의청춘 L" panose="02020603020101020101" pitchFamily="18" charset="-127"/>
-                <a:ea typeface="210 맨발의청춘 L" panose="02020603020101020101" pitchFamily="18" charset="-127"/>
-              </a:rPr>
-              <a:t>]</a:t>
-            </a:r>
-            <a:endParaRPr lang="ko-KR" altLang="en-US" sz="1200" dirty="0">
-              <a:latin typeface="210 맨발의청춘 L" panose="02020603020101020101" pitchFamily="18" charset="-127"/>
-              <a:ea typeface="210 맨발의청춘 L" panose="02020603020101020101" pitchFamily="18" charset="-127"/>
-            </a:endParaRPr>
-          </a:p>
-        </p:txBody>
-      </p:sp>
-      <p:sp>
-        <p:nvSpPr>
-          <p:cNvPr id="42" name="직사각형 41"/>
-          <p:cNvSpPr>
-            <a:spLocks noChangeAspect="1"/>
-          </p:cNvSpPr>
-          <p:nvPr/>
-        </p:nvSpPr>
-        <p:spPr>
-          <a:xfrm>
-            <a:off x="8338518" y="1459510"/>
-            <a:ext cx="1113786" cy="1022850"/>
-          </a:xfrm>
-          <a:prstGeom prst="rect">
-            <a:avLst/>
-          </a:prstGeom>
-          <a:solidFill>
-            <a:schemeClr val="bg1"/>
-          </a:solidFill>
-          <a:ln w="25400">
-            <a:solidFill>
-              <a:schemeClr val="tx1"/>
-            </a:solidFill>
-          </a:ln>
-        </p:spPr>
-        <p:style>
-          <a:lnRef idx="2">
-            <a:schemeClr val="accent1">
-              <a:shade val="50000"/>
-            </a:schemeClr>
-          </a:lnRef>
-          <a:fillRef idx="1">
-            <a:schemeClr val="accent1"/>
-          </a:fillRef>
-          <a:effectRef idx="0">
-            <a:schemeClr val="accent1"/>
-          </a:effectRef>
-          <a:fontRef idx="minor">
-            <a:schemeClr val="lt1"/>
-          </a:fontRef>
-        </p:style>
-        <p:txBody>
-          <a:bodyPr rtlCol="0" anchor="ctr"/>
-          <a:lstStyle/>
-          <a:p>
-            <a:pPr algn="ctr"/>
-            <a:endParaRPr lang="ko-KR" altLang="en-US"/>
-          </a:p>
-        </p:txBody>
-      </p:sp>
-      <p:sp>
-        <p:nvSpPr>
-          <p:cNvPr id="45" name="TextBox 44"/>
-          <p:cNvSpPr txBox="1"/>
-          <p:nvPr/>
-        </p:nvSpPr>
-        <p:spPr>
-          <a:xfrm>
-            <a:off x="8400724" y="1778468"/>
-            <a:ext cx="989374" cy="461665"/>
-          </a:xfrm>
-          <a:prstGeom prst="rect">
-            <a:avLst/>
-          </a:prstGeom>
-          <a:noFill/>
-        </p:spPr>
-        <p:txBody>
-          <a:bodyPr wrap="none" rtlCol="0">
-            <a:spAutoFit/>
-          </a:bodyPr>
-          <a:lstStyle/>
-          <a:p>
-            <a:pPr algn="ctr"/>
-            <a:r>
-              <a:rPr lang="en-US" altLang="ko-KR" sz="1200" dirty="0" smtClean="0">
-                <a:latin typeface="210 맨발의청춘 L" panose="02020603020101020101" pitchFamily="18" charset="-127"/>
-                <a:ea typeface="210 맨발의청춘 L" panose="02020603020101020101" pitchFamily="18" charset="-127"/>
-              </a:rPr>
-              <a:t>[</a:t>
-            </a:r>
-            <a:r>
-              <a:rPr lang="ko-KR" altLang="en-US" sz="1200" dirty="0" smtClean="0">
-                <a:latin typeface="210 맨발의청춘 L" panose="02020603020101020101" pitchFamily="18" charset="-127"/>
-                <a:ea typeface="210 맨발의청춘 L" panose="02020603020101020101" pitchFamily="18" charset="-127"/>
-              </a:rPr>
-              <a:t>백그라운드</a:t>
-            </a:r>
-            <a:r>
-              <a:rPr lang="en-US" altLang="ko-KR" sz="1200" dirty="0">
-                <a:latin typeface="210 맨발의청춘 L" panose="02020603020101020101" pitchFamily="18" charset="-127"/>
-                <a:ea typeface="210 맨발의청춘 L" panose="02020603020101020101" pitchFamily="18" charset="-127"/>
-              </a:rPr>
-              <a:t>]</a:t>
-            </a:r>
-            <a:endParaRPr lang="en-US" altLang="ko-KR" sz="1200" dirty="0" smtClean="0">
-              <a:latin typeface="210 맨발의청춘 L" panose="02020603020101020101" pitchFamily="18" charset="-127"/>
-              <a:ea typeface="210 맨발의청춘 L" panose="02020603020101020101" pitchFamily="18" charset="-127"/>
-            </a:endParaRPr>
-          </a:p>
-          <a:p>
-            <a:pPr algn="ctr"/>
-            <a:r>
-              <a:rPr lang="ko-KR" altLang="en-US" sz="1200" dirty="0" smtClean="0">
-                <a:latin typeface="210 맨발의청춘 L" panose="02020603020101020101" pitchFamily="18" charset="-127"/>
-                <a:ea typeface="210 맨발의청춘 L" panose="02020603020101020101" pitchFamily="18" charset="-127"/>
-              </a:rPr>
-              <a:t>엔진</a:t>
-            </a:r>
-            <a:endParaRPr lang="ko-KR" altLang="en-US" sz="1200" dirty="0">
-              <a:latin typeface="210 맨발의청춘 L" panose="02020603020101020101" pitchFamily="18" charset="-127"/>
-              <a:ea typeface="210 맨발의청춘 L" panose="02020603020101020101" pitchFamily="18" charset="-127"/>
-            </a:endParaRPr>
-          </a:p>
-        </p:txBody>
-      </p:sp>
       <p:cxnSp>
         <p:nvCxnSpPr>
-          <p:cNvPr id="5" name="직선 화살표 연결선 4"/>
+          <p:cNvPr id="10" name="직선 화살표 연결선 9"/>
           <p:cNvCxnSpPr/>
           <p:nvPr/>
         </p:nvCxnSpPr>
         <p:spPr>
           <a:xfrm>
-            <a:off x="4573754" y="1997472"/>
-            <a:ext cx="1038533" cy="0"/>
+            <a:off x="7115695" y="2917767"/>
+            <a:ext cx="0" cy="764771"/>
           </a:xfrm>
           <a:prstGeom prst="straightConnector1">
             <a:avLst/>
@@ -6842,7 +6804,80 @@
             <a:solidFill>
               <a:schemeClr val="tx1"/>
             </a:solidFill>
-            <a:headEnd type="triangle"/>
+            <a:tailEnd type="triangle"/>
+          </a:ln>
+        </p:spPr>
+        <p:style>
+          <a:lnRef idx="1">
+            <a:schemeClr val="accent1"/>
+          </a:lnRef>
+          <a:fillRef idx="0">
+            <a:schemeClr val="accent1"/>
+          </a:fillRef>
+          <a:effectRef idx="0">
+            <a:schemeClr val="accent1"/>
+          </a:effectRef>
+          <a:fontRef idx="minor">
+            <a:schemeClr val="tx1"/>
+          </a:fontRef>
+        </p:style>
+      </p:cxnSp>
+      <p:sp>
+        <p:nvSpPr>
+          <p:cNvPr id="12" name="TextBox 11"/>
+          <p:cNvSpPr txBox="1"/>
+          <p:nvPr/>
+        </p:nvSpPr>
+        <p:spPr>
+          <a:xfrm>
+            <a:off x="7185422" y="3169347"/>
+            <a:ext cx="939681" cy="261610"/>
+          </a:xfrm>
+          <a:prstGeom prst="rect">
+            <a:avLst/>
+          </a:prstGeom>
+          <a:noFill/>
+        </p:spPr>
+        <p:txBody>
+          <a:bodyPr wrap="none" rtlCol="0">
+            <a:spAutoFit/>
+          </a:bodyPr>
+          <a:lstStyle/>
+          <a:p>
+            <a:r>
+              <a:rPr lang="ko-KR" altLang="en-US" sz="1050" smtClean="0"/>
+              <a:t>로그인</a:t>
+            </a:r>
+            <a:r>
+              <a:rPr lang="ko-KR" altLang="en-US" sz="1050" smtClean="0"/>
+              <a:t> </a:t>
+            </a:r>
+            <a:r>
+              <a:rPr lang="ko-KR" altLang="en-US" sz="1050" smtClean="0"/>
+              <a:t>정보</a:t>
+            </a:r>
+            <a:endParaRPr lang="ko-KR" altLang="en-US" sz="1050"/>
+          </a:p>
+        </p:txBody>
+      </p:sp>
+      <p:cxnSp>
+        <p:nvCxnSpPr>
+          <p:cNvPr id="15" name="직선 화살표 연결선 14"/>
+          <p:cNvCxnSpPr/>
+          <p:nvPr/>
+        </p:nvCxnSpPr>
+        <p:spPr>
+          <a:xfrm flipH="1">
+            <a:off x="4067946" y="4303795"/>
+            <a:ext cx="2332854" cy="0"/>
+          </a:xfrm>
+          <a:prstGeom prst="straightConnector1">
+            <a:avLst/>
+          </a:prstGeom>
+          <a:ln>
+            <a:solidFill>
+              <a:schemeClr val="tx1"/>
+            </a:solidFill>
             <a:tailEnd type="triangle"/>
           </a:ln>
         </p:spPr>
@@ -6863,14 +6898,14 @@
       </p:cxnSp>
       <p:cxnSp>
         <p:nvCxnSpPr>
-          <p:cNvPr id="15" name="직선 화살표 연결선 14"/>
+          <p:cNvPr id="19" name="직선 화살표 연결선 18"/>
           <p:cNvCxnSpPr/>
           <p:nvPr/>
         </p:nvCxnSpPr>
         <p:spPr>
-          <a:xfrm>
-            <a:off x="6978865" y="1993719"/>
-            <a:ext cx="1173018" cy="0"/>
+          <a:xfrm flipV="1">
+            <a:off x="4067946" y="2818566"/>
+            <a:ext cx="0" cy="1412612"/>
           </a:xfrm>
           <a:prstGeom prst="straightConnector1">
             <a:avLst/>
@@ -6899,14 +6934,14 @@
       </p:cxnSp>
       <p:sp>
         <p:nvSpPr>
-          <p:cNvPr id="56" name="TextBox 55"/>
+          <p:cNvPr id="23" name="TextBox 22"/>
           <p:cNvSpPr txBox="1"/>
           <p:nvPr/>
         </p:nvSpPr>
         <p:spPr>
           <a:xfrm>
-            <a:off x="7193888" y="1720582"/>
-            <a:ext cx="700834" cy="276999"/>
+            <a:off x="2876896" y="3401761"/>
+            <a:ext cx="1172116" cy="246221"/>
           </a:xfrm>
           <a:prstGeom prst="rect">
             <a:avLst/>
@@ -6919,541 +6954,34 @@
           </a:bodyPr>
           <a:lstStyle/>
           <a:p>
-            <a:pPr algn="ctr"/>
-            <a:r>
-              <a:rPr lang="en-US" altLang="ko-KR" sz="1200" dirty="0" smtClean="0">
-                <a:latin typeface="210 맨발의청춘 L" panose="02020603020101020101" pitchFamily="18" charset="-127"/>
-                <a:ea typeface="210 맨발의청춘 L" panose="02020603020101020101" pitchFamily="18" charset="-127"/>
-              </a:rPr>
-              <a:t>[send]</a:t>
-            </a:r>
-            <a:endParaRPr lang="ko-KR" altLang="en-US" sz="1200" dirty="0">
-              <a:latin typeface="210 맨발의청춘 L" panose="02020603020101020101" pitchFamily="18" charset="-127"/>
-              <a:ea typeface="210 맨발의청춘 L" panose="02020603020101020101" pitchFamily="18" charset="-127"/>
-            </a:endParaRPr>
-          </a:p>
-        </p:txBody>
-      </p:sp>
-      <p:cxnSp>
-        <p:nvCxnSpPr>
-          <p:cNvPr id="59" name="직선 화살표 연결선 58"/>
-          <p:cNvCxnSpPr/>
-          <p:nvPr/>
-        </p:nvCxnSpPr>
-        <p:spPr>
-          <a:xfrm flipH="1">
-            <a:off x="2225827" y="4581922"/>
-            <a:ext cx="2031924" cy="0"/>
-          </a:xfrm>
-          <a:prstGeom prst="straightConnector1">
-            <a:avLst/>
-          </a:prstGeom>
-          <a:ln>
-            <a:solidFill>
-              <a:schemeClr val="tx1"/>
-            </a:solidFill>
-            <a:tailEnd type="triangle"/>
-          </a:ln>
-        </p:spPr>
-        <p:style>
-          <a:lnRef idx="1">
-            <a:schemeClr val="accent1"/>
-          </a:lnRef>
-          <a:fillRef idx="0">
-            <a:schemeClr val="accent1"/>
-          </a:fillRef>
-          <a:effectRef idx="0">
-            <a:schemeClr val="accent1"/>
-          </a:effectRef>
-          <a:fontRef idx="minor">
-            <a:schemeClr val="tx1"/>
-          </a:fontRef>
-        </p:style>
-      </p:cxnSp>
-      <p:cxnSp>
-        <p:nvCxnSpPr>
-          <p:cNvPr id="21" name="직선 화살표 연결선 20"/>
-          <p:cNvCxnSpPr/>
-          <p:nvPr/>
-        </p:nvCxnSpPr>
-        <p:spPr>
-          <a:xfrm flipH="1">
-            <a:off x="5499544" y="4585891"/>
-            <a:ext cx="4448020" cy="0"/>
-          </a:xfrm>
-          <a:prstGeom prst="straightConnector1">
-            <a:avLst/>
-          </a:prstGeom>
-          <a:ln>
-            <a:solidFill>
-              <a:schemeClr val="tx1"/>
-            </a:solidFill>
-            <a:tailEnd type="triangle"/>
-          </a:ln>
-        </p:spPr>
-        <p:style>
-          <a:lnRef idx="1">
-            <a:schemeClr val="accent1"/>
-          </a:lnRef>
-          <a:fillRef idx="0">
-            <a:schemeClr val="accent1"/>
-          </a:fillRef>
-          <a:effectRef idx="0">
-            <a:schemeClr val="accent1"/>
-          </a:effectRef>
-          <a:fontRef idx="minor">
-            <a:schemeClr val="tx1"/>
-          </a:fontRef>
-        </p:style>
-      </p:cxnSp>
-      <p:cxnSp>
-        <p:nvCxnSpPr>
-          <p:cNvPr id="23" name="직선 화살표 연결선 22"/>
-          <p:cNvCxnSpPr/>
-          <p:nvPr/>
-        </p:nvCxnSpPr>
-        <p:spPr>
-          <a:xfrm>
-            <a:off x="10012880" y="1965813"/>
-            <a:ext cx="0" cy="2616109"/>
-          </a:xfrm>
-          <a:prstGeom prst="straightConnector1">
-            <a:avLst/>
-          </a:prstGeom>
-          <a:ln>
-            <a:solidFill>
-              <a:schemeClr val="tx1"/>
-            </a:solidFill>
-            <a:tailEnd type="triangle"/>
-          </a:ln>
-        </p:spPr>
-        <p:style>
-          <a:lnRef idx="1">
-            <a:schemeClr val="accent1"/>
-          </a:lnRef>
-          <a:fillRef idx="0">
-            <a:schemeClr val="accent1"/>
-          </a:fillRef>
-          <a:effectRef idx="0">
-            <a:schemeClr val="accent1"/>
-          </a:effectRef>
-          <a:fontRef idx="minor">
-            <a:schemeClr val="tx1"/>
-          </a:fontRef>
-        </p:style>
-      </p:cxnSp>
-      <p:sp>
-        <p:nvSpPr>
-          <p:cNvPr id="66" name="TextBox 65"/>
-          <p:cNvSpPr txBox="1"/>
-          <p:nvPr/>
-        </p:nvSpPr>
-        <p:spPr>
-          <a:xfrm>
-            <a:off x="7298967" y="4304922"/>
-            <a:ext cx="788999" cy="276999"/>
-          </a:xfrm>
-          <a:prstGeom prst="rect">
-            <a:avLst/>
-          </a:prstGeom>
-          <a:noFill/>
-        </p:spPr>
-        <p:txBody>
-          <a:bodyPr wrap="none" rtlCol="0">
-            <a:spAutoFit/>
-          </a:bodyPr>
-          <a:lstStyle/>
-          <a:p>
-            <a:pPr algn="ctr"/>
-            <a:r>
-              <a:rPr lang="ko-KR" altLang="en-US" sz="1200" dirty="0" smtClean="0">
-                <a:latin typeface="210 맨발의청춘 L" panose="02020603020101020101" pitchFamily="18" charset="-127"/>
-                <a:ea typeface="210 맨발의청춘 L" panose="02020603020101020101" pitchFamily="18" charset="-127"/>
-              </a:rPr>
-              <a:t>작업 완료</a:t>
-            </a:r>
-            <a:endParaRPr lang="ko-KR" altLang="en-US" sz="1200" dirty="0">
-              <a:latin typeface="210 맨발의청춘 L" panose="02020603020101020101" pitchFamily="18" charset="-127"/>
-              <a:ea typeface="210 맨발의청춘 L" panose="02020603020101020101" pitchFamily="18" charset="-127"/>
-            </a:endParaRPr>
-          </a:p>
-        </p:txBody>
-      </p:sp>
-      <p:cxnSp>
-        <p:nvCxnSpPr>
-          <p:cNvPr id="32" name="직선 화살표 연결선 31"/>
-          <p:cNvCxnSpPr/>
-          <p:nvPr/>
-        </p:nvCxnSpPr>
-        <p:spPr>
-          <a:xfrm>
-            <a:off x="6978864" y="3113393"/>
-            <a:ext cx="1173018" cy="0"/>
-          </a:xfrm>
-          <a:prstGeom prst="straightConnector1">
-            <a:avLst/>
-          </a:prstGeom>
-          <a:ln>
-            <a:solidFill>
-              <a:schemeClr val="tx1"/>
-            </a:solidFill>
-            <a:tailEnd type="triangle"/>
-          </a:ln>
-        </p:spPr>
-        <p:style>
-          <a:lnRef idx="1">
-            <a:schemeClr val="accent1"/>
-          </a:lnRef>
-          <a:fillRef idx="0">
-            <a:schemeClr val="accent1"/>
-          </a:fillRef>
-          <a:effectRef idx="0">
-            <a:schemeClr val="accent1"/>
-          </a:effectRef>
-          <a:fontRef idx="minor">
-            <a:schemeClr val="tx1"/>
-          </a:fontRef>
-        </p:style>
-      </p:cxnSp>
-      <p:sp>
-        <p:nvSpPr>
-          <p:cNvPr id="33" name="TextBox 32"/>
-          <p:cNvSpPr txBox="1"/>
-          <p:nvPr/>
-        </p:nvSpPr>
-        <p:spPr>
-          <a:xfrm>
-            <a:off x="7088893" y="2792207"/>
-            <a:ext cx="941283" cy="276999"/>
-          </a:xfrm>
-          <a:prstGeom prst="rect">
-            <a:avLst/>
-          </a:prstGeom>
-          <a:noFill/>
-        </p:spPr>
-        <p:txBody>
-          <a:bodyPr wrap="none" rtlCol="0">
-            <a:spAutoFit/>
-          </a:bodyPr>
-          <a:lstStyle/>
-          <a:p>
-            <a:pPr algn="ctr"/>
-            <a:r>
-              <a:rPr lang="en-US" altLang="ko-KR" sz="1200" dirty="0" smtClean="0">
-                <a:latin typeface="210 맨발의청춘 L" panose="02020603020101020101" pitchFamily="18" charset="-127"/>
-                <a:ea typeface="210 맨발의청춘 L" panose="02020603020101020101" pitchFamily="18" charset="-127"/>
-              </a:rPr>
-              <a:t>[Receive]</a:t>
-            </a:r>
-            <a:endParaRPr lang="ko-KR" altLang="en-US" sz="1200" dirty="0">
-              <a:latin typeface="210 맨발의청춘 L" panose="02020603020101020101" pitchFamily="18" charset="-127"/>
-              <a:ea typeface="210 맨발의청춘 L" panose="02020603020101020101" pitchFamily="18" charset="-127"/>
-            </a:endParaRPr>
-          </a:p>
-        </p:txBody>
-      </p:sp>
-      <p:sp>
-        <p:nvSpPr>
-          <p:cNvPr id="37" name="직사각형 36"/>
-          <p:cNvSpPr>
-            <a:spLocks noChangeAspect="1"/>
-          </p:cNvSpPr>
-          <p:nvPr/>
-        </p:nvSpPr>
-        <p:spPr>
-          <a:xfrm>
-            <a:off x="8338518" y="2579054"/>
-            <a:ext cx="1113786" cy="1022850"/>
-          </a:xfrm>
-          <a:prstGeom prst="rect">
-            <a:avLst/>
-          </a:prstGeom>
-          <a:solidFill>
-            <a:schemeClr val="bg1"/>
-          </a:solidFill>
-          <a:ln w="25400">
-            <a:solidFill>
-              <a:schemeClr val="tx1"/>
-            </a:solidFill>
-          </a:ln>
-        </p:spPr>
-        <p:style>
-          <a:lnRef idx="2">
-            <a:schemeClr val="accent1">
-              <a:shade val="50000"/>
-            </a:schemeClr>
-          </a:lnRef>
-          <a:fillRef idx="1">
-            <a:schemeClr val="accent1"/>
-          </a:fillRef>
-          <a:effectRef idx="0">
-            <a:schemeClr val="accent1"/>
-          </a:effectRef>
-          <a:fontRef idx="minor">
-            <a:schemeClr val="lt1"/>
-          </a:fontRef>
-        </p:style>
-        <p:txBody>
-          <a:bodyPr rtlCol="0" anchor="ctr"/>
-          <a:lstStyle/>
-          <a:p>
-            <a:pPr algn="ctr"/>
-            <a:endParaRPr lang="ko-KR" altLang="en-US"/>
-          </a:p>
-        </p:txBody>
-      </p:sp>
-      <p:sp>
-        <p:nvSpPr>
-          <p:cNvPr id="39" name="TextBox 38"/>
-          <p:cNvSpPr txBox="1"/>
-          <p:nvPr/>
-        </p:nvSpPr>
-        <p:spPr>
-          <a:xfrm>
-            <a:off x="8400724" y="2882560"/>
-            <a:ext cx="989374" cy="461665"/>
-          </a:xfrm>
-          <a:prstGeom prst="rect">
-            <a:avLst/>
-          </a:prstGeom>
-          <a:noFill/>
-        </p:spPr>
-        <p:txBody>
-          <a:bodyPr wrap="none" rtlCol="0">
-            <a:spAutoFit/>
-          </a:bodyPr>
-          <a:lstStyle/>
-          <a:p>
-            <a:pPr algn="ctr"/>
-            <a:r>
-              <a:rPr lang="en-US" altLang="ko-KR" sz="1200" dirty="0" smtClean="0">
-                <a:latin typeface="210 맨발의청춘 L" panose="02020603020101020101" pitchFamily="18" charset="-127"/>
-                <a:ea typeface="210 맨발의청춘 L" panose="02020603020101020101" pitchFamily="18" charset="-127"/>
-              </a:rPr>
-              <a:t>[</a:t>
-            </a:r>
-            <a:r>
-              <a:rPr lang="ko-KR" altLang="en-US" sz="1200" dirty="0" smtClean="0">
-                <a:latin typeface="210 맨발의청춘 L" panose="02020603020101020101" pitchFamily="18" charset="-127"/>
-                <a:ea typeface="210 맨발의청춘 L" panose="02020603020101020101" pitchFamily="18" charset="-127"/>
-              </a:rPr>
-              <a:t>백그라운드</a:t>
-            </a:r>
-            <a:r>
-              <a:rPr lang="en-US" altLang="ko-KR" sz="1200" dirty="0">
-                <a:latin typeface="210 맨발의청춘 L" panose="02020603020101020101" pitchFamily="18" charset="-127"/>
-                <a:ea typeface="210 맨발의청춘 L" panose="02020603020101020101" pitchFamily="18" charset="-127"/>
-              </a:rPr>
-              <a:t>]</a:t>
-            </a:r>
-            <a:endParaRPr lang="en-US" altLang="ko-KR" sz="1200" dirty="0" smtClean="0">
-              <a:latin typeface="210 맨발의청춘 L" panose="02020603020101020101" pitchFamily="18" charset="-127"/>
-              <a:ea typeface="210 맨발의청춘 L" panose="02020603020101020101" pitchFamily="18" charset="-127"/>
-            </a:endParaRPr>
-          </a:p>
-          <a:p>
-            <a:pPr algn="ctr"/>
-            <a:r>
-              <a:rPr lang="ko-KR" altLang="en-US" sz="1200" dirty="0" smtClean="0">
-                <a:latin typeface="210 맨발의청춘 L" panose="02020603020101020101" pitchFamily="18" charset="-127"/>
-                <a:ea typeface="210 맨발의청춘 L" panose="02020603020101020101" pitchFamily="18" charset="-127"/>
-              </a:rPr>
-              <a:t>엔진</a:t>
-            </a:r>
-            <a:endParaRPr lang="ko-KR" altLang="en-US" sz="1200" dirty="0">
-              <a:latin typeface="210 맨발의청춘 L" panose="02020603020101020101" pitchFamily="18" charset="-127"/>
-              <a:ea typeface="210 맨발의청춘 L" panose="02020603020101020101" pitchFamily="18" charset="-127"/>
-            </a:endParaRPr>
-          </a:p>
-        </p:txBody>
-      </p:sp>
-      <p:cxnSp>
-        <p:nvCxnSpPr>
-          <p:cNvPr id="41" name="직선 화살표 연결선 40"/>
-          <p:cNvCxnSpPr/>
-          <p:nvPr/>
-        </p:nvCxnSpPr>
-        <p:spPr>
-          <a:xfrm flipH="1">
-            <a:off x="2225827" y="3540117"/>
-            <a:ext cx="6044716" cy="0"/>
-          </a:xfrm>
-          <a:prstGeom prst="straightConnector1">
-            <a:avLst/>
-          </a:prstGeom>
-          <a:ln>
-            <a:solidFill>
-              <a:schemeClr val="tx1"/>
-            </a:solidFill>
-            <a:tailEnd type="triangle"/>
-          </a:ln>
-        </p:spPr>
-        <p:style>
-          <a:lnRef idx="1">
-            <a:schemeClr val="accent1"/>
-          </a:lnRef>
-          <a:fillRef idx="0">
-            <a:schemeClr val="accent1"/>
-          </a:fillRef>
-          <a:effectRef idx="0">
-            <a:schemeClr val="accent1"/>
-          </a:effectRef>
-          <a:fontRef idx="minor">
-            <a:schemeClr val="tx1"/>
-          </a:fontRef>
-        </p:style>
-      </p:cxnSp>
-      <p:sp>
-        <p:nvSpPr>
-          <p:cNvPr id="43" name="TextBox 42"/>
-          <p:cNvSpPr txBox="1"/>
-          <p:nvPr/>
-        </p:nvSpPr>
-        <p:spPr>
-          <a:xfrm>
-            <a:off x="7086487" y="2037907"/>
-            <a:ext cx="915636" cy="276999"/>
-          </a:xfrm>
-          <a:prstGeom prst="rect">
-            <a:avLst/>
-          </a:prstGeom>
-          <a:noFill/>
-        </p:spPr>
-        <p:txBody>
-          <a:bodyPr wrap="none" rtlCol="0">
-            <a:spAutoFit/>
-          </a:bodyPr>
-          <a:lstStyle/>
-          <a:p>
-            <a:pPr algn="ctr"/>
-            <a:r>
-              <a:rPr lang="ko-KR" altLang="en-US" sz="1200" dirty="0" smtClean="0">
-                <a:latin typeface="210 맨발의청춘 L" panose="02020603020101020101" pitchFamily="18" charset="-127"/>
-                <a:ea typeface="210 맨발의청춘 L" panose="02020603020101020101" pitchFamily="18" charset="-127"/>
-              </a:rPr>
-              <a:t>파일 업로드</a:t>
-            </a:r>
-            <a:endParaRPr lang="ko-KR" altLang="en-US" sz="1200" dirty="0">
-              <a:latin typeface="210 맨발의청춘 L" panose="02020603020101020101" pitchFamily="18" charset="-127"/>
-              <a:ea typeface="210 맨발의청춘 L" panose="02020603020101020101" pitchFamily="18" charset="-127"/>
-            </a:endParaRPr>
-          </a:p>
-        </p:txBody>
-      </p:sp>
-      <p:cxnSp>
-        <p:nvCxnSpPr>
-          <p:cNvPr id="8" name="직선 화살표 연결선 7"/>
-          <p:cNvCxnSpPr/>
-          <p:nvPr/>
-        </p:nvCxnSpPr>
-        <p:spPr>
-          <a:xfrm>
-            <a:off x="9563878" y="1965813"/>
-            <a:ext cx="383686" cy="0"/>
-          </a:xfrm>
-          <a:prstGeom prst="straightConnector1">
-            <a:avLst/>
-          </a:prstGeom>
-          <a:ln>
-            <a:solidFill>
-              <a:schemeClr val="tx1"/>
-            </a:solidFill>
-            <a:tailEnd type="triangle"/>
-          </a:ln>
-        </p:spPr>
-        <p:style>
-          <a:lnRef idx="1">
-            <a:schemeClr val="accent1"/>
-          </a:lnRef>
-          <a:fillRef idx="0">
-            <a:schemeClr val="accent1"/>
-          </a:fillRef>
-          <a:effectRef idx="0">
-            <a:schemeClr val="accent1"/>
-          </a:effectRef>
-          <a:fontRef idx="minor">
-            <a:schemeClr val="tx1"/>
-          </a:fontRef>
-        </p:style>
-      </p:cxnSp>
-      <p:sp>
-        <p:nvSpPr>
-          <p:cNvPr id="44" name="TextBox 43"/>
-          <p:cNvSpPr txBox="1"/>
-          <p:nvPr/>
-        </p:nvSpPr>
-        <p:spPr>
-          <a:xfrm>
-            <a:off x="3392138" y="3262688"/>
-            <a:ext cx="915636" cy="276999"/>
-          </a:xfrm>
-          <a:prstGeom prst="rect">
-            <a:avLst/>
-          </a:prstGeom>
-          <a:noFill/>
-        </p:spPr>
-        <p:txBody>
-          <a:bodyPr wrap="none" rtlCol="0">
-            <a:spAutoFit/>
-          </a:bodyPr>
-          <a:lstStyle/>
-          <a:p>
-            <a:pPr algn="ctr"/>
-            <a:r>
-              <a:rPr lang="ko-KR" altLang="en-US" sz="1200" dirty="0" smtClean="0">
-                <a:latin typeface="210 맨발의청춘 L" panose="02020603020101020101" pitchFamily="18" charset="-127"/>
-                <a:ea typeface="210 맨발의청춘 L" panose="02020603020101020101" pitchFamily="18" charset="-127"/>
-              </a:rPr>
-              <a:t>결과 데이터</a:t>
-            </a:r>
-            <a:endParaRPr lang="ko-KR" altLang="en-US" sz="1200" dirty="0">
-              <a:latin typeface="210 맨발의청춘 L" panose="02020603020101020101" pitchFamily="18" charset="-127"/>
-              <a:ea typeface="210 맨발의청춘 L" panose="02020603020101020101" pitchFamily="18" charset="-127"/>
-            </a:endParaRPr>
-          </a:p>
-        </p:txBody>
-      </p:sp>
-      <p:sp>
-        <p:nvSpPr>
-          <p:cNvPr id="46" name="TextBox 45"/>
-          <p:cNvSpPr txBox="1"/>
-          <p:nvPr/>
-        </p:nvSpPr>
-        <p:spPr>
-          <a:xfrm>
-            <a:off x="2694203" y="4304923"/>
-            <a:ext cx="1095172" cy="276999"/>
-          </a:xfrm>
-          <a:prstGeom prst="rect">
-            <a:avLst/>
-          </a:prstGeom>
-          <a:noFill/>
-        </p:spPr>
-        <p:txBody>
-          <a:bodyPr wrap="none" rtlCol="0">
-            <a:spAutoFit/>
-          </a:bodyPr>
-          <a:lstStyle/>
-          <a:p>
-            <a:pPr algn="ctr"/>
-            <a:r>
-              <a:rPr lang="ko-KR" altLang="en-US" sz="1200" dirty="0" smtClean="0">
-                <a:latin typeface="210 맨발의청춘 L" panose="02020603020101020101" pitchFamily="18" charset="-127"/>
-                <a:ea typeface="210 맨발의청춘 L" panose="02020603020101020101" pitchFamily="18" charset="-127"/>
-              </a:rPr>
-              <a:t>결과 생성 알림</a:t>
-            </a:r>
-            <a:endParaRPr lang="ko-KR" altLang="en-US" sz="1200" dirty="0">
-              <a:latin typeface="210 맨발의청춘 L" panose="02020603020101020101" pitchFamily="18" charset="-127"/>
-              <a:ea typeface="210 맨발의청춘 L" panose="02020603020101020101" pitchFamily="18" charset="-127"/>
-            </a:endParaRPr>
+            <a:r>
+              <a:rPr lang="ko-KR" altLang="en-US" sz="1000" smtClean="0"/>
+              <a:t>로그인</a:t>
+            </a:r>
+            <a:r>
+              <a:rPr lang="ko-KR" altLang="en-US" sz="1000" smtClean="0"/>
+              <a:t> </a:t>
+            </a:r>
+            <a:r>
+              <a:rPr lang="ko-KR" altLang="en-US" sz="1000" smtClean="0"/>
+              <a:t>정보</a:t>
+            </a:r>
+            <a:r>
+              <a:rPr lang="ko-KR" altLang="en-US" sz="1000"/>
+              <a:t> </a:t>
+            </a:r>
+            <a:r>
+              <a:rPr lang="ko-KR" altLang="en-US" sz="1000" smtClean="0"/>
+              <a:t>검증</a:t>
+            </a:r>
+            <a:endParaRPr lang="ko-KR" altLang="en-US" sz="1000"/>
           </a:p>
         </p:txBody>
       </p:sp>
     </p:spTree>
     <p:extLst>
       <p:ext uri="{BB962C8B-B14F-4D97-AF65-F5344CB8AC3E}">
-        <p14:creationId xmlns:p14="http://schemas.microsoft.com/office/powerpoint/2010/main" val="1722466731"/>
+        <p14:creationId xmlns:p14="http://schemas.microsoft.com/office/powerpoint/2010/main" val="332294195"/>
       </p:ext>
     </p:extLst>
   </p:cSld>
@@ -7582,11 +7110,11 @@
           <a:p>
             <a:pPr algn="ctr"/>
             <a:r>
-              <a:rPr lang="en-US" altLang="ko-KR" dirty="0" smtClean="0">
+              <a:rPr lang="ko-KR" altLang="en-US" smtClean="0">
                 <a:latin typeface="210 맨발의청춘 B" panose="02020603020101020101" pitchFamily="18" charset="-127"/>
                 <a:ea typeface="210 맨발의청춘 B" panose="02020603020101020101" pitchFamily="18" charset="-127"/>
               </a:rPr>
-              <a:t>Background</a:t>
+              <a:t>푸시 구조도</a:t>
             </a:r>
             <a:endParaRPr lang="ko-KR" altLang="en-US" dirty="0">
               <a:latin typeface="210 맨발의청춘 B" panose="02020603020101020101" pitchFamily="18" charset="-127"/>
@@ -7603,8 +7131,8 @@
         </p:nvSpPr>
         <p:spPr>
           <a:xfrm>
-            <a:off x="1328768" y="2356314"/>
-            <a:ext cx="644728" cy="276999"/>
+            <a:off x="4138760" y="2171587"/>
+            <a:ext cx="740908" cy="276999"/>
           </a:xfrm>
           <a:prstGeom prst="rect">
             <a:avLst/>
@@ -7618,11 +7146,11 @@
           <a:lstStyle/>
           <a:p>
             <a:r>
-              <a:rPr lang="en-US" altLang="ko-KR" sz="1200" dirty="0" smtClean="0">
+              <a:rPr lang="en-US" altLang="ko-KR" sz="1200" smtClean="0">
                 <a:latin typeface="210 맨발의청춘 L" panose="02020603020101020101" pitchFamily="18" charset="-127"/>
                 <a:ea typeface="210 맨발의청춘 L" panose="02020603020101020101" pitchFamily="18" charset="-127"/>
               </a:rPr>
-              <a:t>Cloud</a:t>
+              <a:t>Firebase</a:t>
             </a:r>
             <a:endParaRPr lang="ko-KR" altLang="en-US" sz="1200" dirty="0">
               <a:latin typeface="210 맨발의청춘 L" panose="02020603020101020101" pitchFamily="18" charset="-127"/>
@@ -7641,7 +7169,7 @@
         </p:nvSpPr>
         <p:spPr>
           <a:xfrm>
-            <a:off x="3610702" y="2019464"/>
+            <a:off x="6483211" y="1834737"/>
             <a:ext cx="1113786" cy="1119545"/>
           </a:xfrm>
           <a:prstGeom prst="rect">
@@ -7689,8 +7217,8 @@
         </p:nvSpPr>
         <p:spPr>
           <a:xfrm>
-            <a:off x="3847635" y="2459362"/>
-            <a:ext cx="639919" cy="461665"/>
+            <a:off x="6820330" y="2242926"/>
+            <a:ext cx="439544" cy="276999"/>
           </a:xfrm>
           <a:prstGeom prst="rect">
             <a:avLst/>
@@ -7705,25 +7233,11 @@
           <a:p>
             <a:pPr algn="ctr"/>
             <a:r>
-              <a:rPr lang="ko-KR" altLang="en-US" sz="1200" dirty="0" smtClean="0">
+              <a:rPr lang="en-US" altLang="ko-KR" sz="1200" smtClean="0">
                 <a:latin typeface="210 맨발의청춘 L" panose="02020603020101020101" pitchFamily="18" charset="-127"/>
                 <a:ea typeface="210 맨발의청춘 L" panose="02020603020101020101" pitchFamily="18" charset="-127"/>
               </a:rPr>
-              <a:t>작업 큐</a:t>
-            </a:r>
-            <a:endParaRPr lang="en-US" altLang="ko-KR" sz="1200" dirty="0" smtClean="0">
-              <a:latin typeface="210 맨발의청춘 L" panose="02020603020101020101" pitchFamily="18" charset="-127"/>
-              <a:ea typeface="210 맨발의청춘 L" panose="02020603020101020101" pitchFamily="18" charset="-127"/>
-            </a:endParaRPr>
-          </a:p>
-          <a:p>
-            <a:pPr algn="ctr"/>
-            <a:r>
-              <a:rPr lang="ko-KR" altLang="en-US" sz="1200" dirty="0" smtClean="0">
-                <a:latin typeface="210 맨발의청춘 L" panose="02020603020101020101" pitchFamily="18" charset="-127"/>
-                <a:ea typeface="210 맨발의청춘 L" panose="02020603020101020101" pitchFamily="18" charset="-127"/>
-              </a:rPr>
-              <a:t>엔진</a:t>
+              <a:t>App</a:t>
             </a:r>
             <a:endParaRPr lang="ko-KR" altLang="en-US" sz="1200" dirty="0">
               <a:latin typeface="210 맨발의청춘 L" panose="02020603020101020101" pitchFamily="18" charset="-127"/>
@@ -7734,44 +7248,7 @@
       </p:sp>
       <p:sp>
         <p:nvSpPr>
-          <p:cNvPr id="31" name="TextBox 30"/>
-          <p:cNvSpPr txBox="1"/>
-          <p:nvPr/>
-        </p:nvSpPr>
-        <p:spPr>
-          <a:xfrm>
-            <a:off x="5163995" y="1946069"/>
-            <a:ext cx="777778" cy="276999"/>
-          </a:xfrm>
-          <a:prstGeom prst="rect">
-            <a:avLst/>
-          </a:prstGeom>
-          <a:noFill/>
-        </p:spPr>
-        <p:txBody>
-          <a:bodyPr wrap="none" rtlCol="0">
-            <a:spAutoFit/>
-          </a:bodyPr>
-          <a:lstStyle/>
-          <a:p>
-            <a:pPr algn="ctr"/>
-            <a:r>
-              <a:rPr lang="ko-KR" altLang="en-US" sz="1200" dirty="0" smtClean="0">
-                <a:latin typeface="210 맨발의청춘 L" panose="02020603020101020101" pitchFamily="18" charset="-127"/>
-                <a:ea typeface="210 맨발의청춘 L" panose="02020603020101020101" pitchFamily="18" charset="-127"/>
-              </a:rPr>
-              <a:t>작업 검색</a:t>
-            </a:r>
-            <a:endParaRPr lang="ko-KR" altLang="en-US" sz="1200" dirty="0">
-              <a:latin typeface="210 맨발의청춘 L" panose="02020603020101020101" pitchFamily="18" charset="-127"/>
-              <a:ea typeface="210 맨발의청춘 L" panose="02020603020101020101" pitchFamily="18" charset="-127"/>
-            </a:endParaRPr>
-          </a:p>
-        </p:txBody>
-      </p:sp>
-      <p:sp>
-        <p:nvSpPr>
-          <p:cNvPr id="36" name="직사각형 35"/>
+          <p:cNvPr id="53" name="직사각형 52"/>
           <p:cNvSpPr>
             <a:spLocks noChangeAspect="1"/>
           </p:cNvSpPr>
@@ -7779,7 +7256,7 @@
         </p:nvSpPr>
         <p:spPr>
           <a:xfrm>
-            <a:off x="3610702" y="4411278"/>
+            <a:off x="3935953" y="4226551"/>
             <a:ext cx="1116068" cy="1009926"/>
           </a:xfrm>
           <a:prstGeom prst="rect">
@@ -7819,16 +7296,53 @@
           </a:p>
         </p:txBody>
       </p:sp>
+      <p:sp>
+        <p:nvSpPr>
+          <p:cNvPr id="54" name="TextBox 53"/>
+          <p:cNvSpPr txBox="1"/>
+          <p:nvPr/>
+        </p:nvSpPr>
+        <p:spPr>
+          <a:xfrm>
+            <a:off x="4108303" y="4593014"/>
+            <a:ext cx="771365" cy="276999"/>
+          </a:xfrm>
+          <a:prstGeom prst="rect">
+            <a:avLst/>
+          </a:prstGeom>
+          <a:noFill/>
+        </p:spPr>
+        <p:txBody>
+          <a:bodyPr wrap="none" rtlCol="0">
+            <a:spAutoFit/>
+          </a:bodyPr>
+          <a:lstStyle/>
+          <a:p>
+            <a:pPr algn="ctr"/>
+            <a:r>
+              <a:rPr lang="ko-KR" altLang="en-US" sz="1200" smtClean="0">
+                <a:latin typeface="210 맨발의청춘 L" panose="02020603020101020101" pitchFamily="18" charset="-127"/>
+                <a:ea typeface="210 맨발의청춘 L" panose="02020603020101020101" pitchFamily="18" charset="-127"/>
+              </a:rPr>
+              <a:t>푸시 서버</a:t>
+            </a:r>
+            <a:endParaRPr lang="en-US" altLang="ko-KR" sz="1200" dirty="0" smtClean="0">
+              <a:latin typeface="210 맨발의청춘 L" panose="02020603020101020101" pitchFamily="18" charset="-127"/>
+              <a:ea typeface="210 맨발의청춘 L" panose="02020603020101020101" pitchFamily="18" charset="-127"/>
+            </a:endParaRPr>
+          </a:p>
+        </p:txBody>
+      </p:sp>
       <p:cxnSp>
         <p:nvCxnSpPr>
-          <p:cNvPr id="5" name="직선 화살표 연결선 4"/>
+          <p:cNvPr id="55" name="직선 화살표 연결선 54"/>
           <p:cNvCxnSpPr/>
           <p:nvPr/>
         </p:nvCxnSpPr>
         <p:spPr>
-          <a:xfrm>
-            <a:off x="4817813" y="2221644"/>
-            <a:ext cx="1505967" cy="0"/>
+          <a:xfrm flipV="1">
+            <a:off x="4493987" y="3069419"/>
+            <a:ext cx="0" cy="1028724"/>
           </a:xfrm>
           <a:prstGeom prst="straightConnector1">
             <a:avLst/>
@@ -7837,7 +7351,6 @@
             <a:solidFill>
               <a:schemeClr val="tx1"/>
             </a:solidFill>
-            <a:headEnd type="triangle"/>
             <a:tailEnd type="triangle"/>
           </a:ln>
         </p:spPr>
@@ -7858,162 +7371,20 @@
       </p:cxnSp>
       <p:sp>
         <p:nvSpPr>
-          <p:cNvPr id="49" name="TextBox 48"/>
-          <p:cNvSpPr txBox="1"/>
-          <p:nvPr/>
-        </p:nvSpPr>
-        <p:spPr>
-          <a:xfrm>
-            <a:off x="3799543" y="4700752"/>
-            <a:ext cx="736100" cy="461665"/>
-          </a:xfrm>
-          <a:prstGeom prst="rect">
+          <p:cNvPr id="13" name="구름 12"/>
+          <p:cNvSpPr/>
+          <p:nvPr/>
+        </p:nvSpPr>
+        <p:spPr>
+          <a:xfrm>
+            <a:off x="4018636" y="1834737"/>
+            <a:ext cx="950701" cy="950701"/>
+          </a:xfrm>
+          <a:prstGeom prst="cloud">
             <a:avLst/>
           </a:prstGeom>
           <a:noFill/>
-        </p:spPr>
-        <p:txBody>
-          <a:bodyPr wrap="none" rtlCol="0">
-            <a:spAutoFit/>
-          </a:bodyPr>
-          <a:lstStyle/>
-          <a:p>
-            <a:pPr algn="ctr"/>
-            <a:r>
-              <a:rPr lang="ko-KR" altLang="en-US" sz="1200" dirty="0" smtClean="0">
-                <a:latin typeface="210 맨발의청춘 L" panose="02020603020101020101" pitchFamily="18" charset="-127"/>
-                <a:ea typeface="210 맨발의청춘 L" panose="02020603020101020101" pitchFamily="18" charset="-127"/>
-              </a:rPr>
-              <a:t>데이터</a:t>
-            </a:r>
-            <a:endParaRPr lang="en-US" altLang="ko-KR" sz="1200" dirty="0" smtClean="0">
-              <a:latin typeface="210 맨발의청춘 L" panose="02020603020101020101" pitchFamily="18" charset="-127"/>
-              <a:ea typeface="210 맨발의청춘 L" panose="02020603020101020101" pitchFamily="18" charset="-127"/>
-            </a:endParaRPr>
-          </a:p>
-          <a:p>
-            <a:pPr algn="ctr"/>
-            <a:r>
-              <a:rPr lang="ko-KR" altLang="en-US" sz="1200" dirty="0" err="1" smtClean="0">
-                <a:latin typeface="210 맨발의청춘 L" panose="02020603020101020101" pitchFamily="18" charset="-127"/>
-                <a:ea typeface="210 맨발의청춘 L" panose="02020603020101020101" pitchFamily="18" charset="-127"/>
-              </a:rPr>
-              <a:t>전처리기</a:t>
-            </a:r>
-            <a:endParaRPr lang="en-US" altLang="ko-KR" sz="1200" dirty="0" smtClean="0">
-              <a:latin typeface="210 맨발의청춘 L" panose="02020603020101020101" pitchFamily="18" charset="-127"/>
-              <a:ea typeface="210 맨발의청춘 L" panose="02020603020101020101" pitchFamily="18" charset="-127"/>
-            </a:endParaRPr>
-          </a:p>
-        </p:txBody>
-      </p:sp>
-      <p:cxnSp>
-        <p:nvCxnSpPr>
-          <p:cNvPr id="50" name="직선 화살표 연결선 49"/>
-          <p:cNvCxnSpPr/>
-          <p:nvPr/>
-        </p:nvCxnSpPr>
-        <p:spPr>
-          <a:xfrm>
-            <a:off x="4167593" y="3254146"/>
-            <a:ext cx="0" cy="1028723"/>
-          </a:xfrm>
-          <a:prstGeom prst="straightConnector1">
-            <a:avLst/>
-          </a:prstGeom>
           <a:ln>
-            <a:solidFill>
-              <a:schemeClr val="tx1"/>
-            </a:solidFill>
-            <a:tailEnd type="triangle"/>
-          </a:ln>
-        </p:spPr>
-        <p:style>
-          <a:lnRef idx="1">
-            <a:schemeClr val="accent1"/>
-          </a:lnRef>
-          <a:fillRef idx="0">
-            <a:schemeClr val="accent1"/>
-          </a:fillRef>
-          <a:effectRef idx="0">
-            <a:schemeClr val="accent1"/>
-          </a:effectRef>
-          <a:fontRef idx="minor">
-            <a:schemeClr val="tx1"/>
-          </a:fontRef>
-        </p:style>
-      </p:cxnSp>
-      <p:sp>
-        <p:nvSpPr>
-          <p:cNvPr id="51" name="TextBox 50"/>
-          <p:cNvSpPr txBox="1"/>
-          <p:nvPr/>
-        </p:nvSpPr>
-        <p:spPr>
-          <a:xfrm>
-            <a:off x="4190555" y="3537674"/>
-            <a:ext cx="915635" cy="461665"/>
-          </a:xfrm>
-          <a:prstGeom prst="rect">
-            <a:avLst/>
-          </a:prstGeom>
-          <a:noFill/>
-        </p:spPr>
-        <p:txBody>
-          <a:bodyPr wrap="none" rtlCol="0">
-            <a:spAutoFit/>
-          </a:bodyPr>
-          <a:lstStyle/>
-          <a:p>
-            <a:pPr algn="ctr"/>
-            <a:r>
-              <a:rPr lang="ko-KR" altLang="en-US" sz="1200" dirty="0" smtClean="0">
-                <a:latin typeface="210 맨발의청춘 L" panose="02020603020101020101" pitchFamily="18" charset="-127"/>
-                <a:ea typeface="210 맨발의청춘 L" panose="02020603020101020101" pitchFamily="18" charset="-127"/>
-              </a:rPr>
-              <a:t>프레임 분할</a:t>
-            </a:r>
-            <a:endParaRPr lang="en-US" altLang="ko-KR" sz="1200" dirty="0" smtClean="0">
-              <a:latin typeface="210 맨발의청춘 L" panose="02020603020101020101" pitchFamily="18" charset="-127"/>
-              <a:ea typeface="210 맨발의청춘 L" panose="02020603020101020101" pitchFamily="18" charset="-127"/>
-            </a:endParaRPr>
-          </a:p>
-          <a:p>
-            <a:pPr algn="ctr"/>
-            <a:r>
-              <a:rPr lang="ko-KR" altLang="en-US" sz="1200" dirty="0" smtClean="0">
-                <a:latin typeface="210 맨발의청춘 L" panose="02020603020101020101" pitchFamily="18" charset="-127"/>
-                <a:ea typeface="210 맨발의청춘 L" panose="02020603020101020101" pitchFamily="18" charset="-127"/>
-              </a:rPr>
-              <a:t>오디오 추출</a:t>
-            </a:r>
-            <a:endParaRPr lang="ko-KR" altLang="en-US" sz="1200" dirty="0">
-              <a:latin typeface="210 맨발의청춘 L" panose="02020603020101020101" pitchFamily="18" charset="-127"/>
-              <a:ea typeface="210 맨발의청춘 L" panose="02020603020101020101" pitchFamily="18" charset="-127"/>
-            </a:endParaRPr>
-          </a:p>
-        </p:txBody>
-      </p:sp>
-      <p:sp>
-        <p:nvSpPr>
-          <p:cNvPr id="53" name="직사각형 52"/>
-          <p:cNvSpPr>
-            <a:spLocks noChangeAspect="1"/>
-          </p:cNvSpPr>
-          <p:nvPr/>
-        </p:nvSpPr>
-        <p:spPr>
-          <a:xfrm>
-            <a:off x="1063444" y="4411278"/>
-            <a:ext cx="1116068" cy="1009926"/>
-          </a:xfrm>
-          <a:prstGeom prst="rect">
-            <a:avLst/>
-          </a:prstGeom>
-          <a:solidFill>
-            <a:schemeClr val="bg1"/>
-          </a:solidFill>
-          <a:ln w="25400">
             <a:solidFill>
               <a:schemeClr val="tx1"/>
             </a:solidFill>
@@ -8046,14 +7417,14 @@
       </p:sp>
       <p:cxnSp>
         <p:nvCxnSpPr>
-          <p:cNvPr id="7" name="직선 화살표 연결선 6"/>
+          <p:cNvPr id="57" name="직선 화살표 연결선 56"/>
           <p:cNvCxnSpPr/>
           <p:nvPr/>
         </p:nvCxnSpPr>
         <p:spPr>
-          <a:xfrm flipH="1">
-            <a:off x="2316236" y="4916241"/>
-            <a:ext cx="1128358" cy="0"/>
+          <a:xfrm>
+            <a:off x="5166085" y="2270106"/>
+            <a:ext cx="1151018" cy="0"/>
           </a:xfrm>
           <a:prstGeom prst="straightConnector1">
             <a:avLst/>
@@ -8082,14 +7453,14 @@
       </p:cxnSp>
       <p:sp>
         <p:nvSpPr>
-          <p:cNvPr id="54" name="TextBox 53"/>
+          <p:cNvPr id="58" name="TextBox 57"/>
           <p:cNvSpPr txBox="1"/>
           <p:nvPr/>
         </p:nvSpPr>
         <p:spPr>
           <a:xfrm>
-            <a:off x="1322358" y="4700752"/>
-            <a:ext cx="598241" cy="461665"/>
+            <a:off x="5323428" y="1979677"/>
+            <a:ext cx="777778" cy="276999"/>
           </a:xfrm>
           <a:prstGeom prst="rect">
             <a:avLst/>
@@ -8104,216 +7475,11 @@
           <a:p>
             <a:pPr algn="ctr"/>
             <a:r>
-              <a:rPr lang="ko-KR" altLang="en-US" sz="1200" dirty="0" smtClean="0">
+              <a:rPr lang="ko-KR" altLang="en-US" sz="1200" smtClean="0">
                 <a:latin typeface="210 맨발의청춘 L" panose="02020603020101020101" pitchFamily="18" charset="-127"/>
                 <a:ea typeface="210 맨발의청춘 L" panose="02020603020101020101" pitchFamily="18" charset="-127"/>
               </a:rPr>
-              <a:t>데이터</a:t>
-            </a:r>
-            <a:endParaRPr lang="en-US" altLang="ko-KR" sz="1200" dirty="0" smtClean="0">
-              <a:latin typeface="210 맨발의청춘 L" panose="02020603020101020101" pitchFamily="18" charset="-127"/>
-              <a:ea typeface="210 맨발의청춘 L" panose="02020603020101020101" pitchFamily="18" charset="-127"/>
-            </a:endParaRPr>
-          </a:p>
-          <a:p>
-            <a:pPr algn="ctr"/>
-            <a:r>
-              <a:rPr lang="ko-KR" altLang="en-US" sz="1200" dirty="0" smtClean="0">
-                <a:latin typeface="210 맨발의청춘 L" panose="02020603020101020101" pitchFamily="18" charset="-127"/>
-                <a:ea typeface="210 맨발의청춘 L" panose="02020603020101020101" pitchFamily="18" charset="-127"/>
-              </a:rPr>
-              <a:t>처리</a:t>
-            </a:r>
-            <a:endParaRPr lang="en-US" altLang="ko-KR" sz="1200" dirty="0" smtClean="0">
-              <a:latin typeface="210 맨발의청춘 L" panose="02020603020101020101" pitchFamily="18" charset="-127"/>
-              <a:ea typeface="210 맨발의청춘 L" panose="02020603020101020101" pitchFamily="18" charset="-127"/>
-            </a:endParaRPr>
-          </a:p>
-        </p:txBody>
-      </p:sp>
-      <p:cxnSp>
-        <p:nvCxnSpPr>
-          <p:cNvPr id="55" name="직선 화살표 연결선 54"/>
-          <p:cNvCxnSpPr/>
-          <p:nvPr/>
-        </p:nvCxnSpPr>
-        <p:spPr>
-          <a:xfrm flipV="1">
-            <a:off x="1621478" y="3254146"/>
-            <a:ext cx="0" cy="1028724"/>
-          </a:xfrm>
-          <a:prstGeom prst="straightConnector1">
-            <a:avLst/>
-          </a:prstGeom>
-          <a:ln>
-            <a:solidFill>
-              <a:schemeClr val="tx1"/>
-            </a:solidFill>
-            <a:tailEnd type="triangle"/>
-          </a:ln>
-        </p:spPr>
-        <p:style>
-          <a:lnRef idx="1">
-            <a:schemeClr val="accent1"/>
-          </a:lnRef>
-          <a:fillRef idx="0">
-            <a:schemeClr val="accent1"/>
-          </a:fillRef>
-          <a:effectRef idx="0">
-            <a:schemeClr val="accent1"/>
-          </a:effectRef>
-          <a:fontRef idx="minor">
-            <a:schemeClr val="tx1"/>
-          </a:fontRef>
-        </p:style>
-      </p:cxnSp>
-      <p:sp>
-        <p:nvSpPr>
-          <p:cNvPr id="13" name="구름 12"/>
-          <p:cNvSpPr/>
-          <p:nvPr/>
-        </p:nvSpPr>
-        <p:spPr>
-          <a:xfrm>
-            <a:off x="1146127" y="2019464"/>
-            <a:ext cx="950701" cy="950701"/>
-          </a:xfrm>
-          <a:prstGeom prst="cloud">
-            <a:avLst/>
-          </a:prstGeom>
-          <a:noFill/>
-          <a:ln>
-            <a:solidFill>
-              <a:schemeClr val="tx1"/>
-            </a:solidFill>
-          </a:ln>
-        </p:spPr>
-        <p:style>
-          <a:lnRef idx="2">
-            <a:schemeClr val="accent1">
-              <a:shade val="50000"/>
-            </a:schemeClr>
-          </a:lnRef>
-          <a:fillRef idx="1">
-            <a:schemeClr val="accent1"/>
-          </a:fillRef>
-          <a:effectRef idx="0">
-            <a:schemeClr val="accent1"/>
-          </a:effectRef>
-          <a:fontRef idx="minor">
-            <a:schemeClr val="lt1"/>
-          </a:fontRef>
-        </p:style>
-        <p:txBody>
-          <a:bodyPr rtlCol="0" anchor="ctr"/>
-          <a:lstStyle/>
-          <a:p>
-            <a:pPr algn="ctr"/>
-            <a:endParaRPr lang="ko-KR" altLang="en-US"/>
-          </a:p>
-        </p:txBody>
-      </p:sp>
-      <p:cxnSp>
-        <p:nvCxnSpPr>
-          <p:cNvPr id="18" name="직선 화살표 연결선 17"/>
-          <p:cNvCxnSpPr/>
-          <p:nvPr/>
-        </p:nvCxnSpPr>
-        <p:spPr>
-          <a:xfrm>
-            <a:off x="4817813" y="2970165"/>
-            <a:ext cx="1505967" cy="0"/>
-          </a:xfrm>
-          <a:prstGeom prst="straightConnector1">
-            <a:avLst/>
-          </a:prstGeom>
-          <a:ln>
-            <a:solidFill>
-              <a:schemeClr val="tx1"/>
-            </a:solidFill>
-            <a:tailEnd type="triangle"/>
-          </a:ln>
-        </p:spPr>
-        <p:style>
-          <a:lnRef idx="1">
-            <a:schemeClr val="accent1"/>
-          </a:lnRef>
-          <a:fillRef idx="0">
-            <a:schemeClr val="accent1"/>
-          </a:fillRef>
-          <a:effectRef idx="0">
-            <a:schemeClr val="accent1"/>
-          </a:effectRef>
-          <a:fontRef idx="minor">
-            <a:schemeClr val="tx1"/>
-          </a:fontRef>
-        </p:style>
-      </p:cxnSp>
-      <p:cxnSp>
-        <p:nvCxnSpPr>
-          <p:cNvPr id="57" name="직선 화살표 연결선 56"/>
-          <p:cNvCxnSpPr/>
-          <p:nvPr/>
-        </p:nvCxnSpPr>
-        <p:spPr>
-          <a:xfrm>
-            <a:off x="2293576" y="2454833"/>
-            <a:ext cx="1151018" cy="0"/>
-          </a:xfrm>
-          <a:prstGeom prst="straightConnector1">
-            <a:avLst/>
-          </a:prstGeom>
-          <a:ln>
-            <a:solidFill>
-              <a:schemeClr val="tx1"/>
-            </a:solidFill>
-            <a:tailEnd type="triangle"/>
-          </a:ln>
-        </p:spPr>
-        <p:style>
-          <a:lnRef idx="1">
-            <a:schemeClr val="accent1"/>
-          </a:lnRef>
-          <a:fillRef idx="0">
-            <a:schemeClr val="accent1"/>
-          </a:fillRef>
-          <a:effectRef idx="0">
-            <a:schemeClr val="accent1"/>
-          </a:effectRef>
-          <a:fontRef idx="minor">
-            <a:schemeClr val="tx1"/>
-          </a:fontRef>
-        </p:style>
-      </p:cxnSp>
-      <p:sp>
-        <p:nvSpPr>
-          <p:cNvPr id="58" name="TextBox 57"/>
-          <p:cNvSpPr txBox="1"/>
-          <p:nvPr/>
-        </p:nvSpPr>
-        <p:spPr>
-          <a:xfrm>
-            <a:off x="2450918" y="2164404"/>
-            <a:ext cx="777778" cy="276999"/>
-          </a:xfrm>
-          <a:prstGeom prst="rect">
-            <a:avLst/>
-          </a:prstGeom>
-          <a:noFill/>
-        </p:spPr>
-        <p:txBody>
-          <a:bodyPr wrap="none" rtlCol="0">
-            <a:spAutoFit/>
-          </a:bodyPr>
-          <a:lstStyle/>
-          <a:p>
-            <a:pPr algn="ctr"/>
-            <a:r>
-              <a:rPr lang="ko-KR" altLang="en-US" sz="1200" dirty="0" smtClean="0">
-                <a:latin typeface="210 맨발의청춘 L" panose="02020603020101020101" pitchFamily="18" charset="-127"/>
-                <a:ea typeface="210 맨발의청춘 L" panose="02020603020101020101" pitchFamily="18" charset="-127"/>
-              </a:rPr>
-              <a:t>처리 완료</a:t>
+              <a:t>푸시 알림</a:t>
             </a:r>
             <a:endParaRPr lang="ko-KR" altLang="en-US" sz="1200" dirty="0">
               <a:latin typeface="210 맨발의청춘 L" panose="02020603020101020101" pitchFamily="18" charset="-127"/>
@@ -8324,225 +7490,13 @@
       </p:sp>
       <p:sp>
         <p:nvSpPr>
-          <p:cNvPr id="60" name="TextBox 59"/>
-          <p:cNvSpPr txBox="1"/>
-          <p:nvPr/>
-        </p:nvSpPr>
-        <p:spPr>
-          <a:xfrm>
-            <a:off x="5181907" y="2693166"/>
-            <a:ext cx="777778" cy="276999"/>
-          </a:xfrm>
-          <a:prstGeom prst="rect">
-            <a:avLst/>
-          </a:prstGeom>
-          <a:noFill/>
-        </p:spPr>
-        <p:txBody>
-          <a:bodyPr wrap="none" rtlCol="0">
-            <a:spAutoFit/>
-          </a:bodyPr>
-          <a:lstStyle/>
-          <a:p>
-            <a:pPr algn="ctr"/>
-            <a:r>
-              <a:rPr lang="ko-KR" altLang="en-US" sz="1200" dirty="0" smtClean="0">
-                <a:latin typeface="210 맨발의청춘 L" panose="02020603020101020101" pitchFamily="18" charset="-127"/>
-                <a:ea typeface="210 맨발의청춘 L" panose="02020603020101020101" pitchFamily="18" charset="-127"/>
-              </a:rPr>
-              <a:t>처리 완료</a:t>
-            </a:r>
-            <a:endParaRPr lang="ko-KR" altLang="en-US" sz="1200" dirty="0">
-              <a:latin typeface="210 맨발의청춘 L" panose="02020603020101020101" pitchFamily="18" charset="-127"/>
-              <a:ea typeface="210 맨발의청춘 L" panose="02020603020101020101" pitchFamily="18" charset="-127"/>
-            </a:endParaRPr>
-          </a:p>
-        </p:txBody>
-      </p:sp>
-      <p:sp>
-        <p:nvSpPr>
-          <p:cNvPr id="61" name="직사각형 60"/>
-          <p:cNvSpPr>
-            <a:spLocks noChangeAspect="1"/>
-          </p:cNvSpPr>
-          <p:nvPr/>
-        </p:nvSpPr>
-        <p:spPr>
-          <a:xfrm>
-            <a:off x="8985837" y="2065460"/>
-            <a:ext cx="1113786" cy="1119545"/>
-          </a:xfrm>
-          <a:prstGeom prst="rect">
-            <a:avLst/>
-          </a:prstGeom>
-          <a:solidFill>
-            <a:schemeClr val="bg1"/>
-          </a:solidFill>
-          <a:ln w="25400">
-            <a:solidFill>
-              <a:schemeClr val="tx1"/>
-            </a:solidFill>
-          </a:ln>
-        </p:spPr>
-        <p:style>
-          <a:lnRef idx="2">
-            <a:schemeClr val="accent1">
-              <a:shade val="50000"/>
-            </a:schemeClr>
-          </a:lnRef>
-          <a:fillRef idx="1">
-            <a:schemeClr val="accent1"/>
-          </a:fillRef>
-          <a:effectRef idx="0">
-            <a:schemeClr val="accent1"/>
-          </a:effectRef>
-          <a:fontRef idx="minor">
-            <a:schemeClr val="lt1"/>
-          </a:fontRef>
-        </p:style>
-        <p:txBody>
-          <a:bodyPr rtlCol="0" anchor="ctr"/>
-          <a:lstStyle/>
-          <a:p>
-            <a:pPr algn="ctr"/>
-            <a:endParaRPr lang="ko-KR" altLang="en-US"/>
-          </a:p>
-        </p:txBody>
-      </p:sp>
-      <p:cxnSp>
-        <p:nvCxnSpPr>
-          <p:cNvPr id="62" name="직선 화살표 연결선 61"/>
-          <p:cNvCxnSpPr/>
-          <p:nvPr/>
-        </p:nvCxnSpPr>
-        <p:spPr>
-          <a:xfrm>
-            <a:off x="7653611" y="2576207"/>
-            <a:ext cx="1224172" cy="0"/>
-          </a:xfrm>
-          <a:prstGeom prst="straightConnector1">
-            <a:avLst/>
-          </a:prstGeom>
-          <a:ln>
-            <a:solidFill>
-              <a:schemeClr val="tx1"/>
-            </a:solidFill>
-            <a:headEnd type="triangle"/>
-            <a:tailEnd type="triangle"/>
-          </a:ln>
-        </p:spPr>
-        <p:style>
-          <a:lnRef idx="1">
-            <a:schemeClr val="accent1"/>
-          </a:lnRef>
-          <a:fillRef idx="0">
-            <a:schemeClr val="accent1"/>
-          </a:fillRef>
-          <a:effectRef idx="0">
-            <a:schemeClr val="accent1"/>
-          </a:effectRef>
-          <a:fontRef idx="minor">
-            <a:schemeClr val="tx1"/>
-          </a:fontRef>
-        </p:style>
-      </p:cxnSp>
-      <p:sp>
-        <p:nvSpPr>
-          <p:cNvPr id="63" name="TextBox 62"/>
-          <p:cNvSpPr txBox="1"/>
-          <p:nvPr/>
-        </p:nvSpPr>
-        <p:spPr>
-          <a:xfrm>
-            <a:off x="7791016" y="2289155"/>
-            <a:ext cx="957314" cy="276999"/>
-          </a:xfrm>
-          <a:prstGeom prst="rect">
-            <a:avLst/>
-          </a:prstGeom>
-          <a:noFill/>
-        </p:spPr>
-        <p:txBody>
-          <a:bodyPr wrap="none" rtlCol="0">
-            <a:spAutoFit/>
-          </a:bodyPr>
-          <a:lstStyle/>
-          <a:p>
-            <a:pPr algn="ctr"/>
-            <a:r>
-              <a:rPr lang="ko-KR" altLang="en-US" sz="1200" dirty="0" smtClean="0">
-                <a:latin typeface="210 맨발의청춘 L" panose="02020603020101020101" pitchFamily="18" charset="-127"/>
-                <a:ea typeface="210 맨발의청춘 L" panose="02020603020101020101" pitchFamily="18" charset="-127"/>
-              </a:rPr>
-              <a:t>새 완료 검색</a:t>
-            </a:r>
-            <a:endParaRPr lang="ko-KR" altLang="en-US" sz="1200" dirty="0">
-              <a:latin typeface="210 맨발의청춘 L" panose="02020603020101020101" pitchFamily="18" charset="-127"/>
-              <a:ea typeface="210 맨발의청춘 L" panose="02020603020101020101" pitchFamily="18" charset="-127"/>
-            </a:endParaRPr>
-          </a:p>
-        </p:txBody>
-      </p:sp>
-      <p:sp>
-        <p:nvSpPr>
-          <p:cNvPr id="64" name="TextBox 63"/>
-          <p:cNvSpPr txBox="1"/>
-          <p:nvPr/>
-        </p:nvSpPr>
-        <p:spPr>
-          <a:xfrm>
-            <a:off x="9091531" y="2494813"/>
-            <a:ext cx="900760" cy="276999"/>
-          </a:xfrm>
-          <a:prstGeom prst="rect">
-            <a:avLst/>
-          </a:prstGeom>
-          <a:noFill/>
-        </p:spPr>
-        <p:txBody>
-          <a:bodyPr wrap="none" rtlCol="0">
-            <a:spAutoFit/>
-          </a:bodyPr>
-          <a:lstStyle/>
-          <a:p>
-            <a:pPr algn="ctr"/>
-            <a:r>
-              <a:rPr lang="en-US" altLang="ko-KR" sz="1200" dirty="0" smtClean="0">
-                <a:latin typeface="210 맨발의청춘 L" panose="02020603020101020101" pitchFamily="18" charset="-127"/>
-                <a:ea typeface="210 맨발의청춘 L" panose="02020603020101020101" pitchFamily="18" charset="-127"/>
-              </a:rPr>
-              <a:t>Push</a:t>
-            </a:r>
-            <a:r>
-              <a:rPr lang="ko-KR" altLang="en-US" sz="1200" dirty="0">
-                <a:latin typeface="210 맨발의청춘 L" panose="02020603020101020101" pitchFamily="18" charset="-127"/>
-                <a:ea typeface="210 맨발의청춘 L" panose="02020603020101020101" pitchFamily="18" charset="-127"/>
-              </a:rPr>
-              <a:t> </a:t>
-            </a:r>
-            <a:r>
-              <a:rPr lang="ko-KR" altLang="en-US" sz="1200" dirty="0" smtClean="0">
-                <a:latin typeface="210 맨발의청춘 L" panose="02020603020101020101" pitchFamily="18" charset="-127"/>
-                <a:ea typeface="210 맨발의청춘 L" panose="02020603020101020101" pitchFamily="18" charset="-127"/>
-              </a:rPr>
-              <a:t>엔진</a:t>
-            </a:r>
-            <a:endParaRPr lang="en-US" altLang="ko-KR" sz="1200" dirty="0" smtClean="0">
-              <a:latin typeface="210 맨발의청춘 L" panose="02020603020101020101" pitchFamily="18" charset="-127"/>
-              <a:ea typeface="210 맨발의청춘 L" panose="02020603020101020101" pitchFamily="18" charset="-127"/>
-            </a:endParaRPr>
-          </a:p>
-        </p:txBody>
-      </p:sp>
-      <p:sp>
-        <p:nvSpPr>
           <p:cNvPr id="33" name="순서도: 자기 디스크 32"/>
           <p:cNvSpPr/>
           <p:nvPr/>
         </p:nvSpPr>
         <p:spPr>
           <a:xfrm>
-            <a:off x="6583299" y="2079859"/>
+            <a:off x="6595371" y="4226551"/>
             <a:ext cx="889462" cy="972589"/>
           </a:xfrm>
           <a:prstGeom prst="flowChartMagneticDisk">
@@ -8687,8 +7641,8 @@
         </p:nvSpPr>
         <p:spPr>
           <a:xfrm>
-            <a:off x="6621508" y="2533222"/>
-            <a:ext cx="813044" cy="276999"/>
+            <a:off x="6695297" y="4679914"/>
+            <a:ext cx="689612" cy="276999"/>
           </a:xfrm>
           <a:prstGeom prst="rect">
             <a:avLst/>
@@ -8801,21 +7755,101 @@
                 <a:latin typeface="210 맨발의청춘 L" panose="02020603020101020101" pitchFamily="18" charset="-127"/>
                 <a:ea typeface="210 맨발의청춘 L" panose="02020603020101020101" pitchFamily="18" charset="-127"/>
               </a:rPr>
-              <a:t>SQL</a:t>
+              <a:t>DB </a:t>
             </a:r>
             <a:r>
               <a:rPr lang="ko-KR" altLang="en-US" sz="1200" smtClean="0">
                 <a:latin typeface="210 맨발의청춘 L" panose="02020603020101020101" pitchFamily="18" charset="-127"/>
                 <a:ea typeface="210 맨발의청춘 L" panose="02020603020101020101" pitchFamily="18" charset="-127"/>
               </a:rPr>
-              <a:t> </a:t>
-            </a:r>
+              <a:t>서버</a:t>
+            </a:r>
+            <a:endParaRPr lang="ko-KR" altLang="en-US" sz="1200" dirty="0">
+              <a:latin typeface="210 맨발의청춘 L" panose="02020603020101020101" pitchFamily="18" charset="-127"/>
+              <a:ea typeface="210 맨발의청춘 L" panose="02020603020101020101" pitchFamily="18" charset="-127"/>
+            </a:endParaRPr>
+          </a:p>
+        </p:txBody>
+      </p:sp>
+      <p:cxnSp>
+        <p:nvCxnSpPr>
+          <p:cNvPr id="28" name="직선 화살표 연결선 27"/>
+          <p:cNvCxnSpPr/>
+          <p:nvPr/>
+        </p:nvCxnSpPr>
+        <p:spPr>
+          <a:xfrm>
+            <a:off x="5235785" y="4753613"/>
+            <a:ext cx="1227792" cy="0"/>
+          </a:xfrm>
+          <a:prstGeom prst="straightConnector1">
+            <a:avLst/>
+          </a:prstGeom>
+          <a:ln>
+            <a:solidFill>
+              <a:schemeClr val="tx1"/>
+            </a:solidFill>
+            <a:tailEnd type="triangle"/>
+          </a:ln>
+        </p:spPr>
+        <p:style>
+          <a:lnRef idx="1">
+            <a:schemeClr val="accent1"/>
+          </a:lnRef>
+          <a:fillRef idx="0">
+            <a:schemeClr val="accent1"/>
+          </a:fillRef>
+          <a:effectRef idx="0">
+            <a:schemeClr val="accent1"/>
+          </a:effectRef>
+          <a:fontRef idx="minor">
+            <a:schemeClr val="tx1"/>
+          </a:fontRef>
+        </p:style>
+      </p:cxnSp>
+      <p:sp>
+        <p:nvSpPr>
+          <p:cNvPr id="29" name="TextBox 28"/>
+          <p:cNvSpPr txBox="1"/>
+          <p:nvPr/>
+        </p:nvSpPr>
+        <p:spPr>
+          <a:xfrm>
+            <a:off x="5215997" y="4454514"/>
+            <a:ext cx="1215397" cy="276999"/>
+          </a:xfrm>
+          <a:prstGeom prst="rect">
+            <a:avLst/>
+          </a:prstGeom>
+          <a:noFill/>
+        </p:spPr>
+        <p:txBody>
+          <a:bodyPr wrap="none" rtlCol="0">
+            <a:spAutoFit/>
+          </a:bodyPr>
+          <a:lstStyle/>
+          <a:p>
+            <a:pPr algn="ctr"/>
             <a:r>
               <a:rPr lang="en-US" altLang="ko-KR" sz="1200" smtClean="0">
                 <a:latin typeface="210 맨발의청춘 L" panose="02020603020101020101" pitchFamily="18" charset="-127"/>
                 <a:ea typeface="210 맨발의청춘 L" panose="02020603020101020101" pitchFamily="18" charset="-127"/>
               </a:rPr>
-              <a:t>Push</a:t>
+              <a:t>[</a:t>
+            </a:r>
+            <a:r>
+              <a:rPr lang="ko-KR" altLang="en-US" sz="1200" smtClean="0">
+                <a:latin typeface="210 맨발의청춘 L" panose="02020603020101020101" pitchFamily="18" charset="-127"/>
+                <a:ea typeface="210 맨발의청춘 L" panose="02020603020101020101" pitchFamily="18" charset="-127"/>
+              </a:rPr>
+              <a:t>분석 완료 알림</a:t>
+            </a:r>
+            <a:r>
+              <a:rPr lang="en-US" altLang="ko-KR" sz="1200" smtClean="0">
+                <a:latin typeface="210 맨발의청춘 L" panose="02020603020101020101" pitchFamily="18" charset="-127"/>
+                <a:ea typeface="210 맨발의청춘 L" panose="02020603020101020101" pitchFamily="18" charset="-127"/>
+              </a:rPr>
+              <a:t>]</a:t>
             </a:r>
             <a:endParaRPr lang="ko-KR" altLang="en-US" sz="1200" dirty="0">
               <a:latin typeface="210 맨발의청춘 L" panose="02020603020101020101" pitchFamily="18" charset="-127"/>

--- a/Scatch.pptx
+++ b/Scatch.pptx
@@ -17,6 +17,7 @@
     <p:sldId id="266" r:id="rId11"/>
     <p:sldId id="268" r:id="rId12"/>
     <p:sldId id="267" r:id="rId13"/>
+    <p:sldId id="269" r:id="rId14"/>
   </p:sldIdLst>
   <p:sldSz cx="12192000" cy="6858000"/>
   <p:notesSz cx="6858000" cy="9144000"/>
@@ -6427,21 +6428,7 @@
                 <a:latin typeface="210 맨발의청춘 B" panose="02020603020101020101" pitchFamily="18" charset="-127"/>
                 <a:ea typeface="210 맨발의청춘 B" panose="02020603020101020101" pitchFamily="18" charset="-127"/>
               </a:rPr>
-              <a:t>로그인</a:t>
-            </a:r>
-            <a:r>
-              <a:rPr lang="ko-KR" altLang="en-US" smtClean="0">
-                <a:latin typeface="210 맨발의청춘 B" panose="02020603020101020101" pitchFamily="18" charset="-127"/>
-                <a:ea typeface="210 맨발의청춘 B" panose="02020603020101020101" pitchFamily="18" charset="-127"/>
-              </a:rPr>
-              <a:t> </a:t>
-            </a:r>
-            <a:r>
-              <a:rPr lang="ko-KR" altLang="en-US" smtClean="0">
-                <a:latin typeface="210 맨발의청춘 B" panose="02020603020101020101" pitchFamily="18" charset="-127"/>
-                <a:ea typeface="210 맨발의청춘 B" panose="02020603020101020101" pitchFamily="18" charset="-127"/>
-              </a:rPr>
-              <a:t>구조도</a:t>
+              <a:t>로그인 구조도</a:t>
             </a:r>
             <a:endParaRPr lang="ko-KR" altLang="en-US" dirty="0">
               <a:latin typeface="210 맨발의청춘 B" panose="02020603020101020101" pitchFamily="18" charset="-127"/>
@@ -6611,21 +6598,7 @@
                 <a:latin typeface="210 맨발의청춘 L" panose="02020603020101020101" pitchFamily="18" charset="-127"/>
                 <a:ea typeface="210 맨발의청춘 L" panose="02020603020101020101" pitchFamily="18" charset="-127"/>
               </a:rPr>
-              <a:t>소셜</a:t>
-            </a:r>
-            <a:r>
-              <a:rPr lang="ko-KR" altLang="en-US" sz="1200" smtClean="0">
-                <a:latin typeface="210 맨발의청춘 L" panose="02020603020101020101" pitchFamily="18" charset="-127"/>
-                <a:ea typeface="210 맨발의청춘 L" panose="02020603020101020101" pitchFamily="18" charset="-127"/>
-              </a:rPr>
-              <a:t> </a:t>
-            </a:r>
-            <a:r>
-              <a:rPr lang="ko-KR" altLang="en-US" sz="1200" smtClean="0">
-                <a:latin typeface="210 맨발의청춘 L" panose="02020603020101020101" pitchFamily="18" charset="-127"/>
-                <a:ea typeface="210 맨발의청춘 L" panose="02020603020101020101" pitchFamily="18" charset="-127"/>
-              </a:rPr>
-              <a:t>로그인</a:t>
+              <a:t>소셜 로그인</a:t>
             </a:r>
             <a:endParaRPr lang="ko-KR" altLang="en-US" sz="1200" dirty="0">
               <a:latin typeface="210 맨발의청춘 L" panose="02020603020101020101" pitchFamily="18" charset="-127"/>
@@ -6756,21 +6729,7 @@
                 <a:latin typeface="210 맨발의청춘 L" panose="02020603020101020101" pitchFamily="18" charset="-127"/>
                 <a:ea typeface="210 맨발의청춘 L" panose="02020603020101020101" pitchFamily="18" charset="-127"/>
               </a:rPr>
-              <a:t>로그인</a:t>
-            </a:r>
-            <a:r>
-              <a:rPr lang="ko-KR" altLang="en-US" sz="1200" smtClean="0">
-                <a:latin typeface="210 맨발의청춘 L" panose="02020603020101020101" pitchFamily="18" charset="-127"/>
-                <a:ea typeface="210 맨발의청춘 L" panose="02020603020101020101" pitchFamily="18" charset="-127"/>
-              </a:rPr>
-              <a:t> </a:t>
-            </a:r>
-            <a:r>
-              <a:rPr lang="ko-KR" altLang="en-US" sz="1200" smtClean="0">
-                <a:latin typeface="210 맨발의청춘 L" panose="02020603020101020101" pitchFamily="18" charset="-127"/>
-                <a:ea typeface="210 맨발의청춘 L" panose="02020603020101020101" pitchFamily="18" charset="-127"/>
-              </a:rPr>
-              <a:t>서버</a:t>
+              <a:t>로그인 서버</a:t>
             </a:r>
             <a:r>
               <a:rPr lang="en-US" altLang="ko-KR" sz="1200" smtClean="0">
@@ -6846,15 +6805,7 @@
           <a:p>
             <a:r>
               <a:rPr lang="ko-KR" altLang="en-US" sz="1050" smtClean="0"/>
-              <a:t>로그인</a:t>
-            </a:r>
-            <a:r>
-              <a:rPr lang="ko-KR" altLang="en-US" sz="1050" smtClean="0"/>
-              <a:t> </a:t>
-            </a:r>
-            <a:r>
-              <a:rPr lang="ko-KR" altLang="en-US" sz="1050" smtClean="0"/>
-              <a:t>정보</a:t>
+              <a:t>로그인 정보</a:t>
             </a:r>
             <a:endParaRPr lang="ko-KR" altLang="en-US" sz="1050"/>
           </a:p>
@@ -6956,15 +6907,7 @@
           <a:p>
             <a:r>
               <a:rPr lang="ko-KR" altLang="en-US" sz="1000" smtClean="0"/>
-              <a:t>로그인</a:t>
-            </a:r>
-            <a:r>
-              <a:rPr lang="ko-KR" altLang="en-US" sz="1000" smtClean="0"/>
-              <a:t> </a:t>
-            </a:r>
-            <a:r>
-              <a:rPr lang="ko-KR" altLang="en-US" sz="1000" smtClean="0"/>
-              <a:t>정보</a:t>
+              <a:t>로그인 정보</a:t>
             </a:r>
             <a:r>
               <a:rPr lang="ko-KR" altLang="en-US" sz="1000"/>
@@ -7862,6 +7805,540 @@
     <p:extLst>
       <p:ext uri="{BB962C8B-B14F-4D97-AF65-F5344CB8AC3E}">
         <p14:creationId xmlns:p14="http://schemas.microsoft.com/office/powerpoint/2010/main" val="1613077219"/>
+      </p:ext>
+    </p:extLst>
+  </p:cSld>
+  <p:clrMapOvr>
+    <a:masterClrMapping/>
+  </p:clrMapOvr>
+</p:sld>
+</file>
+
+<file path=ppt/slides/slide13.xml><?xml version="1.0" encoding="utf-8"?>
+<p:sld xmlns:a="http://schemas.openxmlformats.org/drawingml/2006/main" xmlns:r="http://schemas.openxmlformats.org/officeDocument/2006/relationships" xmlns:p="http://schemas.openxmlformats.org/presentationml/2006/main">
+  <p:cSld>
+    <p:spTree>
+      <p:nvGrpSpPr>
+        <p:cNvPr id="1" name=""/>
+        <p:cNvGrpSpPr/>
+        <p:nvPr/>
+      </p:nvGrpSpPr>
+      <p:grpSpPr>
+        <a:xfrm>
+          <a:off x="0" y="0"/>
+          <a:ext cx="0" cy="0"/>
+          <a:chOff x="0" y="0"/>
+          <a:chExt cx="0" cy="0"/>
+        </a:xfrm>
+      </p:grpSpPr>
+      <p:sp>
+        <p:nvSpPr>
+          <p:cNvPr id="2" name="직사각형 1"/>
+          <p:cNvSpPr/>
+          <p:nvPr/>
+        </p:nvSpPr>
+        <p:spPr>
+          <a:xfrm>
+            <a:off x="0" y="0"/>
+            <a:ext cx="2388637" cy="466530"/>
+          </a:xfrm>
+          <a:prstGeom prst="rect">
+            <a:avLst/>
+          </a:prstGeom>
+          <a:solidFill>
+            <a:schemeClr val="tx1"/>
+          </a:solidFill>
+          <a:ln>
+            <a:noFill/>
+          </a:ln>
+        </p:spPr>
+        <p:style>
+          <a:lnRef idx="2">
+            <a:schemeClr val="accent1">
+              <a:shade val="50000"/>
+            </a:schemeClr>
+          </a:lnRef>
+          <a:fillRef idx="1">
+            <a:schemeClr val="accent1"/>
+          </a:fillRef>
+          <a:effectRef idx="0">
+            <a:schemeClr val="accent1"/>
+          </a:effectRef>
+          <a:fontRef idx="minor">
+            <a:schemeClr val="lt1"/>
+          </a:fontRef>
+        </p:style>
+        <p:txBody>
+          <a:bodyPr rtlCol="0" anchor="ctr"/>
+          <a:lstStyle/>
+          <a:p>
+            <a:pPr algn="ctr"/>
+            <a:r>
+              <a:rPr lang="ko-KR" altLang="en-US" smtClean="0">
+                <a:latin typeface="210 맨발의청춘 B" panose="02020603020101020101" pitchFamily="18" charset="-127"/>
+                <a:ea typeface="210 맨발의청춘 B" panose="02020603020101020101" pitchFamily="18" charset="-127"/>
+              </a:rPr>
+              <a:t>백 앤드 설계</a:t>
+            </a:r>
+            <a:endParaRPr lang="ko-KR" altLang="en-US" dirty="0">
+              <a:latin typeface="210 맨발의청춘 B" panose="02020603020101020101" pitchFamily="18" charset="-127"/>
+              <a:ea typeface="210 맨발의청춘 B" panose="02020603020101020101" pitchFamily="18" charset="-127"/>
+            </a:endParaRPr>
+          </a:p>
+        </p:txBody>
+      </p:sp>
+      <p:sp>
+        <p:nvSpPr>
+          <p:cNvPr id="9" name="직사각형 8"/>
+          <p:cNvSpPr/>
+          <p:nvPr/>
+        </p:nvSpPr>
+        <p:spPr>
+          <a:xfrm>
+            <a:off x="2565919" y="0"/>
+            <a:ext cx="2388637" cy="466530"/>
+          </a:xfrm>
+          <a:prstGeom prst="rect">
+            <a:avLst/>
+          </a:prstGeom>
+          <a:solidFill>
+            <a:schemeClr val="tx1">
+              <a:lumMod val="50000"/>
+              <a:lumOff val="50000"/>
+            </a:schemeClr>
+          </a:solidFill>
+          <a:ln>
+            <a:noFill/>
+          </a:ln>
+        </p:spPr>
+        <p:style>
+          <a:lnRef idx="2">
+            <a:schemeClr val="accent1">
+              <a:shade val="50000"/>
+            </a:schemeClr>
+          </a:lnRef>
+          <a:fillRef idx="1">
+            <a:schemeClr val="accent1"/>
+          </a:fillRef>
+          <a:effectRef idx="0">
+            <a:schemeClr val="accent1"/>
+          </a:effectRef>
+          <a:fontRef idx="minor">
+            <a:schemeClr val="lt1"/>
+          </a:fontRef>
+        </p:style>
+        <p:txBody>
+          <a:bodyPr rtlCol="0" anchor="ctr"/>
+          <a:lstStyle/>
+          <a:p>
+            <a:pPr algn="ctr"/>
+            <a:r>
+              <a:rPr lang="ko-KR" altLang="en-US" smtClean="0">
+                <a:latin typeface="210 맨발의청춘 B" panose="02020603020101020101" pitchFamily="18" charset="-127"/>
+                <a:ea typeface="210 맨발의청춘 B" panose="02020603020101020101" pitchFamily="18" charset="-127"/>
+              </a:rPr>
+              <a:t>커맨드</a:t>
+            </a:r>
+            <a:r>
+              <a:rPr lang="ko-KR" altLang="en-US" smtClean="0">
+                <a:latin typeface="210 맨발의청춘 B" panose="02020603020101020101" pitchFamily="18" charset="-127"/>
+                <a:ea typeface="210 맨발의청춘 B" panose="02020603020101020101" pitchFamily="18" charset="-127"/>
+              </a:rPr>
+              <a:t> </a:t>
+            </a:r>
+            <a:r>
+              <a:rPr lang="ko-KR" altLang="en-US" smtClean="0">
+                <a:latin typeface="210 맨발의청춘 B" panose="02020603020101020101" pitchFamily="18" charset="-127"/>
+                <a:ea typeface="210 맨발의청춘 B" panose="02020603020101020101" pitchFamily="18" charset="-127"/>
+              </a:rPr>
+              <a:t>프로토콜</a:t>
+            </a:r>
+            <a:endParaRPr lang="ko-KR" altLang="en-US" dirty="0">
+              <a:latin typeface="210 맨발의청춘 B" panose="02020603020101020101" pitchFamily="18" charset="-127"/>
+              <a:ea typeface="210 맨발의청춘 B" panose="02020603020101020101" pitchFamily="18" charset="-127"/>
+            </a:endParaRPr>
+          </a:p>
+        </p:txBody>
+      </p:sp>
+      <p:sp>
+        <p:nvSpPr>
+          <p:cNvPr id="19" name="직사각형 18"/>
+          <p:cNvSpPr>
+            <a:spLocks noChangeAspect="1"/>
+          </p:cNvSpPr>
+          <p:nvPr/>
+        </p:nvSpPr>
+        <p:spPr>
+          <a:xfrm>
+            <a:off x="6359527" y="2912127"/>
+            <a:ext cx="1113786" cy="997225"/>
+          </a:xfrm>
+          <a:prstGeom prst="rect">
+            <a:avLst/>
+          </a:prstGeom>
+          <a:solidFill>
+            <a:schemeClr val="bg1"/>
+          </a:solidFill>
+          <a:ln w="25400">
+            <a:solidFill>
+              <a:schemeClr val="tx1"/>
+            </a:solidFill>
+          </a:ln>
+        </p:spPr>
+        <p:style>
+          <a:lnRef idx="2">
+            <a:schemeClr val="accent1">
+              <a:shade val="50000"/>
+            </a:schemeClr>
+          </a:lnRef>
+          <a:fillRef idx="1">
+            <a:schemeClr val="accent1"/>
+          </a:fillRef>
+          <a:effectRef idx="0">
+            <a:schemeClr val="accent1"/>
+          </a:effectRef>
+          <a:fontRef idx="minor">
+            <a:schemeClr val="lt1"/>
+          </a:fontRef>
+        </p:style>
+        <p:txBody>
+          <a:bodyPr rtlCol="0" anchor="ctr"/>
+          <a:lstStyle/>
+          <a:p>
+            <a:pPr algn="ctr"/>
+            <a:endParaRPr lang="ko-KR" altLang="en-US"/>
+          </a:p>
+        </p:txBody>
+      </p:sp>
+      <p:sp>
+        <p:nvSpPr>
+          <p:cNvPr id="20" name="TextBox 19"/>
+          <p:cNvSpPr txBox="1"/>
+          <p:nvPr/>
+        </p:nvSpPr>
+        <p:spPr>
+          <a:xfrm>
+            <a:off x="6632529" y="3274266"/>
+            <a:ext cx="567784" cy="276999"/>
+          </a:xfrm>
+          <a:prstGeom prst="rect">
+            <a:avLst/>
+          </a:prstGeom>
+          <a:noFill/>
+        </p:spPr>
+        <p:txBody>
+          <a:bodyPr wrap="none" rtlCol="0">
+            <a:spAutoFit/>
+          </a:bodyPr>
+          <a:lstStyle/>
+          <a:p>
+            <a:pPr algn="ctr"/>
+            <a:r>
+              <a:rPr lang="en-US" altLang="ko-KR" sz="1200" smtClean="0">
+                <a:latin typeface="210 맨발의청춘 L" panose="02020603020101020101" pitchFamily="18" charset="-127"/>
+                <a:ea typeface="210 맨발의청춘 L" panose="02020603020101020101" pitchFamily="18" charset="-127"/>
+              </a:rPr>
+              <a:t>[</a:t>
+            </a:r>
+            <a:r>
+              <a:rPr lang="ko-KR" altLang="en-US" sz="1200" smtClean="0">
+                <a:latin typeface="210 맨발의청춘 L" panose="02020603020101020101" pitchFamily="18" charset="-127"/>
+                <a:ea typeface="210 맨발의청춘 L" panose="02020603020101020101" pitchFamily="18" charset="-127"/>
+              </a:rPr>
+              <a:t>대기</a:t>
+            </a:r>
+            <a:r>
+              <a:rPr lang="en-US" altLang="ko-KR" sz="1200" smtClean="0">
+                <a:latin typeface="210 맨발의청춘 L" panose="02020603020101020101" pitchFamily="18" charset="-127"/>
+                <a:ea typeface="210 맨발의청춘 L" panose="02020603020101020101" pitchFamily="18" charset="-127"/>
+              </a:rPr>
+              <a:t>]</a:t>
+            </a:r>
+            <a:endParaRPr lang="ko-KR" altLang="en-US" sz="1200" dirty="0">
+              <a:latin typeface="210 맨발의청춘 L" panose="02020603020101020101" pitchFamily="18" charset="-127"/>
+              <a:ea typeface="210 맨발의청춘 L" panose="02020603020101020101" pitchFamily="18" charset="-127"/>
+            </a:endParaRPr>
+          </a:p>
+        </p:txBody>
+      </p:sp>
+      <p:sp>
+        <p:nvSpPr>
+          <p:cNvPr id="21" name="직사각형 20"/>
+          <p:cNvSpPr>
+            <a:spLocks noChangeAspect="1"/>
+          </p:cNvSpPr>
+          <p:nvPr/>
+        </p:nvSpPr>
+        <p:spPr>
+          <a:xfrm>
+            <a:off x="3582148" y="2912127"/>
+            <a:ext cx="1113786" cy="997225"/>
+          </a:xfrm>
+          <a:prstGeom prst="rect">
+            <a:avLst/>
+          </a:prstGeom>
+          <a:solidFill>
+            <a:schemeClr val="bg1"/>
+          </a:solidFill>
+          <a:ln w="25400">
+            <a:solidFill>
+              <a:schemeClr val="tx1"/>
+            </a:solidFill>
+          </a:ln>
+        </p:spPr>
+        <p:style>
+          <a:lnRef idx="2">
+            <a:schemeClr val="accent1">
+              <a:shade val="50000"/>
+            </a:schemeClr>
+          </a:lnRef>
+          <a:fillRef idx="1">
+            <a:schemeClr val="accent1"/>
+          </a:fillRef>
+          <a:effectRef idx="0">
+            <a:schemeClr val="accent1"/>
+          </a:effectRef>
+          <a:fontRef idx="minor">
+            <a:schemeClr val="lt1"/>
+          </a:fontRef>
+        </p:style>
+        <p:txBody>
+          <a:bodyPr rtlCol="0" anchor="ctr"/>
+          <a:lstStyle/>
+          <a:p>
+            <a:pPr algn="ctr"/>
+            <a:endParaRPr lang="ko-KR" altLang="en-US"/>
+          </a:p>
+        </p:txBody>
+      </p:sp>
+      <p:sp>
+        <p:nvSpPr>
+          <p:cNvPr id="22" name="TextBox 21"/>
+          <p:cNvSpPr txBox="1"/>
+          <p:nvPr/>
+        </p:nvSpPr>
+        <p:spPr>
+          <a:xfrm>
+            <a:off x="3468826" y="3267794"/>
+            <a:ext cx="1340432" cy="276999"/>
+          </a:xfrm>
+          <a:prstGeom prst="rect">
+            <a:avLst/>
+          </a:prstGeom>
+          <a:noFill/>
+        </p:spPr>
+        <p:txBody>
+          <a:bodyPr wrap="none" rtlCol="0">
+            <a:spAutoFit/>
+          </a:bodyPr>
+          <a:lstStyle/>
+          <a:p>
+            <a:pPr algn="ctr"/>
+            <a:r>
+              <a:rPr lang="en-US" altLang="ko-KR" sz="1200" smtClean="0">
+                <a:latin typeface="210 맨발의청춘 L" panose="02020603020101020101" pitchFamily="18" charset="-127"/>
+                <a:ea typeface="210 맨발의청춘 L" panose="02020603020101020101" pitchFamily="18" charset="-127"/>
+              </a:rPr>
+              <a:t>[Network Service</a:t>
+            </a:r>
+            <a:r>
+              <a:rPr lang="en-US" altLang="ko-KR" sz="1200" smtClean="0">
+                <a:latin typeface="210 맨발의청춘 L" panose="02020603020101020101" pitchFamily="18" charset="-127"/>
+                <a:ea typeface="210 맨발의청춘 L" panose="02020603020101020101" pitchFamily="18" charset="-127"/>
+              </a:rPr>
+              <a:t>]</a:t>
+            </a:r>
+            <a:endParaRPr lang="ko-KR" altLang="en-US" sz="1200" dirty="0">
+              <a:latin typeface="210 맨발의청춘 L" panose="02020603020101020101" pitchFamily="18" charset="-127"/>
+              <a:ea typeface="210 맨발의청춘 L" panose="02020603020101020101" pitchFamily="18" charset="-127"/>
+            </a:endParaRPr>
+          </a:p>
+        </p:txBody>
+      </p:sp>
+      <p:cxnSp>
+        <p:nvCxnSpPr>
+          <p:cNvPr id="23" name="직선 화살표 연결선 22"/>
+          <p:cNvCxnSpPr/>
+          <p:nvPr/>
+        </p:nvCxnSpPr>
+        <p:spPr>
+          <a:xfrm>
+            <a:off x="4954556" y="3132479"/>
+            <a:ext cx="1147868" cy="0"/>
+          </a:xfrm>
+          <a:prstGeom prst="straightConnector1">
+            <a:avLst/>
+          </a:prstGeom>
+          <a:ln>
+            <a:solidFill>
+              <a:schemeClr val="tx1"/>
+            </a:solidFill>
+            <a:tailEnd type="triangle"/>
+          </a:ln>
+        </p:spPr>
+        <p:style>
+          <a:lnRef idx="1">
+            <a:schemeClr val="accent1"/>
+          </a:lnRef>
+          <a:fillRef idx="0">
+            <a:schemeClr val="accent1"/>
+          </a:fillRef>
+          <a:effectRef idx="0">
+            <a:schemeClr val="accent1"/>
+          </a:effectRef>
+          <a:fontRef idx="minor">
+            <a:schemeClr val="tx1"/>
+          </a:fontRef>
+        </p:style>
+      </p:cxnSp>
+      <p:cxnSp>
+        <p:nvCxnSpPr>
+          <p:cNvPr id="7" name="직선 화살표 연결선 6"/>
+          <p:cNvCxnSpPr/>
+          <p:nvPr/>
+        </p:nvCxnSpPr>
+        <p:spPr>
+          <a:xfrm flipH="1">
+            <a:off x="4954556" y="3657600"/>
+            <a:ext cx="1147868" cy="0"/>
+          </a:xfrm>
+          <a:prstGeom prst="straightConnector1">
+            <a:avLst/>
+          </a:prstGeom>
+          <a:ln>
+            <a:solidFill>
+              <a:schemeClr val="tx1"/>
+            </a:solidFill>
+            <a:tailEnd type="triangle"/>
+          </a:ln>
+        </p:spPr>
+        <p:style>
+          <a:lnRef idx="1">
+            <a:schemeClr val="accent1"/>
+          </a:lnRef>
+          <a:fillRef idx="0">
+            <a:schemeClr val="accent1"/>
+          </a:fillRef>
+          <a:effectRef idx="0">
+            <a:schemeClr val="accent1"/>
+          </a:effectRef>
+          <a:fontRef idx="minor">
+            <a:schemeClr val="tx1"/>
+          </a:fontRef>
+        </p:style>
+      </p:cxnSp>
+      <p:sp>
+        <p:nvSpPr>
+          <p:cNvPr id="10" name="TextBox 9"/>
+          <p:cNvSpPr txBox="1"/>
+          <p:nvPr/>
+        </p:nvSpPr>
+        <p:spPr>
+          <a:xfrm>
+            <a:off x="205015" y="765998"/>
+            <a:ext cx="3934026" cy="923330"/>
+          </a:xfrm>
+          <a:prstGeom prst="rect">
+            <a:avLst/>
+          </a:prstGeom>
+          <a:noFill/>
+        </p:spPr>
+        <p:txBody>
+          <a:bodyPr wrap="none" rtlCol="0">
+            <a:spAutoFit/>
+          </a:bodyPr>
+          <a:lstStyle/>
+          <a:p>
+            <a:r>
+              <a:rPr lang="en-US" altLang="ko-KR" smtClean="0"/>
+              <a:t>Server</a:t>
+            </a:r>
+            <a:r>
+              <a:rPr lang="ko-KR" altLang="en-US" smtClean="0"/>
+              <a:t>는</a:t>
+            </a:r>
+            <a:r>
+              <a:rPr lang="ko-KR" altLang="en-US" smtClean="0"/>
+              <a:t> </a:t>
+            </a:r>
+            <a:r>
+              <a:rPr lang="ko-KR" altLang="en-US" smtClean="0"/>
+              <a:t>항상</a:t>
+            </a:r>
+            <a:r>
+              <a:rPr lang="ko-KR" altLang="en-US" smtClean="0"/>
+              <a:t> </a:t>
+            </a:r>
+            <a:r>
+              <a:rPr lang="en-US" altLang="ko-KR" smtClean="0"/>
+              <a:t>I am Ready</a:t>
+            </a:r>
+            <a:r>
+              <a:rPr lang="ko-KR" altLang="en-US" smtClean="0"/>
+              <a:t>를</a:t>
+            </a:r>
+            <a:r>
+              <a:rPr lang="ko-KR" altLang="en-US" smtClean="0"/>
+              <a:t> </a:t>
+            </a:r>
+            <a:r>
+              <a:rPr lang="ko-KR" altLang="en-US" smtClean="0"/>
+              <a:t>보낸다</a:t>
+            </a:r>
+            <a:r>
+              <a:rPr lang="en-US" altLang="ko-KR" smtClean="0"/>
+              <a:t>.</a:t>
+            </a:r>
+            <a:endParaRPr lang="en-US" altLang="ko-KR" smtClean="0"/>
+          </a:p>
+          <a:p>
+            <a:endParaRPr lang="en-US" altLang="ko-KR" smtClean="0"/>
+          </a:p>
+          <a:p>
+            <a:r>
+              <a:rPr lang="ko-KR" altLang="en-US" smtClean="0"/>
+              <a:t>커맨드</a:t>
+            </a:r>
+            <a:r>
+              <a:rPr lang="ko-KR" altLang="en-US" smtClean="0"/>
+              <a:t> </a:t>
+            </a:r>
+            <a:r>
+              <a:rPr lang="ko-KR" altLang="en-US" smtClean="0"/>
+              <a:t>코드는</a:t>
+            </a:r>
+            <a:r>
+              <a:rPr lang="ko-KR" altLang="en-US" smtClean="0"/>
+              <a:t> </a:t>
+            </a:r>
+            <a:r>
+              <a:rPr lang="ko-KR" altLang="en-US" smtClean="0"/>
+              <a:t>항상</a:t>
+            </a:r>
+            <a:r>
+              <a:rPr lang="ko-KR" altLang="en-US" smtClean="0"/>
+              <a:t> </a:t>
+            </a:r>
+            <a:r>
+              <a:rPr lang="en-US" altLang="ko-KR" smtClean="0"/>
+              <a:t>24</a:t>
+            </a:r>
+            <a:r>
+              <a:rPr lang="ko-KR" altLang="en-US"/>
+              <a:t> </a:t>
+            </a:r>
+            <a:r>
+              <a:rPr lang="ko-KR" altLang="en-US" smtClean="0"/>
+              <a:t>바이트</a:t>
+            </a:r>
+            <a:endParaRPr lang="en-US" altLang="ko-KR" smtClean="0"/>
+          </a:p>
+        </p:txBody>
+      </p:sp>
+    </p:spTree>
+    <p:extLst>
+      <p:ext uri="{BB962C8B-B14F-4D97-AF65-F5344CB8AC3E}">
+        <p14:creationId xmlns:p14="http://schemas.microsoft.com/office/powerpoint/2010/main" val="607168052"/>
       </p:ext>
     </p:extLst>
   </p:cSld>

--- a/Scatch.pptx
+++ b/Scatch.pptx
@@ -255,7 +255,7 @@
           <a:p>
             <a:fld id="{06EFB4C7-7BEF-490C-A547-EABAD4F9635D}" type="datetimeFigureOut">
               <a:rPr lang="ko-KR" altLang="en-US" smtClean="0"/>
-              <a:t>2017-12-27</a:t>
+              <a:t>2017-12-30</a:t>
             </a:fld>
             <a:endParaRPr lang="ko-KR" altLang="en-US"/>
           </a:p>
@@ -425,7 +425,7 @@
           <a:p>
             <a:fld id="{06EFB4C7-7BEF-490C-A547-EABAD4F9635D}" type="datetimeFigureOut">
               <a:rPr lang="ko-KR" altLang="en-US" smtClean="0"/>
-              <a:t>2017-12-27</a:t>
+              <a:t>2017-12-30</a:t>
             </a:fld>
             <a:endParaRPr lang="ko-KR" altLang="en-US"/>
           </a:p>
@@ -605,7 +605,7 @@
           <a:p>
             <a:fld id="{06EFB4C7-7BEF-490C-A547-EABAD4F9635D}" type="datetimeFigureOut">
               <a:rPr lang="ko-KR" altLang="en-US" smtClean="0"/>
-              <a:t>2017-12-27</a:t>
+              <a:t>2017-12-30</a:t>
             </a:fld>
             <a:endParaRPr lang="ko-KR" altLang="en-US"/>
           </a:p>
@@ -775,7 +775,7 @@
           <a:p>
             <a:fld id="{06EFB4C7-7BEF-490C-A547-EABAD4F9635D}" type="datetimeFigureOut">
               <a:rPr lang="ko-KR" altLang="en-US" smtClean="0"/>
-              <a:t>2017-12-27</a:t>
+              <a:t>2017-12-30</a:t>
             </a:fld>
             <a:endParaRPr lang="ko-KR" altLang="en-US"/>
           </a:p>
@@ -1021,7 +1021,7 @@
           <a:p>
             <a:fld id="{06EFB4C7-7BEF-490C-A547-EABAD4F9635D}" type="datetimeFigureOut">
               <a:rPr lang="ko-KR" altLang="en-US" smtClean="0"/>
-              <a:t>2017-12-27</a:t>
+              <a:t>2017-12-30</a:t>
             </a:fld>
             <a:endParaRPr lang="ko-KR" altLang="en-US"/>
           </a:p>
@@ -1253,7 +1253,7 @@
           <a:p>
             <a:fld id="{06EFB4C7-7BEF-490C-A547-EABAD4F9635D}" type="datetimeFigureOut">
               <a:rPr lang="ko-KR" altLang="en-US" smtClean="0"/>
-              <a:t>2017-12-27</a:t>
+              <a:t>2017-12-30</a:t>
             </a:fld>
             <a:endParaRPr lang="ko-KR" altLang="en-US"/>
           </a:p>
@@ -1620,7 +1620,7 @@
           <a:p>
             <a:fld id="{06EFB4C7-7BEF-490C-A547-EABAD4F9635D}" type="datetimeFigureOut">
               <a:rPr lang="ko-KR" altLang="en-US" smtClean="0"/>
-              <a:t>2017-12-27</a:t>
+              <a:t>2017-12-30</a:t>
             </a:fld>
             <a:endParaRPr lang="ko-KR" altLang="en-US"/>
           </a:p>
@@ -1738,7 +1738,7 @@
           <a:p>
             <a:fld id="{06EFB4C7-7BEF-490C-A547-EABAD4F9635D}" type="datetimeFigureOut">
               <a:rPr lang="ko-KR" altLang="en-US" smtClean="0"/>
-              <a:t>2017-12-27</a:t>
+              <a:t>2017-12-30</a:t>
             </a:fld>
             <a:endParaRPr lang="ko-KR" altLang="en-US"/>
           </a:p>
@@ -1833,7 +1833,7 @@
           <a:p>
             <a:fld id="{06EFB4C7-7BEF-490C-A547-EABAD4F9635D}" type="datetimeFigureOut">
               <a:rPr lang="ko-KR" altLang="en-US" smtClean="0"/>
-              <a:t>2017-12-27</a:t>
+              <a:t>2017-12-30</a:t>
             </a:fld>
             <a:endParaRPr lang="ko-KR" altLang="en-US"/>
           </a:p>
@@ -2110,7 +2110,7 @@
           <a:p>
             <a:fld id="{06EFB4C7-7BEF-490C-A547-EABAD4F9635D}" type="datetimeFigureOut">
               <a:rPr lang="ko-KR" altLang="en-US" smtClean="0"/>
-              <a:t>2017-12-27</a:t>
+              <a:t>2017-12-30</a:t>
             </a:fld>
             <a:endParaRPr lang="ko-KR" altLang="en-US"/>
           </a:p>
@@ -2363,7 +2363,7 @@
           <a:p>
             <a:fld id="{06EFB4C7-7BEF-490C-A547-EABAD4F9635D}" type="datetimeFigureOut">
               <a:rPr lang="ko-KR" altLang="en-US" smtClean="0"/>
-              <a:t>2017-12-27</a:t>
+              <a:t>2017-12-30</a:t>
             </a:fld>
             <a:endParaRPr lang="ko-KR" altLang="en-US"/>
           </a:p>
@@ -2576,7 +2576,7 @@
           <a:p>
             <a:fld id="{06EFB4C7-7BEF-490C-A547-EABAD4F9635D}" type="datetimeFigureOut">
               <a:rPr lang="ko-KR" altLang="en-US" smtClean="0"/>
-              <a:t>2017-12-27</a:t>
+              <a:t>2017-12-30</a:t>
             </a:fld>
             <a:endParaRPr lang="ko-KR" altLang="en-US"/>
           </a:p>
@@ -7937,21 +7937,7 @@
                 <a:latin typeface="210 맨발의청춘 B" panose="02020603020101020101" pitchFamily="18" charset="-127"/>
                 <a:ea typeface="210 맨발의청춘 B" panose="02020603020101020101" pitchFamily="18" charset="-127"/>
               </a:rPr>
-              <a:t>커맨드</a:t>
-            </a:r>
-            <a:r>
-              <a:rPr lang="ko-KR" altLang="en-US" smtClean="0">
-                <a:latin typeface="210 맨발의청춘 B" panose="02020603020101020101" pitchFamily="18" charset="-127"/>
-                <a:ea typeface="210 맨발의청춘 B" panose="02020603020101020101" pitchFamily="18" charset="-127"/>
-              </a:rPr>
-              <a:t> </a:t>
-            </a:r>
-            <a:r>
-              <a:rPr lang="ko-KR" altLang="en-US" smtClean="0">
-                <a:latin typeface="210 맨발의청춘 B" panose="02020603020101020101" pitchFamily="18" charset="-127"/>
-                <a:ea typeface="210 맨발의청춘 B" panose="02020603020101020101" pitchFamily="18" charset="-127"/>
-              </a:rPr>
-              <a:t>프로토콜</a:t>
+              <a:t>커맨드 프로토콜</a:t>
             </a:r>
             <a:endParaRPr lang="ko-KR" altLang="en-US" dirty="0">
               <a:latin typeface="210 맨발의청춘 B" panose="02020603020101020101" pitchFamily="18" charset="-127"/>
@@ -8139,14 +8125,7 @@
                 <a:latin typeface="210 맨발의청춘 L" panose="02020603020101020101" pitchFamily="18" charset="-127"/>
                 <a:ea typeface="210 맨발의청춘 L" panose="02020603020101020101" pitchFamily="18" charset="-127"/>
               </a:rPr>
-              <a:t>[Network Service</a:t>
-            </a:r>
-            <a:r>
-              <a:rPr lang="en-US" altLang="ko-KR" sz="1200" smtClean="0">
-                <a:latin typeface="210 맨발의청춘 L" panose="02020603020101020101" pitchFamily="18" charset="-127"/>
-                <a:ea typeface="210 맨발의청춘 L" panose="02020603020101020101" pitchFamily="18" charset="-127"/>
-              </a:rPr>
-              <a:t>]</a:t>
+              <a:t>[Network Service]</a:t>
             </a:r>
             <a:endParaRPr lang="ko-KR" altLang="en-US" sz="1200" dirty="0">
               <a:latin typeface="210 맨발의청춘 L" panose="02020603020101020101" pitchFamily="18" charset="-127"/>
@@ -8255,19 +8234,7 @@
             </a:r>
             <a:r>
               <a:rPr lang="ko-KR" altLang="en-US" smtClean="0"/>
-              <a:t>는</a:t>
-            </a:r>
-            <a:r>
-              <a:rPr lang="ko-KR" altLang="en-US" smtClean="0"/>
-              <a:t> </a:t>
-            </a:r>
-            <a:r>
-              <a:rPr lang="ko-KR" altLang="en-US" smtClean="0"/>
-              <a:t>항상</a:t>
-            </a:r>
-            <a:r>
-              <a:rPr lang="ko-KR" altLang="en-US" smtClean="0"/>
-              <a:t> </a:t>
+              <a:t>는 항상 </a:t>
             </a:r>
             <a:r>
               <a:rPr lang="en-US" altLang="ko-KR" smtClean="0"/>
@@ -8275,49 +8242,20 @@
             </a:r>
             <a:r>
               <a:rPr lang="ko-KR" altLang="en-US" smtClean="0"/>
-              <a:t>를</a:t>
-            </a:r>
-            <a:r>
-              <a:rPr lang="ko-KR" altLang="en-US" smtClean="0"/>
-              <a:t> </a:t>
-            </a:r>
-            <a:r>
-              <a:rPr lang="ko-KR" altLang="en-US" smtClean="0"/>
-              <a:t>보낸다</a:t>
+              <a:t>를 보낸다</a:t>
             </a:r>
             <a:r>
               <a:rPr lang="en-US" altLang="ko-KR" smtClean="0"/>
               <a:t>.</a:t>
             </a:r>
+          </a:p>
+          <a:p>
             <a:endParaRPr lang="en-US" altLang="ko-KR" smtClean="0"/>
           </a:p>
           <a:p>
-            <a:endParaRPr lang="en-US" altLang="ko-KR" smtClean="0"/>
-          </a:p>
-          <a:p>
             <a:r>
               <a:rPr lang="ko-KR" altLang="en-US" smtClean="0"/>
-              <a:t>커맨드</a:t>
-            </a:r>
-            <a:r>
-              <a:rPr lang="ko-KR" altLang="en-US" smtClean="0"/>
-              <a:t> </a:t>
-            </a:r>
-            <a:r>
-              <a:rPr lang="ko-KR" altLang="en-US" smtClean="0"/>
-              <a:t>코드는</a:t>
-            </a:r>
-            <a:r>
-              <a:rPr lang="ko-KR" altLang="en-US" smtClean="0"/>
-              <a:t> </a:t>
-            </a:r>
-            <a:r>
-              <a:rPr lang="ko-KR" altLang="en-US" smtClean="0"/>
-              <a:t>항상</a:t>
-            </a:r>
-            <a:r>
-              <a:rPr lang="ko-KR" altLang="en-US" smtClean="0"/>
-              <a:t> </a:t>
+              <a:t>커맨드 코드는 항상 </a:t>
             </a:r>
             <a:r>
               <a:rPr lang="en-US" altLang="ko-KR" smtClean="0"/>
@@ -10038,21 +9976,21 @@
                 <a:gridCol w="3836954">
                   <a:extLst>
                     <a:ext uri="{9D8B030D-6E8A-4147-A177-3AD203B41FA5}">
-                      <a16:colId xmlns:a16="http://schemas.microsoft.com/office/drawing/2014/main" val="20000"/>
+                      <a16:colId xmlns:a16="http://schemas.microsoft.com/office/drawing/2014/main" xmlns="" val="20000"/>
                     </a:ext>
                   </a:extLst>
                 </a:gridCol>
                 <a:gridCol w="1632857">
                   <a:extLst>
                     <a:ext uri="{9D8B030D-6E8A-4147-A177-3AD203B41FA5}">
-                      <a16:colId xmlns:a16="http://schemas.microsoft.com/office/drawing/2014/main" val="20001"/>
+                      <a16:colId xmlns:a16="http://schemas.microsoft.com/office/drawing/2014/main" xmlns="" val="20001"/>
                     </a:ext>
                   </a:extLst>
                 </a:gridCol>
                 <a:gridCol w="6055568">
                   <a:extLst>
                     <a:ext uri="{9D8B030D-6E8A-4147-A177-3AD203B41FA5}">
-                      <a16:colId xmlns:a16="http://schemas.microsoft.com/office/drawing/2014/main" val="20002"/>
+                      <a16:colId xmlns:a16="http://schemas.microsoft.com/office/drawing/2014/main" xmlns="" val="20002"/>
                     </a:ext>
                   </a:extLst>
                 </a:gridCol>
@@ -10117,7 +10055,7 @@
                 </a:tc>
                 <a:extLst>
                   <a:ext uri="{0D108BD9-81ED-4DB2-BD59-A6C34878D82A}">
-                    <a16:rowId xmlns:a16="http://schemas.microsoft.com/office/drawing/2014/main" val="10000"/>
+                    <a16:rowId xmlns:a16="http://schemas.microsoft.com/office/drawing/2014/main" xmlns="" val="10000"/>
                   </a:ext>
                 </a:extLst>
               </a:tr>
@@ -10193,7 +10131,7 @@
                 </a:tc>
                 <a:extLst>
                   <a:ext uri="{0D108BD9-81ED-4DB2-BD59-A6C34878D82A}">
-                    <a16:rowId xmlns:a16="http://schemas.microsoft.com/office/drawing/2014/main" val="10001"/>
+                    <a16:rowId xmlns:a16="http://schemas.microsoft.com/office/drawing/2014/main" xmlns="" val="10001"/>
                   </a:ext>
                 </a:extLst>
               </a:tr>
@@ -10265,7 +10203,7 @@
                 </a:tc>
                 <a:extLst>
                   <a:ext uri="{0D108BD9-81ED-4DB2-BD59-A6C34878D82A}">
-                    <a16:rowId xmlns:a16="http://schemas.microsoft.com/office/drawing/2014/main" val="10002"/>
+                    <a16:rowId xmlns:a16="http://schemas.microsoft.com/office/drawing/2014/main" xmlns="" val="10002"/>
                   </a:ext>
                 </a:extLst>
               </a:tr>
@@ -10341,7 +10279,7 @@
                 </a:tc>
                 <a:extLst>
                   <a:ext uri="{0D108BD9-81ED-4DB2-BD59-A6C34878D82A}">
-                    <a16:rowId xmlns:a16="http://schemas.microsoft.com/office/drawing/2014/main" val="10003"/>
+                    <a16:rowId xmlns:a16="http://schemas.microsoft.com/office/drawing/2014/main" xmlns="" val="10003"/>
                   </a:ext>
                 </a:extLst>
               </a:tr>
@@ -10401,7 +10339,7 @@
                 </a:tc>
                 <a:extLst>
                   <a:ext uri="{0D108BD9-81ED-4DB2-BD59-A6C34878D82A}">
-                    <a16:rowId xmlns:a16="http://schemas.microsoft.com/office/drawing/2014/main" val="10004"/>
+                    <a16:rowId xmlns:a16="http://schemas.microsoft.com/office/drawing/2014/main" xmlns="" val="10004"/>
                   </a:ext>
                 </a:extLst>
               </a:tr>
@@ -10441,7 +10379,7 @@
                 </a:tc>
                 <a:extLst>
                   <a:ext uri="{0D108BD9-81ED-4DB2-BD59-A6C34878D82A}">
-                    <a16:rowId xmlns:a16="http://schemas.microsoft.com/office/drawing/2014/main" val="10005"/>
+                    <a16:rowId xmlns:a16="http://schemas.microsoft.com/office/drawing/2014/main" xmlns="" val="10005"/>
                   </a:ext>
                 </a:extLst>
               </a:tr>
@@ -10481,7 +10419,7 @@
                 </a:tc>
                 <a:extLst>
                   <a:ext uri="{0D108BD9-81ED-4DB2-BD59-A6C34878D82A}">
-                    <a16:rowId xmlns:a16="http://schemas.microsoft.com/office/drawing/2014/main" val="10006"/>
+                    <a16:rowId xmlns:a16="http://schemas.microsoft.com/office/drawing/2014/main" xmlns="" val="10006"/>
                   </a:ext>
                 </a:extLst>
               </a:tr>
@@ -10521,7 +10459,7 @@
                 </a:tc>
                 <a:extLst>
                   <a:ext uri="{0D108BD9-81ED-4DB2-BD59-A6C34878D82A}">
-                    <a16:rowId xmlns:a16="http://schemas.microsoft.com/office/drawing/2014/main" val="10007"/>
+                    <a16:rowId xmlns:a16="http://schemas.microsoft.com/office/drawing/2014/main" xmlns="" val="10007"/>
                   </a:ext>
                 </a:extLst>
               </a:tr>
@@ -10698,12 +10636,13 @@
         </p:nvSpPr>
         <p:spPr>
           <a:xfrm>
-            <a:off x="1181545" y="2706914"/>
+            <a:off x="4839138" y="2706914"/>
             <a:ext cx="1113786" cy="1980065"/>
           </a:xfrm>
           <a:prstGeom prst="rect">
             <a:avLst/>
           </a:prstGeom>
+          <a:noFill/>
         </p:spPr>
         <p:style>
           <a:lnRef idx="2">
@@ -10738,7 +10677,7 @@
         </p:nvSpPr>
         <p:spPr>
           <a:xfrm>
-            <a:off x="596128" y="3556422"/>
+            <a:off x="5102187" y="3554397"/>
             <a:ext cx="585417" cy="276999"/>
           </a:xfrm>
           <a:prstGeom prst="rect">
@@ -10788,7 +10727,7 @@
         </p:nvCxnSpPr>
         <p:spPr>
           <a:xfrm>
-            <a:off x="2332652" y="3694922"/>
+            <a:off x="6102387" y="3694922"/>
             <a:ext cx="606490" cy="0"/>
           </a:xfrm>
           <a:prstGeom prst="straightConnector1">
@@ -10824,7 +10763,7 @@
         </p:nvCxnSpPr>
         <p:spPr>
           <a:xfrm>
-            <a:off x="2332652" y="1531257"/>
+            <a:off x="6102387" y="1531257"/>
             <a:ext cx="606490" cy="0"/>
           </a:xfrm>
           <a:prstGeom prst="straightConnector1">
@@ -10862,12 +10801,13 @@
         </p:nvSpPr>
         <p:spPr>
           <a:xfrm>
-            <a:off x="3806890" y="586888"/>
+            <a:off x="6895144" y="586888"/>
             <a:ext cx="1113786" cy="1980065"/>
           </a:xfrm>
           <a:prstGeom prst="rect">
             <a:avLst/>
           </a:prstGeom>
+          <a:noFill/>
         </p:spPr>
         <p:style>
           <a:lnRef idx="2">
@@ -10904,12 +10844,13 @@
         </p:nvSpPr>
         <p:spPr>
           <a:xfrm>
-            <a:off x="3806890" y="2706914"/>
+            <a:off x="6895144" y="2706914"/>
             <a:ext cx="1113786" cy="1980065"/>
           </a:xfrm>
           <a:prstGeom prst="rect">
             <a:avLst/>
           </a:prstGeom>
+          <a:noFill/>
         </p:spPr>
         <p:style>
           <a:lnRef idx="2">
@@ -10946,12 +10887,13 @@
         </p:nvSpPr>
         <p:spPr>
           <a:xfrm>
-            <a:off x="3794616" y="4814597"/>
+            <a:off x="6882870" y="4814597"/>
             <a:ext cx="1113786" cy="1980065"/>
           </a:xfrm>
           <a:prstGeom prst="rect">
             <a:avLst/>
           </a:prstGeom>
+          <a:noFill/>
         </p:spPr>
         <p:style>
           <a:lnRef idx="2">
@@ -10986,7 +10928,7 @@
         </p:nvSpPr>
         <p:spPr>
           <a:xfrm>
-            <a:off x="2959008" y="3575083"/>
+            <a:off x="7006030" y="3573057"/>
             <a:ext cx="899605" cy="276999"/>
           </a:xfrm>
           <a:prstGeom prst="rect">
@@ -11051,7 +10993,7 @@
         </p:nvSpPr>
         <p:spPr>
           <a:xfrm>
-            <a:off x="2944608" y="1408002"/>
+            <a:off x="7015590" y="1408002"/>
             <a:ext cx="899606" cy="276999"/>
           </a:xfrm>
           <a:prstGeom prst="rect">
@@ -11102,7 +11044,7 @@
         </p:nvCxnSpPr>
         <p:spPr>
           <a:xfrm>
-            <a:off x="2388638" y="5794308"/>
+            <a:off x="6158373" y="5794308"/>
             <a:ext cx="606490" cy="0"/>
           </a:xfrm>
           <a:prstGeom prst="straightConnector1">
@@ -11138,7 +11080,7 @@
         </p:nvSpPr>
         <p:spPr>
           <a:xfrm>
-            <a:off x="3144492" y="5665139"/>
+            <a:off x="7174287" y="5665139"/>
             <a:ext cx="582211" cy="276999"/>
           </a:xfrm>
           <a:prstGeom prst="rect">
@@ -11189,7 +11131,7 @@
         </p:nvCxnSpPr>
         <p:spPr>
           <a:xfrm>
-            <a:off x="4957999" y="3694922"/>
+            <a:off x="8167020" y="3694922"/>
             <a:ext cx="606490" cy="0"/>
           </a:xfrm>
           <a:prstGeom prst="straightConnector1">
@@ -11225,7 +11167,7 @@
         </p:nvCxnSpPr>
         <p:spPr>
           <a:xfrm>
-            <a:off x="4957999" y="1531257"/>
+            <a:off x="8167020" y="1531257"/>
             <a:ext cx="606490" cy="0"/>
           </a:xfrm>
           <a:prstGeom prst="straightConnector1">
@@ -11263,12 +11205,13 @@
         </p:nvSpPr>
         <p:spPr>
           <a:xfrm>
-            <a:off x="6422906" y="586888"/>
+            <a:off x="8967698" y="586888"/>
             <a:ext cx="1113786" cy="1980065"/>
           </a:xfrm>
           <a:prstGeom prst="rect">
             <a:avLst/>
           </a:prstGeom>
+          <a:noFill/>
         </p:spPr>
         <p:style>
           <a:lnRef idx="2">
@@ -11305,12 +11248,13 @@
         </p:nvSpPr>
         <p:spPr>
           <a:xfrm>
-            <a:off x="6422906" y="2706914"/>
+            <a:off x="8967698" y="2706914"/>
             <a:ext cx="1113786" cy="1980065"/>
           </a:xfrm>
           <a:prstGeom prst="rect">
             <a:avLst/>
           </a:prstGeom>
+          <a:noFill/>
         </p:spPr>
         <p:style>
           <a:lnRef idx="2">
@@ -11347,12 +11291,13 @@
         </p:nvSpPr>
         <p:spPr>
           <a:xfrm>
-            <a:off x="6410632" y="4814597"/>
+            <a:off x="8955424" y="4814597"/>
             <a:ext cx="1113786" cy="1980065"/>
           </a:xfrm>
           <a:prstGeom prst="rect">
             <a:avLst/>
           </a:prstGeom>
+          <a:noFill/>
         </p:spPr>
         <p:style>
           <a:lnRef idx="2">
@@ -11387,7 +11332,7 @@
         </p:nvSpPr>
         <p:spPr>
           <a:xfrm>
-            <a:off x="5584355" y="3575083"/>
+            <a:off x="9071116" y="3573057"/>
             <a:ext cx="899606" cy="276999"/>
           </a:xfrm>
           <a:prstGeom prst="rect">
@@ -11438,7 +11383,7 @@
         </p:nvSpPr>
         <p:spPr>
           <a:xfrm>
-            <a:off x="5728652" y="1408002"/>
+            <a:off x="9229813" y="1408002"/>
             <a:ext cx="582211" cy="276999"/>
           </a:xfrm>
           <a:prstGeom prst="rect">
@@ -11489,7 +11434,7 @@
         </p:nvCxnSpPr>
         <p:spPr>
           <a:xfrm>
-            <a:off x="5013985" y="5794308"/>
+            <a:off x="8223006" y="5794308"/>
             <a:ext cx="606490" cy="0"/>
           </a:xfrm>
           <a:prstGeom prst="straightConnector1">
@@ -11525,7 +11470,7 @@
         </p:nvSpPr>
         <p:spPr>
           <a:xfrm>
-            <a:off x="5769839" y="5665139"/>
+            <a:off x="9221211" y="5665139"/>
             <a:ext cx="582211" cy="276999"/>
           </a:xfrm>
           <a:prstGeom prst="rect">
@@ -11576,7 +11521,7 @@
         </p:nvCxnSpPr>
         <p:spPr>
           <a:xfrm>
-            <a:off x="7583347" y="3692897"/>
+            <a:off x="10231655" y="3692897"/>
             <a:ext cx="606490" cy="0"/>
           </a:xfrm>
           <a:prstGeom prst="straightConnector1">
@@ -11614,12 +11559,13 @@
         </p:nvSpPr>
         <p:spPr>
           <a:xfrm>
-            <a:off x="9104238" y="2704889"/>
+            <a:off x="10976170" y="2704889"/>
             <a:ext cx="1113786" cy="1980065"/>
           </a:xfrm>
           <a:prstGeom prst="rect">
             <a:avLst/>
           </a:prstGeom>
+          <a:noFill/>
         </p:spPr>
         <p:style>
           <a:lnRef idx="2">
@@ -11654,7 +11600,7 @@
         </p:nvSpPr>
         <p:spPr>
           <a:xfrm>
-            <a:off x="8209703" y="3573058"/>
+            <a:off x="10085097" y="3392693"/>
             <a:ext cx="899606" cy="276999"/>
           </a:xfrm>
           <a:prstGeom prst="rect">
@@ -11697,42 +11643,6 @@
           </a:p>
         </p:txBody>
       </p:sp>
-      <p:cxnSp>
-        <p:nvCxnSpPr>
-          <p:cNvPr id="34" name="직선 화살표 연결선 33"/>
-          <p:cNvCxnSpPr/>
-          <p:nvPr/>
-        </p:nvCxnSpPr>
-        <p:spPr>
-          <a:xfrm>
-            <a:off x="10255351" y="3692897"/>
-            <a:ext cx="606490" cy="0"/>
-          </a:xfrm>
-          <a:prstGeom prst="straightConnector1">
-            <a:avLst/>
-          </a:prstGeom>
-          <a:ln>
-            <a:solidFill>
-              <a:schemeClr val="tx1"/>
-            </a:solidFill>
-            <a:tailEnd type="triangle"/>
-          </a:ln>
-        </p:spPr>
-        <p:style>
-          <a:lnRef idx="1">
-            <a:schemeClr val="accent1"/>
-          </a:lnRef>
-          <a:fillRef idx="0">
-            <a:schemeClr val="accent1"/>
-          </a:fillRef>
-          <a:effectRef idx="0">
-            <a:schemeClr val="accent1"/>
-          </a:effectRef>
-          <a:fontRef idx="minor">
-            <a:schemeClr val="tx1"/>
-          </a:fontRef>
-        </p:style>
-      </p:cxnSp>
       <p:sp>
         <p:nvSpPr>
           <p:cNvPr id="36" name="TextBox 35"/>
@@ -11741,7 +11651,7 @@
         </p:nvSpPr>
         <p:spPr>
           <a:xfrm>
-            <a:off x="10881707" y="3573058"/>
+            <a:off x="11083260" y="4746250"/>
             <a:ext cx="899606" cy="276999"/>
           </a:xfrm>
           <a:prstGeom prst="rect">

--- a/Scatch.pptx
+++ b/Scatch.pptx
@@ -255,7 +255,7 @@
           <a:p>
             <a:fld id="{06EFB4C7-7BEF-490C-A547-EABAD4F9635D}" type="datetimeFigureOut">
               <a:rPr lang="ko-KR" altLang="en-US" smtClean="0"/>
-              <a:t>2017-12-30</a:t>
+              <a:t>2018-01-02</a:t>
             </a:fld>
             <a:endParaRPr lang="ko-KR" altLang="en-US"/>
           </a:p>
@@ -425,7 +425,7 @@
           <a:p>
             <a:fld id="{06EFB4C7-7BEF-490C-A547-EABAD4F9635D}" type="datetimeFigureOut">
               <a:rPr lang="ko-KR" altLang="en-US" smtClean="0"/>
-              <a:t>2017-12-30</a:t>
+              <a:t>2018-01-02</a:t>
             </a:fld>
             <a:endParaRPr lang="ko-KR" altLang="en-US"/>
           </a:p>
@@ -605,7 +605,7 @@
           <a:p>
             <a:fld id="{06EFB4C7-7BEF-490C-A547-EABAD4F9635D}" type="datetimeFigureOut">
               <a:rPr lang="ko-KR" altLang="en-US" smtClean="0"/>
-              <a:t>2017-12-30</a:t>
+              <a:t>2018-01-02</a:t>
             </a:fld>
             <a:endParaRPr lang="ko-KR" altLang="en-US"/>
           </a:p>
@@ -775,7 +775,7 @@
           <a:p>
             <a:fld id="{06EFB4C7-7BEF-490C-A547-EABAD4F9635D}" type="datetimeFigureOut">
               <a:rPr lang="ko-KR" altLang="en-US" smtClean="0"/>
-              <a:t>2017-12-30</a:t>
+              <a:t>2018-01-02</a:t>
             </a:fld>
             <a:endParaRPr lang="ko-KR" altLang="en-US"/>
           </a:p>
@@ -1021,7 +1021,7 @@
           <a:p>
             <a:fld id="{06EFB4C7-7BEF-490C-A547-EABAD4F9635D}" type="datetimeFigureOut">
               <a:rPr lang="ko-KR" altLang="en-US" smtClean="0"/>
-              <a:t>2017-12-30</a:t>
+              <a:t>2018-01-02</a:t>
             </a:fld>
             <a:endParaRPr lang="ko-KR" altLang="en-US"/>
           </a:p>
@@ -1253,7 +1253,7 @@
           <a:p>
             <a:fld id="{06EFB4C7-7BEF-490C-A547-EABAD4F9635D}" type="datetimeFigureOut">
               <a:rPr lang="ko-KR" altLang="en-US" smtClean="0"/>
-              <a:t>2017-12-30</a:t>
+              <a:t>2018-01-02</a:t>
             </a:fld>
             <a:endParaRPr lang="ko-KR" altLang="en-US"/>
           </a:p>
@@ -1620,7 +1620,7 @@
           <a:p>
             <a:fld id="{06EFB4C7-7BEF-490C-A547-EABAD4F9635D}" type="datetimeFigureOut">
               <a:rPr lang="ko-KR" altLang="en-US" smtClean="0"/>
-              <a:t>2017-12-30</a:t>
+              <a:t>2018-01-02</a:t>
             </a:fld>
             <a:endParaRPr lang="ko-KR" altLang="en-US"/>
           </a:p>
@@ -1738,7 +1738,7 @@
           <a:p>
             <a:fld id="{06EFB4C7-7BEF-490C-A547-EABAD4F9635D}" type="datetimeFigureOut">
               <a:rPr lang="ko-KR" altLang="en-US" smtClean="0"/>
-              <a:t>2017-12-30</a:t>
+              <a:t>2018-01-02</a:t>
             </a:fld>
             <a:endParaRPr lang="ko-KR" altLang="en-US"/>
           </a:p>
@@ -1833,7 +1833,7 @@
           <a:p>
             <a:fld id="{06EFB4C7-7BEF-490C-A547-EABAD4F9635D}" type="datetimeFigureOut">
               <a:rPr lang="ko-KR" altLang="en-US" smtClean="0"/>
-              <a:t>2017-12-30</a:t>
+              <a:t>2018-01-02</a:t>
             </a:fld>
             <a:endParaRPr lang="ko-KR" altLang="en-US"/>
           </a:p>
@@ -2110,7 +2110,7 @@
           <a:p>
             <a:fld id="{06EFB4C7-7BEF-490C-A547-EABAD4F9635D}" type="datetimeFigureOut">
               <a:rPr lang="ko-KR" altLang="en-US" smtClean="0"/>
-              <a:t>2017-12-30</a:t>
+              <a:t>2018-01-02</a:t>
             </a:fld>
             <a:endParaRPr lang="ko-KR" altLang="en-US"/>
           </a:p>
@@ -2363,7 +2363,7 @@
           <a:p>
             <a:fld id="{06EFB4C7-7BEF-490C-A547-EABAD4F9635D}" type="datetimeFigureOut">
               <a:rPr lang="ko-KR" altLang="en-US" smtClean="0"/>
-              <a:t>2017-12-30</a:t>
+              <a:t>2018-01-02</a:t>
             </a:fld>
             <a:endParaRPr lang="ko-KR" altLang="en-US"/>
           </a:p>
@@ -2576,7 +2576,7 @@
           <a:p>
             <a:fld id="{06EFB4C7-7BEF-490C-A547-EABAD4F9635D}" type="datetimeFigureOut">
               <a:rPr lang="ko-KR" altLang="en-US" smtClean="0"/>
-              <a:t>2017-12-30</a:t>
+              <a:t>2018-01-02</a:t>
             </a:fld>
             <a:endParaRPr lang="ko-KR" altLang="en-US"/>
           </a:p>
@@ -9976,21 +9976,21 @@
                 <a:gridCol w="3836954">
                   <a:extLst>
                     <a:ext uri="{9D8B030D-6E8A-4147-A177-3AD203B41FA5}">
-                      <a16:colId xmlns:a16="http://schemas.microsoft.com/office/drawing/2014/main" xmlns="" val="20000"/>
+                      <a16:colId xmlns:a16="http://schemas.microsoft.com/office/drawing/2014/main" val="20000"/>
                     </a:ext>
                   </a:extLst>
                 </a:gridCol>
                 <a:gridCol w="1632857">
                   <a:extLst>
                     <a:ext uri="{9D8B030D-6E8A-4147-A177-3AD203B41FA5}">
-                      <a16:colId xmlns:a16="http://schemas.microsoft.com/office/drawing/2014/main" xmlns="" val="20001"/>
+                      <a16:colId xmlns:a16="http://schemas.microsoft.com/office/drawing/2014/main" val="20001"/>
                     </a:ext>
                   </a:extLst>
                 </a:gridCol>
                 <a:gridCol w="6055568">
                   <a:extLst>
                     <a:ext uri="{9D8B030D-6E8A-4147-A177-3AD203B41FA5}">
-                      <a16:colId xmlns:a16="http://schemas.microsoft.com/office/drawing/2014/main" xmlns="" val="20002"/>
+                      <a16:colId xmlns:a16="http://schemas.microsoft.com/office/drawing/2014/main" val="20002"/>
                     </a:ext>
                   </a:extLst>
                 </a:gridCol>
@@ -10055,7 +10055,7 @@
                 </a:tc>
                 <a:extLst>
                   <a:ext uri="{0D108BD9-81ED-4DB2-BD59-A6C34878D82A}">
-                    <a16:rowId xmlns:a16="http://schemas.microsoft.com/office/drawing/2014/main" xmlns="" val="10000"/>
+                    <a16:rowId xmlns:a16="http://schemas.microsoft.com/office/drawing/2014/main" val="10000"/>
                   </a:ext>
                 </a:extLst>
               </a:tr>
@@ -10131,7 +10131,7 @@
                 </a:tc>
                 <a:extLst>
                   <a:ext uri="{0D108BD9-81ED-4DB2-BD59-A6C34878D82A}">
-                    <a16:rowId xmlns:a16="http://schemas.microsoft.com/office/drawing/2014/main" xmlns="" val="10001"/>
+                    <a16:rowId xmlns:a16="http://schemas.microsoft.com/office/drawing/2014/main" val="10001"/>
                   </a:ext>
                 </a:extLst>
               </a:tr>
@@ -10203,7 +10203,7 @@
                 </a:tc>
                 <a:extLst>
                   <a:ext uri="{0D108BD9-81ED-4DB2-BD59-A6C34878D82A}">
-                    <a16:rowId xmlns:a16="http://schemas.microsoft.com/office/drawing/2014/main" xmlns="" val="10002"/>
+                    <a16:rowId xmlns:a16="http://schemas.microsoft.com/office/drawing/2014/main" val="10002"/>
                   </a:ext>
                 </a:extLst>
               </a:tr>
@@ -10279,7 +10279,7 @@
                 </a:tc>
                 <a:extLst>
                   <a:ext uri="{0D108BD9-81ED-4DB2-BD59-A6C34878D82A}">
-                    <a16:rowId xmlns:a16="http://schemas.microsoft.com/office/drawing/2014/main" xmlns="" val="10003"/>
+                    <a16:rowId xmlns:a16="http://schemas.microsoft.com/office/drawing/2014/main" val="10003"/>
                   </a:ext>
                 </a:extLst>
               </a:tr>
@@ -10339,7 +10339,7 @@
                 </a:tc>
                 <a:extLst>
                   <a:ext uri="{0D108BD9-81ED-4DB2-BD59-A6C34878D82A}">
-                    <a16:rowId xmlns:a16="http://schemas.microsoft.com/office/drawing/2014/main" xmlns="" val="10004"/>
+                    <a16:rowId xmlns:a16="http://schemas.microsoft.com/office/drawing/2014/main" val="10004"/>
                   </a:ext>
                 </a:extLst>
               </a:tr>
@@ -10379,7 +10379,7 @@
                 </a:tc>
                 <a:extLst>
                   <a:ext uri="{0D108BD9-81ED-4DB2-BD59-A6C34878D82A}">
-                    <a16:rowId xmlns:a16="http://schemas.microsoft.com/office/drawing/2014/main" xmlns="" val="10005"/>
+                    <a16:rowId xmlns:a16="http://schemas.microsoft.com/office/drawing/2014/main" val="10005"/>
                   </a:ext>
                 </a:extLst>
               </a:tr>
@@ -10419,7 +10419,7 @@
                 </a:tc>
                 <a:extLst>
                   <a:ext uri="{0D108BD9-81ED-4DB2-BD59-A6C34878D82A}">
-                    <a16:rowId xmlns:a16="http://schemas.microsoft.com/office/drawing/2014/main" xmlns="" val="10006"/>
+                    <a16:rowId xmlns:a16="http://schemas.microsoft.com/office/drawing/2014/main" val="10006"/>
                   </a:ext>
                 </a:extLst>
               </a:tr>
@@ -10459,7 +10459,7 @@
                 </a:tc>
                 <a:extLst>
                   <a:ext uri="{0D108BD9-81ED-4DB2-BD59-A6C34878D82A}">
-                    <a16:rowId xmlns:a16="http://schemas.microsoft.com/office/drawing/2014/main" xmlns="" val="10007"/>
+                    <a16:rowId xmlns:a16="http://schemas.microsoft.com/office/drawing/2014/main" val="10007"/>
                   </a:ext>
                 </a:extLst>
               </a:tr>
@@ -13900,9 +13900,7 @@
           <a:gradFill flip="none" rotWithShape="1">
             <a:gsLst>
               <a:gs pos="0">
-                <a:srgbClr val="F2684C">
-                  <a:alpha val="85000"/>
-                </a:srgbClr>
+                <a:srgbClr val="FFFFFF"/>
               </a:gs>
               <a:gs pos="40000">
                 <a:srgbClr val="F25536"/>
@@ -14544,6 +14542,14 @@
 <file path=ppt/slides/slide7.xml><?xml version="1.0" encoding="utf-8"?>
 <p:sld xmlns:a="http://schemas.openxmlformats.org/drawingml/2006/main" xmlns:r="http://schemas.openxmlformats.org/officeDocument/2006/relationships" xmlns:p="http://schemas.openxmlformats.org/presentationml/2006/main">
   <p:cSld>
+    <p:bg>
+      <p:bgPr>
+        <a:solidFill>
+          <a:srgbClr val="C54538"/>
+        </a:solidFill>
+        <a:effectLst/>
+      </p:bgPr>
+    </p:bg>
     <p:spTree>
       <p:nvGrpSpPr>
         <p:cNvPr id="1" name=""/>
@@ -14996,6 +15002,30 @@
           </a:p>
         </p:txBody>
       </p:sp>
+      <p:pic>
+        <p:nvPicPr>
+          <p:cNvPr id="3" name="그림 2"/>
+          <p:cNvPicPr>
+            <a:picLocks noChangeAspect="1"/>
+          </p:cNvPicPr>
+          <p:nvPr/>
+        </p:nvPicPr>
+        <p:blipFill>
+          <a:blip r:embed="rId3"/>
+          <a:stretch>
+            <a:fillRect/>
+          </a:stretch>
+        </p:blipFill>
+        <p:spPr>
+          <a:xfrm>
+            <a:off x="7141874" y="525119"/>
+            <a:ext cx="3209925" cy="5657850"/>
+          </a:xfrm>
+          <a:prstGeom prst="rect">
+            <a:avLst/>
+          </a:prstGeom>
+        </p:spPr>
+      </p:pic>
     </p:spTree>
     <p:extLst>
       <p:ext uri="{BB962C8B-B14F-4D97-AF65-F5344CB8AC3E}">

--- a/Scatch.pptx
+++ b/Scatch.pptx
@@ -255,7 +255,7 @@
           <a:p>
             <a:fld id="{06EFB4C7-7BEF-490C-A547-EABAD4F9635D}" type="datetimeFigureOut">
               <a:rPr lang="ko-KR" altLang="en-US" smtClean="0"/>
-              <a:t>2018-01-02</a:t>
+              <a:t>2018-01-04</a:t>
             </a:fld>
             <a:endParaRPr lang="ko-KR" altLang="en-US"/>
           </a:p>
@@ -425,7 +425,7 @@
           <a:p>
             <a:fld id="{06EFB4C7-7BEF-490C-A547-EABAD4F9635D}" type="datetimeFigureOut">
               <a:rPr lang="ko-KR" altLang="en-US" smtClean="0"/>
-              <a:t>2018-01-02</a:t>
+              <a:t>2018-01-04</a:t>
             </a:fld>
             <a:endParaRPr lang="ko-KR" altLang="en-US"/>
           </a:p>
@@ -605,7 +605,7 @@
           <a:p>
             <a:fld id="{06EFB4C7-7BEF-490C-A547-EABAD4F9635D}" type="datetimeFigureOut">
               <a:rPr lang="ko-KR" altLang="en-US" smtClean="0"/>
-              <a:t>2018-01-02</a:t>
+              <a:t>2018-01-04</a:t>
             </a:fld>
             <a:endParaRPr lang="ko-KR" altLang="en-US"/>
           </a:p>
@@ -775,7 +775,7 @@
           <a:p>
             <a:fld id="{06EFB4C7-7BEF-490C-A547-EABAD4F9635D}" type="datetimeFigureOut">
               <a:rPr lang="ko-KR" altLang="en-US" smtClean="0"/>
-              <a:t>2018-01-02</a:t>
+              <a:t>2018-01-04</a:t>
             </a:fld>
             <a:endParaRPr lang="ko-KR" altLang="en-US"/>
           </a:p>
@@ -1021,7 +1021,7 @@
           <a:p>
             <a:fld id="{06EFB4C7-7BEF-490C-A547-EABAD4F9635D}" type="datetimeFigureOut">
               <a:rPr lang="ko-KR" altLang="en-US" smtClean="0"/>
-              <a:t>2018-01-02</a:t>
+              <a:t>2018-01-04</a:t>
             </a:fld>
             <a:endParaRPr lang="ko-KR" altLang="en-US"/>
           </a:p>
@@ -1253,7 +1253,7 @@
           <a:p>
             <a:fld id="{06EFB4C7-7BEF-490C-A547-EABAD4F9635D}" type="datetimeFigureOut">
               <a:rPr lang="ko-KR" altLang="en-US" smtClean="0"/>
-              <a:t>2018-01-02</a:t>
+              <a:t>2018-01-04</a:t>
             </a:fld>
             <a:endParaRPr lang="ko-KR" altLang="en-US"/>
           </a:p>
@@ -1620,7 +1620,7 @@
           <a:p>
             <a:fld id="{06EFB4C7-7BEF-490C-A547-EABAD4F9635D}" type="datetimeFigureOut">
               <a:rPr lang="ko-KR" altLang="en-US" smtClean="0"/>
-              <a:t>2018-01-02</a:t>
+              <a:t>2018-01-04</a:t>
             </a:fld>
             <a:endParaRPr lang="ko-KR" altLang="en-US"/>
           </a:p>
@@ -1738,7 +1738,7 @@
           <a:p>
             <a:fld id="{06EFB4C7-7BEF-490C-A547-EABAD4F9635D}" type="datetimeFigureOut">
               <a:rPr lang="ko-KR" altLang="en-US" smtClean="0"/>
-              <a:t>2018-01-02</a:t>
+              <a:t>2018-01-04</a:t>
             </a:fld>
             <a:endParaRPr lang="ko-KR" altLang="en-US"/>
           </a:p>
@@ -1833,7 +1833,7 @@
           <a:p>
             <a:fld id="{06EFB4C7-7BEF-490C-A547-EABAD4F9635D}" type="datetimeFigureOut">
               <a:rPr lang="ko-KR" altLang="en-US" smtClean="0"/>
-              <a:t>2018-01-02</a:t>
+              <a:t>2018-01-04</a:t>
             </a:fld>
             <a:endParaRPr lang="ko-KR" altLang="en-US"/>
           </a:p>
@@ -2110,7 +2110,7 @@
           <a:p>
             <a:fld id="{06EFB4C7-7BEF-490C-A547-EABAD4F9635D}" type="datetimeFigureOut">
               <a:rPr lang="ko-KR" altLang="en-US" smtClean="0"/>
-              <a:t>2018-01-02</a:t>
+              <a:t>2018-01-04</a:t>
             </a:fld>
             <a:endParaRPr lang="ko-KR" altLang="en-US"/>
           </a:p>
@@ -2363,7 +2363,7 @@
           <a:p>
             <a:fld id="{06EFB4C7-7BEF-490C-A547-EABAD4F9635D}" type="datetimeFigureOut">
               <a:rPr lang="ko-KR" altLang="en-US" smtClean="0"/>
-              <a:t>2018-01-02</a:t>
+              <a:t>2018-01-04</a:t>
             </a:fld>
             <a:endParaRPr lang="ko-KR" altLang="en-US"/>
           </a:p>
@@ -2576,7 +2576,7 @@
           <a:p>
             <a:fld id="{06EFB4C7-7BEF-490C-A547-EABAD4F9635D}" type="datetimeFigureOut">
               <a:rPr lang="ko-KR" altLang="en-US" smtClean="0"/>
-              <a:t>2018-01-02</a:t>
+              <a:t>2018-01-04</a:t>
             </a:fld>
             <a:endParaRPr lang="ko-KR" altLang="en-US"/>
           </a:p>
@@ -14545,7 +14545,7 @@
     <p:bg>
       <p:bgPr>
         <a:solidFill>
-          <a:srgbClr val="C54538"/>
+          <a:srgbClr val="73B4C6"/>
         </a:solidFill>
         <a:effectLst/>
       </p:bgPr>
@@ -15026,6 +15026,166 @@
           </a:prstGeom>
         </p:spPr>
       </p:pic>
+      <p:pic>
+        <p:nvPicPr>
+          <p:cNvPr id="4" name="그림 3"/>
+          <p:cNvPicPr>
+            <a:picLocks noChangeAspect="1"/>
+          </p:cNvPicPr>
+          <p:nvPr/>
+        </p:nvPicPr>
+        <p:blipFill>
+          <a:blip r:embed="rId4"/>
+          <a:stretch>
+            <a:fillRect/>
+          </a:stretch>
+        </p:blipFill>
+        <p:spPr>
+          <a:xfrm>
+            <a:off x="232442" y="560902"/>
+            <a:ext cx="2333477" cy="1453479"/>
+          </a:xfrm>
+          <a:prstGeom prst="rect">
+            <a:avLst/>
+          </a:prstGeom>
+        </p:spPr>
+      </p:pic>
+      <p:sp>
+        <p:nvSpPr>
+          <p:cNvPr id="5" name="직사각형 4"/>
+          <p:cNvSpPr/>
+          <p:nvPr/>
+        </p:nvSpPr>
+        <p:spPr>
+          <a:xfrm>
+            <a:off x="1228436" y="2593910"/>
+            <a:ext cx="2253673" cy="1433145"/>
+          </a:xfrm>
+          <a:prstGeom prst="rect">
+            <a:avLst/>
+          </a:prstGeom>
+          <a:solidFill>
+            <a:schemeClr val="accent6">
+              <a:lumMod val="20000"/>
+              <a:lumOff val="80000"/>
+            </a:schemeClr>
+          </a:solidFill>
+          <a:ln>
+            <a:noFill/>
+          </a:ln>
+        </p:spPr>
+        <p:style>
+          <a:lnRef idx="2">
+            <a:schemeClr val="accent1">
+              <a:shade val="50000"/>
+            </a:schemeClr>
+          </a:lnRef>
+          <a:fillRef idx="1">
+            <a:schemeClr val="accent1"/>
+          </a:fillRef>
+          <a:effectRef idx="0">
+            <a:schemeClr val="accent1"/>
+          </a:effectRef>
+          <a:fontRef idx="minor">
+            <a:schemeClr val="lt1"/>
+          </a:fontRef>
+        </p:style>
+        <p:txBody>
+          <a:bodyPr rtlCol="0" anchor="ctr"/>
+          <a:lstStyle/>
+          <a:p>
+            <a:pPr algn="ctr"/>
+            <a:endParaRPr lang="ko-KR" altLang="en-US"/>
+          </a:p>
+        </p:txBody>
+      </p:sp>
+      <p:sp>
+        <p:nvSpPr>
+          <p:cNvPr id="6" name="TextBox 5"/>
+          <p:cNvSpPr txBox="1"/>
+          <p:nvPr/>
+        </p:nvSpPr>
+        <p:spPr>
+          <a:xfrm>
+            <a:off x="1399180" y="2765717"/>
+            <a:ext cx="1917513" cy="1089529"/>
+          </a:xfrm>
+          <a:prstGeom prst="rect">
+            <a:avLst/>
+          </a:prstGeom>
+          <a:noFill/>
+        </p:spPr>
+        <p:txBody>
+          <a:bodyPr wrap="none" rtlCol="0">
+            <a:spAutoFit/>
+          </a:bodyPr>
+          <a:lstStyle/>
+          <a:p>
+            <a:pPr algn="ctr">
+              <a:lnSpc>
+                <a:spcPct val="150000"/>
+              </a:lnSpc>
+            </a:pPr>
+            <a:r>
+              <a:rPr lang="en-US" altLang="ko-KR" sz="2800" b="1" smtClean="0">
+                <a:latin typeface="HY헤드라인M" panose="02030600000101010101" pitchFamily="18" charset="-127"/>
+                <a:ea typeface="HY헤드라인M" panose="02030600000101010101" pitchFamily="18" charset="-127"/>
+              </a:rPr>
+              <a:t>9</a:t>
+            </a:r>
+            <a:r>
+              <a:rPr lang="ko-KR" altLang="en-US" sz="2800" b="1" smtClean="0">
+                <a:latin typeface="HY헤드라인M" panose="02030600000101010101" pitchFamily="18" charset="-127"/>
+                <a:ea typeface="HY헤드라인M" panose="02030600000101010101" pitchFamily="18" charset="-127"/>
+              </a:rPr>
+              <a:t>급</a:t>
+            </a:r>
+            <a:r>
+              <a:rPr lang="ko-KR" altLang="en-US" sz="2800" b="1" smtClean="0">
+                <a:latin typeface="HY헤드라인M" panose="02030600000101010101" pitchFamily="18" charset="-127"/>
+                <a:ea typeface="HY헤드라인M" panose="02030600000101010101" pitchFamily="18" charset="-127"/>
+              </a:rPr>
+              <a:t> </a:t>
+            </a:r>
+            <a:r>
+              <a:rPr lang="ko-KR" altLang="en-US" sz="2800" b="1" smtClean="0">
+                <a:latin typeface="HY헤드라인M" panose="02030600000101010101" pitchFamily="18" charset="-127"/>
+                <a:ea typeface="HY헤드라인M" panose="02030600000101010101" pitchFamily="18" charset="-127"/>
+              </a:rPr>
+              <a:t>공무원</a:t>
+            </a:r>
+            <a:endParaRPr lang="en-US" altLang="ko-KR" sz="2800" b="1" smtClean="0">
+              <a:latin typeface="HY헤드라인M" panose="02030600000101010101" pitchFamily="18" charset="-127"/>
+              <a:ea typeface="HY헤드라인M" panose="02030600000101010101" pitchFamily="18" charset="-127"/>
+            </a:endParaRPr>
+          </a:p>
+          <a:p>
+            <a:pPr algn="ctr">
+              <a:lnSpc>
+                <a:spcPct val="150000"/>
+              </a:lnSpc>
+            </a:pPr>
+            <a:r>
+              <a:rPr lang="en-US" altLang="ko-KR" smtClean="0">
+                <a:latin typeface="HY중고딕" panose="02030600000101010101" pitchFamily="18" charset="-127"/>
+                <a:ea typeface="HY중고딕" panose="02030600000101010101" pitchFamily="18" charset="-127"/>
+              </a:rPr>
+              <a:t>2015 </a:t>
+            </a:r>
+            <a:r>
+              <a:rPr lang="ko-KR" altLang="en-US" smtClean="0">
+                <a:latin typeface="HY중고딕" panose="02030600000101010101" pitchFamily="18" charset="-127"/>
+                <a:ea typeface="HY중고딕" panose="02030600000101010101" pitchFamily="18" charset="-127"/>
+              </a:rPr>
+              <a:t>기출</a:t>
+            </a:r>
+            <a:endParaRPr lang="ko-KR" altLang="en-US">
+              <a:latin typeface="HY중고딕" panose="02030600000101010101" pitchFamily="18" charset="-127"/>
+              <a:ea typeface="HY중고딕" panose="02030600000101010101" pitchFamily="18" charset="-127"/>
+            </a:endParaRPr>
+          </a:p>
+        </p:txBody>
+      </p:sp>
     </p:spTree>
     <p:extLst>
       <p:ext uri="{BB962C8B-B14F-4D97-AF65-F5344CB8AC3E}">

--- a/Scatch.pptx
+++ b/Scatch.pptx
@@ -255,7 +255,7 @@
           <a:p>
             <a:fld id="{06EFB4C7-7BEF-490C-A547-EABAD4F9635D}" type="datetimeFigureOut">
               <a:rPr lang="ko-KR" altLang="en-US" smtClean="0"/>
-              <a:t>2018-01-04</a:t>
+              <a:t>2018-01-06</a:t>
             </a:fld>
             <a:endParaRPr lang="ko-KR" altLang="en-US"/>
           </a:p>
@@ -425,7 +425,7 @@
           <a:p>
             <a:fld id="{06EFB4C7-7BEF-490C-A547-EABAD4F9635D}" type="datetimeFigureOut">
               <a:rPr lang="ko-KR" altLang="en-US" smtClean="0"/>
-              <a:t>2018-01-04</a:t>
+              <a:t>2018-01-06</a:t>
             </a:fld>
             <a:endParaRPr lang="ko-KR" altLang="en-US"/>
           </a:p>
@@ -605,7 +605,7 @@
           <a:p>
             <a:fld id="{06EFB4C7-7BEF-490C-A547-EABAD4F9635D}" type="datetimeFigureOut">
               <a:rPr lang="ko-KR" altLang="en-US" smtClean="0"/>
-              <a:t>2018-01-04</a:t>
+              <a:t>2018-01-06</a:t>
             </a:fld>
             <a:endParaRPr lang="ko-KR" altLang="en-US"/>
           </a:p>
@@ -775,7 +775,7 @@
           <a:p>
             <a:fld id="{06EFB4C7-7BEF-490C-A547-EABAD4F9635D}" type="datetimeFigureOut">
               <a:rPr lang="ko-KR" altLang="en-US" smtClean="0"/>
-              <a:t>2018-01-04</a:t>
+              <a:t>2018-01-06</a:t>
             </a:fld>
             <a:endParaRPr lang="ko-KR" altLang="en-US"/>
           </a:p>
@@ -1021,7 +1021,7 @@
           <a:p>
             <a:fld id="{06EFB4C7-7BEF-490C-A547-EABAD4F9635D}" type="datetimeFigureOut">
               <a:rPr lang="ko-KR" altLang="en-US" smtClean="0"/>
-              <a:t>2018-01-04</a:t>
+              <a:t>2018-01-06</a:t>
             </a:fld>
             <a:endParaRPr lang="ko-KR" altLang="en-US"/>
           </a:p>
@@ -1253,7 +1253,7 @@
           <a:p>
             <a:fld id="{06EFB4C7-7BEF-490C-A547-EABAD4F9635D}" type="datetimeFigureOut">
               <a:rPr lang="ko-KR" altLang="en-US" smtClean="0"/>
-              <a:t>2018-01-04</a:t>
+              <a:t>2018-01-06</a:t>
             </a:fld>
             <a:endParaRPr lang="ko-KR" altLang="en-US"/>
           </a:p>
@@ -1620,7 +1620,7 @@
           <a:p>
             <a:fld id="{06EFB4C7-7BEF-490C-A547-EABAD4F9635D}" type="datetimeFigureOut">
               <a:rPr lang="ko-KR" altLang="en-US" smtClean="0"/>
-              <a:t>2018-01-04</a:t>
+              <a:t>2018-01-06</a:t>
             </a:fld>
             <a:endParaRPr lang="ko-KR" altLang="en-US"/>
           </a:p>
@@ -1738,7 +1738,7 @@
           <a:p>
             <a:fld id="{06EFB4C7-7BEF-490C-A547-EABAD4F9635D}" type="datetimeFigureOut">
               <a:rPr lang="ko-KR" altLang="en-US" smtClean="0"/>
-              <a:t>2018-01-04</a:t>
+              <a:t>2018-01-06</a:t>
             </a:fld>
             <a:endParaRPr lang="ko-KR" altLang="en-US"/>
           </a:p>
@@ -1833,7 +1833,7 @@
           <a:p>
             <a:fld id="{06EFB4C7-7BEF-490C-A547-EABAD4F9635D}" type="datetimeFigureOut">
               <a:rPr lang="ko-KR" altLang="en-US" smtClean="0"/>
-              <a:t>2018-01-04</a:t>
+              <a:t>2018-01-06</a:t>
             </a:fld>
             <a:endParaRPr lang="ko-KR" altLang="en-US"/>
           </a:p>
@@ -2110,7 +2110,7 @@
           <a:p>
             <a:fld id="{06EFB4C7-7BEF-490C-A547-EABAD4F9635D}" type="datetimeFigureOut">
               <a:rPr lang="ko-KR" altLang="en-US" smtClean="0"/>
-              <a:t>2018-01-04</a:t>
+              <a:t>2018-01-06</a:t>
             </a:fld>
             <a:endParaRPr lang="ko-KR" altLang="en-US"/>
           </a:p>
@@ -2363,7 +2363,7 @@
           <a:p>
             <a:fld id="{06EFB4C7-7BEF-490C-A547-EABAD4F9635D}" type="datetimeFigureOut">
               <a:rPr lang="ko-KR" altLang="en-US" smtClean="0"/>
-              <a:t>2018-01-04</a:t>
+              <a:t>2018-01-06</a:t>
             </a:fld>
             <a:endParaRPr lang="ko-KR" altLang="en-US"/>
           </a:p>
@@ -2576,7 +2576,7 @@
           <a:p>
             <a:fld id="{06EFB4C7-7BEF-490C-A547-EABAD4F9635D}" type="datetimeFigureOut">
               <a:rPr lang="ko-KR" altLang="en-US" smtClean="0"/>
-              <a:t>2018-01-04</a:t>
+              <a:t>2018-01-06</a:t>
             </a:fld>
             <a:endParaRPr lang="ko-KR" altLang="en-US"/>
           </a:p>
@@ -9976,21 +9976,21 @@
                 <a:gridCol w="3836954">
                   <a:extLst>
                     <a:ext uri="{9D8B030D-6E8A-4147-A177-3AD203B41FA5}">
-                      <a16:colId xmlns:a16="http://schemas.microsoft.com/office/drawing/2014/main" val="20000"/>
+                      <a16:colId xmlns="" xmlns:a16="http://schemas.microsoft.com/office/drawing/2014/main" val="20000"/>
                     </a:ext>
                   </a:extLst>
                 </a:gridCol>
                 <a:gridCol w="1632857">
                   <a:extLst>
                     <a:ext uri="{9D8B030D-6E8A-4147-A177-3AD203B41FA5}">
-                      <a16:colId xmlns:a16="http://schemas.microsoft.com/office/drawing/2014/main" val="20001"/>
+                      <a16:colId xmlns="" xmlns:a16="http://schemas.microsoft.com/office/drawing/2014/main" val="20001"/>
                     </a:ext>
                   </a:extLst>
                 </a:gridCol>
                 <a:gridCol w="6055568">
                   <a:extLst>
                     <a:ext uri="{9D8B030D-6E8A-4147-A177-3AD203B41FA5}">
-                      <a16:colId xmlns:a16="http://schemas.microsoft.com/office/drawing/2014/main" val="20002"/>
+                      <a16:colId xmlns="" xmlns:a16="http://schemas.microsoft.com/office/drawing/2014/main" val="20002"/>
                     </a:ext>
                   </a:extLst>
                 </a:gridCol>
@@ -10055,7 +10055,7 @@
                 </a:tc>
                 <a:extLst>
                   <a:ext uri="{0D108BD9-81ED-4DB2-BD59-A6C34878D82A}">
-                    <a16:rowId xmlns:a16="http://schemas.microsoft.com/office/drawing/2014/main" val="10000"/>
+                    <a16:rowId xmlns="" xmlns:a16="http://schemas.microsoft.com/office/drawing/2014/main" val="10000"/>
                   </a:ext>
                 </a:extLst>
               </a:tr>
@@ -10131,7 +10131,7 @@
                 </a:tc>
                 <a:extLst>
                   <a:ext uri="{0D108BD9-81ED-4DB2-BD59-A6C34878D82A}">
-                    <a16:rowId xmlns:a16="http://schemas.microsoft.com/office/drawing/2014/main" val="10001"/>
+                    <a16:rowId xmlns="" xmlns:a16="http://schemas.microsoft.com/office/drawing/2014/main" val="10001"/>
                   </a:ext>
                 </a:extLst>
               </a:tr>
@@ -10203,7 +10203,7 @@
                 </a:tc>
                 <a:extLst>
                   <a:ext uri="{0D108BD9-81ED-4DB2-BD59-A6C34878D82A}">
-                    <a16:rowId xmlns:a16="http://schemas.microsoft.com/office/drawing/2014/main" val="10002"/>
+                    <a16:rowId xmlns="" xmlns:a16="http://schemas.microsoft.com/office/drawing/2014/main" val="10002"/>
                   </a:ext>
                 </a:extLst>
               </a:tr>
@@ -10279,7 +10279,7 @@
                 </a:tc>
                 <a:extLst>
                   <a:ext uri="{0D108BD9-81ED-4DB2-BD59-A6C34878D82A}">
-                    <a16:rowId xmlns:a16="http://schemas.microsoft.com/office/drawing/2014/main" val="10003"/>
+                    <a16:rowId xmlns="" xmlns:a16="http://schemas.microsoft.com/office/drawing/2014/main" val="10003"/>
                   </a:ext>
                 </a:extLst>
               </a:tr>
@@ -10339,7 +10339,7 @@
                 </a:tc>
                 <a:extLst>
                   <a:ext uri="{0D108BD9-81ED-4DB2-BD59-A6C34878D82A}">
-                    <a16:rowId xmlns:a16="http://schemas.microsoft.com/office/drawing/2014/main" val="10004"/>
+                    <a16:rowId xmlns="" xmlns:a16="http://schemas.microsoft.com/office/drawing/2014/main" val="10004"/>
                   </a:ext>
                 </a:extLst>
               </a:tr>
@@ -10379,7 +10379,7 @@
                 </a:tc>
                 <a:extLst>
                   <a:ext uri="{0D108BD9-81ED-4DB2-BD59-A6C34878D82A}">
-                    <a16:rowId xmlns:a16="http://schemas.microsoft.com/office/drawing/2014/main" val="10005"/>
+                    <a16:rowId xmlns="" xmlns:a16="http://schemas.microsoft.com/office/drawing/2014/main" val="10005"/>
                   </a:ext>
                 </a:extLst>
               </a:tr>
@@ -10419,7 +10419,7 @@
                 </a:tc>
                 <a:extLst>
                   <a:ext uri="{0D108BD9-81ED-4DB2-BD59-A6C34878D82A}">
-                    <a16:rowId xmlns:a16="http://schemas.microsoft.com/office/drawing/2014/main" val="10006"/>
+                    <a16:rowId xmlns="" xmlns:a16="http://schemas.microsoft.com/office/drawing/2014/main" val="10006"/>
                   </a:ext>
                 </a:extLst>
               </a:tr>
@@ -10459,7 +10459,7 @@
                 </a:tc>
                 <a:extLst>
                   <a:ext uri="{0D108BD9-81ED-4DB2-BD59-A6C34878D82A}">
-                    <a16:rowId xmlns:a16="http://schemas.microsoft.com/office/drawing/2014/main" val="10007"/>
+                    <a16:rowId xmlns="" xmlns:a16="http://schemas.microsoft.com/office/drawing/2014/main" val="10007"/>
                   </a:ext>
                 </a:extLst>
               </a:tr>
@@ -15058,17 +15058,16 @@
         </p:nvSpPr>
         <p:spPr>
           <a:xfrm>
-            <a:off x="1228436" y="2593910"/>
-            <a:ext cx="2253673" cy="1433145"/>
+            <a:off x="1228436" y="2593909"/>
+            <a:ext cx="2160000" cy="2160000"/>
           </a:xfrm>
           <a:prstGeom prst="rect">
             <a:avLst/>
           </a:prstGeom>
           <a:solidFill>
-            <a:schemeClr val="accent6">
-              <a:lumMod val="20000"/>
-              <a:lumOff val="80000"/>
-            </a:schemeClr>
+            <a:srgbClr val="CE5A4A">
+              <a:alpha val="80000"/>
+            </a:srgbClr>
           </a:solidFill>
           <a:ln>
             <a:noFill/>
@@ -15107,8 +15106,8 @@
         </p:nvSpPr>
         <p:spPr>
           <a:xfrm>
-            <a:off x="1399180" y="2765717"/>
-            <a:ext cx="1917513" cy="1089529"/>
+            <a:off x="1933422" y="3245232"/>
+            <a:ext cx="742512" cy="638123"/>
           </a:xfrm>
           <a:prstGeom prst="rect">
             <a:avLst/>
@@ -15127,62 +15126,240 @@
               </a:lnSpc>
             </a:pPr>
             <a:r>
-              <a:rPr lang="en-US" altLang="ko-KR" sz="2800" b="1" smtClean="0">
+              <a:rPr lang="en-US" altLang="ko-KR" sz="2800" b="1" dirty="0" smtClean="0">
+                <a:solidFill>
+                  <a:schemeClr val="bg1"/>
+                </a:solidFill>
                 <a:latin typeface="HY헤드라인M" panose="02030600000101010101" pitchFamily="18" charset="-127"/>
                 <a:ea typeface="HY헤드라인M" panose="02030600000101010101" pitchFamily="18" charset="-127"/>
               </a:rPr>
               <a:t>9</a:t>
             </a:r>
             <a:r>
-              <a:rPr lang="ko-KR" altLang="en-US" sz="2800" b="1" smtClean="0">
+              <a:rPr lang="ko-KR" altLang="en-US" sz="2800" b="1" dirty="0" smtClean="0">
+                <a:solidFill>
+                  <a:schemeClr val="bg1"/>
+                </a:solidFill>
                 <a:latin typeface="HY헤드라인M" panose="02030600000101010101" pitchFamily="18" charset="-127"/>
                 <a:ea typeface="HY헤드라인M" panose="02030600000101010101" pitchFamily="18" charset="-127"/>
               </a:rPr>
               <a:t>급</a:t>
             </a:r>
-            <a:r>
-              <a:rPr lang="ko-KR" altLang="en-US" sz="2800" b="1" smtClean="0">
-                <a:latin typeface="HY헤드라인M" panose="02030600000101010101" pitchFamily="18" charset="-127"/>
-                <a:ea typeface="HY헤드라인M" panose="02030600000101010101" pitchFamily="18" charset="-127"/>
-              </a:rPr>
-              <a:t> </a:t>
-            </a:r>
-            <a:r>
-              <a:rPr lang="ko-KR" altLang="en-US" sz="2800" b="1" smtClean="0">
-                <a:latin typeface="HY헤드라인M" panose="02030600000101010101" pitchFamily="18" charset="-127"/>
-                <a:ea typeface="HY헤드라인M" panose="02030600000101010101" pitchFamily="18" charset="-127"/>
-              </a:rPr>
-              <a:t>공무원</a:t>
-            </a:r>
-            <a:endParaRPr lang="en-US" altLang="ko-KR" sz="2800" b="1" smtClean="0">
+            <a:endParaRPr lang="en-US" altLang="ko-KR" sz="2800" b="1" dirty="0" smtClean="0">
+              <a:solidFill>
+                <a:schemeClr val="bg1"/>
+              </a:solidFill>
               <a:latin typeface="HY헤드라인M" panose="02030600000101010101" pitchFamily="18" charset="-127"/>
               <a:ea typeface="HY헤드라인M" panose="02030600000101010101" pitchFamily="18" charset="-127"/>
             </a:endParaRPr>
           </a:p>
-          <a:p>
-            <a:pPr algn="ctr">
-              <a:lnSpc>
-                <a:spcPct val="150000"/>
-              </a:lnSpc>
-            </a:pPr>
-            <a:r>
-              <a:rPr lang="en-US" altLang="ko-KR" smtClean="0">
-                <a:latin typeface="HY중고딕" panose="02030600000101010101" pitchFamily="18" charset="-127"/>
-                <a:ea typeface="HY중고딕" panose="02030600000101010101" pitchFamily="18" charset="-127"/>
-              </a:rPr>
-              <a:t>2015 </a:t>
-            </a:r>
-            <a:r>
-              <a:rPr lang="ko-KR" altLang="en-US" smtClean="0">
-                <a:latin typeface="HY중고딕" panose="02030600000101010101" pitchFamily="18" charset="-127"/>
-                <a:ea typeface="HY중고딕" panose="02030600000101010101" pitchFamily="18" charset="-127"/>
-              </a:rPr>
-              <a:t>기출</a:t>
-            </a:r>
-            <a:endParaRPr lang="ko-KR" altLang="en-US">
-              <a:latin typeface="HY중고딕" panose="02030600000101010101" pitchFamily="18" charset="-127"/>
-              <a:ea typeface="HY중고딕" panose="02030600000101010101" pitchFamily="18" charset="-127"/>
-            </a:endParaRPr>
+        </p:txBody>
+      </p:sp>
+      <p:pic>
+        <p:nvPicPr>
+          <p:cNvPr id="8" name="그림 7"/>
+          <p:cNvPicPr>
+            <a:picLocks noChangeAspect="1"/>
+          </p:cNvPicPr>
+          <p:nvPr/>
+        </p:nvPicPr>
+        <p:blipFill>
+          <a:blip r:embed="rId5"/>
+          <a:stretch>
+            <a:fillRect/>
+          </a:stretch>
+        </p:blipFill>
+        <p:spPr>
+          <a:xfrm rot="1954782">
+            <a:off x="682232" y="971065"/>
+            <a:ext cx="6962775" cy="4962525"/>
+          </a:xfrm>
+          <a:prstGeom prst="rect">
+            <a:avLst/>
+          </a:prstGeom>
+          <a:solidFill>
+            <a:srgbClr val="FFFFFF">
+              <a:shade val="85000"/>
+            </a:srgbClr>
+          </a:solidFill>
+          <a:ln w="190500" cap="rnd">
+            <a:solidFill>
+              <a:srgbClr val="FFFFFF"/>
+            </a:solidFill>
+          </a:ln>
+          <a:effectLst>
+            <a:outerShdw blurRad="36195" dist="12700" dir="11400000" algn="tl" rotWithShape="0">
+              <a:srgbClr val="000000">
+                <a:alpha val="33000"/>
+              </a:srgbClr>
+            </a:outerShdw>
+          </a:effectLst>
+          <a:scene3d>
+            <a:camera prst="perspectiveContrastingLeftFacing">
+              <a:rot lat="540000" lon="2100000" rev="0"/>
+            </a:camera>
+            <a:lightRig rig="soft" dir="t"/>
+          </a:scene3d>
+          <a:sp3d contourW="12700" prstMaterial="matte">
+            <a:bevelT w="63500" h="50800"/>
+            <a:contourClr>
+              <a:srgbClr val="C0C0C0"/>
+            </a:contourClr>
+          </a:sp3d>
+        </p:spPr>
+      </p:pic>
+      <p:cxnSp>
+        <p:nvCxnSpPr>
+          <p:cNvPr id="12" name="직선 연결선 11"/>
+          <p:cNvCxnSpPr/>
+          <p:nvPr/>
+        </p:nvCxnSpPr>
+        <p:spPr>
+          <a:xfrm flipV="1">
+            <a:off x="3291131" y="2789854"/>
+            <a:ext cx="2584849" cy="1324947"/>
+          </a:xfrm>
+          <a:prstGeom prst="line">
+            <a:avLst/>
+          </a:prstGeom>
+          <a:ln>
+            <a:solidFill>
+              <a:schemeClr val="tx1"/>
+            </a:solidFill>
+            <a:tailEnd type="triangle"/>
+          </a:ln>
+        </p:spPr>
+        <p:style>
+          <a:lnRef idx="1">
+            <a:schemeClr val="accent1"/>
+          </a:lnRef>
+          <a:fillRef idx="0">
+            <a:schemeClr val="accent1"/>
+          </a:fillRef>
+          <a:effectRef idx="0">
+            <a:schemeClr val="accent1"/>
+          </a:effectRef>
+          <a:fontRef idx="minor">
+            <a:schemeClr val="tx1"/>
+          </a:fontRef>
+        </p:style>
+      </p:cxnSp>
+      <p:cxnSp>
+        <p:nvCxnSpPr>
+          <p:cNvPr id="14" name="직선 화살표 연결선 13"/>
+          <p:cNvCxnSpPr/>
+          <p:nvPr/>
+        </p:nvCxnSpPr>
+        <p:spPr>
+          <a:xfrm>
+            <a:off x="3291131" y="4114801"/>
+            <a:ext cx="954298" cy="1045028"/>
+          </a:xfrm>
+          <a:prstGeom prst="straightConnector1">
+            <a:avLst/>
+          </a:prstGeom>
+          <a:ln>
+            <a:solidFill>
+              <a:schemeClr val="tx1"/>
+            </a:solidFill>
+            <a:tailEnd type="triangle"/>
+          </a:ln>
+        </p:spPr>
+        <p:style>
+          <a:lnRef idx="1">
+            <a:schemeClr val="accent1"/>
+          </a:lnRef>
+          <a:fillRef idx="0">
+            <a:schemeClr val="accent1"/>
+          </a:fillRef>
+          <a:effectRef idx="0">
+            <a:schemeClr val="accent1"/>
+          </a:effectRef>
+          <a:fontRef idx="minor">
+            <a:schemeClr val="tx1"/>
+          </a:fontRef>
+        </p:style>
+      </p:cxnSp>
+      <p:sp>
+        <p:nvSpPr>
+          <p:cNvPr id="15" name="직사각형 14"/>
+          <p:cNvSpPr>
+            <a:spLocks noChangeAspect="1"/>
+          </p:cNvSpPr>
+          <p:nvPr/>
+        </p:nvSpPr>
+        <p:spPr>
+          <a:xfrm>
+            <a:off x="3078802" y="1873529"/>
+            <a:ext cx="0" cy="0"/>
+          </a:xfrm>
+          <a:prstGeom prst="rect">
+            <a:avLst/>
+          </a:prstGeom>
+          <a:noFill/>
+        </p:spPr>
+        <p:style>
+          <a:lnRef idx="2">
+            <a:schemeClr val="accent1">
+              <a:shade val="50000"/>
+            </a:schemeClr>
+          </a:lnRef>
+          <a:fillRef idx="1">
+            <a:schemeClr val="accent1"/>
+          </a:fillRef>
+          <a:effectRef idx="0">
+            <a:schemeClr val="accent1"/>
+          </a:effectRef>
+          <a:fontRef idx="minor">
+            <a:schemeClr val="lt1"/>
+          </a:fontRef>
+        </p:style>
+        <p:txBody>
+          <a:bodyPr rtlCol="0" anchor="ctr"/>
+          <a:lstStyle/>
+          <a:p>
+            <a:pPr algn="ctr"/>
+            <a:endParaRPr lang="ko-KR" altLang="en-US"/>
+          </a:p>
+        </p:txBody>
+      </p:sp>
+      <p:sp>
+        <p:nvSpPr>
+          <p:cNvPr id="22" name="직사각형 21"/>
+          <p:cNvSpPr/>
+          <p:nvPr/>
+        </p:nvSpPr>
+        <p:spPr>
+          <a:xfrm>
+            <a:off x="6100733" y="4096163"/>
+            <a:ext cx="5760000" cy="3240000"/>
+          </a:xfrm>
+          <a:prstGeom prst="rect">
+            <a:avLst/>
+          </a:prstGeom>
+        </p:spPr>
+        <p:style>
+          <a:lnRef idx="2">
+            <a:schemeClr val="accent1">
+              <a:shade val="50000"/>
+            </a:schemeClr>
+          </a:lnRef>
+          <a:fillRef idx="1">
+            <a:schemeClr val="accent1"/>
+          </a:fillRef>
+          <a:effectRef idx="0">
+            <a:schemeClr val="accent1"/>
+          </a:effectRef>
+          <a:fontRef idx="minor">
+            <a:schemeClr val="lt1"/>
+          </a:fontRef>
+        </p:style>
+        <p:txBody>
+          <a:bodyPr rtlCol="0" anchor="ctr"/>
+          <a:lstStyle/>
+          <a:p>
+            <a:pPr algn="ctr"/>
+            <a:endParaRPr lang="ko-KR" altLang="en-US"/>
           </a:p>
         </p:txBody>
       </p:sp>

--- a/Scatch.pptx
+++ b/Scatch.pptx
@@ -9976,21 +9976,21 @@
                 <a:gridCol w="3836954">
                   <a:extLst>
                     <a:ext uri="{9D8B030D-6E8A-4147-A177-3AD203B41FA5}">
-                      <a16:colId xmlns="" xmlns:a16="http://schemas.microsoft.com/office/drawing/2014/main" val="20000"/>
+                      <a16:colId xmlns:a16="http://schemas.microsoft.com/office/drawing/2014/main" val="20000"/>
                     </a:ext>
                   </a:extLst>
                 </a:gridCol>
                 <a:gridCol w="1632857">
                   <a:extLst>
                     <a:ext uri="{9D8B030D-6E8A-4147-A177-3AD203B41FA5}">
-                      <a16:colId xmlns="" xmlns:a16="http://schemas.microsoft.com/office/drawing/2014/main" val="20001"/>
+                      <a16:colId xmlns:a16="http://schemas.microsoft.com/office/drawing/2014/main" val="20001"/>
                     </a:ext>
                   </a:extLst>
                 </a:gridCol>
                 <a:gridCol w="6055568">
                   <a:extLst>
                     <a:ext uri="{9D8B030D-6E8A-4147-A177-3AD203B41FA5}">
-                      <a16:colId xmlns="" xmlns:a16="http://schemas.microsoft.com/office/drawing/2014/main" val="20002"/>
+                      <a16:colId xmlns:a16="http://schemas.microsoft.com/office/drawing/2014/main" val="20002"/>
                     </a:ext>
                   </a:extLst>
                 </a:gridCol>
@@ -10055,7 +10055,7 @@
                 </a:tc>
                 <a:extLst>
                   <a:ext uri="{0D108BD9-81ED-4DB2-BD59-A6C34878D82A}">
-                    <a16:rowId xmlns="" xmlns:a16="http://schemas.microsoft.com/office/drawing/2014/main" val="10000"/>
+                    <a16:rowId xmlns:a16="http://schemas.microsoft.com/office/drawing/2014/main" val="10000"/>
                   </a:ext>
                 </a:extLst>
               </a:tr>
@@ -10131,7 +10131,7 @@
                 </a:tc>
                 <a:extLst>
                   <a:ext uri="{0D108BD9-81ED-4DB2-BD59-A6C34878D82A}">
-                    <a16:rowId xmlns="" xmlns:a16="http://schemas.microsoft.com/office/drawing/2014/main" val="10001"/>
+                    <a16:rowId xmlns:a16="http://schemas.microsoft.com/office/drawing/2014/main" val="10001"/>
                   </a:ext>
                 </a:extLst>
               </a:tr>
@@ -10203,7 +10203,7 @@
                 </a:tc>
                 <a:extLst>
                   <a:ext uri="{0D108BD9-81ED-4DB2-BD59-A6C34878D82A}">
-                    <a16:rowId xmlns="" xmlns:a16="http://schemas.microsoft.com/office/drawing/2014/main" val="10002"/>
+                    <a16:rowId xmlns:a16="http://schemas.microsoft.com/office/drawing/2014/main" val="10002"/>
                   </a:ext>
                 </a:extLst>
               </a:tr>
@@ -10279,7 +10279,7 @@
                 </a:tc>
                 <a:extLst>
                   <a:ext uri="{0D108BD9-81ED-4DB2-BD59-A6C34878D82A}">
-                    <a16:rowId xmlns="" xmlns:a16="http://schemas.microsoft.com/office/drawing/2014/main" val="10003"/>
+                    <a16:rowId xmlns:a16="http://schemas.microsoft.com/office/drawing/2014/main" val="10003"/>
                   </a:ext>
                 </a:extLst>
               </a:tr>
@@ -10339,7 +10339,7 @@
                 </a:tc>
                 <a:extLst>
                   <a:ext uri="{0D108BD9-81ED-4DB2-BD59-A6C34878D82A}">
-                    <a16:rowId xmlns="" xmlns:a16="http://schemas.microsoft.com/office/drawing/2014/main" val="10004"/>
+                    <a16:rowId xmlns:a16="http://schemas.microsoft.com/office/drawing/2014/main" val="10004"/>
                   </a:ext>
                 </a:extLst>
               </a:tr>
@@ -10379,7 +10379,7 @@
                 </a:tc>
                 <a:extLst>
                   <a:ext uri="{0D108BD9-81ED-4DB2-BD59-A6C34878D82A}">
-                    <a16:rowId xmlns="" xmlns:a16="http://schemas.microsoft.com/office/drawing/2014/main" val="10005"/>
+                    <a16:rowId xmlns:a16="http://schemas.microsoft.com/office/drawing/2014/main" val="10005"/>
                   </a:ext>
                 </a:extLst>
               </a:tr>
@@ -10419,7 +10419,7 @@
                 </a:tc>
                 <a:extLst>
                   <a:ext uri="{0D108BD9-81ED-4DB2-BD59-A6C34878D82A}">
-                    <a16:rowId xmlns="" xmlns:a16="http://schemas.microsoft.com/office/drawing/2014/main" val="10006"/>
+                    <a16:rowId xmlns:a16="http://schemas.microsoft.com/office/drawing/2014/main" val="10006"/>
                   </a:ext>
                 </a:extLst>
               </a:tr>
@@ -10459,7 +10459,7 @@
                 </a:tc>
                 <a:extLst>
                   <a:ext uri="{0D108BD9-81ED-4DB2-BD59-A6C34878D82A}">
-                    <a16:rowId xmlns="" xmlns:a16="http://schemas.microsoft.com/office/drawing/2014/main" val="10007"/>
+                    <a16:rowId xmlns:a16="http://schemas.microsoft.com/office/drawing/2014/main" val="10007"/>
                   </a:ext>
                 </a:extLst>
               </a:tr>
@@ -14545,7 +14545,7 @@
     <p:bg>
       <p:bgPr>
         <a:solidFill>
-          <a:srgbClr val="73B4C6"/>
+          <a:srgbClr val="EFA008"/>
         </a:solidFill>
         <a:effectLst/>
       </p:bgPr>
@@ -15171,7 +15171,7 @@
         </p:blipFill>
         <p:spPr>
           <a:xfrm rot="1954782">
-            <a:off x="682232" y="971065"/>
+            <a:off x="-2368032" y="-422538"/>
             <a:ext cx="6962775" cy="4962525"/>
           </a:xfrm>
           <a:prstGeom prst="rect">
@@ -15360,6 +15360,174 @@
           <a:p>
             <a:pPr algn="ctr"/>
             <a:endParaRPr lang="ko-KR" altLang="en-US"/>
+          </a:p>
+        </p:txBody>
+      </p:sp>
+      <p:sp>
+        <p:nvSpPr>
+          <p:cNvPr id="7" name="직사각형 6"/>
+          <p:cNvSpPr/>
+          <p:nvPr/>
+        </p:nvSpPr>
+        <p:spPr>
+          <a:xfrm>
+            <a:off x="6580655" y="1532467"/>
+            <a:ext cx="2756486" cy="1346200"/>
+          </a:xfrm>
+          <a:prstGeom prst="rect">
+            <a:avLst/>
+          </a:prstGeom>
+          <a:solidFill>
+            <a:schemeClr val="bg1"/>
+          </a:solidFill>
+        </p:spPr>
+        <p:style>
+          <a:lnRef idx="2">
+            <a:schemeClr val="accent1">
+              <a:shade val="50000"/>
+            </a:schemeClr>
+          </a:lnRef>
+          <a:fillRef idx="1">
+            <a:schemeClr val="accent1"/>
+          </a:fillRef>
+          <a:effectRef idx="0">
+            <a:schemeClr val="accent1"/>
+          </a:effectRef>
+          <a:fontRef idx="minor">
+            <a:schemeClr val="lt1"/>
+          </a:fontRef>
+        </p:style>
+        <p:txBody>
+          <a:bodyPr rtlCol="0" anchor="ctr"/>
+          <a:lstStyle/>
+          <a:p>
+            <a:pPr algn="ctr"/>
+            <a:endParaRPr lang="ko-KR" altLang="en-US"/>
+          </a:p>
+        </p:txBody>
+      </p:sp>
+      <p:sp>
+        <p:nvSpPr>
+          <p:cNvPr id="16" name="TextBox 15"/>
+          <p:cNvSpPr txBox="1"/>
+          <p:nvPr/>
+        </p:nvSpPr>
+        <p:spPr>
+          <a:xfrm>
+            <a:off x="7178817" y="2518520"/>
+            <a:ext cx="848309" cy="261610"/>
+          </a:xfrm>
+          <a:prstGeom prst="rect">
+            <a:avLst/>
+          </a:prstGeom>
+          <a:noFill/>
+        </p:spPr>
+        <p:txBody>
+          <a:bodyPr wrap="none" rtlCol="0">
+            <a:spAutoFit/>
+          </a:bodyPr>
+          <a:lstStyle/>
+          <a:p>
+            <a:r>
+              <a:rPr lang="ko-KR" altLang="en-US" sz="1050" smtClean="0"/>
+              <a:t>총</a:t>
+            </a:r>
+            <a:r>
+              <a:rPr lang="ko-KR" altLang="en-US" sz="1050" smtClean="0"/>
+              <a:t> </a:t>
+            </a:r>
+            <a:r>
+              <a:rPr lang="ko-KR" altLang="en-US" sz="1050" smtClean="0"/>
+              <a:t>문제</a:t>
+            </a:r>
+            <a:r>
+              <a:rPr lang="ko-KR" altLang="en-US" sz="1050" smtClean="0"/>
+              <a:t> </a:t>
+            </a:r>
+            <a:r>
+              <a:rPr lang="ko-KR" altLang="en-US" sz="1050" smtClean="0"/>
+              <a:t>수</a:t>
+            </a:r>
+            <a:endParaRPr lang="ko-KR" altLang="en-US" sz="1050"/>
+          </a:p>
+        </p:txBody>
+      </p:sp>
+      <p:sp>
+        <p:nvSpPr>
+          <p:cNvPr id="24" name="TextBox 23"/>
+          <p:cNvSpPr txBox="1"/>
+          <p:nvPr/>
+        </p:nvSpPr>
+        <p:spPr>
+          <a:xfrm>
+            <a:off x="7914181" y="2518520"/>
+            <a:ext cx="819455" cy="253916"/>
+          </a:xfrm>
+          <a:prstGeom prst="rect">
+            <a:avLst/>
+          </a:prstGeom>
+          <a:noFill/>
+        </p:spPr>
+        <p:txBody>
+          <a:bodyPr wrap="none" rtlCol="0">
+            <a:spAutoFit/>
+          </a:bodyPr>
+          <a:lstStyle/>
+          <a:p>
+            <a:r>
+              <a:rPr lang="ko-KR" altLang="en-US" sz="1050"/>
+              <a:t>푼</a:t>
+            </a:r>
+            <a:r>
+              <a:rPr lang="ko-KR" altLang="en-US" sz="1050" smtClean="0"/>
+              <a:t> </a:t>
+            </a:r>
+            <a:r>
+              <a:rPr lang="ko-KR" altLang="en-US" sz="1050" smtClean="0"/>
+              <a:t>문제</a:t>
+            </a:r>
+            <a:r>
+              <a:rPr lang="ko-KR" altLang="en-US" sz="1050" smtClean="0"/>
+              <a:t> </a:t>
+            </a:r>
+            <a:r>
+              <a:rPr lang="ko-KR" altLang="en-US" sz="1050" smtClean="0"/>
+              <a:t>수</a:t>
+            </a:r>
+            <a:endParaRPr lang="ko-KR" altLang="en-US" sz="1050"/>
+          </a:p>
+        </p:txBody>
+      </p:sp>
+      <p:sp>
+        <p:nvSpPr>
+          <p:cNvPr id="25" name="TextBox 24"/>
+          <p:cNvSpPr txBox="1"/>
+          <p:nvPr/>
+        </p:nvSpPr>
+        <p:spPr>
+          <a:xfrm>
+            <a:off x="8607949" y="2518520"/>
+            <a:ext cx="588623" cy="253916"/>
+          </a:xfrm>
+          <a:prstGeom prst="rect">
+            <a:avLst/>
+          </a:prstGeom>
+          <a:noFill/>
+        </p:spPr>
+        <p:txBody>
+          <a:bodyPr wrap="none" rtlCol="0">
+            <a:spAutoFit/>
+          </a:bodyPr>
+          <a:lstStyle/>
+          <a:p>
+            <a:r>
+              <a:rPr lang="ko-KR" altLang="en-US" sz="1050" smtClean="0"/>
+              <a:t>도달</a:t>
+            </a:r>
+            <a:r>
+              <a:rPr lang="ko-KR" altLang="en-US" sz="1050"/>
+              <a:t>률</a:t>
+            </a:r>
           </a:p>
         </p:txBody>
       </p:sp>

--- a/Scatch.pptx
+++ b/Scatch.pptx
@@ -255,7 +255,7 @@
           <a:p>
             <a:fld id="{06EFB4C7-7BEF-490C-A547-EABAD4F9635D}" type="datetimeFigureOut">
               <a:rPr lang="ko-KR" altLang="en-US" smtClean="0"/>
-              <a:t>2018-01-06</a:t>
+              <a:t>2018-01-07</a:t>
             </a:fld>
             <a:endParaRPr lang="ko-KR" altLang="en-US"/>
           </a:p>
@@ -425,7 +425,7 @@
           <a:p>
             <a:fld id="{06EFB4C7-7BEF-490C-A547-EABAD4F9635D}" type="datetimeFigureOut">
               <a:rPr lang="ko-KR" altLang="en-US" smtClean="0"/>
-              <a:t>2018-01-06</a:t>
+              <a:t>2018-01-07</a:t>
             </a:fld>
             <a:endParaRPr lang="ko-KR" altLang="en-US"/>
           </a:p>
@@ -605,7 +605,7 @@
           <a:p>
             <a:fld id="{06EFB4C7-7BEF-490C-A547-EABAD4F9635D}" type="datetimeFigureOut">
               <a:rPr lang="ko-KR" altLang="en-US" smtClean="0"/>
-              <a:t>2018-01-06</a:t>
+              <a:t>2018-01-07</a:t>
             </a:fld>
             <a:endParaRPr lang="ko-KR" altLang="en-US"/>
           </a:p>
@@ -775,7 +775,7 @@
           <a:p>
             <a:fld id="{06EFB4C7-7BEF-490C-A547-EABAD4F9635D}" type="datetimeFigureOut">
               <a:rPr lang="ko-KR" altLang="en-US" smtClean="0"/>
-              <a:t>2018-01-06</a:t>
+              <a:t>2018-01-07</a:t>
             </a:fld>
             <a:endParaRPr lang="ko-KR" altLang="en-US"/>
           </a:p>
@@ -1021,7 +1021,7 @@
           <a:p>
             <a:fld id="{06EFB4C7-7BEF-490C-A547-EABAD4F9635D}" type="datetimeFigureOut">
               <a:rPr lang="ko-KR" altLang="en-US" smtClean="0"/>
-              <a:t>2018-01-06</a:t>
+              <a:t>2018-01-07</a:t>
             </a:fld>
             <a:endParaRPr lang="ko-KR" altLang="en-US"/>
           </a:p>
@@ -1253,7 +1253,7 @@
           <a:p>
             <a:fld id="{06EFB4C7-7BEF-490C-A547-EABAD4F9635D}" type="datetimeFigureOut">
               <a:rPr lang="ko-KR" altLang="en-US" smtClean="0"/>
-              <a:t>2018-01-06</a:t>
+              <a:t>2018-01-07</a:t>
             </a:fld>
             <a:endParaRPr lang="ko-KR" altLang="en-US"/>
           </a:p>
@@ -1620,7 +1620,7 @@
           <a:p>
             <a:fld id="{06EFB4C7-7BEF-490C-A547-EABAD4F9635D}" type="datetimeFigureOut">
               <a:rPr lang="ko-KR" altLang="en-US" smtClean="0"/>
-              <a:t>2018-01-06</a:t>
+              <a:t>2018-01-07</a:t>
             </a:fld>
             <a:endParaRPr lang="ko-KR" altLang="en-US"/>
           </a:p>
@@ -1738,7 +1738,7 @@
           <a:p>
             <a:fld id="{06EFB4C7-7BEF-490C-A547-EABAD4F9635D}" type="datetimeFigureOut">
               <a:rPr lang="ko-KR" altLang="en-US" smtClean="0"/>
-              <a:t>2018-01-06</a:t>
+              <a:t>2018-01-07</a:t>
             </a:fld>
             <a:endParaRPr lang="ko-KR" altLang="en-US"/>
           </a:p>
@@ -1833,7 +1833,7 @@
           <a:p>
             <a:fld id="{06EFB4C7-7BEF-490C-A547-EABAD4F9635D}" type="datetimeFigureOut">
               <a:rPr lang="ko-KR" altLang="en-US" smtClean="0"/>
-              <a:t>2018-01-06</a:t>
+              <a:t>2018-01-07</a:t>
             </a:fld>
             <a:endParaRPr lang="ko-KR" altLang="en-US"/>
           </a:p>
@@ -2110,7 +2110,7 @@
           <a:p>
             <a:fld id="{06EFB4C7-7BEF-490C-A547-EABAD4F9635D}" type="datetimeFigureOut">
               <a:rPr lang="ko-KR" altLang="en-US" smtClean="0"/>
-              <a:t>2018-01-06</a:t>
+              <a:t>2018-01-07</a:t>
             </a:fld>
             <a:endParaRPr lang="ko-KR" altLang="en-US"/>
           </a:p>
@@ -2363,7 +2363,7 @@
           <a:p>
             <a:fld id="{06EFB4C7-7BEF-490C-A547-EABAD4F9635D}" type="datetimeFigureOut">
               <a:rPr lang="ko-KR" altLang="en-US" smtClean="0"/>
-              <a:t>2018-01-06</a:t>
+              <a:t>2018-01-07</a:t>
             </a:fld>
             <a:endParaRPr lang="ko-KR" altLang="en-US"/>
           </a:p>
@@ -2576,7 +2576,7 @@
           <a:p>
             <a:fld id="{06EFB4C7-7BEF-490C-A547-EABAD4F9635D}" type="datetimeFigureOut">
               <a:rPr lang="ko-KR" altLang="en-US" smtClean="0"/>
-              <a:t>2018-01-06</a:t>
+              <a:t>2018-01-07</a:t>
             </a:fld>
             <a:endParaRPr lang="ko-KR" altLang="en-US"/>
           </a:p>
@@ -6447,7 +6447,7 @@
         </p:nvSpPr>
         <p:spPr>
           <a:xfrm>
-            <a:off x="6541477" y="1821341"/>
+            <a:off x="2565919" y="2627052"/>
             <a:ext cx="1113786" cy="997225"/>
           </a:xfrm>
           <a:prstGeom prst="rect">
@@ -6495,7 +6495,7 @@
         </p:nvSpPr>
         <p:spPr>
           <a:xfrm>
-            <a:off x="6780815" y="2177008"/>
+            <a:off x="2805257" y="2982719"/>
             <a:ext cx="635110" cy="276999"/>
           </a:xfrm>
           <a:prstGeom prst="rect">
@@ -6532,7 +6532,7 @@
         </p:nvSpPr>
         <p:spPr>
           <a:xfrm>
-            <a:off x="3405910" y="1929786"/>
+            <a:off x="7570403" y="2728187"/>
             <a:ext cx="1324072" cy="729054"/>
           </a:xfrm>
           <a:prstGeom prst="cloud">
@@ -6578,7 +6578,7 @@
         </p:nvSpPr>
         <p:spPr>
           <a:xfrm>
-            <a:off x="3578479" y="2155813"/>
+            <a:off x="7742972" y="2954214"/>
             <a:ext cx="912430" cy="276999"/>
           </a:xfrm>
           <a:prstGeom prst="rect">
@@ -6615,7 +6615,7 @@
         </p:nvCxnSpPr>
         <p:spPr>
           <a:xfrm>
-            <a:off x="5045825" y="2294313"/>
+            <a:off x="6245624" y="3092714"/>
             <a:ext cx="1122389" cy="0"/>
           </a:xfrm>
           <a:prstGeom prst="straightConnector1">
@@ -6654,7 +6654,7 @@
         </p:nvSpPr>
         <p:spPr>
           <a:xfrm>
-            <a:off x="6541477" y="3805183"/>
+            <a:off x="4929448" y="2627052"/>
             <a:ext cx="1113786" cy="997225"/>
           </a:xfrm>
           <a:prstGeom prst="rect">
@@ -6702,7 +6702,7 @@
         </p:nvSpPr>
         <p:spPr>
           <a:xfrm>
-            <a:off x="6591661" y="4169638"/>
+            <a:off x="4979632" y="2991507"/>
             <a:ext cx="1013419" cy="276999"/>
           </a:xfrm>
           <a:prstGeom prst="rect">
@@ -6753,7 +6753,7 @@
         </p:nvCxnSpPr>
         <p:spPr>
           <a:xfrm>
-            <a:off x="7115695" y="2917767"/>
+            <a:off x="6816960" y="3299323"/>
             <a:ext cx="0" cy="764771"/>
           </a:xfrm>
           <a:prstGeom prst="straightConnector1">
@@ -6789,7 +6789,7 @@
         </p:nvSpPr>
         <p:spPr>
           <a:xfrm>
-            <a:off x="7185422" y="3169347"/>
+            <a:off x="3873232" y="2905364"/>
             <a:ext cx="939681" cy="261610"/>
           </a:xfrm>
           <a:prstGeom prst="rect">
@@ -6804,23 +6804,131 @@
           <a:lstStyle/>
           <a:p>
             <a:r>
-              <a:rPr lang="ko-KR" altLang="en-US" sz="1050" smtClean="0"/>
+              <a:rPr lang="ko-KR" altLang="en-US" sz="1050" dirty="0" smtClean="0"/>
               <a:t>로그인 정보</a:t>
             </a:r>
-            <a:endParaRPr lang="ko-KR" altLang="en-US" sz="1050"/>
+            <a:endParaRPr lang="ko-KR" altLang="en-US" sz="1050" dirty="0"/>
+          </a:p>
+        </p:txBody>
+      </p:sp>
+      <p:sp>
+        <p:nvSpPr>
+          <p:cNvPr id="23" name="TextBox 22"/>
+          <p:cNvSpPr txBox="1"/>
+          <p:nvPr/>
+        </p:nvSpPr>
+        <p:spPr>
+          <a:xfrm>
+            <a:off x="6215803" y="2808610"/>
+            <a:ext cx="1172116" cy="246221"/>
+          </a:xfrm>
+          <a:prstGeom prst="rect">
+            <a:avLst/>
+          </a:prstGeom>
+          <a:noFill/>
+        </p:spPr>
+        <p:txBody>
+          <a:bodyPr wrap="none" rtlCol="0">
+            <a:spAutoFit/>
+          </a:bodyPr>
+          <a:lstStyle/>
+          <a:p>
+            <a:r>
+              <a:rPr lang="ko-KR" altLang="en-US" sz="1000" smtClean="0"/>
+              <a:t>로그인 정보</a:t>
+            </a:r>
+            <a:r>
+              <a:rPr lang="ko-KR" altLang="en-US" sz="1000"/>
+              <a:t> </a:t>
+            </a:r>
+            <a:r>
+              <a:rPr lang="ko-KR" altLang="en-US" sz="1000" smtClean="0"/>
+              <a:t>검증</a:t>
+            </a:r>
+            <a:endParaRPr lang="ko-KR" altLang="en-US" sz="1000"/>
           </a:p>
         </p:txBody>
       </p:sp>
       <p:cxnSp>
         <p:nvCxnSpPr>
-          <p:cNvPr id="15" name="직선 화살표 연결선 14"/>
+          <p:cNvPr id="4" name="직선 화살표 연결선 3"/>
           <p:cNvCxnSpPr/>
           <p:nvPr/>
         </p:nvCxnSpPr>
         <p:spPr>
           <a:xfrm flipH="1">
-            <a:off x="4067946" y="4303795"/>
-            <a:ext cx="2332854" cy="0"/>
+            <a:off x="3819663" y="2780522"/>
+            <a:ext cx="951723" cy="0"/>
+          </a:xfrm>
+          <a:prstGeom prst="straightConnector1">
+            <a:avLst/>
+          </a:prstGeom>
+          <a:ln>
+            <a:solidFill>
+              <a:schemeClr val="tx1"/>
+            </a:solidFill>
+            <a:tailEnd type="triangle"/>
+          </a:ln>
+        </p:spPr>
+        <p:style>
+          <a:lnRef idx="1">
+            <a:schemeClr val="accent1"/>
+          </a:lnRef>
+          <a:fillRef idx="0">
+            <a:schemeClr val="accent1"/>
+          </a:fillRef>
+          <a:effectRef idx="0">
+            <a:schemeClr val="accent1"/>
+          </a:effectRef>
+          <a:fontRef idx="minor">
+            <a:schemeClr val="tx1"/>
+          </a:fontRef>
+        </p:style>
+      </p:cxnSp>
+      <p:sp>
+        <p:nvSpPr>
+          <p:cNvPr id="24" name="TextBox 23"/>
+          <p:cNvSpPr txBox="1"/>
+          <p:nvPr/>
+        </p:nvSpPr>
+        <p:spPr>
+          <a:xfrm>
+            <a:off x="3957391" y="2518912"/>
+            <a:ext cx="771365" cy="253916"/>
+          </a:xfrm>
+          <a:prstGeom prst="rect">
+            <a:avLst/>
+          </a:prstGeom>
+          <a:noFill/>
+        </p:spPr>
+        <p:txBody>
+          <a:bodyPr wrap="none" rtlCol="0">
+            <a:spAutoFit/>
+          </a:bodyPr>
+          <a:lstStyle/>
+          <a:p>
+            <a:r>
+              <a:rPr lang="ko-KR" altLang="en-US" sz="1050" dirty="0" smtClean="0"/>
+              <a:t>버전 </a:t>
+            </a:r>
+            <a:r>
+              <a:rPr lang="ko-KR" altLang="en-US" sz="1050" dirty="0" smtClean="0"/>
+              <a:t>정보</a:t>
+            </a:r>
+            <a:endParaRPr lang="ko-KR" altLang="en-US" sz="1050" dirty="0"/>
+          </a:p>
+        </p:txBody>
+      </p:sp>
+      <p:cxnSp>
+        <p:nvCxnSpPr>
+          <p:cNvPr id="11" name="직선 화살표 연결선 10"/>
+          <p:cNvCxnSpPr/>
+          <p:nvPr/>
+        </p:nvCxnSpPr>
+        <p:spPr>
+          <a:xfrm>
+            <a:off x="3847656" y="3162791"/>
+            <a:ext cx="951722" cy="0"/>
           </a:xfrm>
           <a:prstGeom prst="straightConnector1">
             <a:avLst/>
@@ -6849,14 +6957,14 @@
       </p:cxnSp>
       <p:cxnSp>
         <p:nvCxnSpPr>
-          <p:cNvPr id="19" name="직선 화살표 연결선 18"/>
+          <p:cNvPr id="25" name="직선 화살표 연결선 24"/>
           <p:cNvCxnSpPr/>
           <p:nvPr/>
         </p:nvCxnSpPr>
         <p:spPr>
-          <a:xfrm flipV="1">
-            <a:off x="4067946" y="2818566"/>
-            <a:ext cx="0" cy="1412612"/>
+          <a:xfrm>
+            <a:off x="3856987" y="3530685"/>
+            <a:ext cx="951722" cy="0"/>
           </a:xfrm>
           <a:prstGeom prst="straightConnector1">
             <a:avLst/>
@@ -6885,14 +6993,14 @@
       </p:cxnSp>
       <p:sp>
         <p:nvSpPr>
-          <p:cNvPr id="23" name="TextBox 22"/>
+          <p:cNvPr id="26" name="TextBox 25"/>
           <p:cNvSpPr txBox="1"/>
           <p:nvPr/>
         </p:nvSpPr>
         <p:spPr>
           <a:xfrm>
-            <a:off x="2876896" y="3401761"/>
-            <a:ext cx="1172116" cy="246221"/>
+            <a:off x="3966182" y="3299323"/>
+            <a:ext cx="676788" cy="253916"/>
           </a:xfrm>
           <a:prstGeom prst="rect">
             <a:avLst/>
@@ -6906,18 +7014,245 @@
           <a:lstStyle/>
           <a:p>
             <a:r>
-              <a:rPr lang="ko-KR" altLang="en-US" sz="1000" smtClean="0"/>
-              <a:t>로그인 정보</a:t>
-            </a:r>
-            <a:r>
-              <a:rPr lang="ko-KR" altLang="en-US" sz="1000"/>
-              <a:t> </a:t>
-            </a:r>
-            <a:r>
-              <a:rPr lang="ko-KR" altLang="en-US" sz="1000" smtClean="0"/>
-              <a:t>검증</a:t>
-            </a:r>
-            <a:endParaRPr lang="ko-KR" altLang="en-US" sz="1000"/>
+              <a:rPr lang="en-US" altLang="ko-KR" sz="1050" dirty="0" smtClean="0"/>
+              <a:t>DB </a:t>
+            </a:r>
+            <a:r>
+              <a:rPr lang="ko-KR" altLang="en-US" sz="1050" dirty="0" smtClean="0"/>
+              <a:t>요청</a:t>
+            </a:r>
+            <a:endParaRPr lang="ko-KR" altLang="en-US" sz="1050" dirty="0"/>
+          </a:p>
+        </p:txBody>
+      </p:sp>
+      <p:sp>
+        <p:nvSpPr>
+          <p:cNvPr id="28" name="TextBox 27"/>
+          <p:cNvSpPr txBox="1"/>
+          <p:nvPr/>
+        </p:nvSpPr>
+        <p:spPr>
+          <a:xfrm>
+            <a:off x="6816960" y="3553239"/>
+            <a:ext cx="954107" cy="253916"/>
+          </a:xfrm>
+          <a:prstGeom prst="rect">
+            <a:avLst/>
+          </a:prstGeom>
+          <a:noFill/>
+        </p:spPr>
+        <p:txBody>
+          <a:bodyPr wrap="none" rtlCol="0">
+            <a:spAutoFit/>
+          </a:bodyPr>
+          <a:lstStyle/>
+          <a:p>
+            <a:r>
+              <a:rPr lang="ko-KR" altLang="en-US" sz="1050" dirty="0" err="1" smtClean="0"/>
+              <a:t>앱</a:t>
+            </a:r>
+            <a:r>
+              <a:rPr lang="ko-KR" altLang="en-US" sz="1050" dirty="0" smtClean="0"/>
+              <a:t> 토큰 생성</a:t>
+            </a:r>
+            <a:endParaRPr lang="en-US" altLang="ko-KR" sz="1050" dirty="0" smtClean="0"/>
+          </a:p>
+        </p:txBody>
+      </p:sp>
+      <p:sp>
+        <p:nvSpPr>
+          <p:cNvPr id="13" name="순서도: 자기 디스크 12"/>
+          <p:cNvSpPr/>
+          <p:nvPr/>
+        </p:nvSpPr>
+        <p:spPr>
+          <a:xfrm>
+            <a:off x="6388839" y="4267679"/>
+            <a:ext cx="905174" cy="830425"/>
+          </a:xfrm>
+          <a:prstGeom prst="flowChartMagneticDisk">
+            <a:avLst/>
+          </a:prstGeom>
+          <a:noFill/>
+          <a:ln>
+            <a:solidFill>
+              <a:schemeClr val="tx1"/>
+            </a:solidFill>
+          </a:ln>
+        </p:spPr>
+        <p:style>
+          <a:lnRef idx="2">
+            <a:schemeClr val="accent1">
+              <a:shade val="50000"/>
+            </a:schemeClr>
+          </a:lnRef>
+          <a:fillRef idx="1">
+            <a:schemeClr val="accent1"/>
+          </a:fillRef>
+          <a:effectRef idx="0">
+            <a:schemeClr val="accent1"/>
+          </a:effectRef>
+          <a:fontRef idx="minor">
+            <a:schemeClr val="lt1"/>
+          </a:fontRef>
+        </p:style>
+        <p:txBody>
+          <a:bodyPr rtlCol="0" anchor="ctr"/>
+          <a:lstStyle/>
+          <a:p>
+            <a:pPr algn="ctr"/>
+            <a:endParaRPr lang="ko-KR" altLang="en-US"/>
+          </a:p>
+        </p:txBody>
+      </p:sp>
+      <p:sp>
+        <p:nvSpPr>
+          <p:cNvPr id="29" name="TextBox 28"/>
+          <p:cNvSpPr txBox="1"/>
+          <p:nvPr/>
+        </p:nvSpPr>
+        <p:spPr>
+          <a:xfrm>
+            <a:off x="6636883" y="4644051"/>
+            <a:ext cx="409086" cy="276999"/>
+          </a:xfrm>
+          <a:prstGeom prst="rect">
+            <a:avLst/>
+          </a:prstGeom>
+          <a:noFill/>
+        </p:spPr>
+        <p:txBody>
+          <a:bodyPr wrap="none" rtlCol="0">
+            <a:spAutoFit/>
+          </a:bodyPr>
+          <a:lstStyle/>
+          <a:p>
+            <a:pPr algn="ctr"/>
+            <a:r>
+              <a:rPr lang="en-US" altLang="ko-KR" sz="1200" dirty="0" smtClean="0">
+                <a:latin typeface="210 맨발의청춘 L" panose="02020603020101020101" pitchFamily="18" charset="-127"/>
+                <a:ea typeface="210 맨발의청춘 L" panose="02020603020101020101" pitchFamily="18" charset="-127"/>
+              </a:rPr>
+              <a:t>DB</a:t>
+            </a:r>
+            <a:endParaRPr lang="ko-KR" altLang="en-US" sz="1200" dirty="0">
+              <a:latin typeface="210 맨발의청춘 L" panose="02020603020101020101" pitchFamily="18" charset="-127"/>
+              <a:ea typeface="210 맨발의청춘 L" panose="02020603020101020101" pitchFamily="18" charset="-127"/>
+            </a:endParaRPr>
+          </a:p>
+        </p:txBody>
+      </p:sp>
+      <p:cxnSp>
+        <p:nvCxnSpPr>
+          <p:cNvPr id="16" name="직선 연결선 15"/>
+          <p:cNvCxnSpPr/>
+          <p:nvPr/>
+        </p:nvCxnSpPr>
+        <p:spPr>
+          <a:xfrm>
+            <a:off x="5486341" y="3807155"/>
+            <a:ext cx="0" cy="875736"/>
+          </a:xfrm>
+          <a:prstGeom prst="line">
+            <a:avLst/>
+          </a:prstGeom>
+          <a:ln>
+            <a:solidFill>
+              <a:schemeClr val="tx1"/>
+            </a:solidFill>
+            <a:tailEnd type="triangle"/>
+          </a:ln>
+        </p:spPr>
+        <p:style>
+          <a:lnRef idx="1">
+            <a:schemeClr val="accent1"/>
+          </a:lnRef>
+          <a:fillRef idx="0">
+            <a:schemeClr val="accent1"/>
+          </a:fillRef>
+          <a:effectRef idx="0">
+            <a:schemeClr val="accent1"/>
+          </a:effectRef>
+          <a:fontRef idx="minor">
+            <a:schemeClr val="tx1"/>
+          </a:fontRef>
+        </p:style>
+      </p:cxnSp>
+      <p:cxnSp>
+        <p:nvCxnSpPr>
+          <p:cNvPr id="31" name="직선 화살표 연결선 30"/>
+          <p:cNvCxnSpPr/>
+          <p:nvPr/>
+        </p:nvCxnSpPr>
+        <p:spPr>
+          <a:xfrm>
+            <a:off x="5583150" y="4703851"/>
+            <a:ext cx="632653" cy="0"/>
+          </a:xfrm>
+          <a:prstGeom prst="straightConnector1">
+            <a:avLst/>
+          </a:prstGeom>
+          <a:ln>
+            <a:solidFill>
+              <a:schemeClr val="tx1"/>
+            </a:solidFill>
+            <a:tailEnd type="triangle"/>
+          </a:ln>
+        </p:spPr>
+        <p:style>
+          <a:lnRef idx="1">
+            <a:schemeClr val="accent1"/>
+          </a:lnRef>
+          <a:fillRef idx="0">
+            <a:schemeClr val="accent1"/>
+          </a:fillRef>
+          <a:effectRef idx="0">
+            <a:schemeClr val="accent1"/>
+          </a:effectRef>
+          <a:fontRef idx="minor">
+            <a:schemeClr val="tx1"/>
+          </a:fontRef>
+        </p:style>
+      </p:cxnSp>
+      <p:sp>
+        <p:nvSpPr>
+          <p:cNvPr id="32" name="TextBox 31"/>
+          <p:cNvSpPr txBox="1"/>
+          <p:nvPr/>
+        </p:nvSpPr>
+        <p:spPr>
+          <a:xfrm>
+            <a:off x="5539015" y="4258446"/>
+            <a:ext cx="676788" cy="415498"/>
+          </a:xfrm>
+          <a:prstGeom prst="rect">
+            <a:avLst/>
+          </a:prstGeom>
+          <a:noFill/>
+        </p:spPr>
+        <p:txBody>
+          <a:bodyPr wrap="none" rtlCol="0">
+            <a:spAutoFit/>
+          </a:bodyPr>
+          <a:lstStyle/>
+          <a:p>
+            <a:pPr algn="ctr"/>
+            <a:r>
+              <a:rPr lang="ko-KR" altLang="en-US" sz="1050" dirty="0" smtClean="0"/>
+              <a:t>최신 </a:t>
+            </a:r>
+            <a:r>
+              <a:rPr lang="en-US" altLang="ko-KR" sz="1050" dirty="0" smtClean="0"/>
+              <a:t>DB</a:t>
+            </a:r>
+          </a:p>
+          <a:p>
+            <a:pPr algn="ctr"/>
+            <a:r>
+              <a:rPr lang="ko-KR" altLang="en-US" sz="1050" dirty="0" smtClean="0"/>
+              <a:t>요청</a:t>
+            </a:r>
+            <a:endParaRPr lang="ko-KR" altLang="en-US" sz="1050" dirty="0"/>
           </a:p>
         </p:txBody>
       </p:sp>
@@ -9976,21 +10311,21 @@
                 <a:gridCol w="3836954">
                   <a:extLst>
                     <a:ext uri="{9D8B030D-6E8A-4147-A177-3AD203B41FA5}">
-                      <a16:colId xmlns:a16="http://schemas.microsoft.com/office/drawing/2014/main" val="20000"/>
+                      <a16:colId xmlns:a16="http://schemas.microsoft.com/office/drawing/2014/main" xmlns="" val="20000"/>
                     </a:ext>
                   </a:extLst>
                 </a:gridCol>
                 <a:gridCol w="1632857">
                   <a:extLst>
                     <a:ext uri="{9D8B030D-6E8A-4147-A177-3AD203B41FA5}">
-                      <a16:colId xmlns:a16="http://schemas.microsoft.com/office/drawing/2014/main" val="20001"/>
+                      <a16:colId xmlns:a16="http://schemas.microsoft.com/office/drawing/2014/main" xmlns="" val="20001"/>
                     </a:ext>
                   </a:extLst>
                 </a:gridCol>
                 <a:gridCol w="6055568">
                   <a:extLst>
                     <a:ext uri="{9D8B030D-6E8A-4147-A177-3AD203B41FA5}">
-                      <a16:colId xmlns:a16="http://schemas.microsoft.com/office/drawing/2014/main" val="20002"/>
+                      <a16:colId xmlns:a16="http://schemas.microsoft.com/office/drawing/2014/main" xmlns="" val="20002"/>
                     </a:ext>
                   </a:extLst>
                 </a:gridCol>
@@ -10055,7 +10390,7 @@
                 </a:tc>
                 <a:extLst>
                   <a:ext uri="{0D108BD9-81ED-4DB2-BD59-A6C34878D82A}">
-                    <a16:rowId xmlns:a16="http://schemas.microsoft.com/office/drawing/2014/main" val="10000"/>
+                    <a16:rowId xmlns:a16="http://schemas.microsoft.com/office/drawing/2014/main" xmlns="" val="10000"/>
                   </a:ext>
                 </a:extLst>
               </a:tr>
@@ -10131,7 +10466,7 @@
                 </a:tc>
                 <a:extLst>
                   <a:ext uri="{0D108BD9-81ED-4DB2-BD59-A6C34878D82A}">
-                    <a16:rowId xmlns:a16="http://schemas.microsoft.com/office/drawing/2014/main" val="10001"/>
+                    <a16:rowId xmlns:a16="http://schemas.microsoft.com/office/drawing/2014/main" xmlns="" val="10001"/>
                   </a:ext>
                 </a:extLst>
               </a:tr>
@@ -10203,7 +10538,7 @@
                 </a:tc>
                 <a:extLst>
                   <a:ext uri="{0D108BD9-81ED-4DB2-BD59-A6C34878D82A}">
-                    <a16:rowId xmlns:a16="http://schemas.microsoft.com/office/drawing/2014/main" val="10002"/>
+                    <a16:rowId xmlns:a16="http://schemas.microsoft.com/office/drawing/2014/main" xmlns="" val="10002"/>
                   </a:ext>
                 </a:extLst>
               </a:tr>
@@ -10279,7 +10614,7 @@
                 </a:tc>
                 <a:extLst>
                   <a:ext uri="{0D108BD9-81ED-4DB2-BD59-A6C34878D82A}">
-                    <a16:rowId xmlns:a16="http://schemas.microsoft.com/office/drawing/2014/main" val="10003"/>
+                    <a16:rowId xmlns:a16="http://schemas.microsoft.com/office/drawing/2014/main" xmlns="" val="10003"/>
                   </a:ext>
                 </a:extLst>
               </a:tr>
@@ -10339,7 +10674,7 @@
                 </a:tc>
                 <a:extLst>
                   <a:ext uri="{0D108BD9-81ED-4DB2-BD59-A6C34878D82A}">
-                    <a16:rowId xmlns:a16="http://schemas.microsoft.com/office/drawing/2014/main" val="10004"/>
+                    <a16:rowId xmlns:a16="http://schemas.microsoft.com/office/drawing/2014/main" xmlns="" val="10004"/>
                   </a:ext>
                 </a:extLst>
               </a:tr>
@@ -10379,7 +10714,7 @@
                 </a:tc>
                 <a:extLst>
                   <a:ext uri="{0D108BD9-81ED-4DB2-BD59-A6C34878D82A}">
-                    <a16:rowId xmlns:a16="http://schemas.microsoft.com/office/drawing/2014/main" val="10005"/>
+                    <a16:rowId xmlns:a16="http://schemas.microsoft.com/office/drawing/2014/main" xmlns="" val="10005"/>
                   </a:ext>
                 </a:extLst>
               </a:tr>
@@ -10419,7 +10754,7 @@
                 </a:tc>
                 <a:extLst>
                   <a:ext uri="{0D108BD9-81ED-4DB2-BD59-A6C34878D82A}">
-                    <a16:rowId xmlns:a16="http://schemas.microsoft.com/office/drawing/2014/main" val="10006"/>
+                    <a16:rowId xmlns:a16="http://schemas.microsoft.com/office/drawing/2014/main" xmlns="" val="10006"/>
                   </a:ext>
                 </a:extLst>
               </a:tr>
@@ -10459,7 +10794,7 @@
                 </a:tc>
                 <a:extLst>
                   <a:ext uri="{0D108BD9-81ED-4DB2-BD59-A6C34878D82A}">
-                    <a16:rowId xmlns:a16="http://schemas.microsoft.com/office/drawing/2014/main" val="10007"/>
+                    <a16:rowId xmlns:a16="http://schemas.microsoft.com/office/drawing/2014/main" xmlns="" val="10007"/>
                   </a:ext>
                 </a:extLst>
               </a:tr>
@@ -14545,7 +14880,7 @@
     <p:bg>
       <p:bgPr>
         <a:solidFill>
-          <a:srgbClr val="EFA008"/>
+          <a:srgbClr val="574897"/>
         </a:solidFill>
         <a:effectLst/>
       </p:bgPr>
@@ -15430,23 +15765,7 @@
           <a:p>
             <a:r>
               <a:rPr lang="ko-KR" altLang="en-US" sz="1050" smtClean="0"/>
-              <a:t>총</a:t>
-            </a:r>
-            <a:r>
-              <a:rPr lang="ko-KR" altLang="en-US" sz="1050" smtClean="0"/>
-              <a:t> </a:t>
-            </a:r>
-            <a:r>
-              <a:rPr lang="ko-KR" altLang="en-US" sz="1050" smtClean="0"/>
-              <a:t>문제</a:t>
-            </a:r>
-            <a:r>
-              <a:rPr lang="ko-KR" altLang="en-US" sz="1050" smtClean="0"/>
-              <a:t> </a:t>
-            </a:r>
-            <a:r>
-              <a:rPr lang="ko-KR" altLang="en-US" sz="1050" smtClean="0"/>
-              <a:t>수</a:t>
+              <a:t>총 문제 수</a:t>
             </a:r>
             <a:endParaRPr lang="ko-KR" altLang="en-US" sz="1050"/>
           </a:p>
@@ -15480,19 +15799,7 @@
             </a:r>
             <a:r>
               <a:rPr lang="ko-KR" altLang="en-US" sz="1050" smtClean="0"/>
-              <a:t> </a:t>
-            </a:r>
-            <a:r>
-              <a:rPr lang="ko-KR" altLang="en-US" sz="1050" smtClean="0"/>
-              <a:t>문제</a:t>
-            </a:r>
-            <a:r>
-              <a:rPr lang="ko-KR" altLang="en-US" sz="1050" smtClean="0"/>
-              <a:t> </a:t>
-            </a:r>
-            <a:r>
-              <a:rPr lang="ko-KR" altLang="en-US" sz="1050" smtClean="0"/>
-              <a:t>수</a:t>
+              <a:t> 문제 수</a:t>
             </a:r>
             <a:endParaRPr lang="ko-KR" altLang="en-US" sz="1050"/>
           </a:p>

--- a/Scatch.pptx
+++ b/Scatch.pptx
@@ -14,10 +14,11 @@
     <p:sldId id="260" r:id="rId8"/>
     <p:sldId id="264" r:id="rId9"/>
     <p:sldId id="262" r:id="rId10"/>
-    <p:sldId id="266" r:id="rId11"/>
-    <p:sldId id="268" r:id="rId12"/>
-    <p:sldId id="267" r:id="rId13"/>
-    <p:sldId id="269" r:id="rId14"/>
+    <p:sldId id="270" r:id="rId11"/>
+    <p:sldId id="266" r:id="rId12"/>
+    <p:sldId id="268" r:id="rId13"/>
+    <p:sldId id="267" r:id="rId14"/>
+    <p:sldId id="269" r:id="rId15"/>
   </p:sldIdLst>
   <p:sldSz cx="12192000" cy="6858000"/>
   <p:notesSz cx="6858000" cy="9144000"/>
@@ -255,7 +256,7 @@
           <a:p>
             <a:fld id="{06EFB4C7-7BEF-490C-A547-EABAD4F9635D}" type="datetimeFigureOut">
               <a:rPr lang="ko-KR" altLang="en-US" smtClean="0"/>
-              <a:t>2018-01-07</a:t>
+              <a:t>2018-01-31</a:t>
             </a:fld>
             <a:endParaRPr lang="ko-KR" altLang="en-US"/>
           </a:p>
@@ -425,7 +426,7 @@
           <a:p>
             <a:fld id="{06EFB4C7-7BEF-490C-A547-EABAD4F9635D}" type="datetimeFigureOut">
               <a:rPr lang="ko-KR" altLang="en-US" smtClean="0"/>
-              <a:t>2018-01-07</a:t>
+              <a:t>2018-01-31</a:t>
             </a:fld>
             <a:endParaRPr lang="ko-KR" altLang="en-US"/>
           </a:p>
@@ -605,7 +606,7 @@
           <a:p>
             <a:fld id="{06EFB4C7-7BEF-490C-A547-EABAD4F9635D}" type="datetimeFigureOut">
               <a:rPr lang="ko-KR" altLang="en-US" smtClean="0"/>
-              <a:t>2018-01-07</a:t>
+              <a:t>2018-01-31</a:t>
             </a:fld>
             <a:endParaRPr lang="ko-KR" altLang="en-US"/>
           </a:p>
@@ -775,7 +776,7 @@
           <a:p>
             <a:fld id="{06EFB4C7-7BEF-490C-A547-EABAD4F9635D}" type="datetimeFigureOut">
               <a:rPr lang="ko-KR" altLang="en-US" smtClean="0"/>
-              <a:t>2018-01-07</a:t>
+              <a:t>2018-01-31</a:t>
             </a:fld>
             <a:endParaRPr lang="ko-KR" altLang="en-US"/>
           </a:p>
@@ -1021,7 +1022,7 @@
           <a:p>
             <a:fld id="{06EFB4C7-7BEF-490C-A547-EABAD4F9635D}" type="datetimeFigureOut">
               <a:rPr lang="ko-KR" altLang="en-US" smtClean="0"/>
-              <a:t>2018-01-07</a:t>
+              <a:t>2018-01-31</a:t>
             </a:fld>
             <a:endParaRPr lang="ko-KR" altLang="en-US"/>
           </a:p>
@@ -1253,7 +1254,7 @@
           <a:p>
             <a:fld id="{06EFB4C7-7BEF-490C-A547-EABAD4F9635D}" type="datetimeFigureOut">
               <a:rPr lang="ko-KR" altLang="en-US" smtClean="0"/>
-              <a:t>2018-01-07</a:t>
+              <a:t>2018-01-31</a:t>
             </a:fld>
             <a:endParaRPr lang="ko-KR" altLang="en-US"/>
           </a:p>
@@ -1620,7 +1621,7 @@
           <a:p>
             <a:fld id="{06EFB4C7-7BEF-490C-A547-EABAD4F9635D}" type="datetimeFigureOut">
               <a:rPr lang="ko-KR" altLang="en-US" smtClean="0"/>
-              <a:t>2018-01-07</a:t>
+              <a:t>2018-01-31</a:t>
             </a:fld>
             <a:endParaRPr lang="ko-KR" altLang="en-US"/>
           </a:p>
@@ -1738,7 +1739,7 @@
           <a:p>
             <a:fld id="{06EFB4C7-7BEF-490C-A547-EABAD4F9635D}" type="datetimeFigureOut">
               <a:rPr lang="ko-KR" altLang="en-US" smtClean="0"/>
-              <a:t>2018-01-07</a:t>
+              <a:t>2018-01-31</a:t>
             </a:fld>
             <a:endParaRPr lang="ko-KR" altLang="en-US"/>
           </a:p>
@@ -1833,7 +1834,7 @@
           <a:p>
             <a:fld id="{06EFB4C7-7BEF-490C-A547-EABAD4F9635D}" type="datetimeFigureOut">
               <a:rPr lang="ko-KR" altLang="en-US" smtClean="0"/>
-              <a:t>2018-01-07</a:t>
+              <a:t>2018-01-31</a:t>
             </a:fld>
             <a:endParaRPr lang="ko-KR" altLang="en-US"/>
           </a:p>
@@ -2110,7 +2111,7 @@
           <a:p>
             <a:fld id="{06EFB4C7-7BEF-490C-A547-EABAD4F9635D}" type="datetimeFigureOut">
               <a:rPr lang="ko-KR" altLang="en-US" smtClean="0"/>
-              <a:t>2018-01-07</a:t>
+              <a:t>2018-01-31</a:t>
             </a:fld>
             <a:endParaRPr lang="ko-KR" altLang="en-US"/>
           </a:p>
@@ -2363,7 +2364,7 @@
           <a:p>
             <a:fld id="{06EFB4C7-7BEF-490C-A547-EABAD4F9635D}" type="datetimeFigureOut">
               <a:rPr lang="ko-KR" altLang="en-US" smtClean="0"/>
-              <a:t>2018-01-07</a:t>
+              <a:t>2018-01-31</a:t>
             </a:fld>
             <a:endParaRPr lang="ko-KR" altLang="en-US"/>
           </a:p>
@@ -2576,7 +2577,7 @@
           <a:p>
             <a:fld id="{06EFB4C7-7BEF-490C-A547-EABAD4F9635D}" type="datetimeFigureOut">
               <a:rPr lang="ko-KR" altLang="en-US" smtClean="0"/>
-              <a:t>2018-01-07</a:t>
+              <a:t>2018-01-31</a:t>
             </a:fld>
             <a:endParaRPr lang="ko-KR" altLang="en-US"/>
           </a:p>
@@ -4883,6 +4884,14 @@
 <file path=ppt/slides/slide10.xml><?xml version="1.0" encoding="utf-8"?>
 <p:sld xmlns:a="http://schemas.openxmlformats.org/drawingml/2006/main" xmlns:r="http://schemas.openxmlformats.org/officeDocument/2006/relationships" xmlns:p="http://schemas.openxmlformats.org/presentationml/2006/main">
   <p:cSld>
+    <p:bg>
+      <p:bgPr>
+        <a:solidFill>
+          <a:srgbClr val="0093F7"/>
+        </a:solidFill>
+        <a:effectLst/>
+      </p:bgPr>
+    </p:bg>
     <p:spTree>
       <p:nvGrpSpPr>
         <p:cNvPr id="1" name=""/>
@@ -4899,27 +4908,23 @@
       </p:grpSpPr>
       <p:sp>
         <p:nvSpPr>
-          <p:cNvPr id="48" name="직사각형 47"/>
-          <p:cNvSpPr>
-            <a:spLocks noChangeAspect="1"/>
-          </p:cNvSpPr>
-          <p:nvPr/>
-        </p:nvSpPr>
-        <p:spPr>
-          <a:xfrm>
-            <a:off x="3748402" y="4082403"/>
-            <a:ext cx="1113786" cy="997225"/>
-          </a:xfrm>
-          <a:prstGeom prst="rect">
+          <p:cNvPr id="25" name="타원 24"/>
+          <p:cNvSpPr/>
+          <p:nvPr/>
+        </p:nvSpPr>
+        <p:spPr>
+          <a:xfrm>
+            <a:off x="2580362" y="184827"/>
+            <a:ext cx="7064679" cy="7064679"/>
+          </a:xfrm>
+          <a:prstGeom prst="ellipse">
             <a:avLst/>
           </a:prstGeom>
           <a:solidFill>
             <a:schemeClr val="bg1"/>
           </a:solidFill>
-          <a:ln w="25400">
-            <a:solidFill>
-              <a:schemeClr val="tx1"/>
-            </a:solidFill>
+          <a:ln w="1016000">
+            <a:noFill/>
           </a:ln>
         </p:spPr>
         <p:style>
@@ -4947,131 +4952,46 @@
           </a:p>
         </p:txBody>
       </p:sp>
-      <p:sp>
-        <p:nvSpPr>
-          <p:cNvPr id="2" name="직사각형 1"/>
-          <p:cNvSpPr/>
-          <p:nvPr/>
-        </p:nvSpPr>
-        <p:spPr>
-          <a:xfrm>
-            <a:off x="0" y="0"/>
-            <a:ext cx="2388637" cy="466530"/>
-          </a:xfrm>
-          <a:prstGeom prst="rect">
-            <a:avLst/>
-          </a:prstGeom>
-          <a:solidFill>
-            <a:schemeClr val="tx1"/>
-          </a:solidFill>
-          <a:ln>
-            <a:noFill/>
-          </a:ln>
-        </p:spPr>
-        <p:style>
-          <a:lnRef idx="2">
-            <a:schemeClr val="accent1">
-              <a:shade val="50000"/>
-            </a:schemeClr>
-          </a:lnRef>
-          <a:fillRef idx="1">
-            <a:schemeClr val="accent1"/>
-          </a:fillRef>
-          <a:effectRef idx="0">
-            <a:schemeClr val="accent1"/>
-          </a:effectRef>
-          <a:fontRef idx="minor">
-            <a:schemeClr val="lt1"/>
-          </a:fontRef>
-        </p:style>
-        <p:txBody>
-          <a:bodyPr rtlCol="0" anchor="ctr"/>
-          <a:lstStyle/>
-          <a:p>
-            <a:pPr algn="ctr"/>
-            <a:r>
-              <a:rPr lang="ko-KR" altLang="en-US" smtClean="0">
-                <a:latin typeface="210 맨발의청춘 B" panose="02020603020101020101" pitchFamily="18" charset="-127"/>
-                <a:ea typeface="210 맨발의청춘 B" panose="02020603020101020101" pitchFamily="18" charset="-127"/>
-              </a:rPr>
-              <a:t>백 앤드 설계</a:t>
-            </a:r>
-            <a:endParaRPr lang="ko-KR" altLang="en-US" dirty="0">
-              <a:latin typeface="210 맨발의청춘 B" panose="02020603020101020101" pitchFamily="18" charset="-127"/>
-              <a:ea typeface="210 맨발의청춘 B" panose="02020603020101020101" pitchFamily="18" charset="-127"/>
-            </a:endParaRPr>
-          </a:p>
-        </p:txBody>
-      </p:sp>
-      <p:sp>
-        <p:nvSpPr>
-          <p:cNvPr id="9" name="직사각형 8"/>
-          <p:cNvSpPr/>
-          <p:nvPr/>
-        </p:nvSpPr>
-        <p:spPr>
-          <a:xfrm>
-            <a:off x="2565919" y="0"/>
-            <a:ext cx="2388637" cy="466530"/>
-          </a:xfrm>
-          <a:prstGeom prst="rect">
-            <a:avLst/>
-          </a:prstGeom>
-          <a:solidFill>
-            <a:schemeClr val="tx1">
-              <a:lumMod val="50000"/>
-              <a:lumOff val="50000"/>
-            </a:schemeClr>
-          </a:solidFill>
-          <a:ln>
-            <a:noFill/>
-          </a:ln>
-        </p:spPr>
-        <p:style>
-          <a:lnRef idx="2">
-            <a:schemeClr val="accent1">
-              <a:shade val="50000"/>
-            </a:schemeClr>
-          </a:lnRef>
-          <a:fillRef idx="1">
-            <a:schemeClr val="accent1"/>
-          </a:fillRef>
-          <a:effectRef idx="0">
-            <a:schemeClr val="accent1"/>
-          </a:effectRef>
-          <a:fontRef idx="minor">
-            <a:schemeClr val="lt1"/>
-          </a:fontRef>
-        </p:style>
-        <p:txBody>
-          <a:bodyPr rtlCol="0" anchor="ctr"/>
-          <a:lstStyle/>
-          <a:p>
-            <a:pPr algn="ctr"/>
-            <a:r>
-              <a:rPr lang="ko-KR" altLang="en-US" smtClean="0">
-                <a:latin typeface="210 맨발의청춘 B" panose="02020603020101020101" pitchFamily="18" charset="-127"/>
-                <a:ea typeface="210 맨발의청춘 B" panose="02020603020101020101" pitchFamily="18" charset="-127"/>
-              </a:rPr>
-              <a:t>데이터 처리도</a:t>
-            </a:r>
-            <a:endParaRPr lang="ko-KR" altLang="en-US" dirty="0">
-              <a:latin typeface="210 맨발의청춘 B" panose="02020603020101020101" pitchFamily="18" charset="-127"/>
-              <a:ea typeface="210 맨발의청춘 B" panose="02020603020101020101" pitchFamily="18" charset="-127"/>
-            </a:endParaRPr>
-          </a:p>
-        </p:txBody>
-      </p:sp>
-      <p:sp>
-        <p:nvSpPr>
-          <p:cNvPr id="11" name="TextBox 10"/>
+      <p:pic>
+        <p:nvPicPr>
+          <p:cNvPr id="26" name="그림 25"/>
+          <p:cNvPicPr>
+            <a:picLocks noChangeAspect="1"/>
+          </p:cNvPicPr>
+          <p:nvPr/>
+        </p:nvPicPr>
+        <p:blipFill>
+          <a:blip r:embed="rId2">
+            <a:extLst>
+              <a:ext uri="{28A0092B-C50C-407E-A947-70E740481C1C}">
+                <a14:useLocalDpi xmlns:a14="http://schemas.microsoft.com/office/drawing/2010/main" val="0"/>
+              </a:ext>
+            </a:extLst>
+          </a:blip>
+          <a:stretch>
+            <a:fillRect/>
+          </a:stretch>
+        </p:blipFill>
+        <p:spPr>
+          <a:xfrm>
+            <a:off x="4728295" y="1476617"/>
+            <a:ext cx="2768812" cy="2768812"/>
+          </a:xfrm>
+          <a:prstGeom prst="rect">
+            <a:avLst/>
+          </a:prstGeom>
+        </p:spPr>
+      </p:pic>
+      <p:sp>
+        <p:nvSpPr>
+          <p:cNvPr id="27" name="TextBox 26"/>
           <p:cNvSpPr txBox="1"/>
           <p:nvPr/>
         </p:nvSpPr>
         <p:spPr>
           <a:xfrm>
-            <a:off x="1417153" y="6609769"/>
-            <a:ext cx="585417" cy="276999"/>
+            <a:off x="3897992" y="4334348"/>
+            <a:ext cx="4429418" cy="1107996"/>
           </a:xfrm>
           <a:prstGeom prst="rect">
             <a:avLst/>
@@ -5085,1209 +5005,21 @@
           <a:lstStyle/>
           <a:p>
             <a:r>
-              <a:rPr lang="en-US" altLang="ko-KR" sz="1200" dirty="0" smtClean="0">
-                <a:latin typeface="210 맨발의청춘 L" panose="02020603020101020101" pitchFamily="18" charset="-127"/>
-                <a:ea typeface="210 맨발의청춘 L" panose="02020603020101020101" pitchFamily="18" charset="-127"/>
-              </a:rPr>
-              <a:t>[</a:t>
-            </a:r>
-            <a:r>
-              <a:rPr lang="ko-KR" altLang="en-US" sz="1200" dirty="0" smtClean="0">
-                <a:latin typeface="210 맨발의청춘 L" panose="02020603020101020101" pitchFamily="18" charset="-127"/>
-                <a:ea typeface="210 맨발의청춘 L" panose="02020603020101020101" pitchFamily="18" charset="-127"/>
-              </a:rPr>
-              <a:t>메인</a:t>
-            </a:r>
-            <a:r>
-              <a:rPr lang="en-US" altLang="ko-KR" sz="1200" dirty="0" smtClean="0">
-                <a:latin typeface="210 맨발의청춘 L" panose="02020603020101020101" pitchFamily="18" charset="-127"/>
-                <a:ea typeface="210 맨발의청춘 L" panose="02020603020101020101" pitchFamily="18" charset="-127"/>
-              </a:rPr>
-              <a:t>]</a:t>
-            </a:r>
-            <a:endParaRPr lang="ko-KR" altLang="en-US" sz="1200" dirty="0">
-              <a:latin typeface="210 맨발의청춘 L" panose="02020603020101020101" pitchFamily="18" charset="-127"/>
-              <a:ea typeface="210 맨발의청춘 L" panose="02020603020101020101" pitchFamily="18" charset="-127"/>
-            </a:endParaRPr>
-          </a:p>
-        </p:txBody>
-      </p:sp>
-      <p:sp>
-        <p:nvSpPr>
-          <p:cNvPr id="26" name="TextBox 25"/>
-          <p:cNvSpPr txBox="1"/>
-          <p:nvPr/>
-        </p:nvSpPr>
-        <p:spPr>
-          <a:xfrm>
-            <a:off x="3987740" y="4438070"/>
-            <a:ext cx="635110" cy="276999"/>
-          </a:xfrm>
-          <a:prstGeom prst="rect">
-            <a:avLst/>
-          </a:prstGeom>
-          <a:noFill/>
-        </p:spPr>
-        <p:txBody>
-          <a:bodyPr wrap="none" rtlCol="0">
-            <a:spAutoFit/>
-          </a:bodyPr>
-          <a:lstStyle/>
-          <a:p>
-            <a:pPr algn="ctr"/>
-            <a:r>
-              <a:rPr lang="en-US" altLang="ko-KR" sz="1200" dirty="0" smtClean="0">
-                <a:latin typeface="210 맨발의청춘 L" panose="02020603020101020101" pitchFamily="18" charset="-127"/>
-                <a:ea typeface="210 맨발의청춘 L" panose="02020603020101020101" pitchFamily="18" charset="-127"/>
-              </a:rPr>
-              <a:t>[App]</a:t>
-            </a:r>
-            <a:endParaRPr lang="ko-KR" altLang="en-US" sz="1200" dirty="0">
-              <a:latin typeface="210 맨발의청춘 L" panose="02020603020101020101" pitchFamily="18" charset="-127"/>
-              <a:ea typeface="210 맨발의청춘 L" panose="02020603020101020101" pitchFamily="18" charset="-127"/>
-            </a:endParaRPr>
-          </a:p>
-        </p:txBody>
-      </p:sp>
-      <p:cxnSp>
-        <p:nvCxnSpPr>
-          <p:cNvPr id="27" name="직선 화살표 연결선 26"/>
-          <p:cNvCxnSpPr/>
-          <p:nvPr/>
-        </p:nvCxnSpPr>
-        <p:spPr>
-          <a:xfrm>
-            <a:off x="2361229" y="4391633"/>
-            <a:ext cx="1227792" cy="0"/>
-          </a:xfrm>
-          <a:prstGeom prst="straightConnector1">
-            <a:avLst/>
-          </a:prstGeom>
-          <a:ln>
-            <a:solidFill>
-              <a:schemeClr val="tx1"/>
-            </a:solidFill>
-            <a:tailEnd type="triangle"/>
-          </a:ln>
-        </p:spPr>
-        <p:style>
-          <a:lnRef idx="1">
-            <a:schemeClr val="accent1"/>
-          </a:lnRef>
-          <a:fillRef idx="0">
-            <a:schemeClr val="accent1"/>
-          </a:fillRef>
-          <a:effectRef idx="0">
-            <a:schemeClr val="accent1"/>
-          </a:effectRef>
-          <a:fontRef idx="minor">
-            <a:schemeClr val="tx1"/>
-          </a:fontRef>
-        </p:style>
-      </p:cxnSp>
-      <p:sp>
-        <p:nvSpPr>
-          <p:cNvPr id="29" name="TextBox 28"/>
-          <p:cNvSpPr txBox="1"/>
-          <p:nvPr/>
-        </p:nvSpPr>
-        <p:spPr>
-          <a:xfrm>
-            <a:off x="3912837" y="2462635"/>
-            <a:ext cx="792205" cy="276999"/>
-          </a:xfrm>
-          <a:prstGeom prst="rect">
-            <a:avLst/>
-          </a:prstGeom>
-          <a:noFill/>
-        </p:spPr>
-        <p:txBody>
-          <a:bodyPr wrap="none" rtlCol="0">
-            <a:spAutoFit/>
-          </a:bodyPr>
-          <a:lstStyle/>
-          <a:p>
-            <a:pPr algn="ctr"/>
-            <a:r>
-              <a:rPr lang="en-US" altLang="ko-KR" sz="1200" smtClean="0">
-                <a:latin typeface="210 맨발의청춘 L" panose="02020603020101020101" pitchFamily="18" charset="-127"/>
-                <a:ea typeface="210 맨발의청춘 L" panose="02020603020101020101" pitchFamily="18" charset="-127"/>
-              </a:rPr>
-              <a:t>[DB</a:t>
-            </a:r>
-            <a:r>
-              <a:rPr lang="ko-KR" altLang="en-US" sz="1200" smtClean="0">
-                <a:latin typeface="210 맨발의청춘 L" panose="02020603020101020101" pitchFamily="18" charset="-127"/>
-                <a:ea typeface="210 맨발의청춘 L" panose="02020603020101020101" pitchFamily="18" charset="-127"/>
-              </a:rPr>
-              <a:t> 서버</a:t>
-            </a:r>
-            <a:r>
-              <a:rPr lang="en-US" altLang="ko-KR" sz="1200" smtClean="0">
-                <a:latin typeface="210 맨발의청춘 L" panose="02020603020101020101" pitchFamily="18" charset="-127"/>
-                <a:ea typeface="210 맨발의청춘 L" panose="02020603020101020101" pitchFamily="18" charset="-127"/>
-              </a:rPr>
-              <a:t>]</a:t>
-            </a:r>
-            <a:endParaRPr lang="ko-KR" altLang="en-US" sz="1200" dirty="0">
-              <a:latin typeface="210 맨발의청춘 L" panose="02020603020101020101" pitchFamily="18" charset="-127"/>
-              <a:ea typeface="210 맨발의청춘 L" panose="02020603020101020101" pitchFamily="18" charset="-127"/>
-            </a:endParaRPr>
-          </a:p>
-        </p:txBody>
-      </p:sp>
-      <p:sp>
-        <p:nvSpPr>
-          <p:cNvPr id="31" name="TextBox 30"/>
-          <p:cNvSpPr txBox="1"/>
-          <p:nvPr/>
-        </p:nvSpPr>
-        <p:spPr>
-          <a:xfrm>
-            <a:off x="2341441" y="4092534"/>
-            <a:ext cx="1215397" cy="276999"/>
-          </a:xfrm>
-          <a:prstGeom prst="rect">
-            <a:avLst/>
-          </a:prstGeom>
-          <a:noFill/>
-        </p:spPr>
-        <p:txBody>
-          <a:bodyPr wrap="none" rtlCol="0">
-            <a:spAutoFit/>
-          </a:bodyPr>
-          <a:lstStyle/>
-          <a:p>
-            <a:pPr algn="ctr"/>
-            <a:r>
-              <a:rPr lang="en-US" altLang="ko-KR" sz="1200" smtClean="0">
-                <a:latin typeface="210 맨발의청춘 L" panose="02020603020101020101" pitchFamily="18" charset="-127"/>
-                <a:ea typeface="210 맨발의청춘 L" panose="02020603020101020101" pitchFamily="18" charset="-127"/>
-              </a:rPr>
-              <a:t>[</a:t>
-            </a:r>
-            <a:r>
-              <a:rPr lang="ko-KR" altLang="en-US" sz="1200" smtClean="0">
-                <a:latin typeface="210 맨발의청춘 L" panose="02020603020101020101" pitchFamily="18" charset="-127"/>
-                <a:ea typeface="210 맨발의청춘 L" panose="02020603020101020101" pitchFamily="18" charset="-127"/>
-              </a:rPr>
-              <a:t>분석 완료 알림</a:t>
-            </a:r>
-            <a:r>
-              <a:rPr lang="en-US" altLang="ko-KR" sz="1200" smtClean="0">
-                <a:latin typeface="210 맨발의청춘 L" panose="02020603020101020101" pitchFamily="18" charset="-127"/>
-                <a:ea typeface="210 맨발의청춘 L" panose="02020603020101020101" pitchFamily="18" charset="-127"/>
-              </a:rPr>
-              <a:t>]</a:t>
-            </a:r>
-            <a:endParaRPr lang="ko-KR" altLang="en-US" sz="1200" dirty="0">
-              <a:latin typeface="210 맨발의청춘 L" panose="02020603020101020101" pitchFamily="18" charset="-127"/>
-              <a:ea typeface="210 맨발의청춘 L" panose="02020603020101020101" pitchFamily="18" charset="-127"/>
-            </a:endParaRPr>
-          </a:p>
-        </p:txBody>
-      </p:sp>
-      <p:sp>
-        <p:nvSpPr>
-          <p:cNvPr id="35" name="직사각형 34"/>
-          <p:cNvSpPr>
-            <a:spLocks noChangeAspect="1"/>
-          </p:cNvSpPr>
-          <p:nvPr/>
-        </p:nvSpPr>
-        <p:spPr>
-          <a:xfrm>
-            <a:off x="7269561" y="4092534"/>
-            <a:ext cx="1113786" cy="997225"/>
-          </a:xfrm>
-          <a:prstGeom prst="rect">
-            <a:avLst/>
-          </a:prstGeom>
-          <a:solidFill>
-            <a:schemeClr val="bg1"/>
-          </a:solidFill>
-          <a:ln w="25400">
-            <a:solidFill>
-              <a:schemeClr val="tx1"/>
-            </a:solidFill>
-          </a:ln>
-        </p:spPr>
-        <p:style>
-          <a:lnRef idx="2">
-            <a:schemeClr val="accent1">
-              <a:shade val="50000"/>
-            </a:schemeClr>
-          </a:lnRef>
-          <a:fillRef idx="1">
-            <a:schemeClr val="accent1"/>
-          </a:fillRef>
-          <a:effectRef idx="0">
-            <a:schemeClr val="accent1"/>
-          </a:effectRef>
-          <a:fontRef idx="minor">
-            <a:schemeClr val="lt1"/>
-          </a:fontRef>
-        </p:style>
-        <p:txBody>
-          <a:bodyPr rtlCol="0" anchor="ctr"/>
-          <a:lstStyle/>
-          <a:p>
-            <a:pPr algn="ctr"/>
-            <a:endParaRPr lang="ko-KR" altLang="en-US"/>
-          </a:p>
-        </p:txBody>
-      </p:sp>
-      <p:sp>
-        <p:nvSpPr>
-          <p:cNvPr id="38" name="TextBox 37"/>
-          <p:cNvSpPr txBox="1"/>
-          <p:nvPr/>
-        </p:nvSpPr>
-        <p:spPr>
-          <a:xfrm>
-            <a:off x="7338980" y="4454673"/>
-            <a:ext cx="974947" cy="276999"/>
-          </a:xfrm>
-          <a:prstGeom prst="rect">
-            <a:avLst/>
-          </a:prstGeom>
-          <a:noFill/>
-        </p:spPr>
-        <p:txBody>
-          <a:bodyPr wrap="none" rtlCol="0">
-            <a:spAutoFit/>
-          </a:bodyPr>
-          <a:lstStyle/>
-          <a:p>
-            <a:pPr algn="ctr"/>
-            <a:r>
-              <a:rPr lang="en-US" altLang="ko-KR" sz="1200" smtClean="0">
-                <a:latin typeface="210 맨발의청춘 L" panose="02020603020101020101" pitchFamily="18" charset="-127"/>
-                <a:ea typeface="210 맨발의청춘 L" panose="02020603020101020101" pitchFamily="18" charset="-127"/>
-              </a:rPr>
-              <a:t>[</a:t>
-            </a:r>
-            <a:r>
-              <a:rPr lang="ko-KR" altLang="en-US" sz="1200" smtClean="0">
-                <a:latin typeface="210 맨발의청춘 L" panose="02020603020101020101" pitchFamily="18" charset="-127"/>
-                <a:ea typeface="210 맨발의청춘 L" panose="02020603020101020101" pitchFamily="18" charset="-127"/>
-              </a:rPr>
-              <a:t>커맨드서버</a:t>
-            </a:r>
-            <a:r>
-              <a:rPr lang="en-US" altLang="ko-KR" sz="1200" smtClean="0">
-                <a:latin typeface="210 맨발의청춘 L" panose="02020603020101020101" pitchFamily="18" charset="-127"/>
-                <a:ea typeface="210 맨발의청춘 L" panose="02020603020101020101" pitchFamily="18" charset="-127"/>
-              </a:rPr>
-              <a:t>]</a:t>
-            </a:r>
-            <a:endParaRPr lang="ko-KR" altLang="en-US" sz="1200" dirty="0">
-              <a:latin typeface="210 맨발의청춘 L" panose="02020603020101020101" pitchFamily="18" charset="-127"/>
-              <a:ea typeface="210 맨발의청춘 L" panose="02020603020101020101" pitchFamily="18" charset="-127"/>
-            </a:endParaRPr>
-          </a:p>
-        </p:txBody>
-      </p:sp>
-      <p:sp>
-        <p:nvSpPr>
-          <p:cNvPr id="3" name="순서도: 자기 디스크 2"/>
-          <p:cNvSpPr/>
-          <p:nvPr/>
-        </p:nvSpPr>
-        <p:spPr>
-          <a:xfrm>
-            <a:off x="3791403" y="1941504"/>
-            <a:ext cx="1035074" cy="1042262"/>
-          </a:xfrm>
-          <a:prstGeom prst="flowChartMagneticDisk">
-            <a:avLst/>
-          </a:prstGeom>
-          <a:noFill/>
-          <a:ln w="25400">
-            <a:solidFill>
-              <a:schemeClr val="tx1"/>
-            </a:solidFill>
-          </a:ln>
-        </p:spPr>
-        <p:style>
-          <a:lnRef idx="2">
-            <a:schemeClr val="accent1">
-              <a:shade val="50000"/>
-            </a:schemeClr>
-          </a:lnRef>
-          <a:fillRef idx="1">
-            <a:schemeClr val="accent1"/>
-          </a:fillRef>
-          <a:effectRef idx="0">
-            <a:schemeClr val="accent1"/>
-          </a:effectRef>
-          <a:fontRef idx="minor">
-            <a:schemeClr val="lt1"/>
-          </a:fontRef>
-        </p:style>
-        <p:txBody>
-          <a:bodyPr rtlCol="0" anchor="ctr"/>
-          <a:lstStyle/>
-          <a:p>
-            <a:pPr algn="ctr"/>
-            <a:endParaRPr lang="ko-KR" altLang="en-US"/>
-          </a:p>
-        </p:txBody>
-      </p:sp>
-      <p:sp>
-        <p:nvSpPr>
-          <p:cNvPr id="47" name="TextBox 46"/>
-          <p:cNvSpPr txBox="1"/>
-          <p:nvPr/>
-        </p:nvSpPr>
-        <p:spPr>
-          <a:xfrm>
-            <a:off x="1990043" y="2106418"/>
-            <a:ext cx="1343638" cy="276999"/>
-          </a:xfrm>
-          <a:prstGeom prst="rect">
-            <a:avLst/>
-          </a:prstGeom>
-          <a:noFill/>
-        </p:spPr>
-        <p:txBody>
-          <a:bodyPr wrap="none" rtlCol="0">
-            <a:spAutoFit/>
-          </a:bodyPr>
-          <a:lstStyle/>
-          <a:p>
-            <a:pPr algn="ctr"/>
-            <a:r>
-              <a:rPr lang="en-US" altLang="ko-KR" sz="1200" smtClean="0">
-                <a:latin typeface="210 맨발의청춘 L" panose="02020603020101020101" pitchFamily="18" charset="-127"/>
-                <a:ea typeface="210 맨발의청춘 L" panose="02020603020101020101" pitchFamily="18" charset="-127"/>
-              </a:rPr>
-              <a:t>[</a:t>
-            </a:r>
-            <a:r>
-              <a:rPr lang="ko-KR" altLang="en-US" sz="1200" smtClean="0">
-                <a:latin typeface="210 맨발의청춘 L" panose="02020603020101020101" pitchFamily="18" charset="-127"/>
-                <a:ea typeface="210 맨발의청춘 L" panose="02020603020101020101" pitchFamily="18" charset="-127"/>
-              </a:rPr>
-              <a:t>완료 데이터 검색</a:t>
-            </a:r>
-            <a:r>
-              <a:rPr lang="en-US" altLang="ko-KR" sz="1200" smtClean="0">
-                <a:latin typeface="210 맨발의청춘 L" panose="02020603020101020101" pitchFamily="18" charset="-127"/>
-                <a:ea typeface="210 맨발의청춘 L" panose="02020603020101020101" pitchFamily="18" charset="-127"/>
-              </a:rPr>
-              <a:t>]</a:t>
-            </a:r>
-            <a:endParaRPr lang="ko-KR" altLang="en-US" sz="1200" dirty="0">
-              <a:latin typeface="210 맨발의청춘 L" panose="02020603020101020101" pitchFamily="18" charset="-127"/>
-              <a:ea typeface="210 맨발의청춘 L" panose="02020603020101020101" pitchFamily="18" charset="-127"/>
-            </a:endParaRPr>
-          </a:p>
-        </p:txBody>
-      </p:sp>
-      <p:sp>
-        <p:nvSpPr>
-          <p:cNvPr id="49" name="직사각형 48"/>
-          <p:cNvSpPr>
-            <a:spLocks noChangeAspect="1"/>
-          </p:cNvSpPr>
-          <p:nvPr/>
-        </p:nvSpPr>
-        <p:spPr>
-          <a:xfrm>
-            <a:off x="1098503" y="4092534"/>
-            <a:ext cx="1113786" cy="997225"/>
-          </a:xfrm>
-          <a:prstGeom prst="rect">
-            <a:avLst/>
-          </a:prstGeom>
-          <a:solidFill>
-            <a:schemeClr val="bg1"/>
-          </a:solidFill>
-          <a:ln w="25400">
-            <a:solidFill>
-              <a:schemeClr val="tx1"/>
-            </a:solidFill>
-          </a:ln>
-        </p:spPr>
-        <p:style>
-          <a:lnRef idx="2">
-            <a:schemeClr val="accent1">
-              <a:shade val="50000"/>
-            </a:schemeClr>
-          </a:lnRef>
-          <a:fillRef idx="1">
-            <a:schemeClr val="accent1"/>
-          </a:fillRef>
-          <a:effectRef idx="0">
-            <a:schemeClr val="accent1"/>
-          </a:effectRef>
-          <a:fontRef idx="minor">
-            <a:schemeClr val="lt1"/>
-          </a:fontRef>
-        </p:style>
-        <p:txBody>
-          <a:bodyPr rtlCol="0" anchor="ctr"/>
-          <a:lstStyle/>
-          <a:p>
-            <a:pPr algn="ctr"/>
-            <a:endParaRPr lang="ko-KR" altLang="en-US"/>
-          </a:p>
-        </p:txBody>
-      </p:sp>
-      <p:sp>
-        <p:nvSpPr>
-          <p:cNvPr id="50" name="TextBox 49"/>
-          <p:cNvSpPr txBox="1"/>
-          <p:nvPr/>
-        </p:nvSpPr>
-        <p:spPr>
-          <a:xfrm>
-            <a:off x="1243264" y="4454673"/>
-            <a:ext cx="824265" cy="276999"/>
-          </a:xfrm>
-          <a:prstGeom prst="rect">
-            <a:avLst/>
-          </a:prstGeom>
-          <a:noFill/>
-        </p:spPr>
-        <p:txBody>
-          <a:bodyPr wrap="none" rtlCol="0">
-            <a:spAutoFit/>
-          </a:bodyPr>
-          <a:lstStyle/>
-          <a:p>
-            <a:pPr algn="ctr"/>
-            <a:r>
-              <a:rPr lang="en-US" altLang="ko-KR" sz="1200" smtClean="0">
-                <a:latin typeface="210 맨발의청춘 L" panose="02020603020101020101" pitchFamily="18" charset="-127"/>
-                <a:ea typeface="210 맨발의청춘 L" panose="02020603020101020101" pitchFamily="18" charset="-127"/>
-              </a:rPr>
-              <a:t>[</a:t>
-            </a:r>
-            <a:r>
-              <a:rPr lang="ko-KR" altLang="en-US" sz="1200" smtClean="0">
-                <a:latin typeface="210 맨발의청춘 L" panose="02020603020101020101" pitchFamily="18" charset="-127"/>
-                <a:ea typeface="210 맨발의청춘 L" panose="02020603020101020101" pitchFamily="18" charset="-127"/>
-              </a:rPr>
-              <a:t>푸시서버</a:t>
-            </a:r>
-            <a:r>
-              <a:rPr lang="en-US" altLang="ko-KR" sz="1200" smtClean="0">
-                <a:latin typeface="210 맨발의청춘 L" panose="02020603020101020101" pitchFamily="18" charset="-127"/>
-                <a:ea typeface="210 맨발의청춘 L" panose="02020603020101020101" pitchFamily="18" charset="-127"/>
-              </a:rPr>
-              <a:t>]</a:t>
-            </a:r>
-            <a:endParaRPr lang="ko-KR" altLang="en-US" sz="1200" dirty="0">
-              <a:latin typeface="210 맨발의청춘 L" panose="02020603020101020101" pitchFamily="18" charset="-127"/>
-              <a:ea typeface="210 맨발의청춘 L" panose="02020603020101020101" pitchFamily="18" charset="-127"/>
-            </a:endParaRPr>
-          </a:p>
-        </p:txBody>
-      </p:sp>
-      <p:cxnSp>
-        <p:nvCxnSpPr>
-          <p:cNvPr id="14" name="직선 연결선 13"/>
-          <p:cNvCxnSpPr/>
-          <p:nvPr/>
-        </p:nvCxnSpPr>
-        <p:spPr>
-          <a:xfrm flipV="1">
-            <a:off x="1673841" y="2413919"/>
-            <a:ext cx="0" cy="1602883"/>
-          </a:xfrm>
-          <a:prstGeom prst="line">
-            <a:avLst/>
-          </a:prstGeom>
-          <a:ln>
-            <a:solidFill>
-              <a:schemeClr val="tx1"/>
-            </a:solidFill>
-            <a:tailEnd type="triangle"/>
-          </a:ln>
-        </p:spPr>
-        <p:style>
-          <a:lnRef idx="1">
-            <a:schemeClr val="accent1"/>
-          </a:lnRef>
-          <a:fillRef idx="0">
-            <a:schemeClr val="accent1"/>
-          </a:fillRef>
-          <a:effectRef idx="0">
-            <a:schemeClr val="accent1"/>
-          </a:effectRef>
-          <a:fontRef idx="minor">
-            <a:schemeClr val="tx1"/>
-          </a:fontRef>
-        </p:style>
-      </p:cxnSp>
-      <p:cxnSp>
-        <p:nvCxnSpPr>
-          <p:cNvPr id="17" name="직선 화살표 연결선 16"/>
-          <p:cNvCxnSpPr/>
-          <p:nvPr/>
-        </p:nvCxnSpPr>
-        <p:spPr>
-          <a:xfrm>
-            <a:off x="1720023" y="2392646"/>
-            <a:ext cx="1948721" cy="0"/>
-          </a:xfrm>
-          <a:prstGeom prst="straightConnector1">
-            <a:avLst/>
-          </a:prstGeom>
-          <a:ln>
-            <a:solidFill>
-              <a:schemeClr val="tx1"/>
-            </a:solidFill>
-            <a:tailEnd type="triangle"/>
-          </a:ln>
-        </p:spPr>
-        <p:style>
-          <a:lnRef idx="1">
-            <a:schemeClr val="accent1"/>
-          </a:lnRef>
-          <a:fillRef idx="0">
-            <a:schemeClr val="accent1"/>
-          </a:fillRef>
-          <a:effectRef idx="0">
-            <a:schemeClr val="accent1"/>
-          </a:effectRef>
-          <a:fontRef idx="minor">
-            <a:schemeClr val="tx1"/>
-          </a:fontRef>
-        </p:style>
-      </p:cxnSp>
-      <p:cxnSp>
-        <p:nvCxnSpPr>
-          <p:cNvPr id="19" name="직선 화살표 연결선 18"/>
-          <p:cNvCxnSpPr/>
-          <p:nvPr/>
-        </p:nvCxnSpPr>
-        <p:spPr>
-          <a:xfrm>
-            <a:off x="4945315" y="4369533"/>
-            <a:ext cx="2240571" cy="0"/>
-          </a:xfrm>
-          <a:prstGeom prst="straightConnector1">
-            <a:avLst/>
-          </a:prstGeom>
-          <a:ln>
-            <a:solidFill>
-              <a:schemeClr val="tx1"/>
-            </a:solidFill>
-            <a:tailEnd type="triangle"/>
-          </a:ln>
-        </p:spPr>
-        <p:style>
-          <a:lnRef idx="1">
-            <a:schemeClr val="accent1"/>
-          </a:lnRef>
-          <a:fillRef idx="0">
-            <a:schemeClr val="accent1"/>
-          </a:fillRef>
-          <a:effectRef idx="0">
-            <a:schemeClr val="accent1"/>
-          </a:effectRef>
-          <a:fontRef idx="minor">
-            <a:schemeClr val="tx1"/>
-          </a:fontRef>
-        </p:style>
-      </p:cxnSp>
-      <p:sp>
-        <p:nvSpPr>
-          <p:cNvPr id="51" name="TextBox 50"/>
-          <p:cNvSpPr txBox="1"/>
-          <p:nvPr/>
-        </p:nvSpPr>
-        <p:spPr>
-          <a:xfrm>
-            <a:off x="5717061" y="4092534"/>
-            <a:ext cx="697628" cy="276999"/>
-          </a:xfrm>
-          <a:prstGeom prst="rect">
-            <a:avLst/>
-          </a:prstGeom>
-          <a:noFill/>
-        </p:spPr>
-        <p:txBody>
-          <a:bodyPr wrap="none" rtlCol="0">
-            <a:spAutoFit/>
-          </a:bodyPr>
-          <a:lstStyle/>
-          <a:p>
-            <a:pPr algn="ctr"/>
-            <a:r>
-              <a:rPr lang="en-US" altLang="ko-KR" sz="1200" smtClean="0">
-                <a:latin typeface="210 맨발의청춘 L" panose="02020603020101020101" pitchFamily="18" charset="-127"/>
-                <a:ea typeface="210 맨발의청춘 L" panose="02020603020101020101" pitchFamily="18" charset="-127"/>
-              </a:rPr>
-              <a:t>[</a:t>
-            </a:r>
-            <a:r>
-              <a:rPr lang="ko-KR" altLang="en-US" sz="1200" smtClean="0">
-                <a:latin typeface="210 맨발의청춘 L" panose="02020603020101020101" pitchFamily="18" charset="-127"/>
-                <a:ea typeface="210 맨발의청춘 L" panose="02020603020101020101" pitchFamily="18" charset="-127"/>
-              </a:rPr>
-              <a:t>로그인</a:t>
-            </a:r>
-            <a:r>
-              <a:rPr lang="en-US" altLang="ko-KR" sz="1200" smtClean="0">
-                <a:latin typeface="210 맨발의청춘 L" panose="02020603020101020101" pitchFamily="18" charset="-127"/>
-                <a:ea typeface="210 맨발의청춘 L" panose="02020603020101020101" pitchFamily="18" charset="-127"/>
-              </a:rPr>
-              <a:t>]</a:t>
-            </a:r>
-            <a:endParaRPr lang="ko-KR" altLang="en-US" sz="1200" dirty="0">
-              <a:latin typeface="210 맨발의청춘 L" panose="02020603020101020101" pitchFamily="18" charset="-127"/>
-              <a:ea typeface="210 맨발의청춘 L" panose="02020603020101020101" pitchFamily="18" charset="-127"/>
-            </a:endParaRPr>
-          </a:p>
-        </p:txBody>
-      </p:sp>
-      <p:cxnSp>
-        <p:nvCxnSpPr>
-          <p:cNvPr id="52" name="직선 연결선 51"/>
-          <p:cNvCxnSpPr/>
-          <p:nvPr/>
-        </p:nvCxnSpPr>
-        <p:spPr>
-          <a:xfrm flipV="1">
-            <a:off x="7856226" y="2817091"/>
-            <a:ext cx="0" cy="1206155"/>
-          </a:xfrm>
-          <a:prstGeom prst="line">
-            <a:avLst/>
-          </a:prstGeom>
-          <a:ln>
-            <a:solidFill>
-              <a:schemeClr val="tx1"/>
-            </a:solidFill>
-            <a:tailEnd type="triangle"/>
-          </a:ln>
-        </p:spPr>
-        <p:style>
-          <a:lnRef idx="1">
-            <a:schemeClr val="accent1"/>
-          </a:lnRef>
-          <a:fillRef idx="0">
-            <a:schemeClr val="accent1"/>
-          </a:fillRef>
-          <a:effectRef idx="0">
-            <a:schemeClr val="accent1"/>
-          </a:effectRef>
-          <a:fontRef idx="minor">
-            <a:schemeClr val="tx1"/>
-          </a:fontRef>
-        </p:style>
-      </p:cxnSp>
-      <p:cxnSp>
-        <p:nvCxnSpPr>
-          <p:cNvPr id="22" name="직선 화살표 연결선 21"/>
-          <p:cNvCxnSpPr/>
-          <p:nvPr/>
-        </p:nvCxnSpPr>
-        <p:spPr>
-          <a:xfrm flipH="1">
-            <a:off x="5009969" y="2743669"/>
-            <a:ext cx="2785517" cy="0"/>
-          </a:xfrm>
-          <a:prstGeom prst="straightConnector1">
-            <a:avLst/>
-          </a:prstGeom>
-          <a:ln>
-            <a:solidFill>
-              <a:schemeClr val="tx1"/>
-            </a:solidFill>
-            <a:tailEnd type="triangle"/>
-          </a:ln>
-        </p:spPr>
-        <p:style>
-          <a:lnRef idx="1">
-            <a:schemeClr val="accent1"/>
-          </a:lnRef>
-          <a:fillRef idx="0">
-            <a:schemeClr val="accent1"/>
-          </a:fillRef>
-          <a:effectRef idx="0">
-            <a:schemeClr val="accent1"/>
-          </a:effectRef>
-          <a:fontRef idx="minor">
-            <a:schemeClr val="tx1"/>
-          </a:fontRef>
-        </p:style>
-      </p:cxnSp>
-      <p:sp>
-        <p:nvSpPr>
-          <p:cNvPr id="54" name="TextBox 53"/>
-          <p:cNvSpPr txBox="1"/>
-          <p:nvPr/>
-        </p:nvSpPr>
-        <p:spPr>
-          <a:xfrm>
-            <a:off x="5341721" y="2466678"/>
-            <a:ext cx="1999265" cy="276999"/>
-          </a:xfrm>
-          <a:prstGeom prst="rect">
-            <a:avLst/>
-          </a:prstGeom>
-          <a:noFill/>
-        </p:spPr>
-        <p:txBody>
-          <a:bodyPr wrap="none" rtlCol="0">
-            <a:spAutoFit/>
-          </a:bodyPr>
-          <a:lstStyle/>
-          <a:p>
-            <a:pPr algn="ctr"/>
-            <a:r>
-              <a:rPr lang="en-US" altLang="ko-KR" sz="1200" smtClean="0">
-                <a:latin typeface="210 맨발의청춘 L" panose="02020603020101020101" pitchFamily="18" charset="-127"/>
-                <a:ea typeface="210 맨발의청춘 L" panose="02020603020101020101" pitchFamily="18" charset="-127"/>
-              </a:rPr>
-              <a:t>[</a:t>
-            </a:r>
-            <a:r>
-              <a:rPr lang="ko-KR" altLang="en-US" sz="1200" smtClean="0">
-                <a:latin typeface="210 맨발의청춘 L" panose="02020603020101020101" pitchFamily="18" charset="-127"/>
-                <a:ea typeface="210 맨발의청춘 L" panose="02020603020101020101" pitchFamily="18" charset="-127"/>
-              </a:rPr>
-              <a:t>로그인 검증</a:t>
-            </a:r>
-            <a:r>
-              <a:rPr lang="en-US" altLang="ko-KR" sz="1200" smtClean="0">
-                <a:latin typeface="210 맨발의청춘 L" panose="02020603020101020101" pitchFamily="18" charset="-127"/>
-                <a:ea typeface="210 맨발의청춘 L" panose="02020603020101020101" pitchFamily="18" charset="-127"/>
-              </a:rPr>
-              <a:t>,</a:t>
-            </a:r>
-            <a:r>
-              <a:rPr lang="ko-KR" altLang="en-US" sz="1200" smtClean="0">
-                <a:latin typeface="210 맨발의청춘 L" panose="02020603020101020101" pitchFamily="18" charset="-127"/>
-                <a:ea typeface="210 맨발의청춘 L" panose="02020603020101020101" pitchFamily="18" charset="-127"/>
-              </a:rPr>
-              <a:t> 분석 요청 등록</a:t>
-            </a:r>
-            <a:r>
-              <a:rPr lang="en-US" altLang="ko-KR" sz="1200" smtClean="0">
-                <a:latin typeface="210 맨발의청춘 L" panose="02020603020101020101" pitchFamily="18" charset="-127"/>
-                <a:ea typeface="210 맨발의청춘 L" panose="02020603020101020101" pitchFamily="18" charset="-127"/>
-              </a:rPr>
-              <a:t>]</a:t>
-            </a:r>
-            <a:endParaRPr lang="ko-KR" altLang="en-US" sz="1200" dirty="0">
-              <a:latin typeface="210 맨발의청춘 L" panose="02020603020101020101" pitchFamily="18" charset="-127"/>
-              <a:ea typeface="210 맨발의청춘 L" panose="02020603020101020101" pitchFamily="18" charset="-127"/>
-            </a:endParaRPr>
-          </a:p>
-        </p:txBody>
-      </p:sp>
-      <p:cxnSp>
-        <p:nvCxnSpPr>
-          <p:cNvPr id="55" name="직선 화살표 연결선 54"/>
-          <p:cNvCxnSpPr/>
-          <p:nvPr/>
-        </p:nvCxnSpPr>
-        <p:spPr>
-          <a:xfrm>
-            <a:off x="4938763" y="4805563"/>
-            <a:ext cx="2225964" cy="0"/>
-          </a:xfrm>
-          <a:prstGeom prst="straightConnector1">
-            <a:avLst/>
-          </a:prstGeom>
-          <a:ln>
-            <a:solidFill>
-              <a:schemeClr val="tx1"/>
-            </a:solidFill>
-            <a:headEnd type="triangle"/>
-            <a:tailEnd type="triangle"/>
-          </a:ln>
-        </p:spPr>
-        <p:style>
-          <a:lnRef idx="1">
-            <a:schemeClr val="accent1"/>
-          </a:lnRef>
-          <a:fillRef idx="0">
-            <a:schemeClr val="accent1"/>
-          </a:fillRef>
-          <a:effectRef idx="0">
-            <a:schemeClr val="accent1"/>
-          </a:effectRef>
-          <a:fontRef idx="minor">
-            <a:schemeClr val="tx1"/>
-          </a:fontRef>
-        </p:style>
-      </p:cxnSp>
-      <p:sp>
-        <p:nvSpPr>
-          <p:cNvPr id="60" name="TextBox 59"/>
-          <p:cNvSpPr txBox="1"/>
-          <p:nvPr/>
-        </p:nvSpPr>
-        <p:spPr>
-          <a:xfrm>
-            <a:off x="5484626" y="4535870"/>
-            <a:ext cx="1162499" cy="276999"/>
-          </a:xfrm>
-          <a:prstGeom prst="rect">
-            <a:avLst/>
-          </a:prstGeom>
-          <a:noFill/>
-        </p:spPr>
-        <p:txBody>
-          <a:bodyPr wrap="none" rtlCol="0">
-            <a:spAutoFit/>
-          </a:bodyPr>
-          <a:lstStyle/>
-          <a:p>
-            <a:pPr algn="ctr"/>
-            <a:r>
-              <a:rPr lang="en-US" altLang="ko-KR" sz="1200" smtClean="0">
-                <a:latin typeface="210 맨발의청춘 L" panose="02020603020101020101" pitchFamily="18" charset="-127"/>
-                <a:ea typeface="210 맨발의청춘 L" panose="02020603020101020101" pitchFamily="18" charset="-127"/>
-              </a:rPr>
-              <a:t>[</a:t>
-            </a:r>
-            <a:r>
-              <a:rPr lang="ko-KR" altLang="en-US" sz="1200" smtClean="0">
-                <a:latin typeface="210 맨발의청춘 L" panose="02020603020101020101" pitchFamily="18" charset="-127"/>
-                <a:ea typeface="210 맨발의청춘 L" panose="02020603020101020101" pitchFamily="18" charset="-127"/>
-              </a:rPr>
-              <a:t>데이터 송수신</a:t>
-            </a:r>
-            <a:r>
-              <a:rPr lang="en-US" altLang="ko-KR" sz="1200" smtClean="0">
-                <a:latin typeface="210 맨발의청춘 L" panose="02020603020101020101" pitchFamily="18" charset="-127"/>
-                <a:ea typeface="210 맨발의청춘 L" panose="02020603020101020101" pitchFamily="18" charset="-127"/>
-              </a:rPr>
-              <a:t>]</a:t>
-            </a:r>
-            <a:endParaRPr lang="ko-KR" altLang="en-US" sz="1200" dirty="0">
-              <a:latin typeface="210 맨발의청춘 L" panose="02020603020101020101" pitchFamily="18" charset="-127"/>
-              <a:ea typeface="210 맨발의청춘 L" panose="02020603020101020101" pitchFamily="18" charset="-127"/>
-            </a:endParaRPr>
-          </a:p>
-        </p:txBody>
-      </p:sp>
-      <p:sp>
-        <p:nvSpPr>
-          <p:cNvPr id="61" name="직사각형 60"/>
-          <p:cNvSpPr>
-            <a:spLocks noChangeAspect="1"/>
-          </p:cNvSpPr>
-          <p:nvPr/>
-        </p:nvSpPr>
-        <p:spPr>
-          <a:xfrm>
-            <a:off x="8350225" y="1884943"/>
-            <a:ext cx="1113786" cy="997225"/>
-          </a:xfrm>
-          <a:prstGeom prst="rect">
-            <a:avLst/>
-          </a:prstGeom>
-          <a:solidFill>
-            <a:schemeClr val="bg1"/>
-          </a:solidFill>
-          <a:ln w="25400">
-            <a:solidFill>
-              <a:schemeClr val="tx1"/>
-            </a:solidFill>
-          </a:ln>
-        </p:spPr>
-        <p:style>
-          <a:lnRef idx="2">
-            <a:schemeClr val="accent1">
-              <a:shade val="50000"/>
-            </a:schemeClr>
-          </a:lnRef>
-          <a:fillRef idx="1">
-            <a:schemeClr val="accent1"/>
-          </a:fillRef>
-          <a:effectRef idx="0">
-            <a:schemeClr val="accent1"/>
-          </a:effectRef>
-          <a:fontRef idx="minor">
-            <a:schemeClr val="lt1"/>
-          </a:fontRef>
-        </p:style>
-        <p:txBody>
-          <a:bodyPr rtlCol="0" anchor="ctr"/>
-          <a:lstStyle/>
-          <a:p>
-            <a:pPr algn="ctr"/>
-            <a:endParaRPr lang="ko-KR" altLang="en-US"/>
-          </a:p>
-        </p:txBody>
-      </p:sp>
-      <p:cxnSp>
-        <p:nvCxnSpPr>
-          <p:cNvPr id="62" name="직선 화살표 연결선 61"/>
-          <p:cNvCxnSpPr/>
-          <p:nvPr/>
-        </p:nvCxnSpPr>
-        <p:spPr>
-          <a:xfrm flipH="1">
-            <a:off x="5009971" y="2383417"/>
-            <a:ext cx="3247334" cy="0"/>
-          </a:xfrm>
-          <a:prstGeom prst="straightConnector1">
-            <a:avLst/>
-          </a:prstGeom>
-          <a:ln>
-            <a:solidFill>
-              <a:schemeClr val="tx1"/>
-            </a:solidFill>
-            <a:tailEnd type="triangle"/>
-          </a:ln>
-        </p:spPr>
-        <p:style>
-          <a:lnRef idx="1">
-            <a:schemeClr val="accent1"/>
-          </a:lnRef>
-          <a:fillRef idx="0">
-            <a:schemeClr val="accent1"/>
-          </a:fillRef>
-          <a:effectRef idx="0">
-            <a:schemeClr val="accent1"/>
-          </a:effectRef>
-          <a:fontRef idx="minor">
-            <a:schemeClr val="tx1"/>
-          </a:fontRef>
-        </p:style>
-      </p:cxnSp>
-      <p:sp>
-        <p:nvSpPr>
-          <p:cNvPr id="65" name="TextBox 64"/>
-          <p:cNvSpPr txBox="1"/>
-          <p:nvPr/>
-        </p:nvSpPr>
-        <p:spPr>
-          <a:xfrm>
-            <a:off x="8464529" y="2249398"/>
-            <a:ext cx="885179" cy="276999"/>
-          </a:xfrm>
-          <a:prstGeom prst="rect">
-            <a:avLst/>
-          </a:prstGeom>
-          <a:noFill/>
-        </p:spPr>
-        <p:txBody>
-          <a:bodyPr wrap="none" rtlCol="0">
-            <a:spAutoFit/>
-          </a:bodyPr>
-          <a:lstStyle/>
-          <a:p>
-            <a:pPr algn="ctr"/>
-            <a:r>
-              <a:rPr lang="en-US" altLang="ko-KR" sz="1200" smtClean="0">
-                <a:latin typeface="210 맨발의청춘 L" panose="02020603020101020101" pitchFamily="18" charset="-127"/>
-                <a:ea typeface="210 맨발의청춘 L" panose="02020603020101020101" pitchFamily="18" charset="-127"/>
-              </a:rPr>
-              <a:t>[</a:t>
-            </a:r>
-            <a:r>
-              <a:rPr lang="ko-KR" altLang="en-US" sz="1200" smtClean="0">
-                <a:latin typeface="210 맨발의청춘 L" panose="02020603020101020101" pitchFamily="18" charset="-127"/>
-                <a:ea typeface="210 맨발의청춘 L" panose="02020603020101020101" pitchFamily="18" charset="-127"/>
-              </a:rPr>
-              <a:t>분석 엔진</a:t>
-            </a:r>
-            <a:r>
-              <a:rPr lang="en-US" altLang="ko-KR" sz="1200" smtClean="0">
-                <a:latin typeface="210 맨발의청춘 L" panose="02020603020101020101" pitchFamily="18" charset="-127"/>
-                <a:ea typeface="210 맨발의청춘 L" panose="02020603020101020101" pitchFamily="18" charset="-127"/>
-              </a:rPr>
-              <a:t>]</a:t>
-            </a:r>
-            <a:endParaRPr lang="ko-KR" altLang="en-US" sz="1200" dirty="0">
-              <a:latin typeface="210 맨발의청춘 L" panose="02020603020101020101" pitchFamily="18" charset="-127"/>
-              <a:ea typeface="210 맨발의청춘 L" panose="02020603020101020101" pitchFamily="18" charset="-127"/>
-            </a:endParaRPr>
-          </a:p>
-        </p:txBody>
-      </p:sp>
-      <p:sp>
-        <p:nvSpPr>
-          <p:cNvPr id="67" name="TextBox 66"/>
-          <p:cNvSpPr txBox="1"/>
-          <p:nvPr/>
-        </p:nvSpPr>
-        <p:spPr>
-          <a:xfrm>
-            <a:off x="5663358" y="2106418"/>
-            <a:ext cx="1853392" cy="276999"/>
-          </a:xfrm>
-          <a:prstGeom prst="rect">
-            <a:avLst/>
-          </a:prstGeom>
-          <a:noFill/>
-        </p:spPr>
-        <p:txBody>
-          <a:bodyPr wrap="none" rtlCol="0">
-            <a:spAutoFit/>
-          </a:bodyPr>
-          <a:lstStyle/>
-          <a:p>
-            <a:pPr algn="ctr"/>
-            <a:r>
-              <a:rPr lang="en-US" altLang="ko-KR" sz="1200" smtClean="0">
-                <a:latin typeface="210 맨발의청춘 L" panose="02020603020101020101" pitchFamily="18" charset="-127"/>
-                <a:ea typeface="210 맨발의청춘 L" panose="02020603020101020101" pitchFamily="18" charset="-127"/>
-              </a:rPr>
-              <a:t>[</a:t>
-            </a:r>
-            <a:r>
-              <a:rPr lang="ko-KR" altLang="en-US" sz="1200" smtClean="0">
-                <a:latin typeface="210 맨발의청춘 L" panose="02020603020101020101" pitchFamily="18" charset="-127"/>
-                <a:ea typeface="210 맨발의청춘 L" panose="02020603020101020101" pitchFamily="18" charset="-127"/>
-              </a:rPr>
-              <a:t>분석 요청 검색</a:t>
-            </a:r>
-            <a:r>
-              <a:rPr lang="en-US" altLang="ko-KR" sz="1200" smtClean="0">
-                <a:latin typeface="210 맨발의청춘 L" panose="02020603020101020101" pitchFamily="18" charset="-127"/>
-                <a:ea typeface="210 맨발의청춘 L" panose="02020603020101020101" pitchFamily="18" charset="-127"/>
-              </a:rPr>
-              <a:t>,</a:t>
-            </a:r>
-            <a:r>
-              <a:rPr lang="ko-KR" altLang="en-US" sz="1200" smtClean="0">
-                <a:latin typeface="210 맨발의청춘 L" panose="02020603020101020101" pitchFamily="18" charset="-127"/>
-                <a:ea typeface="210 맨발의청춘 L" panose="02020603020101020101" pitchFamily="18" charset="-127"/>
-              </a:rPr>
-              <a:t> 결과 저장</a:t>
-            </a:r>
-            <a:r>
-              <a:rPr lang="en-US" altLang="ko-KR" sz="1200" smtClean="0">
-                <a:latin typeface="210 맨발의청춘 L" panose="02020603020101020101" pitchFamily="18" charset="-127"/>
-                <a:ea typeface="210 맨발의청춘 L" panose="02020603020101020101" pitchFamily="18" charset="-127"/>
-              </a:rPr>
-              <a:t>]</a:t>
-            </a:r>
-            <a:endParaRPr lang="ko-KR" altLang="en-US" sz="1200" dirty="0">
-              <a:latin typeface="210 맨발의청춘 L" panose="02020603020101020101" pitchFamily="18" charset="-127"/>
-              <a:ea typeface="210 맨발의청춘 L" panose="02020603020101020101" pitchFamily="18" charset="-127"/>
-            </a:endParaRPr>
-          </a:p>
-        </p:txBody>
-      </p:sp>
-      <p:cxnSp>
-        <p:nvCxnSpPr>
-          <p:cNvPr id="70" name="직선 화살표 연결선 69"/>
-          <p:cNvCxnSpPr/>
-          <p:nvPr/>
-        </p:nvCxnSpPr>
-        <p:spPr>
-          <a:xfrm>
-            <a:off x="9559631" y="2377409"/>
-            <a:ext cx="794328" cy="0"/>
-          </a:xfrm>
-          <a:prstGeom prst="straightConnector1">
-            <a:avLst/>
-          </a:prstGeom>
-          <a:ln>
-            <a:solidFill>
-              <a:schemeClr val="tx1"/>
-            </a:solidFill>
-            <a:headEnd type="triangle"/>
-            <a:tailEnd type="triangle"/>
-          </a:ln>
-        </p:spPr>
-        <p:style>
-          <a:lnRef idx="1">
-            <a:schemeClr val="accent1"/>
-          </a:lnRef>
-          <a:fillRef idx="0">
-            <a:schemeClr val="accent1"/>
-          </a:fillRef>
-          <a:effectRef idx="0">
-            <a:schemeClr val="accent1"/>
-          </a:effectRef>
-          <a:fontRef idx="minor">
-            <a:schemeClr val="tx1"/>
-          </a:fontRef>
-        </p:style>
-      </p:cxnSp>
-      <p:sp>
-        <p:nvSpPr>
-          <p:cNvPr id="72" name="구름 71"/>
-          <p:cNvSpPr/>
-          <p:nvPr/>
-        </p:nvSpPr>
-        <p:spPr>
-          <a:xfrm>
-            <a:off x="10483728" y="2010580"/>
-            <a:ext cx="1113540" cy="729054"/>
-          </a:xfrm>
-          <a:prstGeom prst="cloud">
-            <a:avLst/>
-          </a:prstGeom>
-          <a:noFill/>
-          <a:ln>
-            <a:solidFill>
-              <a:schemeClr val="tx1"/>
-            </a:solidFill>
-          </a:ln>
-        </p:spPr>
-        <p:style>
-          <a:lnRef idx="2">
-            <a:schemeClr val="accent1">
-              <a:shade val="50000"/>
-            </a:schemeClr>
-          </a:lnRef>
-          <a:fillRef idx="1">
-            <a:schemeClr val="accent1"/>
-          </a:fillRef>
-          <a:effectRef idx="0">
-            <a:schemeClr val="accent1"/>
-          </a:effectRef>
-          <a:fontRef idx="minor">
-            <a:schemeClr val="lt1"/>
-          </a:fontRef>
-        </p:style>
-        <p:txBody>
-          <a:bodyPr rtlCol="0" anchor="ctr"/>
-          <a:lstStyle/>
-          <a:p>
-            <a:pPr algn="ctr"/>
-            <a:endParaRPr lang="ko-KR" altLang="en-US"/>
-          </a:p>
-        </p:txBody>
-      </p:sp>
-      <p:sp>
-        <p:nvSpPr>
-          <p:cNvPr id="73" name="TextBox 72"/>
-          <p:cNvSpPr txBox="1"/>
-          <p:nvPr/>
-        </p:nvSpPr>
-        <p:spPr>
-          <a:xfrm>
-            <a:off x="10508941" y="2236607"/>
-            <a:ext cx="1063113" cy="276999"/>
-          </a:xfrm>
-          <a:prstGeom prst="rect">
-            <a:avLst/>
-          </a:prstGeom>
-          <a:noFill/>
-        </p:spPr>
-        <p:txBody>
-          <a:bodyPr wrap="none" rtlCol="0">
-            <a:spAutoFit/>
-          </a:bodyPr>
-          <a:lstStyle/>
-          <a:p>
-            <a:pPr algn="ctr"/>
-            <a:r>
-              <a:rPr lang="ko-KR" altLang="en-US" sz="1200" smtClean="0">
-                <a:latin typeface="210 맨발의청춘 L" panose="02020603020101020101" pitchFamily="18" charset="-127"/>
-                <a:ea typeface="210 맨발의청춘 L" panose="02020603020101020101" pitchFamily="18" charset="-127"/>
-              </a:rPr>
-              <a:t>클라우드 엔진</a:t>
-            </a:r>
-            <a:endParaRPr lang="ko-KR" altLang="en-US" sz="1200" dirty="0">
-              <a:latin typeface="210 맨발의청춘 L" panose="02020603020101020101" pitchFamily="18" charset="-127"/>
-              <a:ea typeface="210 맨발의청춘 L" panose="02020603020101020101" pitchFamily="18" charset="-127"/>
+              <a:rPr lang="en-US" altLang="ko-KR" sz="6600" b="1" smtClean="0">
+                <a:solidFill>
+                  <a:srgbClr val="FF5050"/>
+                </a:solidFill>
+                <a:latin typeface="아리따-돋움(TTF)-Light" panose="02020603020101020101" pitchFamily="18" charset="-127"/>
+                <a:ea typeface="아리따-돋움(TTF)-Light" panose="02020603020101020101" pitchFamily="18" charset="-127"/>
+              </a:rPr>
+              <a:t>UPLOADING</a:t>
+            </a:r>
+            <a:endParaRPr lang="ko-KR" altLang="en-US" sz="6600" b="1">
+              <a:solidFill>
+                <a:srgbClr val="FF5050"/>
+              </a:solidFill>
+              <a:latin typeface="아리따-돋움(TTF)-Light" panose="02020603020101020101" pitchFamily="18" charset="-127"/>
+              <a:ea typeface="아리따-돋움(TTF)-Light" panose="02020603020101020101" pitchFamily="18" charset="-127"/>
             </a:endParaRPr>
           </a:p>
         </p:txBody>
@@ -6295,7 +5027,7 @@
     </p:spTree>
     <p:extLst>
       <p:ext uri="{BB962C8B-B14F-4D97-AF65-F5344CB8AC3E}">
-        <p14:creationId xmlns:p14="http://schemas.microsoft.com/office/powerpoint/2010/main" val="1722466731"/>
+        <p14:creationId xmlns:p14="http://schemas.microsoft.com/office/powerpoint/2010/main" val="1570850931"/>
       </p:ext>
     </p:extLst>
   </p:cSld>
@@ -6324,6 +5056,56 @@
       </p:grpSpPr>
       <p:sp>
         <p:nvSpPr>
+          <p:cNvPr id="48" name="직사각형 47"/>
+          <p:cNvSpPr>
+            <a:spLocks noChangeAspect="1"/>
+          </p:cNvSpPr>
+          <p:nvPr/>
+        </p:nvSpPr>
+        <p:spPr>
+          <a:xfrm>
+            <a:off x="3748402" y="4082403"/>
+            <a:ext cx="1113786" cy="997225"/>
+          </a:xfrm>
+          <a:prstGeom prst="rect">
+            <a:avLst/>
+          </a:prstGeom>
+          <a:solidFill>
+            <a:schemeClr val="bg1"/>
+          </a:solidFill>
+          <a:ln w="25400">
+            <a:solidFill>
+              <a:schemeClr val="tx1"/>
+            </a:solidFill>
+          </a:ln>
+        </p:spPr>
+        <p:style>
+          <a:lnRef idx="2">
+            <a:schemeClr val="accent1">
+              <a:shade val="50000"/>
+            </a:schemeClr>
+          </a:lnRef>
+          <a:fillRef idx="1">
+            <a:schemeClr val="accent1"/>
+          </a:fillRef>
+          <a:effectRef idx="0">
+            <a:schemeClr val="accent1"/>
+          </a:effectRef>
+          <a:fontRef idx="minor">
+            <a:schemeClr val="lt1"/>
+          </a:fontRef>
+        </p:style>
+        <p:txBody>
+          <a:bodyPr rtlCol="0" anchor="ctr"/>
+          <a:lstStyle/>
+          <a:p>
+            <a:pPr algn="ctr"/>
+            <a:endParaRPr lang="ko-KR" altLang="en-US"/>
+          </a:p>
+        </p:txBody>
+      </p:sp>
+      <p:sp>
+        <p:nvSpPr>
           <p:cNvPr id="2" name="직사각형 1"/>
           <p:cNvSpPr/>
           <p:nvPr/>
@@ -6428,7 +5210,7 @@
                 <a:latin typeface="210 맨발의청춘 B" panose="02020603020101020101" pitchFamily="18" charset="-127"/>
                 <a:ea typeface="210 맨발의청춘 B" panose="02020603020101020101" pitchFamily="18" charset="-127"/>
               </a:rPr>
-              <a:t>로그인 구조도</a:t>
+              <a:t>데이터 처리도</a:t>
             </a:r>
             <a:endParaRPr lang="ko-KR" altLang="en-US" dirty="0">
               <a:latin typeface="210 맨발의청춘 B" panose="02020603020101020101" pitchFamily="18" charset="-127"/>
@@ -6439,7 +5221,232 @@
       </p:sp>
       <p:sp>
         <p:nvSpPr>
-          <p:cNvPr id="18" name="직사각형 17"/>
+          <p:cNvPr id="11" name="TextBox 10"/>
+          <p:cNvSpPr txBox="1"/>
+          <p:nvPr/>
+        </p:nvSpPr>
+        <p:spPr>
+          <a:xfrm>
+            <a:off x="1417153" y="6609769"/>
+            <a:ext cx="585417" cy="276999"/>
+          </a:xfrm>
+          <a:prstGeom prst="rect">
+            <a:avLst/>
+          </a:prstGeom>
+          <a:noFill/>
+        </p:spPr>
+        <p:txBody>
+          <a:bodyPr wrap="none" rtlCol="0">
+            <a:spAutoFit/>
+          </a:bodyPr>
+          <a:lstStyle/>
+          <a:p>
+            <a:r>
+              <a:rPr lang="en-US" altLang="ko-KR" sz="1200" dirty="0" smtClean="0">
+                <a:latin typeface="210 맨발의청춘 L" panose="02020603020101020101" pitchFamily="18" charset="-127"/>
+                <a:ea typeface="210 맨발의청춘 L" panose="02020603020101020101" pitchFamily="18" charset="-127"/>
+              </a:rPr>
+              <a:t>[</a:t>
+            </a:r>
+            <a:r>
+              <a:rPr lang="ko-KR" altLang="en-US" sz="1200" dirty="0" smtClean="0">
+                <a:latin typeface="210 맨발의청춘 L" panose="02020603020101020101" pitchFamily="18" charset="-127"/>
+                <a:ea typeface="210 맨발의청춘 L" panose="02020603020101020101" pitchFamily="18" charset="-127"/>
+              </a:rPr>
+              <a:t>메인</a:t>
+            </a:r>
+            <a:r>
+              <a:rPr lang="en-US" altLang="ko-KR" sz="1200" dirty="0" smtClean="0">
+                <a:latin typeface="210 맨발의청춘 L" panose="02020603020101020101" pitchFamily="18" charset="-127"/>
+                <a:ea typeface="210 맨발의청춘 L" panose="02020603020101020101" pitchFamily="18" charset="-127"/>
+              </a:rPr>
+              <a:t>]</a:t>
+            </a:r>
+            <a:endParaRPr lang="ko-KR" altLang="en-US" sz="1200" dirty="0">
+              <a:latin typeface="210 맨발의청춘 L" panose="02020603020101020101" pitchFamily="18" charset="-127"/>
+              <a:ea typeface="210 맨발의청춘 L" panose="02020603020101020101" pitchFamily="18" charset="-127"/>
+            </a:endParaRPr>
+          </a:p>
+        </p:txBody>
+      </p:sp>
+      <p:sp>
+        <p:nvSpPr>
+          <p:cNvPr id="26" name="TextBox 25"/>
+          <p:cNvSpPr txBox="1"/>
+          <p:nvPr/>
+        </p:nvSpPr>
+        <p:spPr>
+          <a:xfrm>
+            <a:off x="3987740" y="4438070"/>
+            <a:ext cx="635110" cy="276999"/>
+          </a:xfrm>
+          <a:prstGeom prst="rect">
+            <a:avLst/>
+          </a:prstGeom>
+          <a:noFill/>
+        </p:spPr>
+        <p:txBody>
+          <a:bodyPr wrap="none" rtlCol="0">
+            <a:spAutoFit/>
+          </a:bodyPr>
+          <a:lstStyle/>
+          <a:p>
+            <a:pPr algn="ctr"/>
+            <a:r>
+              <a:rPr lang="en-US" altLang="ko-KR" sz="1200" dirty="0" smtClean="0">
+                <a:latin typeface="210 맨발의청춘 L" panose="02020603020101020101" pitchFamily="18" charset="-127"/>
+                <a:ea typeface="210 맨발의청춘 L" panose="02020603020101020101" pitchFamily="18" charset="-127"/>
+              </a:rPr>
+              <a:t>[App]</a:t>
+            </a:r>
+            <a:endParaRPr lang="ko-KR" altLang="en-US" sz="1200" dirty="0">
+              <a:latin typeface="210 맨발의청춘 L" panose="02020603020101020101" pitchFamily="18" charset="-127"/>
+              <a:ea typeface="210 맨발의청춘 L" panose="02020603020101020101" pitchFamily="18" charset="-127"/>
+            </a:endParaRPr>
+          </a:p>
+        </p:txBody>
+      </p:sp>
+      <p:cxnSp>
+        <p:nvCxnSpPr>
+          <p:cNvPr id="27" name="직선 화살표 연결선 26"/>
+          <p:cNvCxnSpPr/>
+          <p:nvPr/>
+        </p:nvCxnSpPr>
+        <p:spPr>
+          <a:xfrm>
+            <a:off x="2361229" y="4391633"/>
+            <a:ext cx="1227792" cy="0"/>
+          </a:xfrm>
+          <a:prstGeom prst="straightConnector1">
+            <a:avLst/>
+          </a:prstGeom>
+          <a:ln>
+            <a:solidFill>
+              <a:schemeClr val="tx1"/>
+            </a:solidFill>
+            <a:tailEnd type="triangle"/>
+          </a:ln>
+        </p:spPr>
+        <p:style>
+          <a:lnRef idx="1">
+            <a:schemeClr val="accent1"/>
+          </a:lnRef>
+          <a:fillRef idx="0">
+            <a:schemeClr val="accent1"/>
+          </a:fillRef>
+          <a:effectRef idx="0">
+            <a:schemeClr val="accent1"/>
+          </a:effectRef>
+          <a:fontRef idx="minor">
+            <a:schemeClr val="tx1"/>
+          </a:fontRef>
+        </p:style>
+      </p:cxnSp>
+      <p:sp>
+        <p:nvSpPr>
+          <p:cNvPr id="29" name="TextBox 28"/>
+          <p:cNvSpPr txBox="1"/>
+          <p:nvPr/>
+        </p:nvSpPr>
+        <p:spPr>
+          <a:xfrm>
+            <a:off x="3912837" y="2462635"/>
+            <a:ext cx="792205" cy="276999"/>
+          </a:xfrm>
+          <a:prstGeom prst="rect">
+            <a:avLst/>
+          </a:prstGeom>
+          <a:noFill/>
+        </p:spPr>
+        <p:txBody>
+          <a:bodyPr wrap="none" rtlCol="0">
+            <a:spAutoFit/>
+          </a:bodyPr>
+          <a:lstStyle/>
+          <a:p>
+            <a:pPr algn="ctr"/>
+            <a:r>
+              <a:rPr lang="en-US" altLang="ko-KR" sz="1200" smtClean="0">
+                <a:latin typeface="210 맨발의청춘 L" panose="02020603020101020101" pitchFamily="18" charset="-127"/>
+                <a:ea typeface="210 맨발의청춘 L" panose="02020603020101020101" pitchFamily="18" charset="-127"/>
+              </a:rPr>
+              <a:t>[DB</a:t>
+            </a:r>
+            <a:r>
+              <a:rPr lang="ko-KR" altLang="en-US" sz="1200" smtClean="0">
+                <a:latin typeface="210 맨발의청춘 L" panose="02020603020101020101" pitchFamily="18" charset="-127"/>
+                <a:ea typeface="210 맨발의청춘 L" panose="02020603020101020101" pitchFamily="18" charset="-127"/>
+              </a:rPr>
+              <a:t> 서버</a:t>
+            </a:r>
+            <a:r>
+              <a:rPr lang="en-US" altLang="ko-KR" sz="1200" smtClean="0">
+                <a:latin typeface="210 맨발의청춘 L" panose="02020603020101020101" pitchFamily="18" charset="-127"/>
+                <a:ea typeface="210 맨발의청춘 L" panose="02020603020101020101" pitchFamily="18" charset="-127"/>
+              </a:rPr>
+              <a:t>]</a:t>
+            </a:r>
+            <a:endParaRPr lang="ko-KR" altLang="en-US" sz="1200" dirty="0">
+              <a:latin typeface="210 맨발의청춘 L" panose="02020603020101020101" pitchFamily="18" charset="-127"/>
+              <a:ea typeface="210 맨발의청춘 L" panose="02020603020101020101" pitchFamily="18" charset="-127"/>
+            </a:endParaRPr>
+          </a:p>
+        </p:txBody>
+      </p:sp>
+      <p:sp>
+        <p:nvSpPr>
+          <p:cNvPr id="31" name="TextBox 30"/>
+          <p:cNvSpPr txBox="1"/>
+          <p:nvPr/>
+        </p:nvSpPr>
+        <p:spPr>
+          <a:xfrm>
+            <a:off x="2341441" y="4092534"/>
+            <a:ext cx="1215397" cy="276999"/>
+          </a:xfrm>
+          <a:prstGeom prst="rect">
+            <a:avLst/>
+          </a:prstGeom>
+          <a:noFill/>
+        </p:spPr>
+        <p:txBody>
+          <a:bodyPr wrap="none" rtlCol="0">
+            <a:spAutoFit/>
+          </a:bodyPr>
+          <a:lstStyle/>
+          <a:p>
+            <a:pPr algn="ctr"/>
+            <a:r>
+              <a:rPr lang="en-US" altLang="ko-KR" sz="1200" smtClean="0">
+                <a:latin typeface="210 맨발의청춘 L" panose="02020603020101020101" pitchFamily="18" charset="-127"/>
+                <a:ea typeface="210 맨발의청춘 L" panose="02020603020101020101" pitchFamily="18" charset="-127"/>
+              </a:rPr>
+              <a:t>[</a:t>
+            </a:r>
+            <a:r>
+              <a:rPr lang="ko-KR" altLang="en-US" sz="1200" smtClean="0">
+                <a:latin typeface="210 맨발의청춘 L" panose="02020603020101020101" pitchFamily="18" charset="-127"/>
+                <a:ea typeface="210 맨발의청춘 L" panose="02020603020101020101" pitchFamily="18" charset="-127"/>
+              </a:rPr>
+              <a:t>분석 완료 알림</a:t>
+            </a:r>
+            <a:r>
+              <a:rPr lang="en-US" altLang="ko-KR" sz="1200" smtClean="0">
+                <a:latin typeface="210 맨발의청춘 L" panose="02020603020101020101" pitchFamily="18" charset="-127"/>
+                <a:ea typeface="210 맨발의청춘 L" panose="02020603020101020101" pitchFamily="18" charset="-127"/>
+              </a:rPr>
+              <a:t>]</a:t>
+            </a:r>
+            <a:endParaRPr lang="ko-KR" altLang="en-US" sz="1200" dirty="0">
+              <a:latin typeface="210 맨발의청춘 L" panose="02020603020101020101" pitchFamily="18" charset="-127"/>
+              <a:ea typeface="210 맨발의청춘 L" panose="02020603020101020101" pitchFamily="18" charset="-127"/>
+            </a:endParaRPr>
+          </a:p>
+        </p:txBody>
+      </p:sp>
+      <p:sp>
+        <p:nvSpPr>
+          <p:cNvPr id="35" name="직사각형 34"/>
           <p:cNvSpPr>
             <a:spLocks noChangeAspect="1"/>
           </p:cNvSpPr>
@@ -6447,7 +5454,7 @@
         </p:nvSpPr>
         <p:spPr>
           <a:xfrm>
-            <a:off x="2565919" y="2627052"/>
+            <a:off x="7269561" y="4092534"/>
             <a:ext cx="1113786" cy="997225"/>
           </a:xfrm>
           <a:prstGeom prst="rect">
@@ -6489,14 +5496,14 @@
       </p:sp>
       <p:sp>
         <p:nvSpPr>
-          <p:cNvPr id="20" name="TextBox 19"/>
+          <p:cNvPr id="38" name="TextBox 37"/>
           <p:cNvSpPr txBox="1"/>
           <p:nvPr/>
         </p:nvSpPr>
         <p:spPr>
           <a:xfrm>
-            <a:off x="2805257" y="2982719"/>
-            <a:ext cx="635110" cy="276999"/>
+            <a:off x="7338980" y="4454673"/>
+            <a:ext cx="974947" cy="276999"/>
           </a:xfrm>
           <a:prstGeom prst="rect">
             <a:avLst/>
@@ -6511,11 +5518,25 @@
           <a:p>
             <a:pPr algn="ctr"/>
             <a:r>
-              <a:rPr lang="en-US" altLang="ko-KR" sz="1200" dirty="0" smtClean="0">
+              <a:rPr lang="en-US" altLang="ko-KR" sz="1200" smtClean="0">
                 <a:latin typeface="210 맨발의청춘 L" panose="02020603020101020101" pitchFamily="18" charset="-127"/>
                 <a:ea typeface="210 맨발의청춘 L" panose="02020603020101020101" pitchFamily="18" charset="-127"/>
               </a:rPr>
-              <a:t>[App]</a:t>
+              <a:t>[</a:t>
+            </a:r>
+            <a:r>
+              <a:rPr lang="ko-KR" altLang="en-US" sz="1200" smtClean="0">
+                <a:latin typeface="210 맨발의청춘 L" panose="02020603020101020101" pitchFamily="18" charset="-127"/>
+                <a:ea typeface="210 맨발의청춘 L" panose="02020603020101020101" pitchFamily="18" charset="-127"/>
+              </a:rPr>
+              <a:t>커맨드서버</a:t>
+            </a:r>
+            <a:r>
+              <a:rPr lang="en-US" altLang="ko-KR" sz="1200" smtClean="0">
+                <a:latin typeface="210 맨발의청춘 L" panose="02020603020101020101" pitchFamily="18" charset="-127"/>
+                <a:ea typeface="210 맨발의청춘 L" panose="02020603020101020101" pitchFamily="18" charset="-127"/>
+              </a:rPr>
+              <a:t>]</a:t>
             </a:r>
             <a:endParaRPr lang="ko-KR" altLang="en-US" sz="1200" dirty="0">
               <a:latin typeface="210 맨발의청춘 L" panose="02020603020101020101" pitchFamily="18" charset="-127"/>
@@ -6526,20 +5547,20 @@
       </p:sp>
       <p:sp>
         <p:nvSpPr>
-          <p:cNvPr id="21" name="구름 20"/>
+          <p:cNvPr id="3" name="순서도: 자기 디스크 2"/>
           <p:cNvSpPr/>
           <p:nvPr/>
         </p:nvSpPr>
         <p:spPr>
           <a:xfrm>
-            <a:off x="7570403" y="2728187"/>
-            <a:ext cx="1324072" cy="729054"/>
-          </a:xfrm>
-          <a:prstGeom prst="cloud">
+            <a:off x="3791403" y="1941504"/>
+            <a:ext cx="1035074" cy="1042262"/>
+          </a:xfrm>
+          <a:prstGeom prst="flowChartMagneticDisk">
             <a:avLst/>
           </a:prstGeom>
           <a:noFill/>
-          <a:ln>
+          <a:ln w="25400">
             <a:solidFill>
               <a:schemeClr val="tx1"/>
             </a:solidFill>
@@ -6572,14 +5593,14 @@
       </p:sp>
       <p:sp>
         <p:nvSpPr>
-          <p:cNvPr id="22" name="TextBox 21"/>
+          <p:cNvPr id="47" name="TextBox 46"/>
           <p:cNvSpPr txBox="1"/>
           <p:nvPr/>
         </p:nvSpPr>
         <p:spPr>
           <a:xfrm>
-            <a:off x="7742972" y="2954214"/>
-            <a:ext cx="912430" cy="276999"/>
+            <a:off x="1990043" y="2106418"/>
+            <a:ext cx="1343638" cy="276999"/>
           </a:xfrm>
           <a:prstGeom prst="rect">
             <a:avLst/>
@@ -6594,11 +5615,25 @@
           <a:p>
             <a:pPr algn="ctr"/>
             <a:r>
+              <a:rPr lang="en-US" altLang="ko-KR" sz="1200" smtClean="0">
+                <a:latin typeface="210 맨발의청춘 L" panose="02020603020101020101" pitchFamily="18" charset="-127"/>
+                <a:ea typeface="210 맨발의청춘 L" panose="02020603020101020101" pitchFamily="18" charset="-127"/>
+              </a:rPr>
+              <a:t>[</a:t>
+            </a:r>
+            <a:r>
               <a:rPr lang="ko-KR" altLang="en-US" sz="1200" smtClean="0">
                 <a:latin typeface="210 맨발의청춘 L" panose="02020603020101020101" pitchFamily="18" charset="-127"/>
                 <a:ea typeface="210 맨발의청춘 L" panose="02020603020101020101" pitchFamily="18" charset="-127"/>
               </a:rPr>
-              <a:t>소셜 로그인</a:t>
+              <a:t>완료 데이터 검색</a:t>
+            </a:r>
+            <a:r>
+              <a:rPr lang="en-US" altLang="ko-KR" sz="1200" smtClean="0">
+                <a:latin typeface="210 맨발의청춘 L" panose="02020603020101020101" pitchFamily="18" charset="-127"/>
+                <a:ea typeface="210 맨발의청춘 L" panose="02020603020101020101" pitchFamily="18" charset="-127"/>
+              </a:rPr>
+              <a:t>]</a:t>
             </a:r>
             <a:endParaRPr lang="ko-KR" altLang="en-US" sz="1200" dirty="0">
               <a:latin typeface="210 맨발의청춘 L" panose="02020603020101020101" pitchFamily="18" charset="-127"/>
@@ -6607,46 +5642,9 @@
           </a:p>
         </p:txBody>
       </p:sp>
-      <p:cxnSp>
-        <p:nvCxnSpPr>
-          <p:cNvPr id="5" name="직선 화살표 연결선 4"/>
-          <p:cNvCxnSpPr/>
-          <p:nvPr/>
-        </p:nvCxnSpPr>
-        <p:spPr>
-          <a:xfrm>
-            <a:off x="6245624" y="3092714"/>
-            <a:ext cx="1122389" cy="0"/>
-          </a:xfrm>
-          <a:prstGeom prst="straightConnector1">
-            <a:avLst/>
-          </a:prstGeom>
-          <a:ln>
-            <a:solidFill>
-              <a:schemeClr val="tx1"/>
-            </a:solidFill>
-            <a:headEnd type="triangle"/>
-            <a:tailEnd type="triangle"/>
-          </a:ln>
-        </p:spPr>
-        <p:style>
-          <a:lnRef idx="1">
-            <a:schemeClr val="accent1"/>
-          </a:lnRef>
-          <a:fillRef idx="0">
-            <a:schemeClr val="accent1"/>
-          </a:fillRef>
-          <a:effectRef idx="0">
-            <a:schemeClr val="accent1"/>
-          </a:effectRef>
-          <a:fontRef idx="minor">
-            <a:schemeClr val="tx1"/>
-          </a:fontRef>
-        </p:style>
-      </p:cxnSp>
-      <p:sp>
-        <p:nvSpPr>
-          <p:cNvPr id="27" name="직사각형 26"/>
+      <p:sp>
+        <p:nvSpPr>
+          <p:cNvPr id="49" name="직사각형 48"/>
           <p:cNvSpPr>
             <a:spLocks noChangeAspect="1"/>
           </p:cNvSpPr>
@@ -6654,7 +5652,7 @@
         </p:nvSpPr>
         <p:spPr>
           <a:xfrm>
-            <a:off x="4929448" y="2627052"/>
+            <a:off x="1098503" y="4092534"/>
             <a:ext cx="1113786" cy="997225"/>
           </a:xfrm>
           <a:prstGeom prst="rect">
@@ -6696,14 +5694,14 @@
       </p:sp>
       <p:sp>
         <p:nvSpPr>
-          <p:cNvPr id="30" name="TextBox 29"/>
+          <p:cNvPr id="50" name="TextBox 49"/>
           <p:cNvSpPr txBox="1"/>
           <p:nvPr/>
         </p:nvSpPr>
         <p:spPr>
           <a:xfrm>
-            <a:off x="4979632" y="2991507"/>
-            <a:ext cx="1013419" cy="276999"/>
+            <a:off x="1243264" y="4454673"/>
+            <a:ext cx="824265" cy="276999"/>
           </a:xfrm>
           <a:prstGeom prst="rect">
             <a:avLst/>
@@ -6729,7 +5727,7 @@
                 <a:latin typeface="210 맨발의청춘 L" panose="02020603020101020101" pitchFamily="18" charset="-127"/>
                 <a:ea typeface="210 맨발의청춘 L" panose="02020603020101020101" pitchFamily="18" charset="-127"/>
               </a:rPr>
-              <a:t>로그인 서버</a:t>
+              <a:t>푸시서버</a:t>
             </a:r>
             <a:r>
               <a:rPr lang="en-US" altLang="ko-KR" sz="1200" smtClean="0">
@@ -6747,16 +5745,16 @@
       </p:sp>
       <p:cxnSp>
         <p:nvCxnSpPr>
-          <p:cNvPr id="10" name="직선 화살표 연결선 9"/>
+          <p:cNvPr id="14" name="직선 연결선 13"/>
           <p:cNvCxnSpPr/>
           <p:nvPr/>
         </p:nvCxnSpPr>
         <p:spPr>
-          <a:xfrm>
-            <a:off x="6816960" y="3299323"/>
-            <a:ext cx="0" cy="764771"/>
-          </a:xfrm>
-          <a:prstGeom prst="straightConnector1">
+          <a:xfrm flipV="1">
+            <a:off x="1673841" y="2413919"/>
+            <a:ext cx="0" cy="1602883"/>
+          </a:xfrm>
+          <a:prstGeom prst="line">
             <a:avLst/>
           </a:prstGeom>
           <a:ln>
@@ -6781,84 +5779,16 @@
           </a:fontRef>
         </p:style>
       </p:cxnSp>
-      <p:sp>
-        <p:nvSpPr>
-          <p:cNvPr id="12" name="TextBox 11"/>
-          <p:cNvSpPr txBox="1"/>
-          <p:nvPr/>
-        </p:nvSpPr>
-        <p:spPr>
-          <a:xfrm>
-            <a:off x="3873232" y="2905364"/>
-            <a:ext cx="939681" cy="261610"/>
-          </a:xfrm>
-          <a:prstGeom prst="rect">
-            <a:avLst/>
-          </a:prstGeom>
-          <a:noFill/>
-        </p:spPr>
-        <p:txBody>
-          <a:bodyPr wrap="none" rtlCol="0">
-            <a:spAutoFit/>
-          </a:bodyPr>
-          <a:lstStyle/>
-          <a:p>
-            <a:r>
-              <a:rPr lang="ko-KR" altLang="en-US" sz="1050" dirty="0" smtClean="0"/>
-              <a:t>로그인 정보</a:t>
-            </a:r>
-            <a:endParaRPr lang="ko-KR" altLang="en-US" sz="1050" dirty="0"/>
-          </a:p>
-        </p:txBody>
-      </p:sp>
-      <p:sp>
-        <p:nvSpPr>
-          <p:cNvPr id="23" name="TextBox 22"/>
-          <p:cNvSpPr txBox="1"/>
-          <p:nvPr/>
-        </p:nvSpPr>
-        <p:spPr>
-          <a:xfrm>
-            <a:off x="6215803" y="2808610"/>
-            <a:ext cx="1172116" cy="246221"/>
-          </a:xfrm>
-          <a:prstGeom prst="rect">
-            <a:avLst/>
-          </a:prstGeom>
-          <a:noFill/>
-        </p:spPr>
-        <p:txBody>
-          <a:bodyPr wrap="none" rtlCol="0">
-            <a:spAutoFit/>
-          </a:bodyPr>
-          <a:lstStyle/>
-          <a:p>
-            <a:r>
-              <a:rPr lang="ko-KR" altLang="en-US" sz="1000" smtClean="0"/>
-              <a:t>로그인 정보</a:t>
-            </a:r>
-            <a:r>
-              <a:rPr lang="ko-KR" altLang="en-US" sz="1000"/>
-              <a:t> </a:t>
-            </a:r>
-            <a:r>
-              <a:rPr lang="ko-KR" altLang="en-US" sz="1000" smtClean="0"/>
-              <a:t>검증</a:t>
-            </a:r>
-            <a:endParaRPr lang="ko-KR" altLang="en-US" sz="1000"/>
-          </a:p>
-        </p:txBody>
-      </p:sp>
       <p:cxnSp>
         <p:nvCxnSpPr>
-          <p:cNvPr id="4" name="직선 화살표 연결선 3"/>
+          <p:cNvPr id="17" name="직선 화살표 연결선 16"/>
           <p:cNvCxnSpPr/>
           <p:nvPr/>
         </p:nvCxnSpPr>
         <p:spPr>
-          <a:xfrm flipH="1">
-            <a:off x="3819663" y="2780522"/>
-            <a:ext cx="951723" cy="0"/>
+          <a:xfrm>
+            <a:off x="1720023" y="2392646"/>
+            <a:ext cx="1948721" cy="0"/>
           </a:xfrm>
           <a:prstGeom prst="straightConnector1">
             <a:avLst/>
@@ -6885,16 +5815,52 @@
           </a:fontRef>
         </p:style>
       </p:cxnSp>
-      <p:sp>
-        <p:nvSpPr>
-          <p:cNvPr id="24" name="TextBox 23"/>
+      <p:cxnSp>
+        <p:nvCxnSpPr>
+          <p:cNvPr id="19" name="직선 화살표 연결선 18"/>
+          <p:cNvCxnSpPr/>
+          <p:nvPr/>
+        </p:nvCxnSpPr>
+        <p:spPr>
+          <a:xfrm>
+            <a:off x="4945315" y="4369533"/>
+            <a:ext cx="2240571" cy="0"/>
+          </a:xfrm>
+          <a:prstGeom prst="straightConnector1">
+            <a:avLst/>
+          </a:prstGeom>
+          <a:ln>
+            <a:solidFill>
+              <a:schemeClr val="tx1"/>
+            </a:solidFill>
+            <a:tailEnd type="triangle"/>
+          </a:ln>
+        </p:spPr>
+        <p:style>
+          <a:lnRef idx="1">
+            <a:schemeClr val="accent1"/>
+          </a:lnRef>
+          <a:fillRef idx="0">
+            <a:schemeClr val="accent1"/>
+          </a:fillRef>
+          <a:effectRef idx="0">
+            <a:schemeClr val="accent1"/>
+          </a:effectRef>
+          <a:fontRef idx="minor">
+            <a:schemeClr val="tx1"/>
+          </a:fontRef>
+        </p:style>
+      </p:cxnSp>
+      <p:sp>
+        <p:nvSpPr>
+          <p:cNvPr id="51" name="TextBox 50"/>
           <p:cNvSpPr txBox="1"/>
           <p:nvPr/>
         </p:nvSpPr>
         <p:spPr>
           <a:xfrm>
-            <a:off x="3957391" y="2518912"/>
-            <a:ext cx="771365" cy="253916"/>
+            <a:off x="5717061" y="4092534"/>
+            <a:ext cx="697628" cy="276999"/>
           </a:xfrm>
           <a:prstGeom prst="rect">
             <a:avLst/>
@@ -6907,13 +5873,1200 @@
           </a:bodyPr>
           <a:lstStyle/>
           <a:p>
+            <a:pPr algn="ctr"/>
+            <a:r>
+              <a:rPr lang="en-US" altLang="ko-KR" sz="1200" smtClean="0">
+                <a:latin typeface="210 맨발의청춘 L" panose="02020603020101020101" pitchFamily="18" charset="-127"/>
+                <a:ea typeface="210 맨발의청춘 L" panose="02020603020101020101" pitchFamily="18" charset="-127"/>
+              </a:rPr>
+              <a:t>[</a:t>
+            </a:r>
+            <a:r>
+              <a:rPr lang="ko-KR" altLang="en-US" sz="1200" smtClean="0">
+                <a:latin typeface="210 맨발의청춘 L" panose="02020603020101020101" pitchFamily="18" charset="-127"/>
+                <a:ea typeface="210 맨발의청춘 L" panose="02020603020101020101" pitchFamily="18" charset="-127"/>
+              </a:rPr>
+              <a:t>로그인</a:t>
+            </a:r>
+            <a:r>
+              <a:rPr lang="en-US" altLang="ko-KR" sz="1200" smtClean="0">
+                <a:latin typeface="210 맨발의청춘 L" panose="02020603020101020101" pitchFamily="18" charset="-127"/>
+                <a:ea typeface="210 맨발의청춘 L" panose="02020603020101020101" pitchFamily="18" charset="-127"/>
+              </a:rPr>
+              <a:t>]</a:t>
+            </a:r>
+            <a:endParaRPr lang="ko-KR" altLang="en-US" sz="1200" dirty="0">
+              <a:latin typeface="210 맨발의청춘 L" panose="02020603020101020101" pitchFamily="18" charset="-127"/>
+              <a:ea typeface="210 맨발의청춘 L" panose="02020603020101020101" pitchFamily="18" charset="-127"/>
+            </a:endParaRPr>
+          </a:p>
+        </p:txBody>
+      </p:sp>
+      <p:cxnSp>
+        <p:nvCxnSpPr>
+          <p:cNvPr id="52" name="직선 연결선 51"/>
+          <p:cNvCxnSpPr/>
+          <p:nvPr/>
+        </p:nvCxnSpPr>
+        <p:spPr>
+          <a:xfrm flipV="1">
+            <a:off x="7856226" y="2817091"/>
+            <a:ext cx="0" cy="1206155"/>
+          </a:xfrm>
+          <a:prstGeom prst="line">
+            <a:avLst/>
+          </a:prstGeom>
+          <a:ln>
+            <a:solidFill>
+              <a:schemeClr val="tx1"/>
+            </a:solidFill>
+            <a:tailEnd type="triangle"/>
+          </a:ln>
+        </p:spPr>
+        <p:style>
+          <a:lnRef idx="1">
+            <a:schemeClr val="accent1"/>
+          </a:lnRef>
+          <a:fillRef idx="0">
+            <a:schemeClr val="accent1"/>
+          </a:fillRef>
+          <a:effectRef idx="0">
+            <a:schemeClr val="accent1"/>
+          </a:effectRef>
+          <a:fontRef idx="minor">
+            <a:schemeClr val="tx1"/>
+          </a:fontRef>
+        </p:style>
+      </p:cxnSp>
+      <p:cxnSp>
+        <p:nvCxnSpPr>
+          <p:cNvPr id="22" name="직선 화살표 연결선 21"/>
+          <p:cNvCxnSpPr/>
+          <p:nvPr/>
+        </p:nvCxnSpPr>
+        <p:spPr>
+          <a:xfrm flipH="1">
+            <a:off x="5009969" y="2743669"/>
+            <a:ext cx="2785517" cy="0"/>
+          </a:xfrm>
+          <a:prstGeom prst="straightConnector1">
+            <a:avLst/>
+          </a:prstGeom>
+          <a:ln>
+            <a:solidFill>
+              <a:schemeClr val="tx1"/>
+            </a:solidFill>
+            <a:tailEnd type="triangle"/>
+          </a:ln>
+        </p:spPr>
+        <p:style>
+          <a:lnRef idx="1">
+            <a:schemeClr val="accent1"/>
+          </a:lnRef>
+          <a:fillRef idx="0">
+            <a:schemeClr val="accent1"/>
+          </a:fillRef>
+          <a:effectRef idx="0">
+            <a:schemeClr val="accent1"/>
+          </a:effectRef>
+          <a:fontRef idx="minor">
+            <a:schemeClr val="tx1"/>
+          </a:fontRef>
+        </p:style>
+      </p:cxnSp>
+      <p:sp>
+        <p:nvSpPr>
+          <p:cNvPr id="54" name="TextBox 53"/>
+          <p:cNvSpPr txBox="1"/>
+          <p:nvPr/>
+        </p:nvSpPr>
+        <p:spPr>
+          <a:xfrm>
+            <a:off x="5341721" y="2466678"/>
+            <a:ext cx="1999265" cy="276999"/>
+          </a:xfrm>
+          <a:prstGeom prst="rect">
+            <a:avLst/>
+          </a:prstGeom>
+          <a:noFill/>
+        </p:spPr>
+        <p:txBody>
+          <a:bodyPr wrap="none" rtlCol="0">
+            <a:spAutoFit/>
+          </a:bodyPr>
+          <a:lstStyle/>
+          <a:p>
+            <a:pPr algn="ctr"/>
+            <a:r>
+              <a:rPr lang="en-US" altLang="ko-KR" sz="1200" smtClean="0">
+                <a:latin typeface="210 맨발의청춘 L" panose="02020603020101020101" pitchFamily="18" charset="-127"/>
+                <a:ea typeface="210 맨발의청춘 L" panose="02020603020101020101" pitchFamily="18" charset="-127"/>
+              </a:rPr>
+              <a:t>[</a:t>
+            </a:r>
+            <a:r>
+              <a:rPr lang="ko-KR" altLang="en-US" sz="1200" smtClean="0">
+                <a:latin typeface="210 맨발의청춘 L" panose="02020603020101020101" pitchFamily="18" charset="-127"/>
+                <a:ea typeface="210 맨발의청춘 L" panose="02020603020101020101" pitchFamily="18" charset="-127"/>
+              </a:rPr>
+              <a:t>로그인 검증</a:t>
+            </a:r>
+            <a:r>
+              <a:rPr lang="en-US" altLang="ko-KR" sz="1200" smtClean="0">
+                <a:latin typeface="210 맨발의청춘 L" panose="02020603020101020101" pitchFamily="18" charset="-127"/>
+                <a:ea typeface="210 맨발의청춘 L" panose="02020603020101020101" pitchFamily="18" charset="-127"/>
+              </a:rPr>
+              <a:t>,</a:t>
+            </a:r>
+            <a:r>
+              <a:rPr lang="ko-KR" altLang="en-US" sz="1200" smtClean="0">
+                <a:latin typeface="210 맨발의청춘 L" panose="02020603020101020101" pitchFamily="18" charset="-127"/>
+                <a:ea typeface="210 맨발의청춘 L" panose="02020603020101020101" pitchFamily="18" charset="-127"/>
+              </a:rPr>
+              <a:t> 분석 요청 등록</a:t>
+            </a:r>
+            <a:r>
+              <a:rPr lang="en-US" altLang="ko-KR" sz="1200" smtClean="0">
+                <a:latin typeface="210 맨발의청춘 L" panose="02020603020101020101" pitchFamily="18" charset="-127"/>
+                <a:ea typeface="210 맨발의청춘 L" panose="02020603020101020101" pitchFamily="18" charset="-127"/>
+              </a:rPr>
+              <a:t>]</a:t>
+            </a:r>
+            <a:endParaRPr lang="ko-KR" altLang="en-US" sz="1200" dirty="0">
+              <a:latin typeface="210 맨발의청춘 L" panose="02020603020101020101" pitchFamily="18" charset="-127"/>
+              <a:ea typeface="210 맨발의청춘 L" panose="02020603020101020101" pitchFamily="18" charset="-127"/>
+            </a:endParaRPr>
+          </a:p>
+        </p:txBody>
+      </p:sp>
+      <p:cxnSp>
+        <p:nvCxnSpPr>
+          <p:cNvPr id="55" name="직선 화살표 연결선 54"/>
+          <p:cNvCxnSpPr/>
+          <p:nvPr/>
+        </p:nvCxnSpPr>
+        <p:spPr>
+          <a:xfrm>
+            <a:off x="4938763" y="4805563"/>
+            <a:ext cx="2225964" cy="0"/>
+          </a:xfrm>
+          <a:prstGeom prst="straightConnector1">
+            <a:avLst/>
+          </a:prstGeom>
+          <a:ln>
+            <a:solidFill>
+              <a:schemeClr val="tx1"/>
+            </a:solidFill>
+            <a:headEnd type="triangle"/>
+            <a:tailEnd type="triangle"/>
+          </a:ln>
+        </p:spPr>
+        <p:style>
+          <a:lnRef idx="1">
+            <a:schemeClr val="accent1"/>
+          </a:lnRef>
+          <a:fillRef idx="0">
+            <a:schemeClr val="accent1"/>
+          </a:fillRef>
+          <a:effectRef idx="0">
+            <a:schemeClr val="accent1"/>
+          </a:effectRef>
+          <a:fontRef idx="minor">
+            <a:schemeClr val="tx1"/>
+          </a:fontRef>
+        </p:style>
+      </p:cxnSp>
+      <p:sp>
+        <p:nvSpPr>
+          <p:cNvPr id="60" name="TextBox 59"/>
+          <p:cNvSpPr txBox="1"/>
+          <p:nvPr/>
+        </p:nvSpPr>
+        <p:spPr>
+          <a:xfrm>
+            <a:off x="5484626" y="4535870"/>
+            <a:ext cx="1162499" cy="276999"/>
+          </a:xfrm>
+          <a:prstGeom prst="rect">
+            <a:avLst/>
+          </a:prstGeom>
+          <a:noFill/>
+        </p:spPr>
+        <p:txBody>
+          <a:bodyPr wrap="none" rtlCol="0">
+            <a:spAutoFit/>
+          </a:bodyPr>
+          <a:lstStyle/>
+          <a:p>
+            <a:pPr algn="ctr"/>
+            <a:r>
+              <a:rPr lang="en-US" altLang="ko-KR" sz="1200" smtClean="0">
+                <a:latin typeface="210 맨발의청춘 L" panose="02020603020101020101" pitchFamily="18" charset="-127"/>
+                <a:ea typeface="210 맨발의청춘 L" panose="02020603020101020101" pitchFamily="18" charset="-127"/>
+              </a:rPr>
+              <a:t>[</a:t>
+            </a:r>
+            <a:r>
+              <a:rPr lang="ko-KR" altLang="en-US" sz="1200" smtClean="0">
+                <a:latin typeface="210 맨발의청춘 L" panose="02020603020101020101" pitchFamily="18" charset="-127"/>
+                <a:ea typeface="210 맨발의청춘 L" panose="02020603020101020101" pitchFamily="18" charset="-127"/>
+              </a:rPr>
+              <a:t>데이터 송수신</a:t>
+            </a:r>
+            <a:r>
+              <a:rPr lang="en-US" altLang="ko-KR" sz="1200" smtClean="0">
+                <a:latin typeface="210 맨발의청춘 L" panose="02020603020101020101" pitchFamily="18" charset="-127"/>
+                <a:ea typeface="210 맨발의청춘 L" panose="02020603020101020101" pitchFamily="18" charset="-127"/>
+              </a:rPr>
+              <a:t>]</a:t>
+            </a:r>
+            <a:endParaRPr lang="ko-KR" altLang="en-US" sz="1200" dirty="0">
+              <a:latin typeface="210 맨발의청춘 L" panose="02020603020101020101" pitchFamily="18" charset="-127"/>
+              <a:ea typeface="210 맨발의청춘 L" panose="02020603020101020101" pitchFamily="18" charset="-127"/>
+            </a:endParaRPr>
+          </a:p>
+        </p:txBody>
+      </p:sp>
+      <p:sp>
+        <p:nvSpPr>
+          <p:cNvPr id="61" name="직사각형 60"/>
+          <p:cNvSpPr>
+            <a:spLocks noChangeAspect="1"/>
+          </p:cNvSpPr>
+          <p:nvPr/>
+        </p:nvSpPr>
+        <p:spPr>
+          <a:xfrm>
+            <a:off x="8350225" y="1884943"/>
+            <a:ext cx="1113786" cy="997225"/>
+          </a:xfrm>
+          <a:prstGeom prst="rect">
+            <a:avLst/>
+          </a:prstGeom>
+          <a:solidFill>
+            <a:schemeClr val="bg1"/>
+          </a:solidFill>
+          <a:ln w="25400">
+            <a:solidFill>
+              <a:schemeClr val="tx1"/>
+            </a:solidFill>
+          </a:ln>
+        </p:spPr>
+        <p:style>
+          <a:lnRef idx="2">
+            <a:schemeClr val="accent1">
+              <a:shade val="50000"/>
+            </a:schemeClr>
+          </a:lnRef>
+          <a:fillRef idx="1">
+            <a:schemeClr val="accent1"/>
+          </a:fillRef>
+          <a:effectRef idx="0">
+            <a:schemeClr val="accent1"/>
+          </a:effectRef>
+          <a:fontRef idx="minor">
+            <a:schemeClr val="lt1"/>
+          </a:fontRef>
+        </p:style>
+        <p:txBody>
+          <a:bodyPr rtlCol="0" anchor="ctr"/>
+          <a:lstStyle/>
+          <a:p>
+            <a:pPr algn="ctr"/>
+            <a:endParaRPr lang="ko-KR" altLang="en-US"/>
+          </a:p>
+        </p:txBody>
+      </p:sp>
+      <p:cxnSp>
+        <p:nvCxnSpPr>
+          <p:cNvPr id="62" name="직선 화살표 연결선 61"/>
+          <p:cNvCxnSpPr/>
+          <p:nvPr/>
+        </p:nvCxnSpPr>
+        <p:spPr>
+          <a:xfrm flipH="1">
+            <a:off x="5009971" y="2383417"/>
+            <a:ext cx="3247334" cy="0"/>
+          </a:xfrm>
+          <a:prstGeom prst="straightConnector1">
+            <a:avLst/>
+          </a:prstGeom>
+          <a:ln>
+            <a:solidFill>
+              <a:schemeClr val="tx1"/>
+            </a:solidFill>
+            <a:tailEnd type="triangle"/>
+          </a:ln>
+        </p:spPr>
+        <p:style>
+          <a:lnRef idx="1">
+            <a:schemeClr val="accent1"/>
+          </a:lnRef>
+          <a:fillRef idx="0">
+            <a:schemeClr val="accent1"/>
+          </a:fillRef>
+          <a:effectRef idx="0">
+            <a:schemeClr val="accent1"/>
+          </a:effectRef>
+          <a:fontRef idx="minor">
+            <a:schemeClr val="tx1"/>
+          </a:fontRef>
+        </p:style>
+      </p:cxnSp>
+      <p:sp>
+        <p:nvSpPr>
+          <p:cNvPr id="65" name="TextBox 64"/>
+          <p:cNvSpPr txBox="1"/>
+          <p:nvPr/>
+        </p:nvSpPr>
+        <p:spPr>
+          <a:xfrm>
+            <a:off x="8464529" y="2249398"/>
+            <a:ext cx="885179" cy="276999"/>
+          </a:xfrm>
+          <a:prstGeom prst="rect">
+            <a:avLst/>
+          </a:prstGeom>
+          <a:noFill/>
+        </p:spPr>
+        <p:txBody>
+          <a:bodyPr wrap="none" rtlCol="0">
+            <a:spAutoFit/>
+          </a:bodyPr>
+          <a:lstStyle/>
+          <a:p>
+            <a:pPr algn="ctr"/>
+            <a:r>
+              <a:rPr lang="en-US" altLang="ko-KR" sz="1200" smtClean="0">
+                <a:latin typeface="210 맨발의청춘 L" panose="02020603020101020101" pitchFamily="18" charset="-127"/>
+                <a:ea typeface="210 맨발의청춘 L" panose="02020603020101020101" pitchFamily="18" charset="-127"/>
+              </a:rPr>
+              <a:t>[</a:t>
+            </a:r>
+            <a:r>
+              <a:rPr lang="ko-KR" altLang="en-US" sz="1200" smtClean="0">
+                <a:latin typeface="210 맨발의청춘 L" panose="02020603020101020101" pitchFamily="18" charset="-127"/>
+                <a:ea typeface="210 맨발의청춘 L" panose="02020603020101020101" pitchFamily="18" charset="-127"/>
+              </a:rPr>
+              <a:t>분석 엔진</a:t>
+            </a:r>
+            <a:r>
+              <a:rPr lang="en-US" altLang="ko-KR" sz="1200" smtClean="0">
+                <a:latin typeface="210 맨발의청춘 L" panose="02020603020101020101" pitchFamily="18" charset="-127"/>
+                <a:ea typeface="210 맨발의청춘 L" panose="02020603020101020101" pitchFamily="18" charset="-127"/>
+              </a:rPr>
+              <a:t>]</a:t>
+            </a:r>
+            <a:endParaRPr lang="ko-KR" altLang="en-US" sz="1200" dirty="0">
+              <a:latin typeface="210 맨발의청춘 L" panose="02020603020101020101" pitchFamily="18" charset="-127"/>
+              <a:ea typeface="210 맨발의청춘 L" panose="02020603020101020101" pitchFamily="18" charset="-127"/>
+            </a:endParaRPr>
+          </a:p>
+        </p:txBody>
+      </p:sp>
+      <p:sp>
+        <p:nvSpPr>
+          <p:cNvPr id="67" name="TextBox 66"/>
+          <p:cNvSpPr txBox="1"/>
+          <p:nvPr/>
+        </p:nvSpPr>
+        <p:spPr>
+          <a:xfrm>
+            <a:off x="5663358" y="2106418"/>
+            <a:ext cx="1853392" cy="276999"/>
+          </a:xfrm>
+          <a:prstGeom prst="rect">
+            <a:avLst/>
+          </a:prstGeom>
+          <a:noFill/>
+        </p:spPr>
+        <p:txBody>
+          <a:bodyPr wrap="none" rtlCol="0">
+            <a:spAutoFit/>
+          </a:bodyPr>
+          <a:lstStyle/>
+          <a:p>
+            <a:pPr algn="ctr"/>
+            <a:r>
+              <a:rPr lang="en-US" altLang="ko-KR" sz="1200" smtClean="0">
+                <a:latin typeface="210 맨발의청춘 L" panose="02020603020101020101" pitchFamily="18" charset="-127"/>
+                <a:ea typeface="210 맨발의청춘 L" panose="02020603020101020101" pitchFamily="18" charset="-127"/>
+              </a:rPr>
+              <a:t>[</a:t>
+            </a:r>
+            <a:r>
+              <a:rPr lang="ko-KR" altLang="en-US" sz="1200" smtClean="0">
+                <a:latin typeface="210 맨발의청춘 L" panose="02020603020101020101" pitchFamily="18" charset="-127"/>
+                <a:ea typeface="210 맨발의청춘 L" panose="02020603020101020101" pitchFamily="18" charset="-127"/>
+              </a:rPr>
+              <a:t>분석 요청 검색</a:t>
+            </a:r>
+            <a:r>
+              <a:rPr lang="en-US" altLang="ko-KR" sz="1200" smtClean="0">
+                <a:latin typeface="210 맨발의청춘 L" panose="02020603020101020101" pitchFamily="18" charset="-127"/>
+                <a:ea typeface="210 맨발의청춘 L" panose="02020603020101020101" pitchFamily="18" charset="-127"/>
+              </a:rPr>
+              <a:t>,</a:t>
+            </a:r>
+            <a:r>
+              <a:rPr lang="ko-KR" altLang="en-US" sz="1200" smtClean="0">
+                <a:latin typeface="210 맨발의청춘 L" panose="02020603020101020101" pitchFamily="18" charset="-127"/>
+                <a:ea typeface="210 맨발의청춘 L" panose="02020603020101020101" pitchFamily="18" charset="-127"/>
+              </a:rPr>
+              <a:t> 결과 저장</a:t>
+            </a:r>
+            <a:r>
+              <a:rPr lang="en-US" altLang="ko-KR" sz="1200" smtClean="0">
+                <a:latin typeface="210 맨발의청춘 L" panose="02020603020101020101" pitchFamily="18" charset="-127"/>
+                <a:ea typeface="210 맨발의청춘 L" panose="02020603020101020101" pitchFamily="18" charset="-127"/>
+              </a:rPr>
+              <a:t>]</a:t>
+            </a:r>
+            <a:endParaRPr lang="ko-KR" altLang="en-US" sz="1200" dirty="0">
+              <a:latin typeface="210 맨발의청춘 L" panose="02020603020101020101" pitchFamily="18" charset="-127"/>
+              <a:ea typeface="210 맨발의청춘 L" panose="02020603020101020101" pitchFamily="18" charset="-127"/>
+            </a:endParaRPr>
+          </a:p>
+        </p:txBody>
+      </p:sp>
+      <p:cxnSp>
+        <p:nvCxnSpPr>
+          <p:cNvPr id="70" name="직선 화살표 연결선 69"/>
+          <p:cNvCxnSpPr/>
+          <p:nvPr/>
+        </p:nvCxnSpPr>
+        <p:spPr>
+          <a:xfrm>
+            <a:off x="9559631" y="2377409"/>
+            <a:ext cx="794328" cy="0"/>
+          </a:xfrm>
+          <a:prstGeom prst="straightConnector1">
+            <a:avLst/>
+          </a:prstGeom>
+          <a:ln>
+            <a:solidFill>
+              <a:schemeClr val="tx1"/>
+            </a:solidFill>
+            <a:headEnd type="triangle"/>
+            <a:tailEnd type="triangle"/>
+          </a:ln>
+        </p:spPr>
+        <p:style>
+          <a:lnRef idx="1">
+            <a:schemeClr val="accent1"/>
+          </a:lnRef>
+          <a:fillRef idx="0">
+            <a:schemeClr val="accent1"/>
+          </a:fillRef>
+          <a:effectRef idx="0">
+            <a:schemeClr val="accent1"/>
+          </a:effectRef>
+          <a:fontRef idx="minor">
+            <a:schemeClr val="tx1"/>
+          </a:fontRef>
+        </p:style>
+      </p:cxnSp>
+      <p:sp>
+        <p:nvSpPr>
+          <p:cNvPr id="72" name="구름 71"/>
+          <p:cNvSpPr/>
+          <p:nvPr/>
+        </p:nvSpPr>
+        <p:spPr>
+          <a:xfrm>
+            <a:off x="10483728" y="2010580"/>
+            <a:ext cx="1113540" cy="729054"/>
+          </a:xfrm>
+          <a:prstGeom prst="cloud">
+            <a:avLst/>
+          </a:prstGeom>
+          <a:noFill/>
+          <a:ln>
+            <a:solidFill>
+              <a:schemeClr val="tx1"/>
+            </a:solidFill>
+          </a:ln>
+        </p:spPr>
+        <p:style>
+          <a:lnRef idx="2">
+            <a:schemeClr val="accent1">
+              <a:shade val="50000"/>
+            </a:schemeClr>
+          </a:lnRef>
+          <a:fillRef idx="1">
+            <a:schemeClr val="accent1"/>
+          </a:fillRef>
+          <a:effectRef idx="0">
+            <a:schemeClr val="accent1"/>
+          </a:effectRef>
+          <a:fontRef idx="minor">
+            <a:schemeClr val="lt1"/>
+          </a:fontRef>
+        </p:style>
+        <p:txBody>
+          <a:bodyPr rtlCol="0" anchor="ctr"/>
+          <a:lstStyle/>
+          <a:p>
+            <a:pPr algn="ctr"/>
+            <a:endParaRPr lang="ko-KR" altLang="en-US"/>
+          </a:p>
+        </p:txBody>
+      </p:sp>
+      <p:sp>
+        <p:nvSpPr>
+          <p:cNvPr id="73" name="TextBox 72"/>
+          <p:cNvSpPr txBox="1"/>
+          <p:nvPr/>
+        </p:nvSpPr>
+        <p:spPr>
+          <a:xfrm>
+            <a:off x="10508941" y="2236607"/>
+            <a:ext cx="1063113" cy="276999"/>
+          </a:xfrm>
+          <a:prstGeom prst="rect">
+            <a:avLst/>
+          </a:prstGeom>
+          <a:noFill/>
+        </p:spPr>
+        <p:txBody>
+          <a:bodyPr wrap="none" rtlCol="0">
+            <a:spAutoFit/>
+          </a:bodyPr>
+          <a:lstStyle/>
+          <a:p>
+            <a:pPr algn="ctr"/>
+            <a:r>
+              <a:rPr lang="ko-KR" altLang="en-US" sz="1200" smtClean="0">
+                <a:latin typeface="210 맨발의청춘 L" panose="02020603020101020101" pitchFamily="18" charset="-127"/>
+                <a:ea typeface="210 맨발의청춘 L" panose="02020603020101020101" pitchFamily="18" charset="-127"/>
+              </a:rPr>
+              <a:t>클라우드 엔진</a:t>
+            </a:r>
+            <a:endParaRPr lang="ko-KR" altLang="en-US" sz="1200" dirty="0">
+              <a:latin typeface="210 맨발의청춘 L" panose="02020603020101020101" pitchFamily="18" charset="-127"/>
+              <a:ea typeface="210 맨발의청춘 L" panose="02020603020101020101" pitchFamily="18" charset="-127"/>
+            </a:endParaRPr>
+          </a:p>
+        </p:txBody>
+      </p:sp>
+    </p:spTree>
+    <p:extLst>
+      <p:ext uri="{BB962C8B-B14F-4D97-AF65-F5344CB8AC3E}">
+        <p14:creationId xmlns:p14="http://schemas.microsoft.com/office/powerpoint/2010/main" val="1722466731"/>
+      </p:ext>
+    </p:extLst>
+  </p:cSld>
+  <p:clrMapOvr>
+    <a:masterClrMapping/>
+  </p:clrMapOvr>
+</p:sld>
+</file>
+
+<file path=ppt/slides/slide12.xml><?xml version="1.0" encoding="utf-8"?>
+<p:sld xmlns:a="http://schemas.openxmlformats.org/drawingml/2006/main" xmlns:r="http://schemas.openxmlformats.org/officeDocument/2006/relationships" xmlns:p="http://schemas.openxmlformats.org/presentationml/2006/main">
+  <p:cSld>
+    <p:spTree>
+      <p:nvGrpSpPr>
+        <p:cNvPr id="1" name=""/>
+        <p:cNvGrpSpPr/>
+        <p:nvPr/>
+      </p:nvGrpSpPr>
+      <p:grpSpPr>
+        <a:xfrm>
+          <a:off x="0" y="0"/>
+          <a:ext cx="0" cy="0"/>
+          <a:chOff x="0" y="0"/>
+          <a:chExt cx="0" cy="0"/>
+        </a:xfrm>
+      </p:grpSpPr>
+      <p:sp>
+        <p:nvSpPr>
+          <p:cNvPr id="2" name="직사각형 1"/>
+          <p:cNvSpPr/>
+          <p:nvPr/>
+        </p:nvSpPr>
+        <p:spPr>
+          <a:xfrm>
+            <a:off x="0" y="0"/>
+            <a:ext cx="2388637" cy="466530"/>
+          </a:xfrm>
+          <a:prstGeom prst="rect">
+            <a:avLst/>
+          </a:prstGeom>
+          <a:solidFill>
+            <a:schemeClr val="tx1"/>
+          </a:solidFill>
+          <a:ln>
+            <a:noFill/>
+          </a:ln>
+        </p:spPr>
+        <p:style>
+          <a:lnRef idx="2">
+            <a:schemeClr val="accent1">
+              <a:shade val="50000"/>
+            </a:schemeClr>
+          </a:lnRef>
+          <a:fillRef idx="1">
+            <a:schemeClr val="accent1"/>
+          </a:fillRef>
+          <a:effectRef idx="0">
+            <a:schemeClr val="accent1"/>
+          </a:effectRef>
+          <a:fontRef idx="minor">
+            <a:schemeClr val="lt1"/>
+          </a:fontRef>
+        </p:style>
+        <p:txBody>
+          <a:bodyPr rtlCol="0" anchor="ctr"/>
+          <a:lstStyle/>
+          <a:p>
+            <a:pPr algn="ctr"/>
+            <a:r>
+              <a:rPr lang="ko-KR" altLang="en-US" smtClean="0">
+                <a:latin typeface="210 맨발의청춘 B" panose="02020603020101020101" pitchFamily="18" charset="-127"/>
+                <a:ea typeface="210 맨발의청춘 B" panose="02020603020101020101" pitchFamily="18" charset="-127"/>
+              </a:rPr>
+              <a:t>백 앤드 설계</a:t>
+            </a:r>
+            <a:endParaRPr lang="ko-KR" altLang="en-US" dirty="0">
+              <a:latin typeface="210 맨발의청춘 B" panose="02020603020101020101" pitchFamily="18" charset="-127"/>
+              <a:ea typeface="210 맨발의청춘 B" panose="02020603020101020101" pitchFamily="18" charset="-127"/>
+            </a:endParaRPr>
+          </a:p>
+        </p:txBody>
+      </p:sp>
+      <p:sp>
+        <p:nvSpPr>
+          <p:cNvPr id="9" name="직사각형 8"/>
+          <p:cNvSpPr/>
+          <p:nvPr/>
+        </p:nvSpPr>
+        <p:spPr>
+          <a:xfrm>
+            <a:off x="2565919" y="0"/>
+            <a:ext cx="2388637" cy="466530"/>
+          </a:xfrm>
+          <a:prstGeom prst="rect">
+            <a:avLst/>
+          </a:prstGeom>
+          <a:solidFill>
+            <a:schemeClr val="tx1">
+              <a:lumMod val="50000"/>
+              <a:lumOff val="50000"/>
+            </a:schemeClr>
+          </a:solidFill>
+          <a:ln>
+            <a:noFill/>
+          </a:ln>
+        </p:spPr>
+        <p:style>
+          <a:lnRef idx="2">
+            <a:schemeClr val="accent1">
+              <a:shade val="50000"/>
+            </a:schemeClr>
+          </a:lnRef>
+          <a:fillRef idx="1">
+            <a:schemeClr val="accent1"/>
+          </a:fillRef>
+          <a:effectRef idx="0">
+            <a:schemeClr val="accent1"/>
+          </a:effectRef>
+          <a:fontRef idx="minor">
+            <a:schemeClr val="lt1"/>
+          </a:fontRef>
+        </p:style>
+        <p:txBody>
+          <a:bodyPr rtlCol="0" anchor="ctr"/>
+          <a:lstStyle/>
+          <a:p>
+            <a:pPr algn="ctr"/>
+            <a:r>
+              <a:rPr lang="ko-KR" altLang="en-US" smtClean="0">
+                <a:latin typeface="210 맨발의청춘 B" panose="02020603020101020101" pitchFamily="18" charset="-127"/>
+                <a:ea typeface="210 맨발의청춘 B" panose="02020603020101020101" pitchFamily="18" charset="-127"/>
+              </a:rPr>
+              <a:t>로그인 구조도</a:t>
+            </a:r>
+            <a:endParaRPr lang="ko-KR" altLang="en-US" dirty="0">
+              <a:latin typeface="210 맨발의청춘 B" panose="02020603020101020101" pitchFamily="18" charset="-127"/>
+              <a:ea typeface="210 맨발의청춘 B" panose="02020603020101020101" pitchFamily="18" charset="-127"/>
+            </a:endParaRPr>
+          </a:p>
+        </p:txBody>
+      </p:sp>
+      <p:sp>
+        <p:nvSpPr>
+          <p:cNvPr id="18" name="직사각형 17"/>
+          <p:cNvSpPr>
+            <a:spLocks noChangeAspect="1"/>
+          </p:cNvSpPr>
+          <p:nvPr/>
+        </p:nvSpPr>
+        <p:spPr>
+          <a:xfrm>
+            <a:off x="2565919" y="2627052"/>
+            <a:ext cx="1113786" cy="997225"/>
+          </a:xfrm>
+          <a:prstGeom prst="rect">
+            <a:avLst/>
+          </a:prstGeom>
+          <a:solidFill>
+            <a:schemeClr val="bg1"/>
+          </a:solidFill>
+          <a:ln w="25400">
+            <a:solidFill>
+              <a:schemeClr val="tx1"/>
+            </a:solidFill>
+          </a:ln>
+        </p:spPr>
+        <p:style>
+          <a:lnRef idx="2">
+            <a:schemeClr val="accent1">
+              <a:shade val="50000"/>
+            </a:schemeClr>
+          </a:lnRef>
+          <a:fillRef idx="1">
+            <a:schemeClr val="accent1"/>
+          </a:fillRef>
+          <a:effectRef idx="0">
+            <a:schemeClr val="accent1"/>
+          </a:effectRef>
+          <a:fontRef idx="minor">
+            <a:schemeClr val="lt1"/>
+          </a:fontRef>
+        </p:style>
+        <p:txBody>
+          <a:bodyPr rtlCol="0" anchor="ctr"/>
+          <a:lstStyle/>
+          <a:p>
+            <a:pPr algn="ctr"/>
+            <a:endParaRPr lang="ko-KR" altLang="en-US"/>
+          </a:p>
+        </p:txBody>
+      </p:sp>
+      <p:sp>
+        <p:nvSpPr>
+          <p:cNvPr id="20" name="TextBox 19"/>
+          <p:cNvSpPr txBox="1"/>
+          <p:nvPr/>
+        </p:nvSpPr>
+        <p:spPr>
+          <a:xfrm>
+            <a:off x="2805257" y="2982719"/>
+            <a:ext cx="635110" cy="276999"/>
+          </a:xfrm>
+          <a:prstGeom prst="rect">
+            <a:avLst/>
+          </a:prstGeom>
+          <a:noFill/>
+        </p:spPr>
+        <p:txBody>
+          <a:bodyPr wrap="none" rtlCol="0">
+            <a:spAutoFit/>
+          </a:bodyPr>
+          <a:lstStyle/>
+          <a:p>
+            <a:pPr algn="ctr"/>
+            <a:r>
+              <a:rPr lang="en-US" altLang="ko-KR" sz="1200" dirty="0" smtClean="0">
+                <a:latin typeface="210 맨발의청춘 L" panose="02020603020101020101" pitchFamily="18" charset="-127"/>
+                <a:ea typeface="210 맨발의청춘 L" panose="02020603020101020101" pitchFamily="18" charset="-127"/>
+              </a:rPr>
+              <a:t>[App]</a:t>
+            </a:r>
+            <a:endParaRPr lang="ko-KR" altLang="en-US" sz="1200" dirty="0">
+              <a:latin typeface="210 맨발의청춘 L" panose="02020603020101020101" pitchFamily="18" charset="-127"/>
+              <a:ea typeface="210 맨발의청춘 L" panose="02020603020101020101" pitchFamily="18" charset="-127"/>
+            </a:endParaRPr>
+          </a:p>
+        </p:txBody>
+      </p:sp>
+      <p:sp>
+        <p:nvSpPr>
+          <p:cNvPr id="21" name="구름 20"/>
+          <p:cNvSpPr/>
+          <p:nvPr/>
+        </p:nvSpPr>
+        <p:spPr>
+          <a:xfrm>
+            <a:off x="7570403" y="2728187"/>
+            <a:ext cx="1324072" cy="729054"/>
+          </a:xfrm>
+          <a:prstGeom prst="cloud">
+            <a:avLst/>
+          </a:prstGeom>
+          <a:noFill/>
+          <a:ln>
+            <a:solidFill>
+              <a:schemeClr val="tx1"/>
+            </a:solidFill>
+          </a:ln>
+        </p:spPr>
+        <p:style>
+          <a:lnRef idx="2">
+            <a:schemeClr val="accent1">
+              <a:shade val="50000"/>
+            </a:schemeClr>
+          </a:lnRef>
+          <a:fillRef idx="1">
+            <a:schemeClr val="accent1"/>
+          </a:fillRef>
+          <a:effectRef idx="0">
+            <a:schemeClr val="accent1"/>
+          </a:effectRef>
+          <a:fontRef idx="minor">
+            <a:schemeClr val="lt1"/>
+          </a:fontRef>
+        </p:style>
+        <p:txBody>
+          <a:bodyPr rtlCol="0" anchor="ctr"/>
+          <a:lstStyle/>
+          <a:p>
+            <a:pPr algn="ctr"/>
+            <a:endParaRPr lang="ko-KR" altLang="en-US"/>
+          </a:p>
+        </p:txBody>
+      </p:sp>
+      <p:sp>
+        <p:nvSpPr>
+          <p:cNvPr id="22" name="TextBox 21"/>
+          <p:cNvSpPr txBox="1"/>
+          <p:nvPr/>
+        </p:nvSpPr>
+        <p:spPr>
+          <a:xfrm>
+            <a:off x="7742972" y="2954214"/>
+            <a:ext cx="912430" cy="276999"/>
+          </a:xfrm>
+          <a:prstGeom prst="rect">
+            <a:avLst/>
+          </a:prstGeom>
+          <a:noFill/>
+        </p:spPr>
+        <p:txBody>
+          <a:bodyPr wrap="none" rtlCol="0">
+            <a:spAutoFit/>
+          </a:bodyPr>
+          <a:lstStyle/>
+          <a:p>
+            <a:pPr algn="ctr"/>
+            <a:r>
+              <a:rPr lang="ko-KR" altLang="en-US" sz="1200" smtClean="0">
+                <a:latin typeface="210 맨발의청춘 L" panose="02020603020101020101" pitchFamily="18" charset="-127"/>
+                <a:ea typeface="210 맨발의청춘 L" panose="02020603020101020101" pitchFamily="18" charset="-127"/>
+              </a:rPr>
+              <a:t>소셜 로그인</a:t>
+            </a:r>
+            <a:endParaRPr lang="ko-KR" altLang="en-US" sz="1200" dirty="0">
+              <a:latin typeface="210 맨발의청춘 L" panose="02020603020101020101" pitchFamily="18" charset="-127"/>
+              <a:ea typeface="210 맨발의청춘 L" panose="02020603020101020101" pitchFamily="18" charset="-127"/>
+            </a:endParaRPr>
+          </a:p>
+        </p:txBody>
+      </p:sp>
+      <p:cxnSp>
+        <p:nvCxnSpPr>
+          <p:cNvPr id="5" name="직선 화살표 연결선 4"/>
+          <p:cNvCxnSpPr/>
+          <p:nvPr/>
+        </p:nvCxnSpPr>
+        <p:spPr>
+          <a:xfrm>
+            <a:off x="6245624" y="3092714"/>
+            <a:ext cx="1122389" cy="0"/>
+          </a:xfrm>
+          <a:prstGeom prst="straightConnector1">
+            <a:avLst/>
+          </a:prstGeom>
+          <a:ln>
+            <a:solidFill>
+              <a:schemeClr val="tx1"/>
+            </a:solidFill>
+            <a:headEnd type="triangle"/>
+            <a:tailEnd type="triangle"/>
+          </a:ln>
+        </p:spPr>
+        <p:style>
+          <a:lnRef idx="1">
+            <a:schemeClr val="accent1"/>
+          </a:lnRef>
+          <a:fillRef idx="0">
+            <a:schemeClr val="accent1"/>
+          </a:fillRef>
+          <a:effectRef idx="0">
+            <a:schemeClr val="accent1"/>
+          </a:effectRef>
+          <a:fontRef idx="minor">
+            <a:schemeClr val="tx1"/>
+          </a:fontRef>
+        </p:style>
+      </p:cxnSp>
+      <p:sp>
+        <p:nvSpPr>
+          <p:cNvPr id="27" name="직사각형 26"/>
+          <p:cNvSpPr>
+            <a:spLocks noChangeAspect="1"/>
+          </p:cNvSpPr>
+          <p:nvPr/>
+        </p:nvSpPr>
+        <p:spPr>
+          <a:xfrm>
+            <a:off x="4929448" y="2627052"/>
+            <a:ext cx="1113786" cy="997225"/>
+          </a:xfrm>
+          <a:prstGeom prst="rect">
+            <a:avLst/>
+          </a:prstGeom>
+          <a:solidFill>
+            <a:schemeClr val="bg1"/>
+          </a:solidFill>
+          <a:ln w="25400">
+            <a:solidFill>
+              <a:schemeClr val="tx1"/>
+            </a:solidFill>
+          </a:ln>
+        </p:spPr>
+        <p:style>
+          <a:lnRef idx="2">
+            <a:schemeClr val="accent1">
+              <a:shade val="50000"/>
+            </a:schemeClr>
+          </a:lnRef>
+          <a:fillRef idx="1">
+            <a:schemeClr val="accent1"/>
+          </a:fillRef>
+          <a:effectRef idx="0">
+            <a:schemeClr val="accent1"/>
+          </a:effectRef>
+          <a:fontRef idx="minor">
+            <a:schemeClr val="lt1"/>
+          </a:fontRef>
+        </p:style>
+        <p:txBody>
+          <a:bodyPr rtlCol="0" anchor="ctr"/>
+          <a:lstStyle/>
+          <a:p>
+            <a:pPr algn="ctr"/>
+            <a:endParaRPr lang="ko-KR" altLang="en-US"/>
+          </a:p>
+        </p:txBody>
+      </p:sp>
+      <p:sp>
+        <p:nvSpPr>
+          <p:cNvPr id="30" name="TextBox 29"/>
+          <p:cNvSpPr txBox="1"/>
+          <p:nvPr/>
+        </p:nvSpPr>
+        <p:spPr>
+          <a:xfrm>
+            <a:off x="4979632" y="2991507"/>
+            <a:ext cx="1013419" cy="276999"/>
+          </a:xfrm>
+          <a:prstGeom prst="rect">
+            <a:avLst/>
+          </a:prstGeom>
+          <a:noFill/>
+        </p:spPr>
+        <p:txBody>
+          <a:bodyPr wrap="none" rtlCol="0">
+            <a:spAutoFit/>
+          </a:bodyPr>
+          <a:lstStyle/>
+          <a:p>
+            <a:pPr algn="ctr"/>
+            <a:r>
+              <a:rPr lang="en-US" altLang="ko-KR" sz="1200" smtClean="0">
+                <a:latin typeface="210 맨발의청춘 L" panose="02020603020101020101" pitchFamily="18" charset="-127"/>
+                <a:ea typeface="210 맨발의청춘 L" panose="02020603020101020101" pitchFamily="18" charset="-127"/>
+              </a:rPr>
+              <a:t>[</a:t>
+            </a:r>
+            <a:r>
+              <a:rPr lang="ko-KR" altLang="en-US" sz="1200" smtClean="0">
+                <a:latin typeface="210 맨발의청춘 L" panose="02020603020101020101" pitchFamily="18" charset="-127"/>
+                <a:ea typeface="210 맨발의청춘 L" panose="02020603020101020101" pitchFamily="18" charset="-127"/>
+              </a:rPr>
+              <a:t>로그인 서버</a:t>
+            </a:r>
+            <a:r>
+              <a:rPr lang="en-US" altLang="ko-KR" sz="1200" smtClean="0">
+                <a:latin typeface="210 맨발의청춘 L" panose="02020603020101020101" pitchFamily="18" charset="-127"/>
+                <a:ea typeface="210 맨발의청춘 L" panose="02020603020101020101" pitchFamily="18" charset="-127"/>
+              </a:rPr>
+              <a:t>]</a:t>
+            </a:r>
+            <a:endParaRPr lang="ko-KR" altLang="en-US" sz="1200" dirty="0">
+              <a:latin typeface="210 맨발의청춘 L" panose="02020603020101020101" pitchFamily="18" charset="-127"/>
+              <a:ea typeface="210 맨발의청춘 L" panose="02020603020101020101" pitchFamily="18" charset="-127"/>
+            </a:endParaRPr>
+          </a:p>
+        </p:txBody>
+      </p:sp>
+      <p:cxnSp>
+        <p:nvCxnSpPr>
+          <p:cNvPr id="10" name="직선 화살표 연결선 9"/>
+          <p:cNvCxnSpPr/>
+          <p:nvPr/>
+        </p:nvCxnSpPr>
+        <p:spPr>
+          <a:xfrm>
+            <a:off x="6816960" y="3299323"/>
+            <a:ext cx="0" cy="764771"/>
+          </a:xfrm>
+          <a:prstGeom prst="straightConnector1">
+            <a:avLst/>
+          </a:prstGeom>
+          <a:ln>
+            <a:solidFill>
+              <a:schemeClr val="tx1"/>
+            </a:solidFill>
+            <a:tailEnd type="triangle"/>
+          </a:ln>
+        </p:spPr>
+        <p:style>
+          <a:lnRef idx="1">
+            <a:schemeClr val="accent1"/>
+          </a:lnRef>
+          <a:fillRef idx="0">
+            <a:schemeClr val="accent1"/>
+          </a:fillRef>
+          <a:effectRef idx="0">
+            <a:schemeClr val="accent1"/>
+          </a:effectRef>
+          <a:fontRef idx="minor">
+            <a:schemeClr val="tx1"/>
+          </a:fontRef>
+        </p:style>
+      </p:cxnSp>
+      <p:sp>
+        <p:nvSpPr>
+          <p:cNvPr id="12" name="TextBox 11"/>
+          <p:cNvSpPr txBox="1"/>
+          <p:nvPr/>
+        </p:nvSpPr>
+        <p:spPr>
+          <a:xfrm>
+            <a:off x="3873232" y="2905364"/>
+            <a:ext cx="939681" cy="261610"/>
+          </a:xfrm>
+          <a:prstGeom prst="rect">
+            <a:avLst/>
+          </a:prstGeom>
+          <a:noFill/>
+        </p:spPr>
+        <p:txBody>
+          <a:bodyPr wrap="none" rtlCol="0">
+            <a:spAutoFit/>
+          </a:bodyPr>
+          <a:lstStyle/>
+          <a:p>
             <a:r>
               <a:rPr lang="ko-KR" altLang="en-US" sz="1050" dirty="0" smtClean="0"/>
-              <a:t>버전 </a:t>
-            </a:r>
+              <a:t>로그인 정보</a:t>
+            </a:r>
+            <a:endParaRPr lang="ko-KR" altLang="en-US" sz="1050" dirty="0"/>
+          </a:p>
+        </p:txBody>
+      </p:sp>
+      <p:sp>
+        <p:nvSpPr>
+          <p:cNvPr id="23" name="TextBox 22"/>
+          <p:cNvSpPr txBox="1"/>
+          <p:nvPr/>
+        </p:nvSpPr>
+        <p:spPr>
+          <a:xfrm>
+            <a:off x="6215803" y="2808610"/>
+            <a:ext cx="1172116" cy="246221"/>
+          </a:xfrm>
+          <a:prstGeom prst="rect">
+            <a:avLst/>
+          </a:prstGeom>
+          <a:noFill/>
+        </p:spPr>
+        <p:txBody>
+          <a:bodyPr wrap="none" rtlCol="0">
+            <a:spAutoFit/>
+          </a:bodyPr>
+          <a:lstStyle/>
+          <a:p>
+            <a:r>
+              <a:rPr lang="ko-KR" altLang="en-US" sz="1000" smtClean="0"/>
+              <a:t>로그인 정보</a:t>
+            </a:r>
+            <a:r>
+              <a:rPr lang="ko-KR" altLang="en-US" sz="1000"/>
+              <a:t> </a:t>
+            </a:r>
+            <a:r>
+              <a:rPr lang="ko-KR" altLang="en-US" sz="1000" smtClean="0"/>
+              <a:t>검증</a:t>
+            </a:r>
+            <a:endParaRPr lang="ko-KR" altLang="en-US" sz="1000"/>
+          </a:p>
+        </p:txBody>
+      </p:sp>
+      <p:cxnSp>
+        <p:nvCxnSpPr>
+          <p:cNvPr id="4" name="직선 화살표 연결선 3"/>
+          <p:cNvCxnSpPr/>
+          <p:nvPr/>
+        </p:nvCxnSpPr>
+        <p:spPr>
+          <a:xfrm flipH="1">
+            <a:off x="3819663" y="2780522"/>
+            <a:ext cx="951723" cy="0"/>
+          </a:xfrm>
+          <a:prstGeom prst="straightConnector1">
+            <a:avLst/>
+          </a:prstGeom>
+          <a:ln>
+            <a:solidFill>
+              <a:schemeClr val="tx1"/>
+            </a:solidFill>
+            <a:tailEnd type="triangle"/>
+          </a:ln>
+        </p:spPr>
+        <p:style>
+          <a:lnRef idx="1">
+            <a:schemeClr val="accent1"/>
+          </a:lnRef>
+          <a:fillRef idx="0">
+            <a:schemeClr val="accent1"/>
+          </a:fillRef>
+          <a:effectRef idx="0">
+            <a:schemeClr val="accent1"/>
+          </a:effectRef>
+          <a:fontRef idx="minor">
+            <a:schemeClr val="tx1"/>
+          </a:fontRef>
+        </p:style>
+      </p:cxnSp>
+      <p:sp>
+        <p:nvSpPr>
+          <p:cNvPr id="24" name="TextBox 23"/>
+          <p:cNvSpPr txBox="1"/>
+          <p:nvPr/>
+        </p:nvSpPr>
+        <p:spPr>
+          <a:xfrm>
+            <a:off x="3957391" y="2518912"/>
+            <a:ext cx="771365" cy="253916"/>
+          </a:xfrm>
+          <a:prstGeom prst="rect">
+            <a:avLst/>
+          </a:prstGeom>
+          <a:noFill/>
+        </p:spPr>
+        <p:txBody>
+          <a:bodyPr wrap="none" rtlCol="0">
+            <a:spAutoFit/>
+          </a:bodyPr>
+          <a:lstStyle/>
+          <a:p>
             <a:r>
               <a:rPr lang="ko-KR" altLang="en-US" sz="1050" dirty="0" smtClean="0"/>
-              <a:t>정보</a:t>
+              <a:t>버전 정보</a:t>
             </a:r>
             <a:endParaRPr lang="ko-KR" altLang="en-US" sz="1050" dirty="0"/>
           </a:p>
@@ -7269,7 +7422,7 @@
 </p:sld>
 </file>
 
-<file path=ppt/slides/slide12.xml><?xml version="1.0" encoding="utf-8"?>
+<file path=ppt/slides/slide13.xml><?xml version="1.0" encoding="utf-8"?>
 <p:sld xmlns:a="http://schemas.openxmlformats.org/drawingml/2006/main" xmlns:r="http://schemas.openxmlformats.org/officeDocument/2006/relationships" xmlns:p="http://schemas.openxmlformats.org/presentationml/2006/main">
   <p:cSld>
     <p:spTree>
@@ -8149,7 +8302,7 @@
 </p:sld>
 </file>
 
-<file path=ppt/slides/slide13.xml><?xml version="1.0" encoding="utf-8"?>
+<file path=ppt/slides/slide14.xml><?xml version="1.0" encoding="utf-8"?>
 <p:sld xmlns:a="http://schemas.openxmlformats.org/drawingml/2006/main" xmlns:r="http://schemas.openxmlformats.org/officeDocument/2006/relationships" xmlns:p="http://schemas.openxmlformats.org/presentationml/2006/main">
   <p:cSld>
     <p:spTree>
@@ -10311,21 +10464,21 @@
                 <a:gridCol w="3836954">
                   <a:extLst>
                     <a:ext uri="{9D8B030D-6E8A-4147-A177-3AD203B41FA5}">
-                      <a16:colId xmlns:a16="http://schemas.microsoft.com/office/drawing/2014/main" xmlns="" val="20000"/>
+                      <a16:colId xmlns:a16="http://schemas.microsoft.com/office/drawing/2014/main" val="20000"/>
                     </a:ext>
                   </a:extLst>
                 </a:gridCol>
                 <a:gridCol w="1632857">
                   <a:extLst>
                     <a:ext uri="{9D8B030D-6E8A-4147-A177-3AD203B41FA5}">
-                      <a16:colId xmlns:a16="http://schemas.microsoft.com/office/drawing/2014/main" xmlns="" val="20001"/>
+                      <a16:colId xmlns:a16="http://schemas.microsoft.com/office/drawing/2014/main" val="20001"/>
                     </a:ext>
                   </a:extLst>
                 </a:gridCol>
                 <a:gridCol w="6055568">
                   <a:extLst>
                     <a:ext uri="{9D8B030D-6E8A-4147-A177-3AD203B41FA5}">
-                      <a16:colId xmlns:a16="http://schemas.microsoft.com/office/drawing/2014/main" xmlns="" val="20002"/>
+                      <a16:colId xmlns:a16="http://schemas.microsoft.com/office/drawing/2014/main" val="20002"/>
                     </a:ext>
                   </a:extLst>
                 </a:gridCol>
@@ -10390,7 +10543,7 @@
                 </a:tc>
                 <a:extLst>
                   <a:ext uri="{0D108BD9-81ED-4DB2-BD59-A6C34878D82A}">
-                    <a16:rowId xmlns:a16="http://schemas.microsoft.com/office/drawing/2014/main" xmlns="" val="10000"/>
+                    <a16:rowId xmlns:a16="http://schemas.microsoft.com/office/drawing/2014/main" val="10000"/>
                   </a:ext>
                 </a:extLst>
               </a:tr>
@@ -10466,7 +10619,7 @@
                 </a:tc>
                 <a:extLst>
                   <a:ext uri="{0D108BD9-81ED-4DB2-BD59-A6C34878D82A}">
-                    <a16:rowId xmlns:a16="http://schemas.microsoft.com/office/drawing/2014/main" xmlns="" val="10001"/>
+                    <a16:rowId xmlns:a16="http://schemas.microsoft.com/office/drawing/2014/main" val="10001"/>
                   </a:ext>
                 </a:extLst>
               </a:tr>
@@ -10538,7 +10691,7 @@
                 </a:tc>
                 <a:extLst>
                   <a:ext uri="{0D108BD9-81ED-4DB2-BD59-A6C34878D82A}">
-                    <a16:rowId xmlns:a16="http://schemas.microsoft.com/office/drawing/2014/main" xmlns="" val="10002"/>
+                    <a16:rowId xmlns:a16="http://schemas.microsoft.com/office/drawing/2014/main" val="10002"/>
                   </a:ext>
                 </a:extLst>
               </a:tr>
@@ -10614,7 +10767,7 @@
                 </a:tc>
                 <a:extLst>
                   <a:ext uri="{0D108BD9-81ED-4DB2-BD59-A6C34878D82A}">
-                    <a16:rowId xmlns:a16="http://schemas.microsoft.com/office/drawing/2014/main" xmlns="" val="10003"/>
+                    <a16:rowId xmlns:a16="http://schemas.microsoft.com/office/drawing/2014/main" val="10003"/>
                   </a:ext>
                 </a:extLst>
               </a:tr>
@@ -10674,7 +10827,7 @@
                 </a:tc>
                 <a:extLst>
                   <a:ext uri="{0D108BD9-81ED-4DB2-BD59-A6C34878D82A}">
-                    <a16:rowId xmlns:a16="http://schemas.microsoft.com/office/drawing/2014/main" xmlns="" val="10004"/>
+                    <a16:rowId xmlns:a16="http://schemas.microsoft.com/office/drawing/2014/main" val="10004"/>
                   </a:ext>
                 </a:extLst>
               </a:tr>
@@ -10714,7 +10867,7 @@
                 </a:tc>
                 <a:extLst>
                   <a:ext uri="{0D108BD9-81ED-4DB2-BD59-A6C34878D82A}">
-                    <a16:rowId xmlns:a16="http://schemas.microsoft.com/office/drawing/2014/main" xmlns="" val="10005"/>
+                    <a16:rowId xmlns:a16="http://schemas.microsoft.com/office/drawing/2014/main" val="10005"/>
                   </a:ext>
                 </a:extLst>
               </a:tr>
@@ -10754,7 +10907,7 @@
                 </a:tc>
                 <a:extLst>
                   <a:ext uri="{0D108BD9-81ED-4DB2-BD59-A6C34878D82A}">
-                    <a16:rowId xmlns:a16="http://schemas.microsoft.com/office/drawing/2014/main" xmlns="" val="10006"/>
+                    <a16:rowId xmlns:a16="http://schemas.microsoft.com/office/drawing/2014/main" val="10006"/>
                   </a:ext>
                 </a:extLst>
               </a:tr>
@@ -10794,7 +10947,7 @@
                 </a:tc>
                 <a:extLst>
                   <a:ext uri="{0D108BD9-81ED-4DB2-BD59-A6C34878D82A}">
-                    <a16:rowId xmlns:a16="http://schemas.microsoft.com/office/drawing/2014/main" xmlns="" val="10007"/>
+                    <a16:rowId xmlns:a16="http://schemas.microsoft.com/office/drawing/2014/main" val="10007"/>
                   </a:ext>
                 </a:extLst>
               </a:tr>

--- a/Scatch.pptx
+++ b/Scatch.pptx
@@ -19,6 +19,7 @@
     <p:sldId id="268" r:id="rId13"/>
     <p:sldId id="267" r:id="rId14"/>
     <p:sldId id="269" r:id="rId15"/>
+    <p:sldId id="271" r:id="rId16"/>
   </p:sldIdLst>
   <p:sldSz cx="12192000" cy="6858000"/>
   <p:notesSz cx="6858000" cy="9144000"/>
@@ -8774,6 +8775,723 @@
 </p:sld>
 </file>
 
+<file path=ppt/slides/slide15.xml><?xml version="1.0" encoding="utf-8"?>
+<p:sld xmlns:a="http://schemas.openxmlformats.org/drawingml/2006/main" xmlns:r="http://schemas.openxmlformats.org/officeDocument/2006/relationships" xmlns:p="http://schemas.openxmlformats.org/presentationml/2006/main">
+  <p:cSld>
+    <p:bg>
+      <p:bgPr>
+        <a:solidFill>
+          <a:srgbClr val="0093F7"/>
+        </a:solidFill>
+        <a:effectLst/>
+      </p:bgPr>
+    </p:bg>
+    <p:spTree>
+      <p:nvGrpSpPr>
+        <p:cNvPr id="1" name=""/>
+        <p:cNvGrpSpPr/>
+        <p:nvPr/>
+      </p:nvGrpSpPr>
+      <p:grpSpPr>
+        <a:xfrm>
+          <a:off x="0" y="0"/>
+          <a:ext cx="0" cy="0"/>
+          <a:chOff x="0" y="0"/>
+          <a:chExt cx="0" cy="0"/>
+        </a:xfrm>
+      </p:grpSpPr>
+      <p:sp>
+        <p:nvSpPr>
+          <p:cNvPr id="2" name="직사각형 1"/>
+          <p:cNvSpPr/>
+          <p:nvPr/>
+        </p:nvSpPr>
+        <p:spPr>
+          <a:xfrm>
+            <a:off x="0" y="0"/>
+            <a:ext cx="2388637" cy="466530"/>
+          </a:xfrm>
+          <a:prstGeom prst="rect">
+            <a:avLst/>
+          </a:prstGeom>
+          <a:solidFill>
+            <a:schemeClr val="tx1"/>
+          </a:solidFill>
+          <a:ln>
+            <a:noFill/>
+          </a:ln>
+        </p:spPr>
+        <p:style>
+          <a:lnRef idx="2">
+            <a:schemeClr val="accent1">
+              <a:shade val="50000"/>
+            </a:schemeClr>
+          </a:lnRef>
+          <a:fillRef idx="1">
+            <a:schemeClr val="accent1"/>
+          </a:fillRef>
+          <a:effectRef idx="0">
+            <a:schemeClr val="accent1"/>
+          </a:effectRef>
+          <a:fontRef idx="minor">
+            <a:schemeClr val="lt1"/>
+          </a:fontRef>
+        </p:style>
+        <p:txBody>
+          <a:bodyPr rtlCol="0" anchor="ctr"/>
+          <a:lstStyle/>
+          <a:p>
+            <a:pPr algn="ctr"/>
+            <a:r>
+              <a:rPr lang="en-US" altLang="ko-KR" dirty="0" smtClean="0">
+                <a:latin typeface="210 맨발의청춘 B" panose="02020603020101020101" pitchFamily="18" charset="-127"/>
+                <a:ea typeface="210 맨발의청춘 B" panose="02020603020101020101" pitchFamily="18" charset="-127"/>
+              </a:rPr>
+              <a:t>UI </a:t>
+            </a:r>
+            <a:r>
+              <a:rPr lang="ko-KR" altLang="en-US" dirty="0" smtClean="0">
+                <a:latin typeface="210 맨발의청춘 B" panose="02020603020101020101" pitchFamily="18" charset="-127"/>
+                <a:ea typeface="210 맨발의청춘 B" panose="02020603020101020101" pitchFamily="18" charset="-127"/>
+              </a:rPr>
+              <a:t>디자인</a:t>
+            </a:r>
+            <a:endParaRPr lang="ko-KR" altLang="en-US" dirty="0">
+              <a:latin typeface="210 맨발의청춘 B" panose="02020603020101020101" pitchFamily="18" charset="-127"/>
+              <a:ea typeface="210 맨발의청춘 B" panose="02020603020101020101" pitchFamily="18" charset="-127"/>
+            </a:endParaRPr>
+          </a:p>
+        </p:txBody>
+      </p:sp>
+      <p:sp>
+        <p:nvSpPr>
+          <p:cNvPr id="9" name="직사각형 8"/>
+          <p:cNvSpPr/>
+          <p:nvPr/>
+        </p:nvSpPr>
+        <p:spPr>
+          <a:xfrm>
+            <a:off x="2565919" y="0"/>
+            <a:ext cx="2388637" cy="466530"/>
+          </a:xfrm>
+          <a:prstGeom prst="rect">
+            <a:avLst/>
+          </a:prstGeom>
+          <a:solidFill>
+            <a:schemeClr val="tx1">
+              <a:lumMod val="50000"/>
+              <a:lumOff val="50000"/>
+            </a:schemeClr>
+          </a:solidFill>
+          <a:ln>
+            <a:noFill/>
+          </a:ln>
+        </p:spPr>
+        <p:style>
+          <a:lnRef idx="2">
+            <a:schemeClr val="accent1">
+              <a:shade val="50000"/>
+            </a:schemeClr>
+          </a:lnRef>
+          <a:fillRef idx="1">
+            <a:schemeClr val="accent1"/>
+          </a:fillRef>
+          <a:effectRef idx="0">
+            <a:schemeClr val="accent1"/>
+          </a:effectRef>
+          <a:fontRef idx="minor">
+            <a:schemeClr val="lt1"/>
+          </a:fontRef>
+        </p:style>
+        <p:txBody>
+          <a:bodyPr rtlCol="0" anchor="ctr"/>
+          <a:lstStyle/>
+          <a:p>
+            <a:pPr algn="ctr"/>
+            <a:r>
+              <a:rPr lang="ko-KR" altLang="en-US" dirty="0" smtClean="0">
+                <a:latin typeface="210 맨발의청춘 B" panose="02020603020101020101" pitchFamily="18" charset="-127"/>
+                <a:ea typeface="210 맨발의청춘 B" panose="02020603020101020101" pitchFamily="18" charset="-127"/>
+              </a:rPr>
+              <a:t>인터뷰 결과</a:t>
+            </a:r>
+            <a:endParaRPr lang="ko-KR" altLang="en-US" dirty="0">
+              <a:latin typeface="210 맨발의청춘 B" panose="02020603020101020101" pitchFamily="18" charset="-127"/>
+              <a:ea typeface="210 맨발의청춘 B" panose="02020603020101020101" pitchFamily="18" charset="-127"/>
+            </a:endParaRPr>
+          </a:p>
+        </p:txBody>
+      </p:sp>
+      <p:sp>
+        <p:nvSpPr>
+          <p:cNvPr id="3" name="직사각형 2"/>
+          <p:cNvSpPr/>
+          <p:nvPr/>
+        </p:nvSpPr>
+        <p:spPr>
+          <a:xfrm rot="5400000">
+            <a:off x="454556" y="1991360"/>
+            <a:ext cx="5760000" cy="3240000"/>
+          </a:xfrm>
+          <a:prstGeom prst="rect">
+            <a:avLst/>
+          </a:prstGeom>
+          <a:noFill/>
+        </p:spPr>
+        <p:style>
+          <a:lnRef idx="2">
+            <a:schemeClr val="accent1">
+              <a:shade val="50000"/>
+            </a:schemeClr>
+          </a:lnRef>
+          <a:fillRef idx="1">
+            <a:schemeClr val="accent1"/>
+          </a:fillRef>
+          <a:effectRef idx="0">
+            <a:schemeClr val="accent1"/>
+          </a:effectRef>
+          <a:fontRef idx="minor">
+            <a:schemeClr val="lt1"/>
+          </a:fontRef>
+        </p:style>
+        <p:txBody>
+          <a:bodyPr rtlCol="0" anchor="ctr"/>
+          <a:lstStyle/>
+          <a:p>
+            <a:pPr algn="ctr"/>
+            <a:endParaRPr lang="ko-KR" altLang="en-US"/>
+          </a:p>
+        </p:txBody>
+      </p:sp>
+      <p:sp>
+        <p:nvSpPr>
+          <p:cNvPr id="6" name="순서도: 대체 처리 5"/>
+          <p:cNvSpPr/>
+          <p:nvPr/>
+        </p:nvSpPr>
+        <p:spPr>
+          <a:xfrm>
+            <a:off x="1856276" y="5394960"/>
+            <a:ext cx="2956560" cy="81280"/>
+          </a:xfrm>
+          <a:prstGeom prst="flowChartAlternateProcess">
+            <a:avLst/>
+          </a:prstGeom>
+          <a:solidFill>
+            <a:schemeClr val="bg1">
+              <a:lumMod val="85000"/>
+            </a:schemeClr>
+          </a:solidFill>
+          <a:ln>
+            <a:noFill/>
+          </a:ln>
+        </p:spPr>
+        <p:style>
+          <a:lnRef idx="2">
+            <a:schemeClr val="accent1">
+              <a:shade val="50000"/>
+            </a:schemeClr>
+          </a:lnRef>
+          <a:fillRef idx="1">
+            <a:schemeClr val="accent1"/>
+          </a:fillRef>
+          <a:effectRef idx="0">
+            <a:schemeClr val="accent1"/>
+          </a:effectRef>
+          <a:fontRef idx="minor">
+            <a:schemeClr val="lt1"/>
+          </a:fontRef>
+        </p:style>
+        <p:txBody>
+          <a:bodyPr rtlCol="0" anchor="ctr"/>
+          <a:lstStyle/>
+          <a:p>
+            <a:pPr algn="ctr"/>
+            <a:endParaRPr lang="ko-KR" altLang="en-US"/>
+          </a:p>
+        </p:txBody>
+      </p:sp>
+      <p:sp>
+        <p:nvSpPr>
+          <p:cNvPr id="8" name="타원 7"/>
+          <p:cNvSpPr/>
+          <p:nvPr/>
+        </p:nvSpPr>
+        <p:spPr>
+          <a:xfrm>
+            <a:off x="3050076" y="5699320"/>
+            <a:ext cx="568960" cy="568960"/>
+          </a:xfrm>
+          <a:prstGeom prst="ellipse">
+            <a:avLst/>
+          </a:prstGeom>
+        </p:spPr>
+        <p:style>
+          <a:lnRef idx="2">
+            <a:schemeClr val="accent1">
+              <a:shade val="50000"/>
+            </a:schemeClr>
+          </a:lnRef>
+          <a:fillRef idx="1">
+            <a:schemeClr val="accent1"/>
+          </a:fillRef>
+          <a:effectRef idx="0">
+            <a:schemeClr val="accent1"/>
+          </a:effectRef>
+          <a:fontRef idx="minor">
+            <a:schemeClr val="lt1"/>
+          </a:fontRef>
+        </p:style>
+        <p:txBody>
+          <a:bodyPr rtlCol="0" anchor="ctr"/>
+          <a:lstStyle/>
+          <a:p>
+            <a:pPr algn="ctr"/>
+            <a:endParaRPr lang="ko-KR" altLang="en-US"/>
+          </a:p>
+        </p:txBody>
+      </p:sp>
+      <p:sp>
+        <p:nvSpPr>
+          <p:cNvPr id="11" name="모서리가 둥근 직사각형 10"/>
+          <p:cNvSpPr/>
+          <p:nvPr/>
+        </p:nvSpPr>
+        <p:spPr>
+          <a:xfrm>
+            <a:off x="1856276" y="843280"/>
+            <a:ext cx="447040" cy="447040"/>
+          </a:xfrm>
+          <a:prstGeom prst="roundRect">
+            <a:avLst/>
+          </a:prstGeom>
+        </p:spPr>
+        <p:style>
+          <a:lnRef idx="2">
+            <a:schemeClr val="accent1">
+              <a:shade val="50000"/>
+            </a:schemeClr>
+          </a:lnRef>
+          <a:fillRef idx="1">
+            <a:schemeClr val="accent1"/>
+          </a:fillRef>
+          <a:effectRef idx="0">
+            <a:schemeClr val="accent1"/>
+          </a:effectRef>
+          <a:fontRef idx="minor">
+            <a:schemeClr val="lt1"/>
+          </a:fontRef>
+        </p:style>
+        <p:txBody>
+          <a:bodyPr rtlCol="0" anchor="ctr"/>
+          <a:lstStyle/>
+          <a:p>
+            <a:pPr algn="ctr"/>
+            <a:endParaRPr lang="ko-KR" altLang="en-US"/>
+          </a:p>
+        </p:txBody>
+      </p:sp>
+      <p:cxnSp>
+        <p:nvCxnSpPr>
+          <p:cNvPr id="13" name="직선 화살표 연결선 12"/>
+          <p:cNvCxnSpPr/>
+          <p:nvPr/>
+        </p:nvCxnSpPr>
+        <p:spPr>
+          <a:xfrm flipH="1">
+            <a:off x="1937556" y="1066800"/>
+            <a:ext cx="284480" cy="0"/>
+          </a:xfrm>
+          <a:prstGeom prst="straightConnector1">
+            <a:avLst/>
+          </a:prstGeom>
+          <a:ln>
+            <a:solidFill>
+              <a:schemeClr val="tx1"/>
+            </a:solidFill>
+            <a:tailEnd type="triangle"/>
+          </a:ln>
+        </p:spPr>
+        <p:style>
+          <a:lnRef idx="1">
+            <a:schemeClr val="accent1"/>
+          </a:lnRef>
+          <a:fillRef idx="0">
+            <a:schemeClr val="accent1"/>
+          </a:fillRef>
+          <a:effectRef idx="0">
+            <a:schemeClr val="accent1"/>
+          </a:effectRef>
+          <a:fontRef idx="minor">
+            <a:schemeClr val="tx1"/>
+          </a:fontRef>
+        </p:style>
+      </p:cxnSp>
+      <p:sp>
+        <p:nvSpPr>
+          <p:cNvPr id="24" name="모서리가 둥근 직사각형 23"/>
+          <p:cNvSpPr/>
+          <p:nvPr/>
+        </p:nvSpPr>
+        <p:spPr>
+          <a:xfrm>
+            <a:off x="4324636" y="843280"/>
+            <a:ext cx="447040" cy="447040"/>
+          </a:xfrm>
+          <a:prstGeom prst="roundRect">
+            <a:avLst/>
+          </a:prstGeom>
+        </p:spPr>
+        <p:style>
+          <a:lnRef idx="2">
+            <a:schemeClr val="accent1">
+              <a:shade val="50000"/>
+            </a:schemeClr>
+          </a:lnRef>
+          <a:fillRef idx="1">
+            <a:schemeClr val="accent1"/>
+          </a:fillRef>
+          <a:effectRef idx="0">
+            <a:schemeClr val="accent1"/>
+          </a:effectRef>
+          <a:fontRef idx="minor">
+            <a:schemeClr val="lt1"/>
+          </a:fontRef>
+        </p:style>
+        <p:txBody>
+          <a:bodyPr rtlCol="0" anchor="ctr"/>
+          <a:lstStyle/>
+          <a:p>
+            <a:pPr algn="ctr"/>
+            <a:endParaRPr lang="ko-KR" altLang="en-US"/>
+          </a:p>
+        </p:txBody>
+      </p:sp>
+      <p:sp>
+        <p:nvSpPr>
+          <p:cNvPr id="25" name="모서리가 둥근 직사각형 24"/>
+          <p:cNvSpPr/>
+          <p:nvPr/>
+        </p:nvSpPr>
+        <p:spPr>
+          <a:xfrm>
+            <a:off x="4324636" y="1646080"/>
+            <a:ext cx="447040" cy="447040"/>
+          </a:xfrm>
+          <a:prstGeom prst="roundRect">
+            <a:avLst/>
+          </a:prstGeom>
+        </p:spPr>
+        <p:style>
+          <a:lnRef idx="2">
+            <a:schemeClr val="accent1">
+              <a:shade val="50000"/>
+            </a:schemeClr>
+          </a:lnRef>
+          <a:fillRef idx="1">
+            <a:schemeClr val="accent1"/>
+          </a:fillRef>
+          <a:effectRef idx="0">
+            <a:schemeClr val="accent1"/>
+          </a:effectRef>
+          <a:fontRef idx="minor">
+            <a:schemeClr val="lt1"/>
+          </a:fontRef>
+        </p:style>
+        <p:txBody>
+          <a:bodyPr rtlCol="0" anchor="ctr"/>
+          <a:lstStyle/>
+          <a:p>
+            <a:pPr algn="ctr"/>
+            <a:endParaRPr lang="ko-KR" altLang="en-US"/>
+          </a:p>
+        </p:txBody>
+      </p:sp>
+      <p:sp>
+        <p:nvSpPr>
+          <p:cNvPr id="26" name="모서리가 둥근 직사각형 25"/>
+          <p:cNvSpPr/>
+          <p:nvPr/>
+        </p:nvSpPr>
+        <p:spPr>
+          <a:xfrm>
+            <a:off x="4324636" y="2473440"/>
+            <a:ext cx="447040" cy="447040"/>
+          </a:xfrm>
+          <a:prstGeom prst="roundRect">
+            <a:avLst/>
+          </a:prstGeom>
+        </p:spPr>
+        <p:style>
+          <a:lnRef idx="2">
+            <a:schemeClr val="accent1">
+              <a:shade val="50000"/>
+            </a:schemeClr>
+          </a:lnRef>
+          <a:fillRef idx="1">
+            <a:schemeClr val="accent1"/>
+          </a:fillRef>
+          <a:effectRef idx="0">
+            <a:schemeClr val="accent1"/>
+          </a:effectRef>
+          <a:fontRef idx="minor">
+            <a:schemeClr val="lt1"/>
+          </a:fontRef>
+        </p:style>
+        <p:txBody>
+          <a:bodyPr rtlCol="0" anchor="ctr"/>
+          <a:lstStyle/>
+          <a:p>
+            <a:pPr algn="ctr"/>
+            <a:endParaRPr lang="ko-KR" altLang="en-US"/>
+          </a:p>
+        </p:txBody>
+      </p:sp>
+      <p:sp>
+        <p:nvSpPr>
+          <p:cNvPr id="27" name="모서리가 둥근 직사각형 26"/>
+          <p:cNvSpPr/>
+          <p:nvPr/>
+        </p:nvSpPr>
+        <p:spPr>
+          <a:xfrm>
+            <a:off x="4324636" y="3300800"/>
+            <a:ext cx="447040" cy="447040"/>
+          </a:xfrm>
+          <a:prstGeom prst="roundRect">
+            <a:avLst/>
+          </a:prstGeom>
+        </p:spPr>
+        <p:style>
+          <a:lnRef idx="2">
+            <a:schemeClr val="accent1">
+              <a:shade val="50000"/>
+            </a:schemeClr>
+          </a:lnRef>
+          <a:fillRef idx="1">
+            <a:schemeClr val="accent1"/>
+          </a:fillRef>
+          <a:effectRef idx="0">
+            <a:schemeClr val="accent1"/>
+          </a:effectRef>
+          <a:fontRef idx="minor">
+            <a:schemeClr val="lt1"/>
+          </a:fontRef>
+        </p:style>
+        <p:txBody>
+          <a:bodyPr rtlCol="0" anchor="ctr"/>
+          <a:lstStyle/>
+          <a:p>
+            <a:pPr algn="ctr"/>
+            <a:endParaRPr lang="ko-KR" altLang="en-US"/>
+          </a:p>
+        </p:txBody>
+      </p:sp>
+      <p:sp>
+        <p:nvSpPr>
+          <p:cNvPr id="16" name="직사각형 15"/>
+          <p:cNvSpPr/>
+          <p:nvPr/>
+        </p:nvSpPr>
+        <p:spPr>
+          <a:xfrm>
+            <a:off x="1856276" y="4012670"/>
+            <a:ext cx="2956560" cy="1260370"/>
+          </a:xfrm>
+          <a:prstGeom prst="rect">
+            <a:avLst/>
+          </a:prstGeom>
+        </p:spPr>
+        <p:style>
+          <a:lnRef idx="2">
+            <a:schemeClr val="accent1">
+              <a:shade val="50000"/>
+            </a:schemeClr>
+          </a:lnRef>
+          <a:fillRef idx="1">
+            <a:schemeClr val="accent1"/>
+          </a:fillRef>
+          <a:effectRef idx="0">
+            <a:schemeClr val="accent1"/>
+          </a:effectRef>
+          <a:fontRef idx="minor">
+            <a:schemeClr val="lt1"/>
+          </a:fontRef>
+        </p:style>
+        <p:txBody>
+          <a:bodyPr rtlCol="0" anchor="ctr"/>
+          <a:lstStyle/>
+          <a:p>
+            <a:pPr algn="ctr"/>
+            <a:endParaRPr lang="ko-KR" altLang="en-US"/>
+          </a:p>
+        </p:txBody>
+      </p:sp>
+      <p:sp>
+        <p:nvSpPr>
+          <p:cNvPr id="28" name="모서리가 둥근 직사각형 27"/>
+          <p:cNvSpPr/>
+          <p:nvPr/>
+        </p:nvSpPr>
+        <p:spPr>
+          <a:xfrm>
+            <a:off x="4365796" y="5744800"/>
+            <a:ext cx="447040" cy="447040"/>
+          </a:xfrm>
+          <a:prstGeom prst="roundRect">
+            <a:avLst/>
+          </a:prstGeom>
+        </p:spPr>
+        <p:style>
+          <a:lnRef idx="2">
+            <a:schemeClr val="accent1">
+              <a:shade val="50000"/>
+            </a:schemeClr>
+          </a:lnRef>
+          <a:fillRef idx="1">
+            <a:schemeClr val="accent1"/>
+          </a:fillRef>
+          <a:effectRef idx="0">
+            <a:schemeClr val="accent1"/>
+          </a:effectRef>
+          <a:fontRef idx="minor">
+            <a:schemeClr val="lt1"/>
+          </a:fontRef>
+        </p:style>
+        <p:txBody>
+          <a:bodyPr rtlCol="0" anchor="ctr"/>
+          <a:lstStyle/>
+          <a:p>
+            <a:pPr algn="ctr"/>
+            <a:endParaRPr lang="ko-KR" altLang="en-US"/>
+          </a:p>
+        </p:txBody>
+      </p:sp>
+      <p:sp>
+        <p:nvSpPr>
+          <p:cNvPr id="29" name="모서리가 둥근 직사각형 28"/>
+          <p:cNvSpPr/>
+          <p:nvPr/>
+        </p:nvSpPr>
+        <p:spPr>
+          <a:xfrm>
+            <a:off x="1856276" y="5744800"/>
+            <a:ext cx="447040" cy="447040"/>
+          </a:xfrm>
+          <a:prstGeom prst="roundRect">
+            <a:avLst/>
+          </a:prstGeom>
+        </p:spPr>
+        <p:style>
+          <a:lnRef idx="2">
+            <a:schemeClr val="accent1">
+              <a:shade val="50000"/>
+            </a:schemeClr>
+          </a:lnRef>
+          <a:fillRef idx="1">
+            <a:schemeClr val="accent1"/>
+          </a:fillRef>
+          <a:effectRef idx="0">
+            <a:schemeClr val="accent1"/>
+          </a:effectRef>
+          <a:fontRef idx="minor">
+            <a:schemeClr val="lt1"/>
+          </a:fontRef>
+        </p:style>
+        <p:txBody>
+          <a:bodyPr rtlCol="0" anchor="ctr"/>
+          <a:lstStyle/>
+          <a:p>
+            <a:pPr algn="ctr"/>
+            <a:endParaRPr lang="ko-KR" altLang="en-US"/>
+          </a:p>
+        </p:txBody>
+      </p:sp>
+      <p:pic>
+        <p:nvPicPr>
+          <p:cNvPr id="18" name="그림 17"/>
+          <p:cNvPicPr>
+            <a:picLocks noChangeAspect="1"/>
+          </p:cNvPicPr>
+          <p:nvPr/>
+        </p:nvPicPr>
+        <p:blipFill>
+          <a:blip r:embed="rId2">
+            <a:extLst>
+              <a:ext uri="{28A0092B-C50C-407E-A947-70E740481C1C}">
+                <a14:useLocalDpi xmlns:a14="http://schemas.microsoft.com/office/drawing/2010/main" val="0"/>
+              </a:ext>
+            </a:extLst>
+          </a:blip>
+          <a:stretch>
+            <a:fillRect/>
+          </a:stretch>
+        </p:blipFill>
+        <p:spPr>
+          <a:xfrm>
+            <a:off x="6400771" y="1406611"/>
+            <a:ext cx="3510829" cy="3510829"/>
+          </a:xfrm>
+          <a:prstGeom prst="rect">
+            <a:avLst/>
+          </a:prstGeom>
+        </p:spPr>
+      </p:pic>
+      <p:sp>
+        <p:nvSpPr>
+          <p:cNvPr id="30" name="TextBox 29"/>
+          <p:cNvSpPr txBox="1"/>
+          <p:nvPr/>
+        </p:nvSpPr>
+        <p:spPr>
+          <a:xfrm>
+            <a:off x="6895263" y="4309363"/>
+            <a:ext cx="2521844" cy="830997"/>
+          </a:xfrm>
+          <a:prstGeom prst="rect">
+            <a:avLst/>
+          </a:prstGeom>
+          <a:noFill/>
+        </p:spPr>
+        <p:txBody>
+          <a:bodyPr wrap="none" rtlCol="0">
+            <a:spAutoFit/>
+          </a:bodyPr>
+          <a:lstStyle/>
+          <a:p>
+            <a:r>
+              <a:rPr lang="ko-KR" altLang="en-US" sz="4800" dirty="0" smtClean="0">
+                <a:solidFill>
+                  <a:schemeClr val="bg1"/>
+                </a:solidFill>
+                <a:latin typeface="나눔바른고딕" panose="020B0603020101020101" pitchFamily="50" charset="-127"/>
+                <a:ea typeface="나눔바른고딕" panose="020B0603020101020101" pitchFamily="50" charset="-127"/>
+              </a:rPr>
+              <a:t>감정 표현</a:t>
+            </a:r>
+            <a:endParaRPr lang="ko-KR" altLang="en-US" sz="4800" dirty="0">
+              <a:solidFill>
+                <a:schemeClr val="bg1"/>
+              </a:solidFill>
+              <a:latin typeface="나눔바른고딕" panose="020B0603020101020101" pitchFamily="50" charset="-127"/>
+              <a:ea typeface="나눔바른고딕" panose="020B0603020101020101" pitchFamily="50" charset="-127"/>
+            </a:endParaRPr>
+          </a:p>
+        </p:txBody>
+      </p:sp>
+    </p:spTree>
+    <p:extLst>
+      <p:ext uri="{BB962C8B-B14F-4D97-AF65-F5344CB8AC3E}">
+        <p14:creationId xmlns:p14="http://schemas.microsoft.com/office/powerpoint/2010/main" val="3134897793"/>
+      </p:ext>
+    </p:extLst>
+  </p:cSld>
+  <p:clrMapOvr>
+    <a:masterClrMapping/>
+  </p:clrMapOvr>
+</p:sld>
+</file>
+
 <file path=ppt/slides/slide2.xml><?xml version="1.0" encoding="utf-8"?>
 <p:sld xmlns:a="http://schemas.openxmlformats.org/drawingml/2006/main" xmlns:r="http://schemas.openxmlformats.org/officeDocument/2006/relationships" xmlns:p="http://schemas.openxmlformats.org/presentationml/2006/main">
   <p:cSld>
@@ -10464,21 +11182,21 @@
                 <a:gridCol w="3836954">
                   <a:extLst>
                     <a:ext uri="{9D8B030D-6E8A-4147-A177-3AD203B41FA5}">
-                      <a16:colId xmlns:a16="http://schemas.microsoft.com/office/drawing/2014/main" val="20000"/>
+                      <a16:colId xmlns:a16="http://schemas.microsoft.com/office/drawing/2014/main" xmlns="" val="20000"/>
                     </a:ext>
                   </a:extLst>
                 </a:gridCol>
                 <a:gridCol w="1632857">
                   <a:extLst>
                     <a:ext uri="{9D8B030D-6E8A-4147-A177-3AD203B41FA5}">
-                      <a16:colId xmlns:a16="http://schemas.microsoft.com/office/drawing/2014/main" val="20001"/>
+                      <a16:colId xmlns:a16="http://schemas.microsoft.com/office/drawing/2014/main" xmlns="" val="20001"/>
                     </a:ext>
                   </a:extLst>
                 </a:gridCol>
                 <a:gridCol w="6055568">
                   <a:extLst>
                     <a:ext uri="{9D8B030D-6E8A-4147-A177-3AD203B41FA5}">
-                      <a16:colId xmlns:a16="http://schemas.microsoft.com/office/drawing/2014/main" val="20002"/>
+                      <a16:colId xmlns:a16="http://schemas.microsoft.com/office/drawing/2014/main" xmlns="" val="20002"/>
                     </a:ext>
                   </a:extLst>
                 </a:gridCol>
@@ -10543,7 +11261,7 @@
                 </a:tc>
                 <a:extLst>
                   <a:ext uri="{0D108BD9-81ED-4DB2-BD59-A6C34878D82A}">
-                    <a16:rowId xmlns:a16="http://schemas.microsoft.com/office/drawing/2014/main" val="10000"/>
+                    <a16:rowId xmlns:a16="http://schemas.microsoft.com/office/drawing/2014/main" xmlns="" val="10000"/>
                   </a:ext>
                 </a:extLst>
               </a:tr>
@@ -10619,7 +11337,7 @@
                 </a:tc>
                 <a:extLst>
                   <a:ext uri="{0D108BD9-81ED-4DB2-BD59-A6C34878D82A}">
-                    <a16:rowId xmlns:a16="http://schemas.microsoft.com/office/drawing/2014/main" val="10001"/>
+                    <a16:rowId xmlns:a16="http://schemas.microsoft.com/office/drawing/2014/main" xmlns="" val="10001"/>
                   </a:ext>
                 </a:extLst>
               </a:tr>
@@ -10691,7 +11409,7 @@
                 </a:tc>
                 <a:extLst>
                   <a:ext uri="{0D108BD9-81ED-4DB2-BD59-A6C34878D82A}">
-                    <a16:rowId xmlns:a16="http://schemas.microsoft.com/office/drawing/2014/main" val="10002"/>
+                    <a16:rowId xmlns:a16="http://schemas.microsoft.com/office/drawing/2014/main" xmlns="" val="10002"/>
                   </a:ext>
                 </a:extLst>
               </a:tr>
@@ -10767,7 +11485,7 @@
                 </a:tc>
                 <a:extLst>
                   <a:ext uri="{0D108BD9-81ED-4DB2-BD59-A6C34878D82A}">
-                    <a16:rowId xmlns:a16="http://schemas.microsoft.com/office/drawing/2014/main" val="10003"/>
+                    <a16:rowId xmlns:a16="http://schemas.microsoft.com/office/drawing/2014/main" xmlns="" val="10003"/>
                   </a:ext>
                 </a:extLst>
               </a:tr>
@@ -10827,7 +11545,7 @@
                 </a:tc>
                 <a:extLst>
                   <a:ext uri="{0D108BD9-81ED-4DB2-BD59-A6C34878D82A}">
-                    <a16:rowId xmlns:a16="http://schemas.microsoft.com/office/drawing/2014/main" val="10004"/>
+                    <a16:rowId xmlns:a16="http://schemas.microsoft.com/office/drawing/2014/main" xmlns="" val="10004"/>
                   </a:ext>
                 </a:extLst>
               </a:tr>
@@ -10867,7 +11585,7 @@
                 </a:tc>
                 <a:extLst>
                   <a:ext uri="{0D108BD9-81ED-4DB2-BD59-A6C34878D82A}">
-                    <a16:rowId xmlns:a16="http://schemas.microsoft.com/office/drawing/2014/main" val="10005"/>
+                    <a16:rowId xmlns:a16="http://schemas.microsoft.com/office/drawing/2014/main" xmlns="" val="10005"/>
                   </a:ext>
                 </a:extLst>
               </a:tr>
@@ -10907,7 +11625,7 @@
                 </a:tc>
                 <a:extLst>
                   <a:ext uri="{0D108BD9-81ED-4DB2-BD59-A6C34878D82A}">
-                    <a16:rowId xmlns:a16="http://schemas.microsoft.com/office/drawing/2014/main" val="10006"/>
+                    <a16:rowId xmlns:a16="http://schemas.microsoft.com/office/drawing/2014/main" xmlns="" val="10006"/>
                   </a:ext>
                 </a:extLst>
               </a:tr>
@@ -10947,7 +11665,7 @@
                 </a:tc>
                 <a:extLst>
                   <a:ext uri="{0D108BD9-81ED-4DB2-BD59-A6C34878D82A}">
-                    <a16:rowId xmlns:a16="http://schemas.microsoft.com/office/drawing/2014/main" val="10007"/>
+                    <a16:rowId xmlns:a16="http://schemas.microsoft.com/office/drawing/2014/main" xmlns="" val="10007"/>
                   </a:ext>
                 </a:extLst>
               </a:tr>

--- a/Scatch.pptx
+++ b/Scatch.pptx
@@ -20,6 +20,7 @@
     <p:sldId id="267" r:id="rId14"/>
     <p:sldId id="269" r:id="rId15"/>
     <p:sldId id="271" r:id="rId16"/>
+    <p:sldId id="272" r:id="rId17"/>
   </p:sldIdLst>
   <p:sldSz cx="12192000" cy="6858000"/>
   <p:notesSz cx="6858000" cy="9144000"/>
@@ -257,7 +258,7 @@
           <a:p>
             <a:fld id="{06EFB4C7-7BEF-490C-A547-EABAD4F9635D}" type="datetimeFigureOut">
               <a:rPr lang="ko-KR" altLang="en-US" smtClean="0"/>
-              <a:t>2018-01-31</a:t>
+              <a:t>2018-02-01</a:t>
             </a:fld>
             <a:endParaRPr lang="ko-KR" altLang="en-US"/>
           </a:p>
@@ -427,7 +428,7 @@
           <a:p>
             <a:fld id="{06EFB4C7-7BEF-490C-A547-EABAD4F9635D}" type="datetimeFigureOut">
               <a:rPr lang="ko-KR" altLang="en-US" smtClean="0"/>
-              <a:t>2018-01-31</a:t>
+              <a:t>2018-02-01</a:t>
             </a:fld>
             <a:endParaRPr lang="ko-KR" altLang="en-US"/>
           </a:p>
@@ -607,7 +608,7 @@
           <a:p>
             <a:fld id="{06EFB4C7-7BEF-490C-A547-EABAD4F9635D}" type="datetimeFigureOut">
               <a:rPr lang="ko-KR" altLang="en-US" smtClean="0"/>
-              <a:t>2018-01-31</a:t>
+              <a:t>2018-02-01</a:t>
             </a:fld>
             <a:endParaRPr lang="ko-KR" altLang="en-US"/>
           </a:p>
@@ -777,7 +778,7 @@
           <a:p>
             <a:fld id="{06EFB4C7-7BEF-490C-A547-EABAD4F9635D}" type="datetimeFigureOut">
               <a:rPr lang="ko-KR" altLang="en-US" smtClean="0"/>
-              <a:t>2018-01-31</a:t>
+              <a:t>2018-02-01</a:t>
             </a:fld>
             <a:endParaRPr lang="ko-KR" altLang="en-US"/>
           </a:p>
@@ -1023,7 +1024,7 @@
           <a:p>
             <a:fld id="{06EFB4C7-7BEF-490C-A547-EABAD4F9635D}" type="datetimeFigureOut">
               <a:rPr lang="ko-KR" altLang="en-US" smtClean="0"/>
-              <a:t>2018-01-31</a:t>
+              <a:t>2018-02-01</a:t>
             </a:fld>
             <a:endParaRPr lang="ko-KR" altLang="en-US"/>
           </a:p>
@@ -1255,7 +1256,7 @@
           <a:p>
             <a:fld id="{06EFB4C7-7BEF-490C-A547-EABAD4F9635D}" type="datetimeFigureOut">
               <a:rPr lang="ko-KR" altLang="en-US" smtClean="0"/>
-              <a:t>2018-01-31</a:t>
+              <a:t>2018-02-01</a:t>
             </a:fld>
             <a:endParaRPr lang="ko-KR" altLang="en-US"/>
           </a:p>
@@ -1622,7 +1623,7 @@
           <a:p>
             <a:fld id="{06EFB4C7-7BEF-490C-A547-EABAD4F9635D}" type="datetimeFigureOut">
               <a:rPr lang="ko-KR" altLang="en-US" smtClean="0"/>
-              <a:t>2018-01-31</a:t>
+              <a:t>2018-02-01</a:t>
             </a:fld>
             <a:endParaRPr lang="ko-KR" altLang="en-US"/>
           </a:p>
@@ -1740,7 +1741,7 @@
           <a:p>
             <a:fld id="{06EFB4C7-7BEF-490C-A547-EABAD4F9635D}" type="datetimeFigureOut">
               <a:rPr lang="ko-KR" altLang="en-US" smtClean="0"/>
-              <a:t>2018-01-31</a:t>
+              <a:t>2018-02-01</a:t>
             </a:fld>
             <a:endParaRPr lang="ko-KR" altLang="en-US"/>
           </a:p>
@@ -1835,7 +1836,7 @@
           <a:p>
             <a:fld id="{06EFB4C7-7BEF-490C-A547-EABAD4F9635D}" type="datetimeFigureOut">
               <a:rPr lang="ko-KR" altLang="en-US" smtClean="0"/>
-              <a:t>2018-01-31</a:t>
+              <a:t>2018-02-01</a:t>
             </a:fld>
             <a:endParaRPr lang="ko-KR" altLang="en-US"/>
           </a:p>
@@ -2112,7 +2113,7 @@
           <a:p>
             <a:fld id="{06EFB4C7-7BEF-490C-A547-EABAD4F9635D}" type="datetimeFigureOut">
               <a:rPr lang="ko-KR" altLang="en-US" smtClean="0"/>
-              <a:t>2018-01-31</a:t>
+              <a:t>2018-02-01</a:t>
             </a:fld>
             <a:endParaRPr lang="ko-KR" altLang="en-US"/>
           </a:p>
@@ -2365,7 +2366,7 @@
           <a:p>
             <a:fld id="{06EFB4C7-7BEF-490C-A547-EABAD4F9635D}" type="datetimeFigureOut">
               <a:rPr lang="ko-KR" altLang="en-US" smtClean="0"/>
-              <a:t>2018-01-31</a:t>
+              <a:t>2018-02-01</a:t>
             </a:fld>
             <a:endParaRPr lang="ko-KR" altLang="en-US"/>
           </a:p>
@@ -2578,7 +2579,7 @@
           <a:p>
             <a:fld id="{06EFB4C7-7BEF-490C-A547-EABAD4F9635D}" type="datetimeFigureOut">
               <a:rPr lang="ko-KR" altLang="en-US" smtClean="0"/>
-              <a:t>2018-01-31</a:t>
+              <a:t>2018-02-01</a:t>
             </a:fld>
             <a:endParaRPr lang="ko-KR" altLang="en-US"/>
           </a:p>
@@ -9492,6 +9493,806 @@
 </p:sld>
 </file>
 
+<file path=ppt/slides/slide16.xml><?xml version="1.0" encoding="utf-8"?>
+<p:sld xmlns:a="http://schemas.openxmlformats.org/drawingml/2006/main" xmlns:r="http://schemas.openxmlformats.org/officeDocument/2006/relationships" xmlns:p="http://schemas.openxmlformats.org/presentationml/2006/main">
+  <p:cSld>
+    <p:bg>
+      <p:bgPr>
+        <a:solidFill>
+          <a:schemeClr val="bg1"/>
+        </a:solidFill>
+        <a:effectLst/>
+      </p:bgPr>
+    </p:bg>
+    <p:spTree>
+      <p:nvGrpSpPr>
+        <p:cNvPr id="1" name=""/>
+        <p:cNvGrpSpPr/>
+        <p:nvPr/>
+      </p:nvGrpSpPr>
+      <p:grpSpPr>
+        <a:xfrm>
+          <a:off x="0" y="0"/>
+          <a:ext cx="0" cy="0"/>
+          <a:chOff x="0" y="0"/>
+          <a:chExt cx="0" cy="0"/>
+        </a:xfrm>
+      </p:grpSpPr>
+      <p:sp>
+        <p:nvSpPr>
+          <p:cNvPr id="2" name="직사각형 1"/>
+          <p:cNvSpPr/>
+          <p:nvPr/>
+        </p:nvSpPr>
+        <p:spPr>
+          <a:xfrm>
+            <a:off x="0" y="0"/>
+            <a:ext cx="2388637" cy="466530"/>
+          </a:xfrm>
+          <a:prstGeom prst="rect">
+            <a:avLst/>
+          </a:prstGeom>
+          <a:solidFill>
+            <a:schemeClr val="tx1"/>
+          </a:solidFill>
+          <a:ln>
+            <a:noFill/>
+          </a:ln>
+        </p:spPr>
+        <p:style>
+          <a:lnRef idx="2">
+            <a:schemeClr val="accent1">
+              <a:shade val="50000"/>
+            </a:schemeClr>
+          </a:lnRef>
+          <a:fillRef idx="1">
+            <a:schemeClr val="accent1"/>
+          </a:fillRef>
+          <a:effectRef idx="0">
+            <a:schemeClr val="accent1"/>
+          </a:effectRef>
+          <a:fontRef idx="minor">
+            <a:schemeClr val="lt1"/>
+          </a:fontRef>
+        </p:style>
+        <p:txBody>
+          <a:bodyPr rtlCol="0" anchor="ctr"/>
+          <a:lstStyle/>
+          <a:p>
+            <a:pPr algn="ctr"/>
+            <a:r>
+              <a:rPr lang="en-US" altLang="ko-KR" dirty="0" smtClean="0">
+                <a:latin typeface="210 맨발의청춘 B" panose="02020603020101020101" pitchFamily="18" charset="-127"/>
+                <a:ea typeface="210 맨발의청춘 B" panose="02020603020101020101" pitchFamily="18" charset="-127"/>
+              </a:rPr>
+              <a:t>UI </a:t>
+            </a:r>
+            <a:r>
+              <a:rPr lang="ko-KR" altLang="en-US" dirty="0" smtClean="0">
+                <a:latin typeface="210 맨발의청춘 B" panose="02020603020101020101" pitchFamily="18" charset="-127"/>
+                <a:ea typeface="210 맨발의청춘 B" panose="02020603020101020101" pitchFamily="18" charset="-127"/>
+              </a:rPr>
+              <a:t>디자인</a:t>
+            </a:r>
+            <a:endParaRPr lang="ko-KR" altLang="en-US" dirty="0">
+              <a:latin typeface="210 맨발의청춘 B" panose="02020603020101020101" pitchFamily="18" charset="-127"/>
+              <a:ea typeface="210 맨발의청춘 B" panose="02020603020101020101" pitchFamily="18" charset="-127"/>
+            </a:endParaRPr>
+          </a:p>
+        </p:txBody>
+      </p:sp>
+      <p:sp>
+        <p:nvSpPr>
+          <p:cNvPr id="9" name="직사각형 8"/>
+          <p:cNvSpPr/>
+          <p:nvPr/>
+        </p:nvSpPr>
+        <p:spPr>
+          <a:xfrm>
+            <a:off x="2565919" y="0"/>
+            <a:ext cx="2388637" cy="466530"/>
+          </a:xfrm>
+          <a:prstGeom prst="rect">
+            <a:avLst/>
+          </a:prstGeom>
+          <a:solidFill>
+            <a:schemeClr val="tx1">
+              <a:lumMod val="50000"/>
+              <a:lumOff val="50000"/>
+            </a:schemeClr>
+          </a:solidFill>
+          <a:ln>
+            <a:noFill/>
+          </a:ln>
+        </p:spPr>
+        <p:style>
+          <a:lnRef idx="2">
+            <a:schemeClr val="accent1">
+              <a:shade val="50000"/>
+            </a:schemeClr>
+          </a:lnRef>
+          <a:fillRef idx="1">
+            <a:schemeClr val="accent1"/>
+          </a:fillRef>
+          <a:effectRef idx="0">
+            <a:schemeClr val="accent1"/>
+          </a:effectRef>
+          <a:fontRef idx="minor">
+            <a:schemeClr val="lt1"/>
+          </a:fontRef>
+        </p:style>
+        <p:txBody>
+          <a:bodyPr rtlCol="0" anchor="ctr"/>
+          <a:lstStyle/>
+          <a:p>
+            <a:pPr algn="ctr"/>
+            <a:r>
+              <a:rPr lang="ko-KR" altLang="en-US" smtClean="0">
+                <a:latin typeface="210 맨발의청춘 B" panose="02020603020101020101" pitchFamily="18" charset="-127"/>
+                <a:ea typeface="210 맨발의청춘 B" panose="02020603020101020101" pitchFamily="18" charset="-127"/>
+              </a:rPr>
+              <a:t>인터뷰 </a:t>
+            </a:r>
+            <a:r>
+              <a:rPr lang="ko-KR" altLang="en-US" smtClean="0">
+                <a:latin typeface="210 맨발의청춘 B" panose="02020603020101020101" pitchFamily="18" charset="-127"/>
+                <a:ea typeface="210 맨발의청춘 B" panose="02020603020101020101" pitchFamily="18" charset="-127"/>
+              </a:rPr>
+              <a:t>리포트</a:t>
+            </a:r>
+            <a:endParaRPr lang="ko-KR" altLang="en-US" dirty="0">
+              <a:latin typeface="210 맨발의청춘 B" panose="02020603020101020101" pitchFamily="18" charset="-127"/>
+              <a:ea typeface="210 맨발의청춘 B" panose="02020603020101020101" pitchFamily="18" charset="-127"/>
+            </a:endParaRPr>
+          </a:p>
+        </p:txBody>
+      </p:sp>
+      <p:sp>
+        <p:nvSpPr>
+          <p:cNvPr id="3" name="직사각형 2"/>
+          <p:cNvSpPr/>
+          <p:nvPr/>
+        </p:nvSpPr>
+        <p:spPr>
+          <a:xfrm rot="5400000">
+            <a:off x="454556" y="1991360"/>
+            <a:ext cx="5760000" cy="3240000"/>
+          </a:xfrm>
+          <a:prstGeom prst="rect">
+            <a:avLst/>
+          </a:prstGeom>
+          <a:noFill/>
+        </p:spPr>
+        <p:style>
+          <a:lnRef idx="2">
+            <a:schemeClr val="accent1">
+              <a:shade val="50000"/>
+            </a:schemeClr>
+          </a:lnRef>
+          <a:fillRef idx="1">
+            <a:schemeClr val="accent1"/>
+          </a:fillRef>
+          <a:effectRef idx="0">
+            <a:schemeClr val="accent1"/>
+          </a:effectRef>
+          <a:fontRef idx="minor">
+            <a:schemeClr val="lt1"/>
+          </a:fontRef>
+        </p:style>
+        <p:txBody>
+          <a:bodyPr rtlCol="0" anchor="ctr"/>
+          <a:lstStyle/>
+          <a:p>
+            <a:pPr algn="ctr"/>
+            <a:endParaRPr lang="ko-KR" altLang="en-US"/>
+          </a:p>
+        </p:txBody>
+      </p:sp>
+      <p:sp>
+        <p:nvSpPr>
+          <p:cNvPr id="4" name="TextBox 3"/>
+          <p:cNvSpPr txBox="1"/>
+          <p:nvPr/>
+        </p:nvSpPr>
+        <p:spPr>
+          <a:xfrm>
+            <a:off x="1800811" y="986088"/>
+            <a:ext cx="1297086" cy="307777"/>
+          </a:xfrm>
+          <a:prstGeom prst="rect">
+            <a:avLst/>
+          </a:prstGeom>
+          <a:noFill/>
+        </p:spPr>
+        <p:txBody>
+          <a:bodyPr wrap="none" rtlCol="0">
+            <a:spAutoFit/>
+          </a:bodyPr>
+          <a:lstStyle/>
+          <a:p>
+            <a:r>
+              <a:rPr lang="en-US" altLang="ko-KR" sz="1400" smtClean="0">
+                <a:solidFill>
+                  <a:srgbClr val="0093F7"/>
+                </a:solidFill>
+                <a:latin typeface="나눔바른고딕 UltraLight" panose="020B0603020101020101" pitchFamily="50" charset="-127"/>
+                <a:ea typeface="나눔바른고딕 UltraLight" panose="020B0603020101020101" pitchFamily="50" charset="-127"/>
+              </a:rPr>
+              <a:t>Face Emotion</a:t>
+            </a:r>
+            <a:endParaRPr lang="ko-KR" altLang="en-US" sz="1400">
+              <a:solidFill>
+                <a:srgbClr val="0093F7"/>
+              </a:solidFill>
+              <a:latin typeface="나눔바른고딕 UltraLight" panose="020B0603020101020101" pitchFamily="50" charset="-127"/>
+              <a:ea typeface="나눔바른고딕 UltraLight" panose="020B0603020101020101" pitchFamily="50" charset="-127"/>
+            </a:endParaRPr>
+          </a:p>
+        </p:txBody>
+      </p:sp>
+      <p:cxnSp>
+        <p:nvCxnSpPr>
+          <p:cNvPr id="7" name="직선 연결선 6"/>
+          <p:cNvCxnSpPr/>
+          <p:nvPr/>
+        </p:nvCxnSpPr>
+        <p:spPr>
+          <a:xfrm>
+            <a:off x="1883939" y="883804"/>
+            <a:ext cx="2894769" cy="0"/>
+          </a:xfrm>
+          <a:prstGeom prst="line">
+            <a:avLst/>
+          </a:prstGeom>
+          <a:ln w="12700">
+            <a:solidFill>
+              <a:srgbClr val="F3F3F3"/>
+            </a:solidFill>
+            <a:tailEnd type="none"/>
+          </a:ln>
+        </p:spPr>
+        <p:style>
+          <a:lnRef idx="1">
+            <a:schemeClr val="accent3"/>
+          </a:lnRef>
+          <a:fillRef idx="0">
+            <a:schemeClr val="accent3"/>
+          </a:fillRef>
+          <a:effectRef idx="0">
+            <a:schemeClr val="accent3"/>
+          </a:effectRef>
+          <a:fontRef idx="minor">
+            <a:schemeClr val="tx1"/>
+          </a:fontRef>
+        </p:style>
+      </p:cxnSp>
+      <p:pic>
+        <p:nvPicPr>
+          <p:cNvPr id="21" name="그림 20"/>
+          <p:cNvPicPr>
+            <a:picLocks/>
+          </p:cNvPicPr>
+          <p:nvPr/>
+        </p:nvPicPr>
+        <p:blipFill>
+          <a:blip r:embed="rId2" cstate="print">
+            <a:extLst>
+              <a:ext uri="{28A0092B-C50C-407E-A947-70E740481C1C}">
+                <a14:useLocalDpi xmlns:a14="http://schemas.microsoft.com/office/drawing/2010/main" val="0"/>
+              </a:ext>
+            </a:extLst>
+          </a:blip>
+          <a:stretch>
+            <a:fillRect/>
+          </a:stretch>
+        </p:blipFill>
+        <p:spPr>
+          <a:xfrm>
+            <a:off x="1883939" y="2103107"/>
+            <a:ext cx="180000" cy="180000"/>
+          </a:xfrm>
+          <a:prstGeom prst="rect">
+            <a:avLst/>
+          </a:prstGeom>
+        </p:spPr>
+      </p:pic>
+      <p:pic>
+        <p:nvPicPr>
+          <p:cNvPr id="22" name="그림 21"/>
+          <p:cNvPicPr>
+            <a:picLocks/>
+          </p:cNvPicPr>
+          <p:nvPr/>
+        </p:nvPicPr>
+        <p:blipFill>
+          <a:blip r:embed="rId3" cstate="print">
+            <a:extLst>
+              <a:ext uri="{28A0092B-C50C-407E-A947-70E740481C1C}">
+                <a14:useLocalDpi xmlns:a14="http://schemas.microsoft.com/office/drawing/2010/main" val="0"/>
+              </a:ext>
+            </a:extLst>
+          </a:blip>
+          <a:stretch>
+            <a:fillRect/>
+          </a:stretch>
+        </p:blipFill>
+        <p:spPr>
+          <a:xfrm>
+            <a:off x="1883939" y="1377098"/>
+            <a:ext cx="180000" cy="180000"/>
+          </a:xfrm>
+          <a:prstGeom prst="rect">
+            <a:avLst/>
+          </a:prstGeom>
+        </p:spPr>
+      </p:pic>
+      <p:pic>
+        <p:nvPicPr>
+          <p:cNvPr id="23" name="그림 22"/>
+          <p:cNvPicPr>
+            <a:picLocks/>
+          </p:cNvPicPr>
+          <p:nvPr/>
+        </p:nvPicPr>
+        <p:blipFill>
+          <a:blip r:embed="rId4" cstate="print">
+            <a:extLst>
+              <a:ext uri="{28A0092B-C50C-407E-A947-70E740481C1C}">
+                <a14:useLocalDpi xmlns:a14="http://schemas.microsoft.com/office/drawing/2010/main" val="0"/>
+              </a:ext>
+            </a:extLst>
+          </a:blip>
+          <a:stretch>
+            <a:fillRect/>
+          </a:stretch>
+        </p:blipFill>
+        <p:spPr>
+          <a:xfrm>
+            <a:off x="1883939" y="1619101"/>
+            <a:ext cx="180000" cy="180000"/>
+          </a:xfrm>
+          <a:prstGeom prst="rect">
+            <a:avLst/>
+          </a:prstGeom>
+        </p:spPr>
+      </p:pic>
+      <p:pic>
+        <p:nvPicPr>
+          <p:cNvPr id="31" name="그림 30"/>
+          <p:cNvPicPr>
+            <a:picLocks/>
+          </p:cNvPicPr>
+          <p:nvPr/>
+        </p:nvPicPr>
+        <p:blipFill>
+          <a:blip r:embed="rId5" cstate="print">
+            <a:extLst>
+              <a:ext uri="{28A0092B-C50C-407E-A947-70E740481C1C}">
+                <a14:useLocalDpi xmlns:a14="http://schemas.microsoft.com/office/drawing/2010/main" val="0"/>
+              </a:ext>
+            </a:extLst>
+          </a:blip>
+          <a:stretch>
+            <a:fillRect/>
+          </a:stretch>
+        </p:blipFill>
+        <p:spPr>
+          <a:xfrm>
+            <a:off x="1883939" y="1861104"/>
+            <a:ext cx="180000" cy="180000"/>
+          </a:xfrm>
+          <a:prstGeom prst="rect">
+            <a:avLst/>
+          </a:prstGeom>
+        </p:spPr>
+      </p:pic>
+      <p:sp>
+        <p:nvSpPr>
+          <p:cNvPr id="32" name="직사각형 31"/>
+          <p:cNvSpPr/>
+          <p:nvPr/>
+        </p:nvSpPr>
+        <p:spPr>
+          <a:xfrm>
+            <a:off x="2141882" y="1377098"/>
+            <a:ext cx="1440000" cy="180000"/>
+          </a:xfrm>
+          <a:prstGeom prst="rect">
+            <a:avLst/>
+          </a:prstGeom>
+          <a:solidFill>
+            <a:srgbClr val="0093F7"/>
+          </a:solidFill>
+          <a:ln>
+            <a:noFill/>
+          </a:ln>
+        </p:spPr>
+        <p:style>
+          <a:lnRef idx="2">
+            <a:schemeClr val="accent1">
+              <a:shade val="50000"/>
+            </a:schemeClr>
+          </a:lnRef>
+          <a:fillRef idx="1">
+            <a:schemeClr val="accent1"/>
+          </a:fillRef>
+          <a:effectRef idx="0">
+            <a:schemeClr val="accent1"/>
+          </a:effectRef>
+          <a:fontRef idx="minor">
+            <a:schemeClr val="lt1"/>
+          </a:fontRef>
+        </p:style>
+        <p:txBody>
+          <a:bodyPr rtlCol="0" anchor="ctr"/>
+          <a:lstStyle/>
+          <a:p>
+            <a:pPr algn="ctr"/>
+            <a:endParaRPr lang="ko-KR" altLang="en-US"/>
+          </a:p>
+        </p:txBody>
+      </p:sp>
+      <p:sp>
+        <p:nvSpPr>
+          <p:cNvPr id="33" name="직사각형 32"/>
+          <p:cNvSpPr/>
+          <p:nvPr/>
+        </p:nvSpPr>
+        <p:spPr>
+          <a:xfrm>
+            <a:off x="2141882" y="1619101"/>
+            <a:ext cx="288000" cy="180000"/>
+          </a:xfrm>
+          <a:prstGeom prst="rect">
+            <a:avLst/>
+          </a:prstGeom>
+          <a:solidFill>
+            <a:srgbClr val="37AEFF"/>
+          </a:solidFill>
+          <a:ln>
+            <a:noFill/>
+          </a:ln>
+        </p:spPr>
+        <p:style>
+          <a:lnRef idx="2">
+            <a:schemeClr val="accent1">
+              <a:shade val="50000"/>
+            </a:schemeClr>
+          </a:lnRef>
+          <a:fillRef idx="1">
+            <a:schemeClr val="accent1"/>
+          </a:fillRef>
+          <a:effectRef idx="0">
+            <a:schemeClr val="accent1"/>
+          </a:effectRef>
+          <a:fontRef idx="minor">
+            <a:schemeClr val="lt1"/>
+          </a:fontRef>
+        </p:style>
+        <p:txBody>
+          <a:bodyPr rtlCol="0" anchor="ctr"/>
+          <a:lstStyle/>
+          <a:p>
+            <a:pPr algn="ctr"/>
+            <a:endParaRPr lang="ko-KR" altLang="en-US"/>
+          </a:p>
+        </p:txBody>
+      </p:sp>
+      <p:sp>
+        <p:nvSpPr>
+          <p:cNvPr id="34" name="직사각형 33"/>
+          <p:cNvSpPr/>
+          <p:nvPr/>
+        </p:nvSpPr>
+        <p:spPr>
+          <a:xfrm>
+            <a:off x="2141882" y="1863325"/>
+            <a:ext cx="360000" cy="180000"/>
+          </a:xfrm>
+          <a:prstGeom prst="rect">
+            <a:avLst/>
+          </a:prstGeom>
+          <a:solidFill>
+            <a:srgbClr val="8BD0FF"/>
+          </a:solidFill>
+          <a:ln>
+            <a:noFill/>
+          </a:ln>
+        </p:spPr>
+        <p:style>
+          <a:lnRef idx="2">
+            <a:schemeClr val="accent1">
+              <a:shade val="50000"/>
+            </a:schemeClr>
+          </a:lnRef>
+          <a:fillRef idx="1">
+            <a:schemeClr val="accent1"/>
+          </a:fillRef>
+          <a:effectRef idx="0">
+            <a:schemeClr val="accent1"/>
+          </a:effectRef>
+          <a:fontRef idx="minor">
+            <a:schemeClr val="lt1"/>
+          </a:fontRef>
+        </p:style>
+        <p:txBody>
+          <a:bodyPr rtlCol="0" anchor="ctr"/>
+          <a:lstStyle/>
+          <a:p>
+            <a:pPr algn="ctr"/>
+            <a:endParaRPr lang="ko-KR" altLang="en-US"/>
+          </a:p>
+        </p:txBody>
+      </p:sp>
+      <p:sp>
+        <p:nvSpPr>
+          <p:cNvPr id="35" name="직사각형 34"/>
+          <p:cNvSpPr/>
+          <p:nvPr/>
+        </p:nvSpPr>
+        <p:spPr>
+          <a:xfrm>
+            <a:off x="2141882" y="2103491"/>
+            <a:ext cx="252000" cy="180000"/>
+          </a:xfrm>
+          <a:prstGeom prst="rect">
+            <a:avLst/>
+          </a:prstGeom>
+          <a:solidFill>
+            <a:srgbClr val="D1ECFF"/>
+          </a:solidFill>
+          <a:ln>
+            <a:noFill/>
+          </a:ln>
+        </p:spPr>
+        <p:style>
+          <a:lnRef idx="2">
+            <a:schemeClr val="accent1">
+              <a:shade val="50000"/>
+            </a:schemeClr>
+          </a:lnRef>
+          <a:fillRef idx="1">
+            <a:schemeClr val="accent1"/>
+          </a:fillRef>
+          <a:effectRef idx="0">
+            <a:schemeClr val="accent1"/>
+          </a:effectRef>
+          <a:fontRef idx="minor">
+            <a:schemeClr val="lt1"/>
+          </a:fontRef>
+        </p:style>
+        <p:txBody>
+          <a:bodyPr rtlCol="0" anchor="ctr"/>
+          <a:lstStyle/>
+          <a:p>
+            <a:pPr algn="ctr"/>
+            <a:endParaRPr lang="ko-KR" altLang="en-US"/>
+          </a:p>
+        </p:txBody>
+      </p:sp>
+      <p:cxnSp>
+        <p:nvCxnSpPr>
+          <p:cNvPr id="36" name="직선 연결선 35"/>
+          <p:cNvCxnSpPr/>
+          <p:nvPr/>
+        </p:nvCxnSpPr>
+        <p:spPr>
+          <a:xfrm>
+            <a:off x="1883939" y="3729874"/>
+            <a:ext cx="2894769" cy="0"/>
+          </a:xfrm>
+          <a:prstGeom prst="line">
+            <a:avLst/>
+          </a:prstGeom>
+          <a:ln w="12700">
+            <a:solidFill>
+              <a:srgbClr val="F3F3F3"/>
+            </a:solidFill>
+            <a:tailEnd type="none"/>
+          </a:ln>
+        </p:spPr>
+        <p:style>
+          <a:lnRef idx="1">
+            <a:schemeClr val="accent3"/>
+          </a:lnRef>
+          <a:fillRef idx="0">
+            <a:schemeClr val="accent3"/>
+          </a:fillRef>
+          <a:effectRef idx="0">
+            <a:schemeClr val="accent3"/>
+          </a:effectRef>
+          <a:fontRef idx="minor">
+            <a:schemeClr val="tx1"/>
+          </a:fontRef>
+        </p:style>
+      </p:cxnSp>
+      <p:cxnSp>
+        <p:nvCxnSpPr>
+          <p:cNvPr id="38" name="직선 연결선 37"/>
+          <p:cNvCxnSpPr/>
+          <p:nvPr/>
+        </p:nvCxnSpPr>
+        <p:spPr>
+          <a:xfrm>
+            <a:off x="3983406" y="1377098"/>
+            <a:ext cx="0" cy="906009"/>
+          </a:xfrm>
+          <a:prstGeom prst="line">
+            <a:avLst/>
+          </a:prstGeom>
+          <a:ln w="12700">
+            <a:solidFill>
+              <a:srgbClr val="F3F3F3"/>
+            </a:solidFill>
+            <a:tailEnd type="none"/>
+          </a:ln>
+        </p:spPr>
+        <p:style>
+          <a:lnRef idx="1">
+            <a:schemeClr val="accent1"/>
+          </a:lnRef>
+          <a:fillRef idx="0">
+            <a:schemeClr val="accent1"/>
+          </a:fillRef>
+          <a:effectRef idx="0">
+            <a:schemeClr val="accent1"/>
+          </a:effectRef>
+          <a:fontRef idx="minor">
+            <a:schemeClr val="tx1"/>
+          </a:fontRef>
+        </p:style>
+      </p:cxnSp>
+      <p:pic>
+        <p:nvPicPr>
+          <p:cNvPr id="41" name="그림 40"/>
+          <p:cNvPicPr>
+            <a:picLocks/>
+          </p:cNvPicPr>
+          <p:nvPr/>
+        </p:nvPicPr>
+        <p:blipFill>
+          <a:blip r:embed="rId6" cstate="print">
+            <a:extLst>
+              <a:ext uri="{28A0092B-C50C-407E-A947-70E740481C1C}">
+                <a14:useLocalDpi xmlns:a14="http://schemas.microsoft.com/office/drawing/2010/main" val="0"/>
+              </a:ext>
+            </a:extLst>
+          </a:blip>
+          <a:stretch>
+            <a:fillRect/>
+          </a:stretch>
+        </p:blipFill>
+        <p:spPr>
+          <a:xfrm>
+            <a:off x="4227335" y="1744674"/>
+            <a:ext cx="315191" cy="315191"/>
+          </a:xfrm>
+          <a:prstGeom prst="rect">
+            <a:avLst/>
+          </a:prstGeom>
+        </p:spPr>
+      </p:pic>
+      <p:sp>
+        <p:nvSpPr>
+          <p:cNvPr id="42" name="TextBox 41"/>
+          <p:cNvSpPr txBox="1"/>
+          <p:nvPr/>
+        </p:nvSpPr>
+        <p:spPr>
+          <a:xfrm>
+            <a:off x="4032991" y="1485511"/>
+            <a:ext cx="745717" cy="230832"/>
+          </a:xfrm>
+          <a:prstGeom prst="rect">
+            <a:avLst/>
+          </a:prstGeom>
+          <a:noFill/>
+        </p:spPr>
+        <p:txBody>
+          <a:bodyPr wrap="none" rtlCol="0">
+            <a:spAutoFit/>
+          </a:bodyPr>
+          <a:lstStyle/>
+          <a:p>
+            <a:r>
+              <a:rPr lang="en-US" altLang="ko-KR" sz="900" smtClean="0">
+                <a:solidFill>
+                  <a:srgbClr val="494949"/>
+                </a:solidFill>
+                <a:latin typeface="나눔고딕 ExtraBold" panose="020D0904000000000000" pitchFamily="50" charset="-127"/>
+                <a:ea typeface="나눔고딕 ExtraBold" panose="020D0904000000000000" pitchFamily="50" charset="-127"/>
+              </a:rPr>
+              <a:t>I’m happy!</a:t>
+            </a:r>
+            <a:endParaRPr lang="ko-KR" altLang="en-US" sz="900">
+              <a:solidFill>
+                <a:srgbClr val="494949"/>
+              </a:solidFill>
+              <a:latin typeface="나눔고딕 ExtraBold" panose="020D0904000000000000" pitchFamily="50" charset="-127"/>
+              <a:ea typeface="나눔고딕 ExtraBold" panose="020D0904000000000000" pitchFamily="50" charset="-127"/>
+            </a:endParaRPr>
+          </a:p>
+        </p:txBody>
+      </p:sp>
+      <p:pic>
+        <p:nvPicPr>
+          <p:cNvPr id="43" name="그림 42"/>
+          <p:cNvPicPr>
+            <a:picLocks noChangeAspect="1"/>
+          </p:cNvPicPr>
+          <p:nvPr/>
+        </p:nvPicPr>
+        <p:blipFill>
+          <a:blip r:embed="rId7"/>
+          <a:stretch>
+            <a:fillRect/>
+          </a:stretch>
+        </p:blipFill>
+        <p:spPr>
+          <a:xfrm>
+            <a:off x="1892927" y="2384477"/>
+            <a:ext cx="2981325" cy="1186152"/>
+          </a:xfrm>
+          <a:prstGeom prst="rect">
+            <a:avLst/>
+          </a:prstGeom>
+        </p:spPr>
+      </p:pic>
+      <p:sp>
+        <p:nvSpPr>
+          <p:cNvPr id="44" name="TextBox 43"/>
+          <p:cNvSpPr txBox="1"/>
+          <p:nvPr/>
+        </p:nvSpPr>
+        <p:spPr>
+          <a:xfrm>
+            <a:off x="1800811" y="3810725"/>
+            <a:ext cx="900759" cy="307777"/>
+          </a:xfrm>
+          <a:prstGeom prst="rect">
+            <a:avLst/>
+          </a:prstGeom>
+          <a:noFill/>
+        </p:spPr>
+        <p:txBody>
+          <a:bodyPr wrap="none" rtlCol="0">
+            <a:spAutoFit/>
+          </a:bodyPr>
+          <a:lstStyle/>
+          <a:p>
+            <a:r>
+              <a:rPr lang="en-US" altLang="ko-KR" sz="1400" smtClean="0">
+                <a:solidFill>
+                  <a:srgbClr val="0093F7"/>
+                </a:solidFill>
+                <a:latin typeface="나눔바른고딕 UltraLight" panose="020B0603020101020101" pitchFamily="50" charset="-127"/>
+                <a:ea typeface="나눔바른고딕 UltraLight" panose="020B0603020101020101" pitchFamily="50" charset="-127"/>
+              </a:rPr>
+              <a:t>Keyword</a:t>
+            </a:r>
+            <a:endParaRPr lang="ko-KR" altLang="en-US" sz="1400">
+              <a:solidFill>
+                <a:srgbClr val="0093F7"/>
+              </a:solidFill>
+              <a:latin typeface="나눔바른고딕 UltraLight" panose="020B0603020101020101" pitchFamily="50" charset="-127"/>
+              <a:ea typeface="나눔바른고딕 UltraLight" panose="020B0603020101020101" pitchFamily="50" charset="-127"/>
+            </a:endParaRPr>
+          </a:p>
+        </p:txBody>
+      </p:sp>
+    </p:spTree>
+    <p:extLst>
+      <p:ext uri="{BB962C8B-B14F-4D97-AF65-F5344CB8AC3E}">
+        <p14:creationId xmlns:p14="http://schemas.microsoft.com/office/powerpoint/2010/main" val="2269498905"/>
+      </p:ext>
+    </p:extLst>
+  </p:cSld>
+  <p:clrMapOvr>
+    <a:masterClrMapping/>
+  </p:clrMapOvr>
+</p:sld>
+</file>
+
 <file path=ppt/slides/slide2.xml><?xml version="1.0" encoding="utf-8"?>
 <p:sld xmlns:a="http://schemas.openxmlformats.org/drawingml/2006/main" xmlns:r="http://schemas.openxmlformats.org/officeDocument/2006/relationships" xmlns:p="http://schemas.openxmlformats.org/presentationml/2006/main">
   <p:cSld>
@@ -11182,21 +11983,21 @@
                 <a:gridCol w="3836954">
                   <a:extLst>
                     <a:ext uri="{9D8B030D-6E8A-4147-A177-3AD203B41FA5}">
-                      <a16:colId xmlns:a16="http://schemas.microsoft.com/office/drawing/2014/main" xmlns="" val="20000"/>
+                      <a16:colId xmlns:a16="http://schemas.microsoft.com/office/drawing/2014/main" val="20000"/>
                     </a:ext>
                   </a:extLst>
                 </a:gridCol>
                 <a:gridCol w="1632857">
                   <a:extLst>
                     <a:ext uri="{9D8B030D-6E8A-4147-A177-3AD203B41FA5}">
-                      <a16:colId xmlns:a16="http://schemas.microsoft.com/office/drawing/2014/main" xmlns="" val="20001"/>
+                      <a16:colId xmlns:a16="http://schemas.microsoft.com/office/drawing/2014/main" val="20001"/>
                     </a:ext>
                   </a:extLst>
                 </a:gridCol>
                 <a:gridCol w="6055568">
                   <a:extLst>
                     <a:ext uri="{9D8B030D-6E8A-4147-A177-3AD203B41FA5}">
-                      <a16:colId xmlns:a16="http://schemas.microsoft.com/office/drawing/2014/main" xmlns="" val="20002"/>
+                      <a16:colId xmlns:a16="http://schemas.microsoft.com/office/drawing/2014/main" val="20002"/>
                     </a:ext>
                   </a:extLst>
                 </a:gridCol>
@@ -11261,7 +12062,7 @@
                 </a:tc>
                 <a:extLst>
                   <a:ext uri="{0D108BD9-81ED-4DB2-BD59-A6C34878D82A}">
-                    <a16:rowId xmlns:a16="http://schemas.microsoft.com/office/drawing/2014/main" xmlns="" val="10000"/>
+                    <a16:rowId xmlns:a16="http://schemas.microsoft.com/office/drawing/2014/main" val="10000"/>
                   </a:ext>
                 </a:extLst>
               </a:tr>
@@ -11337,7 +12138,7 @@
                 </a:tc>
                 <a:extLst>
                   <a:ext uri="{0D108BD9-81ED-4DB2-BD59-A6C34878D82A}">
-                    <a16:rowId xmlns:a16="http://schemas.microsoft.com/office/drawing/2014/main" xmlns="" val="10001"/>
+                    <a16:rowId xmlns:a16="http://schemas.microsoft.com/office/drawing/2014/main" val="10001"/>
                   </a:ext>
                 </a:extLst>
               </a:tr>
@@ -11409,7 +12210,7 @@
                 </a:tc>
                 <a:extLst>
                   <a:ext uri="{0D108BD9-81ED-4DB2-BD59-A6C34878D82A}">
-                    <a16:rowId xmlns:a16="http://schemas.microsoft.com/office/drawing/2014/main" xmlns="" val="10002"/>
+                    <a16:rowId xmlns:a16="http://schemas.microsoft.com/office/drawing/2014/main" val="10002"/>
                   </a:ext>
                 </a:extLst>
               </a:tr>
@@ -11485,7 +12286,7 @@
                 </a:tc>
                 <a:extLst>
                   <a:ext uri="{0D108BD9-81ED-4DB2-BD59-A6C34878D82A}">
-                    <a16:rowId xmlns:a16="http://schemas.microsoft.com/office/drawing/2014/main" xmlns="" val="10003"/>
+                    <a16:rowId xmlns:a16="http://schemas.microsoft.com/office/drawing/2014/main" val="10003"/>
                   </a:ext>
                 </a:extLst>
               </a:tr>
@@ -11545,7 +12346,7 @@
                 </a:tc>
                 <a:extLst>
                   <a:ext uri="{0D108BD9-81ED-4DB2-BD59-A6C34878D82A}">
-                    <a16:rowId xmlns:a16="http://schemas.microsoft.com/office/drawing/2014/main" xmlns="" val="10004"/>
+                    <a16:rowId xmlns:a16="http://schemas.microsoft.com/office/drawing/2014/main" val="10004"/>
                   </a:ext>
                 </a:extLst>
               </a:tr>
@@ -11585,7 +12386,7 @@
                 </a:tc>
                 <a:extLst>
                   <a:ext uri="{0D108BD9-81ED-4DB2-BD59-A6C34878D82A}">
-                    <a16:rowId xmlns:a16="http://schemas.microsoft.com/office/drawing/2014/main" xmlns="" val="10005"/>
+                    <a16:rowId xmlns:a16="http://schemas.microsoft.com/office/drawing/2014/main" val="10005"/>
                   </a:ext>
                 </a:extLst>
               </a:tr>
@@ -11625,7 +12426,7 @@
                 </a:tc>
                 <a:extLst>
                   <a:ext uri="{0D108BD9-81ED-4DB2-BD59-A6C34878D82A}">
-                    <a16:rowId xmlns:a16="http://schemas.microsoft.com/office/drawing/2014/main" xmlns="" val="10006"/>
+                    <a16:rowId xmlns:a16="http://schemas.microsoft.com/office/drawing/2014/main" val="10006"/>
                   </a:ext>
                 </a:extLst>
               </a:tr>
@@ -11665,7 +12466,7 @@
                 </a:tc>
                 <a:extLst>
                   <a:ext uri="{0D108BD9-81ED-4DB2-BD59-A6C34878D82A}">
-                    <a16:rowId xmlns:a16="http://schemas.microsoft.com/office/drawing/2014/main" xmlns="" val="10007"/>
+                    <a16:rowId xmlns:a16="http://schemas.microsoft.com/office/drawing/2014/main" val="10007"/>
                   </a:ext>
                 </a:extLst>
               </a:tr>

--- a/Scatch.pptx
+++ b/Scatch.pptx
@@ -258,7 +258,7 @@
           <a:p>
             <a:fld id="{06EFB4C7-7BEF-490C-A547-EABAD4F9635D}" type="datetimeFigureOut">
               <a:rPr lang="ko-KR" altLang="en-US" smtClean="0"/>
-              <a:t>2018-02-01</a:t>
+              <a:t>2018-02-04</a:t>
             </a:fld>
             <a:endParaRPr lang="ko-KR" altLang="en-US"/>
           </a:p>
@@ -428,7 +428,7 @@
           <a:p>
             <a:fld id="{06EFB4C7-7BEF-490C-A547-EABAD4F9635D}" type="datetimeFigureOut">
               <a:rPr lang="ko-KR" altLang="en-US" smtClean="0"/>
-              <a:t>2018-02-01</a:t>
+              <a:t>2018-02-04</a:t>
             </a:fld>
             <a:endParaRPr lang="ko-KR" altLang="en-US"/>
           </a:p>
@@ -608,7 +608,7 @@
           <a:p>
             <a:fld id="{06EFB4C7-7BEF-490C-A547-EABAD4F9635D}" type="datetimeFigureOut">
               <a:rPr lang="ko-KR" altLang="en-US" smtClean="0"/>
-              <a:t>2018-02-01</a:t>
+              <a:t>2018-02-04</a:t>
             </a:fld>
             <a:endParaRPr lang="ko-KR" altLang="en-US"/>
           </a:p>
@@ -778,7 +778,7 @@
           <a:p>
             <a:fld id="{06EFB4C7-7BEF-490C-A547-EABAD4F9635D}" type="datetimeFigureOut">
               <a:rPr lang="ko-KR" altLang="en-US" smtClean="0"/>
-              <a:t>2018-02-01</a:t>
+              <a:t>2018-02-04</a:t>
             </a:fld>
             <a:endParaRPr lang="ko-KR" altLang="en-US"/>
           </a:p>
@@ -1024,7 +1024,7 @@
           <a:p>
             <a:fld id="{06EFB4C7-7BEF-490C-A547-EABAD4F9635D}" type="datetimeFigureOut">
               <a:rPr lang="ko-KR" altLang="en-US" smtClean="0"/>
-              <a:t>2018-02-01</a:t>
+              <a:t>2018-02-04</a:t>
             </a:fld>
             <a:endParaRPr lang="ko-KR" altLang="en-US"/>
           </a:p>
@@ -1256,7 +1256,7 @@
           <a:p>
             <a:fld id="{06EFB4C7-7BEF-490C-A547-EABAD4F9635D}" type="datetimeFigureOut">
               <a:rPr lang="ko-KR" altLang="en-US" smtClean="0"/>
-              <a:t>2018-02-01</a:t>
+              <a:t>2018-02-04</a:t>
             </a:fld>
             <a:endParaRPr lang="ko-KR" altLang="en-US"/>
           </a:p>
@@ -1623,7 +1623,7 @@
           <a:p>
             <a:fld id="{06EFB4C7-7BEF-490C-A547-EABAD4F9635D}" type="datetimeFigureOut">
               <a:rPr lang="ko-KR" altLang="en-US" smtClean="0"/>
-              <a:t>2018-02-01</a:t>
+              <a:t>2018-02-04</a:t>
             </a:fld>
             <a:endParaRPr lang="ko-KR" altLang="en-US"/>
           </a:p>
@@ -1741,7 +1741,7 @@
           <a:p>
             <a:fld id="{06EFB4C7-7BEF-490C-A547-EABAD4F9635D}" type="datetimeFigureOut">
               <a:rPr lang="ko-KR" altLang="en-US" smtClean="0"/>
-              <a:t>2018-02-01</a:t>
+              <a:t>2018-02-04</a:t>
             </a:fld>
             <a:endParaRPr lang="ko-KR" altLang="en-US"/>
           </a:p>
@@ -1836,7 +1836,7 @@
           <a:p>
             <a:fld id="{06EFB4C7-7BEF-490C-A547-EABAD4F9635D}" type="datetimeFigureOut">
               <a:rPr lang="ko-KR" altLang="en-US" smtClean="0"/>
-              <a:t>2018-02-01</a:t>
+              <a:t>2018-02-04</a:t>
             </a:fld>
             <a:endParaRPr lang="ko-KR" altLang="en-US"/>
           </a:p>
@@ -2113,7 +2113,7 @@
           <a:p>
             <a:fld id="{06EFB4C7-7BEF-490C-A547-EABAD4F9635D}" type="datetimeFigureOut">
               <a:rPr lang="ko-KR" altLang="en-US" smtClean="0"/>
-              <a:t>2018-02-01</a:t>
+              <a:t>2018-02-04</a:t>
             </a:fld>
             <a:endParaRPr lang="ko-KR" altLang="en-US"/>
           </a:p>
@@ -2366,7 +2366,7 @@
           <a:p>
             <a:fld id="{06EFB4C7-7BEF-490C-A547-EABAD4F9635D}" type="datetimeFigureOut">
               <a:rPr lang="ko-KR" altLang="en-US" smtClean="0"/>
-              <a:t>2018-02-01</a:t>
+              <a:t>2018-02-04</a:t>
             </a:fld>
             <a:endParaRPr lang="ko-KR" altLang="en-US"/>
           </a:p>
@@ -2579,7 +2579,7 @@
           <a:p>
             <a:fld id="{06EFB4C7-7BEF-490C-A547-EABAD4F9635D}" type="datetimeFigureOut">
               <a:rPr lang="ko-KR" altLang="en-US" smtClean="0"/>
-              <a:t>2018-02-01</a:t>
+              <a:t>2018-02-04</a:t>
             </a:fld>
             <a:endParaRPr lang="ko-KR" altLang="en-US"/>
           </a:p>
@@ -9430,7 +9430,7 @@
         </p:blipFill>
         <p:spPr>
           <a:xfrm>
-            <a:off x="6400771" y="1406611"/>
+            <a:off x="6538794" y="2920480"/>
             <a:ext cx="3510829" cy="3510829"/>
           </a:xfrm>
           <a:prstGeom prst="rect">
@@ -9446,7 +9446,7 @@
         </p:nvSpPr>
         <p:spPr>
           <a:xfrm>
-            <a:off x="6895263" y="4309363"/>
+            <a:off x="7033286" y="5823232"/>
             <a:ext cx="2521844" cy="830997"/>
           </a:xfrm>
           <a:prstGeom prst="rect">
@@ -9477,6 +9477,82 @@
               <a:latin typeface="나눔바른고딕" panose="020B0603020101020101" pitchFamily="50" charset="-127"/>
               <a:ea typeface="나눔바른고딕" panose="020B0603020101020101" pitchFamily="50" charset="-127"/>
             </a:endParaRPr>
+          </a:p>
+        </p:txBody>
+      </p:sp>
+      <p:pic>
+        <p:nvPicPr>
+          <p:cNvPr id="4" name="그림 3"/>
+          <p:cNvPicPr>
+            <a:picLocks noChangeAspect="1"/>
+          </p:cNvPicPr>
+          <p:nvPr/>
+        </p:nvPicPr>
+        <p:blipFill>
+          <a:blip r:embed="rId3">
+            <a:extLst>
+              <a:ext uri="{28A0092B-C50C-407E-A947-70E740481C1C}">
+                <a14:useLocalDpi xmlns:a14="http://schemas.microsoft.com/office/drawing/2010/main" val="0"/>
+              </a:ext>
+            </a:extLst>
+          </a:blip>
+          <a:stretch>
+            <a:fillRect/>
+          </a:stretch>
+        </p:blipFill>
+        <p:spPr>
+          <a:xfrm>
+            <a:off x="6709021" y="1243665"/>
+            <a:ext cx="1520580" cy="1520580"/>
+          </a:xfrm>
+          <a:prstGeom prst="rect">
+            <a:avLst/>
+          </a:prstGeom>
+        </p:spPr>
+      </p:pic>
+      <p:sp>
+        <p:nvSpPr>
+          <p:cNvPr id="5" name="타원 4"/>
+          <p:cNvSpPr/>
+          <p:nvPr/>
+        </p:nvSpPr>
+        <p:spPr>
+          <a:xfrm>
+            <a:off x="6380422" y="878366"/>
+            <a:ext cx="2125740" cy="2125740"/>
+          </a:xfrm>
+          <a:prstGeom prst="ellipse">
+            <a:avLst/>
+          </a:prstGeom>
+          <a:noFill/>
+          <a:ln w="63500">
+            <a:solidFill>
+              <a:schemeClr val="bg1"/>
+            </a:solidFill>
+          </a:ln>
+        </p:spPr>
+        <p:style>
+          <a:lnRef idx="2">
+            <a:schemeClr val="accent1">
+              <a:shade val="50000"/>
+            </a:schemeClr>
+          </a:lnRef>
+          <a:fillRef idx="1">
+            <a:schemeClr val="accent1"/>
+          </a:fillRef>
+          <a:effectRef idx="0">
+            <a:schemeClr val="accent1"/>
+          </a:effectRef>
+          <a:fontRef idx="minor">
+            <a:schemeClr val="lt1"/>
+          </a:fontRef>
+        </p:style>
+        <p:txBody>
+          <a:bodyPr rtlCol="0" anchor="ctr"/>
+          <a:lstStyle/>
+          <a:p>
+            <a:pPr algn="ctr"/>
+            <a:endParaRPr lang="ko-KR" altLang="en-US"/>
           </a:p>
         </p:txBody>
       </p:sp>
@@ -9631,14 +9707,7 @@
                 <a:latin typeface="210 맨발의청춘 B" panose="02020603020101020101" pitchFamily="18" charset="-127"/>
                 <a:ea typeface="210 맨발의청춘 B" panose="02020603020101020101" pitchFamily="18" charset="-127"/>
               </a:rPr>
-              <a:t>인터뷰 </a:t>
-            </a:r>
-            <a:r>
-              <a:rPr lang="ko-KR" altLang="en-US" smtClean="0">
-                <a:latin typeface="210 맨발의청춘 B" panose="02020603020101020101" pitchFamily="18" charset="-127"/>
-                <a:ea typeface="210 맨발의청춘 B" panose="02020603020101020101" pitchFamily="18" charset="-127"/>
-              </a:rPr>
-              <a:t>리포트</a:t>
+              <a:t>인터뷰 리포트</a:t>
             </a:r>
             <a:endParaRPr lang="ko-KR" altLang="en-US" dirty="0">
               <a:latin typeface="210 맨발의청춘 B" panose="02020603020101020101" pitchFamily="18" charset="-127"/>
@@ -11983,21 +12052,21 @@
                 <a:gridCol w="3836954">
                   <a:extLst>
                     <a:ext uri="{9D8B030D-6E8A-4147-A177-3AD203B41FA5}">
-                      <a16:colId xmlns:a16="http://schemas.microsoft.com/office/drawing/2014/main" val="20000"/>
+                      <a16:colId xmlns:a16="http://schemas.microsoft.com/office/drawing/2014/main" xmlns="" val="20000"/>
                     </a:ext>
                   </a:extLst>
                 </a:gridCol>
                 <a:gridCol w="1632857">
                   <a:extLst>
                     <a:ext uri="{9D8B030D-6E8A-4147-A177-3AD203B41FA5}">
-                      <a16:colId xmlns:a16="http://schemas.microsoft.com/office/drawing/2014/main" val="20001"/>
+                      <a16:colId xmlns:a16="http://schemas.microsoft.com/office/drawing/2014/main" xmlns="" val="20001"/>
                     </a:ext>
                   </a:extLst>
                 </a:gridCol>
                 <a:gridCol w="6055568">
                   <a:extLst>
                     <a:ext uri="{9D8B030D-6E8A-4147-A177-3AD203B41FA5}">
-                      <a16:colId xmlns:a16="http://schemas.microsoft.com/office/drawing/2014/main" val="20002"/>
+                      <a16:colId xmlns:a16="http://schemas.microsoft.com/office/drawing/2014/main" xmlns="" val="20002"/>
                     </a:ext>
                   </a:extLst>
                 </a:gridCol>
@@ -12062,7 +12131,7 @@
                 </a:tc>
                 <a:extLst>
                   <a:ext uri="{0D108BD9-81ED-4DB2-BD59-A6C34878D82A}">
-                    <a16:rowId xmlns:a16="http://schemas.microsoft.com/office/drawing/2014/main" val="10000"/>
+                    <a16:rowId xmlns:a16="http://schemas.microsoft.com/office/drawing/2014/main" xmlns="" val="10000"/>
                   </a:ext>
                 </a:extLst>
               </a:tr>
@@ -12138,7 +12207,7 @@
                 </a:tc>
                 <a:extLst>
                   <a:ext uri="{0D108BD9-81ED-4DB2-BD59-A6C34878D82A}">
-                    <a16:rowId xmlns:a16="http://schemas.microsoft.com/office/drawing/2014/main" val="10001"/>
+                    <a16:rowId xmlns:a16="http://schemas.microsoft.com/office/drawing/2014/main" xmlns="" val="10001"/>
                   </a:ext>
                 </a:extLst>
               </a:tr>
@@ -12210,7 +12279,7 @@
                 </a:tc>
                 <a:extLst>
                   <a:ext uri="{0D108BD9-81ED-4DB2-BD59-A6C34878D82A}">
-                    <a16:rowId xmlns:a16="http://schemas.microsoft.com/office/drawing/2014/main" val="10002"/>
+                    <a16:rowId xmlns:a16="http://schemas.microsoft.com/office/drawing/2014/main" xmlns="" val="10002"/>
                   </a:ext>
                 </a:extLst>
               </a:tr>
@@ -12286,7 +12355,7 @@
                 </a:tc>
                 <a:extLst>
                   <a:ext uri="{0D108BD9-81ED-4DB2-BD59-A6C34878D82A}">
-                    <a16:rowId xmlns:a16="http://schemas.microsoft.com/office/drawing/2014/main" val="10003"/>
+                    <a16:rowId xmlns:a16="http://schemas.microsoft.com/office/drawing/2014/main" xmlns="" val="10003"/>
                   </a:ext>
                 </a:extLst>
               </a:tr>
@@ -12346,7 +12415,7 @@
                 </a:tc>
                 <a:extLst>
                   <a:ext uri="{0D108BD9-81ED-4DB2-BD59-A6C34878D82A}">
-                    <a16:rowId xmlns:a16="http://schemas.microsoft.com/office/drawing/2014/main" val="10004"/>
+                    <a16:rowId xmlns:a16="http://schemas.microsoft.com/office/drawing/2014/main" xmlns="" val="10004"/>
                   </a:ext>
                 </a:extLst>
               </a:tr>
@@ -12386,7 +12455,7 @@
                 </a:tc>
                 <a:extLst>
                   <a:ext uri="{0D108BD9-81ED-4DB2-BD59-A6C34878D82A}">
-                    <a16:rowId xmlns:a16="http://schemas.microsoft.com/office/drawing/2014/main" val="10005"/>
+                    <a16:rowId xmlns:a16="http://schemas.microsoft.com/office/drawing/2014/main" xmlns="" val="10005"/>
                   </a:ext>
                 </a:extLst>
               </a:tr>
@@ -12426,7 +12495,7 @@
                 </a:tc>
                 <a:extLst>
                   <a:ext uri="{0D108BD9-81ED-4DB2-BD59-A6C34878D82A}">
-                    <a16:rowId xmlns:a16="http://schemas.microsoft.com/office/drawing/2014/main" val="10006"/>
+                    <a16:rowId xmlns:a16="http://schemas.microsoft.com/office/drawing/2014/main" xmlns="" val="10006"/>
                   </a:ext>
                 </a:extLst>
               </a:tr>
@@ -12466,7 +12535,7 @@
                 </a:tc>
                 <a:extLst>
                   <a:ext uri="{0D108BD9-81ED-4DB2-BD59-A6C34878D82A}">
-                    <a16:rowId xmlns:a16="http://schemas.microsoft.com/office/drawing/2014/main" val="10007"/>
+                    <a16:rowId xmlns:a16="http://schemas.microsoft.com/office/drawing/2014/main" xmlns="" val="10007"/>
                   </a:ext>
                 </a:extLst>
               </a:tr>
